--- a/第7章決定木.pptx
+++ b/第7章決定木.pptx
@@ -5,16 +5,18 @@
     <p:sldMasterId id="2147483648" r:id="rId1"/>
   </p:sldMasterIdLst>
   <p:notesMasterIdLst>
-    <p:notesMasterId r:id="rId7"/>
+    <p:notesMasterId r:id="rId9"/>
   </p:notesMasterIdLst>
   <p:handoutMasterIdLst>
-    <p:handoutMasterId r:id="rId8"/>
+    <p:handoutMasterId r:id="rId10"/>
   </p:handoutMasterIdLst>
   <p:sldIdLst>
-    <p:sldId id="256" r:id="rId3"/>
-    <p:sldId id="258" r:id="rId4"/>
-    <p:sldId id="259" r:id="rId5"/>
-    <p:sldId id="257" r:id="rId6"/>
+    <p:sldId id="261" r:id="rId3"/>
+    <p:sldId id="256" r:id="rId4"/>
+    <p:sldId id="258" r:id="rId5"/>
+    <p:sldId id="259" r:id="rId6"/>
+    <p:sldId id="257" r:id="rId7"/>
+    <p:sldId id="262" r:id="rId8"/>
   </p:sldIdLst>
   <p:sldSz cx="12192000" cy="6858000"/>
   <p:notesSz cx="7103745" cy="10234295"/>
@@ -3523,6 +3525,2853 @@
 </file>
 
 <file path=ppt/slides/slide1.xml><?xml version="1.0" encoding="utf-8"?>
+<p:sld xmlns:a="http://schemas.openxmlformats.org/drawingml/2006/main" xmlns:r="http://schemas.openxmlformats.org/officeDocument/2006/relationships" xmlns:p="http://schemas.openxmlformats.org/presentationml/2006/main" show="0">
+  <p:cSld>
+    <p:spTree>
+      <p:nvGrpSpPr>
+        <p:cNvPr id="1" name=""/>
+        <p:cNvGrpSpPr/>
+        <p:nvPr/>
+      </p:nvGrpSpPr>
+      <p:grpSpPr/>
+      <p:grpSp>
+        <p:nvGrpSpPr>
+          <p:cNvPr id="70" name="Group 69"/>
+          <p:cNvGrpSpPr/>
+          <p:nvPr/>
+        </p:nvGrpSpPr>
+        <p:grpSpPr>
+          <a:xfrm>
+            <a:off x="1460500" y="655955"/>
+            <a:ext cx="4732020" cy="5406390"/>
+            <a:chOff x="2300" y="1033"/>
+            <a:chExt cx="7452" cy="8514"/>
+          </a:xfrm>
+        </p:grpSpPr>
+        <p:cxnSp>
+          <p:nvCxnSpPr>
+            <p:cNvPr id="20" name="Straight Connector 19"/>
+            <p:cNvCxnSpPr/>
+            <p:nvPr/>
+          </p:nvCxnSpPr>
+          <p:spPr>
+            <a:xfrm flipH="1">
+              <a:off x="3884" y="2726"/>
+              <a:ext cx="25" cy="3846"/>
+            </a:xfrm>
+            <a:prstGeom prst="line">
+              <a:avLst/>
+            </a:prstGeom>
+            <a:ln w="28575" cmpd="sng">
+              <a:solidFill>
+                <a:schemeClr val="bg1">
+                  <a:lumMod val="75000"/>
+                </a:schemeClr>
+              </a:solidFill>
+              <a:prstDash val="solid"/>
+            </a:ln>
+          </p:spPr>
+          <p:style>
+            <a:lnRef idx="1">
+              <a:schemeClr val="accent1"/>
+            </a:lnRef>
+            <a:fillRef idx="0">
+              <a:schemeClr val="accent1"/>
+            </a:fillRef>
+            <a:effectRef idx="0">
+              <a:schemeClr val="accent1"/>
+            </a:effectRef>
+            <a:fontRef idx="minor">
+              <a:schemeClr val="tx1"/>
+            </a:fontRef>
+          </p:style>
+        </p:cxnSp>
+        <p:cxnSp>
+          <p:nvCxnSpPr>
+            <p:cNvPr id="49" name="Straight Connector 48"/>
+            <p:cNvCxnSpPr/>
+            <p:nvPr/>
+          </p:nvCxnSpPr>
+          <p:spPr>
+            <a:xfrm flipV="1">
+              <a:off x="6159" y="3396"/>
+              <a:ext cx="2267" cy="1828"/>
+            </a:xfrm>
+            <a:prstGeom prst="line">
+              <a:avLst/>
+            </a:prstGeom>
+            <a:ln w="28575" cmpd="sng">
+              <a:solidFill>
+                <a:schemeClr val="bg1">
+                  <a:lumMod val="75000"/>
+                </a:schemeClr>
+              </a:solidFill>
+              <a:prstDash val="solid"/>
+            </a:ln>
+          </p:spPr>
+          <p:style>
+            <a:lnRef idx="1">
+              <a:schemeClr val="accent1"/>
+            </a:lnRef>
+            <a:fillRef idx="0">
+              <a:schemeClr val="accent1"/>
+            </a:fillRef>
+            <a:effectRef idx="0">
+              <a:schemeClr val="accent1"/>
+            </a:effectRef>
+            <a:fontRef idx="minor">
+              <a:schemeClr val="tx1"/>
+            </a:fontRef>
+          </p:style>
+        </p:cxnSp>
+        <p:cxnSp>
+          <p:nvCxnSpPr>
+            <p:cNvPr id="4" name="Straight Connector 3"/>
+            <p:cNvCxnSpPr/>
+            <p:nvPr/>
+          </p:nvCxnSpPr>
+          <p:spPr>
+            <a:xfrm flipV="1">
+              <a:off x="4120" y="9529"/>
+              <a:ext cx="4022" cy="19"/>
+            </a:xfrm>
+            <a:prstGeom prst="line">
+              <a:avLst/>
+            </a:prstGeom>
+            <a:ln w="28575" cmpd="sng">
+              <a:solidFill>
+                <a:schemeClr val="bg1">
+                  <a:lumMod val="75000"/>
+                </a:schemeClr>
+              </a:solidFill>
+              <a:prstDash val="solid"/>
+            </a:ln>
+          </p:spPr>
+          <p:style>
+            <a:lnRef idx="1">
+              <a:schemeClr val="accent1"/>
+            </a:lnRef>
+            <a:fillRef idx="0">
+              <a:schemeClr val="accent1"/>
+            </a:fillRef>
+            <a:effectRef idx="0">
+              <a:schemeClr val="accent1"/>
+            </a:effectRef>
+            <a:fontRef idx="minor">
+              <a:schemeClr val="tx1"/>
+            </a:fontRef>
+          </p:style>
+        </p:cxnSp>
+        <p:cxnSp>
+          <p:nvCxnSpPr>
+            <p:cNvPr id="5" name="Straight Connector 4"/>
+            <p:cNvCxnSpPr/>
+            <p:nvPr/>
+          </p:nvCxnSpPr>
+          <p:spPr>
+            <a:xfrm flipH="1">
+              <a:off x="6119" y="1258"/>
+              <a:ext cx="24" cy="8271"/>
+            </a:xfrm>
+            <a:prstGeom prst="line">
+              <a:avLst/>
+            </a:prstGeom>
+            <a:ln w="28575" cmpd="sng">
+              <a:solidFill>
+                <a:schemeClr val="bg1">
+                  <a:lumMod val="75000"/>
+                </a:schemeClr>
+              </a:solidFill>
+              <a:prstDash val="solid"/>
+            </a:ln>
+          </p:spPr>
+          <p:style>
+            <a:lnRef idx="1">
+              <a:schemeClr val="accent1"/>
+            </a:lnRef>
+            <a:fillRef idx="0">
+              <a:schemeClr val="accent1"/>
+            </a:fillRef>
+            <a:effectRef idx="0">
+              <a:schemeClr val="accent1"/>
+            </a:effectRef>
+            <a:fontRef idx="minor">
+              <a:schemeClr val="tx1"/>
+            </a:fontRef>
+          </p:style>
+        </p:cxnSp>
+        <p:cxnSp>
+          <p:nvCxnSpPr>
+            <p:cNvPr id="25" name="Straight Connector 24"/>
+            <p:cNvCxnSpPr/>
+            <p:nvPr/>
+          </p:nvCxnSpPr>
+          <p:spPr>
+            <a:xfrm flipV="1">
+              <a:off x="3884" y="5583"/>
+              <a:ext cx="887" cy="989"/>
+            </a:xfrm>
+            <a:prstGeom prst="line">
+              <a:avLst/>
+            </a:prstGeom>
+            <a:ln w="28575" cmpd="sng">
+              <a:solidFill>
+                <a:schemeClr val="bg1">
+                  <a:lumMod val="75000"/>
+                </a:schemeClr>
+              </a:solidFill>
+              <a:prstDash val="solid"/>
+            </a:ln>
+          </p:spPr>
+          <p:style>
+            <a:lnRef idx="1">
+              <a:schemeClr val="accent1"/>
+            </a:lnRef>
+            <a:fillRef idx="0">
+              <a:schemeClr val="accent1"/>
+            </a:fillRef>
+            <a:effectRef idx="0">
+              <a:schemeClr val="accent1"/>
+            </a:effectRef>
+            <a:fontRef idx="minor">
+              <a:schemeClr val="tx1"/>
+            </a:fontRef>
+          </p:style>
+        </p:cxnSp>
+        <p:cxnSp>
+          <p:nvCxnSpPr>
+            <p:cNvPr id="6" name="Straight Connector 5"/>
+            <p:cNvCxnSpPr/>
+            <p:nvPr/>
+          </p:nvCxnSpPr>
+          <p:spPr>
+            <a:xfrm>
+              <a:off x="3909" y="6572"/>
+              <a:ext cx="2234" cy="1021"/>
+            </a:xfrm>
+            <a:prstGeom prst="line">
+              <a:avLst/>
+            </a:prstGeom>
+            <a:ln w="28575" cmpd="sng">
+              <a:solidFill>
+                <a:schemeClr val="bg1">
+                  <a:lumMod val="75000"/>
+                </a:schemeClr>
+              </a:solidFill>
+              <a:prstDash val="solid"/>
+            </a:ln>
+          </p:spPr>
+          <p:style>
+            <a:lnRef idx="1">
+              <a:schemeClr val="accent1"/>
+            </a:lnRef>
+            <a:fillRef idx="0">
+              <a:schemeClr val="accent1"/>
+            </a:fillRef>
+            <a:effectRef idx="0">
+              <a:schemeClr val="accent1"/>
+            </a:effectRef>
+            <a:fontRef idx="minor">
+              <a:schemeClr val="tx1"/>
+            </a:fontRef>
+          </p:style>
+        </p:cxnSp>
+        <p:cxnSp>
+          <p:nvCxnSpPr>
+            <p:cNvPr id="7" name="Straight Connector 6"/>
+            <p:cNvCxnSpPr/>
+            <p:nvPr/>
+          </p:nvCxnSpPr>
+          <p:spPr>
+            <a:xfrm flipV="1">
+              <a:off x="6119" y="6668"/>
+              <a:ext cx="2155" cy="925"/>
+            </a:xfrm>
+            <a:prstGeom prst="line">
+              <a:avLst/>
+            </a:prstGeom>
+            <a:ln w="28575" cmpd="sng">
+              <a:solidFill>
+                <a:schemeClr val="bg1">
+                  <a:lumMod val="75000"/>
+                </a:schemeClr>
+              </a:solidFill>
+              <a:prstDash val="solid"/>
+            </a:ln>
+          </p:spPr>
+          <p:style>
+            <a:lnRef idx="1">
+              <a:schemeClr val="accent1"/>
+            </a:lnRef>
+            <a:fillRef idx="0">
+              <a:schemeClr val="accent1"/>
+            </a:fillRef>
+            <a:effectRef idx="0">
+              <a:schemeClr val="accent1"/>
+            </a:effectRef>
+            <a:fontRef idx="minor">
+              <a:schemeClr val="tx1"/>
+            </a:fontRef>
+          </p:style>
+        </p:cxnSp>
+        <p:cxnSp>
+          <p:nvCxnSpPr>
+            <p:cNvPr id="8" name="Straight Connector 7"/>
+            <p:cNvCxnSpPr/>
+            <p:nvPr/>
+          </p:nvCxnSpPr>
+          <p:spPr>
+            <a:xfrm>
+              <a:off x="2760" y="5375"/>
+              <a:ext cx="1149" cy="1197"/>
+            </a:xfrm>
+            <a:prstGeom prst="line">
+              <a:avLst/>
+            </a:prstGeom>
+            <a:ln w="28575" cmpd="sng">
+              <a:solidFill>
+                <a:schemeClr val="bg1">
+                  <a:lumMod val="75000"/>
+                </a:schemeClr>
+              </a:solidFill>
+              <a:prstDash val="solid"/>
+            </a:ln>
+          </p:spPr>
+          <p:style>
+            <a:lnRef idx="1">
+              <a:schemeClr val="accent1"/>
+            </a:lnRef>
+            <a:fillRef idx="0">
+              <a:schemeClr val="accent1"/>
+            </a:fillRef>
+            <a:effectRef idx="0">
+              <a:schemeClr val="accent1"/>
+            </a:effectRef>
+            <a:fontRef idx="minor">
+              <a:schemeClr val="tx1"/>
+            </a:fontRef>
+          </p:style>
+        </p:cxnSp>
+        <p:sp>
+          <p:nvSpPr>
+            <p:cNvPr id="9" name="Oval 8"/>
+            <p:cNvSpPr/>
+            <p:nvPr/>
+          </p:nvSpPr>
+          <p:spPr>
+            <a:xfrm>
+              <a:off x="5843" y="7242"/>
+              <a:ext cx="576" cy="576"/>
+            </a:xfrm>
+            <a:prstGeom prst="ellipse">
+              <a:avLst/>
+            </a:prstGeom>
+            <a:ln>
+              <a:noFill/>
+            </a:ln>
+          </p:spPr>
+          <p:style>
+            <a:lnRef idx="2">
+              <a:schemeClr val="accent1">
+                <a:shade val="50000"/>
+              </a:schemeClr>
+            </a:lnRef>
+            <a:fillRef idx="1">
+              <a:schemeClr val="accent1"/>
+            </a:fillRef>
+            <a:effectRef idx="0">
+              <a:schemeClr val="accent1"/>
+            </a:effectRef>
+            <a:fontRef idx="minor">
+              <a:schemeClr val="lt1"/>
+            </a:fontRef>
+          </p:style>
+          <p:txBody>
+            <a:bodyPr rtlCol="0" anchor="ctr"/>
+            <a:p>
+              <a:pPr algn="ctr"/>
+              <a:endParaRPr lang="en-US">
+                <a:ln>
+                  <a:noFill/>
+                </a:ln>
+                <a:solidFill>
+                  <a:schemeClr val="accent5"/>
+                </a:solidFill>
+              </a:endParaRPr>
+            </a:p>
+          </p:txBody>
+        </p:sp>
+        <p:sp>
+          <p:nvSpPr>
+            <p:cNvPr id="10" name="Oval 9"/>
+            <p:cNvSpPr/>
+            <p:nvPr/>
+          </p:nvSpPr>
+          <p:spPr>
+            <a:xfrm>
+              <a:off x="3608" y="6286"/>
+              <a:ext cx="576" cy="576"/>
+            </a:xfrm>
+            <a:prstGeom prst="ellipse">
+              <a:avLst/>
+            </a:prstGeom>
+            <a:ln>
+              <a:noFill/>
+            </a:ln>
+          </p:spPr>
+          <p:style>
+            <a:lnRef idx="2">
+              <a:schemeClr val="accent1">
+                <a:shade val="50000"/>
+              </a:schemeClr>
+            </a:lnRef>
+            <a:fillRef idx="1">
+              <a:schemeClr val="accent1"/>
+            </a:fillRef>
+            <a:effectRef idx="0">
+              <a:schemeClr val="accent1"/>
+            </a:effectRef>
+            <a:fontRef idx="minor">
+              <a:schemeClr val="lt1"/>
+            </a:fontRef>
+          </p:style>
+          <p:txBody>
+            <a:bodyPr rtlCol="0" anchor="ctr"/>
+            <a:p>
+              <a:pPr algn="ctr"/>
+              <a:endParaRPr lang="en-US">
+                <a:ln>
+                  <a:noFill/>
+                </a:ln>
+                <a:solidFill>
+                  <a:schemeClr val="accent5"/>
+                </a:solidFill>
+              </a:endParaRPr>
+            </a:p>
+          </p:txBody>
+        </p:sp>
+        <p:cxnSp>
+          <p:nvCxnSpPr>
+            <p:cNvPr id="39" name="Straight Connector 38"/>
+            <p:cNvCxnSpPr/>
+            <p:nvPr/>
+          </p:nvCxnSpPr>
+          <p:spPr>
+            <a:xfrm flipH="1">
+              <a:off x="8299" y="4641"/>
+              <a:ext cx="31" cy="2027"/>
+            </a:xfrm>
+            <a:prstGeom prst="line">
+              <a:avLst/>
+            </a:prstGeom>
+            <a:ln w="28575" cmpd="sng">
+              <a:solidFill>
+                <a:schemeClr val="bg1">
+                  <a:lumMod val="75000"/>
+                </a:schemeClr>
+              </a:solidFill>
+              <a:prstDash val="solid"/>
+            </a:ln>
+          </p:spPr>
+          <p:style>
+            <a:lnRef idx="1">
+              <a:schemeClr val="accent1"/>
+            </a:lnRef>
+            <a:fillRef idx="0">
+              <a:schemeClr val="accent1"/>
+            </a:fillRef>
+            <a:effectRef idx="0">
+              <a:schemeClr val="accent1"/>
+            </a:effectRef>
+            <a:fontRef idx="minor">
+              <a:schemeClr val="tx1"/>
+            </a:fontRef>
+          </p:style>
+        </p:cxnSp>
+        <p:sp>
+          <p:nvSpPr>
+            <p:cNvPr id="11" name="Oval 10"/>
+            <p:cNvSpPr/>
+            <p:nvPr/>
+          </p:nvSpPr>
+          <p:spPr>
+            <a:xfrm>
+              <a:off x="5843" y="4973"/>
+              <a:ext cx="576" cy="576"/>
+            </a:xfrm>
+            <a:prstGeom prst="ellipse">
+              <a:avLst/>
+            </a:prstGeom>
+            <a:ln>
+              <a:noFill/>
+            </a:ln>
+          </p:spPr>
+          <p:style>
+            <a:lnRef idx="2">
+              <a:schemeClr val="accent1">
+                <a:shade val="50000"/>
+              </a:schemeClr>
+            </a:lnRef>
+            <a:fillRef idx="1">
+              <a:schemeClr val="accent1"/>
+            </a:fillRef>
+            <a:effectRef idx="0">
+              <a:schemeClr val="accent1"/>
+            </a:effectRef>
+            <a:fontRef idx="minor">
+              <a:schemeClr val="lt1"/>
+            </a:fontRef>
+          </p:style>
+          <p:txBody>
+            <a:bodyPr rtlCol="0" anchor="ctr"/>
+            <a:p>
+              <a:pPr algn="ctr"/>
+              <a:endParaRPr lang="en-US">
+                <a:ln>
+                  <a:noFill/>
+                </a:ln>
+                <a:solidFill>
+                  <a:schemeClr val="accent5"/>
+                </a:solidFill>
+              </a:endParaRPr>
+            </a:p>
+          </p:txBody>
+        </p:sp>
+        <p:cxnSp>
+          <p:nvCxnSpPr>
+            <p:cNvPr id="56" name="Straight Connector 55"/>
+            <p:cNvCxnSpPr/>
+            <p:nvPr/>
+          </p:nvCxnSpPr>
+          <p:spPr>
+            <a:xfrm flipH="1">
+              <a:off x="7090" y="3165"/>
+              <a:ext cx="7" cy="1325"/>
+            </a:xfrm>
+            <a:prstGeom prst="line">
+              <a:avLst/>
+            </a:prstGeom>
+            <a:ln w="28575" cmpd="sng">
+              <a:solidFill>
+                <a:schemeClr val="bg1">
+                  <a:lumMod val="75000"/>
+                </a:schemeClr>
+              </a:solidFill>
+              <a:prstDash val="solid"/>
+            </a:ln>
+          </p:spPr>
+          <p:style>
+            <a:lnRef idx="1">
+              <a:schemeClr val="accent1"/>
+            </a:lnRef>
+            <a:fillRef idx="0">
+              <a:schemeClr val="accent1"/>
+            </a:fillRef>
+            <a:effectRef idx="0">
+              <a:schemeClr val="accent1"/>
+            </a:effectRef>
+            <a:fontRef idx="minor">
+              <a:schemeClr val="tx1"/>
+            </a:fontRef>
+          </p:style>
+        </p:cxnSp>
+        <p:sp>
+          <p:nvSpPr>
+            <p:cNvPr id="13" name="Oval 12"/>
+            <p:cNvSpPr/>
+            <p:nvPr/>
+          </p:nvSpPr>
+          <p:spPr>
+            <a:xfrm>
+              <a:off x="2444" y="5008"/>
+              <a:ext cx="576" cy="576"/>
+            </a:xfrm>
+            <a:prstGeom prst="ellipse">
+              <a:avLst/>
+            </a:prstGeom>
+            <a:solidFill>
+              <a:schemeClr val="accent2"/>
+            </a:solidFill>
+            <a:ln>
+              <a:noFill/>
+            </a:ln>
+          </p:spPr>
+          <p:style>
+            <a:lnRef idx="2">
+              <a:schemeClr val="accent1">
+                <a:shade val="50000"/>
+              </a:schemeClr>
+            </a:lnRef>
+            <a:fillRef idx="1">
+              <a:schemeClr val="accent1"/>
+            </a:fillRef>
+            <a:effectRef idx="0">
+              <a:schemeClr val="accent1"/>
+            </a:effectRef>
+            <a:fontRef idx="minor">
+              <a:schemeClr val="lt1"/>
+            </a:fontRef>
+          </p:style>
+          <p:txBody>
+            <a:bodyPr rtlCol="0" anchor="ctr"/>
+            <a:p>
+              <a:pPr algn="ctr"/>
+              <a:endParaRPr lang="en-US">
+                <a:ln>
+                  <a:noFill/>
+                </a:ln>
+                <a:solidFill>
+                  <a:schemeClr val="accent5"/>
+                </a:solidFill>
+              </a:endParaRPr>
+            </a:p>
+          </p:txBody>
+        </p:sp>
+        <p:cxnSp>
+          <p:nvCxnSpPr>
+            <p:cNvPr id="42" name="Straight Connector 41"/>
+            <p:cNvCxnSpPr/>
+            <p:nvPr/>
+          </p:nvCxnSpPr>
+          <p:spPr>
+            <a:xfrm flipV="1">
+              <a:off x="8314" y="5714"/>
+              <a:ext cx="887" cy="989"/>
+            </a:xfrm>
+            <a:prstGeom prst="line">
+              <a:avLst/>
+            </a:prstGeom>
+            <a:ln w="28575" cmpd="sng">
+              <a:solidFill>
+                <a:schemeClr val="bg1">
+                  <a:lumMod val="75000"/>
+                </a:schemeClr>
+              </a:solidFill>
+              <a:prstDash val="solid"/>
+            </a:ln>
+          </p:spPr>
+          <p:style>
+            <a:lnRef idx="1">
+              <a:schemeClr val="accent1"/>
+            </a:lnRef>
+            <a:fillRef idx="0">
+              <a:schemeClr val="accent1"/>
+            </a:fillRef>
+            <a:effectRef idx="0">
+              <a:schemeClr val="accent1"/>
+            </a:effectRef>
+            <a:fontRef idx="minor">
+              <a:schemeClr val="tx1"/>
+            </a:fontRef>
+          </p:style>
+        </p:cxnSp>
+        <p:sp>
+          <p:nvSpPr>
+            <p:cNvPr id="17" name="Oval 16"/>
+            <p:cNvSpPr/>
+            <p:nvPr/>
+          </p:nvSpPr>
+          <p:spPr>
+            <a:xfrm>
+              <a:off x="5699" y="7098"/>
+              <a:ext cx="864" cy="864"/>
+            </a:xfrm>
+            <a:prstGeom prst="ellipse">
+              <a:avLst/>
+            </a:prstGeom>
+            <a:solidFill>
+              <a:srgbClr val="5B9BD5">
+                <a:alpha val="50000"/>
+              </a:srgbClr>
+            </a:solidFill>
+            <a:ln>
+              <a:noFill/>
+            </a:ln>
+          </p:spPr>
+          <p:style>
+            <a:lnRef idx="2">
+              <a:schemeClr val="accent1">
+                <a:shade val="50000"/>
+              </a:schemeClr>
+            </a:lnRef>
+            <a:fillRef idx="1">
+              <a:schemeClr val="accent1"/>
+            </a:fillRef>
+            <a:effectRef idx="0">
+              <a:schemeClr val="accent1"/>
+            </a:effectRef>
+            <a:fontRef idx="minor">
+              <a:schemeClr val="lt1"/>
+            </a:fontRef>
+          </p:style>
+          <p:txBody>
+            <a:bodyPr rtlCol="0" anchor="ctr"/>
+            <a:p>
+              <a:pPr algn="ctr"/>
+              <a:endParaRPr lang="en-US">
+                <a:ln>
+                  <a:noFill/>
+                </a:ln>
+                <a:solidFill>
+                  <a:schemeClr val="accent5"/>
+                </a:solidFill>
+              </a:endParaRPr>
+            </a:p>
+          </p:txBody>
+        </p:sp>
+        <p:sp>
+          <p:nvSpPr>
+            <p:cNvPr id="18" name="Oval 17"/>
+            <p:cNvSpPr/>
+            <p:nvPr/>
+          </p:nvSpPr>
+          <p:spPr>
+            <a:xfrm>
+              <a:off x="3392" y="6090"/>
+              <a:ext cx="1008" cy="1008"/>
+            </a:xfrm>
+            <a:prstGeom prst="ellipse">
+              <a:avLst/>
+            </a:prstGeom>
+            <a:solidFill>
+              <a:srgbClr val="5B9BD5">
+                <a:alpha val="50000"/>
+              </a:srgbClr>
+            </a:solidFill>
+            <a:ln>
+              <a:noFill/>
+            </a:ln>
+          </p:spPr>
+          <p:style>
+            <a:lnRef idx="2">
+              <a:schemeClr val="accent1">
+                <a:shade val="50000"/>
+              </a:schemeClr>
+            </a:lnRef>
+            <a:fillRef idx="1">
+              <a:schemeClr val="accent1"/>
+            </a:fillRef>
+            <a:effectRef idx="0">
+              <a:schemeClr val="accent1"/>
+            </a:effectRef>
+            <a:fontRef idx="minor">
+              <a:schemeClr val="lt1"/>
+            </a:fontRef>
+          </p:style>
+          <p:txBody>
+            <a:bodyPr rtlCol="0" anchor="ctr"/>
+            <a:p>
+              <a:pPr algn="ctr"/>
+              <a:endParaRPr lang="en-US">
+                <a:ln>
+                  <a:noFill/>
+                </a:ln>
+                <a:solidFill>
+                  <a:schemeClr val="accent5"/>
+                </a:solidFill>
+              </a:endParaRPr>
+            </a:p>
+          </p:txBody>
+        </p:sp>
+        <p:sp>
+          <p:nvSpPr>
+            <p:cNvPr id="19" name="Oval 18"/>
+            <p:cNvSpPr/>
+            <p:nvPr/>
+          </p:nvSpPr>
+          <p:spPr>
+            <a:xfrm>
+              <a:off x="2300" y="4864"/>
+              <a:ext cx="864" cy="864"/>
+            </a:xfrm>
+            <a:prstGeom prst="ellipse">
+              <a:avLst/>
+            </a:prstGeom>
+            <a:solidFill>
+              <a:srgbClr val="ED7D31">
+                <a:alpha val="50000"/>
+              </a:srgbClr>
+            </a:solidFill>
+            <a:ln>
+              <a:noFill/>
+            </a:ln>
+          </p:spPr>
+          <p:style>
+            <a:lnRef idx="2">
+              <a:schemeClr val="accent1">
+                <a:shade val="50000"/>
+              </a:schemeClr>
+            </a:lnRef>
+            <a:fillRef idx="1">
+              <a:schemeClr val="accent1"/>
+            </a:fillRef>
+            <a:effectRef idx="0">
+              <a:schemeClr val="accent1"/>
+            </a:effectRef>
+            <a:fontRef idx="minor">
+              <a:schemeClr val="lt1"/>
+            </a:fontRef>
+          </p:style>
+          <p:txBody>
+            <a:bodyPr rtlCol="0" anchor="ctr"/>
+            <a:p>
+              <a:pPr algn="ctr"/>
+              <a:endParaRPr lang="en-US">
+                <a:ln>
+                  <a:noFill/>
+                </a:ln>
+                <a:solidFill>
+                  <a:schemeClr val="accent5"/>
+                </a:solidFill>
+              </a:endParaRPr>
+            </a:p>
+          </p:txBody>
+        </p:sp>
+        <p:cxnSp>
+          <p:nvCxnSpPr>
+            <p:cNvPr id="21" name="Straight Connector 20"/>
+            <p:cNvCxnSpPr/>
+            <p:nvPr/>
+          </p:nvCxnSpPr>
+          <p:spPr>
+            <a:xfrm>
+              <a:off x="2735" y="3429"/>
+              <a:ext cx="1149" cy="1197"/>
+            </a:xfrm>
+            <a:prstGeom prst="line">
+              <a:avLst/>
+            </a:prstGeom>
+            <a:ln w="28575" cmpd="sng">
+              <a:solidFill>
+                <a:schemeClr val="bg1">
+                  <a:lumMod val="75000"/>
+                </a:schemeClr>
+              </a:solidFill>
+              <a:prstDash val="solid"/>
+            </a:ln>
+          </p:spPr>
+          <p:style>
+            <a:lnRef idx="1">
+              <a:schemeClr val="accent1"/>
+            </a:lnRef>
+            <a:fillRef idx="0">
+              <a:schemeClr val="accent1"/>
+            </a:fillRef>
+            <a:effectRef idx="0">
+              <a:schemeClr val="accent1"/>
+            </a:effectRef>
+            <a:fontRef idx="minor">
+              <a:schemeClr val="tx1"/>
+            </a:fontRef>
+          </p:style>
+        </p:cxnSp>
+        <p:cxnSp>
+          <p:nvCxnSpPr>
+            <p:cNvPr id="40" name="Straight Connector 39"/>
+            <p:cNvCxnSpPr/>
+            <p:nvPr/>
+          </p:nvCxnSpPr>
+          <p:spPr>
+            <a:xfrm>
+              <a:off x="7125" y="5471"/>
+              <a:ext cx="1149" cy="1197"/>
+            </a:xfrm>
+            <a:prstGeom prst="line">
+              <a:avLst/>
+            </a:prstGeom>
+            <a:ln w="28575" cmpd="sng">
+              <a:solidFill>
+                <a:schemeClr val="bg1">
+                  <a:lumMod val="75000"/>
+                </a:schemeClr>
+              </a:solidFill>
+              <a:prstDash val="solid"/>
+            </a:ln>
+          </p:spPr>
+          <p:style>
+            <a:lnRef idx="1">
+              <a:schemeClr val="accent1"/>
+            </a:lnRef>
+            <a:fillRef idx="0">
+              <a:schemeClr val="accent1"/>
+            </a:fillRef>
+            <a:effectRef idx="0">
+              <a:schemeClr val="accent1"/>
+            </a:effectRef>
+            <a:fontRef idx="minor">
+              <a:schemeClr val="tx1"/>
+            </a:fontRef>
+          </p:style>
+        </p:cxnSp>
+        <p:sp>
+          <p:nvSpPr>
+            <p:cNvPr id="23" name="Oval 22"/>
+            <p:cNvSpPr/>
+            <p:nvPr/>
+          </p:nvSpPr>
+          <p:spPr>
+            <a:xfrm>
+              <a:off x="2444" y="3165"/>
+              <a:ext cx="576" cy="576"/>
+            </a:xfrm>
+            <a:prstGeom prst="ellipse">
+              <a:avLst/>
+            </a:prstGeom>
+            <a:ln>
+              <a:noFill/>
+            </a:ln>
+          </p:spPr>
+          <p:style>
+            <a:lnRef idx="2">
+              <a:schemeClr val="accent1">
+                <a:shade val="50000"/>
+              </a:schemeClr>
+            </a:lnRef>
+            <a:fillRef idx="1">
+              <a:schemeClr val="accent1"/>
+            </a:fillRef>
+            <a:effectRef idx="0">
+              <a:schemeClr val="accent1"/>
+            </a:effectRef>
+            <a:fontRef idx="minor">
+              <a:schemeClr val="lt1"/>
+            </a:fontRef>
+          </p:style>
+          <p:txBody>
+            <a:bodyPr rtlCol="0" anchor="ctr"/>
+            <a:p>
+              <a:pPr algn="ctr"/>
+              <a:endParaRPr lang="en-US">
+                <a:ln>
+                  <a:noFill/>
+                </a:ln>
+                <a:solidFill>
+                  <a:schemeClr val="accent5"/>
+                </a:solidFill>
+              </a:endParaRPr>
+            </a:p>
+          </p:txBody>
+        </p:sp>
+        <p:sp>
+          <p:nvSpPr>
+            <p:cNvPr id="24" name="Oval 23"/>
+            <p:cNvSpPr/>
+            <p:nvPr/>
+          </p:nvSpPr>
+          <p:spPr>
+            <a:xfrm>
+              <a:off x="2300" y="3021"/>
+              <a:ext cx="864" cy="864"/>
+            </a:xfrm>
+            <a:prstGeom prst="ellipse">
+              <a:avLst/>
+            </a:prstGeom>
+            <a:solidFill>
+              <a:srgbClr val="5B9BD5">
+                <a:alpha val="50000"/>
+              </a:srgbClr>
+            </a:solidFill>
+            <a:ln>
+              <a:noFill/>
+            </a:ln>
+          </p:spPr>
+          <p:style>
+            <a:lnRef idx="2">
+              <a:schemeClr val="accent1">
+                <a:shade val="50000"/>
+              </a:schemeClr>
+            </a:lnRef>
+            <a:fillRef idx="1">
+              <a:schemeClr val="accent1"/>
+            </a:fillRef>
+            <a:effectRef idx="0">
+              <a:schemeClr val="accent1"/>
+            </a:effectRef>
+            <a:fontRef idx="minor">
+              <a:schemeClr val="lt1"/>
+            </a:fontRef>
+          </p:style>
+          <p:txBody>
+            <a:bodyPr rtlCol="0" anchor="ctr"/>
+            <a:p>
+              <a:pPr algn="ctr"/>
+              <a:endParaRPr lang="en-US">
+                <a:ln>
+                  <a:noFill/>
+                </a:ln>
+                <a:solidFill>
+                  <a:schemeClr val="accent5"/>
+                </a:solidFill>
+              </a:endParaRPr>
+            </a:p>
+          </p:txBody>
+        </p:sp>
+        <p:cxnSp>
+          <p:nvCxnSpPr>
+            <p:cNvPr id="26" name="Straight Connector 25"/>
+            <p:cNvCxnSpPr/>
+            <p:nvPr/>
+          </p:nvCxnSpPr>
+          <p:spPr>
+            <a:xfrm flipH="1">
+              <a:off x="4755" y="3741"/>
+              <a:ext cx="16" cy="1883"/>
+            </a:xfrm>
+            <a:prstGeom prst="line">
+              <a:avLst/>
+            </a:prstGeom>
+            <a:ln w="28575" cmpd="sng">
+              <a:solidFill>
+                <a:schemeClr val="bg1">
+                  <a:lumMod val="75000"/>
+                </a:schemeClr>
+              </a:solidFill>
+              <a:prstDash val="solid"/>
+            </a:ln>
+          </p:spPr>
+          <p:style>
+            <a:lnRef idx="1">
+              <a:schemeClr val="accent1"/>
+            </a:lnRef>
+            <a:fillRef idx="0">
+              <a:schemeClr val="accent1"/>
+            </a:fillRef>
+            <a:effectRef idx="0">
+              <a:schemeClr val="accent1"/>
+            </a:effectRef>
+            <a:fontRef idx="minor">
+              <a:schemeClr val="tx1"/>
+            </a:fontRef>
+          </p:style>
+        </p:cxnSp>
+        <p:sp>
+          <p:nvSpPr>
+            <p:cNvPr id="27" name="Oval 26"/>
+            <p:cNvSpPr/>
+            <p:nvPr/>
+          </p:nvSpPr>
+          <p:spPr>
+            <a:xfrm>
+              <a:off x="8023" y="6405"/>
+              <a:ext cx="576" cy="576"/>
+            </a:xfrm>
+            <a:prstGeom prst="ellipse">
+              <a:avLst/>
+            </a:prstGeom>
+            <a:solidFill>
+              <a:schemeClr val="accent2"/>
+            </a:solidFill>
+            <a:ln>
+              <a:noFill/>
+            </a:ln>
+          </p:spPr>
+          <p:style>
+            <a:lnRef idx="2">
+              <a:schemeClr val="accent1">
+                <a:shade val="50000"/>
+              </a:schemeClr>
+            </a:lnRef>
+            <a:fillRef idx="1">
+              <a:schemeClr val="accent1"/>
+            </a:fillRef>
+            <a:effectRef idx="0">
+              <a:schemeClr val="accent1"/>
+            </a:effectRef>
+            <a:fontRef idx="minor">
+              <a:schemeClr val="lt1"/>
+            </a:fontRef>
+          </p:style>
+          <p:txBody>
+            <a:bodyPr rtlCol="0" anchor="ctr"/>
+            <a:p>
+              <a:pPr algn="ctr"/>
+              <a:endParaRPr lang="en-US">
+                <a:ln>
+                  <a:noFill/>
+                </a:ln>
+                <a:solidFill>
+                  <a:schemeClr val="accent5"/>
+                </a:solidFill>
+              </a:endParaRPr>
+            </a:p>
+          </p:txBody>
+        </p:sp>
+        <p:sp>
+          <p:nvSpPr>
+            <p:cNvPr id="28" name="Oval 27"/>
+            <p:cNvSpPr/>
+            <p:nvPr/>
+          </p:nvSpPr>
+          <p:spPr>
+            <a:xfrm>
+              <a:off x="3680" y="4397"/>
+              <a:ext cx="432" cy="432"/>
+            </a:xfrm>
+            <a:prstGeom prst="ellipse">
+              <a:avLst/>
+            </a:prstGeom>
+            <a:solidFill>
+              <a:schemeClr val="accent2"/>
+            </a:solidFill>
+            <a:ln>
+              <a:noFill/>
+            </a:ln>
+          </p:spPr>
+          <p:style>
+            <a:lnRef idx="2">
+              <a:schemeClr val="accent1">
+                <a:shade val="50000"/>
+              </a:schemeClr>
+            </a:lnRef>
+            <a:fillRef idx="1">
+              <a:schemeClr val="accent1"/>
+            </a:fillRef>
+            <a:effectRef idx="0">
+              <a:schemeClr val="accent1"/>
+            </a:effectRef>
+            <a:fontRef idx="minor">
+              <a:schemeClr val="lt1"/>
+            </a:fontRef>
+          </p:style>
+          <p:txBody>
+            <a:bodyPr rtlCol="0" anchor="ctr"/>
+            <a:p>
+              <a:pPr algn="ctr"/>
+              <a:endParaRPr lang="en-US">
+                <a:ln>
+                  <a:noFill/>
+                </a:ln>
+                <a:solidFill>
+                  <a:schemeClr val="accent5"/>
+                </a:solidFill>
+              </a:endParaRPr>
+            </a:p>
+          </p:txBody>
+        </p:sp>
+        <p:sp>
+          <p:nvSpPr>
+            <p:cNvPr id="29" name="Oval 28"/>
+            <p:cNvSpPr/>
+            <p:nvPr/>
+          </p:nvSpPr>
+          <p:spPr>
+            <a:xfrm>
+              <a:off x="6662" y="4005"/>
+              <a:ext cx="864" cy="864"/>
+            </a:xfrm>
+            <a:prstGeom prst="ellipse">
+              <a:avLst/>
+            </a:prstGeom>
+            <a:solidFill>
+              <a:srgbClr val="ED7D31">
+                <a:alpha val="50000"/>
+              </a:srgbClr>
+            </a:solidFill>
+            <a:ln>
+              <a:noFill/>
+            </a:ln>
+          </p:spPr>
+          <p:style>
+            <a:lnRef idx="2">
+              <a:schemeClr val="accent1">
+                <a:shade val="50000"/>
+              </a:schemeClr>
+            </a:lnRef>
+            <a:fillRef idx="1">
+              <a:schemeClr val="accent1"/>
+            </a:fillRef>
+            <a:effectRef idx="0">
+              <a:schemeClr val="accent1"/>
+            </a:effectRef>
+            <a:fontRef idx="minor">
+              <a:schemeClr val="lt1"/>
+            </a:fontRef>
+          </p:style>
+          <p:txBody>
+            <a:bodyPr rtlCol="0" anchor="ctr"/>
+            <a:p>
+              <a:pPr algn="ctr"/>
+              <a:endParaRPr lang="en-US">
+                <a:ln>
+                  <a:noFill/>
+                </a:ln>
+                <a:solidFill>
+                  <a:schemeClr val="accent5"/>
+                </a:solidFill>
+              </a:endParaRPr>
+            </a:p>
+          </p:txBody>
+        </p:sp>
+        <p:sp>
+          <p:nvSpPr>
+            <p:cNvPr id="30" name="Oval 29"/>
+            <p:cNvSpPr/>
+            <p:nvPr/>
+          </p:nvSpPr>
+          <p:spPr>
+            <a:xfrm>
+              <a:off x="3680" y="2575"/>
+              <a:ext cx="432" cy="432"/>
+            </a:xfrm>
+            <a:prstGeom prst="ellipse">
+              <a:avLst/>
+            </a:prstGeom>
+            <a:solidFill>
+              <a:schemeClr val="accent2"/>
+            </a:solidFill>
+            <a:ln>
+              <a:noFill/>
+            </a:ln>
+          </p:spPr>
+          <p:style>
+            <a:lnRef idx="2">
+              <a:schemeClr val="accent1">
+                <a:shade val="50000"/>
+              </a:schemeClr>
+            </a:lnRef>
+            <a:fillRef idx="1">
+              <a:schemeClr val="accent1"/>
+            </a:fillRef>
+            <a:effectRef idx="0">
+              <a:schemeClr val="accent1"/>
+            </a:effectRef>
+            <a:fontRef idx="minor">
+              <a:schemeClr val="lt1"/>
+            </a:fontRef>
+          </p:style>
+          <p:txBody>
+            <a:bodyPr rtlCol="0" anchor="ctr"/>
+            <a:p>
+              <a:pPr algn="ctr"/>
+              <a:endParaRPr lang="en-US">
+                <a:ln>
+                  <a:noFill/>
+                </a:ln>
+                <a:solidFill>
+                  <a:schemeClr val="accent5"/>
+                </a:solidFill>
+              </a:endParaRPr>
+            </a:p>
+          </p:txBody>
+        </p:sp>
+        <p:sp>
+          <p:nvSpPr>
+            <p:cNvPr id="22" name="Oval 21"/>
+            <p:cNvSpPr/>
+            <p:nvPr/>
+          </p:nvSpPr>
+          <p:spPr>
+            <a:xfrm>
+              <a:off x="4547" y="3645"/>
+              <a:ext cx="432" cy="432"/>
+            </a:xfrm>
+            <a:prstGeom prst="ellipse">
+              <a:avLst/>
+            </a:prstGeom>
+            <a:ln>
+              <a:noFill/>
+            </a:ln>
+          </p:spPr>
+          <p:style>
+            <a:lnRef idx="2">
+              <a:schemeClr val="accent1">
+                <a:shade val="50000"/>
+              </a:schemeClr>
+            </a:lnRef>
+            <a:fillRef idx="1">
+              <a:schemeClr val="accent1"/>
+            </a:fillRef>
+            <a:effectRef idx="0">
+              <a:schemeClr val="accent1"/>
+            </a:effectRef>
+            <a:fontRef idx="minor">
+              <a:schemeClr val="lt1"/>
+            </a:fontRef>
+          </p:style>
+          <p:txBody>
+            <a:bodyPr rtlCol="0" anchor="ctr"/>
+            <a:p>
+              <a:pPr algn="ctr"/>
+              <a:endParaRPr lang="en-US">
+                <a:ln>
+                  <a:noFill/>
+                </a:ln>
+                <a:solidFill>
+                  <a:schemeClr val="accent5"/>
+                </a:solidFill>
+              </a:endParaRPr>
+            </a:p>
+          </p:txBody>
+        </p:sp>
+        <p:sp>
+          <p:nvSpPr>
+            <p:cNvPr id="31" name="Oval 30"/>
+            <p:cNvSpPr/>
+            <p:nvPr/>
+          </p:nvSpPr>
+          <p:spPr>
+            <a:xfrm>
+              <a:off x="9104" y="5375"/>
+              <a:ext cx="432" cy="432"/>
+            </a:xfrm>
+            <a:prstGeom prst="ellipse">
+              <a:avLst/>
+            </a:prstGeom>
+            <a:ln>
+              <a:noFill/>
+            </a:ln>
+          </p:spPr>
+          <p:style>
+            <a:lnRef idx="2">
+              <a:schemeClr val="accent1">
+                <a:shade val="50000"/>
+              </a:schemeClr>
+            </a:lnRef>
+            <a:fillRef idx="1">
+              <a:schemeClr val="accent1"/>
+            </a:fillRef>
+            <a:effectRef idx="0">
+              <a:schemeClr val="accent1"/>
+            </a:effectRef>
+            <a:fontRef idx="minor">
+              <a:schemeClr val="lt1"/>
+            </a:fontRef>
+          </p:style>
+          <p:txBody>
+            <a:bodyPr rtlCol="0" anchor="ctr"/>
+            <a:p>
+              <a:pPr algn="ctr"/>
+              <a:endParaRPr lang="en-US">
+                <a:ln>
+                  <a:noFill/>
+                </a:ln>
+                <a:solidFill>
+                  <a:schemeClr val="accent5"/>
+                </a:solidFill>
+              </a:endParaRPr>
+            </a:p>
+          </p:txBody>
+        </p:sp>
+        <p:sp>
+          <p:nvSpPr>
+            <p:cNvPr id="32" name="Oval 31"/>
+            <p:cNvSpPr/>
+            <p:nvPr/>
+          </p:nvSpPr>
+          <p:spPr>
+            <a:xfrm>
+              <a:off x="4403" y="3501"/>
+              <a:ext cx="720" cy="720"/>
+            </a:xfrm>
+            <a:prstGeom prst="ellipse">
+              <a:avLst/>
+            </a:prstGeom>
+            <a:solidFill>
+              <a:srgbClr val="5B9BD5">
+                <a:alpha val="50000"/>
+              </a:srgbClr>
+            </a:solidFill>
+            <a:ln>
+              <a:noFill/>
+            </a:ln>
+          </p:spPr>
+          <p:style>
+            <a:lnRef idx="2">
+              <a:schemeClr val="accent1">
+                <a:shade val="50000"/>
+              </a:schemeClr>
+            </a:lnRef>
+            <a:fillRef idx="1">
+              <a:schemeClr val="accent1"/>
+            </a:fillRef>
+            <a:effectRef idx="0">
+              <a:schemeClr val="accent1"/>
+            </a:effectRef>
+            <a:fontRef idx="minor">
+              <a:schemeClr val="lt1"/>
+            </a:fontRef>
+          </p:style>
+          <p:txBody>
+            <a:bodyPr rtlCol="0" anchor="ctr"/>
+            <a:p>
+              <a:pPr algn="ctr"/>
+              <a:endParaRPr lang="en-US">
+                <a:ln>
+                  <a:noFill/>
+                </a:ln>
+                <a:solidFill>
+                  <a:schemeClr val="accent5"/>
+                </a:solidFill>
+              </a:endParaRPr>
+            </a:p>
+          </p:txBody>
+        </p:sp>
+        <p:sp>
+          <p:nvSpPr>
+            <p:cNvPr id="33" name="Oval 32"/>
+            <p:cNvSpPr/>
+            <p:nvPr/>
+          </p:nvSpPr>
+          <p:spPr>
+            <a:xfrm>
+              <a:off x="6878" y="5296"/>
+              <a:ext cx="432" cy="432"/>
+            </a:xfrm>
+            <a:prstGeom prst="ellipse">
+              <a:avLst/>
+            </a:prstGeom>
+            <a:ln>
+              <a:noFill/>
+            </a:ln>
+          </p:spPr>
+          <p:style>
+            <a:lnRef idx="2">
+              <a:schemeClr val="accent1">
+                <a:shade val="50000"/>
+              </a:schemeClr>
+            </a:lnRef>
+            <a:fillRef idx="1">
+              <a:schemeClr val="accent1"/>
+            </a:fillRef>
+            <a:effectRef idx="0">
+              <a:schemeClr val="accent1"/>
+            </a:effectRef>
+            <a:fontRef idx="minor">
+              <a:schemeClr val="lt1"/>
+            </a:fontRef>
+          </p:style>
+          <p:txBody>
+            <a:bodyPr rtlCol="0" anchor="ctr"/>
+            <a:p>
+              <a:pPr algn="ctr"/>
+              <a:endParaRPr lang="en-US">
+                <a:ln>
+                  <a:noFill/>
+                </a:ln>
+                <a:solidFill>
+                  <a:schemeClr val="accent5"/>
+                </a:solidFill>
+              </a:endParaRPr>
+            </a:p>
+          </p:txBody>
+        </p:sp>
+        <p:sp>
+          <p:nvSpPr>
+            <p:cNvPr id="34" name="Oval 33"/>
+            <p:cNvSpPr/>
+            <p:nvPr/>
+          </p:nvSpPr>
+          <p:spPr>
+            <a:xfrm>
+              <a:off x="3536" y="2431"/>
+              <a:ext cx="720" cy="720"/>
+            </a:xfrm>
+            <a:prstGeom prst="ellipse">
+              <a:avLst/>
+            </a:prstGeom>
+            <a:solidFill>
+              <a:srgbClr val="ED7D31">
+                <a:alpha val="50000"/>
+              </a:srgbClr>
+            </a:solidFill>
+            <a:ln>
+              <a:noFill/>
+            </a:ln>
+          </p:spPr>
+          <p:style>
+            <a:lnRef idx="2">
+              <a:schemeClr val="accent1">
+                <a:shade val="50000"/>
+              </a:schemeClr>
+            </a:lnRef>
+            <a:fillRef idx="1">
+              <a:schemeClr val="accent1"/>
+            </a:fillRef>
+            <a:effectRef idx="0">
+              <a:schemeClr val="accent1"/>
+            </a:effectRef>
+            <a:fontRef idx="minor">
+              <a:schemeClr val="lt1"/>
+            </a:fontRef>
+          </p:style>
+          <p:txBody>
+            <a:bodyPr rtlCol="0" anchor="ctr"/>
+            <a:p>
+              <a:pPr algn="ctr"/>
+              <a:endParaRPr lang="en-US">
+                <a:ln>
+                  <a:noFill/>
+                </a:ln>
+                <a:solidFill>
+                  <a:schemeClr val="accent5"/>
+                </a:solidFill>
+              </a:endParaRPr>
+            </a:p>
+          </p:txBody>
+        </p:sp>
+        <p:cxnSp>
+          <p:nvCxnSpPr>
+            <p:cNvPr id="35" name="Straight Connector 34"/>
+            <p:cNvCxnSpPr/>
+            <p:nvPr/>
+          </p:nvCxnSpPr>
+          <p:spPr>
+            <a:xfrm>
+              <a:off x="5281" y="5966"/>
+              <a:ext cx="838" cy="486"/>
+            </a:xfrm>
+            <a:prstGeom prst="line">
+              <a:avLst/>
+            </a:prstGeom>
+            <a:ln w="28575" cmpd="sng">
+              <a:solidFill>
+                <a:schemeClr val="bg1">
+                  <a:lumMod val="75000"/>
+                </a:schemeClr>
+              </a:solidFill>
+              <a:prstDash val="solid"/>
+            </a:ln>
+          </p:spPr>
+          <p:style>
+            <a:lnRef idx="1">
+              <a:schemeClr val="accent1"/>
+            </a:lnRef>
+            <a:fillRef idx="0">
+              <a:schemeClr val="accent1"/>
+            </a:fillRef>
+            <a:effectRef idx="0">
+              <a:schemeClr val="accent1"/>
+            </a:effectRef>
+            <a:fontRef idx="minor">
+              <a:schemeClr val="tx1"/>
+            </a:fontRef>
+          </p:style>
+        </p:cxnSp>
+        <p:sp>
+          <p:nvSpPr>
+            <p:cNvPr id="36" name="Oval 35"/>
+            <p:cNvSpPr/>
+            <p:nvPr/>
+          </p:nvSpPr>
+          <p:spPr>
+            <a:xfrm>
+              <a:off x="5123" y="5758"/>
+              <a:ext cx="432" cy="432"/>
+            </a:xfrm>
+            <a:prstGeom prst="ellipse">
+              <a:avLst/>
+            </a:prstGeom>
+            <a:solidFill>
+              <a:schemeClr val="accent2"/>
+            </a:solidFill>
+            <a:ln>
+              <a:noFill/>
+            </a:ln>
+          </p:spPr>
+          <p:style>
+            <a:lnRef idx="2">
+              <a:schemeClr val="accent1">
+                <a:shade val="50000"/>
+              </a:schemeClr>
+            </a:lnRef>
+            <a:fillRef idx="1">
+              <a:schemeClr val="accent1"/>
+            </a:fillRef>
+            <a:effectRef idx="0">
+              <a:schemeClr val="accent1"/>
+            </a:effectRef>
+            <a:fontRef idx="minor">
+              <a:schemeClr val="lt1"/>
+            </a:fontRef>
+          </p:style>
+          <p:txBody>
+            <a:bodyPr rtlCol="0" anchor="ctr"/>
+            <a:p>
+              <a:pPr algn="ctr"/>
+              <a:endParaRPr lang="en-US">
+                <a:ln>
+                  <a:noFill/>
+                </a:ln>
+                <a:solidFill>
+                  <a:schemeClr val="accent5"/>
+                </a:solidFill>
+              </a:endParaRPr>
+            </a:p>
+          </p:txBody>
+        </p:sp>
+        <p:sp>
+          <p:nvSpPr>
+            <p:cNvPr id="37" name="Oval 36"/>
+            <p:cNvSpPr/>
+            <p:nvPr/>
+          </p:nvSpPr>
+          <p:spPr>
+            <a:xfrm>
+              <a:off x="4907" y="5541"/>
+              <a:ext cx="864" cy="864"/>
+            </a:xfrm>
+            <a:prstGeom prst="ellipse">
+              <a:avLst/>
+            </a:prstGeom>
+            <a:solidFill>
+              <a:srgbClr val="ED7D31">
+                <a:alpha val="50000"/>
+              </a:srgbClr>
+            </a:solidFill>
+            <a:ln>
+              <a:noFill/>
+            </a:ln>
+          </p:spPr>
+          <p:style>
+            <a:lnRef idx="2">
+              <a:schemeClr val="accent1">
+                <a:shade val="50000"/>
+              </a:schemeClr>
+            </a:lnRef>
+            <a:fillRef idx="1">
+              <a:schemeClr val="accent1"/>
+            </a:fillRef>
+            <a:effectRef idx="0">
+              <a:schemeClr val="accent1"/>
+            </a:effectRef>
+            <a:fontRef idx="minor">
+              <a:schemeClr val="lt1"/>
+            </a:fontRef>
+          </p:style>
+          <p:txBody>
+            <a:bodyPr rtlCol="0" anchor="ctr"/>
+            <a:p>
+              <a:pPr algn="ctr"/>
+              <a:endParaRPr lang="en-US">
+                <a:ln>
+                  <a:noFill/>
+                </a:ln>
+                <a:solidFill>
+                  <a:schemeClr val="accent5"/>
+                </a:solidFill>
+              </a:endParaRPr>
+            </a:p>
+          </p:txBody>
+        </p:sp>
+        <p:sp>
+          <p:nvSpPr>
+            <p:cNvPr id="38" name="Oval 37"/>
+            <p:cNvSpPr/>
+            <p:nvPr/>
+          </p:nvSpPr>
+          <p:spPr>
+            <a:xfrm>
+              <a:off x="7879" y="6261"/>
+              <a:ext cx="864" cy="864"/>
+            </a:xfrm>
+            <a:prstGeom prst="ellipse">
+              <a:avLst/>
+            </a:prstGeom>
+            <a:solidFill>
+              <a:srgbClr val="ED7D31">
+                <a:alpha val="50000"/>
+              </a:srgbClr>
+            </a:solidFill>
+            <a:ln>
+              <a:noFill/>
+            </a:ln>
+          </p:spPr>
+          <p:style>
+            <a:lnRef idx="2">
+              <a:schemeClr val="accent1">
+                <a:shade val="50000"/>
+              </a:schemeClr>
+            </a:lnRef>
+            <a:fillRef idx="1">
+              <a:schemeClr val="accent1"/>
+            </a:fillRef>
+            <a:effectRef idx="0">
+              <a:schemeClr val="accent1"/>
+            </a:effectRef>
+            <a:fontRef idx="minor">
+              <a:schemeClr val="lt1"/>
+            </a:fontRef>
+          </p:style>
+          <p:txBody>
+            <a:bodyPr rtlCol="0" anchor="ctr"/>
+            <a:p>
+              <a:pPr algn="ctr"/>
+              <a:endParaRPr lang="en-US">
+                <a:ln>
+                  <a:noFill/>
+                </a:ln>
+                <a:solidFill>
+                  <a:schemeClr val="accent5"/>
+                </a:solidFill>
+              </a:endParaRPr>
+            </a:p>
+          </p:txBody>
+        </p:sp>
+        <p:sp>
+          <p:nvSpPr>
+            <p:cNvPr id="41" name="Oval 40"/>
+            <p:cNvSpPr/>
+            <p:nvPr/>
+          </p:nvSpPr>
+          <p:spPr>
+            <a:xfrm>
+              <a:off x="6662" y="5080"/>
+              <a:ext cx="864" cy="864"/>
+            </a:xfrm>
+            <a:prstGeom prst="ellipse">
+              <a:avLst/>
+            </a:prstGeom>
+            <a:solidFill>
+              <a:srgbClr val="5B9BD5">
+                <a:alpha val="50000"/>
+              </a:srgbClr>
+            </a:solidFill>
+            <a:ln>
+              <a:noFill/>
+            </a:ln>
+          </p:spPr>
+          <p:style>
+            <a:lnRef idx="2">
+              <a:schemeClr val="accent1">
+                <a:shade val="50000"/>
+              </a:schemeClr>
+            </a:lnRef>
+            <a:fillRef idx="1">
+              <a:schemeClr val="accent1"/>
+            </a:fillRef>
+            <a:effectRef idx="0">
+              <a:schemeClr val="accent1"/>
+            </a:effectRef>
+            <a:fontRef idx="minor">
+              <a:schemeClr val="lt1"/>
+            </a:fontRef>
+          </p:style>
+          <p:txBody>
+            <a:bodyPr rtlCol="0" anchor="ctr"/>
+            <a:p>
+              <a:pPr algn="ctr"/>
+              <a:endParaRPr lang="en-US">
+                <a:ln>
+                  <a:noFill/>
+                </a:ln>
+                <a:solidFill>
+                  <a:schemeClr val="accent5"/>
+                </a:solidFill>
+              </a:endParaRPr>
+            </a:p>
+          </p:txBody>
+        </p:sp>
+        <p:sp>
+          <p:nvSpPr>
+            <p:cNvPr id="43" name="Oval 42"/>
+            <p:cNvSpPr/>
+            <p:nvPr/>
+          </p:nvSpPr>
+          <p:spPr>
+            <a:xfrm>
+              <a:off x="8960" y="5224"/>
+              <a:ext cx="720" cy="720"/>
+            </a:xfrm>
+            <a:prstGeom prst="ellipse">
+              <a:avLst/>
+            </a:prstGeom>
+            <a:solidFill>
+              <a:srgbClr val="5B9BD5">
+                <a:alpha val="50000"/>
+              </a:srgbClr>
+            </a:solidFill>
+            <a:ln>
+              <a:noFill/>
+            </a:ln>
+          </p:spPr>
+          <p:style>
+            <a:lnRef idx="2">
+              <a:schemeClr val="accent1">
+                <a:shade val="50000"/>
+              </a:schemeClr>
+            </a:lnRef>
+            <a:fillRef idx="1">
+              <a:schemeClr val="accent1"/>
+            </a:fillRef>
+            <a:effectRef idx="0">
+              <a:schemeClr val="accent1"/>
+            </a:effectRef>
+            <a:fontRef idx="minor">
+              <a:schemeClr val="lt1"/>
+            </a:fontRef>
+          </p:style>
+          <p:txBody>
+            <a:bodyPr rtlCol="0" anchor="ctr"/>
+            <a:p>
+              <a:pPr algn="ctr"/>
+              <a:endParaRPr lang="en-US">
+                <a:ln>
+                  <a:noFill/>
+                </a:ln>
+                <a:solidFill>
+                  <a:schemeClr val="accent5"/>
+                </a:solidFill>
+              </a:endParaRPr>
+            </a:p>
+          </p:txBody>
+        </p:sp>
+        <p:cxnSp>
+          <p:nvCxnSpPr>
+            <p:cNvPr id="44" name="Straight Connector 43"/>
+            <p:cNvCxnSpPr/>
+            <p:nvPr/>
+          </p:nvCxnSpPr>
+          <p:spPr>
+            <a:xfrm flipV="1">
+              <a:off x="8330" y="4482"/>
+              <a:ext cx="887" cy="989"/>
+            </a:xfrm>
+            <a:prstGeom prst="line">
+              <a:avLst/>
+            </a:prstGeom>
+            <a:ln w="28575" cmpd="sng">
+              <a:solidFill>
+                <a:schemeClr val="bg1">
+                  <a:lumMod val="75000"/>
+                </a:schemeClr>
+              </a:solidFill>
+              <a:prstDash val="solid"/>
+            </a:ln>
+          </p:spPr>
+          <p:style>
+            <a:lnRef idx="1">
+              <a:schemeClr val="accent1"/>
+            </a:lnRef>
+            <a:fillRef idx="0">
+              <a:schemeClr val="accent1"/>
+            </a:fillRef>
+            <a:effectRef idx="0">
+              <a:schemeClr val="accent1"/>
+            </a:effectRef>
+            <a:fontRef idx="minor">
+              <a:schemeClr val="tx1"/>
+            </a:fontRef>
+          </p:style>
+        </p:cxnSp>
+        <p:sp>
+          <p:nvSpPr>
+            <p:cNvPr id="45" name="Oval 44"/>
+            <p:cNvSpPr/>
+            <p:nvPr/>
+          </p:nvSpPr>
+          <p:spPr>
+            <a:xfrm>
+              <a:off x="8888" y="4000"/>
+              <a:ext cx="864" cy="864"/>
+            </a:xfrm>
+            <a:prstGeom prst="ellipse">
+              <a:avLst/>
+            </a:prstGeom>
+            <a:solidFill>
+              <a:srgbClr val="ED7D31">
+                <a:alpha val="50000"/>
+              </a:srgbClr>
+            </a:solidFill>
+            <a:ln>
+              <a:noFill/>
+            </a:ln>
+          </p:spPr>
+          <p:style>
+            <a:lnRef idx="2">
+              <a:schemeClr val="accent1">
+                <a:shade val="50000"/>
+              </a:schemeClr>
+            </a:lnRef>
+            <a:fillRef idx="1">
+              <a:schemeClr val="accent1"/>
+            </a:fillRef>
+            <a:effectRef idx="0">
+              <a:schemeClr val="accent1"/>
+            </a:effectRef>
+            <a:fontRef idx="minor">
+              <a:schemeClr val="lt1"/>
+            </a:fontRef>
+          </p:style>
+          <p:txBody>
+            <a:bodyPr rtlCol="0" anchor="ctr"/>
+            <a:p>
+              <a:pPr algn="ctr"/>
+              <a:endParaRPr lang="en-US">
+                <a:ln>
+                  <a:noFill/>
+                </a:ln>
+                <a:solidFill>
+                  <a:schemeClr val="accent5"/>
+                </a:solidFill>
+              </a:endParaRPr>
+            </a:p>
+          </p:txBody>
+        </p:sp>
+        <p:sp>
+          <p:nvSpPr>
+            <p:cNvPr id="46" name="Oval 45"/>
+            <p:cNvSpPr/>
+            <p:nvPr/>
+          </p:nvSpPr>
+          <p:spPr>
+            <a:xfrm>
+              <a:off x="9104" y="4221"/>
+              <a:ext cx="432" cy="432"/>
+            </a:xfrm>
+            <a:prstGeom prst="ellipse">
+              <a:avLst/>
+            </a:prstGeom>
+            <a:solidFill>
+              <a:schemeClr val="accent2"/>
+            </a:solidFill>
+            <a:ln>
+              <a:noFill/>
+            </a:ln>
+          </p:spPr>
+          <p:style>
+            <a:lnRef idx="2">
+              <a:schemeClr val="accent1">
+                <a:shade val="50000"/>
+              </a:schemeClr>
+            </a:lnRef>
+            <a:fillRef idx="1">
+              <a:schemeClr val="accent1"/>
+            </a:fillRef>
+            <a:effectRef idx="0">
+              <a:schemeClr val="accent1"/>
+            </a:effectRef>
+            <a:fontRef idx="minor">
+              <a:schemeClr val="lt1"/>
+            </a:fontRef>
+          </p:style>
+          <p:txBody>
+            <a:bodyPr rtlCol="0" anchor="ctr"/>
+            <a:p>
+              <a:pPr algn="ctr"/>
+              <a:endParaRPr lang="en-US">
+                <a:ln>
+                  <a:noFill/>
+                </a:ln>
+                <a:solidFill>
+                  <a:schemeClr val="accent5"/>
+                </a:solidFill>
+              </a:endParaRPr>
+            </a:p>
+          </p:txBody>
+        </p:sp>
+        <p:sp>
+          <p:nvSpPr>
+            <p:cNvPr id="47" name="Oval 46"/>
+            <p:cNvSpPr/>
+            <p:nvPr/>
+          </p:nvSpPr>
+          <p:spPr>
+            <a:xfrm>
+              <a:off x="8099" y="4397"/>
+              <a:ext cx="432" cy="432"/>
+            </a:xfrm>
+            <a:prstGeom prst="ellipse">
+              <a:avLst/>
+            </a:prstGeom>
+            <a:ln>
+              <a:noFill/>
+            </a:ln>
+          </p:spPr>
+          <p:style>
+            <a:lnRef idx="2">
+              <a:schemeClr val="accent1">
+                <a:shade val="50000"/>
+              </a:schemeClr>
+            </a:lnRef>
+            <a:fillRef idx="1">
+              <a:schemeClr val="accent1"/>
+            </a:fillRef>
+            <a:effectRef idx="0">
+              <a:schemeClr val="accent1"/>
+            </a:effectRef>
+            <a:fontRef idx="minor">
+              <a:schemeClr val="lt1"/>
+            </a:fontRef>
+          </p:style>
+          <p:txBody>
+            <a:bodyPr rtlCol="0" anchor="ctr"/>
+            <a:p>
+              <a:pPr algn="ctr"/>
+              <a:endParaRPr lang="en-US">
+                <a:ln>
+                  <a:noFill/>
+                </a:ln>
+                <a:solidFill>
+                  <a:schemeClr val="accent5"/>
+                </a:solidFill>
+              </a:endParaRPr>
+            </a:p>
+          </p:txBody>
+        </p:sp>
+        <p:sp>
+          <p:nvSpPr>
+            <p:cNvPr id="48" name="Oval 47"/>
+            <p:cNvSpPr/>
+            <p:nvPr/>
+          </p:nvSpPr>
+          <p:spPr>
+            <a:xfrm>
+              <a:off x="7955" y="4253"/>
+              <a:ext cx="720" cy="720"/>
+            </a:xfrm>
+            <a:prstGeom prst="ellipse">
+              <a:avLst/>
+            </a:prstGeom>
+            <a:solidFill>
+              <a:srgbClr val="5B9BD5">
+                <a:alpha val="50000"/>
+              </a:srgbClr>
+            </a:solidFill>
+            <a:ln>
+              <a:noFill/>
+            </a:ln>
+          </p:spPr>
+          <p:style>
+            <a:lnRef idx="2">
+              <a:schemeClr val="accent1">
+                <a:shade val="50000"/>
+              </a:schemeClr>
+            </a:lnRef>
+            <a:fillRef idx="1">
+              <a:schemeClr val="accent1"/>
+            </a:fillRef>
+            <a:effectRef idx="0">
+              <a:schemeClr val="accent1"/>
+            </a:effectRef>
+            <a:fontRef idx="minor">
+              <a:schemeClr val="lt1"/>
+            </a:fontRef>
+          </p:style>
+          <p:txBody>
+            <a:bodyPr rtlCol="0" anchor="ctr"/>
+            <a:p>
+              <a:pPr algn="ctr"/>
+              <a:endParaRPr lang="en-US">
+                <a:ln>
+                  <a:noFill/>
+                </a:ln>
+                <a:solidFill>
+                  <a:schemeClr val="accent5"/>
+                </a:solidFill>
+              </a:endParaRPr>
+            </a:p>
+          </p:txBody>
+        </p:sp>
+        <p:sp>
+          <p:nvSpPr>
+            <p:cNvPr id="50" name="Oval 49"/>
+            <p:cNvSpPr/>
+            <p:nvPr/>
+          </p:nvSpPr>
+          <p:spPr>
+            <a:xfrm>
+              <a:off x="5699" y="4829"/>
+              <a:ext cx="864" cy="864"/>
+            </a:xfrm>
+            <a:prstGeom prst="ellipse">
+              <a:avLst/>
+            </a:prstGeom>
+            <a:solidFill>
+              <a:srgbClr val="5B9BD5">
+                <a:alpha val="50000"/>
+              </a:srgbClr>
+            </a:solidFill>
+            <a:ln>
+              <a:noFill/>
+            </a:ln>
+          </p:spPr>
+          <p:style>
+            <a:lnRef idx="2">
+              <a:schemeClr val="accent1">
+                <a:shade val="50000"/>
+              </a:schemeClr>
+            </a:lnRef>
+            <a:fillRef idx="1">
+              <a:schemeClr val="accent1"/>
+            </a:fillRef>
+            <a:effectRef idx="0">
+              <a:schemeClr val="accent1"/>
+            </a:effectRef>
+            <a:fontRef idx="minor">
+              <a:schemeClr val="lt1"/>
+            </a:fontRef>
+          </p:style>
+          <p:txBody>
+            <a:bodyPr rtlCol="0" anchor="ctr"/>
+            <a:p>
+              <a:pPr algn="ctr"/>
+              <a:endParaRPr lang="en-US">
+                <a:ln>
+                  <a:noFill/>
+                </a:ln>
+                <a:solidFill>
+                  <a:schemeClr val="accent5"/>
+                </a:solidFill>
+              </a:endParaRPr>
+            </a:p>
+          </p:txBody>
+        </p:sp>
+        <p:sp>
+          <p:nvSpPr>
+            <p:cNvPr id="51" name="Oval 50"/>
+            <p:cNvSpPr/>
+            <p:nvPr/>
+          </p:nvSpPr>
+          <p:spPr>
+            <a:xfrm>
+              <a:off x="3536" y="4253"/>
+              <a:ext cx="720" cy="720"/>
+            </a:xfrm>
+            <a:prstGeom prst="ellipse">
+              <a:avLst/>
+            </a:prstGeom>
+            <a:solidFill>
+              <a:srgbClr val="ED7D31">
+                <a:alpha val="50000"/>
+              </a:srgbClr>
+            </a:solidFill>
+            <a:ln>
+              <a:noFill/>
+            </a:ln>
+          </p:spPr>
+          <p:style>
+            <a:lnRef idx="2">
+              <a:schemeClr val="accent1">
+                <a:shade val="50000"/>
+              </a:schemeClr>
+            </a:lnRef>
+            <a:fillRef idx="1">
+              <a:schemeClr val="accent1"/>
+            </a:fillRef>
+            <a:effectRef idx="0">
+              <a:schemeClr val="accent1"/>
+            </a:effectRef>
+            <a:fontRef idx="minor">
+              <a:schemeClr val="lt1"/>
+            </a:fontRef>
+          </p:style>
+          <p:txBody>
+            <a:bodyPr rtlCol="0" anchor="ctr"/>
+            <a:p>
+              <a:pPr algn="ctr"/>
+              <a:endParaRPr lang="en-US">
+                <a:ln>
+                  <a:noFill/>
+                </a:ln>
+                <a:solidFill>
+                  <a:schemeClr val="accent5"/>
+                </a:solidFill>
+              </a:endParaRPr>
+            </a:p>
+          </p:txBody>
+        </p:sp>
+        <p:sp>
+          <p:nvSpPr>
+            <p:cNvPr id="52" name="Oval 51"/>
+            <p:cNvSpPr/>
+            <p:nvPr/>
+          </p:nvSpPr>
+          <p:spPr>
+            <a:xfrm>
+              <a:off x="6878" y="4216"/>
+              <a:ext cx="432" cy="432"/>
+            </a:xfrm>
+            <a:prstGeom prst="ellipse">
+              <a:avLst/>
+            </a:prstGeom>
+            <a:solidFill>
+              <a:schemeClr val="accent2"/>
+            </a:solidFill>
+            <a:ln>
+              <a:noFill/>
+            </a:ln>
+          </p:spPr>
+          <p:style>
+            <a:lnRef idx="2">
+              <a:schemeClr val="accent1">
+                <a:shade val="50000"/>
+              </a:schemeClr>
+            </a:lnRef>
+            <a:fillRef idx="1">
+              <a:schemeClr val="accent1"/>
+            </a:fillRef>
+            <a:effectRef idx="0">
+              <a:schemeClr val="accent1"/>
+            </a:effectRef>
+            <a:fontRef idx="minor">
+              <a:schemeClr val="lt1"/>
+            </a:fontRef>
+          </p:style>
+          <p:txBody>
+            <a:bodyPr rtlCol="0" anchor="ctr"/>
+            <a:p>
+              <a:pPr algn="ctr"/>
+              <a:endParaRPr lang="en-US">
+                <a:ln>
+                  <a:noFill/>
+                </a:ln>
+                <a:solidFill>
+                  <a:schemeClr val="accent5"/>
+                </a:solidFill>
+              </a:endParaRPr>
+            </a:p>
+          </p:txBody>
+        </p:sp>
+        <p:sp>
+          <p:nvSpPr>
+            <p:cNvPr id="53" name="Oval 52"/>
+            <p:cNvSpPr/>
+            <p:nvPr/>
+          </p:nvSpPr>
+          <p:spPr>
+            <a:xfrm>
+              <a:off x="7998" y="3007"/>
+              <a:ext cx="720" cy="720"/>
+            </a:xfrm>
+            <a:prstGeom prst="ellipse">
+              <a:avLst/>
+            </a:prstGeom>
+            <a:solidFill>
+              <a:srgbClr val="ED7D31">
+                <a:alpha val="50000"/>
+              </a:srgbClr>
+            </a:solidFill>
+            <a:ln>
+              <a:noFill/>
+            </a:ln>
+          </p:spPr>
+          <p:style>
+            <a:lnRef idx="2">
+              <a:schemeClr val="accent1">
+                <a:shade val="50000"/>
+              </a:schemeClr>
+            </a:lnRef>
+            <a:fillRef idx="1">
+              <a:schemeClr val="accent1"/>
+            </a:fillRef>
+            <a:effectRef idx="0">
+              <a:schemeClr val="accent1"/>
+            </a:effectRef>
+            <a:fontRef idx="minor">
+              <a:schemeClr val="lt1"/>
+            </a:fontRef>
+          </p:style>
+          <p:txBody>
+            <a:bodyPr rtlCol="0" anchor="ctr"/>
+            <a:p>
+              <a:pPr algn="ctr"/>
+              <a:endParaRPr lang="en-US">
+                <a:ln>
+                  <a:noFill/>
+                </a:ln>
+                <a:solidFill>
+                  <a:schemeClr val="accent5"/>
+                </a:solidFill>
+              </a:endParaRPr>
+            </a:p>
+          </p:txBody>
+        </p:sp>
+        <p:sp>
+          <p:nvSpPr>
+            <p:cNvPr id="55" name="Oval 54"/>
+            <p:cNvSpPr/>
+            <p:nvPr/>
+          </p:nvSpPr>
+          <p:spPr>
+            <a:xfrm>
+              <a:off x="8142" y="3165"/>
+              <a:ext cx="432" cy="432"/>
+            </a:xfrm>
+            <a:prstGeom prst="ellipse">
+              <a:avLst/>
+            </a:prstGeom>
+            <a:solidFill>
+              <a:schemeClr val="accent2"/>
+            </a:solidFill>
+            <a:ln>
+              <a:noFill/>
+            </a:ln>
+          </p:spPr>
+          <p:style>
+            <a:lnRef idx="2">
+              <a:schemeClr val="accent1">
+                <a:shade val="50000"/>
+              </a:schemeClr>
+            </a:lnRef>
+            <a:fillRef idx="1">
+              <a:schemeClr val="accent1"/>
+            </a:fillRef>
+            <a:effectRef idx="0">
+              <a:schemeClr val="accent1"/>
+            </a:effectRef>
+            <a:fontRef idx="minor">
+              <a:schemeClr val="lt1"/>
+            </a:fontRef>
+          </p:style>
+          <p:txBody>
+            <a:bodyPr rtlCol="0" anchor="ctr"/>
+            <a:p>
+              <a:pPr algn="ctr"/>
+              <a:endParaRPr lang="en-US">
+                <a:ln>
+                  <a:noFill/>
+                </a:ln>
+                <a:solidFill>
+                  <a:schemeClr val="accent5"/>
+                </a:solidFill>
+              </a:endParaRPr>
+            </a:p>
+          </p:txBody>
+        </p:sp>
+        <p:sp>
+          <p:nvSpPr>
+            <p:cNvPr id="57" name="Oval 56"/>
+            <p:cNvSpPr/>
+            <p:nvPr/>
+          </p:nvSpPr>
+          <p:spPr>
+            <a:xfrm>
+              <a:off x="6738" y="2877"/>
+              <a:ext cx="720" cy="720"/>
+            </a:xfrm>
+            <a:prstGeom prst="ellipse">
+              <a:avLst/>
+            </a:prstGeom>
+            <a:solidFill>
+              <a:srgbClr val="5B9BD5">
+                <a:alpha val="50000"/>
+              </a:srgbClr>
+            </a:solidFill>
+            <a:ln>
+              <a:noFill/>
+            </a:ln>
+          </p:spPr>
+          <p:style>
+            <a:lnRef idx="2">
+              <a:schemeClr val="accent1">
+                <a:shade val="50000"/>
+              </a:schemeClr>
+            </a:lnRef>
+            <a:fillRef idx="1">
+              <a:schemeClr val="accent1"/>
+            </a:fillRef>
+            <a:effectRef idx="0">
+              <a:schemeClr val="accent1"/>
+            </a:effectRef>
+            <a:fontRef idx="minor">
+              <a:schemeClr val="lt1"/>
+            </a:fontRef>
+          </p:style>
+          <p:txBody>
+            <a:bodyPr rtlCol="0" anchor="ctr"/>
+            <a:p>
+              <a:pPr algn="ctr"/>
+              <a:endParaRPr lang="en-US">
+                <a:ln>
+                  <a:noFill/>
+                </a:ln>
+                <a:solidFill>
+                  <a:schemeClr val="accent5"/>
+                </a:solidFill>
+              </a:endParaRPr>
+            </a:p>
+          </p:txBody>
+        </p:sp>
+        <p:sp>
+          <p:nvSpPr>
+            <p:cNvPr id="59" name="Oval 58"/>
+            <p:cNvSpPr/>
+            <p:nvPr/>
+          </p:nvSpPr>
+          <p:spPr>
+            <a:xfrm>
+              <a:off x="6882" y="3021"/>
+              <a:ext cx="432" cy="432"/>
+            </a:xfrm>
+            <a:prstGeom prst="ellipse">
+              <a:avLst/>
+            </a:prstGeom>
+            <a:ln>
+              <a:noFill/>
+            </a:ln>
+          </p:spPr>
+          <p:style>
+            <a:lnRef idx="2">
+              <a:schemeClr val="accent1">
+                <a:shade val="50000"/>
+              </a:schemeClr>
+            </a:lnRef>
+            <a:fillRef idx="1">
+              <a:schemeClr val="accent1"/>
+            </a:fillRef>
+            <a:effectRef idx="0">
+              <a:schemeClr val="accent1"/>
+            </a:effectRef>
+            <a:fontRef idx="minor">
+              <a:schemeClr val="lt1"/>
+            </a:fontRef>
+          </p:style>
+          <p:txBody>
+            <a:bodyPr rtlCol="0" anchor="ctr"/>
+            <a:p>
+              <a:pPr algn="ctr"/>
+              <a:endParaRPr lang="en-US">
+                <a:ln>
+                  <a:noFill/>
+                </a:ln>
+                <a:solidFill>
+                  <a:schemeClr val="accent5"/>
+                </a:solidFill>
+              </a:endParaRPr>
+            </a:p>
+          </p:txBody>
+        </p:sp>
+        <p:cxnSp>
+          <p:nvCxnSpPr>
+            <p:cNvPr id="60" name="Straight Connector 59"/>
+            <p:cNvCxnSpPr/>
+            <p:nvPr/>
+          </p:nvCxnSpPr>
+          <p:spPr>
+            <a:xfrm>
+              <a:off x="4668" y="2369"/>
+              <a:ext cx="1491" cy="1358"/>
+            </a:xfrm>
+            <a:prstGeom prst="line">
+              <a:avLst/>
+            </a:prstGeom>
+            <a:ln w="28575" cmpd="sng">
+              <a:solidFill>
+                <a:schemeClr val="bg1">
+                  <a:lumMod val="75000"/>
+                </a:schemeClr>
+              </a:solidFill>
+              <a:prstDash val="solid"/>
+            </a:ln>
+          </p:spPr>
+          <p:style>
+            <a:lnRef idx="1">
+              <a:schemeClr val="accent1"/>
+            </a:lnRef>
+            <a:fillRef idx="0">
+              <a:schemeClr val="accent1"/>
+            </a:fillRef>
+            <a:effectRef idx="0">
+              <a:schemeClr val="accent1"/>
+            </a:effectRef>
+            <a:fontRef idx="minor">
+              <a:schemeClr val="tx1"/>
+            </a:fontRef>
+          </p:style>
+        </p:cxnSp>
+        <p:sp>
+          <p:nvSpPr>
+            <p:cNvPr id="61" name="Oval 60"/>
+            <p:cNvSpPr/>
+            <p:nvPr/>
+          </p:nvSpPr>
+          <p:spPr>
+            <a:xfrm>
+              <a:off x="4547" y="2287"/>
+              <a:ext cx="432" cy="432"/>
+            </a:xfrm>
+            <a:prstGeom prst="ellipse">
+              <a:avLst/>
+            </a:prstGeom>
+            <a:ln>
+              <a:noFill/>
+            </a:ln>
+          </p:spPr>
+          <p:style>
+            <a:lnRef idx="2">
+              <a:schemeClr val="accent1">
+                <a:shade val="50000"/>
+              </a:schemeClr>
+            </a:lnRef>
+            <a:fillRef idx="1">
+              <a:schemeClr val="accent1"/>
+            </a:fillRef>
+            <a:effectRef idx="0">
+              <a:schemeClr val="accent1"/>
+            </a:effectRef>
+            <a:fontRef idx="minor">
+              <a:schemeClr val="lt1"/>
+            </a:fontRef>
+          </p:style>
+          <p:txBody>
+            <a:bodyPr rtlCol="0" anchor="ctr"/>
+            <a:p>
+              <a:pPr algn="ctr"/>
+              <a:endParaRPr lang="en-US">
+                <a:ln>
+                  <a:noFill/>
+                </a:ln>
+                <a:solidFill>
+                  <a:schemeClr val="accent5"/>
+                </a:solidFill>
+              </a:endParaRPr>
+            </a:p>
+          </p:txBody>
+        </p:sp>
+        <p:sp>
+          <p:nvSpPr>
+            <p:cNvPr id="62" name="Oval 61"/>
+            <p:cNvSpPr/>
+            <p:nvPr/>
+          </p:nvSpPr>
+          <p:spPr>
+            <a:xfrm>
+              <a:off x="4403" y="2157"/>
+              <a:ext cx="720" cy="720"/>
+            </a:xfrm>
+            <a:prstGeom prst="ellipse">
+              <a:avLst/>
+            </a:prstGeom>
+            <a:solidFill>
+              <a:srgbClr val="5B9BD5">
+                <a:alpha val="50000"/>
+              </a:srgbClr>
+            </a:solidFill>
+            <a:ln>
+              <a:noFill/>
+            </a:ln>
+          </p:spPr>
+          <p:style>
+            <a:lnRef idx="2">
+              <a:schemeClr val="accent1">
+                <a:shade val="50000"/>
+              </a:schemeClr>
+            </a:lnRef>
+            <a:fillRef idx="1">
+              <a:schemeClr val="accent1"/>
+            </a:fillRef>
+            <a:effectRef idx="0">
+              <a:schemeClr val="accent1"/>
+            </a:effectRef>
+            <a:fontRef idx="minor">
+              <a:schemeClr val="lt1"/>
+            </a:fontRef>
+          </p:style>
+          <p:txBody>
+            <a:bodyPr rtlCol="0" anchor="ctr"/>
+            <a:p>
+              <a:pPr algn="ctr"/>
+              <a:endParaRPr lang="en-US">
+                <a:ln>
+                  <a:noFill/>
+                </a:ln>
+                <a:solidFill>
+                  <a:schemeClr val="accent5"/>
+                </a:solidFill>
+              </a:endParaRPr>
+            </a:p>
+          </p:txBody>
+        </p:sp>
+        <p:cxnSp>
+          <p:nvCxnSpPr>
+            <p:cNvPr id="63" name="Straight Connector 62"/>
+            <p:cNvCxnSpPr/>
+            <p:nvPr/>
+          </p:nvCxnSpPr>
+          <p:spPr>
+            <a:xfrm flipV="1">
+              <a:off x="6119" y="1609"/>
+              <a:ext cx="1062" cy="1110"/>
+            </a:xfrm>
+            <a:prstGeom prst="line">
+              <a:avLst/>
+            </a:prstGeom>
+            <a:ln w="28575" cmpd="sng">
+              <a:solidFill>
+                <a:schemeClr val="bg1">
+                  <a:lumMod val="75000"/>
+                </a:schemeClr>
+              </a:solidFill>
+              <a:prstDash val="solid"/>
+            </a:ln>
+          </p:spPr>
+          <p:style>
+            <a:lnRef idx="1">
+              <a:schemeClr val="accent1"/>
+            </a:lnRef>
+            <a:fillRef idx="0">
+              <a:schemeClr val="accent1"/>
+            </a:fillRef>
+            <a:effectRef idx="0">
+              <a:schemeClr val="accent1"/>
+            </a:effectRef>
+            <a:fontRef idx="minor">
+              <a:schemeClr val="tx1"/>
+            </a:fontRef>
+          </p:style>
+        </p:cxnSp>
+        <p:sp>
+          <p:nvSpPr>
+            <p:cNvPr id="64" name="Oval 63"/>
+            <p:cNvSpPr/>
+            <p:nvPr/>
+          </p:nvSpPr>
+          <p:spPr>
+            <a:xfrm>
+              <a:off x="6882" y="1437"/>
+              <a:ext cx="432" cy="432"/>
+            </a:xfrm>
+            <a:prstGeom prst="ellipse">
+              <a:avLst/>
+            </a:prstGeom>
+            <a:solidFill>
+              <a:schemeClr val="accent2"/>
+            </a:solidFill>
+            <a:ln>
+              <a:noFill/>
+            </a:ln>
+          </p:spPr>
+          <p:style>
+            <a:lnRef idx="2">
+              <a:schemeClr val="accent1">
+                <a:shade val="50000"/>
+              </a:schemeClr>
+            </a:lnRef>
+            <a:fillRef idx="1">
+              <a:schemeClr val="accent1"/>
+            </a:fillRef>
+            <a:effectRef idx="0">
+              <a:schemeClr val="accent1"/>
+            </a:effectRef>
+            <a:fontRef idx="minor">
+              <a:schemeClr val="lt1"/>
+            </a:fontRef>
+          </p:style>
+          <p:txBody>
+            <a:bodyPr rtlCol="0" anchor="ctr"/>
+            <a:p>
+              <a:pPr algn="ctr"/>
+              <a:endParaRPr lang="en-US">
+                <a:ln>
+                  <a:noFill/>
+                </a:ln>
+                <a:solidFill>
+                  <a:schemeClr val="accent5"/>
+                </a:solidFill>
+              </a:endParaRPr>
+            </a:p>
+          </p:txBody>
+        </p:sp>
+        <p:sp>
+          <p:nvSpPr>
+            <p:cNvPr id="65" name="Oval 64"/>
+            <p:cNvSpPr/>
+            <p:nvPr/>
+          </p:nvSpPr>
+          <p:spPr>
+            <a:xfrm>
+              <a:off x="6733" y="1293"/>
+              <a:ext cx="720" cy="720"/>
+            </a:xfrm>
+            <a:prstGeom prst="ellipse">
+              <a:avLst/>
+            </a:prstGeom>
+            <a:solidFill>
+              <a:srgbClr val="ED7D31">
+                <a:alpha val="50000"/>
+              </a:srgbClr>
+            </a:solidFill>
+            <a:ln>
+              <a:noFill/>
+            </a:ln>
+          </p:spPr>
+          <p:style>
+            <a:lnRef idx="2">
+              <a:schemeClr val="accent1">
+                <a:shade val="50000"/>
+              </a:schemeClr>
+            </a:lnRef>
+            <a:fillRef idx="1">
+              <a:schemeClr val="accent1"/>
+            </a:fillRef>
+            <a:effectRef idx="0">
+              <a:schemeClr val="accent1"/>
+            </a:effectRef>
+            <a:fontRef idx="minor">
+              <a:schemeClr val="lt1"/>
+            </a:fontRef>
+          </p:style>
+          <p:txBody>
+            <a:bodyPr rtlCol="0" anchor="ctr"/>
+            <a:p>
+              <a:pPr algn="ctr"/>
+              <a:endParaRPr lang="en-US">
+                <a:ln>
+                  <a:noFill/>
+                </a:ln>
+                <a:solidFill>
+                  <a:schemeClr val="accent5"/>
+                </a:solidFill>
+              </a:endParaRPr>
+            </a:p>
+          </p:txBody>
+        </p:sp>
+        <p:sp>
+          <p:nvSpPr>
+            <p:cNvPr id="68" name="Oval 67"/>
+            <p:cNvSpPr/>
+            <p:nvPr/>
+          </p:nvSpPr>
+          <p:spPr>
+            <a:xfrm>
+              <a:off x="5915" y="1177"/>
+              <a:ext cx="432" cy="432"/>
+            </a:xfrm>
+            <a:prstGeom prst="ellipse">
+              <a:avLst/>
+            </a:prstGeom>
+            <a:ln>
+              <a:noFill/>
+            </a:ln>
+          </p:spPr>
+          <p:style>
+            <a:lnRef idx="2">
+              <a:schemeClr val="accent1">
+                <a:shade val="50000"/>
+              </a:schemeClr>
+            </a:lnRef>
+            <a:fillRef idx="1">
+              <a:schemeClr val="accent1"/>
+            </a:fillRef>
+            <a:effectRef idx="0">
+              <a:schemeClr val="accent1"/>
+            </a:effectRef>
+            <a:fontRef idx="minor">
+              <a:schemeClr val="lt1"/>
+            </a:fontRef>
+          </p:style>
+          <p:txBody>
+            <a:bodyPr rtlCol="0" anchor="ctr"/>
+            <a:p>
+              <a:pPr algn="ctr"/>
+              <a:endParaRPr lang="en-US">
+                <a:ln>
+                  <a:noFill/>
+                </a:ln>
+                <a:solidFill>
+                  <a:schemeClr val="accent5"/>
+                </a:solidFill>
+              </a:endParaRPr>
+            </a:p>
+          </p:txBody>
+        </p:sp>
+        <p:sp>
+          <p:nvSpPr>
+            <p:cNvPr id="69" name="Oval 68"/>
+            <p:cNvSpPr/>
+            <p:nvPr/>
+          </p:nvSpPr>
+          <p:spPr>
+            <a:xfrm>
+              <a:off x="5771" y="1033"/>
+              <a:ext cx="720" cy="720"/>
+            </a:xfrm>
+            <a:prstGeom prst="ellipse">
+              <a:avLst/>
+            </a:prstGeom>
+            <a:solidFill>
+              <a:srgbClr val="5B9BD5">
+                <a:alpha val="50000"/>
+              </a:srgbClr>
+            </a:solidFill>
+            <a:ln>
+              <a:noFill/>
+            </a:ln>
+          </p:spPr>
+          <p:style>
+            <a:lnRef idx="2">
+              <a:schemeClr val="accent1">
+                <a:shade val="50000"/>
+              </a:schemeClr>
+            </a:lnRef>
+            <a:fillRef idx="1">
+              <a:schemeClr val="accent1"/>
+            </a:fillRef>
+            <a:effectRef idx="0">
+              <a:schemeClr val="accent1"/>
+            </a:effectRef>
+            <a:fontRef idx="minor">
+              <a:schemeClr val="lt1"/>
+            </a:fontRef>
+          </p:style>
+          <p:txBody>
+            <a:bodyPr rtlCol="0" anchor="ctr"/>
+            <a:p>
+              <a:pPr algn="ctr"/>
+              <a:endParaRPr lang="en-US">
+                <a:ln>
+                  <a:noFill/>
+                </a:ln>
+                <a:solidFill>
+                  <a:schemeClr val="accent5"/>
+                </a:solidFill>
+              </a:endParaRPr>
+            </a:p>
+          </p:txBody>
+        </p:sp>
+      </p:grpSp>
+      <p:sp>
+        <p:nvSpPr>
+          <p:cNvPr id="71" name="Oval 70"/>
+          <p:cNvSpPr/>
+          <p:nvPr/>
+        </p:nvSpPr>
+        <p:spPr>
+          <a:xfrm>
+            <a:off x="8623935" y="1369695"/>
+            <a:ext cx="731520" cy="731520"/>
+          </a:xfrm>
+          <a:prstGeom prst="ellipse">
+            <a:avLst/>
+          </a:prstGeom>
+          <a:ln>
+            <a:noFill/>
+          </a:ln>
+        </p:spPr>
+        <p:style>
+          <a:lnRef idx="2">
+            <a:schemeClr val="accent1">
+              <a:shade val="50000"/>
+            </a:schemeClr>
+          </a:lnRef>
+          <a:fillRef idx="1">
+            <a:schemeClr val="accent1"/>
+          </a:fillRef>
+          <a:effectRef idx="0">
+            <a:schemeClr val="accent1"/>
+          </a:effectRef>
+          <a:fontRef idx="minor">
+            <a:schemeClr val="lt1"/>
+          </a:fontRef>
+        </p:style>
+        <p:txBody>
+          <a:bodyPr rtlCol="0" anchor="ctr"/>
+          <a:p>
+            <a:pPr algn="ctr"/>
+            <a:endParaRPr lang="en-US"/>
+          </a:p>
+        </p:txBody>
+      </p:sp>
+    </p:spTree>
+  </p:cSld>
+  <p:clrMapOvr>
+    <a:masterClrMapping/>
+  </p:clrMapOvr>
+  <p:transition/>
+</p:sld>
+</file>
+
+<file path=ppt/slides/slide2.xml><?xml version="1.0" encoding="utf-8"?>
 <p:sld xmlns:a="http://schemas.openxmlformats.org/drawingml/2006/main" xmlns:r="http://schemas.openxmlformats.org/officeDocument/2006/relationships" xmlns:p="http://schemas.openxmlformats.org/presentationml/2006/main">
   <p:cSld>
     <p:spTree>
@@ -3598,143 +6447,6 @@
               <a:t>田中　龍仁</a:t>
             </a:r>
             <a:endParaRPr lang="ja-JP" altLang="zh-CN"/>
-          </a:p>
-        </p:txBody>
-      </p:sp>
-    </p:spTree>
-  </p:cSld>
-  <p:clrMapOvr>
-    <a:masterClrMapping/>
-  </p:clrMapOvr>
-</p:sld>
-</file>
-
-<file path=ppt/slides/slide2.xml><?xml version="1.0" encoding="utf-8"?>
-<p:sld xmlns:a="http://schemas.openxmlformats.org/drawingml/2006/main" xmlns:r="http://schemas.openxmlformats.org/officeDocument/2006/relationships" xmlns:p="http://schemas.openxmlformats.org/presentationml/2006/main">
-  <p:cSld>
-    <p:spTree>
-      <p:nvGrpSpPr>
-        <p:cNvPr id="1" name=""/>
-        <p:cNvGrpSpPr/>
-        <p:nvPr/>
-      </p:nvGrpSpPr>
-      <p:grpSpPr/>
-      <p:sp>
-        <p:nvSpPr>
-          <p:cNvPr id="2" name="Title 1"/>
-          <p:cNvSpPr>
-            <a:spLocks noGrp="1"/>
-          </p:cNvSpPr>
-          <p:nvPr>
-            <p:ph type="title"/>
-          </p:nvPr>
-        </p:nvSpPr>
-        <p:spPr/>
-        <p:txBody>
-          <a:bodyPr/>
-          <a:p>
-            <a:r>
-              <a:rPr lang="ja-JP" altLang="en-US" sz="3600"/>
-              <a:t>決定木（</a:t>
-            </a:r>
-            <a:r>
-              <a:rPr lang="en-US" altLang="ja-JP" sz="3600"/>
-              <a:t>decision tree</a:t>
-            </a:r>
-            <a:r>
-              <a:rPr lang="ja-JP" altLang="en-US" sz="3600"/>
-              <a:t>）とは</a:t>
-            </a:r>
-            <a:endParaRPr lang="ja-JP" altLang="en-US" sz="3600"/>
-          </a:p>
-        </p:txBody>
-      </p:sp>
-      <p:sp>
-        <p:nvSpPr>
-          <p:cNvPr id="3" name="Content Placeholder 2"/>
-          <p:cNvSpPr>
-            <a:spLocks noGrp="1"/>
-          </p:cNvSpPr>
-          <p:nvPr>
-            <p:ph idx="1"/>
-          </p:nvPr>
-        </p:nvSpPr>
-        <p:spPr/>
-        <p:txBody>
-          <a:bodyPr/>
-          <a:p>
-            <a:pPr marL="0" indent="0">
-              <a:buNone/>
-            </a:pPr>
-            <a:r>
-              <a:rPr lang="ja-JP" altLang="en-US"/>
-              <a:t>意思決定や分類、判別、予測などのために作られる、木構造（ツリー構造）のデータや図などのこと</a:t>
-            </a:r>
-            <a:endParaRPr lang="ja-JP" altLang="en-US"/>
-          </a:p>
-          <a:p>
-            <a:pPr marL="0" indent="0">
-              <a:buNone/>
-            </a:pPr>
-            <a:endParaRPr lang="en-US" altLang="ja-JP"/>
-          </a:p>
-          <a:p>
-            <a:pPr marL="0" indent="0">
-              <a:buNone/>
-            </a:pPr>
-            <a:r>
-              <a:rPr lang="ja-JP" altLang="en-US"/>
-              <a:t>分類を行うものを「</a:t>
-            </a:r>
-            <a:r>
-              <a:rPr lang="ja-JP" altLang="en-US" b="1"/>
-              <a:t>分類木</a:t>
-            </a:r>
-            <a:r>
-              <a:rPr lang="ja-JP" altLang="en-US"/>
-              <a:t>（</a:t>
-            </a:r>
-            <a:r>
-              <a:rPr lang="en-US" altLang="ja-JP"/>
-              <a:t>classification tree</a:t>
-            </a:r>
-            <a:r>
-              <a:rPr lang="ja-JP" altLang="en-US"/>
-              <a:t>）」</a:t>
-            </a:r>
-            <a:endParaRPr lang="ja-JP" altLang="en-US"/>
-          </a:p>
-          <a:p>
-            <a:pPr marL="0" indent="0">
-              <a:buNone/>
-            </a:pPr>
-            <a:endParaRPr lang="ja-JP" altLang="en-US"/>
-          </a:p>
-          <a:p>
-            <a:pPr marL="0" indent="0">
-              <a:buNone/>
-            </a:pPr>
-            <a:r>
-              <a:rPr lang="ja-JP" altLang="en-US"/>
-              <a:t>関数の近似により推論や予測を行うものを「</a:t>
-            </a:r>
-            <a:r>
-              <a:rPr lang="ja-JP" altLang="en-US" b="1"/>
-              <a:t>回帰木</a:t>
-            </a:r>
-            <a:r>
-              <a:rPr lang="ja-JP" altLang="en-US"/>
-              <a:t>（</a:t>
-            </a:r>
-            <a:r>
-              <a:rPr lang="en-US" altLang="ja-JP"/>
-              <a:t>regression tree</a:t>
-            </a:r>
-            <a:r>
-              <a:rPr lang="ja-JP" altLang="en-US"/>
-              <a:t>）」</a:t>
-            </a:r>
-            <a:endParaRPr lang="ja-JP" altLang="en-US"/>
           </a:p>
         </p:txBody>
       </p:sp>
@@ -3805,40 +6517,15 @@
             </a:pPr>
             <a:r>
               <a:rPr lang="ja-JP" altLang="en-US"/>
-              <a:t>利点</a:t>
+              <a:t>意思決定や分類、判別、予測などのために作られる、木構造（ツリー構造）のデータや図などのこと</a:t>
             </a:r>
             <a:endParaRPr lang="ja-JP" altLang="en-US"/>
           </a:p>
           <a:p>
-            <a:r>
-              <a:rPr lang="ja-JP" altLang="en-US"/>
-              <a:t>非線形のデータや説明変数の多い（次元の高い）データ、様々な尺度（質的変数か量的変数かなど）が混在しているデータでも扱いやすい</a:t>
-            </a:r>
-            <a:endParaRPr lang="ja-JP" altLang="en-US"/>
-          </a:p>
-          <a:p>
-            <a:r>
-              <a:rPr lang="ja-JP" altLang="en-US"/>
-              <a:t>外れ値に対してロバストな (外れ値の影響を受けにくい) モデルを構築可能</a:t>
-            </a:r>
-            <a:endParaRPr lang="ja-JP" altLang="en-US"/>
-          </a:p>
-          <a:p>
-            <a:r>
-              <a:rPr lang="ja-JP" altLang="en-US"/>
-              <a:t>結果が可視化されていて、理解しやすい</a:t>
-            </a:r>
-            <a:endParaRPr lang="ja-JP" altLang="en-US"/>
-          </a:p>
-          <a:p>
-            <a:r>
-              <a:rPr lang="ja-JP" altLang="en-US"/>
-              <a:t>いくつかの選択肢から最善のものが選べる</a:t>
-            </a:r>
-            <a:endParaRPr lang="ja-JP" altLang="en-US"/>
-          </a:p>
-          <a:p>
-            <a:endParaRPr lang="ja-JP" altLang="en-US"/>
+            <a:pPr marL="0" indent="0">
+              <a:buNone/>
+            </a:pPr>
+            <a:endParaRPr lang="en-US" altLang="ja-JP"/>
           </a:p>
           <a:p>
             <a:pPr marL="0" indent="0">
@@ -3846,33 +6533,2846 @@
             </a:pPr>
             <a:r>
               <a:rPr lang="ja-JP" altLang="en-US"/>
-              <a:t>欠点</a:t>
+              <a:t>分類を行うものを「</a:t>
+            </a:r>
+            <a:r>
+              <a:rPr lang="ja-JP" altLang="en-US" b="1"/>
+              <a:t>分類木</a:t>
+            </a:r>
+            <a:r>
+              <a:rPr lang="ja-JP" altLang="en-US"/>
+              <a:t>（</a:t>
+            </a:r>
+            <a:r>
+              <a:rPr lang="en-US" altLang="ja-JP"/>
+              <a:t>classification tree</a:t>
+            </a:r>
+            <a:r>
+              <a:rPr lang="ja-JP" altLang="en-US"/>
+              <a:t>）」</a:t>
             </a:r>
             <a:endParaRPr lang="ja-JP" altLang="en-US"/>
           </a:p>
           <a:p>
+            <a:pPr marL="0" indent="0">
+              <a:buNone/>
+            </a:pPr>
+            <a:endParaRPr lang="ja-JP" altLang="en-US"/>
+          </a:p>
+          <a:p>
+            <a:pPr marL="0" indent="0">
+              <a:buNone/>
+            </a:pPr>
             <a:r>
               <a:rPr lang="ja-JP" altLang="en-US"/>
-              <a:t>線形性のあるデータにはあまり適していない</a:t>
+              <a:t>関数の近似により推論や予測を行うものを「</a:t>
+            </a:r>
+            <a:r>
+              <a:rPr lang="ja-JP" altLang="en-US" b="1"/>
+              <a:t>回帰木</a:t>
+            </a:r>
+            <a:r>
+              <a:rPr lang="ja-JP" altLang="en-US"/>
+              <a:t>（</a:t>
+            </a:r>
+            <a:r>
+              <a:rPr lang="en-US" altLang="ja-JP"/>
+              <a:t>regression tree</a:t>
+            </a:r>
+            <a:r>
+              <a:rPr lang="ja-JP" altLang="en-US"/>
+              <a:t>）」</a:t>
             </a:r>
             <a:endParaRPr lang="ja-JP" altLang="en-US"/>
           </a:p>
-          <a:p>
-            <a:r>
-              <a:rPr lang="ja-JP" altLang="en-US"/>
-              <a:t>分類性能は低い</a:t>
-            </a:r>
-            <a:endParaRPr lang="ja-JP" altLang="en-US"/>
-          </a:p>
-          <a:p>
-            <a:r>
-              <a:rPr lang="ja-JP" altLang="en-US"/>
-              <a:t>過学習を起こしやすい</a:t>
-            </a:r>
-            <a:endParaRPr lang="ja-JP" altLang="en-US"/>
-          </a:p>
         </p:txBody>
       </p:sp>
+      <p:grpSp>
+        <p:nvGrpSpPr>
+          <p:cNvPr id="70" name="Group 69"/>
+          <p:cNvGrpSpPr/>
+          <p:nvPr/>
+        </p:nvGrpSpPr>
+        <p:grpSpPr>
+          <a:xfrm>
+            <a:off x="9311640" y="3484245"/>
+            <a:ext cx="2310130" cy="2791460"/>
+            <a:chOff x="2300" y="1033"/>
+            <a:chExt cx="7452" cy="8514"/>
+          </a:xfrm>
+        </p:grpSpPr>
+        <p:cxnSp>
+          <p:nvCxnSpPr>
+            <p:cNvPr id="20" name="Straight Connector 19"/>
+            <p:cNvCxnSpPr/>
+            <p:nvPr/>
+          </p:nvCxnSpPr>
+          <p:spPr>
+            <a:xfrm flipH="1">
+              <a:off x="3884" y="2726"/>
+              <a:ext cx="25" cy="3846"/>
+            </a:xfrm>
+            <a:prstGeom prst="line">
+              <a:avLst/>
+            </a:prstGeom>
+            <a:ln w="28575" cmpd="sng">
+              <a:solidFill>
+                <a:schemeClr val="bg1">
+                  <a:lumMod val="75000"/>
+                </a:schemeClr>
+              </a:solidFill>
+              <a:prstDash val="solid"/>
+            </a:ln>
+          </p:spPr>
+          <p:style>
+            <a:lnRef idx="1">
+              <a:schemeClr val="accent1"/>
+            </a:lnRef>
+            <a:fillRef idx="0">
+              <a:schemeClr val="accent1"/>
+            </a:fillRef>
+            <a:effectRef idx="0">
+              <a:schemeClr val="accent1"/>
+            </a:effectRef>
+            <a:fontRef idx="minor">
+              <a:schemeClr val="tx1"/>
+            </a:fontRef>
+          </p:style>
+        </p:cxnSp>
+        <p:cxnSp>
+          <p:nvCxnSpPr>
+            <p:cNvPr id="49" name="Straight Connector 48"/>
+            <p:cNvCxnSpPr/>
+            <p:nvPr/>
+          </p:nvCxnSpPr>
+          <p:spPr>
+            <a:xfrm flipV="1">
+              <a:off x="6159" y="3396"/>
+              <a:ext cx="2267" cy="1828"/>
+            </a:xfrm>
+            <a:prstGeom prst="line">
+              <a:avLst/>
+            </a:prstGeom>
+            <a:ln w="28575" cmpd="sng">
+              <a:solidFill>
+                <a:schemeClr val="bg1">
+                  <a:lumMod val="75000"/>
+                </a:schemeClr>
+              </a:solidFill>
+              <a:prstDash val="solid"/>
+            </a:ln>
+          </p:spPr>
+          <p:style>
+            <a:lnRef idx="1">
+              <a:schemeClr val="accent1"/>
+            </a:lnRef>
+            <a:fillRef idx="0">
+              <a:schemeClr val="accent1"/>
+            </a:fillRef>
+            <a:effectRef idx="0">
+              <a:schemeClr val="accent1"/>
+            </a:effectRef>
+            <a:fontRef idx="minor">
+              <a:schemeClr val="tx1"/>
+            </a:fontRef>
+          </p:style>
+        </p:cxnSp>
+        <p:cxnSp>
+          <p:nvCxnSpPr>
+            <p:cNvPr id="4" name="Straight Connector 3"/>
+            <p:cNvCxnSpPr/>
+            <p:nvPr/>
+          </p:nvCxnSpPr>
+          <p:spPr>
+            <a:xfrm flipV="1">
+              <a:off x="4120" y="9529"/>
+              <a:ext cx="4022" cy="19"/>
+            </a:xfrm>
+            <a:prstGeom prst="line">
+              <a:avLst/>
+            </a:prstGeom>
+            <a:ln w="28575" cmpd="sng">
+              <a:solidFill>
+                <a:schemeClr val="bg1">
+                  <a:lumMod val="75000"/>
+                </a:schemeClr>
+              </a:solidFill>
+              <a:prstDash val="solid"/>
+            </a:ln>
+          </p:spPr>
+          <p:style>
+            <a:lnRef idx="1">
+              <a:schemeClr val="accent1"/>
+            </a:lnRef>
+            <a:fillRef idx="0">
+              <a:schemeClr val="accent1"/>
+            </a:fillRef>
+            <a:effectRef idx="0">
+              <a:schemeClr val="accent1"/>
+            </a:effectRef>
+            <a:fontRef idx="minor">
+              <a:schemeClr val="tx1"/>
+            </a:fontRef>
+          </p:style>
+        </p:cxnSp>
+        <p:cxnSp>
+          <p:nvCxnSpPr>
+            <p:cNvPr id="5" name="Straight Connector 4"/>
+            <p:cNvCxnSpPr/>
+            <p:nvPr/>
+          </p:nvCxnSpPr>
+          <p:spPr>
+            <a:xfrm flipH="1">
+              <a:off x="6119" y="1258"/>
+              <a:ext cx="24" cy="8271"/>
+            </a:xfrm>
+            <a:prstGeom prst="line">
+              <a:avLst/>
+            </a:prstGeom>
+            <a:ln w="28575" cmpd="sng">
+              <a:solidFill>
+                <a:schemeClr val="bg1">
+                  <a:lumMod val="75000"/>
+                </a:schemeClr>
+              </a:solidFill>
+              <a:prstDash val="solid"/>
+            </a:ln>
+          </p:spPr>
+          <p:style>
+            <a:lnRef idx="1">
+              <a:schemeClr val="accent1"/>
+            </a:lnRef>
+            <a:fillRef idx="0">
+              <a:schemeClr val="accent1"/>
+            </a:fillRef>
+            <a:effectRef idx="0">
+              <a:schemeClr val="accent1"/>
+            </a:effectRef>
+            <a:fontRef idx="minor">
+              <a:schemeClr val="tx1"/>
+            </a:fontRef>
+          </p:style>
+        </p:cxnSp>
+        <p:cxnSp>
+          <p:nvCxnSpPr>
+            <p:cNvPr id="25" name="Straight Connector 24"/>
+            <p:cNvCxnSpPr/>
+            <p:nvPr/>
+          </p:nvCxnSpPr>
+          <p:spPr>
+            <a:xfrm flipV="1">
+              <a:off x="3884" y="5583"/>
+              <a:ext cx="887" cy="989"/>
+            </a:xfrm>
+            <a:prstGeom prst="line">
+              <a:avLst/>
+            </a:prstGeom>
+            <a:ln w="28575" cmpd="sng">
+              <a:solidFill>
+                <a:schemeClr val="bg1">
+                  <a:lumMod val="75000"/>
+                </a:schemeClr>
+              </a:solidFill>
+              <a:prstDash val="solid"/>
+            </a:ln>
+          </p:spPr>
+          <p:style>
+            <a:lnRef idx="1">
+              <a:schemeClr val="accent1"/>
+            </a:lnRef>
+            <a:fillRef idx="0">
+              <a:schemeClr val="accent1"/>
+            </a:fillRef>
+            <a:effectRef idx="0">
+              <a:schemeClr val="accent1"/>
+            </a:effectRef>
+            <a:fontRef idx="minor">
+              <a:schemeClr val="tx1"/>
+            </a:fontRef>
+          </p:style>
+        </p:cxnSp>
+        <p:cxnSp>
+          <p:nvCxnSpPr>
+            <p:cNvPr id="6" name="Straight Connector 5"/>
+            <p:cNvCxnSpPr/>
+            <p:nvPr/>
+          </p:nvCxnSpPr>
+          <p:spPr>
+            <a:xfrm>
+              <a:off x="3909" y="6572"/>
+              <a:ext cx="2234" cy="1021"/>
+            </a:xfrm>
+            <a:prstGeom prst="line">
+              <a:avLst/>
+            </a:prstGeom>
+            <a:ln w="28575" cmpd="sng">
+              <a:solidFill>
+                <a:schemeClr val="bg1">
+                  <a:lumMod val="75000"/>
+                </a:schemeClr>
+              </a:solidFill>
+              <a:prstDash val="solid"/>
+            </a:ln>
+          </p:spPr>
+          <p:style>
+            <a:lnRef idx="1">
+              <a:schemeClr val="accent1"/>
+            </a:lnRef>
+            <a:fillRef idx="0">
+              <a:schemeClr val="accent1"/>
+            </a:fillRef>
+            <a:effectRef idx="0">
+              <a:schemeClr val="accent1"/>
+            </a:effectRef>
+            <a:fontRef idx="minor">
+              <a:schemeClr val="tx1"/>
+            </a:fontRef>
+          </p:style>
+        </p:cxnSp>
+        <p:cxnSp>
+          <p:nvCxnSpPr>
+            <p:cNvPr id="7" name="Straight Connector 6"/>
+            <p:cNvCxnSpPr/>
+            <p:nvPr/>
+          </p:nvCxnSpPr>
+          <p:spPr>
+            <a:xfrm flipV="1">
+              <a:off x="6119" y="6668"/>
+              <a:ext cx="2155" cy="925"/>
+            </a:xfrm>
+            <a:prstGeom prst="line">
+              <a:avLst/>
+            </a:prstGeom>
+            <a:ln w="28575" cmpd="sng">
+              <a:solidFill>
+                <a:schemeClr val="bg1">
+                  <a:lumMod val="75000"/>
+                </a:schemeClr>
+              </a:solidFill>
+              <a:prstDash val="solid"/>
+            </a:ln>
+          </p:spPr>
+          <p:style>
+            <a:lnRef idx="1">
+              <a:schemeClr val="accent1"/>
+            </a:lnRef>
+            <a:fillRef idx="0">
+              <a:schemeClr val="accent1"/>
+            </a:fillRef>
+            <a:effectRef idx="0">
+              <a:schemeClr val="accent1"/>
+            </a:effectRef>
+            <a:fontRef idx="minor">
+              <a:schemeClr val="tx1"/>
+            </a:fontRef>
+          </p:style>
+        </p:cxnSp>
+        <p:cxnSp>
+          <p:nvCxnSpPr>
+            <p:cNvPr id="8" name="Straight Connector 7"/>
+            <p:cNvCxnSpPr/>
+            <p:nvPr/>
+          </p:nvCxnSpPr>
+          <p:spPr>
+            <a:xfrm>
+              <a:off x="2760" y="5375"/>
+              <a:ext cx="1149" cy="1197"/>
+            </a:xfrm>
+            <a:prstGeom prst="line">
+              <a:avLst/>
+            </a:prstGeom>
+            <a:ln w="28575" cmpd="sng">
+              <a:solidFill>
+                <a:schemeClr val="bg1">
+                  <a:lumMod val="75000"/>
+                </a:schemeClr>
+              </a:solidFill>
+              <a:prstDash val="solid"/>
+            </a:ln>
+          </p:spPr>
+          <p:style>
+            <a:lnRef idx="1">
+              <a:schemeClr val="accent1"/>
+            </a:lnRef>
+            <a:fillRef idx="0">
+              <a:schemeClr val="accent1"/>
+            </a:fillRef>
+            <a:effectRef idx="0">
+              <a:schemeClr val="accent1"/>
+            </a:effectRef>
+            <a:fontRef idx="minor">
+              <a:schemeClr val="tx1"/>
+            </a:fontRef>
+          </p:style>
+        </p:cxnSp>
+        <p:sp>
+          <p:nvSpPr>
+            <p:cNvPr id="9" name="Oval 8"/>
+            <p:cNvSpPr/>
+            <p:nvPr/>
+          </p:nvSpPr>
+          <p:spPr>
+            <a:xfrm>
+              <a:off x="5843" y="7242"/>
+              <a:ext cx="576" cy="576"/>
+            </a:xfrm>
+            <a:prstGeom prst="ellipse">
+              <a:avLst/>
+            </a:prstGeom>
+            <a:ln>
+              <a:noFill/>
+            </a:ln>
+          </p:spPr>
+          <p:style>
+            <a:lnRef idx="2">
+              <a:schemeClr val="accent1">
+                <a:shade val="50000"/>
+              </a:schemeClr>
+            </a:lnRef>
+            <a:fillRef idx="1">
+              <a:schemeClr val="accent1"/>
+            </a:fillRef>
+            <a:effectRef idx="0">
+              <a:schemeClr val="accent1"/>
+            </a:effectRef>
+            <a:fontRef idx="minor">
+              <a:schemeClr val="lt1"/>
+            </a:fontRef>
+          </p:style>
+          <p:txBody>
+            <a:bodyPr rtlCol="0" anchor="ctr"/>
+            <a:p>
+              <a:pPr algn="ctr"/>
+              <a:endParaRPr lang="en-US">
+                <a:ln>
+                  <a:noFill/>
+                </a:ln>
+                <a:solidFill>
+                  <a:schemeClr val="accent5"/>
+                </a:solidFill>
+              </a:endParaRPr>
+            </a:p>
+          </p:txBody>
+        </p:sp>
+        <p:sp>
+          <p:nvSpPr>
+            <p:cNvPr id="10" name="Oval 9"/>
+            <p:cNvSpPr/>
+            <p:nvPr/>
+          </p:nvSpPr>
+          <p:spPr>
+            <a:xfrm>
+              <a:off x="3608" y="6286"/>
+              <a:ext cx="576" cy="576"/>
+            </a:xfrm>
+            <a:prstGeom prst="ellipse">
+              <a:avLst/>
+            </a:prstGeom>
+            <a:ln>
+              <a:noFill/>
+            </a:ln>
+          </p:spPr>
+          <p:style>
+            <a:lnRef idx="2">
+              <a:schemeClr val="accent1">
+                <a:shade val="50000"/>
+              </a:schemeClr>
+            </a:lnRef>
+            <a:fillRef idx="1">
+              <a:schemeClr val="accent1"/>
+            </a:fillRef>
+            <a:effectRef idx="0">
+              <a:schemeClr val="accent1"/>
+            </a:effectRef>
+            <a:fontRef idx="minor">
+              <a:schemeClr val="lt1"/>
+            </a:fontRef>
+          </p:style>
+          <p:txBody>
+            <a:bodyPr rtlCol="0" anchor="ctr"/>
+            <a:p>
+              <a:pPr algn="ctr"/>
+              <a:endParaRPr lang="en-US">
+                <a:ln>
+                  <a:noFill/>
+                </a:ln>
+                <a:solidFill>
+                  <a:schemeClr val="accent5"/>
+                </a:solidFill>
+              </a:endParaRPr>
+            </a:p>
+          </p:txBody>
+        </p:sp>
+        <p:cxnSp>
+          <p:nvCxnSpPr>
+            <p:cNvPr id="39" name="Straight Connector 38"/>
+            <p:cNvCxnSpPr/>
+            <p:nvPr/>
+          </p:nvCxnSpPr>
+          <p:spPr>
+            <a:xfrm flipH="1">
+              <a:off x="8299" y="4641"/>
+              <a:ext cx="31" cy="2027"/>
+            </a:xfrm>
+            <a:prstGeom prst="line">
+              <a:avLst/>
+            </a:prstGeom>
+            <a:ln w="28575" cmpd="sng">
+              <a:solidFill>
+                <a:schemeClr val="bg1">
+                  <a:lumMod val="75000"/>
+                </a:schemeClr>
+              </a:solidFill>
+              <a:prstDash val="solid"/>
+            </a:ln>
+          </p:spPr>
+          <p:style>
+            <a:lnRef idx="1">
+              <a:schemeClr val="accent1"/>
+            </a:lnRef>
+            <a:fillRef idx="0">
+              <a:schemeClr val="accent1"/>
+            </a:fillRef>
+            <a:effectRef idx="0">
+              <a:schemeClr val="accent1"/>
+            </a:effectRef>
+            <a:fontRef idx="minor">
+              <a:schemeClr val="tx1"/>
+            </a:fontRef>
+          </p:style>
+        </p:cxnSp>
+        <p:sp>
+          <p:nvSpPr>
+            <p:cNvPr id="11" name="Oval 10"/>
+            <p:cNvSpPr/>
+            <p:nvPr/>
+          </p:nvSpPr>
+          <p:spPr>
+            <a:xfrm>
+              <a:off x="5843" y="4973"/>
+              <a:ext cx="576" cy="576"/>
+            </a:xfrm>
+            <a:prstGeom prst="ellipse">
+              <a:avLst/>
+            </a:prstGeom>
+            <a:ln>
+              <a:noFill/>
+            </a:ln>
+          </p:spPr>
+          <p:style>
+            <a:lnRef idx="2">
+              <a:schemeClr val="accent1">
+                <a:shade val="50000"/>
+              </a:schemeClr>
+            </a:lnRef>
+            <a:fillRef idx="1">
+              <a:schemeClr val="accent1"/>
+            </a:fillRef>
+            <a:effectRef idx="0">
+              <a:schemeClr val="accent1"/>
+            </a:effectRef>
+            <a:fontRef idx="minor">
+              <a:schemeClr val="lt1"/>
+            </a:fontRef>
+          </p:style>
+          <p:txBody>
+            <a:bodyPr rtlCol="0" anchor="ctr"/>
+            <a:p>
+              <a:pPr algn="ctr"/>
+              <a:endParaRPr lang="en-US">
+                <a:ln>
+                  <a:noFill/>
+                </a:ln>
+                <a:solidFill>
+                  <a:schemeClr val="accent5"/>
+                </a:solidFill>
+              </a:endParaRPr>
+            </a:p>
+          </p:txBody>
+        </p:sp>
+        <p:cxnSp>
+          <p:nvCxnSpPr>
+            <p:cNvPr id="56" name="Straight Connector 55"/>
+            <p:cNvCxnSpPr/>
+            <p:nvPr/>
+          </p:nvCxnSpPr>
+          <p:spPr>
+            <a:xfrm flipH="1">
+              <a:off x="7090" y="3165"/>
+              <a:ext cx="7" cy="1325"/>
+            </a:xfrm>
+            <a:prstGeom prst="line">
+              <a:avLst/>
+            </a:prstGeom>
+            <a:ln w="28575" cmpd="sng">
+              <a:solidFill>
+                <a:schemeClr val="bg1">
+                  <a:lumMod val="75000"/>
+                </a:schemeClr>
+              </a:solidFill>
+              <a:prstDash val="solid"/>
+            </a:ln>
+          </p:spPr>
+          <p:style>
+            <a:lnRef idx="1">
+              <a:schemeClr val="accent1"/>
+            </a:lnRef>
+            <a:fillRef idx="0">
+              <a:schemeClr val="accent1"/>
+            </a:fillRef>
+            <a:effectRef idx="0">
+              <a:schemeClr val="accent1"/>
+            </a:effectRef>
+            <a:fontRef idx="minor">
+              <a:schemeClr val="tx1"/>
+            </a:fontRef>
+          </p:style>
+        </p:cxnSp>
+        <p:sp>
+          <p:nvSpPr>
+            <p:cNvPr id="13" name="Oval 12"/>
+            <p:cNvSpPr/>
+            <p:nvPr/>
+          </p:nvSpPr>
+          <p:spPr>
+            <a:xfrm>
+              <a:off x="2444" y="5008"/>
+              <a:ext cx="576" cy="576"/>
+            </a:xfrm>
+            <a:prstGeom prst="ellipse">
+              <a:avLst/>
+            </a:prstGeom>
+            <a:solidFill>
+              <a:schemeClr val="accent2"/>
+            </a:solidFill>
+            <a:ln>
+              <a:noFill/>
+            </a:ln>
+          </p:spPr>
+          <p:style>
+            <a:lnRef idx="2">
+              <a:schemeClr val="accent1">
+                <a:shade val="50000"/>
+              </a:schemeClr>
+            </a:lnRef>
+            <a:fillRef idx="1">
+              <a:schemeClr val="accent1"/>
+            </a:fillRef>
+            <a:effectRef idx="0">
+              <a:schemeClr val="accent1"/>
+            </a:effectRef>
+            <a:fontRef idx="minor">
+              <a:schemeClr val="lt1"/>
+            </a:fontRef>
+          </p:style>
+          <p:txBody>
+            <a:bodyPr rtlCol="0" anchor="ctr"/>
+            <a:p>
+              <a:pPr algn="ctr"/>
+              <a:endParaRPr lang="en-US">
+                <a:ln>
+                  <a:noFill/>
+                </a:ln>
+                <a:solidFill>
+                  <a:schemeClr val="accent5"/>
+                </a:solidFill>
+              </a:endParaRPr>
+            </a:p>
+          </p:txBody>
+        </p:sp>
+        <p:cxnSp>
+          <p:nvCxnSpPr>
+            <p:cNvPr id="42" name="Straight Connector 41"/>
+            <p:cNvCxnSpPr/>
+            <p:nvPr/>
+          </p:nvCxnSpPr>
+          <p:spPr>
+            <a:xfrm flipV="1">
+              <a:off x="8314" y="5714"/>
+              <a:ext cx="887" cy="989"/>
+            </a:xfrm>
+            <a:prstGeom prst="line">
+              <a:avLst/>
+            </a:prstGeom>
+            <a:ln w="28575" cmpd="sng">
+              <a:solidFill>
+                <a:schemeClr val="bg1">
+                  <a:lumMod val="75000"/>
+                </a:schemeClr>
+              </a:solidFill>
+              <a:prstDash val="solid"/>
+            </a:ln>
+          </p:spPr>
+          <p:style>
+            <a:lnRef idx="1">
+              <a:schemeClr val="accent1"/>
+            </a:lnRef>
+            <a:fillRef idx="0">
+              <a:schemeClr val="accent1"/>
+            </a:fillRef>
+            <a:effectRef idx="0">
+              <a:schemeClr val="accent1"/>
+            </a:effectRef>
+            <a:fontRef idx="minor">
+              <a:schemeClr val="tx1"/>
+            </a:fontRef>
+          </p:style>
+        </p:cxnSp>
+        <p:sp>
+          <p:nvSpPr>
+            <p:cNvPr id="17" name="Oval 16"/>
+            <p:cNvSpPr/>
+            <p:nvPr/>
+          </p:nvSpPr>
+          <p:spPr>
+            <a:xfrm>
+              <a:off x="5699" y="7098"/>
+              <a:ext cx="864" cy="864"/>
+            </a:xfrm>
+            <a:prstGeom prst="ellipse">
+              <a:avLst/>
+            </a:prstGeom>
+            <a:solidFill>
+              <a:srgbClr val="5B9BD5">
+                <a:alpha val="50000"/>
+              </a:srgbClr>
+            </a:solidFill>
+            <a:ln>
+              <a:noFill/>
+            </a:ln>
+          </p:spPr>
+          <p:style>
+            <a:lnRef idx="2">
+              <a:schemeClr val="accent1">
+                <a:shade val="50000"/>
+              </a:schemeClr>
+            </a:lnRef>
+            <a:fillRef idx="1">
+              <a:schemeClr val="accent1"/>
+            </a:fillRef>
+            <a:effectRef idx="0">
+              <a:schemeClr val="accent1"/>
+            </a:effectRef>
+            <a:fontRef idx="minor">
+              <a:schemeClr val="lt1"/>
+            </a:fontRef>
+          </p:style>
+          <p:txBody>
+            <a:bodyPr rtlCol="0" anchor="ctr"/>
+            <a:p>
+              <a:pPr algn="ctr"/>
+              <a:endParaRPr lang="en-US">
+                <a:ln>
+                  <a:noFill/>
+                </a:ln>
+                <a:solidFill>
+                  <a:schemeClr val="accent5"/>
+                </a:solidFill>
+              </a:endParaRPr>
+            </a:p>
+          </p:txBody>
+        </p:sp>
+        <p:sp>
+          <p:nvSpPr>
+            <p:cNvPr id="18" name="Oval 17"/>
+            <p:cNvSpPr/>
+            <p:nvPr/>
+          </p:nvSpPr>
+          <p:spPr>
+            <a:xfrm>
+              <a:off x="3392" y="6090"/>
+              <a:ext cx="1008" cy="1008"/>
+            </a:xfrm>
+            <a:prstGeom prst="ellipse">
+              <a:avLst/>
+            </a:prstGeom>
+            <a:solidFill>
+              <a:srgbClr val="5B9BD5">
+                <a:alpha val="50000"/>
+              </a:srgbClr>
+            </a:solidFill>
+            <a:ln>
+              <a:noFill/>
+            </a:ln>
+          </p:spPr>
+          <p:style>
+            <a:lnRef idx="2">
+              <a:schemeClr val="accent1">
+                <a:shade val="50000"/>
+              </a:schemeClr>
+            </a:lnRef>
+            <a:fillRef idx="1">
+              <a:schemeClr val="accent1"/>
+            </a:fillRef>
+            <a:effectRef idx="0">
+              <a:schemeClr val="accent1"/>
+            </a:effectRef>
+            <a:fontRef idx="minor">
+              <a:schemeClr val="lt1"/>
+            </a:fontRef>
+          </p:style>
+          <p:txBody>
+            <a:bodyPr rtlCol="0" anchor="ctr"/>
+            <a:p>
+              <a:pPr algn="ctr"/>
+              <a:endParaRPr lang="en-US">
+                <a:ln>
+                  <a:noFill/>
+                </a:ln>
+                <a:solidFill>
+                  <a:schemeClr val="accent5"/>
+                </a:solidFill>
+              </a:endParaRPr>
+            </a:p>
+          </p:txBody>
+        </p:sp>
+        <p:sp>
+          <p:nvSpPr>
+            <p:cNvPr id="19" name="Oval 18"/>
+            <p:cNvSpPr/>
+            <p:nvPr/>
+          </p:nvSpPr>
+          <p:spPr>
+            <a:xfrm>
+              <a:off x="2300" y="4864"/>
+              <a:ext cx="864" cy="864"/>
+            </a:xfrm>
+            <a:prstGeom prst="ellipse">
+              <a:avLst/>
+            </a:prstGeom>
+            <a:solidFill>
+              <a:srgbClr val="ED7D31">
+                <a:alpha val="50000"/>
+              </a:srgbClr>
+            </a:solidFill>
+            <a:ln>
+              <a:noFill/>
+            </a:ln>
+          </p:spPr>
+          <p:style>
+            <a:lnRef idx="2">
+              <a:schemeClr val="accent1">
+                <a:shade val="50000"/>
+              </a:schemeClr>
+            </a:lnRef>
+            <a:fillRef idx="1">
+              <a:schemeClr val="accent1"/>
+            </a:fillRef>
+            <a:effectRef idx="0">
+              <a:schemeClr val="accent1"/>
+            </a:effectRef>
+            <a:fontRef idx="minor">
+              <a:schemeClr val="lt1"/>
+            </a:fontRef>
+          </p:style>
+          <p:txBody>
+            <a:bodyPr rtlCol="0" anchor="ctr"/>
+            <a:p>
+              <a:pPr algn="ctr"/>
+              <a:endParaRPr lang="en-US">
+                <a:ln>
+                  <a:noFill/>
+                </a:ln>
+                <a:solidFill>
+                  <a:schemeClr val="accent5"/>
+                </a:solidFill>
+              </a:endParaRPr>
+            </a:p>
+          </p:txBody>
+        </p:sp>
+        <p:cxnSp>
+          <p:nvCxnSpPr>
+            <p:cNvPr id="21" name="Straight Connector 20"/>
+            <p:cNvCxnSpPr/>
+            <p:nvPr/>
+          </p:nvCxnSpPr>
+          <p:spPr>
+            <a:xfrm>
+              <a:off x="2735" y="3429"/>
+              <a:ext cx="1149" cy="1197"/>
+            </a:xfrm>
+            <a:prstGeom prst="line">
+              <a:avLst/>
+            </a:prstGeom>
+            <a:ln w="28575" cmpd="sng">
+              <a:solidFill>
+                <a:schemeClr val="bg1">
+                  <a:lumMod val="75000"/>
+                </a:schemeClr>
+              </a:solidFill>
+              <a:prstDash val="solid"/>
+            </a:ln>
+          </p:spPr>
+          <p:style>
+            <a:lnRef idx="1">
+              <a:schemeClr val="accent1"/>
+            </a:lnRef>
+            <a:fillRef idx="0">
+              <a:schemeClr val="accent1"/>
+            </a:fillRef>
+            <a:effectRef idx="0">
+              <a:schemeClr val="accent1"/>
+            </a:effectRef>
+            <a:fontRef idx="minor">
+              <a:schemeClr val="tx1"/>
+            </a:fontRef>
+          </p:style>
+        </p:cxnSp>
+        <p:cxnSp>
+          <p:nvCxnSpPr>
+            <p:cNvPr id="40" name="Straight Connector 39"/>
+            <p:cNvCxnSpPr/>
+            <p:nvPr/>
+          </p:nvCxnSpPr>
+          <p:spPr>
+            <a:xfrm>
+              <a:off x="7125" y="5471"/>
+              <a:ext cx="1149" cy="1197"/>
+            </a:xfrm>
+            <a:prstGeom prst="line">
+              <a:avLst/>
+            </a:prstGeom>
+            <a:ln w="28575" cmpd="sng">
+              <a:solidFill>
+                <a:schemeClr val="bg1">
+                  <a:lumMod val="75000"/>
+                </a:schemeClr>
+              </a:solidFill>
+              <a:prstDash val="solid"/>
+            </a:ln>
+          </p:spPr>
+          <p:style>
+            <a:lnRef idx="1">
+              <a:schemeClr val="accent1"/>
+            </a:lnRef>
+            <a:fillRef idx="0">
+              <a:schemeClr val="accent1"/>
+            </a:fillRef>
+            <a:effectRef idx="0">
+              <a:schemeClr val="accent1"/>
+            </a:effectRef>
+            <a:fontRef idx="minor">
+              <a:schemeClr val="tx1"/>
+            </a:fontRef>
+          </p:style>
+        </p:cxnSp>
+        <p:sp>
+          <p:nvSpPr>
+            <p:cNvPr id="23" name="Oval 22"/>
+            <p:cNvSpPr/>
+            <p:nvPr/>
+          </p:nvSpPr>
+          <p:spPr>
+            <a:xfrm>
+              <a:off x="2444" y="3165"/>
+              <a:ext cx="576" cy="576"/>
+            </a:xfrm>
+            <a:prstGeom prst="ellipse">
+              <a:avLst/>
+            </a:prstGeom>
+            <a:ln>
+              <a:noFill/>
+            </a:ln>
+          </p:spPr>
+          <p:style>
+            <a:lnRef idx="2">
+              <a:schemeClr val="accent1">
+                <a:shade val="50000"/>
+              </a:schemeClr>
+            </a:lnRef>
+            <a:fillRef idx="1">
+              <a:schemeClr val="accent1"/>
+            </a:fillRef>
+            <a:effectRef idx="0">
+              <a:schemeClr val="accent1"/>
+            </a:effectRef>
+            <a:fontRef idx="minor">
+              <a:schemeClr val="lt1"/>
+            </a:fontRef>
+          </p:style>
+          <p:txBody>
+            <a:bodyPr rtlCol="0" anchor="ctr"/>
+            <a:p>
+              <a:pPr algn="ctr"/>
+              <a:endParaRPr lang="en-US">
+                <a:ln>
+                  <a:noFill/>
+                </a:ln>
+                <a:solidFill>
+                  <a:schemeClr val="accent5"/>
+                </a:solidFill>
+              </a:endParaRPr>
+            </a:p>
+          </p:txBody>
+        </p:sp>
+        <p:sp>
+          <p:nvSpPr>
+            <p:cNvPr id="24" name="Oval 23"/>
+            <p:cNvSpPr/>
+            <p:nvPr/>
+          </p:nvSpPr>
+          <p:spPr>
+            <a:xfrm>
+              <a:off x="2300" y="3021"/>
+              <a:ext cx="864" cy="864"/>
+            </a:xfrm>
+            <a:prstGeom prst="ellipse">
+              <a:avLst/>
+            </a:prstGeom>
+            <a:solidFill>
+              <a:srgbClr val="5B9BD5">
+                <a:alpha val="50000"/>
+              </a:srgbClr>
+            </a:solidFill>
+            <a:ln>
+              <a:noFill/>
+            </a:ln>
+          </p:spPr>
+          <p:style>
+            <a:lnRef idx="2">
+              <a:schemeClr val="accent1">
+                <a:shade val="50000"/>
+              </a:schemeClr>
+            </a:lnRef>
+            <a:fillRef idx="1">
+              <a:schemeClr val="accent1"/>
+            </a:fillRef>
+            <a:effectRef idx="0">
+              <a:schemeClr val="accent1"/>
+            </a:effectRef>
+            <a:fontRef idx="minor">
+              <a:schemeClr val="lt1"/>
+            </a:fontRef>
+          </p:style>
+          <p:txBody>
+            <a:bodyPr rtlCol="0" anchor="ctr"/>
+            <a:p>
+              <a:pPr algn="ctr"/>
+              <a:endParaRPr lang="en-US">
+                <a:ln>
+                  <a:noFill/>
+                </a:ln>
+                <a:solidFill>
+                  <a:schemeClr val="accent5"/>
+                </a:solidFill>
+              </a:endParaRPr>
+            </a:p>
+          </p:txBody>
+        </p:sp>
+        <p:cxnSp>
+          <p:nvCxnSpPr>
+            <p:cNvPr id="26" name="Straight Connector 25"/>
+            <p:cNvCxnSpPr/>
+            <p:nvPr/>
+          </p:nvCxnSpPr>
+          <p:spPr>
+            <a:xfrm flipH="1">
+              <a:off x="4755" y="3741"/>
+              <a:ext cx="16" cy="1883"/>
+            </a:xfrm>
+            <a:prstGeom prst="line">
+              <a:avLst/>
+            </a:prstGeom>
+            <a:ln w="28575" cmpd="sng">
+              <a:solidFill>
+                <a:schemeClr val="bg1">
+                  <a:lumMod val="75000"/>
+                </a:schemeClr>
+              </a:solidFill>
+              <a:prstDash val="solid"/>
+            </a:ln>
+          </p:spPr>
+          <p:style>
+            <a:lnRef idx="1">
+              <a:schemeClr val="accent1"/>
+            </a:lnRef>
+            <a:fillRef idx="0">
+              <a:schemeClr val="accent1"/>
+            </a:fillRef>
+            <a:effectRef idx="0">
+              <a:schemeClr val="accent1"/>
+            </a:effectRef>
+            <a:fontRef idx="minor">
+              <a:schemeClr val="tx1"/>
+            </a:fontRef>
+          </p:style>
+        </p:cxnSp>
+        <p:sp>
+          <p:nvSpPr>
+            <p:cNvPr id="27" name="Oval 26"/>
+            <p:cNvSpPr/>
+            <p:nvPr/>
+          </p:nvSpPr>
+          <p:spPr>
+            <a:xfrm>
+              <a:off x="8023" y="6405"/>
+              <a:ext cx="576" cy="576"/>
+            </a:xfrm>
+            <a:prstGeom prst="ellipse">
+              <a:avLst/>
+            </a:prstGeom>
+            <a:solidFill>
+              <a:schemeClr val="accent2"/>
+            </a:solidFill>
+            <a:ln>
+              <a:noFill/>
+            </a:ln>
+          </p:spPr>
+          <p:style>
+            <a:lnRef idx="2">
+              <a:schemeClr val="accent1">
+                <a:shade val="50000"/>
+              </a:schemeClr>
+            </a:lnRef>
+            <a:fillRef idx="1">
+              <a:schemeClr val="accent1"/>
+            </a:fillRef>
+            <a:effectRef idx="0">
+              <a:schemeClr val="accent1"/>
+            </a:effectRef>
+            <a:fontRef idx="minor">
+              <a:schemeClr val="lt1"/>
+            </a:fontRef>
+          </p:style>
+          <p:txBody>
+            <a:bodyPr rtlCol="0" anchor="ctr"/>
+            <a:p>
+              <a:pPr algn="ctr"/>
+              <a:endParaRPr lang="en-US">
+                <a:ln>
+                  <a:noFill/>
+                </a:ln>
+                <a:solidFill>
+                  <a:schemeClr val="accent5"/>
+                </a:solidFill>
+              </a:endParaRPr>
+            </a:p>
+          </p:txBody>
+        </p:sp>
+        <p:sp>
+          <p:nvSpPr>
+            <p:cNvPr id="28" name="Oval 27"/>
+            <p:cNvSpPr/>
+            <p:nvPr/>
+          </p:nvSpPr>
+          <p:spPr>
+            <a:xfrm>
+              <a:off x="3680" y="4397"/>
+              <a:ext cx="432" cy="432"/>
+            </a:xfrm>
+            <a:prstGeom prst="ellipse">
+              <a:avLst/>
+            </a:prstGeom>
+            <a:solidFill>
+              <a:schemeClr val="accent2"/>
+            </a:solidFill>
+            <a:ln>
+              <a:noFill/>
+            </a:ln>
+          </p:spPr>
+          <p:style>
+            <a:lnRef idx="2">
+              <a:schemeClr val="accent1">
+                <a:shade val="50000"/>
+              </a:schemeClr>
+            </a:lnRef>
+            <a:fillRef idx="1">
+              <a:schemeClr val="accent1"/>
+            </a:fillRef>
+            <a:effectRef idx="0">
+              <a:schemeClr val="accent1"/>
+            </a:effectRef>
+            <a:fontRef idx="minor">
+              <a:schemeClr val="lt1"/>
+            </a:fontRef>
+          </p:style>
+          <p:txBody>
+            <a:bodyPr rtlCol="0" anchor="ctr"/>
+            <a:p>
+              <a:pPr algn="ctr"/>
+              <a:endParaRPr lang="en-US">
+                <a:ln>
+                  <a:noFill/>
+                </a:ln>
+                <a:solidFill>
+                  <a:schemeClr val="accent5"/>
+                </a:solidFill>
+              </a:endParaRPr>
+            </a:p>
+          </p:txBody>
+        </p:sp>
+        <p:sp>
+          <p:nvSpPr>
+            <p:cNvPr id="29" name="Oval 28"/>
+            <p:cNvSpPr/>
+            <p:nvPr/>
+          </p:nvSpPr>
+          <p:spPr>
+            <a:xfrm>
+              <a:off x="6662" y="4005"/>
+              <a:ext cx="864" cy="864"/>
+            </a:xfrm>
+            <a:prstGeom prst="ellipse">
+              <a:avLst/>
+            </a:prstGeom>
+            <a:solidFill>
+              <a:srgbClr val="ED7D31">
+                <a:alpha val="50000"/>
+              </a:srgbClr>
+            </a:solidFill>
+            <a:ln>
+              <a:noFill/>
+            </a:ln>
+          </p:spPr>
+          <p:style>
+            <a:lnRef idx="2">
+              <a:schemeClr val="accent1">
+                <a:shade val="50000"/>
+              </a:schemeClr>
+            </a:lnRef>
+            <a:fillRef idx="1">
+              <a:schemeClr val="accent1"/>
+            </a:fillRef>
+            <a:effectRef idx="0">
+              <a:schemeClr val="accent1"/>
+            </a:effectRef>
+            <a:fontRef idx="minor">
+              <a:schemeClr val="lt1"/>
+            </a:fontRef>
+          </p:style>
+          <p:txBody>
+            <a:bodyPr rtlCol="0" anchor="ctr"/>
+            <a:p>
+              <a:pPr algn="ctr"/>
+              <a:endParaRPr lang="en-US">
+                <a:ln>
+                  <a:noFill/>
+                </a:ln>
+                <a:solidFill>
+                  <a:schemeClr val="accent5"/>
+                </a:solidFill>
+              </a:endParaRPr>
+            </a:p>
+          </p:txBody>
+        </p:sp>
+        <p:sp>
+          <p:nvSpPr>
+            <p:cNvPr id="30" name="Oval 29"/>
+            <p:cNvSpPr/>
+            <p:nvPr/>
+          </p:nvSpPr>
+          <p:spPr>
+            <a:xfrm>
+              <a:off x="3680" y="2575"/>
+              <a:ext cx="432" cy="432"/>
+            </a:xfrm>
+            <a:prstGeom prst="ellipse">
+              <a:avLst/>
+            </a:prstGeom>
+            <a:solidFill>
+              <a:schemeClr val="accent2"/>
+            </a:solidFill>
+            <a:ln>
+              <a:noFill/>
+            </a:ln>
+          </p:spPr>
+          <p:style>
+            <a:lnRef idx="2">
+              <a:schemeClr val="accent1">
+                <a:shade val="50000"/>
+              </a:schemeClr>
+            </a:lnRef>
+            <a:fillRef idx="1">
+              <a:schemeClr val="accent1"/>
+            </a:fillRef>
+            <a:effectRef idx="0">
+              <a:schemeClr val="accent1"/>
+            </a:effectRef>
+            <a:fontRef idx="minor">
+              <a:schemeClr val="lt1"/>
+            </a:fontRef>
+          </p:style>
+          <p:txBody>
+            <a:bodyPr rtlCol="0" anchor="ctr"/>
+            <a:p>
+              <a:pPr algn="ctr"/>
+              <a:endParaRPr lang="en-US">
+                <a:ln>
+                  <a:noFill/>
+                </a:ln>
+                <a:solidFill>
+                  <a:schemeClr val="accent5"/>
+                </a:solidFill>
+              </a:endParaRPr>
+            </a:p>
+          </p:txBody>
+        </p:sp>
+        <p:sp>
+          <p:nvSpPr>
+            <p:cNvPr id="22" name="Oval 21"/>
+            <p:cNvSpPr/>
+            <p:nvPr/>
+          </p:nvSpPr>
+          <p:spPr>
+            <a:xfrm>
+              <a:off x="4547" y="3645"/>
+              <a:ext cx="432" cy="432"/>
+            </a:xfrm>
+            <a:prstGeom prst="ellipse">
+              <a:avLst/>
+            </a:prstGeom>
+            <a:ln>
+              <a:noFill/>
+            </a:ln>
+          </p:spPr>
+          <p:style>
+            <a:lnRef idx="2">
+              <a:schemeClr val="accent1">
+                <a:shade val="50000"/>
+              </a:schemeClr>
+            </a:lnRef>
+            <a:fillRef idx="1">
+              <a:schemeClr val="accent1"/>
+            </a:fillRef>
+            <a:effectRef idx="0">
+              <a:schemeClr val="accent1"/>
+            </a:effectRef>
+            <a:fontRef idx="minor">
+              <a:schemeClr val="lt1"/>
+            </a:fontRef>
+          </p:style>
+          <p:txBody>
+            <a:bodyPr rtlCol="0" anchor="ctr"/>
+            <a:p>
+              <a:pPr algn="ctr"/>
+              <a:endParaRPr lang="en-US">
+                <a:ln>
+                  <a:noFill/>
+                </a:ln>
+                <a:solidFill>
+                  <a:schemeClr val="accent5"/>
+                </a:solidFill>
+              </a:endParaRPr>
+            </a:p>
+          </p:txBody>
+        </p:sp>
+        <p:sp>
+          <p:nvSpPr>
+            <p:cNvPr id="31" name="Oval 30"/>
+            <p:cNvSpPr/>
+            <p:nvPr/>
+          </p:nvSpPr>
+          <p:spPr>
+            <a:xfrm>
+              <a:off x="9104" y="5375"/>
+              <a:ext cx="432" cy="432"/>
+            </a:xfrm>
+            <a:prstGeom prst="ellipse">
+              <a:avLst/>
+            </a:prstGeom>
+            <a:ln>
+              <a:noFill/>
+            </a:ln>
+          </p:spPr>
+          <p:style>
+            <a:lnRef idx="2">
+              <a:schemeClr val="accent1">
+                <a:shade val="50000"/>
+              </a:schemeClr>
+            </a:lnRef>
+            <a:fillRef idx="1">
+              <a:schemeClr val="accent1"/>
+            </a:fillRef>
+            <a:effectRef idx="0">
+              <a:schemeClr val="accent1"/>
+            </a:effectRef>
+            <a:fontRef idx="minor">
+              <a:schemeClr val="lt1"/>
+            </a:fontRef>
+          </p:style>
+          <p:txBody>
+            <a:bodyPr rtlCol="0" anchor="ctr"/>
+            <a:p>
+              <a:pPr algn="ctr"/>
+              <a:endParaRPr lang="en-US">
+                <a:ln>
+                  <a:noFill/>
+                </a:ln>
+                <a:solidFill>
+                  <a:schemeClr val="accent5"/>
+                </a:solidFill>
+              </a:endParaRPr>
+            </a:p>
+          </p:txBody>
+        </p:sp>
+        <p:sp>
+          <p:nvSpPr>
+            <p:cNvPr id="32" name="Oval 31"/>
+            <p:cNvSpPr/>
+            <p:nvPr/>
+          </p:nvSpPr>
+          <p:spPr>
+            <a:xfrm>
+              <a:off x="4403" y="3501"/>
+              <a:ext cx="720" cy="720"/>
+            </a:xfrm>
+            <a:prstGeom prst="ellipse">
+              <a:avLst/>
+            </a:prstGeom>
+            <a:solidFill>
+              <a:srgbClr val="5B9BD5">
+                <a:alpha val="50000"/>
+              </a:srgbClr>
+            </a:solidFill>
+            <a:ln>
+              <a:noFill/>
+            </a:ln>
+          </p:spPr>
+          <p:style>
+            <a:lnRef idx="2">
+              <a:schemeClr val="accent1">
+                <a:shade val="50000"/>
+              </a:schemeClr>
+            </a:lnRef>
+            <a:fillRef idx="1">
+              <a:schemeClr val="accent1"/>
+            </a:fillRef>
+            <a:effectRef idx="0">
+              <a:schemeClr val="accent1"/>
+            </a:effectRef>
+            <a:fontRef idx="minor">
+              <a:schemeClr val="lt1"/>
+            </a:fontRef>
+          </p:style>
+          <p:txBody>
+            <a:bodyPr rtlCol="0" anchor="ctr"/>
+            <a:p>
+              <a:pPr algn="ctr"/>
+              <a:endParaRPr lang="en-US">
+                <a:ln>
+                  <a:noFill/>
+                </a:ln>
+                <a:solidFill>
+                  <a:schemeClr val="accent5"/>
+                </a:solidFill>
+              </a:endParaRPr>
+            </a:p>
+          </p:txBody>
+        </p:sp>
+        <p:sp>
+          <p:nvSpPr>
+            <p:cNvPr id="33" name="Oval 32"/>
+            <p:cNvSpPr/>
+            <p:nvPr/>
+          </p:nvSpPr>
+          <p:spPr>
+            <a:xfrm>
+              <a:off x="6878" y="5296"/>
+              <a:ext cx="432" cy="432"/>
+            </a:xfrm>
+            <a:prstGeom prst="ellipse">
+              <a:avLst/>
+            </a:prstGeom>
+            <a:ln>
+              <a:noFill/>
+            </a:ln>
+          </p:spPr>
+          <p:style>
+            <a:lnRef idx="2">
+              <a:schemeClr val="accent1">
+                <a:shade val="50000"/>
+              </a:schemeClr>
+            </a:lnRef>
+            <a:fillRef idx="1">
+              <a:schemeClr val="accent1"/>
+            </a:fillRef>
+            <a:effectRef idx="0">
+              <a:schemeClr val="accent1"/>
+            </a:effectRef>
+            <a:fontRef idx="minor">
+              <a:schemeClr val="lt1"/>
+            </a:fontRef>
+          </p:style>
+          <p:txBody>
+            <a:bodyPr rtlCol="0" anchor="ctr"/>
+            <a:p>
+              <a:pPr algn="ctr"/>
+              <a:endParaRPr lang="en-US">
+                <a:ln>
+                  <a:noFill/>
+                </a:ln>
+                <a:solidFill>
+                  <a:schemeClr val="accent5"/>
+                </a:solidFill>
+              </a:endParaRPr>
+            </a:p>
+          </p:txBody>
+        </p:sp>
+        <p:sp>
+          <p:nvSpPr>
+            <p:cNvPr id="34" name="Oval 33"/>
+            <p:cNvSpPr/>
+            <p:nvPr/>
+          </p:nvSpPr>
+          <p:spPr>
+            <a:xfrm>
+              <a:off x="3536" y="2431"/>
+              <a:ext cx="720" cy="720"/>
+            </a:xfrm>
+            <a:prstGeom prst="ellipse">
+              <a:avLst/>
+            </a:prstGeom>
+            <a:solidFill>
+              <a:srgbClr val="ED7D31">
+                <a:alpha val="50000"/>
+              </a:srgbClr>
+            </a:solidFill>
+            <a:ln>
+              <a:noFill/>
+            </a:ln>
+          </p:spPr>
+          <p:style>
+            <a:lnRef idx="2">
+              <a:schemeClr val="accent1">
+                <a:shade val="50000"/>
+              </a:schemeClr>
+            </a:lnRef>
+            <a:fillRef idx="1">
+              <a:schemeClr val="accent1"/>
+            </a:fillRef>
+            <a:effectRef idx="0">
+              <a:schemeClr val="accent1"/>
+            </a:effectRef>
+            <a:fontRef idx="minor">
+              <a:schemeClr val="lt1"/>
+            </a:fontRef>
+          </p:style>
+          <p:txBody>
+            <a:bodyPr rtlCol="0" anchor="ctr"/>
+            <a:p>
+              <a:pPr algn="ctr"/>
+              <a:endParaRPr lang="en-US">
+                <a:ln>
+                  <a:noFill/>
+                </a:ln>
+                <a:solidFill>
+                  <a:schemeClr val="accent5"/>
+                </a:solidFill>
+              </a:endParaRPr>
+            </a:p>
+          </p:txBody>
+        </p:sp>
+        <p:cxnSp>
+          <p:nvCxnSpPr>
+            <p:cNvPr id="35" name="Straight Connector 34"/>
+            <p:cNvCxnSpPr/>
+            <p:nvPr/>
+          </p:nvCxnSpPr>
+          <p:spPr>
+            <a:xfrm>
+              <a:off x="5281" y="5966"/>
+              <a:ext cx="838" cy="486"/>
+            </a:xfrm>
+            <a:prstGeom prst="line">
+              <a:avLst/>
+            </a:prstGeom>
+            <a:ln w="28575" cmpd="sng">
+              <a:solidFill>
+                <a:schemeClr val="bg1">
+                  <a:lumMod val="75000"/>
+                </a:schemeClr>
+              </a:solidFill>
+              <a:prstDash val="solid"/>
+            </a:ln>
+          </p:spPr>
+          <p:style>
+            <a:lnRef idx="1">
+              <a:schemeClr val="accent1"/>
+            </a:lnRef>
+            <a:fillRef idx="0">
+              <a:schemeClr val="accent1"/>
+            </a:fillRef>
+            <a:effectRef idx="0">
+              <a:schemeClr val="accent1"/>
+            </a:effectRef>
+            <a:fontRef idx="minor">
+              <a:schemeClr val="tx1"/>
+            </a:fontRef>
+          </p:style>
+        </p:cxnSp>
+        <p:sp>
+          <p:nvSpPr>
+            <p:cNvPr id="36" name="Oval 35"/>
+            <p:cNvSpPr/>
+            <p:nvPr/>
+          </p:nvSpPr>
+          <p:spPr>
+            <a:xfrm>
+              <a:off x="5123" y="5758"/>
+              <a:ext cx="432" cy="432"/>
+            </a:xfrm>
+            <a:prstGeom prst="ellipse">
+              <a:avLst/>
+            </a:prstGeom>
+            <a:solidFill>
+              <a:schemeClr val="accent2"/>
+            </a:solidFill>
+            <a:ln>
+              <a:noFill/>
+            </a:ln>
+          </p:spPr>
+          <p:style>
+            <a:lnRef idx="2">
+              <a:schemeClr val="accent1">
+                <a:shade val="50000"/>
+              </a:schemeClr>
+            </a:lnRef>
+            <a:fillRef idx="1">
+              <a:schemeClr val="accent1"/>
+            </a:fillRef>
+            <a:effectRef idx="0">
+              <a:schemeClr val="accent1"/>
+            </a:effectRef>
+            <a:fontRef idx="minor">
+              <a:schemeClr val="lt1"/>
+            </a:fontRef>
+          </p:style>
+          <p:txBody>
+            <a:bodyPr rtlCol="0" anchor="ctr"/>
+            <a:p>
+              <a:pPr algn="ctr"/>
+              <a:endParaRPr lang="en-US">
+                <a:ln>
+                  <a:noFill/>
+                </a:ln>
+                <a:solidFill>
+                  <a:schemeClr val="accent5"/>
+                </a:solidFill>
+              </a:endParaRPr>
+            </a:p>
+          </p:txBody>
+        </p:sp>
+        <p:sp>
+          <p:nvSpPr>
+            <p:cNvPr id="37" name="Oval 36"/>
+            <p:cNvSpPr/>
+            <p:nvPr/>
+          </p:nvSpPr>
+          <p:spPr>
+            <a:xfrm>
+              <a:off x="4907" y="5541"/>
+              <a:ext cx="864" cy="864"/>
+            </a:xfrm>
+            <a:prstGeom prst="ellipse">
+              <a:avLst/>
+            </a:prstGeom>
+            <a:solidFill>
+              <a:srgbClr val="ED7D31">
+                <a:alpha val="50000"/>
+              </a:srgbClr>
+            </a:solidFill>
+            <a:ln>
+              <a:noFill/>
+            </a:ln>
+          </p:spPr>
+          <p:style>
+            <a:lnRef idx="2">
+              <a:schemeClr val="accent1">
+                <a:shade val="50000"/>
+              </a:schemeClr>
+            </a:lnRef>
+            <a:fillRef idx="1">
+              <a:schemeClr val="accent1"/>
+            </a:fillRef>
+            <a:effectRef idx="0">
+              <a:schemeClr val="accent1"/>
+            </a:effectRef>
+            <a:fontRef idx="minor">
+              <a:schemeClr val="lt1"/>
+            </a:fontRef>
+          </p:style>
+          <p:txBody>
+            <a:bodyPr rtlCol="0" anchor="ctr"/>
+            <a:p>
+              <a:pPr algn="ctr"/>
+              <a:endParaRPr lang="en-US">
+                <a:ln>
+                  <a:noFill/>
+                </a:ln>
+                <a:solidFill>
+                  <a:schemeClr val="accent5"/>
+                </a:solidFill>
+              </a:endParaRPr>
+            </a:p>
+          </p:txBody>
+        </p:sp>
+        <p:sp>
+          <p:nvSpPr>
+            <p:cNvPr id="38" name="Oval 37"/>
+            <p:cNvSpPr/>
+            <p:nvPr/>
+          </p:nvSpPr>
+          <p:spPr>
+            <a:xfrm>
+              <a:off x="7879" y="6261"/>
+              <a:ext cx="864" cy="864"/>
+            </a:xfrm>
+            <a:prstGeom prst="ellipse">
+              <a:avLst/>
+            </a:prstGeom>
+            <a:solidFill>
+              <a:srgbClr val="ED7D31">
+                <a:alpha val="50000"/>
+              </a:srgbClr>
+            </a:solidFill>
+            <a:ln>
+              <a:noFill/>
+            </a:ln>
+          </p:spPr>
+          <p:style>
+            <a:lnRef idx="2">
+              <a:schemeClr val="accent1">
+                <a:shade val="50000"/>
+              </a:schemeClr>
+            </a:lnRef>
+            <a:fillRef idx="1">
+              <a:schemeClr val="accent1"/>
+            </a:fillRef>
+            <a:effectRef idx="0">
+              <a:schemeClr val="accent1"/>
+            </a:effectRef>
+            <a:fontRef idx="minor">
+              <a:schemeClr val="lt1"/>
+            </a:fontRef>
+          </p:style>
+          <p:txBody>
+            <a:bodyPr rtlCol="0" anchor="ctr"/>
+            <a:p>
+              <a:pPr algn="ctr"/>
+              <a:endParaRPr lang="en-US">
+                <a:ln>
+                  <a:noFill/>
+                </a:ln>
+                <a:solidFill>
+                  <a:schemeClr val="accent5"/>
+                </a:solidFill>
+              </a:endParaRPr>
+            </a:p>
+          </p:txBody>
+        </p:sp>
+        <p:sp>
+          <p:nvSpPr>
+            <p:cNvPr id="41" name="Oval 40"/>
+            <p:cNvSpPr/>
+            <p:nvPr/>
+          </p:nvSpPr>
+          <p:spPr>
+            <a:xfrm>
+              <a:off x="6662" y="5080"/>
+              <a:ext cx="864" cy="864"/>
+            </a:xfrm>
+            <a:prstGeom prst="ellipse">
+              <a:avLst/>
+            </a:prstGeom>
+            <a:solidFill>
+              <a:srgbClr val="5B9BD5">
+                <a:alpha val="50000"/>
+              </a:srgbClr>
+            </a:solidFill>
+            <a:ln>
+              <a:noFill/>
+            </a:ln>
+          </p:spPr>
+          <p:style>
+            <a:lnRef idx="2">
+              <a:schemeClr val="accent1">
+                <a:shade val="50000"/>
+              </a:schemeClr>
+            </a:lnRef>
+            <a:fillRef idx="1">
+              <a:schemeClr val="accent1"/>
+            </a:fillRef>
+            <a:effectRef idx="0">
+              <a:schemeClr val="accent1"/>
+            </a:effectRef>
+            <a:fontRef idx="minor">
+              <a:schemeClr val="lt1"/>
+            </a:fontRef>
+          </p:style>
+          <p:txBody>
+            <a:bodyPr rtlCol="0" anchor="ctr"/>
+            <a:p>
+              <a:pPr algn="ctr"/>
+              <a:endParaRPr lang="en-US">
+                <a:ln>
+                  <a:noFill/>
+                </a:ln>
+                <a:solidFill>
+                  <a:schemeClr val="accent5"/>
+                </a:solidFill>
+              </a:endParaRPr>
+            </a:p>
+          </p:txBody>
+        </p:sp>
+        <p:sp>
+          <p:nvSpPr>
+            <p:cNvPr id="43" name="Oval 42"/>
+            <p:cNvSpPr/>
+            <p:nvPr/>
+          </p:nvSpPr>
+          <p:spPr>
+            <a:xfrm>
+              <a:off x="8960" y="5224"/>
+              <a:ext cx="720" cy="720"/>
+            </a:xfrm>
+            <a:prstGeom prst="ellipse">
+              <a:avLst/>
+            </a:prstGeom>
+            <a:solidFill>
+              <a:srgbClr val="5B9BD5">
+                <a:alpha val="50000"/>
+              </a:srgbClr>
+            </a:solidFill>
+            <a:ln>
+              <a:noFill/>
+            </a:ln>
+          </p:spPr>
+          <p:style>
+            <a:lnRef idx="2">
+              <a:schemeClr val="accent1">
+                <a:shade val="50000"/>
+              </a:schemeClr>
+            </a:lnRef>
+            <a:fillRef idx="1">
+              <a:schemeClr val="accent1"/>
+            </a:fillRef>
+            <a:effectRef idx="0">
+              <a:schemeClr val="accent1"/>
+            </a:effectRef>
+            <a:fontRef idx="minor">
+              <a:schemeClr val="lt1"/>
+            </a:fontRef>
+          </p:style>
+          <p:txBody>
+            <a:bodyPr rtlCol="0" anchor="ctr"/>
+            <a:p>
+              <a:pPr algn="ctr"/>
+              <a:endParaRPr lang="en-US">
+                <a:ln>
+                  <a:noFill/>
+                </a:ln>
+                <a:solidFill>
+                  <a:schemeClr val="accent5"/>
+                </a:solidFill>
+              </a:endParaRPr>
+            </a:p>
+          </p:txBody>
+        </p:sp>
+        <p:cxnSp>
+          <p:nvCxnSpPr>
+            <p:cNvPr id="44" name="Straight Connector 43"/>
+            <p:cNvCxnSpPr/>
+            <p:nvPr/>
+          </p:nvCxnSpPr>
+          <p:spPr>
+            <a:xfrm flipV="1">
+              <a:off x="8330" y="4482"/>
+              <a:ext cx="887" cy="989"/>
+            </a:xfrm>
+            <a:prstGeom prst="line">
+              <a:avLst/>
+            </a:prstGeom>
+            <a:ln w="28575" cmpd="sng">
+              <a:solidFill>
+                <a:schemeClr val="bg1">
+                  <a:lumMod val="75000"/>
+                </a:schemeClr>
+              </a:solidFill>
+              <a:prstDash val="solid"/>
+            </a:ln>
+          </p:spPr>
+          <p:style>
+            <a:lnRef idx="1">
+              <a:schemeClr val="accent1"/>
+            </a:lnRef>
+            <a:fillRef idx="0">
+              <a:schemeClr val="accent1"/>
+            </a:fillRef>
+            <a:effectRef idx="0">
+              <a:schemeClr val="accent1"/>
+            </a:effectRef>
+            <a:fontRef idx="minor">
+              <a:schemeClr val="tx1"/>
+            </a:fontRef>
+          </p:style>
+        </p:cxnSp>
+        <p:sp>
+          <p:nvSpPr>
+            <p:cNvPr id="45" name="Oval 44"/>
+            <p:cNvSpPr/>
+            <p:nvPr/>
+          </p:nvSpPr>
+          <p:spPr>
+            <a:xfrm>
+              <a:off x="8888" y="4000"/>
+              <a:ext cx="864" cy="864"/>
+            </a:xfrm>
+            <a:prstGeom prst="ellipse">
+              <a:avLst/>
+            </a:prstGeom>
+            <a:solidFill>
+              <a:srgbClr val="ED7D31">
+                <a:alpha val="50000"/>
+              </a:srgbClr>
+            </a:solidFill>
+            <a:ln>
+              <a:noFill/>
+            </a:ln>
+          </p:spPr>
+          <p:style>
+            <a:lnRef idx="2">
+              <a:schemeClr val="accent1">
+                <a:shade val="50000"/>
+              </a:schemeClr>
+            </a:lnRef>
+            <a:fillRef idx="1">
+              <a:schemeClr val="accent1"/>
+            </a:fillRef>
+            <a:effectRef idx="0">
+              <a:schemeClr val="accent1"/>
+            </a:effectRef>
+            <a:fontRef idx="minor">
+              <a:schemeClr val="lt1"/>
+            </a:fontRef>
+          </p:style>
+          <p:txBody>
+            <a:bodyPr rtlCol="0" anchor="ctr"/>
+            <a:p>
+              <a:pPr algn="ctr"/>
+              <a:endParaRPr lang="en-US">
+                <a:ln>
+                  <a:noFill/>
+                </a:ln>
+                <a:solidFill>
+                  <a:schemeClr val="accent5"/>
+                </a:solidFill>
+              </a:endParaRPr>
+            </a:p>
+          </p:txBody>
+        </p:sp>
+        <p:sp>
+          <p:nvSpPr>
+            <p:cNvPr id="46" name="Oval 45"/>
+            <p:cNvSpPr/>
+            <p:nvPr/>
+          </p:nvSpPr>
+          <p:spPr>
+            <a:xfrm>
+              <a:off x="9104" y="4221"/>
+              <a:ext cx="432" cy="432"/>
+            </a:xfrm>
+            <a:prstGeom prst="ellipse">
+              <a:avLst/>
+            </a:prstGeom>
+            <a:solidFill>
+              <a:schemeClr val="accent2"/>
+            </a:solidFill>
+            <a:ln>
+              <a:noFill/>
+            </a:ln>
+          </p:spPr>
+          <p:style>
+            <a:lnRef idx="2">
+              <a:schemeClr val="accent1">
+                <a:shade val="50000"/>
+              </a:schemeClr>
+            </a:lnRef>
+            <a:fillRef idx="1">
+              <a:schemeClr val="accent1"/>
+            </a:fillRef>
+            <a:effectRef idx="0">
+              <a:schemeClr val="accent1"/>
+            </a:effectRef>
+            <a:fontRef idx="minor">
+              <a:schemeClr val="lt1"/>
+            </a:fontRef>
+          </p:style>
+          <p:txBody>
+            <a:bodyPr rtlCol="0" anchor="ctr"/>
+            <a:p>
+              <a:pPr algn="ctr"/>
+              <a:endParaRPr lang="en-US">
+                <a:ln>
+                  <a:noFill/>
+                </a:ln>
+                <a:solidFill>
+                  <a:schemeClr val="accent5"/>
+                </a:solidFill>
+              </a:endParaRPr>
+            </a:p>
+          </p:txBody>
+        </p:sp>
+        <p:sp>
+          <p:nvSpPr>
+            <p:cNvPr id="47" name="Oval 46"/>
+            <p:cNvSpPr/>
+            <p:nvPr/>
+          </p:nvSpPr>
+          <p:spPr>
+            <a:xfrm>
+              <a:off x="8099" y="4397"/>
+              <a:ext cx="432" cy="432"/>
+            </a:xfrm>
+            <a:prstGeom prst="ellipse">
+              <a:avLst/>
+            </a:prstGeom>
+            <a:ln>
+              <a:noFill/>
+            </a:ln>
+          </p:spPr>
+          <p:style>
+            <a:lnRef idx="2">
+              <a:schemeClr val="accent1">
+                <a:shade val="50000"/>
+              </a:schemeClr>
+            </a:lnRef>
+            <a:fillRef idx="1">
+              <a:schemeClr val="accent1"/>
+            </a:fillRef>
+            <a:effectRef idx="0">
+              <a:schemeClr val="accent1"/>
+            </a:effectRef>
+            <a:fontRef idx="minor">
+              <a:schemeClr val="lt1"/>
+            </a:fontRef>
+          </p:style>
+          <p:txBody>
+            <a:bodyPr rtlCol="0" anchor="ctr"/>
+            <a:p>
+              <a:pPr algn="ctr"/>
+              <a:endParaRPr lang="en-US">
+                <a:ln>
+                  <a:noFill/>
+                </a:ln>
+                <a:solidFill>
+                  <a:schemeClr val="accent5"/>
+                </a:solidFill>
+              </a:endParaRPr>
+            </a:p>
+          </p:txBody>
+        </p:sp>
+        <p:sp>
+          <p:nvSpPr>
+            <p:cNvPr id="12" name="Oval 11"/>
+            <p:cNvSpPr/>
+            <p:nvPr/>
+          </p:nvSpPr>
+          <p:spPr>
+            <a:xfrm>
+              <a:off x="7955" y="4253"/>
+              <a:ext cx="720" cy="720"/>
+            </a:xfrm>
+            <a:prstGeom prst="ellipse">
+              <a:avLst/>
+            </a:prstGeom>
+            <a:solidFill>
+              <a:srgbClr val="5B9BD5">
+                <a:alpha val="50000"/>
+              </a:srgbClr>
+            </a:solidFill>
+            <a:ln>
+              <a:noFill/>
+            </a:ln>
+          </p:spPr>
+          <p:style>
+            <a:lnRef idx="2">
+              <a:schemeClr val="accent1">
+                <a:shade val="50000"/>
+              </a:schemeClr>
+            </a:lnRef>
+            <a:fillRef idx="1">
+              <a:schemeClr val="accent1"/>
+            </a:fillRef>
+            <a:effectRef idx="0">
+              <a:schemeClr val="accent1"/>
+            </a:effectRef>
+            <a:fontRef idx="minor">
+              <a:schemeClr val="lt1"/>
+            </a:fontRef>
+          </p:style>
+          <p:txBody>
+            <a:bodyPr rtlCol="0" anchor="ctr"/>
+            <a:p>
+              <a:pPr algn="ctr"/>
+              <a:endParaRPr lang="en-US">
+                <a:ln>
+                  <a:noFill/>
+                </a:ln>
+                <a:solidFill>
+                  <a:schemeClr val="accent5"/>
+                </a:solidFill>
+              </a:endParaRPr>
+            </a:p>
+          </p:txBody>
+        </p:sp>
+        <p:sp>
+          <p:nvSpPr>
+            <p:cNvPr id="50" name="Oval 49"/>
+            <p:cNvSpPr/>
+            <p:nvPr/>
+          </p:nvSpPr>
+          <p:spPr>
+            <a:xfrm>
+              <a:off x="5699" y="4829"/>
+              <a:ext cx="864" cy="864"/>
+            </a:xfrm>
+            <a:prstGeom prst="ellipse">
+              <a:avLst/>
+            </a:prstGeom>
+            <a:solidFill>
+              <a:srgbClr val="5B9BD5">
+                <a:alpha val="50000"/>
+              </a:srgbClr>
+            </a:solidFill>
+            <a:ln>
+              <a:noFill/>
+            </a:ln>
+          </p:spPr>
+          <p:style>
+            <a:lnRef idx="2">
+              <a:schemeClr val="accent1">
+                <a:shade val="50000"/>
+              </a:schemeClr>
+            </a:lnRef>
+            <a:fillRef idx="1">
+              <a:schemeClr val="accent1"/>
+            </a:fillRef>
+            <a:effectRef idx="0">
+              <a:schemeClr val="accent1"/>
+            </a:effectRef>
+            <a:fontRef idx="minor">
+              <a:schemeClr val="lt1"/>
+            </a:fontRef>
+          </p:style>
+          <p:txBody>
+            <a:bodyPr rtlCol="0" anchor="ctr"/>
+            <a:p>
+              <a:pPr algn="ctr"/>
+              <a:endParaRPr lang="en-US">
+                <a:ln>
+                  <a:noFill/>
+                </a:ln>
+                <a:solidFill>
+                  <a:schemeClr val="accent5"/>
+                </a:solidFill>
+              </a:endParaRPr>
+            </a:p>
+          </p:txBody>
+        </p:sp>
+        <p:sp>
+          <p:nvSpPr>
+            <p:cNvPr id="51" name="Oval 50"/>
+            <p:cNvSpPr/>
+            <p:nvPr/>
+          </p:nvSpPr>
+          <p:spPr>
+            <a:xfrm>
+              <a:off x="3536" y="4253"/>
+              <a:ext cx="720" cy="720"/>
+            </a:xfrm>
+            <a:prstGeom prst="ellipse">
+              <a:avLst/>
+            </a:prstGeom>
+            <a:solidFill>
+              <a:srgbClr val="ED7D31">
+                <a:alpha val="50000"/>
+              </a:srgbClr>
+            </a:solidFill>
+            <a:ln>
+              <a:noFill/>
+            </a:ln>
+          </p:spPr>
+          <p:style>
+            <a:lnRef idx="2">
+              <a:schemeClr val="accent1">
+                <a:shade val="50000"/>
+              </a:schemeClr>
+            </a:lnRef>
+            <a:fillRef idx="1">
+              <a:schemeClr val="accent1"/>
+            </a:fillRef>
+            <a:effectRef idx="0">
+              <a:schemeClr val="accent1"/>
+            </a:effectRef>
+            <a:fontRef idx="minor">
+              <a:schemeClr val="lt1"/>
+            </a:fontRef>
+          </p:style>
+          <p:txBody>
+            <a:bodyPr rtlCol="0" anchor="ctr"/>
+            <a:p>
+              <a:pPr algn="ctr"/>
+              <a:endParaRPr lang="en-US">
+                <a:ln>
+                  <a:noFill/>
+                </a:ln>
+                <a:solidFill>
+                  <a:schemeClr val="accent5"/>
+                </a:solidFill>
+              </a:endParaRPr>
+            </a:p>
+          </p:txBody>
+        </p:sp>
+        <p:sp>
+          <p:nvSpPr>
+            <p:cNvPr id="52" name="Oval 51"/>
+            <p:cNvSpPr/>
+            <p:nvPr/>
+          </p:nvSpPr>
+          <p:spPr>
+            <a:xfrm>
+              <a:off x="6878" y="4216"/>
+              <a:ext cx="432" cy="432"/>
+            </a:xfrm>
+            <a:prstGeom prst="ellipse">
+              <a:avLst/>
+            </a:prstGeom>
+            <a:solidFill>
+              <a:schemeClr val="accent2"/>
+            </a:solidFill>
+            <a:ln>
+              <a:noFill/>
+            </a:ln>
+          </p:spPr>
+          <p:style>
+            <a:lnRef idx="2">
+              <a:schemeClr val="accent1">
+                <a:shade val="50000"/>
+              </a:schemeClr>
+            </a:lnRef>
+            <a:fillRef idx="1">
+              <a:schemeClr val="accent1"/>
+            </a:fillRef>
+            <a:effectRef idx="0">
+              <a:schemeClr val="accent1"/>
+            </a:effectRef>
+            <a:fontRef idx="minor">
+              <a:schemeClr val="lt1"/>
+            </a:fontRef>
+          </p:style>
+          <p:txBody>
+            <a:bodyPr rtlCol="0" anchor="ctr"/>
+            <a:p>
+              <a:pPr algn="ctr"/>
+              <a:endParaRPr lang="en-US">
+                <a:ln>
+                  <a:noFill/>
+                </a:ln>
+                <a:solidFill>
+                  <a:schemeClr val="accent5"/>
+                </a:solidFill>
+              </a:endParaRPr>
+            </a:p>
+          </p:txBody>
+        </p:sp>
+        <p:sp>
+          <p:nvSpPr>
+            <p:cNvPr id="53" name="Oval 52"/>
+            <p:cNvSpPr/>
+            <p:nvPr/>
+          </p:nvSpPr>
+          <p:spPr>
+            <a:xfrm>
+              <a:off x="7998" y="3007"/>
+              <a:ext cx="720" cy="720"/>
+            </a:xfrm>
+            <a:prstGeom prst="ellipse">
+              <a:avLst/>
+            </a:prstGeom>
+            <a:solidFill>
+              <a:srgbClr val="ED7D31">
+                <a:alpha val="50000"/>
+              </a:srgbClr>
+            </a:solidFill>
+            <a:ln>
+              <a:noFill/>
+            </a:ln>
+          </p:spPr>
+          <p:style>
+            <a:lnRef idx="2">
+              <a:schemeClr val="accent1">
+                <a:shade val="50000"/>
+              </a:schemeClr>
+            </a:lnRef>
+            <a:fillRef idx="1">
+              <a:schemeClr val="accent1"/>
+            </a:fillRef>
+            <a:effectRef idx="0">
+              <a:schemeClr val="accent1"/>
+            </a:effectRef>
+            <a:fontRef idx="minor">
+              <a:schemeClr val="lt1"/>
+            </a:fontRef>
+          </p:style>
+          <p:txBody>
+            <a:bodyPr rtlCol="0" anchor="ctr"/>
+            <a:p>
+              <a:pPr algn="ctr"/>
+              <a:endParaRPr lang="en-US">
+                <a:ln>
+                  <a:noFill/>
+                </a:ln>
+                <a:solidFill>
+                  <a:schemeClr val="accent5"/>
+                </a:solidFill>
+              </a:endParaRPr>
+            </a:p>
+          </p:txBody>
+        </p:sp>
+        <p:sp>
+          <p:nvSpPr>
+            <p:cNvPr id="55" name="Oval 54"/>
+            <p:cNvSpPr/>
+            <p:nvPr/>
+          </p:nvSpPr>
+          <p:spPr>
+            <a:xfrm>
+              <a:off x="8142" y="3165"/>
+              <a:ext cx="432" cy="432"/>
+            </a:xfrm>
+            <a:prstGeom prst="ellipse">
+              <a:avLst/>
+            </a:prstGeom>
+            <a:solidFill>
+              <a:schemeClr val="accent2"/>
+            </a:solidFill>
+            <a:ln>
+              <a:noFill/>
+            </a:ln>
+          </p:spPr>
+          <p:style>
+            <a:lnRef idx="2">
+              <a:schemeClr val="accent1">
+                <a:shade val="50000"/>
+              </a:schemeClr>
+            </a:lnRef>
+            <a:fillRef idx="1">
+              <a:schemeClr val="accent1"/>
+            </a:fillRef>
+            <a:effectRef idx="0">
+              <a:schemeClr val="accent1"/>
+            </a:effectRef>
+            <a:fontRef idx="minor">
+              <a:schemeClr val="lt1"/>
+            </a:fontRef>
+          </p:style>
+          <p:txBody>
+            <a:bodyPr rtlCol="0" anchor="ctr"/>
+            <a:p>
+              <a:pPr algn="ctr"/>
+              <a:endParaRPr lang="en-US">
+                <a:ln>
+                  <a:noFill/>
+                </a:ln>
+                <a:solidFill>
+                  <a:schemeClr val="accent5"/>
+                </a:solidFill>
+              </a:endParaRPr>
+            </a:p>
+          </p:txBody>
+        </p:sp>
+        <p:sp>
+          <p:nvSpPr>
+            <p:cNvPr id="57" name="Oval 56"/>
+            <p:cNvSpPr/>
+            <p:nvPr/>
+          </p:nvSpPr>
+          <p:spPr>
+            <a:xfrm>
+              <a:off x="6738" y="2877"/>
+              <a:ext cx="720" cy="720"/>
+            </a:xfrm>
+            <a:prstGeom prst="ellipse">
+              <a:avLst/>
+            </a:prstGeom>
+            <a:solidFill>
+              <a:srgbClr val="5B9BD5">
+                <a:alpha val="50000"/>
+              </a:srgbClr>
+            </a:solidFill>
+            <a:ln>
+              <a:noFill/>
+            </a:ln>
+          </p:spPr>
+          <p:style>
+            <a:lnRef idx="2">
+              <a:schemeClr val="accent1">
+                <a:shade val="50000"/>
+              </a:schemeClr>
+            </a:lnRef>
+            <a:fillRef idx="1">
+              <a:schemeClr val="accent1"/>
+            </a:fillRef>
+            <a:effectRef idx="0">
+              <a:schemeClr val="accent1"/>
+            </a:effectRef>
+            <a:fontRef idx="minor">
+              <a:schemeClr val="lt1"/>
+            </a:fontRef>
+          </p:style>
+          <p:txBody>
+            <a:bodyPr rtlCol="0" anchor="ctr"/>
+            <a:p>
+              <a:pPr algn="ctr"/>
+              <a:endParaRPr lang="en-US">
+                <a:ln>
+                  <a:noFill/>
+                </a:ln>
+                <a:solidFill>
+                  <a:schemeClr val="accent5"/>
+                </a:solidFill>
+              </a:endParaRPr>
+            </a:p>
+          </p:txBody>
+        </p:sp>
+        <p:sp>
+          <p:nvSpPr>
+            <p:cNvPr id="59" name="Oval 58"/>
+            <p:cNvSpPr/>
+            <p:nvPr/>
+          </p:nvSpPr>
+          <p:spPr>
+            <a:xfrm>
+              <a:off x="6882" y="3021"/>
+              <a:ext cx="432" cy="432"/>
+            </a:xfrm>
+            <a:prstGeom prst="ellipse">
+              <a:avLst/>
+            </a:prstGeom>
+            <a:ln>
+              <a:noFill/>
+            </a:ln>
+          </p:spPr>
+          <p:style>
+            <a:lnRef idx="2">
+              <a:schemeClr val="accent1">
+                <a:shade val="50000"/>
+              </a:schemeClr>
+            </a:lnRef>
+            <a:fillRef idx="1">
+              <a:schemeClr val="accent1"/>
+            </a:fillRef>
+            <a:effectRef idx="0">
+              <a:schemeClr val="accent1"/>
+            </a:effectRef>
+            <a:fontRef idx="minor">
+              <a:schemeClr val="lt1"/>
+            </a:fontRef>
+          </p:style>
+          <p:txBody>
+            <a:bodyPr rtlCol="0" anchor="ctr"/>
+            <a:p>
+              <a:pPr algn="ctr"/>
+              <a:endParaRPr lang="en-US">
+                <a:ln>
+                  <a:noFill/>
+                </a:ln>
+                <a:solidFill>
+                  <a:schemeClr val="accent5"/>
+                </a:solidFill>
+              </a:endParaRPr>
+            </a:p>
+          </p:txBody>
+        </p:sp>
+        <p:cxnSp>
+          <p:nvCxnSpPr>
+            <p:cNvPr id="60" name="Straight Connector 59"/>
+            <p:cNvCxnSpPr/>
+            <p:nvPr/>
+          </p:nvCxnSpPr>
+          <p:spPr>
+            <a:xfrm>
+              <a:off x="4668" y="2369"/>
+              <a:ext cx="1491" cy="1358"/>
+            </a:xfrm>
+            <a:prstGeom prst="line">
+              <a:avLst/>
+            </a:prstGeom>
+            <a:ln w="28575" cmpd="sng">
+              <a:solidFill>
+                <a:schemeClr val="bg1">
+                  <a:lumMod val="75000"/>
+                </a:schemeClr>
+              </a:solidFill>
+              <a:prstDash val="solid"/>
+            </a:ln>
+          </p:spPr>
+          <p:style>
+            <a:lnRef idx="1">
+              <a:schemeClr val="accent1"/>
+            </a:lnRef>
+            <a:fillRef idx="0">
+              <a:schemeClr val="accent1"/>
+            </a:fillRef>
+            <a:effectRef idx="0">
+              <a:schemeClr val="accent1"/>
+            </a:effectRef>
+            <a:fontRef idx="minor">
+              <a:schemeClr val="tx1"/>
+            </a:fontRef>
+          </p:style>
+        </p:cxnSp>
+        <p:sp>
+          <p:nvSpPr>
+            <p:cNvPr id="61" name="Oval 60"/>
+            <p:cNvSpPr/>
+            <p:nvPr/>
+          </p:nvSpPr>
+          <p:spPr>
+            <a:xfrm>
+              <a:off x="4547" y="2287"/>
+              <a:ext cx="432" cy="432"/>
+            </a:xfrm>
+            <a:prstGeom prst="ellipse">
+              <a:avLst/>
+            </a:prstGeom>
+            <a:ln>
+              <a:noFill/>
+            </a:ln>
+          </p:spPr>
+          <p:style>
+            <a:lnRef idx="2">
+              <a:schemeClr val="accent1">
+                <a:shade val="50000"/>
+              </a:schemeClr>
+            </a:lnRef>
+            <a:fillRef idx="1">
+              <a:schemeClr val="accent1"/>
+            </a:fillRef>
+            <a:effectRef idx="0">
+              <a:schemeClr val="accent1"/>
+            </a:effectRef>
+            <a:fontRef idx="minor">
+              <a:schemeClr val="lt1"/>
+            </a:fontRef>
+          </p:style>
+          <p:txBody>
+            <a:bodyPr rtlCol="0" anchor="ctr"/>
+            <a:p>
+              <a:pPr algn="ctr"/>
+              <a:endParaRPr lang="en-US">
+                <a:ln>
+                  <a:noFill/>
+                </a:ln>
+                <a:solidFill>
+                  <a:schemeClr val="accent5"/>
+                </a:solidFill>
+              </a:endParaRPr>
+            </a:p>
+          </p:txBody>
+        </p:sp>
+        <p:sp>
+          <p:nvSpPr>
+            <p:cNvPr id="62" name="Oval 61"/>
+            <p:cNvSpPr/>
+            <p:nvPr/>
+          </p:nvSpPr>
+          <p:spPr>
+            <a:xfrm>
+              <a:off x="4403" y="2157"/>
+              <a:ext cx="720" cy="720"/>
+            </a:xfrm>
+            <a:prstGeom prst="ellipse">
+              <a:avLst/>
+            </a:prstGeom>
+            <a:solidFill>
+              <a:srgbClr val="5B9BD5">
+                <a:alpha val="50000"/>
+              </a:srgbClr>
+            </a:solidFill>
+            <a:ln>
+              <a:noFill/>
+            </a:ln>
+          </p:spPr>
+          <p:style>
+            <a:lnRef idx="2">
+              <a:schemeClr val="accent1">
+                <a:shade val="50000"/>
+              </a:schemeClr>
+            </a:lnRef>
+            <a:fillRef idx="1">
+              <a:schemeClr val="accent1"/>
+            </a:fillRef>
+            <a:effectRef idx="0">
+              <a:schemeClr val="accent1"/>
+            </a:effectRef>
+            <a:fontRef idx="minor">
+              <a:schemeClr val="lt1"/>
+            </a:fontRef>
+          </p:style>
+          <p:txBody>
+            <a:bodyPr rtlCol="0" anchor="ctr"/>
+            <a:p>
+              <a:pPr algn="ctr"/>
+              <a:endParaRPr lang="en-US">
+                <a:ln>
+                  <a:noFill/>
+                </a:ln>
+                <a:solidFill>
+                  <a:schemeClr val="accent5"/>
+                </a:solidFill>
+              </a:endParaRPr>
+            </a:p>
+          </p:txBody>
+        </p:sp>
+        <p:cxnSp>
+          <p:nvCxnSpPr>
+            <p:cNvPr id="63" name="Straight Connector 62"/>
+            <p:cNvCxnSpPr/>
+            <p:nvPr/>
+          </p:nvCxnSpPr>
+          <p:spPr>
+            <a:xfrm flipV="1">
+              <a:off x="6119" y="1609"/>
+              <a:ext cx="1062" cy="1110"/>
+            </a:xfrm>
+            <a:prstGeom prst="line">
+              <a:avLst/>
+            </a:prstGeom>
+            <a:ln w="28575" cmpd="sng">
+              <a:solidFill>
+                <a:schemeClr val="bg1">
+                  <a:lumMod val="75000"/>
+                </a:schemeClr>
+              </a:solidFill>
+              <a:prstDash val="solid"/>
+            </a:ln>
+          </p:spPr>
+          <p:style>
+            <a:lnRef idx="1">
+              <a:schemeClr val="accent1"/>
+            </a:lnRef>
+            <a:fillRef idx="0">
+              <a:schemeClr val="accent1"/>
+            </a:fillRef>
+            <a:effectRef idx="0">
+              <a:schemeClr val="accent1"/>
+            </a:effectRef>
+            <a:fontRef idx="minor">
+              <a:schemeClr val="tx1"/>
+            </a:fontRef>
+          </p:style>
+        </p:cxnSp>
+        <p:sp>
+          <p:nvSpPr>
+            <p:cNvPr id="64" name="Oval 63"/>
+            <p:cNvSpPr/>
+            <p:nvPr/>
+          </p:nvSpPr>
+          <p:spPr>
+            <a:xfrm>
+              <a:off x="6882" y="1437"/>
+              <a:ext cx="432" cy="432"/>
+            </a:xfrm>
+            <a:prstGeom prst="ellipse">
+              <a:avLst/>
+            </a:prstGeom>
+            <a:solidFill>
+              <a:schemeClr val="accent2"/>
+            </a:solidFill>
+            <a:ln>
+              <a:noFill/>
+            </a:ln>
+          </p:spPr>
+          <p:style>
+            <a:lnRef idx="2">
+              <a:schemeClr val="accent1">
+                <a:shade val="50000"/>
+              </a:schemeClr>
+            </a:lnRef>
+            <a:fillRef idx="1">
+              <a:schemeClr val="accent1"/>
+            </a:fillRef>
+            <a:effectRef idx="0">
+              <a:schemeClr val="accent1"/>
+            </a:effectRef>
+            <a:fontRef idx="minor">
+              <a:schemeClr val="lt1"/>
+            </a:fontRef>
+          </p:style>
+          <p:txBody>
+            <a:bodyPr rtlCol="0" anchor="ctr"/>
+            <a:p>
+              <a:pPr algn="ctr"/>
+              <a:endParaRPr lang="en-US">
+                <a:ln>
+                  <a:noFill/>
+                </a:ln>
+                <a:solidFill>
+                  <a:schemeClr val="accent5"/>
+                </a:solidFill>
+              </a:endParaRPr>
+            </a:p>
+          </p:txBody>
+        </p:sp>
+        <p:sp>
+          <p:nvSpPr>
+            <p:cNvPr id="65" name="Oval 64"/>
+            <p:cNvSpPr/>
+            <p:nvPr/>
+          </p:nvSpPr>
+          <p:spPr>
+            <a:xfrm>
+              <a:off x="6733" y="1293"/>
+              <a:ext cx="720" cy="720"/>
+            </a:xfrm>
+            <a:prstGeom prst="ellipse">
+              <a:avLst/>
+            </a:prstGeom>
+            <a:solidFill>
+              <a:srgbClr val="ED7D31">
+                <a:alpha val="50000"/>
+              </a:srgbClr>
+            </a:solidFill>
+            <a:ln>
+              <a:noFill/>
+            </a:ln>
+          </p:spPr>
+          <p:style>
+            <a:lnRef idx="2">
+              <a:schemeClr val="accent1">
+                <a:shade val="50000"/>
+              </a:schemeClr>
+            </a:lnRef>
+            <a:fillRef idx="1">
+              <a:schemeClr val="accent1"/>
+            </a:fillRef>
+            <a:effectRef idx="0">
+              <a:schemeClr val="accent1"/>
+            </a:effectRef>
+            <a:fontRef idx="minor">
+              <a:schemeClr val="lt1"/>
+            </a:fontRef>
+          </p:style>
+          <p:txBody>
+            <a:bodyPr rtlCol="0" anchor="ctr"/>
+            <a:p>
+              <a:pPr algn="ctr"/>
+              <a:endParaRPr lang="en-US">
+                <a:ln>
+                  <a:noFill/>
+                </a:ln>
+                <a:solidFill>
+                  <a:schemeClr val="accent5"/>
+                </a:solidFill>
+              </a:endParaRPr>
+            </a:p>
+          </p:txBody>
+        </p:sp>
+        <p:sp>
+          <p:nvSpPr>
+            <p:cNvPr id="68" name="Oval 67"/>
+            <p:cNvSpPr/>
+            <p:nvPr/>
+          </p:nvSpPr>
+          <p:spPr>
+            <a:xfrm>
+              <a:off x="5915" y="1177"/>
+              <a:ext cx="432" cy="432"/>
+            </a:xfrm>
+            <a:prstGeom prst="ellipse">
+              <a:avLst/>
+            </a:prstGeom>
+            <a:ln>
+              <a:noFill/>
+            </a:ln>
+          </p:spPr>
+          <p:style>
+            <a:lnRef idx="2">
+              <a:schemeClr val="accent1">
+                <a:shade val="50000"/>
+              </a:schemeClr>
+            </a:lnRef>
+            <a:fillRef idx="1">
+              <a:schemeClr val="accent1"/>
+            </a:fillRef>
+            <a:effectRef idx="0">
+              <a:schemeClr val="accent1"/>
+            </a:effectRef>
+            <a:fontRef idx="minor">
+              <a:schemeClr val="lt1"/>
+            </a:fontRef>
+          </p:style>
+          <p:txBody>
+            <a:bodyPr rtlCol="0" anchor="ctr"/>
+            <a:p>
+              <a:pPr algn="ctr"/>
+              <a:endParaRPr lang="en-US">
+                <a:ln>
+                  <a:noFill/>
+                </a:ln>
+                <a:solidFill>
+                  <a:schemeClr val="accent5"/>
+                </a:solidFill>
+              </a:endParaRPr>
+            </a:p>
+          </p:txBody>
+        </p:sp>
+        <p:sp>
+          <p:nvSpPr>
+            <p:cNvPr id="69" name="Oval 68"/>
+            <p:cNvSpPr/>
+            <p:nvPr/>
+          </p:nvSpPr>
+          <p:spPr>
+            <a:xfrm>
+              <a:off x="5771" y="1033"/>
+              <a:ext cx="720" cy="720"/>
+            </a:xfrm>
+            <a:prstGeom prst="ellipse">
+              <a:avLst/>
+            </a:prstGeom>
+            <a:solidFill>
+              <a:srgbClr val="5B9BD5">
+                <a:alpha val="50000"/>
+              </a:srgbClr>
+            </a:solidFill>
+            <a:ln>
+              <a:noFill/>
+            </a:ln>
+          </p:spPr>
+          <p:style>
+            <a:lnRef idx="2">
+              <a:schemeClr val="accent1">
+                <a:shade val="50000"/>
+              </a:schemeClr>
+            </a:lnRef>
+            <a:fillRef idx="1">
+              <a:schemeClr val="accent1"/>
+            </a:fillRef>
+            <a:effectRef idx="0">
+              <a:schemeClr val="accent1"/>
+            </a:effectRef>
+            <a:fontRef idx="minor">
+              <a:schemeClr val="lt1"/>
+            </a:fontRef>
+          </p:style>
+          <p:txBody>
+            <a:bodyPr rtlCol="0" anchor="ctr"/>
+            <a:p>
+              <a:pPr algn="ctr"/>
+              <a:endParaRPr lang="en-US">
+                <a:ln>
+                  <a:noFill/>
+                </a:ln>
+                <a:solidFill>
+                  <a:schemeClr val="accent5"/>
+                </a:solidFill>
+              </a:endParaRPr>
+            </a:p>
+          </p:txBody>
+        </p:sp>
+      </p:grpSp>
     </p:spTree>
   </p:cSld>
   <p:clrMapOvr>
@@ -3906,12 +9406,16 @@
           <a:bodyPr/>
           <a:p>
             <a:r>
-              <a:rPr lang="en-US" sz="3600"/>
-              <a:t>7.1</a:t>
+              <a:rPr lang="ja-JP" altLang="en-US" sz="3600"/>
+              <a:t>決定木（</a:t>
+            </a:r>
+            <a:r>
+              <a:rPr lang="en-US" altLang="ja-JP" sz="3600"/>
+              <a:t>decision tree</a:t>
             </a:r>
             <a:r>
               <a:rPr lang="ja-JP" altLang="en-US" sz="3600"/>
-              <a:t>　回帰の決定木</a:t>
+              <a:t>）とは</a:t>
             </a:r>
             <a:endParaRPr lang="ja-JP" altLang="en-US" sz="3600"/>
           </a:p>
@@ -3931,7 +9435,3819 @@
         <p:txBody>
           <a:bodyPr/>
           <a:p>
+            <a:pPr marL="0" indent="0">
+              <a:buNone/>
+            </a:pPr>
+            <a:r>
+              <a:rPr lang="ja-JP" altLang="en-US"/>
+              <a:t>利点</a:t>
+            </a:r>
+            <a:endParaRPr lang="ja-JP" altLang="en-US"/>
+          </a:p>
+          <a:p>
+            <a:r>
+              <a:rPr lang="ja-JP" altLang="en-US"/>
+              <a:t>非線形のデータや説明変数の多い（次元の高い）データ、様々な尺度（質的変数か量的変数かなど）が混在しているデータでも扱いやすい</a:t>
+            </a:r>
+            <a:endParaRPr lang="ja-JP" altLang="en-US"/>
+          </a:p>
+          <a:p>
+            <a:r>
+              <a:rPr lang="ja-JP" altLang="en-US"/>
+              <a:t>外れ値に対してロバストな (外れ値の影響を受けにくい) モデルを構築可能</a:t>
+            </a:r>
+            <a:endParaRPr lang="ja-JP" altLang="en-US"/>
+          </a:p>
+          <a:p>
+            <a:r>
+              <a:rPr lang="ja-JP" altLang="en-US"/>
+              <a:t>結果が可視化されていて、理解しやすい</a:t>
+            </a:r>
+            <a:endParaRPr lang="ja-JP" altLang="en-US"/>
+          </a:p>
+          <a:p>
+            <a:r>
+              <a:rPr lang="ja-JP" altLang="en-US"/>
+              <a:t>いくつかの選択肢から最善のものが選べる</a:t>
+            </a:r>
+            <a:endParaRPr lang="ja-JP" altLang="en-US"/>
+          </a:p>
+          <a:p>
+            <a:endParaRPr lang="ja-JP" altLang="en-US"/>
+          </a:p>
+          <a:p>
+            <a:pPr marL="0" indent="0">
+              <a:buNone/>
+            </a:pPr>
+            <a:r>
+              <a:rPr lang="ja-JP" altLang="en-US"/>
+              <a:t>欠点</a:t>
+            </a:r>
+            <a:endParaRPr lang="ja-JP" altLang="en-US"/>
+          </a:p>
+          <a:p>
+            <a:r>
+              <a:rPr lang="ja-JP" altLang="en-US"/>
+              <a:t>線形性のあるデータにはあまり適していない</a:t>
+            </a:r>
+            <a:endParaRPr lang="ja-JP" altLang="en-US"/>
+          </a:p>
+          <a:p>
+            <a:r>
+              <a:rPr lang="ja-JP" altLang="en-US"/>
+              <a:t>分類性能は低い</a:t>
+            </a:r>
+            <a:endParaRPr lang="ja-JP" altLang="en-US"/>
+          </a:p>
+          <a:p>
+            <a:r>
+              <a:rPr lang="ja-JP" altLang="en-US"/>
+              <a:t>過学習を起こしやすい</a:t>
+            </a:r>
+            <a:endParaRPr lang="ja-JP" altLang="en-US"/>
+          </a:p>
+        </p:txBody>
+      </p:sp>
+      <p:grpSp>
+        <p:nvGrpSpPr>
+          <p:cNvPr id="70" name="Group 69"/>
+          <p:cNvGrpSpPr/>
+          <p:nvPr/>
+        </p:nvGrpSpPr>
+        <p:grpSpPr>
+          <a:xfrm>
+            <a:off x="9311640" y="3484245"/>
+            <a:ext cx="2310130" cy="2791460"/>
+            <a:chOff x="2300" y="1033"/>
+            <a:chExt cx="7452" cy="8514"/>
+          </a:xfrm>
+        </p:grpSpPr>
+        <p:cxnSp>
+          <p:nvCxnSpPr>
+            <p:cNvPr id="20" name="Straight Connector 19"/>
+            <p:cNvCxnSpPr/>
+            <p:nvPr/>
+          </p:nvCxnSpPr>
+          <p:spPr>
+            <a:xfrm flipH="1">
+              <a:off x="3884" y="2726"/>
+              <a:ext cx="25" cy="3846"/>
+            </a:xfrm>
+            <a:prstGeom prst="line">
+              <a:avLst/>
+            </a:prstGeom>
+            <a:ln w="28575" cmpd="sng">
+              <a:solidFill>
+                <a:schemeClr val="bg1">
+                  <a:lumMod val="75000"/>
+                </a:schemeClr>
+              </a:solidFill>
+              <a:prstDash val="solid"/>
+            </a:ln>
+          </p:spPr>
+          <p:style>
+            <a:lnRef idx="1">
+              <a:schemeClr val="accent1"/>
+            </a:lnRef>
+            <a:fillRef idx="0">
+              <a:schemeClr val="accent1"/>
+            </a:fillRef>
+            <a:effectRef idx="0">
+              <a:schemeClr val="accent1"/>
+            </a:effectRef>
+            <a:fontRef idx="minor">
+              <a:schemeClr val="tx1"/>
+            </a:fontRef>
+          </p:style>
+        </p:cxnSp>
+        <p:cxnSp>
+          <p:nvCxnSpPr>
+            <p:cNvPr id="49" name="Straight Connector 48"/>
+            <p:cNvCxnSpPr/>
+            <p:nvPr/>
+          </p:nvCxnSpPr>
+          <p:spPr>
+            <a:xfrm flipV="1">
+              <a:off x="6159" y="3396"/>
+              <a:ext cx="2267" cy="1828"/>
+            </a:xfrm>
+            <a:prstGeom prst="line">
+              <a:avLst/>
+            </a:prstGeom>
+            <a:ln w="28575" cmpd="sng">
+              <a:solidFill>
+                <a:schemeClr val="bg1">
+                  <a:lumMod val="75000"/>
+                </a:schemeClr>
+              </a:solidFill>
+              <a:prstDash val="solid"/>
+            </a:ln>
+          </p:spPr>
+          <p:style>
+            <a:lnRef idx="1">
+              <a:schemeClr val="accent1"/>
+            </a:lnRef>
+            <a:fillRef idx="0">
+              <a:schemeClr val="accent1"/>
+            </a:fillRef>
+            <a:effectRef idx="0">
+              <a:schemeClr val="accent1"/>
+            </a:effectRef>
+            <a:fontRef idx="minor">
+              <a:schemeClr val="tx1"/>
+            </a:fontRef>
+          </p:style>
+        </p:cxnSp>
+        <p:cxnSp>
+          <p:nvCxnSpPr>
+            <p:cNvPr id="4" name="Straight Connector 3"/>
+            <p:cNvCxnSpPr/>
+            <p:nvPr/>
+          </p:nvCxnSpPr>
+          <p:spPr>
+            <a:xfrm flipV="1">
+              <a:off x="4120" y="9529"/>
+              <a:ext cx="4022" cy="19"/>
+            </a:xfrm>
+            <a:prstGeom prst="line">
+              <a:avLst/>
+            </a:prstGeom>
+            <a:ln w="28575" cmpd="sng">
+              <a:solidFill>
+                <a:schemeClr val="bg1">
+                  <a:lumMod val="75000"/>
+                </a:schemeClr>
+              </a:solidFill>
+              <a:prstDash val="solid"/>
+            </a:ln>
+          </p:spPr>
+          <p:style>
+            <a:lnRef idx="1">
+              <a:schemeClr val="accent1"/>
+            </a:lnRef>
+            <a:fillRef idx="0">
+              <a:schemeClr val="accent1"/>
+            </a:fillRef>
+            <a:effectRef idx="0">
+              <a:schemeClr val="accent1"/>
+            </a:effectRef>
+            <a:fontRef idx="minor">
+              <a:schemeClr val="tx1"/>
+            </a:fontRef>
+          </p:style>
+        </p:cxnSp>
+        <p:cxnSp>
+          <p:nvCxnSpPr>
+            <p:cNvPr id="5" name="Straight Connector 4"/>
+            <p:cNvCxnSpPr/>
+            <p:nvPr/>
+          </p:nvCxnSpPr>
+          <p:spPr>
+            <a:xfrm flipH="1">
+              <a:off x="6119" y="1258"/>
+              <a:ext cx="24" cy="8271"/>
+            </a:xfrm>
+            <a:prstGeom prst="line">
+              <a:avLst/>
+            </a:prstGeom>
+            <a:ln w="28575" cmpd="sng">
+              <a:solidFill>
+                <a:schemeClr val="bg1">
+                  <a:lumMod val="75000"/>
+                </a:schemeClr>
+              </a:solidFill>
+              <a:prstDash val="solid"/>
+            </a:ln>
+          </p:spPr>
+          <p:style>
+            <a:lnRef idx="1">
+              <a:schemeClr val="accent1"/>
+            </a:lnRef>
+            <a:fillRef idx="0">
+              <a:schemeClr val="accent1"/>
+            </a:fillRef>
+            <a:effectRef idx="0">
+              <a:schemeClr val="accent1"/>
+            </a:effectRef>
+            <a:fontRef idx="minor">
+              <a:schemeClr val="tx1"/>
+            </a:fontRef>
+          </p:style>
+        </p:cxnSp>
+        <p:cxnSp>
+          <p:nvCxnSpPr>
+            <p:cNvPr id="25" name="Straight Connector 24"/>
+            <p:cNvCxnSpPr/>
+            <p:nvPr/>
+          </p:nvCxnSpPr>
+          <p:spPr>
+            <a:xfrm flipV="1">
+              <a:off x="3884" y="5583"/>
+              <a:ext cx="887" cy="989"/>
+            </a:xfrm>
+            <a:prstGeom prst="line">
+              <a:avLst/>
+            </a:prstGeom>
+            <a:ln w="28575" cmpd="sng">
+              <a:solidFill>
+                <a:schemeClr val="bg1">
+                  <a:lumMod val="75000"/>
+                </a:schemeClr>
+              </a:solidFill>
+              <a:prstDash val="solid"/>
+            </a:ln>
+          </p:spPr>
+          <p:style>
+            <a:lnRef idx="1">
+              <a:schemeClr val="accent1"/>
+            </a:lnRef>
+            <a:fillRef idx="0">
+              <a:schemeClr val="accent1"/>
+            </a:fillRef>
+            <a:effectRef idx="0">
+              <a:schemeClr val="accent1"/>
+            </a:effectRef>
+            <a:fontRef idx="minor">
+              <a:schemeClr val="tx1"/>
+            </a:fontRef>
+          </p:style>
+        </p:cxnSp>
+        <p:cxnSp>
+          <p:nvCxnSpPr>
+            <p:cNvPr id="6" name="Straight Connector 5"/>
+            <p:cNvCxnSpPr/>
+            <p:nvPr/>
+          </p:nvCxnSpPr>
+          <p:spPr>
+            <a:xfrm>
+              <a:off x="3909" y="6572"/>
+              <a:ext cx="2234" cy="1021"/>
+            </a:xfrm>
+            <a:prstGeom prst="line">
+              <a:avLst/>
+            </a:prstGeom>
+            <a:ln w="28575" cmpd="sng">
+              <a:solidFill>
+                <a:schemeClr val="bg1">
+                  <a:lumMod val="75000"/>
+                </a:schemeClr>
+              </a:solidFill>
+              <a:prstDash val="solid"/>
+            </a:ln>
+          </p:spPr>
+          <p:style>
+            <a:lnRef idx="1">
+              <a:schemeClr val="accent1"/>
+            </a:lnRef>
+            <a:fillRef idx="0">
+              <a:schemeClr val="accent1"/>
+            </a:fillRef>
+            <a:effectRef idx="0">
+              <a:schemeClr val="accent1"/>
+            </a:effectRef>
+            <a:fontRef idx="minor">
+              <a:schemeClr val="tx1"/>
+            </a:fontRef>
+          </p:style>
+        </p:cxnSp>
+        <p:cxnSp>
+          <p:nvCxnSpPr>
+            <p:cNvPr id="7" name="Straight Connector 6"/>
+            <p:cNvCxnSpPr/>
+            <p:nvPr/>
+          </p:nvCxnSpPr>
+          <p:spPr>
+            <a:xfrm flipV="1">
+              <a:off x="6119" y="6668"/>
+              <a:ext cx="2155" cy="925"/>
+            </a:xfrm>
+            <a:prstGeom prst="line">
+              <a:avLst/>
+            </a:prstGeom>
+            <a:ln w="28575" cmpd="sng">
+              <a:solidFill>
+                <a:schemeClr val="bg1">
+                  <a:lumMod val="75000"/>
+                </a:schemeClr>
+              </a:solidFill>
+              <a:prstDash val="solid"/>
+            </a:ln>
+          </p:spPr>
+          <p:style>
+            <a:lnRef idx="1">
+              <a:schemeClr val="accent1"/>
+            </a:lnRef>
+            <a:fillRef idx="0">
+              <a:schemeClr val="accent1"/>
+            </a:fillRef>
+            <a:effectRef idx="0">
+              <a:schemeClr val="accent1"/>
+            </a:effectRef>
+            <a:fontRef idx="minor">
+              <a:schemeClr val="tx1"/>
+            </a:fontRef>
+          </p:style>
+        </p:cxnSp>
+        <p:cxnSp>
+          <p:nvCxnSpPr>
+            <p:cNvPr id="8" name="Straight Connector 7"/>
+            <p:cNvCxnSpPr/>
+            <p:nvPr/>
+          </p:nvCxnSpPr>
+          <p:spPr>
+            <a:xfrm>
+              <a:off x="2760" y="5375"/>
+              <a:ext cx="1149" cy="1197"/>
+            </a:xfrm>
+            <a:prstGeom prst="line">
+              <a:avLst/>
+            </a:prstGeom>
+            <a:ln w="28575" cmpd="sng">
+              <a:solidFill>
+                <a:schemeClr val="bg1">
+                  <a:lumMod val="75000"/>
+                </a:schemeClr>
+              </a:solidFill>
+              <a:prstDash val="solid"/>
+            </a:ln>
+          </p:spPr>
+          <p:style>
+            <a:lnRef idx="1">
+              <a:schemeClr val="accent1"/>
+            </a:lnRef>
+            <a:fillRef idx="0">
+              <a:schemeClr val="accent1"/>
+            </a:fillRef>
+            <a:effectRef idx="0">
+              <a:schemeClr val="accent1"/>
+            </a:effectRef>
+            <a:fontRef idx="minor">
+              <a:schemeClr val="tx1"/>
+            </a:fontRef>
+          </p:style>
+        </p:cxnSp>
+        <p:sp>
+          <p:nvSpPr>
+            <p:cNvPr id="9" name="Oval 8"/>
+            <p:cNvSpPr/>
+            <p:nvPr/>
+          </p:nvSpPr>
+          <p:spPr>
+            <a:xfrm>
+              <a:off x="5843" y="7242"/>
+              <a:ext cx="576" cy="576"/>
+            </a:xfrm>
+            <a:prstGeom prst="ellipse">
+              <a:avLst/>
+            </a:prstGeom>
+            <a:ln>
+              <a:noFill/>
+            </a:ln>
+          </p:spPr>
+          <p:style>
+            <a:lnRef idx="2">
+              <a:schemeClr val="accent1">
+                <a:shade val="50000"/>
+              </a:schemeClr>
+            </a:lnRef>
+            <a:fillRef idx="1">
+              <a:schemeClr val="accent1"/>
+            </a:fillRef>
+            <a:effectRef idx="0">
+              <a:schemeClr val="accent1"/>
+            </a:effectRef>
+            <a:fontRef idx="minor">
+              <a:schemeClr val="lt1"/>
+            </a:fontRef>
+          </p:style>
+          <p:txBody>
+            <a:bodyPr rtlCol="0" anchor="ctr"/>
+            <a:p>
+              <a:pPr algn="ctr"/>
+              <a:endParaRPr lang="en-US">
+                <a:ln>
+                  <a:noFill/>
+                </a:ln>
+                <a:solidFill>
+                  <a:schemeClr val="accent5"/>
+                </a:solidFill>
+              </a:endParaRPr>
+            </a:p>
+          </p:txBody>
+        </p:sp>
+        <p:sp>
+          <p:nvSpPr>
+            <p:cNvPr id="10" name="Oval 9"/>
+            <p:cNvSpPr/>
+            <p:nvPr/>
+          </p:nvSpPr>
+          <p:spPr>
+            <a:xfrm>
+              <a:off x="3608" y="6286"/>
+              <a:ext cx="576" cy="576"/>
+            </a:xfrm>
+            <a:prstGeom prst="ellipse">
+              <a:avLst/>
+            </a:prstGeom>
+            <a:ln>
+              <a:noFill/>
+            </a:ln>
+          </p:spPr>
+          <p:style>
+            <a:lnRef idx="2">
+              <a:schemeClr val="accent1">
+                <a:shade val="50000"/>
+              </a:schemeClr>
+            </a:lnRef>
+            <a:fillRef idx="1">
+              <a:schemeClr val="accent1"/>
+            </a:fillRef>
+            <a:effectRef idx="0">
+              <a:schemeClr val="accent1"/>
+            </a:effectRef>
+            <a:fontRef idx="minor">
+              <a:schemeClr val="lt1"/>
+            </a:fontRef>
+          </p:style>
+          <p:txBody>
+            <a:bodyPr rtlCol="0" anchor="ctr"/>
+            <a:p>
+              <a:pPr algn="ctr"/>
+              <a:endParaRPr lang="en-US">
+                <a:ln>
+                  <a:noFill/>
+                </a:ln>
+                <a:solidFill>
+                  <a:schemeClr val="accent5"/>
+                </a:solidFill>
+              </a:endParaRPr>
+            </a:p>
+          </p:txBody>
+        </p:sp>
+        <p:cxnSp>
+          <p:nvCxnSpPr>
+            <p:cNvPr id="39" name="Straight Connector 38"/>
+            <p:cNvCxnSpPr/>
+            <p:nvPr/>
+          </p:nvCxnSpPr>
+          <p:spPr>
+            <a:xfrm flipH="1">
+              <a:off x="8299" y="4641"/>
+              <a:ext cx="31" cy="2027"/>
+            </a:xfrm>
+            <a:prstGeom prst="line">
+              <a:avLst/>
+            </a:prstGeom>
+            <a:ln w="28575" cmpd="sng">
+              <a:solidFill>
+                <a:schemeClr val="bg1">
+                  <a:lumMod val="75000"/>
+                </a:schemeClr>
+              </a:solidFill>
+              <a:prstDash val="solid"/>
+            </a:ln>
+          </p:spPr>
+          <p:style>
+            <a:lnRef idx="1">
+              <a:schemeClr val="accent1"/>
+            </a:lnRef>
+            <a:fillRef idx="0">
+              <a:schemeClr val="accent1"/>
+            </a:fillRef>
+            <a:effectRef idx="0">
+              <a:schemeClr val="accent1"/>
+            </a:effectRef>
+            <a:fontRef idx="minor">
+              <a:schemeClr val="tx1"/>
+            </a:fontRef>
+          </p:style>
+        </p:cxnSp>
+        <p:sp>
+          <p:nvSpPr>
+            <p:cNvPr id="11" name="Oval 10"/>
+            <p:cNvSpPr/>
+            <p:nvPr/>
+          </p:nvSpPr>
+          <p:spPr>
+            <a:xfrm>
+              <a:off x="5843" y="4973"/>
+              <a:ext cx="576" cy="576"/>
+            </a:xfrm>
+            <a:prstGeom prst="ellipse">
+              <a:avLst/>
+            </a:prstGeom>
+            <a:ln>
+              <a:noFill/>
+            </a:ln>
+          </p:spPr>
+          <p:style>
+            <a:lnRef idx="2">
+              <a:schemeClr val="accent1">
+                <a:shade val="50000"/>
+              </a:schemeClr>
+            </a:lnRef>
+            <a:fillRef idx="1">
+              <a:schemeClr val="accent1"/>
+            </a:fillRef>
+            <a:effectRef idx="0">
+              <a:schemeClr val="accent1"/>
+            </a:effectRef>
+            <a:fontRef idx="minor">
+              <a:schemeClr val="lt1"/>
+            </a:fontRef>
+          </p:style>
+          <p:txBody>
+            <a:bodyPr rtlCol="0" anchor="ctr"/>
+            <a:p>
+              <a:pPr algn="ctr"/>
+              <a:endParaRPr lang="en-US">
+                <a:ln>
+                  <a:noFill/>
+                </a:ln>
+                <a:solidFill>
+                  <a:schemeClr val="accent5"/>
+                </a:solidFill>
+              </a:endParaRPr>
+            </a:p>
+          </p:txBody>
+        </p:sp>
+        <p:cxnSp>
+          <p:nvCxnSpPr>
+            <p:cNvPr id="56" name="Straight Connector 55"/>
+            <p:cNvCxnSpPr/>
+            <p:nvPr/>
+          </p:nvCxnSpPr>
+          <p:spPr>
+            <a:xfrm flipH="1">
+              <a:off x="7090" y="3165"/>
+              <a:ext cx="7" cy="1325"/>
+            </a:xfrm>
+            <a:prstGeom prst="line">
+              <a:avLst/>
+            </a:prstGeom>
+            <a:ln w="28575" cmpd="sng">
+              <a:solidFill>
+                <a:schemeClr val="bg1">
+                  <a:lumMod val="75000"/>
+                </a:schemeClr>
+              </a:solidFill>
+              <a:prstDash val="solid"/>
+            </a:ln>
+          </p:spPr>
+          <p:style>
+            <a:lnRef idx="1">
+              <a:schemeClr val="accent1"/>
+            </a:lnRef>
+            <a:fillRef idx="0">
+              <a:schemeClr val="accent1"/>
+            </a:fillRef>
+            <a:effectRef idx="0">
+              <a:schemeClr val="accent1"/>
+            </a:effectRef>
+            <a:fontRef idx="minor">
+              <a:schemeClr val="tx1"/>
+            </a:fontRef>
+          </p:style>
+        </p:cxnSp>
+        <p:sp>
+          <p:nvSpPr>
+            <p:cNvPr id="13" name="Oval 12"/>
+            <p:cNvSpPr/>
+            <p:nvPr/>
+          </p:nvSpPr>
+          <p:spPr>
+            <a:xfrm>
+              <a:off x="2444" y="5008"/>
+              <a:ext cx="576" cy="576"/>
+            </a:xfrm>
+            <a:prstGeom prst="ellipse">
+              <a:avLst/>
+            </a:prstGeom>
+            <a:solidFill>
+              <a:schemeClr val="accent2"/>
+            </a:solidFill>
+            <a:ln>
+              <a:noFill/>
+            </a:ln>
+          </p:spPr>
+          <p:style>
+            <a:lnRef idx="2">
+              <a:schemeClr val="accent1">
+                <a:shade val="50000"/>
+              </a:schemeClr>
+            </a:lnRef>
+            <a:fillRef idx="1">
+              <a:schemeClr val="accent1"/>
+            </a:fillRef>
+            <a:effectRef idx="0">
+              <a:schemeClr val="accent1"/>
+            </a:effectRef>
+            <a:fontRef idx="minor">
+              <a:schemeClr val="lt1"/>
+            </a:fontRef>
+          </p:style>
+          <p:txBody>
+            <a:bodyPr rtlCol="0" anchor="ctr"/>
+            <a:p>
+              <a:pPr algn="ctr"/>
+              <a:endParaRPr lang="en-US">
+                <a:ln>
+                  <a:noFill/>
+                </a:ln>
+                <a:solidFill>
+                  <a:schemeClr val="accent5"/>
+                </a:solidFill>
+              </a:endParaRPr>
+            </a:p>
+          </p:txBody>
+        </p:sp>
+        <p:cxnSp>
+          <p:nvCxnSpPr>
+            <p:cNvPr id="42" name="Straight Connector 41"/>
+            <p:cNvCxnSpPr/>
+            <p:nvPr/>
+          </p:nvCxnSpPr>
+          <p:spPr>
+            <a:xfrm flipV="1">
+              <a:off x="8314" y="5714"/>
+              <a:ext cx="887" cy="989"/>
+            </a:xfrm>
+            <a:prstGeom prst="line">
+              <a:avLst/>
+            </a:prstGeom>
+            <a:ln w="28575" cmpd="sng">
+              <a:solidFill>
+                <a:schemeClr val="bg1">
+                  <a:lumMod val="75000"/>
+                </a:schemeClr>
+              </a:solidFill>
+              <a:prstDash val="solid"/>
+            </a:ln>
+          </p:spPr>
+          <p:style>
+            <a:lnRef idx="1">
+              <a:schemeClr val="accent1"/>
+            </a:lnRef>
+            <a:fillRef idx="0">
+              <a:schemeClr val="accent1"/>
+            </a:fillRef>
+            <a:effectRef idx="0">
+              <a:schemeClr val="accent1"/>
+            </a:effectRef>
+            <a:fontRef idx="minor">
+              <a:schemeClr val="tx1"/>
+            </a:fontRef>
+          </p:style>
+        </p:cxnSp>
+        <p:sp>
+          <p:nvSpPr>
+            <p:cNvPr id="17" name="Oval 16"/>
+            <p:cNvSpPr/>
+            <p:nvPr/>
+          </p:nvSpPr>
+          <p:spPr>
+            <a:xfrm>
+              <a:off x="5699" y="7098"/>
+              <a:ext cx="864" cy="864"/>
+            </a:xfrm>
+            <a:prstGeom prst="ellipse">
+              <a:avLst/>
+            </a:prstGeom>
+            <a:solidFill>
+              <a:srgbClr val="5B9BD5">
+                <a:alpha val="50000"/>
+              </a:srgbClr>
+            </a:solidFill>
+            <a:ln>
+              <a:noFill/>
+            </a:ln>
+          </p:spPr>
+          <p:style>
+            <a:lnRef idx="2">
+              <a:schemeClr val="accent1">
+                <a:shade val="50000"/>
+              </a:schemeClr>
+            </a:lnRef>
+            <a:fillRef idx="1">
+              <a:schemeClr val="accent1"/>
+            </a:fillRef>
+            <a:effectRef idx="0">
+              <a:schemeClr val="accent1"/>
+            </a:effectRef>
+            <a:fontRef idx="minor">
+              <a:schemeClr val="lt1"/>
+            </a:fontRef>
+          </p:style>
+          <p:txBody>
+            <a:bodyPr rtlCol="0" anchor="ctr"/>
+            <a:p>
+              <a:pPr algn="ctr"/>
+              <a:endParaRPr lang="en-US">
+                <a:ln>
+                  <a:noFill/>
+                </a:ln>
+                <a:solidFill>
+                  <a:schemeClr val="accent5"/>
+                </a:solidFill>
+              </a:endParaRPr>
+            </a:p>
+          </p:txBody>
+        </p:sp>
+        <p:sp>
+          <p:nvSpPr>
+            <p:cNvPr id="18" name="Oval 17"/>
+            <p:cNvSpPr/>
+            <p:nvPr/>
+          </p:nvSpPr>
+          <p:spPr>
+            <a:xfrm>
+              <a:off x="3392" y="6090"/>
+              <a:ext cx="1008" cy="1008"/>
+            </a:xfrm>
+            <a:prstGeom prst="ellipse">
+              <a:avLst/>
+            </a:prstGeom>
+            <a:solidFill>
+              <a:srgbClr val="5B9BD5">
+                <a:alpha val="50000"/>
+              </a:srgbClr>
+            </a:solidFill>
+            <a:ln>
+              <a:noFill/>
+            </a:ln>
+          </p:spPr>
+          <p:style>
+            <a:lnRef idx="2">
+              <a:schemeClr val="accent1">
+                <a:shade val="50000"/>
+              </a:schemeClr>
+            </a:lnRef>
+            <a:fillRef idx="1">
+              <a:schemeClr val="accent1"/>
+            </a:fillRef>
+            <a:effectRef idx="0">
+              <a:schemeClr val="accent1"/>
+            </a:effectRef>
+            <a:fontRef idx="minor">
+              <a:schemeClr val="lt1"/>
+            </a:fontRef>
+          </p:style>
+          <p:txBody>
+            <a:bodyPr rtlCol="0" anchor="ctr"/>
+            <a:p>
+              <a:pPr algn="ctr"/>
+              <a:endParaRPr lang="en-US">
+                <a:ln>
+                  <a:noFill/>
+                </a:ln>
+                <a:solidFill>
+                  <a:schemeClr val="accent5"/>
+                </a:solidFill>
+              </a:endParaRPr>
+            </a:p>
+          </p:txBody>
+        </p:sp>
+        <p:sp>
+          <p:nvSpPr>
+            <p:cNvPr id="19" name="Oval 18"/>
+            <p:cNvSpPr/>
+            <p:nvPr/>
+          </p:nvSpPr>
+          <p:spPr>
+            <a:xfrm>
+              <a:off x="2300" y="4864"/>
+              <a:ext cx="864" cy="864"/>
+            </a:xfrm>
+            <a:prstGeom prst="ellipse">
+              <a:avLst/>
+            </a:prstGeom>
+            <a:solidFill>
+              <a:srgbClr val="ED7D31">
+                <a:alpha val="50000"/>
+              </a:srgbClr>
+            </a:solidFill>
+            <a:ln>
+              <a:noFill/>
+            </a:ln>
+          </p:spPr>
+          <p:style>
+            <a:lnRef idx="2">
+              <a:schemeClr val="accent1">
+                <a:shade val="50000"/>
+              </a:schemeClr>
+            </a:lnRef>
+            <a:fillRef idx="1">
+              <a:schemeClr val="accent1"/>
+            </a:fillRef>
+            <a:effectRef idx="0">
+              <a:schemeClr val="accent1"/>
+            </a:effectRef>
+            <a:fontRef idx="minor">
+              <a:schemeClr val="lt1"/>
+            </a:fontRef>
+          </p:style>
+          <p:txBody>
+            <a:bodyPr rtlCol="0" anchor="ctr"/>
+            <a:p>
+              <a:pPr algn="ctr"/>
+              <a:endParaRPr lang="en-US">
+                <a:ln>
+                  <a:noFill/>
+                </a:ln>
+                <a:solidFill>
+                  <a:schemeClr val="accent5"/>
+                </a:solidFill>
+              </a:endParaRPr>
+            </a:p>
+          </p:txBody>
+        </p:sp>
+        <p:cxnSp>
+          <p:nvCxnSpPr>
+            <p:cNvPr id="21" name="Straight Connector 20"/>
+            <p:cNvCxnSpPr/>
+            <p:nvPr/>
+          </p:nvCxnSpPr>
+          <p:spPr>
+            <a:xfrm>
+              <a:off x="2735" y="3429"/>
+              <a:ext cx="1149" cy="1197"/>
+            </a:xfrm>
+            <a:prstGeom prst="line">
+              <a:avLst/>
+            </a:prstGeom>
+            <a:ln w="28575" cmpd="sng">
+              <a:solidFill>
+                <a:schemeClr val="bg1">
+                  <a:lumMod val="75000"/>
+                </a:schemeClr>
+              </a:solidFill>
+              <a:prstDash val="solid"/>
+            </a:ln>
+          </p:spPr>
+          <p:style>
+            <a:lnRef idx="1">
+              <a:schemeClr val="accent1"/>
+            </a:lnRef>
+            <a:fillRef idx="0">
+              <a:schemeClr val="accent1"/>
+            </a:fillRef>
+            <a:effectRef idx="0">
+              <a:schemeClr val="accent1"/>
+            </a:effectRef>
+            <a:fontRef idx="minor">
+              <a:schemeClr val="tx1"/>
+            </a:fontRef>
+          </p:style>
+        </p:cxnSp>
+        <p:cxnSp>
+          <p:nvCxnSpPr>
+            <p:cNvPr id="40" name="Straight Connector 39"/>
+            <p:cNvCxnSpPr/>
+            <p:nvPr/>
+          </p:nvCxnSpPr>
+          <p:spPr>
+            <a:xfrm>
+              <a:off x="7125" y="5471"/>
+              <a:ext cx="1149" cy="1197"/>
+            </a:xfrm>
+            <a:prstGeom prst="line">
+              <a:avLst/>
+            </a:prstGeom>
+            <a:ln w="28575" cmpd="sng">
+              <a:solidFill>
+                <a:schemeClr val="bg1">
+                  <a:lumMod val="75000"/>
+                </a:schemeClr>
+              </a:solidFill>
+              <a:prstDash val="solid"/>
+            </a:ln>
+          </p:spPr>
+          <p:style>
+            <a:lnRef idx="1">
+              <a:schemeClr val="accent1"/>
+            </a:lnRef>
+            <a:fillRef idx="0">
+              <a:schemeClr val="accent1"/>
+            </a:fillRef>
+            <a:effectRef idx="0">
+              <a:schemeClr val="accent1"/>
+            </a:effectRef>
+            <a:fontRef idx="minor">
+              <a:schemeClr val="tx1"/>
+            </a:fontRef>
+          </p:style>
+        </p:cxnSp>
+        <p:sp>
+          <p:nvSpPr>
+            <p:cNvPr id="23" name="Oval 22"/>
+            <p:cNvSpPr/>
+            <p:nvPr/>
+          </p:nvSpPr>
+          <p:spPr>
+            <a:xfrm>
+              <a:off x="2444" y="3165"/>
+              <a:ext cx="576" cy="576"/>
+            </a:xfrm>
+            <a:prstGeom prst="ellipse">
+              <a:avLst/>
+            </a:prstGeom>
+            <a:ln>
+              <a:noFill/>
+            </a:ln>
+          </p:spPr>
+          <p:style>
+            <a:lnRef idx="2">
+              <a:schemeClr val="accent1">
+                <a:shade val="50000"/>
+              </a:schemeClr>
+            </a:lnRef>
+            <a:fillRef idx="1">
+              <a:schemeClr val="accent1"/>
+            </a:fillRef>
+            <a:effectRef idx="0">
+              <a:schemeClr val="accent1"/>
+            </a:effectRef>
+            <a:fontRef idx="minor">
+              <a:schemeClr val="lt1"/>
+            </a:fontRef>
+          </p:style>
+          <p:txBody>
+            <a:bodyPr rtlCol="0" anchor="ctr"/>
+            <a:p>
+              <a:pPr algn="ctr"/>
+              <a:endParaRPr lang="en-US">
+                <a:ln>
+                  <a:noFill/>
+                </a:ln>
+                <a:solidFill>
+                  <a:schemeClr val="accent5"/>
+                </a:solidFill>
+              </a:endParaRPr>
+            </a:p>
+          </p:txBody>
+        </p:sp>
+        <p:sp>
+          <p:nvSpPr>
+            <p:cNvPr id="24" name="Oval 23"/>
+            <p:cNvSpPr/>
+            <p:nvPr/>
+          </p:nvSpPr>
+          <p:spPr>
+            <a:xfrm>
+              <a:off x="2300" y="3021"/>
+              <a:ext cx="864" cy="864"/>
+            </a:xfrm>
+            <a:prstGeom prst="ellipse">
+              <a:avLst/>
+            </a:prstGeom>
+            <a:solidFill>
+              <a:srgbClr val="5B9BD5">
+                <a:alpha val="50000"/>
+              </a:srgbClr>
+            </a:solidFill>
+            <a:ln>
+              <a:noFill/>
+            </a:ln>
+          </p:spPr>
+          <p:style>
+            <a:lnRef idx="2">
+              <a:schemeClr val="accent1">
+                <a:shade val="50000"/>
+              </a:schemeClr>
+            </a:lnRef>
+            <a:fillRef idx="1">
+              <a:schemeClr val="accent1"/>
+            </a:fillRef>
+            <a:effectRef idx="0">
+              <a:schemeClr val="accent1"/>
+            </a:effectRef>
+            <a:fontRef idx="minor">
+              <a:schemeClr val="lt1"/>
+            </a:fontRef>
+          </p:style>
+          <p:txBody>
+            <a:bodyPr rtlCol="0" anchor="ctr"/>
+            <a:p>
+              <a:pPr algn="ctr"/>
+              <a:endParaRPr lang="en-US">
+                <a:ln>
+                  <a:noFill/>
+                </a:ln>
+                <a:solidFill>
+                  <a:schemeClr val="accent5"/>
+                </a:solidFill>
+              </a:endParaRPr>
+            </a:p>
+          </p:txBody>
+        </p:sp>
+        <p:cxnSp>
+          <p:nvCxnSpPr>
+            <p:cNvPr id="26" name="Straight Connector 25"/>
+            <p:cNvCxnSpPr/>
+            <p:nvPr/>
+          </p:nvCxnSpPr>
+          <p:spPr>
+            <a:xfrm flipH="1">
+              <a:off x="4755" y="3741"/>
+              <a:ext cx="16" cy="1883"/>
+            </a:xfrm>
+            <a:prstGeom prst="line">
+              <a:avLst/>
+            </a:prstGeom>
+            <a:ln w="28575" cmpd="sng">
+              <a:solidFill>
+                <a:schemeClr val="bg1">
+                  <a:lumMod val="75000"/>
+                </a:schemeClr>
+              </a:solidFill>
+              <a:prstDash val="solid"/>
+            </a:ln>
+          </p:spPr>
+          <p:style>
+            <a:lnRef idx="1">
+              <a:schemeClr val="accent1"/>
+            </a:lnRef>
+            <a:fillRef idx="0">
+              <a:schemeClr val="accent1"/>
+            </a:fillRef>
+            <a:effectRef idx="0">
+              <a:schemeClr val="accent1"/>
+            </a:effectRef>
+            <a:fontRef idx="minor">
+              <a:schemeClr val="tx1"/>
+            </a:fontRef>
+          </p:style>
+        </p:cxnSp>
+        <p:sp>
+          <p:nvSpPr>
+            <p:cNvPr id="27" name="Oval 26"/>
+            <p:cNvSpPr/>
+            <p:nvPr/>
+          </p:nvSpPr>
+          <p:spPr>
+            <a:xfrm>
+              <a:off x="8023" y="6405"/>
+              <a:ext cx="576" cy="576"/>
+            </a:xfrm>
+            <a:prstGeom prst="ellipse">
+              <a:avLst/>
+            </a:prstGeom>
+            <a:solidFill>
+              <a:schemeClr val="accent2"/>
+            </a:solidFill>
+            <a:ln>
+              <a:noFill/>
+            </a:ln>
+          </p:spPr>
+          <p:style>
+            <a:lnRef idx="2">
+              <a:schemeClr val="accent1">
+                <a:shade val="50000"/>
+              </a:schemeClr>
+            </a:lnRef>
+            <a:fillRef idx="1">
+              <a:schemeClr val="accent1"/>
+            </a:fillRef>
+            <a:effectRef idx="0">
+              <a:schemeClr val="accent1"/>
+            </a:effectRef>
+            <a:fontRef idx="minor">
+              <a:schemeClr val="lt1"/>
+            </a:fontRef>
+          </p:style>
+          <p:txBody>
+            <a:bodyPr rtlCol="0" anchor="ctr"/>
+            <a:p>
+              <a:pPr algn="ctr"/>
+              <a:endParaRPr lang="en-US">
+                <a:ln>
+                  <a:noFill/>
+                </a:ln>
+                <a:solidFill>
+                  <a:schemeClr val="accent5"/>
+                </a:solidFill>
+              </a:endParaRPr>
+            </a:p>
+          </p:txBody>
+        </p:sp>
+        <p:sp>
+          <p:nvSpPr>
+            <p:cNvPr id="28" name="Oval 27"/>
+            <p:cNvSpPr/>
+            <p:nvPr/>
+          </p:nvSpPr>
+          <p:spPr>
+            <a:xfrm>
+              <a:off x="3680" y="4397"/>
+              <a:ext cx="432" cy="432"/>
+            </a:xfrm>
+            <a:prstGeom prst="ellipse">
+              <a:avLst/>
+            </a:prstGeom>
+            <a:solidFill>
+              <a:schemeClr val="accent2"/>
+            </a:solidFill>
+            <a:ln>
+              <a:noFill/>
+            </a:ln>
+          </p:spPr>
+          <p:style>
+            <a:lnRef idx="2">
+              <a:schemeClr val="accent1">
+                <a:shade val="50000"/>
+              </a:schemeClr>
+            </a:lnRef>
+            <a:fillRef idx="1">
+              <a:schemeClr val="accent1"/>
+            </a:fillRef>
+            <a:effectRef idx="0">
+              <a:schemeClr val="accent1"/>
+            </a:effectRef>
+            <a:fontRef idx="minor">
+              <a:schemeClr val="lt1"/>
+            </a:fontRef>
+          </p:style>
+          <p:txBody>
+            <a:bodyPr rtlCol="0" anchor="ctr"/>
+            <a:p>
+              <a:pPr algn="ctr"/>
+              <a:endParaRPr lang="en-US">
+                <a:ln>
+                  <a:noFill/>
+                </a:ln>
+                <a:solidFill>
+                  <a:schemeClr val="accent5"/>
+                </a:solidFill>
+              </a:endParaRPr>
+            </a:p>
+          </p:txBody>
+        </p:sp>
+        <p:sp>
+          <p:nvSpPr>
+            <p:cNvPr id="29" name="Oval 28"/>
+            <p:cNvSpPr/>
+            <p:nvPr/>
+          </p:nvSpPr>
+          <p:spPr>
+            <a:xfrm>
+              <a:off x="6662" y="4005"/>
+              <a:ext cx="864" cy="864"/>
+            </a:xfrm>
+            <a:prstGeom prst="ellipse">
+              <a:avLst/>
+            </a:prstGeom>
+            <a:solidFill>
+              <a:srgbClr val="ED7D31">
+                <a:alpha val="50000"/>
+              </a:srgbClr>
+            </a:solidFill>
+            <a:ln>
+              <a:noFill/>
+            </a:ln>
+          </p:spPr>
+          <p:style>
+            <a:lnRef idx="2">
+              <a:schemeClr val="accent1">
+                <a:shade val="50000"/>
+              </a:schemeClr>
+            </a:lnRef>
+            <a:fillRef idx="1">
+              <a:schemeClr val="accent1"/>
+            </a:fillRef>
+            <a:effectRef idx="0">
+              <a:schemeClr val="accent1"/>
+            </a:effectRef>
+            <a:fontRef idx="minor">
+              <a:schemeClr val="lt1"/>
+            </a:fontRef>
+          </p:style>
+          <p:txBody>
+            <a:bodyPr rtlCol="0" anchor="ctr"/>
+            <a:p>
+              <a:pPr algn="ctr"/>
+              <a:endParaRPr lang="en-US">
+                <a:ln>
+                  <a:noFill/>
+                </a:ln>
+                <a:solidFill>
+                  <a:schemeClr val="accent5"/>
+                </a:solidFill>
+              </a:endParaRPr>
+            </a:p>
+          </p:txBody>
+        </p:sp>
+        <p:sp>
+          <p:nvSpPr>
+            <p:cNvPr id="30" name="Oval 29"/>
+            <p:cNvSpPr/>
+            <p:nvPr/>
+          </p:nvSpPr>
+          <p:spPr>
+            <a:xfrm>
+              <a:off x="3680" y="2575"/>
+              <a:ext cx="432" cy="432"/>
+            </a:xfrm>
+            <a:prstGeom prst="ellipse">
+              <a:avLst/>
+            </a:prstGeom>
+            <a:solidFill>
+              <a:schemeClr val="accent2"/>
+            </a:solidFill>
+            <a:ln>
+              <a:noFill/>
+            </a:ln>
+          </p:spPr>
+          <p:style>
+            <a:lnRef idx="2">
+              <a:schemeClr val="accent1">
+                <a:shade val="50000"/>
+              </a:schemeClr>
+            </a:lnRef>
+            <a:fillRef idx="1">
+              <a:schemeClr val="accent1"/>
+            </a:fillRef>
+            <a:effectRef idx="0">
+              <a:schemeClr val="accent1"/>
+            </a:effectRef>
+            <a:fontRef idx="minor">
+              <a:schemeClr val="lt1"/>
+            </a:fontRef>
+          </p:style>
+          <p:txBody>
+            <a:bodyPr rtlCol="0" anchor="ctr"/>
+            <a:p>
+              <a:pPr algn="ctr"/>
+              <a:endParaRPr lang="en-US">
+                <a:ln>
+                  <a:noFill/>
+                </a:ln>
+                <a:solidFill>
+                  <a:schemeClr val="accent5"/>
+                </a:solidFill>
+              </a:endParaRPr>
+            </a:p>
+          </p:txBody>
+        </p:sp>
+        <p:sp>
+          <p:nvSpPr>
+            <p:cNvPr id="22" name="Oval 21"/>
+            <p:cNvSpPr/>
+            <p:nvPr/>
+          </p:nvSpPr>
+          <p:spPr>
+            <a:xfrm>
+              <a:off x="4547" y="3645"/>
+              <a:ext cx="432" cy="432"/>
+            </a:xfrm>
+            <a:prstGeom prst="ellipse">
+              <a:avLst/>
+            </a:prstGeom>
+            <a:ln>
+              <a:noFill/>
+            </a:ln>
+          </p:spPr>
+          <p:style>
+            <a:lnRef idx="2">
+              <a:schemeClr val="accent1">
+                <a:shade val="50000"/>
+              </a:schemeClr>
+            </a:lnRef>
+            <a:fillRef idx="1">
+              <a:schemeClr val="accent1"/>
+            </a:fillRef>
+            <a:effectRef idx="0">
+              <a:schemeClr val="accent1"/>
+            </a:effectRef>
+            <a:fontRef idx="minor">
+              <a:schemeClr val="lt1"/>
+            </a:fontRef>
+          </p:style>
+          <p:txBody>
+            <a:bodyPr rtlCol="0" anchor="ctr"/>
+            <a:p>
+              <a:pPr algn="ctr"/>
+              <a:endParaRPr lang="en-US">
+                <a:ln>
+                  <a:noFill/>
+                </a:ln>
+                <a:solidFill>
+                  <a:schemeClr val="accent5"/>
+                </a:solidFill>
+              </a:endParaRPr>
+            </a:p>
+          </p:txBody>
+        </p:sp>
+        <p:sp>
+          <p:nvSpPr>
+            <p:cNvPr id="31" name="Oval 30"/>
+            <p:cNvSpPr/>
+            <p:nvPr/>
+          </p:nvSpPr>
+          <p:spPr>
+            <a:xfrm>
+              <a:off x="9104" y="5375"/>
+              <a:ext cx="432" cy="432"/>
+            </a:xfrm>
+            <a:prstGeom prst="ellipse">
+              <a:avLst/>
+            </a:prstGeom>
+            <a:ln>
+              <a:noFill/>
+            </a:ln>
+          </p:spPr>
+          <p:style>
+            <a:lnRef idx="2">
+              <a:schemeClr val="accent1">
+                <a:shade val="50000"/>
+              </a:schemeClr>
+            </a:lnRef>
+            <a:fillRef idx="1">
+              <a:schemeClr val="accent1"/>
+            </a:fillRef>
+            <a:effectRef idx="0">
+              <a:schemeClr val="accent1"/>
+            </a:effectRef>
+            <a:fontRef idx="minor">
+              <a:schemeClr val="lt1"/>
+            </a:fontRef>
+          </p:style>
+          <p:txBody>
+            <a:bodyPr rtlCol="0" anchor="ctr"/>
+            <a:p>
+              <a:pPr algn="ctr"/>
+              <a:endParaRPr lang="en-US">
+                <a:ln>
+                  <a:noFill/>
+                </a:ln>
+                <a:solidFill>
+                  <a:schemeClr val="accent5"/>
+                </a:solidFill>
+              </a:endParaRPr>
+            </a:p>
+          </p:txBody>
+        </p:sp>
+        <p:sp>
+          <p:nvSpPr>
+            <p:cNvPr id="32" name="Oval 31"/>
+            <p:cNvSpPr/>
+            <p:nvPr/>
+          </p:nvSpPr>
+          <p:spPr>
+            <a:xfrm>
+              <a:off x="4403" y="3501"/>
+              <a:ext cx="720" cy="720"/>
+            </a:xfrm>
+            <a:prstGeom prst="ellipse">
+              <a:avLst/>
+            </a:prstGeom>
+            <a:solidFill>
+              <a:srgbClr val="5B9BD5">
+                <a:alpha val="50000"/>
+              </a:srgbClr>
+            </a:solidFill>
+            <a:ln>
+              <a:noFill/>
+            </a:ln>
+          </p:spPr>
+          <p:style>
+            <a:lnRef idx="2">
+              <a:schemeClr val="accent1">
+                <a:shade val="50000"/>
+              </a:schemeClr>
+            </a:lnRef>
+            <a:fillRef idx="1">
+              <a:schemeClr val="accent1"/>
+            </a:fillRef>
+            <a:effectRef idx="0">
+              <a:schemeClr val="accent1"/>
+            </a:effectRef>
+            <a:fontRef idx="minor">
+              <a:schemeClr val="lt1"/>
+            </a:fontRef>
+          </p:style>
+          <p:txBody>
+            <a:bodyPr rtlCol="0" anchor="ctr"/>
+            <a:p>
+              <a:pPr algn="ctr"/>
+              <a:endParaRPr lang="en-US">
+                <a:ln>
+                  <a:noFill/>
+                </a:ln>
+                <a:solidFill>
+                  <a:schemeClr val="accent5"/>
+                </a:solidFill>
+              </a:endParaRPr>
+            </a:p>
+          </p:txBody>
+        </p:sp>
+        <p:sp>
+          <p:nvSpPr>
+            <p:cNvPr id="33" name="Oval 32"/>
+            <p:cNvSpPr/>
+            <p:nvPr/>
+          </p:nvSpPr>
+          <p:spPr>
+            <a:xfrm>
+              <a:off x="6878" y="5296"/>
+              <a:ext cx="432" cy="432"/>
+            </a:xfrm>
+            <a:prstGeom prst="ellipse">
+              <a:avLst/>
+            </a:prstGeom>
+            <a:ln>
+              <a:noFill/>
+            </a:ln>
+          </p:spPr>
+          <p:style>
+            <a:lnRef idx="2">
+              <a:schemeClr val="accent1">
+                <a:shade val="50000"/>
+              </a:schemeClr>
+            </a:lnRef>
+            <a:fillRef idx="1">
+              <a:schemeClr val="accent1"/>
+            </a:fillRef>
+            <a:effectRef idx="0">
+              <a:schemeClr val="accent1"/>
+            </a:effectRef>
+            <a:fontRef idx="minor">
+              <a:schemeClr val="lt1"/>
+            </a:fontRef>
+          </p:style>
+          <p:txBody>
+            <a:bodyPr rtlCol="0" anchor="ctr"/>
+            <a:p>
+              <a:pPr algn="ctr"/>
+              <a:endParaRPr lang="en-US">
+                <a:ln>
+                  <a:noFill/>
+                </a:ln>
+                <a:solidFill>
+                  <a:schemeClr val="accent5"/>
+                </a:solidFill>
+              </a:endParaRPr>
+            </a:p>
+          </p:txBody>
+        </p:sp>
+        <p:sp>
+          <p:nvSpPr>
+            <p:cNvPr id="34" name="Oval 33"/>
+            <p:cNvSpPr/>
+            <p:nvPr/>
+          </p:nvSpPr>
+          <p:spPr>
+            <a:xfrm>
+              <a:off x="3536" y="2431"/>
+              <a:ext cx="720" cy="720"/>
+            </a:xfrm>
+            <a:prstGeom prst="ellipse">
+              <a:avLst/>
+            </a:prstGeom>
+            <a:solidFill>
+              <a:srgbClr val="ED7D31">
+                <a:alpha val="50000"/>
+              </a:srgbClr>
+            </a:solidFill>
+            <a:ln>
+              <a:noFill/>
+            </a:ln>
+          </p:spPr>
+          <p:style>
+            <a:lnRef idx="2">
+              <a:schemeClr val="accent1">
+                <a:shade val="50000"/>
+              </a:schemeClr>
+            </a:lnRef>
+            <a:fillRef idx="1">
+              <a:schemeClr val="accent1"/>
+            </a:fillRef>
+            <a:effectRef idx="0">
+              <a:schemeClr val="accent1"/>
+            </a:effectRef>
+            <a:fontRef idx="minor">
+              <a:schemeClr val="lt1"/>
+            </a:fontRef>
+          </p:style>
+          <p:txBody>
+            <a:bodyPr rtlCol="0" anchor="ctr"/>
+            <a:p>
+              <a:pPr algn="ctr"/>
+              <a:endParaRPr lang="en-US">
+                <a:ln>
+                  <a:noFill/>
+                </a:ln>
+                <a:solidFill>
+                  <a:schemeClr val="accent5"/>
+                </a:solidFill>
+              </a:endParaRPr>
+            </a:p>
+          </p:txBody>
+        </p:sp>
+        <p:cxnSp>
+          <p:nvCxnSpPr>
+            <p:cNvPr id="35" name="Straight Connector 34"/>
+            <p:cNvCxnSpPr/>
+            <p:nvPr/>
+          </p:nvCxnSpPr>
+          <p:spPr>
+            <a:xfrm>
+              <a:off x="5281" y="5966"/>
+              <a:ext cx="838" cy="486"/>
+            </a:xfrm>
+            <a:prstGeom prst="line">
+              <a:avLst/>
+            </a:prstGeom>
+            <a:ln w="28575" cmpd="sng">
+              <a:solidFill>
+                <a:schemeClr val="bg1">
+                  <a:lumMod val="75000"/>
+                </a:schemeClr>
+              </a:solidFill>
+              <a:prstDash val="solid"/>
+            </a:ln>
+          </p:spPr>
+          <p:style>
+            <a:lnRef idx="1">
+              <a:schemeClr val="accent1"/>
+            </a:lnRef>
+            <a:fillRef idx="0">
+              <a:schemeClr val="accent1"/>
+            </a:fillRef>
+            <a:effectRef idx="0">
+              <a:schemeClr val="accent1"/>
+            </a:effectRef>
+            <a:fontRef idx="minor">
+              <a:schemeClr val="tx1"/>
+            </a:fontRef>
+          </p:style>
+        </p:cxnSp>
+        <p:sp>
+          <p:nvSpPr>
+            <p:cNvPr id="36" name="Oval 35"/>
+            <p:cNvSpPr/>
+            <p:nvPr/>
+          </p:nvSpPr>
+          <p:spPr>
+            <a:xfrm>
+              <a:off x="5123" y="5758"/>
+              <a:ext cx="432" cy="432"/>
+            </a:xfrm>
+            <a:prstGeom prst="ellipse">
+              <a:avLst/>
+            </a:prstGeom>
+            <a:solidFill>
+              <a:schemeClr val="accent2"/>
+            </a:solidFill>
+            <a:ln>
+              <a:noFill/>
+            </a:ln>
+          </p:spPr>
+          <p:style>
+            <a:lnRef idx="2">
+              <a:schemeClr val="accent1">
+                <a:shade val="50000"/>
+              </a:schemeClr>
+            </a:lnRef>
+            <a:fillRef idx="1">
+              <a:schemeClr val="accent1"/>
+            </a:fillRef>
+            <a:effectRef idx="0">
+              <a:schemeClr val="accent1"/>
+            </a:effectRef>
+            <a:fontRef idx="minor">
+              <a:schemeClr val="lt1"/>
+            </a:fontRef>
+          </p:style>
+          <p:txBody>
+            <a:bodyPr rtlCol="0" anchor="ctr"/>
+            <a:p>
+              <a:pPr algn="ctr"/>
+              <a:endParaRPr lang="en-US">
+                <a:ln>
+                  <a:noFill/>
+                </a:ln>
+                <a:solidFill>
+                  <a:schemeClr val="accent5"/>
+                </a:solidFill>
+              </a:endParaRPr>
+            </a:p>
+          </p:txBody>
+        </p:sp>
+        <p:sp>
+          <p:nvSpPr>
+            <p:cNvPr id="37" name="Oval 36"/>
+            <p:cNvSpPr/>
+            <p:nvPr/>
+          </p:nvSpPr>
+          <p:spPr>
+            <a:xfrm>
+              <a:off x="4907" y="5541"/>
+              <a:ext cx="864" cy="864"/>
+            </a:xfrm>
+            <a:prstGeom prst="ellipse">
+              <a:avLst/>
+            </a:prstGeom>
+            <a:solidFill>
+              <a:srgbClr val="ED7D31">
+                <a:alpha val="50000"/>
+              </a:srgbClr>
+            </a:solidFill>
+            <a:ln>
+              <a:noFill/>
+            </a:ln>
+          </p:spPr>
+          <p:style>
+            <a:lnRef idx="2">
+              <a:schemeClr val="accent1">
+                <a:shade val="50000"/>
+              </a:schemeClr>
+            </a:lnRef>
+            <a:fillRef idx="1">
+              <a:schemeClr val="accent1"/>
+            </a:fillRef>
+            <a:effectRef idx="0">
+              <a:schemeClr val="accent1"/>
+            </a:effectRef>
+            <a:fontRef idx="minor">
+              <a:schemeClr val="lt1"/>
+            </a:fontRef>
+          </p:style>
+          <p:txBody>
+            <a:bodyPr rtlCol="0" anchor="ctr"/>
+            <a:p>
+              <a:pPr algn="ctr"/>
+              <a:endParaRPr lang="en-US">
+                <a:ln>
+                  <a:noFill/>
+                </a:ln>
+                <a:solidFill>
+                  <a:schemeClr val="accent5"/>
+                </a:solidFill>
+              </a:endParaRPr>
+            </a:p>
+          </p:txBody>
+        </p:sp>
+        <p:sp>
+          <p:nvSpPr>
+            <p:cNvPr id="38" name="Oval 37"/>
+            <p:cNvSpPr/>
+            <p:nvPr/>
+          </p:nvSpPr>
+          <p:spPr>
+            <a:xfrm>
+              <a:off x="7879" y="6261"/>
+              <a:ext cx="864" cy="864"/>
+            </a:xfrm>
+            <a:prstGeom prst="ellipse">
+              <a:avLst/>
+            </a:prstGeom>
+            <a:solidFill>
+              <a:srgbClr val="ED7D31">
+                <a:alpha val="50000"/>
+              </a:srgbClr>
+            </a:solidFill>
+            <a:ln>
+              <a:noFill/>
+            </a:ln>
+          </p:spPr>
+          <p:style>
+            <a:lnRef idx="2">
+              <a:schemeClr val="accent1">
+                <a:shade val="50000"/>
+              </a:schemeClr>
+            </a:lnRef>
+            <a:fillRef idx="1">
+              <a:schemeClr val="accent1"/>
+            </a:fillRef>
+            <a:effectRef idx="0">
+              <a:schemeClr val="accent1"/>
+            </a:effectRef>
+            <a:fontRef idx="minor">
+              <a:schemeClr val="lt1"/>
+            </a:fontRef>
+          </p:style>
+          <p:txBody>
+            <a:bodyPr rtlCol="0" anchor="ctr"/>
+            <a:p>
+              <a:pPr algn="ctr"/>
+              <a:endParaRPr lang="en-US">
+                <a:ln>
+                  <a:noFill/>
+                </a:ln>
+                <a:solidFill>
+                  <a:schemeClr val="accent5"/>
+                </a:solidFill>
+              </a:endParaRPr>
+            </a:p>
+          </p:txBody>
+        </p:sp>
+        <p:sp>
+          <p:nvSpPr>
+            <p:cNvPr id="41" name="Oval 40"/>
+            <p:cNvSpPr/>
+            <p:nvPr/>
+          </p:nvSpPr>
+          <p:spPr>
+            <a:xfrm>
+              <a:off x="6662" y="5080"/>
+              <a:ext cx="864" cy="864"/>
+            </a:xfrm>
+            <a:prstGeom prst="ellipse">
+              <a:avLst/>
+            </a:prstGeom>
+            <a:solidFill>
+              <a:srgbClr val="5B9BD5">
+                <a:alpha val="50000"/>
+              </a:srgbClr>
+            </a:solidFill>
+            <a:ln>
+              <a:noFill/>
+            </a:ln>
+          </p:spPr>
+          <p:style>
+            <a:lnRef idx="2">
+              <a:schemeClr val="accent1">
+                <a:shade val="50000"/>
+              </a:schemeClr>
+            </a:lnRef>
+            <a:fillRef idx="1">
+              <a:schemeClr val="accent1"/>
+            </a:fillRef>
+            <a:effectRef idx="0">
+              <a:schemeClr val="accent1"/>
+            </a:effectRef>
+            <a:fontRef idx="minor">
+              <a:schemeClr val="lt1"/>
+            </a:fontRef>
+          </p:style>
+          <p:txBody>
+            <a:bodyPr rtlCol="0" anchor="ctr"/>
+            <a:p>
+              <a:pPr algn="ctr"/>
+              <a:endParaRPr lang="en-US">
+                <a:ln>
+                  <a:noFill/>
+                </a:ln>
+                <a:solidFill>
+                  <a:schemeClr val="accent5"/>
+                </a:solidFill>
+              </a:endParaRPr>
+            </a:p>
+          </p:txBody>
+        </p:sp>
+        <p:sp>
+          <p:nvSpPr>
+            <p:cNvPr id="43" name="Oval 42"/>
+            <p:cNvSpPr/>
+            <p:nvPr/>
+          </p:nvSpPr>
+          <p:spPr>
+            <a:xfrm>
+              <a:off x="8960" y="5224"/>
+              <a:ext cx="720" cy="720"/>
+            </a:xfrm>
+            <a:prstGeom prst="ellipse">
+              <a:avLst/>
+            </a:prstGeom>
+            <a:solidFill>
+              <a:srgbClr val="5B9BD5">
+                <a:alpha val="50000"/>
+              </a:srgbClr>
+            </a:solidFill>
+            <a:ln>
+              <a:noFill/>
+            </a:ln>
+          </p:spPr>
+          <p:style>
+            <a:lnRef idx="2">
+              <a:schemeClr val="accent1">
+                <a:shade val="50000"/>
+              </a:schemeClr>
+            </a:lnRef>
+            <a:fillRef idx="1">
+              <a:schemeClr val="accent1"/>
+            </a:fillRef>
+            <a:effectRef idx="0">
+              <a:schemeClr val="accent1"/>
+            </a:effectRef>
+            <a:fontRef idx="minor">
+              <a:schemeClr val="lt1"/>
+            </a:fontRef>
+          </p:style>
+          <p:txBody>
+            <a:bodyPr rtlCol="0" anchor="ctr"/>
+            <a:p>
+              <a:pPr algn="ctr"/>
+              <a:endParaRPr lang="en-US">
+                <a:ln>
+                  <a:noFill/>
+                </a:ln>
+                <a:solidFill>
+                  <a:schemeClr val="accent5"/>
+                </a:solidFill>
+              </a:endParaRPr>
+            </a:p>
+          </p:txBody>
+        </p:sp>
+        <p:cxnSp>
+          <p:nvCxnSpPr>
+            <p:cNvPr id="44" name="Straight Connector 43"/>
+            <p:cNvCxnSpPr/>
+            <p:nvPr/>
+          </p:nvCxnSpPr>
+          <p:spPr>
+            <a:xfrm flipV="1">
+              <a:off x="8330" y="4482"/>
+              <a:ext cx="887" cy="989"/>
+            </a:xfrm>
+            <a:prstGeom prst="line">
+              <a:avLst/>
+            </a:prstGeom>
+            <a:ln w="28575" cmpd="sng">
+              <a:solidFill>
+                <a:schemeClr val="bg1">
+                  <a:lumMod val="75000"/>
+                </a:schemeClr>
+              </a:solidFill>
+              <a:prstDash val="solid"/>
+            </a:ln>
+          </p:spPr>
+          <p:style>
+            <a:lnRef idx="1">
+              <a:schemeClr val="accent1"/>
+            </a:lnRef>
+            <a:fillRef idx="0">
+              <a:schemeClr val="accent1"/>
+            </a:fillRef>
+            <a:effectRef idx="0">
+              <a:schemeClr val="accent1"/>
+            </a:effectRef>
+            <a:fontRef idx="minor">
+              <a:schemeClr val="tx1"/>
+            </a:fontRef>
+          </p:style>
+        </p:cxnSp>
+        <p:sp>
+          <p:nvSpPr>
+            <p:cNvPr id="45" name="Oval 44"/>
+            <p:cNvSpPr/>
+            <p:nvPr/>
+          </p:nvSpPr>
+          <p:spPr>
+            <a:xfrm>
+              <a:off x="8888" y="4000"/>
+              <a:ext cx="864" cy="864"/>
+            </a:xfrm>
+            <a:prstGeom prst="ellipse">
+              <a:avLst/>
+            </a:prstGeom>
+            <a:solidFill>
+              <a:srgbClr val="ED7D31">
+                <a:alpha val="50000"/>
+              </a:srgbClr>
+            </a:solidFill>
+            <a:ln>
+              <a:noFill/>
+            </a:ln>
+          </p:spPr>
+          <p:style>
+            <a:lnRef idx="2">
+              <a:schemeClr val="accent1">
+                <a:shade val="50000"/>
+              </a:schemeClr>
+            </a:lnRef>
+            <a:fillRef idx="1">
+              <a:schemeClr val="accent1"/>
+            </a:fillRef>
+            <a:effectRef idx="0">
+              <a:schemeClr val="accent1"/>
+            </a:effectRef>
+            <a:fontRef idx="minor">
+              <a:schemeClr val="lt1"/>
+            </a:fontRef>
+          </p:style>
+          <p:txBody>
+            <a:bodyPr rtlCol="0" anchor="ctr"/>
+            <a:p>
+              <a:pPr algn="ctr"/>
+              <a:endParaRPr lang="en-US">
+                <a:ln>
+                  <a:noFill/>
+                </a:ln>
+                <a:solidFill>
+                  <a:schemeClr val="accent5"/>
+                </a:solidFill>
+              </a:endParaRPr>
+            </a:p>
+          </p:txBody>
+        </p:sp>
+        <p:sp>
+          <p:nvSpPr>
+            <p:cNvPr id="46" name="Oval 45"/>
+            <p:cNvSpPr/>
+            <p:nvPr/>
+          </p:nvSpPr>
+          <p:spPr>
+            <a:xfrm>
+              <a:off x="9104" y="4221"/>
+              <a:ext cx="432" cy="432"/>
+            </a:xfrm>
+            <a:prstGeom prst="ellipse">
+              <a:avLst/>
+            </a:prstGeom>
+            <a:solidFill>
+              <a:schemeClr val="accent2"/>
+            </a:solidFill>
+            <a:ln>
+              <a:noFill/>
+            </a:ln>
+          </p:spPr>
+          <p:style>
+            <a:lnRef idx="2">
+              <a:schemeClr val="accent1">
+                <a:shade val="50000"/>
+              </a:schemeClr>
+            </a:lnRef>
+            <a:fillRef idx="1">
+              <a:schemeClr val="accent1"/>
+            </a:fillRef>
+            <a:effectRef idx="0">
+              <a:schemeClr val="accent1"/>
+            </a:effectRef>
+            <a:fontRef idx="minor">
+              <a:schemeClr val="lt1"/>
+            </a:fontRef>
+          </p:style>
+          <p:txBody>
+            <a:bodyPr rtlCol="0" anchor="ctr"/>
+            <a:p>
+              <a:pPr algn="ctr"/>
+              <a:endParaRPr lang="en-US">
+                <a:ln>
+                  <a:noFill/>
+                </a:ln>
+                <a:solidFill>
+                  <a:schemeClr val="accent5"/>
+                </a:solidFill>
+              </a:endParaRPr>
+            </a:p>
+          </p:txBody>
+        </p:sp>
+        <p:sp>
+          <p:nvSpPr>
+            <p:cNvPr id="47" name="Oval 46"/>
+            <p:cNvSpPr/>
+            <p:nvPr/>
+          </p:nvSpPr>
+          <p:spPr>
+            <a:xfrm>
+              <a:off x="8099" y="4397"/>
+              <a:ext cx="432" cy="432"/>
+            </a:xfrm>
+            <a:prstGeom prst="ellipse">
+              <a:avLst/>
+            </a:prstGeom>
+            <a:ln>
+              <a:noFill/>
+            </a:ln>
+          </p:spPr>
+          <p:style>
+            <a:lnRef idx="2">
+              <a:schemeClr val="accent1">
+                <a:shade val="50000"/>
+              </a:schemeClr>
+            </a:lnRef>
+            <a:fillRef idx="1">
+              <a:schemeClr val="accent1"/>
+            </a:fillRef>
+            <a:effectRef idx="0">
+              <a:schemeClr val="accent1"/>
+            </a:effectRef>
+            <a:fontRef idx="minor">
+              <a:schemeClr val="lt1"/>
+            </a:fontRef>
+          </p:style>
+          <p:txBody>
+            <a:bodyPr rtlCol="0" anchor="ctr"/>
+            <a:p>
+              <a:pPr algn="ctr"/>
+              <a:endParaRPr lang="en-US">
+                <a:ln>
+                  <a:noFill/>
+                </a:ln>
+                <a:solidFill>
+                  <a:schemeClr val="accent5"/>
+                </a:solidFill>
+              </a:endParaRPr>
+            </a:p>
+          </p:txBody>
+        </p:sp>
+        <p:sp>
+          <p:nvSpPr>
+            <p:cNvPr id="12" name="Oval 11"/>
+            <p:cNvSpPr/>
+            <p:nvPr/>
+          </p:nvSpPr>
+          <p:spPr>
+            <a:xfrm>
+              <a:off x="7955" y="4253"/>
+              <a:ext cx="720" cy="720"/>
+            </a:xfrm>
+            <a:prstGeom prst="ellipse">
+              <a:avLst/>
+            </a:prstGeom>
+            <a:solidFill>
+              <a:srgbClr val="5B9BD5">
+                <a:alpha val="50000"/>
+              </a:srgbClr>
+            </a:solidFill>
+            <a:ln>
+              <a:noFill/>
+            </a:ln>
+          </p:spPr>
+          <p:style>
+            <a:lnRef idx="2">
+              <a:schemeClr val="accent1">
+                <a:shade val="50000"/>
+              </a:schemeClr>
+            </a:lnRef>
+            <a:fillRef idx="1">
+              <a:schemeClr val="accent1"/>
+            </a:fillRef>
+            <a:effectRef idx="0">
+              <a:schemeClr val="accent1"/>
+            </a:effectRef>
+            <a:fontRef idx="minor">
+              <a:schemeClr val="lt1"/>
+            </a:fontRef>
+          </p:style>
+          <p:txBody>
+            <a:bodyPr rtlCol="0" anchor="ctr"/>
+            <a:p>
+              <a:pPr algn="ctr"/>
+              <a:endParaRPr lang="en-US">
+                <a:ln>
+                  <a:noFill/>
+                </a:ln>
+                <a:solidFill>
+                  <a:schemeClr val="accent5"/>
+                </a:solidFill>
+              </a:endParaRPr>
+            </a:p>
+          </p:txBody>
+        </p:sp>
+        <p:sp>
+          <p:nvSpPr>
+            <p:cNvPr id="50" name="Oval 49"/>
+            <p:cNvSpPr/>
+            <p:nvPr/>
+          </p:nvSpPr>
+          <p:spPr>
+            <a:xfrm>
+              <a:off x="5699" y="4829"/>
+              <a:ext cx="864" cy="864"/>
+            </a:xfrm>
+            <a:prstGeom prst="ellipse">
+              <a:avLst/>
+            </a:prstGeom>
+            <a:solidFill>
+              <a:srgbClr val="5B9BD5">
+                <a:alpha val="50000"/>
+              </a:srgbClr>
+            </a:solidFill>
+            <a:ln>
+              <a:noFill/>
+            </a:ln>
+          </p:spPr>
+          <p:style>
+            <a:lnRef idx="2">
+              <a:schemeClr val="accent1">
+                <a:shade val="50000"/>
+              </a:schemeClr>
+            </a:lnRef>
+            <a:fillRef idx="1">
+              <a:schemeClr val="accent1"/>
+            </a:fillRef>
+            <a:effectRef idx="0">
+              <a:schemeClr val="accent1"/>
+            </a:effectRef>
+            <a:fontRef idx="minor">
+              <a:schemeClr val="lt1"/>
+            </a:fontRef>
+          </p:style>
+          <p:txBody>
+            <a:bodyPr rtlCol="0" anchor="ctr"/>
+            <a:p>
+              <a:pPr algn="ctr"/>
+              <a:endParaRPr lang="en-US">
+                <a:ln>
+                  <a:noFill/>
+                </a:ln>
+                <a:solidFill>
+                  <a:schemeClr val="accent5"/>
+                </a:solidFill>
+              </a:endParaRPr>
+            </a:p>
+          </p:txBody>
+        </p:sp>
+        <p:sp>
+          <p:nvSpPr>
+            <p:cNvPr id="51" name="Oval 50"/>
+            <p:cNvSpPr/>
+            <p:nvPr/>
+          </p:nvSpPr>
+          <p:spPr>
+            <a:xfrm>
+              <a:off x="3536" y="4253"/>
+              <a:ext cx="720" cy="720"/>
+            </a:xfrm>
+            <a:prstGeom prst="ellipse">
+              <a:avLst/>
+            </a:prstGeom>
+            <a:solidFill>
+              <a:srgbClr val="ED7D31">
+                <a:alpha val="50000"/>
+              </a:srgbClr>
+            </a:solidFill>
+            <a:ln>
+              <a:noFill/>
+            </a:ln>
+          </p:spPr>
+          <p:style>
+            <a:lnRef idx="2">
+              <a:schemeClr val="accent1">
+                <a:shade val="50000"/>
+              </a:schemeClr>
+            </a:lnRef>
+            <a:fillRef idx="1">
+              <a:schemeClr val="accent1"/>
+            </a:fillRef>
+            <a:effectRef idx="0">
+              <a:schemeClr val="accent1"/>
+            </a:effectRef>
+            <a:fontRef idx="minor">
+              <a:schemeClr val="lt1"/>
+            </a:fontRef>
+          </p:style>
+          <p:txBody>
+            <a:bodyPr rtlCol="0" anchor="ctr"/>
+            <a:p>
+              <a:pPr algn="ctr"/>
+              <a:endParaRPr lang="en-US">
+                <a:ln>
+                  <a:noFill/>
+                </a:ln>
+                <a:solidFill>
+                  <a:schemeClr val="accent5"/>
+                </a:solidFill>
+              </a:endParaRPr>
+            </a:p>
+          </p:txBody>
+        </p:sp>
+        <p:sp>
+          <p:nvSpPr>
+            <p:cNvPr id="52" name="Oval 51"/>
+            <p:cNvSpPr/>
+            <p:nvPr/>
+          </p:nvSpPr>
+          <p:spPr>
+            <a:xfrm>
+              <a:off x="6878" y="4216"/>
+              <a:ext cx="432" cy="432"/>
+            </a:xfrm>
+            <a:prstGeom prst="ellipse">
+              <a:avLst/>
+            </a:prstGeom>
+            <a:solidFill>
+              <a:schemeClr val="accent2"/>
+            </a:solidFill>
+            <a:ln>
+              <a:noFill/>
+            </a:ln>
+          </p:spPr>
+          <p:style>
+            <a:lnRef idx="2">
+              <a:schemeClr val="accent1">
+                <a:shade val="50000"/>
+              </a:schemeClr>
+            </a:lnRef>
+            <a:fillRef idx="1">
+              <a:schemeClr val="accent1"/>
+            </a:fillRef>
+            <a:effectRef idx="0">
+              <a:schemeClr val="accent1"/>
+            </a:effectRef>
+            <a:fontRef idx="minor">
+              <a:schemeClr val="lt1"/>
+            </a:fontRef>
+          </p:style>
+          <p:txBody>
+            <a:bodyPr rtlCol="0" anchor="ctr"/>
+            <a:p>
+              <a:pPr algn="ctr"/>
+              <a:endParaRPr lang="en-US">
+                <a:ln>
+                  <a:noFill/>
+                </a:ln>
+                <a:solidFill>
+                  <a:schemeClr val="accent5"/>
+                </a:solidFill>
+              </a:endParaRPr>
+            </a:p>
+          </p:txBody>
+        </p:sp>
+        <p:sp>
+          <p:nvSpPr>
+            <p:cNvPr id="53" name="Oval 52"/>
+            <p:cNvSpPr/>
+            <p:nvPr/>
+          </p:nvSpPr>
+          <p:spPr>
+            <a:xfrm>
+              <a:off x="7998" y="3007"/>
+              <a:ext cx="720" cy="720"/>
+            </a:xfrm>
+            <a:prstGeom prst="ellipse">
+              <a:avLst/>
+            </a:prstGeom>
+            <a:solidFill>
+              <a:srgbClr val="ED7D31">
+                <a:alpha val="50000"/>
+              </a:srgbClr>
+            </a:solidFill>
+            <a:ln>
+              <a:noFill/>
+            </a:ln>
+          </p:spPr>
+          <p:style>
+            <a:lnRef idx="2">
+              <a:schemeClr val="accent1">
+                <a:shade val="50000"/>
+              </a:schemeClr>
+            </a:lnRef>
+            <a:fillRef idx="1">
+              <a:schemeClr val="accent1"/>
+            </a:fillRef>
+            <a:effectRef idx="0">
+              <a:schemeClr val="accent1"/>
+            </a:effectRef>
+            <a:fontRef idx="minor">
+              <a:schemeClr val="lt1"/>
+            </a:fontRef>
+          </p:style>
+          <p:txBody>
+            <a:bodyPr rtlCol="0" anchor="ctr"/>
+            <a:p>
+              <a:pPr algn="ctr"/>
+              <a:endParaRPr lang="en-US">
+                <a:ln>
+                  <a:noFill/>
+                </a:ln>
+                <a:solidFill>
+                  <a:schemeClr val="accent5"/>
+                </a:solidFill>
+              </a:endParaRPr>
+            </a:p>
+          </p:txBody>
+        </p:sp>
+        <p:sp>
+          <p:nvSpPr>
+            <p:cNvPr id="55" name="Oval 54"/>
+            <p:cNvSpPr/>
+            <p:nvPr/>
+          </p:nvSpPr>
+          <p:spPr>
+            <a:xfrm>
+              <a:off x="8142" y="3165"/>
+              <a:ext cx="432" cy="432"/>
+            </a:xfrm>
+            <a:prstGeom prst="ellipse">
+              <a:avLst/>
+            </a:prstGeom>
+            <a:solidFill>
+              <a:schemeClr val="accent2"/>
+            </a:solidFill>
+            <a:ln>
+              <a:noFill/>
+            </a:ln>
+          </p:spPr>
+          <p:style>
+            <a:lnRef idx="2">
+              <a:schemeClr val="accent1">
+                <a:shade val="50000"/>
+              </a:schemeClr>
+            </a:lnRef>
+            <a:fillRef idx="1">
+              <a:schemeClr val="accent1"/>
+            </a:fillRef>
+            <a:effectRef idx="0">
+              <a:schemeClr val="accent1"/>
+            </a:effectRef>
+            <a:fontRef idx="minor">
+              <a:schemeClr val="lt1"/>
+            </a:fontRef>
+          </p:style>
+          <p:txBody>
+            <a:bodyPr rtlCol="0" anchor="ctr"/>
+            <a:p>
+              <a:pPr algn="ctr"/>
+              <a:endParaRPr lang="en-US">
+                <a:ln>
+                  <a:noFill/>
+                </a:ln>
+                <a:solidFill>
+                  <a:schemeClr val="accent5"/>
+                </a:solidFill>
+              </a:endParaRPr>
+            </a:p>
+          </p:txBody>
+        </p:sp>
+        <p:sp>
+          <p:nvSpPr>
+            <p:cNvPr id="57" name="Oval 56"/>
+            <p:cNvSpPr/>
+            <p:nvPr/>
+          </p:nvSpPr>
+          <p:spPr>
+            <a:xfrm>
+              <a:off x="6738" y="2877"/>
+              <a:ext cx="720" cy="720"/>
+            </a:xfrm>
+            <a:prstGeom prst="ellipse">
+              <a:avLst/>
+            </a:prstGeom>
+            <a:solidFill>
+              <a:srgbClr val="5B9BD5">
+                <a:alpha val="50000"/>
+              </a:srgbClr>
+            </a:solidFill>
+            <a:ln>
+              <a:noFill/>
+            </a:ln>
+          </p:spPr>
+          <p:style>
+            <a:lnRef idx="2">
+              <a:schemeClr val="accent1">
+                <a:shade val="50000"/>
+              </a:schemeClr>
+            </a:lnRef>
+            <a:fillRef idx="1">
+              <a:schemeClr val="accent1"/>
+            </a:fillRef>
+            <a:effectRef idx="0">
+              <a:schemeClr val="accent1"/>
+            </a:effectRef>
+            <a:fontRef idx="minor">
+              <a:schemeClr val="lt1"/>
+            </a:fontRef>
+          </p:style>
+          <p:txBody>
+            <a:bodyPr rtlCol="0" anchor="ctr"/>
+            <a:p>
+              <a:pPr algn="ctr"/>
+              <a:endParaRPr lang="en-US">
+                <a:ln>
+                  <a:noFill/>
+                </a:ln>
+                <a:solidFill>
+                  <a:schemeClr val="accent5"/>
+                </a:solidFill>
+              </a:endParaRPr>
+            </a:p>
+          </p:txBody>
+        </p:sp>
+        <p:sp>
+          <p:nvSpPr>
+            <p:cNvPr id="59" name="Oval 58"/>
+            <p:cNvSpPr/>
+            <p:nvPr/>
+          </p:nvSpPr>
+          <p:spPr>
+            <a:xfrm>
+              <a:off x="6882" y="3021"/>
+              <a:ext cx="432" cy="432"/>
+            </a:xfrm>
+            <a:prstGeom prst="ellipse">
+              <a:avLst/>
+            </a:prstGeom>
+            <a:ln>
+              <a:noFill/>
+            </a:ln>
+          </p:spPr>
+          <p:style>
+            <a:lnRef idx="2">
+              <a:schemeClr val="accent1">
+                <a:shade val="50000"/>
+              </a:schemeClr>
+            </a:lnRef>
+            <a:fillRef idx="1">
+              <a:schemeClr val="accent1"/>
+            </a:fillRef>
+            <a:effectRef idx="0">
+              <a:schemeClr val="accent1"/>
+            </a:effectRef>
+            <a:fontRef idx="minor">
+              <a:schemeClr val="lt1"/>
+            </a:fontRef>
+          </p:style>
+          <p:txBody>
+            <a:bodyPr rtlCol="0" anchor="ctr"/>
+            <a:p>
+              <a:pPr algn="ctr"/>
+              <a:endParaRPr lang="en-US">
+                <a:ln>
+                  <a:noFill/>
+                </a:ln>
+                <a:solidFill>
+                  <a:schemeClr val="accent5"/>
+                </a:solidFill>
+              </a:endParaRPr>
+            </a:p>
+          </p:txBody>
+        </p:sp>
+        <p:cxnSp>
+          <p:nvCxnSpPr>
+            <p:cNvPr id="60" name="Straight Connector 59"/>
+            <p:cNvCxnSpPr/>
+            <p:nvPr/>
+          </p:nvCxnSpPr>
+          <p:spPr>
+            <a:xfrm>
+              <a:off x="4668" y="2369"/>
+              <a:ext cx="1491" cy="1358"/>
+            </a:xfrm>
+            <a:prstGeom prst="line">
+              <a:avLst/>
+            </a:prstGeom>
+            <a:ln w="28575" cmpd="sng">
+              <a:solidFill>
+                <a:schemeClr val="bg1">
+                  <a:lumMod val="75000"/>
+                </a:schemeClr>
+              </a:solidFill>
+              <a:prstDash val="solid"/>
+            </a:ln>
+          </p:spPr>
+          <p:style>
+            <a:lnRef idx="1">
+              <a:schemeClr val="accent1"/>
+            </a:lnRef>
+            <a:fillRef idx="0">
+              <a:schemeClr val="accent1"/>
+            </a:fillRef>
+            <a:effectRef idx="0">
+              <a:schemeClr val="accent1"/>
+            </a:effectRef>
+            <a:fontRef idx="minor">
+              <a:schemeClr val="tx1"/>
+            </a:fontRef>
+          </p:style>
+        </p:cxnSp>
+        <p:sp>
+          <p:nvSpPr>
+            <p:cNvPr id="61" name="Oval 60"/>
+            <p:cNvSpPr/>
+            <p:nvPr/>
+          </p:nvSpPr>
+          <p:spPr>
+            <a:xfrm>
+              <a:off x="4547" y="2287"/>
+              <a:ext cx="432" cy="432"/>
+            </a:xfrm>
+            <a:prstGeom prst="ellipse">
+              <a:avLst/>
+            </a:prstGeom>
+            <a:ln>
+              <a:noFill/>
+            </a:ln>
+          </p:spPr>
+          <p:style>
+            <a:lnRef idx="2">
+              <a:schemeClr val="accent1">
+                <a:shade val="50000"/>
+              </a:schemeClr>
+            </a:lnRef>
+            <a:fillRef idx="1">
+              <a:schemeClr val="accent1"/>
+            </a:fillRef>
+            <a:effectRef idx="0">
+              <a:schemeClr val="accent1"/>
+            </a:effectRef>
+            <a:fontRef idx="minor">
+              <a:schemeClr val="lt1"/>
+            </a:fontRef>
+          </p:style>
+          <p:txBody>
+            <a:bodyPr rtlCol="0" anchor="ctr"/>
+            <a:p>
+              <a:pPr algn="ctr"/>
+              <a:endParaRPr lang="en-US">
+                <a:ln>
+                  <a:noFill/>
+                </a:ln>
+                <a:solidFill>
+                  <a:schemeClr val="accent5"/>
+                </a:solidFill>
+              </a:endParaRPr>
+            </a:p>
+          </p:txBody>
+        </p:sp>
+        <p:sp>
+          <p:nvSpPr>
+            <p:cNvPr id="62" name="Oval 61"/>
+            <p:cNvSpPr/>
+            <p:nvPr/>
+          </p:nvSpPr>
+          <p:spPr>
+            <a:xfrm>
+              <a:off x="4403" y="2157"/>
+              <a:ext cx="720" cy="720"/>
+            </a:xfrm>
+            <a:prstGeom prst="ellipse">
+              <a:avLst/>
+            </a:prstGeom>
+            <a:solidFill>
+              <a:srgbClr val="5B9BD5">
+                <a:alpha val="50000"/>
+              </a:srgbClr>
+            </a:solidFill>
+            <a:ln>
+              <a:noFill/>
+            </a:ln>
+          </p:spPr>
+          <p:style>
+            <a:lnRef idx="2">
+              <a:schemeClr val="accent1">
+                <a:shade val="50000"/>
+              </a:schemeClr>
+            </a:lnRef>
+            <a:fillRef idx="1">
+              <a:schemeClr val="accent1"/>
+            </a:fillRef>
+            <a:effectRef idx="0">
+              <a:schemeClr val="accent1"/>
+            </a:effectRef>
+            <a:fontRef idx="minor">
+              <a:schemeClr val="lt1"/>
+            </a:fontRef>
+          </p:style>
+          <p:txBody>
+            <a:bodyPr rtlCol="0" anchor="ctr"/>
+            <a:p>
+              <a:pPr algn="ctr"/>
+              <a:endParaRPr lang="en-US">
+                <a:ln>
+                  <a:noFill/>
+                </a:ln>
+                <a:solidFill>
+                  <a:schemeClr val="accent5"/>
+                </a:solidFill>
+              </a:endParaRPr>
+            </a:p>
+          </p:txBody>
+        </p:sp>
+        <p:cxnSp>
+          <p:nvCxnSpPr>
+            <p:cNvPr id="63" name="Straight Connector 62"/>
+            <p:cNvCxnSpPr/>
+            <p:nvPr/>
+          </p:nvCxnSpPr>
+          <p:spPr>
+            <a:xfrm flipV="1">
+              <a:off x="6119" y="1609"/>
+              <a:ext cx="1062" cy="1110"/>
+            </a:xfrm>
+            <a:prstGeom prst="line">
+              <a:avLst/>
+            </a:prstGeom>
+            <a:ln w="28575" cmpd="sng">
+              <a:solidFill>
+                <a:schemeClr val="bg1">
+                  <a:lumMod val="75000"/>
+                </a:schemeClr>
+              </a:solidFill>
+              <a:prstDash val="solid"/>
+            </a:ln>
+          </p:spPr>
+          <p:style>
+            <a:lnRef idx="1">
+              <a:schemeClr val="accent1"/>
+            </a:lnRef>
+            <a:fillRef idx="0">
+              <a:schemeClr val="accent1"/>
+            </a:fillRef>
+            <a:effectRef idx="0">
+              <a:schemeClr val="accent1"/>
+            </a:effectRef>
+            <a:fontRef idx="minor">
+              <a:schemeClr val="tx1"/>
+            </a:fontRef>
+          </p:style>
+        </p:cxnSp>
+        <p:sp>
+          <p:nvSpPr>
+            <p:cNvPr id="64" name="Oval 63"/>
+            <p:cNvSpPr/>
+            <p:nvPr/>
+          </p:nvSpPr>
+          <p:spPr>
+            <a:xfrm>
+              <a:off x="6882" y="1437"/>
+              <a:ext cx="432" cy="432"/>
+            </a:xfrm>
+            <a:prstGeom prst="ellipse">
+              <a:avLst/>
+            </a:prstGeom>
+            <a:solidFill>
+              <a:schemeClr val="accent2"/>
+            </a:solidFill>
+            <a:ln>
+              <a:noFill/>
+            </a:ln>
+          </p:spPr>
+          <p:style>
+            <a:lnRef idx="2">
+              <a:schemeClr val="accent1">
+                <a:shade val="50000"/>
+              </a:schemeClr>
+            </a:lnRef>
+            <a:fillRef idx="1">
+              <a:schemeClr val="accent1"/>
+            </a:fillRef>
+            <a:effectRef idx="0">
+              <a:schemeClr val="accent1"/>
+            </a:effectRef>
+            <a:fontRef idx="minor">
+              <a:schemeClr val="lt1"/>
+            </a:fontRef>
+          </p:style>
+          <p:txBody>
+            <a:bodyPr rtlCol="0" anchor="ctr"/>
+            <a:p>
+              <a:pPr algn="ctr"/>
+              <a:endParaRPr lang="en-US">
+                <a:ln>
+                  <a:noFill/>
+                </a:ln>
+                <a:solidFill>
+                  <a:schemeClr val="accent5"/>
+                </a:solidFill>
+              </a:endParaRPr>
+            </a:p>
+          </p:txBody>
+        </p:sp>
+        <p:sp>
+          <p:nvSpPr>
+            <p:cNvPr id="65" name="Oval 64"/>
+            <p:cNvSpPr/>
+            <p:nvPr/>
+          </p:nvSpPr>
+          <p:spPr>
+            <a:xfrm>
+              <a:off x="6733" y="1293"/>
+              <a:ext cx="720" cy="720"/>
+            </a:xfrm>
+            <a:prstGeom prst="ellipse">
+              <a:avLst/>
+            </a:prstGeom>
+            <a:solidFill>
+              <a:srgbClr val="ED7D31">
+                <a:alpha val="50000"/>
+              </a:srgbClr>
+            </a:solidFill>
+            <a:ln>
+              <a:noFill/>
+            </a:ln>
+          </p:spPr>
+          <p:style>
+            <a:lnRef idx="2">
+              <a:schemeClr val="accent1">
+                <a:shade val="50000"/>
+              </a:schemeClr>
+            </a:lnRef>
+            <a:fillRef idx="1">
+              <a:schemeClr val="accent1"/>
+            </a:fillRef>
+            <a:effectRef idx="0">
+              <a:schemeClr val="accent1"/>
+            </a:effectRef>
+            <a:fontRef idx="minor">
+              <a:schemeClr val="lt1"/>
+            </a:fontRef>
+          </p:style>
+          <p:txBody>
+            <a:bodyPr rtlCol="0" anchor="ctr"/>
+            <a:p>
+              <a:pPr algn="ctr"/>
+              <a:endParaRPr lang="en-US">
+                <a:ln>
+                  <a:noFill/>
+                </a:ln>
+                <a:solidFill>
+                  <a:schemeClr val="accent5"/>
+                </a:solidFill>
+              </a:endParaRPr>
+            </a:p>
+          </p:txBody>
+        </p:sp>
+        <p:sp>
+          <p:nvSpPr>
+            <p:cNvPr id="68" name="Oval 67"/>
+            <p:cNvSpPr/>
+            <p:nvPr/>
+          </p:nvSpPr>
+          <p:spPr>
+            <a:xfrm>
+              <a:off x="5915" y="1177"/>
+              <a:ext cx="432" cy="432"/>
+            </a:xfrm>
+            <a:prstGeom prst="ellipse">
+              <a:avLst/>
+            </a:prstGeom>
+            <a:ln>
+              <a:noFill/>
+            </a:ln>
+          </p:spPr>
+          <p:style>
+            <a:lnRef idx="2">
+              <a:schemeClr val="accent1">
+                <a:shade val="50000"/>
+              </a:schemeClr>
+            </a:lnRef>
+            <a:fillRef idx="1">
+              <a:schemeClr val="accent1"/>
+            </a:fillRef>
+            <a:effectRef idx="0">
+              <a:schemeClr val="accent1"/>
+            </a:effectRef>
+            <a:fontRef idx="minor">
+              <a:schemeClr val="lt1"/>
+            </a:fontRef>
+          </p:style>
+          <p:txBody>
+            <a:bodyPr rtlCol="0" anchor="ctr"/>
+            <a:p>
+              <a:pPr algn="ctr"/>
+              <a:endParaRPr lang="en-US">
+                <a:ln>
+                  <a:noFill/>
+                </a:ln>
+                <a:solidFill>
+                  <a:schemeClr val="accent5"/>
+                </a:solidFill>
+              </a:endParaRPr>
+            </a:p>
+          </p:txBody>
+        </p:sp>
+        <p:sp>
+          <p:nvSpPr>
+            <p:cNvPr id="69" name="Oval 68"/>
+            <p:cNvSpPr/>
+            <p:nvPr/>
+          </p:nvSpPr>
+          <p:spPr>
+            <a:xfrm>
+              <a:off x="5771" y="1033"/>
+              <a:ext cx="720" cy="720"/>
+            </a:xfrm>
+            <a:prstGeom prst="ellipse">
+              <a:avLst/>
+            </a:prstGeom>
+            <a:solidFill>
+              <a:srgbClr val="5B9BD5">
+                <a:alpha val="50000"/>
+              </a:srgbClr>
+            </a:solidFill>
+            <a:ln>
+              <a:noFill/>
+            </a:ln>
+          </p:spPr>
+          <p:style>
+            <a:lnRef idx="2">
+              <a:schemeClr val="accent1">
+                <a:shade val="50000"/>
+              </a:schemeClr>
+            </a:lnRef>
+            <a:fillRef idx="1">
+              <a:schemeClr val="accent1"/>
+            </a:fillRef>
+            <a:effectRef idx="0">
+              <a:schemeClr val="accent1"/>
+            </a:effectRef>
+            <a:fontRef idx="minor">
+              <a:schemeClr val="lt1"/>
+            </a:fontRef>
+          </p:style>
+          <p:txBody>
+            <a:bodyPr rtlCol="0" anchor="ctr"/>
+            <a:p>
+              <a:pPr algn="ctr"/>
+              <a:endParaRPr lang="en-US">
+                <a:ln>
+                  <a:noFill/>
+                </a:ln>
+                <a:solidFill>
+                  <a:schemeClr val="accent5"/>
+                </a:solidFill>
+              </a:endParaRPr>
+            </a:p>
+          </p:txBody>
+        </p:sp>
+      </p:grpSp>
+    </p:spTree>
+  </p:cSld>
+  <p:clrMapOvr>
+    <a:masterClrMapping/>
+  </p:clrMapOvr>
+</p:sld>
+</file>
+
+<file path=ppt/slides/slide5.xml><?xml version="1.0" encoding="utf-8"?>
+<p:sld xmlns:a="http://schemas.openxmlformats.org/drawingml/2006/main" xmlns:r="http://schemas.openxmlformats.org/officeDocument/2006/relationships" xmlns:p="http://schemas.openxmlformats.org/presentationml/2006/main">
+  <p:cSld>
+    <p:spTree>
+      <p:nvGrpSpPr>
+        <p:cNvPr id="1" name=""/>
+        <p:cNvGrpSpPr/>
+        <p:nvPr/>
+      </p:nvGrpSpPr>
+      <p:grpSpPr/>
+      <p:sp>
+        <p:nvSpPr>
+          <p:cNvPr id="2" name="Title 1"/>
+          <p:cNvSpPr>
+            <a:spLocks noGrp="1"/>
+          </p:cNvSpPr>
+          <p:nvPr>
+            <p:ph type="title"/>
+          </p:nvPr>
+        </p:nvSpPr>
+        <p:spPr/>
+        <p:txBody>
+          <a:bodyPr/>
+          <a:p>
+            <a:r>
+              <a:rPr lang="en-US" sz="3600"/>
+              <a:t>7.1</a:t>
+            </a:r>
+            <a:r>
+              <a:rPr lang="ja-JP" altLang="en-US" sz="3600"/>
+              <a:t>　回帰の決定木</a:t>
+            </a:r>
+            <a:endParaRPr lang="ja-JP" altLang="en-US" sz="3600"/>
+          </a:p>
+        </p:txBody>
+      </p:sp>
+      <p:grpSp>
+        <p:nvGrpSpPr>
+          <p:cNvPr id="18" name="Group 17"/>
+          <p:cNvGrpSpPr/>
+          <p:nvPr/>
+        </p:nvGrpSpPr>
+        <p:grpSpPr>
+          <a:xfrm>
+            <a:off x="6818630" y="2016760"/>
+            <a:ext cx="3750310" cy="3542030"/>
+            <a:chOff x="10561" y="3176"/>
+            <a:chExt cx="5906" cy="5578"/>
+          </a:xfrm>
+        </p:grpSpPr>
+        <p:grpSp>
+          <p:nvGrpSpPr>
+            <p:cNvPr id="12" name="Group 11"/>
+            <p:cNvGrpSpPr/>
+            <p:nvPr/>
+          </p:nvGrpSpPr>
+          <p:grpSpPr>
+            <a:xfrm>
+              <a:off x="10561" y="3176"/>
+              <a:ext cx="5907" cy="5578"/>
+              <a:chOff x="10947" y="2602"/>
+              <a:chExt cx="5907" cy="5578"/>
+            </a:xfrm>
+          </p:grpSpPr>
+          <p:sp>
+            <p:nvSpPr>
+              <p:cNvPr id="71" name="Oval 70"/>
+              <p:cNvSpPr/>
+              <p:nvPr/>
+            </p:nvSpPr>
+            <p:spPr>
+              <a:xfrm>
+                <a:off x="12447" y="2602"/>
+                <a:ext cx="1152" cy="1152"/>
+              </a:xfrm>
+              <a:prstGeom prst="ellipse">
+                <a:avLst/>
+              </a:prstGeom>
+              <a:ln>
+                <a:noFill/>
+              </a:ln>
+            </p:spPr>
+            <p:style>
+              <a:lnRef idx="2">
+                <a:schemeClr val="accent1">
+                  <a:shade val="50000"/>
+                </a:schemeClr>
+              </a:lnRef>
+              <a:fillRef idx="1">
+                <a:schemeClr val="accent1"/>
+              </a:fillRef>
+              <a:effectRef idx="0">
+                <a:schemeClr val="accent1"/>
+              </a:effectRef>
+              <a:fontRef idx="minor">
+                <a:schemeClr val="lt1"/>
+              </a:fontRef>
+            </p:style>
+            <p:txBody>
+              <a:bodyPr rtlCol="0" anchor="ctr"/>
+              <a:p>
+                <a:pPr algn="ctr"/>
+                <a:endParaRPr lang="en-US"/>
+              </a:p>
+            </p:txBody>
+          </p:sp>
+          <p:cxnSp>
+            <p:nvCxnSpPr>
+              <p:cNvPr id="4" name="Straight Arrow Connector 3"/>
+              <p:cNvCxnSpPr/>
+              <p:nvPr/>
+            </p:nvCxnSpPr>
+            <p:spPr>
+              <a:xfrm>
+                <a:off x="13430" y="3585"/>
+                <a:ext cx="1373" cy="1104"/>
+              </a:xfrm>
+              <a:prstGeom prst="straightConnector1">
+                <a:avLst/>
+              </a:prstGeom>
+              <a:ln w="34925">
+                <a:solidFill>
+                  <a:schemeClr val="bg1">
+                    <a:lumMod val="75000"/>
+                  </a:schemeClr>
+                </a:solidFill>
+                <a:tailEnd type="arrow"/>
+              </a:ln>
+            </p:spPr>
+            <p:style>
+              <a:lnRef idx="1">
+                <a:schemeClr val="accent1"/>
+              </a:lnRef>
+              <a:fillRef idx="0">
+                <a:schemeClr val="accent1"/>
+              </a:fillRef>
+              <a:effectRef idx="0">
+                <a:schemeClr val="accent1"/>
+              </a:effectRef>
+              <a:fontRef idx="minor">
+                <a:schemeClr val="tx1"/>
+              </a:fontRef>
+            </p:style>
+          </p:cxnSp>
+          <p:sp>
+            <p:nvSpPr>
+              <p:cNvPr id="5" name="Oval 4"/>
+              <p:cNvSpPr/>
+              <p:nvPr/>
+            </p:nvSpPr>
+            <p:spPr>
+              <a:xfrm>
+                <a:off x="14227" y="4689"/>
+                <a:ext cx="1152" cy="1152"/>
+              </a:xfrm>
+              <a:prstGeom prst="ellipse">
+                <a:avLst/>
+              </a:prstGeom>
+              <a:ln>
+                <a:noFill/>
+              </a:ln>
+            </p:spPr>
+            <p:style>
+              <a:lnRef idx="2">
+                <a:schemeClr val="accent1">
+                  <a:shade val="50000"/>
+                </a:schemeClr>
+              </a:lnRef>
+              <a:fillRef idx="1">
+                <a:schemeClr val="accent1"/>
+              </a:fillRef>
+              <a:effectRef idx="0">
+                <a:schemeClr val="accent1"/>
+              </a:effectRef>
+              <a:fontRef idx="minor">
+                <a:schemeClr val="lt1"/>
+              </a:fontRef>
+            </p:style>
+            <p:txBody>
+              <a:bodyPr rtlCol="0" anchor="ctr"/>
+              <a:p>
+                <a:pPr algn="ctr"/>
+                <a:endParaRPr lang="en-US"/>
+              </a:p>
+            </p:txBody>
+          </p:sp>
+          <p:sp>
+            <p:nvSpPr>
+              <p:cNvPr id="6" name="Oval 5"/>
+              <p:cNvSpPr/>
+              <p:nvPr/>
+            </p:nvSpPr>
+            <p:spPr>
+              <a:xfrm>
+                <a:off x="10947" y="4689"/>
+                <a:ext cx="1152" cy="1152"/>
+              </a:xfrm>
+              <a:prstGeom prst="ellipse">
+                <a:avLst/>
+              </a:prstGeom>
+              <a:solidFill>
+                <a:schemeClr val="accent2"/>
+              </a:solidFill>
+              <a:ln>
+                <a:noFill/>
+              </a:ln>
+            </p:spPr>
+            <p:style>
+              <a:lnRef idx="2">
+                <a:schemeClr val="accent1">
+                  <a:shade val="50000"/>
+                </a:schemeClr>
+              </a:lnRef>
+              <a:fillRef idx="1">
+                <a:schemeClr val="accent1"/>
+              </a:fillRef>
+              <a:effectRef idx="0">
+                <a:schemeClr val="accent1"/>
+              </a:effectRef>
+              <a:fontRef idx="minor">
+                <a:schemeClr val="lt1"/>
+              </a:fontRef>
+            </p:style>
+            <p:txBody>
+              <a:bodyPr rtlCol="0" anchor="ctr"/>
+              <a:p>
+                <a:pPr algn="ctr"/>
+                <a:endParaRPr lang="en-US"/>
+              </a:p>
+            </p:txBody>
+          </p:sp>
+          <p:cxnSp>
+            <p:nvCxnSpPr>
+              <p:cNvPr id="7" name="Straight Arrow Connector 6"/>
+              <p:cNvCxnSpPr>
+                <a:stCxn id="71" idx="3"/>
+                <a:endCxn id="6" idx="0"/>
+              </p:cNvCxnSpPr>
+              <p:nvPr/>
+            </p:nvCxnSpPr>
+            <p:spPr>
+              <a:xfrm flipH="1">
+                <a:off x="11523" y="3585"/>
+                <a:ext cx="1093" cy="1104"/>
+              </a:xfrm>
+              <a:prstGeom prst="straightConnector1">
+                <a:avLst/>
+              </a:prstGeom>
+              <a:ln w="34925">
+                <a:solidFill>
+                  <a:schemeClr val="bg1">
+                    <a:lumMod val="75000"/>
+                  </a:schemeClr>
+                </a:solidFill>
+                <a:tailEnd type="arrow"/>
+              </a:ln>
+            </p:spPr>
+            <p:style>
+              <a:lnRef idx="1">
+                <a:schemeClr val="accent1"/>
+              </a:lnRef>
+              <a:fillRef idx="0">
+                <a:schemeClr val="accent1"/>
+              </a:fillRef>
+              <a:effectRef idx="0">
+                <a:schemeClr val="accent1"/>
+              </a:effectRef>
+              <a:fontRef idx="minor">
+                <a:schemeClr val="tx1"/>
+              </a:fontRef>
+            </p:style>
+          </p:cxnSp>
+          <p:cxnSp>
+            <p:nvCxnSpPr>
+              <p:cNvPr id="8" name="Straight Arrow Connector 7"/>
+              <p:cNvCxnSpPr>
+                <a:endCxn id="10" idx="0"/>
+              </p:cNvCxnSpPr>
+              <p:nvPr/>
+            </p:nvCxnSpPr>
+            <p:spPr>
+              <a:xfrm>
+                <a:off x="15210" y="5672"/>
+                <a:ext cx="1068" cy="1356"/>
+              </a:xfrm>
+              <a:prstGeom prst="straightConnector1">
+                <a:avLst/>
+              </a:prstGeom>
+              <a:ln w="34925">
+                <a:solidFill>
+                  <a:schemeClr val="bg1">
+                    <a:lumMod val="75000"/>
+                  </a:schemeClr>
+                </a:solidFill>
+                <a:tailEnd type="arrow"/>
+              </a:ln>
+            </p:spPr>
+            <p:style>
+              <a:lnRef idx="1">
+                <a:schemeClr val="accent1"/>
+              </a:lnRef>
+              <a:fillRef idx="0">
+                <a:schemeClr val="accent1"/>
+              </a:fillRef>
+              <a:effectRef idx="0">
+                <a:schemeClr val="accent1"/>
+              </a:effectRef>
+              <a:fontRef idx="minor">
+                <a:schemeClr val="tx1"/>
+              </a:fontRef>
+            </p:style>
+          </p:cxnSp>
+          <p:sp>
+            <p:nvSpPr>
+              <p:cNvPr id="9" name="Oval 8"/>
+              <p:cNvSpPr/>
+              <p:nvPr/>
+            </p:nvSpPr>
+            <p:spPr>
+              <a:xfrm>
+                <a:off x="13075" y="7028"/>
+                <a:ext cx="1152" cy="1152"/>
+              </a:xfrm>
+              <a:prstGeom prst="ellipse">
+                <a:avLst/>
+              </a:prstGeom>
+              <a:solidFill>
+                <a:schemeClr val="accent2"/>
+              </a:solidFill>
+              <a:ln>
+                <a:noFill/>
+              </a:ln>
+            </p:spPr>
+            <p:style>
+              <a:lnRef idx="2">
+                <a:schemeClr val="accent1">
+                  <a:shade val="50000"/>
+                </a:schemeClr>
+              </a:lnRef>
+              <a:fillRef idx="1">
+                <a:schemeClr val="accent1"/>
+              </a:fillRef>
+              <a:effectRef idx="0">
+                <a:schemeClr val="accent1"/>
+              </a:effectRef>
+              <a:fontRef idx="minor">
+                <a:schemeClr val="lt1"/>
+              </a:fontRef>
+            </p:style>
+            <p:txBody>
+              <a:bodyPr rtlCol="0" anchor="ctr"/>
+              <a:p>
+                <a:pPr algn="ctr"/>
+                <a:endParaRPr lang="en-US"/>
+              </a:p>
+            </p:txBody>
+          </p:sp>
+          <p:sp>
+            <p:nvSpPr>
+              <p:cNvPr id="10" name="Oval 9"/>
+              <p:cNvSpPr/>
+              <p:nvPr/>
+            </p:nvSpPr>
+            <p:spPr>
+              <a:xfrm>
+                <a:off x="15702" y="7028"/>
+                <a:ext cx="1152" cy="1152"/>
+              </a:xfrm>
+              <a:prstGeom prst="ellipse">
+                <a:avLst/>
+              </a:prstGeom>
+              <a:solidFill>
+                <a:schemeClr val="accent2"/>
+              </a:solidFill>
+              <a:ln>
+                <a:noFill/>
+              </a:ln>
+            </p:spPr>
+            <p:style>
+              <a:lnRef idx="2">
+                <a:schemeClr val="accent1">
+                  <a:shade val="50000"/>
+                </a:schemeClr>
+              </a:lnRef>
+              <a:fillRef idx="1">
+                <a:schemeClr val="accent1"/>
+              </a:fillRef>
+              <a:effectRef idx="0">
+                <a:schemeClr val="accent1"/>
+              </a:effectRef>
+              <a:fontRef idx="minor">
+                <a:schemeClr val="lt1"/>
+              </a:fontRef>
+            </p:style>
+            <p:txBody>
+              <a:bodyPr rtlCol="0" anchor="ctr"/>
+              <a:p>
+                <a:pPr algn="ctr"/>
+                <a:endParaRPr lang="en-US"/>
+              </a:p>
+            </p:txBody>
+          </p:sp>
+          <p:cxnSp>
+            <p:nvCxnSpPr>
+              <p:cNvPr id="11" name="Straight Arrow Connector 10"/>
+              <p:cNvCxnSpPr>
+                <a:stCxn id="5" idx="3"/>
+                <a:endCxn id="9" idx="0"/>
+              </p:cNvCxnSpPr>
+              <p:nvPr/>
+            </p:nvCxnSpPr>
+            <p:spPr>
+              <a:xfrm flipH="1">
+                <a:off x="13651" y="5672"/>
+                <a:ext cx="745" cy="1356"/>
+              </a:xfrm>
+              <a:prstGeom prst="straightConnector1">
+                <a:avLst/>
+              </a:prstGeom>
+              <a:ln w="34925">
+                <a:solidFill>
+                  <a:schemeClr val="bg1">
+                    <a:lumMod val="75000"/>
+                  </a:schemeClr>
+                </a:solidFill>
+                <a:tailEnd type="arrow"/>
+              </a:ln>
+            </p:spPr>
+            <p:style>
+              <a:lnRef idx="1">
+                <a:schemeClr val="accent1"/>
+              </a:lnRef>
+              <a:fillRef idx="0">
+                <a:schemeClr val="accent1"/>
+              </a:fillRef>
+              <a:effectRef idx="0">
+                <a:schemeClr val="accent1"/>
+              </a:effectRef>
+              <a:fontRef idx="minor">
+                <a:schemeClr val="tx1"/>
+              </a:fontRef>
+            </p:style>
+          </p:cxnSp>
+        </p:grpSp>
+        <p:sp>
+          <p:nvSpPr>
+            <p:cNvPr id="13" name="Text Box 12"/>
+            <p:cNvSpPr txBox="1"/>
+            <p:nvPr/>
+          </p:nvSpPr>
+          <p:spPr>
+            <a:xfrm>
+              <a:off x="12276" y="3389"/>
+              <a:ext cx="768" cy="725"/>
+            </a:xfrm>
+            <a:prstGeom prst="rect">
+              <a:avLst/>
+            </a:prstGeom>
+            <a:noFill/>
+          </p:spPr>
+          <p:txBody>
+            <a:bodyPr wrap="none" rtlCol="0">
+              <a:spAutoFit/>
+            </a:bodyPr>
+            <a:p>
+              <a:r>
+                <a:rPr lang="ja-JP" altLang="en-US" sz="2400" b="1">
+                  <a:solidFill>
+                    <a:schemeClr val="bg1"/>
+                  </a:solidFill>
+                </a:rPr>
+                <a:t>根</a:t>
+              </a:r>
+              <a:endParaRPr lang="ja-JP" altLang="en-US" sz="2400" b="1">
+                <a:solidFill>
+                  <a:schemeClr val="bg1"/>
+                </a:solidFill>
+              </a:endParaRPr>
+            </a:p>
+          </p:txBody>
+        </p:sp>
+      </p:grpSp>
+      <p:sp>
+        <p:nvSpPr>
+          <p:cNvPr id="14" name="Text Box 13"/>
+          <p:cNvSpPr txBox="1"/>
+          <p:nvPr/>
+        </p:nvSpPr>
+        <p:spPr>
+          <a:xfrm>
+            <a:off x="9998710" y="1849120"/>
+            <a:ext cx="690880" cy="398780"/>
+          </a:xfrm>
+          <a:prstGeom prst="rect">
+            <a:avLst/>
+          </a:prstGeom>
+          <a:noFill/>
+        </p:spPr>
+        <p:txBody>
+          <a:bodyPr wrap="none" rtlCol="0">
+            <a:spAutoFit/>
+          </a:bodyPr>
+          <a:p>
+            <a:r>
+              <a:rPr lang="ja-JP" altLang="en-US" sz="2000" b="1">
+                <a:solidFill>
+                  <a:schemeClr val="tx1"/>
+                </a:solidFill>
+              </a:rPr>
+              <a:t>端点</a:t>
+            </a:r>
+            <a:endParaRPr lang="ja-JP" altLang="en-US" sz="2000" b="1">
+              <a:solidFill>
+                <a:schemeClr val="tx1"/>
+              </a:solidFill>
+            </a:endParaRPr>
+          </a:p>
+        </p:txBody>
+      </p:sp>
+      <p:sp>
+        <p:nvSpPr>
+          <p:cNvPr id="15" name="Oval 14"/>
+          <p:cNvSpPr/>
+          <p:nvPr/>
+        </p:nvSpPr>
+        <p:spPr>
+          <a:xfrm>
+            <a:off x="9632950" y="1882140"/>
+            <a:ext cx="365760" cy="365760"/>
+          </a:xfrm>
+          <a:prstGeom prst="ellipse">
+            <a:avLst/>
+          </a:prstGeom>
+          <a:solidFill>
+            <a:schemeClr val="accent2"/>
+          </a:solidFill>
+          <a:ln>
+            <a:noFill/>
+          </a:ln>
+        </p:spPr>
+        <p:style>
+          <a:lnRef idx="2">
+            <a:schemeClr val="accent1">
+              <a:shade val="50000"/>
+            </a:schemeClr>
+          </a:lnRef>
+          <a:fillRef idx="1">
+            <a:schemeClr val="accent1"/>
+          </a:fillRef>
+          <a:effectRef idx="0">
+            <a:schemeClr val="accent1"/>
+          </a:effectRef>
+          <a:fontRef idx="minor">
+            <a:schemeClr val="lt1"/>
+          </a:fontRef>
+        </p:style>
+        <p:txBody>
+          <a:bodyPr rtlCol="0" anchor="ctr"/>
+          <a:p>
+            <a:pPr algn="ctr"/>
             <a:endParaRPr lang="en-US"/>
+          </a:p>
+        </p:txBody>
+      </p:sp>
+      <p:sp>
+        <p:nvSpPr>
+          <p:cNvPr id="16" name="Oval 15"/>
+          <p:cNvSpPr/>
+          <p:nvPr/>
+        </p:nvSpPr>
+        <p:spPr>
+          <a:xfrm>
+            <a:off x="9632950" y="2382520"/>
+            <a:ext cx="365760" cy="365760"/>
+          </a:xfrm>
+          <a:prstGeom prst="ellipse">
+            <a:avLst/>
+          </a:prstGeom>
+          <a:ln>
+            <a:noFill/>
+          </a:ln>
+        </p:spPr>
+        <p:style>
+          <a:lnRef idx="2">
+            <a:schemeClr val="accent1">
+              <a:shade val="50000"/>
+            </a:schemeClr>
+          </a:lnRef>
+          <a:fillRef idx="1">
+            <a:schemeClr val="accent1"/>
+          </a:fillRef>
+          <a:effectRef idx="0">
+            <a:schemeClr val="accent1"/>
+          </a:effectRef>
+          <a:fontRef idx="minor">
+            <a:schemeClr val="lt1"/>
+          </a:fontRef>
+        </p:style>
+        <p:txBody>
+          <a:bodyPr rtlCol="0" anchor="ctr"/>
+          <a:p>
+            <a:pPr algn="ctr"/>
+            <a:endParaRPr lang="en-US"/>
+          </a:p>
+        </p:txBody>
+      </p:sp>
+      <p:sp>
+        <p:nvSpPr>
+          <p:cNvPr id="17" name="Text Box 16"/>
+          <p:cNvSpPr txBox="1"/>
+          <p:nvPr/>
+        </p:nvSpPr>
+        <p:spPr>
+          <a:xfrm>
+            <a:off x="9998710" y="2349500"/>
+            <a:ext cx="1960880" cy="398780"/>
+          </a:xfrm>
+          <a:prstGeom prst="rect">
+            <a:avLst/>
+          </a:prstGeom>
+          <a:noFill/>
+        </p:spPr>
+        <p:txBody>
+          <a:bodyPr wrap="none" rtlCol="0">
+            <a:spAutoFit/>
+          </a:bodyPr>
+          <a:p>
+            <a:r>
+              <a:rPr lang="ja-JP" altLang="en-US" sz="2000" b="1">
+                <a:solidFill>
+                  <a:schemeClr val="tx1"/>
+                </a:solidFill>
+              </a:rPr>
+              <a:t>内点（分岐点）</a:t>
+            </a:r>
+            <a:endParaRPr lang="ja-JP" altLang="en-US" sz="2000" b="1">
+              <a:solidFill>
+                <a:schemeClr val="tx1"/>
+              </a:solidFill>
+            </a:endParaRPr>
+          </a:p>
+        </p:txBody>
+      </p:sp>
+      <p:sp>
+        <p:nvSpPr>
+          <p:cNvPr id="19" name="Text Box 18"/>
+          <p:cNvSpPr txBox="1"/>
+          <p:nvPr/>
+        </p:nvSpPr>
+        <p:spPr>
+          <a:xfrm>
+            <a:off x="829945" y="2349500"/>
+            <a:ext cx="5664835" cy="2676525"/>
+          </a:xfrm>
+          <a:prstGeom prst="rect">
+            <a:avLst/>
+          </a:prstGeom>
+          <a:noFill/>
+        </p:spPr>
+        <p:txBody>
+          <a:bodyPr wrap="square" rtlCol="0">
+            <a:spAutoFit/>
+          </a:bodyPr>
+          <a:p>
+            <a:r>
+              <a:rPr lang="ja-JP" altLang="en-US" sz="2400"/>
+              <a:t>枝が左右に</a:t>
+            </a:r>
+            <a:r>
+              <a:rPr lang="en-US" altLang="ja-JP" sz="2400"/>
+              <a:t>...</a:t>
+            </a:r>
+            <a:endParaRPr lang="ja-JP" altLang="en-US" sz="2400"/>
+          </a:p>
+          <a:p>
+            <a:pPr marL="342900" indent="-342900">
+              <a:buFont typeface="Arial" panose="02080604020202020204" pitchFamily="34" charset="0"/>
+              <a:buChar char="•"/>
+            </a:pPr>
+            <a:r>
+              <a:rPr lang="ja-JP" altLang="en-US" sz="2400"/>
+              <a:t>分岐する頂点を「</a:t>
+            </a:r>
+            <a:r>
+              <a:rPr lang="ja-JP" altLang="en-US" sz="2400" b="1"/>
+              <a:t>内点（分岐点）</a:t>
+            </a:r>
+            <a:r>
+              <a:rPr lang="ja-JP" altLang="en-US" sz="2400"/>
+              <a:t>」</a:t>
+            </a:r>
+            <a:endParaRPr lang="ja-JP" altLang="en-US" sz="2400"/>
+          </a:p>
+          <a:p>
+            <a:pPr marL="342900" indent="-342900">
+              <a:buFont typeface="Arial" panose="02080604020202020204" pitchFamily="34" charset="0"/>
+              <a:buChar char="•"/>
+            </a:pPr>
+            <a:r>
+              <a:rPr lang="ja-JP" altLang="en-US" sz="2400"/>
+              <a:t>分岐しない点を「</a:t>
+            </a:r>
+            <a:r>
+              <a:rPr lang="ja-JP" altLang="en-US" sz="2400" b="1"/>
+              <a:t>端点</a:t>
+            </a:r>
+            <a:r>
+              <a:rPr lang="ja-JP" altLang="en-US" sz="2400"/>
+              <a:t>」</a:t>
+            </a:r>
+            <a:endParaRPr lang="ja-JP" altLang="en-US" sz="2400"/>
+          </a:p>
+          <a:p>
+            <a:endParaRPr lang="ja-JP" altLang="en-US" sz="2400"/>
+          </a:p>
+          <a:p>
+            <a:r>
+              <a:rPr lang="ja-JP" altLang="en-US" sz="2400"/>
+              <a:t>枝で隣接する</a:t>
+            </a:r>
+            <a:r>
+              <a:rPr lang="en-US" altLang="ja-JP" sz="2400"/>
+              <a:t>2</a:t>
+            </a:r>
+            <a:r>
+              <a:rPr lang="ja-JP" altLang="en-US" sz="2400"/>
+              <a:t>頂点のうち</a:t>
+            </a:r>
+            <a:r>
+              <a:rPr lang="en-US" altLang="ja-JP" sz="2400"/>
+              <a:t>...</a:t>
+            </a:r>
+            <a:endParaRPr lang="ja-JP" altLang="en-US" sz="2400"/>
+          </a:p>
+          <a:p>
+            <a:pPr marL="285750" indent="-285750">
+              <a:buFont typeface="Arial" panose="02080604020202020204" pitchFamily="34" charset="0"/>
+              <a:buChar char="•"/>
+            </a:pPr>
+            <a:r>
+              <a:rPr lang="ja-JP" altLang="en-US" sz="2400"/>
+              <a:t>端点に近い頂点を「</a:t>
+            </a:r>
+            <a:r>
+              <a:rPr lang="ja-JP" altLang="en-US" sz="2400" b="1"/>
+              <a:t>子</a:t>
+            </a:r>
+            <a:r>
+              <a:rPr lang="ja-JP" altLang="en-US" sz="2400"/>
+              <a:t>」</a:t>
+            </a:r>
+            <a:endParaRPr lang="ja-JP" altLang="en-US" sz="2400"/>
+          </a:p>
+          <a:p>
+            <a:pPr marL="285750" indent="-285750">
+              <a:buFont typeface="Arial" panose="02080604020202020204" pitchFamily="34" charset="0"/>
+              <a:buChar char="•"/>
+            </a:pPr>
+            <a:r>
+              <a:rPr lang="ja-JP" altLang="en-US" sz="2400"/>
+              <a:t>端点から遠い頂点を「</a:t>
+            </a:r>
+            <a:r>
+              <a:rPr lang="ja-JP" altLang="en-US" sz="2400" b="1"/>
+              <a:t>親</a:t>
+            </a:r>
+            <a:r>
+              <a:rPr lang="ja-JP" altLang="en-US" sz="2400"/>
+              <a:t>」</a:t>
+            </a:r>
+            <a:endParaRPr lang="ja-JP" altLang="en-US" sz="2400"/>
+          </a:p>
+        </p:txBody>
+      </p:sp>
+    </p:spTree>
+  </p:cSld>
+  <p:clrMapOvr>
+    <a:masterClrMapping/>
+  </p:clrMapOvr>
+</p:sld>
+</file>
+
+<file path=ppt/slides/slide6.xml><?xml version="1.0" encoding="utf-8"?>
+<p:sld xmlns:a="http://schemas.openxmlformats.org/drawingml/2006/main" xmlns:r="http://schemas.openxmlformats.org/officeDocument/2006/relationships" xmlns:p="http://schemas.openxmlformats.org/presentationml/2006/main">
+  <p:cSld>
+    <p:spTree>
+      <p:nvGrpSpPr>
+        <p:cNvPr id="1" name=""/>
+        <p:cNvGrpSpPr/>
+        <p:nvPr/>
+      </p:nvGrpSpPr>
+      <p:grpSpPr/>
+      <p:sp>
+        <p:nvSpPr>
+          <p:cNvPr id="2" name="Title 1"/>
+          <p:cNvSpPr>
+            <a:spLocks noGrp="1"/>
+          </p:cNvSpPr>
+          <p:nvPr>
+            <p:ph type="title"/>
+          </p:nvPr>
+        </p:nvSpPr>
+        <p:spPr/>
+        <p:txBody>
+          <a:bodyPr/>
+          <a:p>
+            <a:r>
+              <a:rPr lang="en-US" sz="3600"/>
+              <a:t>7.1</a:t>
+            </a:r>
+            <a:r>
+              <a:rPr lang="ja-JP" altLang="en-US" sz="3600"/>
+              <a:t>　回帰の決定木</a:t>
+            </a:r>
+            <a:endParaRPr lang="ja-JP" altLang="en-US" sz="3600"/>
+          </a:p>
+        </p:txBody>
+      </p:sp>
+      <p:sp>
+        <p:nvSpPr>
+          <p:cNvPr id="19" name="Text Box 18"/>
+          <p:cNvSpPr txBox="1"/>
+          <p:nvPr/>
+        </p:nvSpPr>
+        <p:spPr>
+          <a:xfrm>
+            <a:off x="829945" y="2349500"/>
+            <a:ext cx="5664835" cy="2676525"/>
+          </a:xfrm>
+          <a:prstGeom prst="rect">
+            <a:avLst/>
+          </a:prstGeom>
+          <a:noFill/>
+        </p:spPr>
+        <p:txBody>
+          <a:bodyPr wrap="square" rtlCol="0">
+            <a:spAutoFit/>
+          </a:bodyPr>
+          <a:p>
+            <a:r>
+              <a:rPr lang="ja-JP" altLang="en-US" sz="2400"/>
+              <a:t>枝が左右に</a:t>
+            </a:r>
+            <a:r>
+              <a:rPr lang="en-US" altLang="ja-JP" sz="2400"/>
+              <a:t>...</a:t>
+            </a:r>
+            <a:endParaRPr lang="ja-JP" altLang="en-US" sz="2400"/>
+          </a:p>
+          <a:p>
+            <a:pPr marL="342900" indent="-342900">
+              <a:buFont typeface="Arial" panose="02080604020202020204" pitchFamily="34" charset="0"/>
+              <a:buChar char="•"/>
+            </a:pPr>
+            <a:r>
+              <a:rPr lang="ja-JP" altLang="en-US" sz="2400"/>
+              <a:t>分岐する頂点を「</a:t>
+            </a:r>
+            <a:r>
+              <a:rPr lang="ja-JP" altLang="en-US" sz="2400" b="1"/>
+              <a:t>内点（分岐点）</a:t>
+            </a:r>
+            <a:r>
+              <a:rPr lang="ja-JP" altLang="en-US" sz="2400"/>
+              <a:t>」</a:t>
+            </a:r>
+            <a:endParaRPr lang="ja-JP" altLang="en-US" sz="2400"/>
+          </a:p>
+          <a:p>
+            <a:pPr marL="342900" indent="-342900">
+              <a:buFont typeface="Arial" panose="02080604020202020204" pitchFamily="34" charset="0"/>
+              <a:buChar char="•"/>
+            </a:pPr>
+            <a:r>
+              <a:rPr lang="ja-JP" altLang="en-US" sz="2400"/>
+              <a:t>分岐しない点を「</a:t>
+            </a:r>
+            <a:r>
+              <a:rPr lang="ja-JP" altLang="en-US" sz="2400" b="1"/>
+              <a:t>端点</a:t>
+            </a:r>
+            <a:r>
+              <a:rPr lang="ja-JP" altLang="en-US" sz="2400"/>
+              <a:t>」</a:t>
+            </a:r>
+            <a:endParaRPr lang="ja-JP" altLang="en-US" sz="2400"/>
+          </a:p>
+          <a:p>
+            <a:endParaRPr lang="ja-JP" altLang="en-US" sz="2400"/>
+          </a:p>
+          <a:p>
+            <a:r>
+              <a:rPr lang="ja-JP" altLang="en-US" sz="2400"/>
+              <a:t>枝で隣接する</a:t>
+            </a:r>
+            <a:r>
+              <a:rPr lang="en-US" altLang="ja-JP" sz="2400"/>
+              <a:t>2</a:t>
+            </a:r>
+            <a:r>
+              <a:rPr lang="ja-JP" altLang="en-US" sz="2400"/>
+              <a:t>頂点のうち</a:t>
+            </a:r>
+            <a:r>
+              <a:rPr lang="en-US" altLang="ja-JP" sz="2400"/>
+              <a:t>...</a:t>
+            </a:r>
+            <a:endParaRPr lang="ja-JP" altLang="en-US" sz="2400"/>
+          </a:p>
+          <a:p>
+            <a:pPr marL="285750" indent="-285750">
+              <a:buFont typeface="Arial" panose="02080604020202020204" pitchFamily="34" charset="0"/>
+              <a:buChar char="•"/>
+            </a:pPr>
+            <a:r>
+              <a:rPr lang="ja-JP" altLang="en-US" sz="2400"/>
+              <a:t>端点に近い頂点を「</a:t>
+            </a:r>
+            <a:r>
+              <a:rPr lang="ja-JP" altLang="en-US" sz="2400" b="1"/>
+              <a:t>子</a:t>
+            </a:r>
+            <a:r>
+              <a:rPr lang="ja-JP" altLang="en-US" sz="2400"/>
+              <a:t>」</a:t>
+            </a:r>
+            <a:endParaRPr lang="ja-JP" altLang="en-US" sz="2400"/>
+          </a:p>
+          <a:p>
+            <a:pPr marL="285750" indent="-285750">
+              <a:buFont typeface="Arial" panose="02080604020202020204" pitchFamily="34" charset="0"/>
+              <a:buChar char="•"/>
+            </a:pPr>
+            <a:r>
+              <a:rPr lang="ja-JP" altLang="en-US" sz="2400"/>
+              <a:t>端点から遠い頂点を「</a:t>
+            </a:r>
+            <a:r>
+              <a:rPr lang="ja-JP" altLang="en-US" sz="2400" b="1"/>
+              <a:t>親</a:t>
+            </a:r>
+            <a:r>
+              <a:rPr lang="ja-JP" altLang="en-US" sz="2400"/>
+              <a:t>」</a:t>
+            </a:r>
+            <a:endParaRPr lang="ja-JP" altLang="en-US" sz="2400"/>
           </a:p>
         </p:txBody>
       </p:sp>

--- a/第7章決定木.pptx
+++ b/第7章決定木.pptx
@@ -5,10 +5,10 @@
     <p:sldMasterId id="2147483648" r:id="rId1"/>
   </p:sldMasterIdLst>
   <p:notesMasterIdLst>
-    <p:notesMasterId r:id="rId9"/>
+    <p:notesMasterId r:id="rId15"/>
   </p:notesMasterIdLst>
   <p:handoutMasterIdLst>
-    <p:handoutMasterId r:id="rId10"/>
+    <p:handoutMasterId r:id="rId16"/>
   </p:handoutMasterIdLst>
   <p:sldIdLst>
     <p:sldId id="261" r:id="rId3"/>
@@ -17,6 +17,12 @@
     <p:sldId id="259" r:id="rId6"/>
     <p:sldId id="257" r:id="rId7"/>
     <p:sldId id="262" r:id="rId8"/>
+    <p:sldId id="267" r:id="rId9"/>
+    <p:sldId id="268" r:id="rId10"/>
+    <p:sldId id="270" r:id="rId11"/>
+    <p:sldId id="271" r:id="rId12"/>
+    <p:sldId id="272" r:id="rId13"/>
+    <p:sldId id="269" r:id="rId14"/>
   </p:sldIdLst>
   <p:sldSz cx="12192000" cy="6858000"/>
   <p:notesSz cx="7103745" cy="10234295"/>
@@ -116,6 +122,12 @@
     </a:lvl9pPr>
   </p:defaultTextStyle>
 </p:presentation>
+</file>
+
+<file path=ppt/commentAuthors.xml><?xml version="1.0" encoding="utf-8"?>
+<p:cmAuthorLst xmlns:a="http://schemas.openxmlformats.org/drawingml/2006/main" xmlns:r="http://schemas.openxmlformats.org/officeDocument/2006/relationships" xmlns:p="http://schemas.openxmlformats.org/presentationml/2006/main">
+  <p:cmAuthor id="1" name="tanaka" initials="t" lastIdx="1" clrIdx="0"/>
+</p:cmAuthorLst>
 </file>
 
 <file path=ppt/handoutMasters/handoutMaster1.xml><?xml version="1.0" encoding="utf-8"?>
@@ -6371,6 +6383,2035 @@
 </p:sld>
 </file>
 
+<file path=ppt/slides/slide10.xml><?xml version="1.0" encoding="utf-8"?>
+<p:sld xmlns:a="http://schemas.openxmlformats.org/drawingml/2006/main" xmlns:r="http://schemas.openxmlformats.org/officeDocument/2006/relationships" xmlns:p="http://schemas.openxmlformats.org/presentationml/2006/main">
+  <p:cSld>
+    <p:spTree>
+      <p:nvGrpSpPr>
+        <p:cNvPr id="1" name=""/>
+        <p:cNvGrpSpPr/>
+        <p:nvPr/>
+      </p:nvGrpSpPr>
+      <p:grpSpPr/>
+      <p:sp>
+        <p:nvSpPr>
+          <p:cNvPr id="2" name="Title 1"/>
+          <p:cNvSpPr>
+            <a:spLocks noGrp="1"/>
+          </p:cNvSpPr>
+          <p:nvPr>
+            <p:ph type="title"/>
+          </p:nvPr>
+        </p:nvSpPr>
+        <p:spPr/>
+        <p:txBody>
+          <a:bodyPr/>
+          <a:p>
+            <a:r>
+              <a:rPr lang="en-US" sz="3600">
+                <a:sym typeface="+mn-ea"/>
+              </a:rPr>
+              <a:t>7.1</a:t>
+            </a:r>
+            <a:r>
+              <a:rPr lang="ja-JP" altLang="en-US" sz="3600">
+                <a:sym typeface="+mn-ea"/>
+              </a:rPr>
+              <a:t>　回帰の決定木</a:t>
+            </a:r>
+            <a:endParaRPr lang="ja-JP" altLang="en-US" sz="3600">
+              <a:sym typeface="+mn-ea"/>
+            </a:endParaRPr>
+          </a:p>
+        </p:txBody>
+      </p:sp>
+      <p:grpSp>
+        <p:nvGrpSpPr>
+          <p:cNvPr id="33" name="Group 32"/>
+          <p:cNvGrpSpPr/>
+          <p:nvPr/>
+        </p:nvGrpSpPr>
+        <p:grpSpPr>
+          <a:xfrm>
+            <a:off x="1371600" y="3402330"/>
+            <a:ext cx="9719945" cy="1962785"/>
+            <a:chOff x="2160" y="5358"/>
+            <a:chExt cx="15307" cy="3091"/>
+          </a:xfrm>
+        </p:grpSpPr>
+        <p:sp>
+          <p:nvSpPr>
+            <p:cNvPr id="4" name="Rounded Rectangle 3"/>
+            <p:cNvSpPr/>
+            <p:nvPr/>
+          </p:nvSpPr>
+          <p:spPr>
+            <a:xfrm>
+              <a:off x="2438" y="5358"/>
+              <a:ext cx="14324" cy="1722"/>
+            </a:xfrm>
+            <a:prstGeom prst="roundRect">
+              <a:avLst>
+                <a:gd name="adj" fmla="val 11033"/>
+              </a:avLst>
+            </a:prstGeom>
+            <a:solidFill>
+              <a:schemeClr val="accent1">
+                <a:lumMod val="40000"/>
+                <a:lumOff val="60000"/>
+              </a:schemeClr>
+            </a:solidFill>
+            <a:ln>
+              <a:noFill/>
+            </a:ln>
+          </p:spPr>
+          <p:style>
+            <a:lnRef idx="1">
+              <a:schemeClr val="accent1"/>
+            </a:lnRef>
+            <a:fillRef idx="2">
+              <a:schemeClr val="accent1"/>
+            </a:fillRef>
+            <a:effectRef idx="1">
+              <a:schemeClr val="accent1"/>
+            </a:effectRef>
+            <a:fontRef idx="minor">
+              <a:schemeClr val="dk1"/>
+            </a:fontRef>
+          </p:style>
+          <p:txBody>
+            <a:bodyPr rtlCol="0" anchor="ctr"/>
+            <a:p>
+              <a:pPr algn="ctr"/>
+              <a:endParaRPr lang="en-US"/>
+            </a:p>
+          </p:txBody>
+        </p:sp>
+        <p:cxnSp>
+          <p:nvCxnSpPr>
+            <p:cNvPr id="7" name="Straight Connector 6"/>
+            <p:cNvCxnSpPr/>
+            <p:nvPr/>
+          </p:nvCxnSpPr>
+          <p:spPr>
+            <a:xfrm flipH="1">
+              <a:off x="2422" y="7419"/>
+              <a:ext cx="16" cy="450"/>
+            </a:xfrm>
+            <a:prstGeom prst="line">
+              <a:avLst/>
+            </a:prstGeom>
+          </p:spPr>
+          <p:style>
+            <a:lnRef idx="3">
+              <a:schemeClr val="dk1"/>
+            </a:lnRef>
+            <a:fillRef idx="0">
+              <a:schemeClr val="dk1"/>
+            </a:fillRef>
+            <a:effectRef idx="2">
+              <a:schemeClr val="dk1"/>
+            </a:effectRef>
+            <a:fontRef idx="minor">
+              <a:schemeClr val="tx1"/>
+            </a:fontRef>
+          </p:style>
+        </p:cxnSp>
+        <p:cxnSp>
+          <p:nvCxnSpPr>
+            <p:cNvPr id="8" name="Straight Connector 7"/>
+            <p:cNvCxnSpPr/>
+            <p:nvPr/>
+          </p:nvCxnSpPr>
+          <p:spPr>
+            <a:xfrm flipH="1">
+              <a:off x="16746" y="7419"/>
+              <a:ext cx="16" cy="450"/>
+            </a:xfrm>
+            <a:prstGeom prst="line">
+              <a:avLst/>
+            </a:prstGeom>
+          </p:spPr>
+          <p:style>
+            <a:lnRef idx="3">
+              <a:schemeClr val="dk1"/>
+            </a:lnRef>
+            <a:fillRef idx="0">
+              <a:schemeClr val="dk1"/>
+            </a:fillRef>
+            <a:effectRef idx="2">
+              <a:schemeClr val="dk1"/>
+            </a:effectRef>
+            <a:fontRef idx="minor">
+              <a:schemeClr val="tx1"/>
+            </a:fontRef>
+          </p:style>
+        </p:cxnSp>
+        <p:cxnSp>
+          <p:nvCxnSpPr>
+            <p:cNvPr id="9" name="Straight Connector 8"/>
+            <p:cNvCxnSpPr/>
+            <p:nvPr/>
+          </p:nvCxnSpPr>
+          <p:spPr>
+            <a:xfrm flipH="1">
+              <a:off x="5341" y="7419"/>
+              <a:ext cx="16" cy="450"/>
+            </a:xfrm>
+            <a:prstGeom prst="line">
+              <a:avLst/>
+            </a:prstGeom>
+          </p:spPr>
+          <p:style>
+            <a:lnRef idx="3">
+              <a:schemeClr val="dk1"/>
+            </a:lnRef>
+            <a:fillRef idx="0">
+              <a:schemeClr val="dk1"/>
+            </a:fillRef>
+            <a:effectRef idx="2">
+              <a:schemeClr val="dk1"/>
+            </a:effectRef>
+            <a:fontRef idx="minor">
+              <a:schemeClr val="tx1"/>
+            </a:fontRef>
+          </p:style>
+        </p:cxnSp>
+        <p:cxnSp>
+          <p:nvCxnSpPr>
+            <p:cNvPr id="10" name="Straight Connector 9"/>
+            <p:cNvCxnSpPr/>
+            <p:nvPr/>
+          </p:nvCxnSpPr>
+          <p:spPr>
+            <a:xfrm flipH="1">
+              <a:off x="8252" y="7419"/>
+              <a:ext cx="16" cy="450"/>
+            </a:xfrm>
+            <a:prstGeom prst="line">
+              <a:avLst/>
+            </a:prstGeom>
+          </p:spPr>
+          <p:style>
+            <a:lnRef idx="3">
+              <a:schemeClr val="dk1"/>
+            </a:lnRef>
+            <a:fillRef idx="0">
+              <a:schemeClr val="dk1"/>
+            </a:fillRef>
+            <a:effectRef idx="2">
+              <a:schemeClr val="dk1"/>
+            </a:effectRef>
+            <a:fontRef idx="minor">
+              <a:schemeClr val="tx1"/>
+            </a:fontRef>
+          </p:style>
+        </p:cxnSp>
+        <p:cxnSp>
+          <p:nvCxnSpPr>
+            <p:cNvPr id="11" name="Straight Connector 10"/>
+            <p:cNvCxnSpPr/>
+            <p:nvPr/>
+          </p:nvCxnSpPr>
+          <p:spPr>
+            <a:xfrm flipH="1">
+              <a:off x="11044" y="7419"/>
+              <a:ext cx="16" cy="450"/>
+            </a:xfrm>
+            <a:prstGeom prst="line">
+              <a:avLst/>
+            </a:prstGeom>
+          </p:spPr>
+          <p:style>
+            <a:lnRef idx="3">
+              <a:schemeClr val="dk1"/>
+            </a:lnRef>
+            <a:fillRef idx="0">
+              <a:schemeClr val="dk1"/>
+            </a:fillRef>
+            <a:effectRef idx="2">
+              <a:schemeClr val="dk1"/>
+            </a:effectRef>
+            <a:fontRef idx="minor">
+              <a:schemeClr val="tx1"/>
+            </a:fontRef>
+          </p:style>
+        </p:cxnSp>
+        <p:cxnSp>
+          <p:nvCxnSpPr>
+            <p:cNvPr id="12" name="Straight Connector 11"/>
+            <p:cNvCxnSpPr/>
+            <p:nvPr/>
+          </p:nvCxnSpPr>
+          <p:spPr>
+            <a:xfrm flipH="1">
+              <a:off x="13895" y="7419"/>
+              <a:ext cx="16" cy="450"/>
+            </a:xfrm>
+            <a:prstGeom prst="line">
+              <a:avLst/>
+            </a:prstGeom>
+          </p:spPr>
+          <p:style>
+            <a:lnRef idx="3">
+              <a:schemeClr val="dk1"/>
+            </a:lnRef>
+            <a:fillRef idx="0">
+              <a:schemeClr val="dk1"/>
+            </a:fillRef>
+            <a:effectRef idx="2">
+              <a:schemeClr val="dk1"/>
+            </a:effectRef>
+            <a:fontRef idx="minor">
+              <a:schemeClr val="tx1"/>
+            </a:fontRef>
+          </p:style>
+        </p:cxnSp>
+        <p:sp>
+          <p:nvSpPr>
+            <p:cNvPr id="14" name="Text Box 13"/>
+            <p:cNvSpPr txBox="1"/>
+            <p:nvPr/>
+          </p:nvSpPr>
+          <p:spPr>
+            <a:xfrm>
+              <a:off x="2160" y="7869"/>
+              <a:ext cx="894" cy="580"/>
+            </a:xfrm>
+            <a:prstGeom prst="rect">
+              <a:avLst/>
+            </a:prstGeom>
+            <a:noFill/>
+          </p:spPr>
+          <p:txBody>
+            <a:bodyPr wrap="square" rtlCol="0">
+              <a:spAutoFit/>
+            </a:bodyPr>
+            <a:p>
+              <a:r>
+                <a:rPr lang="en-US" b="1">
+                  <a:latin typeface="Courier 10 Pitch" charset="0"/>
+                  <a:ea typeface="+mj-lt"/>
+                  <a:cs typeface="Courier 10 Pitch" charset="0"/>
+                </a:rPr>
+                <a:t>0%</a:t>
+              </a:r>
+              <a:endParaRPr lang="en-US" b="1">
+                <a:latin typeface="Courier 10 Pitch" charset="0"/>
+                <a:ea typeface="+mj-lt"/>
+                <a:cs typeface="Courier 10 Pitch" charset="0"/>
+              </a:endParaRPr>
+            </a:p>
+          </p:txBody>
+        </p:sp>
+        <p:sp>
+          <p:nvSpPr>
+            <p:cNvPr id="15" name="Text Box 14"/>
+            <p:cNvSpPr txBox="1"/>
+            <p:nvPr/>
+          </p:nvSpPr>
+          <p:spPr>
+            <a:xfrm>
+              <a:off x="4982" y="7869"/>
+              <a:ext cx="1022" cy="580"/>
+            </a:xfrm>
+            <a:prstGeom prst="rect">
+              <a:avLst/>
+            </a:prstGeom>
+            <a:noFill/>
+          </p:spPr>
+          <p:txBody>
+            <a:bodyPr wrap="square" rtlCol="0">
+              <a:spAutoFit/>
+            </a:bodyPr>
+            <a:p>
+              <a:r>
+                <a:rPr lang="en-US" b="1">
+                  <a:latin typeface="Courier 10 Pitch" charset="0"/>
+                  <a:ea typeface="+mj-lt"/>
+                  <a:cs typeface="Courier 10 Pitch" charset="0"/>
+                </a:rPr>
+                <a:t>20%</a:t>
+              </a:r>
+              <a:endParaRPr lang="en-US" b="1">
+                <a:latin typeface="Courier 10 Pitch" charset="0"/>
+                <a:ea typeface="+mj-lt"/>
+                <a:cs typeface="Courier 10 Pitch" charset="0"/>
+              </a:endParaRPr>
+            </a:p>
+          </p:txBody>
+        </p:sp>
+        <p:sp>
+          <p:nvSpPr>
+            <p:cNvPr id="16" name="Text Box 15"/>
+            <p:cNvSpPr txBox="1"/>
+            <p:nvPr/>
+          </p:nvSpPr>
+          <p:spPr>
+            <a:xfrm>
+              <a:off x="7845" y="7869"/>
+              <a:ext cx="1022" cy="580"/>
+            </a:xfrm>
+            <a:prstGeom prst="rect">
+              <a:avLst/>
+            </a:prstGeom>
+            <a:noFill/>
+          </p:spPr>
+          <p:txBody>
+            <a:bodyPr wrap="square" rtlCol="0">
+              <a:spAutoFit/>
+            </a:bodyPr>
+            <a:p>
+              <a:r>
+                <a:rPr lang="en-US" b="1">
+                  <a:latin typeface="Courier 10 Pitch" charset="0"/>
+                  <a:ea typeface="+mj-lt"/>
+                  <a:cs typeface="Courier 10 Pitch" charset="0"/>
+                </a:rPr>
+                <a:t>40%</a:t>
+              </a:r>
+              <a:endParaRPr lang="en-US" b="1">
+                <a:latin typeface="Courier 10 Pitch" charset="0"/>
+                <a:ea typeface="+mj-lt"/>
+                <a:cs typeface="Courier 10 Pitch" charset="0"/>
+              </a:endParaRPr>
+            </a:p>
+          </p:txBody>
+        </p:sp>
+        <p:sp>
+          <p:nvSpPr>
+            <p:cNvPr id="17" name="Text Box 16"/>
+            <p:cNvSpPr txBox="1"/>
+            <p:nvPr/>
+          </p:nvSpPr>
+          <p:spPr>
+            <a:xfrm>
+              <a:off x="10703" y="7869"/>
+              <a:ext cx="1022" cy="580"/>
+            </a:xfrm>
+            <a:prstGeom prst="rect">
+              <a:avLst/>
+            </a:prstGeom>
+            <a:noFill/>
+          </p:spPr>
+          <p:txBody>
+            <a:bodyPr wrap="square" rtlCol="0">
+              <a:spAutoFit/>
+            </a:bodyPr>
+            <a:p>
+              <a:r>
+                <a:rPr lang="en-US" b="1">
+                  <a:latin typeface="Courier 10 Pitch" charset="0"/>
+                  <a:ea typeface="+mj-lt"/>
+                  <a:cs typeface="Courier 10 Pitch" charset="0"/>
+                </a:rPr>
+                <a:t>60%</a:t>
+              </a:r>
+              <a:endParaRPr lang="en-US" b="1">
+                <a:latin typeface="Courier 10 Pitch" charset="0"/>
+                <a:ea typeface="+mj-lt"/>
+                <a:cs typeface="Courier 10 Pitch" charset="0"/>
+              </a:endParaRPr>
+            </a:p>
+          </p:txBody>
+        </p:sp>
+        <p:sp>
+          <p:nvSpPr>
+            <p:cNvPr id="18" name="Text Box 17"/>
+            <p:cNvSpPr txBox="1"/>
+            <p:nvPr/>
+          </p:nvSpPr>
+          <p:spPr>
+            <a:xfrm>
+              <a:off x="13550" y="7869"/>
+              <a:ext cx="1022" cy="580"/>
+            </a:xfrm>
+            <a:prstGeom prst="rect">
+              <a:avLst/>
+            </a:prstGeom>
+            <a:noFill/>
+          </p:spPr>
+          <p:txBody>
+            <a:bodyPr wrap="square" rtlCol="0">
+              <a:spAutoFit/>
+            </a:bodyPr>
+            <a:p>
+              <a:r>
+                <a:rPr lang="en-US" b="1">
+                  <a:latin typeface="Courier 10 Pitch" charset="0"/>
+                  <a:ea typeface="+mj-lt"/>
+                  <a:cs typeface="Courier 10 Pitch" charset="0"/>
+                </a:rPr>
+                <a:t>80%</a:t>
+              </a:r>
+              <a:endParaRPr lang="en-US" b="1">
+                <a:latin typeface="Courier 10 Pitch" charset="0"/>
+                <a:ea typeface="+mj-lt"/>
+                <a:cs typeface="Courier 10 Pitch" charset="0"/>
+              </a:endParaRPr>
+            </a:p>
+          </p:txBody>
+        </p:sp>
+        <p:sp>
+          <p:nvSpPr>
+            <p:cNvPr id="19" name="Text Box 18"/>
+            <p:cNvSpPr txBox="1"/>
+            <p:nvPr/>
+          </p:nvSpPr>
+          <p:spPr>
+            <a:xfrm>
+              <a:off x="16239" y="7869"/>
+              <a:ext cx="1228" cy="580"/>
+            </a:xfrm>
+            <a:prstGeom prst="rect">
+              <a:avLst/>
+            </a:prstGeom>
+            <a:noFill/>
+          </p:spPr>
+          <p:txBody>
+            <a:bodyPr wrap="square" rtlCol="0">
+              <a:spAutoFit/>
+            </a:bodyPr>
+            <a:p>
+              <a:r>
+                <a:rPr lang="en-US" b="1">
+                  <a:latin typeface="Courier 10 Pitch" charset="0"/>
+                  <a:ea typeface="+mj-lt"/>
+                  <a:cs typeface="Courier 10 Pitch" charset="0"/>
+                </a:rPr>
+                <a:t>100%</a:t>
+              </a:r>
+              <a:endParaRPr lang="en-US" b="1">
+                <a:latin typeface="Courier 10 Pitch" charset="0"/>
+                <a:ea typeface="+mj-lt"/>
+                <a:cs typeface="Courier 10 Pitch" charset="0"/>
+              </a:endParaRPr>
+            </a:p>
+          </p:txBody>
+        </p:sp>
+      </p:grpSp>
+      <p:grpSp>
+        <p:nvGrpSpPr>
+          <p:cNvPr id="13" name="Group 12"/>
+          <p:cNvGrpSpPr/>
+          <p:nvPr/>
+        </p:nvGrpSpPr>
+        <p:grpSpPr>
+          <a:xfrm>
+            <a:off x="3401695" y="3402330"/>
+            <a:ext cx="914400" cy="1093470"/>
+            <a:chOff x="3901" y="5358"/>
+            <a:chExt cx="1440" cy="1722"/>
+          </a:xfrm>
+        </p:grpSpPr>
+        <p:sp>
+          <p:nvSpPr>
+            <p:cNvPr id="3" name="Rectangles 2"/>
+            <p:cNvSpPr/>
+            <p:nvPr/>
+          </p:nvSpPr>
+          <p:spPr>
+            <a:xfrm>
+              <a:off x="3901" y="5358"/>
+              <a:ext cx="1439" cy="1722"/>
+            </a:xfrm>
+            <a:prstGeom prst="rect">
+              <a:avLst/>
+            </a:prstGeom>
+            <a:solidFill>
+              <a:srgbClr val="92D050"/>
+            </a:solidFill>
+            <a:ln>
+              <a:noFill/>
+            </a:ln>
+          </p:spPr>
+          <p:style>
+            <a:lnRef idx="2">
+              <a:schemeClr val="accent1">
+                <a:shade val="50000"/>
+              </a:schemeClr>
+            </a:lnRef>
+            <a:fillRef idx="1">
+              <a:schemeClr val="accent1"/>
+            </a:fillRef>
+            <a:effectRef idx="0">
+              <a:schemeClr val="accent1"/>
+            </a:effectRef>
+            <a:fontRef idx="minor">
+              <a:schemeClr val="lt1"/>
+            </a:fontRef>
+          </p:style>
+          <p:txBody>
+            <a:bodyPr rtlCol="0" anchor="ctr"/>
+            <a:p>
+              <a:pPr algn="ctr"/>
+              <a:endParaRPr lang="en-US"/>
+            </a:p>
+          </p:txBody>
+        </p:sp>
+        <p:sp>
+          <p:nvSpPr>
+            <p:cNvPr id="5" name="Text Box 4"/>
+            <p:cNvSpPr txBox="1"/>
+            <p:nvPr/>
+          </p:nvSpPr>
+          <p:spPr>
+            <a:xfrm>
+              <a:off x="3901" y="5905"/>
+              <a:ext cx="1440" cy="628"/>
+            </a:xfrm>
+            <a:prstGeom prst="rect">
+              <a:avLst/>
+            </a:prstGeom>
+            <a:noFill/>
+          </p:spPr>
+          <p:txBody>
+            <a:bodyPr wrap="square" rtlCol="0">
+              <a:spAutoFit/>
+            </a:bodyPr>
+            <a:p>
+              <a:r>
+                <a:rPr lang="en-US" sz="2000" b="1">
+                  <a:latin typeface="DejaVu Sans" panose="020B0603030804020204" charset="0"/>
+                  <a:cs typeface="DejaVu Sans" panose="020B0603030804020204" charset="0"/>
+                </a:rPr>
+                <a:t>TEST</a:t>
+              </a:r>
+              <a:endParaRPr lang="en-US" sz="2000" b="1">
+                <a:latin typeface="DejaVu Sans" panose="020B0603030804020204" charset="0"/>
+                <a:cs typeface="DejaVu Sans" panose="020B0603030804020204" charset="0"/>
+              </a:endParaRPr>
+            </a:p>
+          </p:txBody>
+        </p:sp>
+      </p:grpSp>
+      <p:sp>
+        <p:nvSpPr>
+          <p:cNvPr id="6" name="Text Box 5"/>
+          <p:cNvSpPr txBox="1"/>
+          <p:nvPr/>
+        </p:nvSpPr>
+        <p:spPr>
+          <a:xfrm>
+            <a:off x="6460490" y="3749675"/>
+            <a:ext cx="1115060" cy="398780"/>
+          </a:xfrm>
+          <a:prstGeom prst="rect">
+            <a:avLst/>
+          </a:prstGeom>
+          <a:noFill/>
+        </p:spPr>
+        <p:txBody>
+          <a:bodyPr wrap="square" rtlCol="0">
+            <a:spAutoFit/>
+          </a:bodyPr>
+          <a:p>
+            <a:r>
+              <a:rPr lang="en-US" sz="2000" b="1">
+                <a:latin typeface="DejaVu Sans" panose="020B0603030804020204" charset="0"/>
+                <a:cs typeface="DejaVu Sans" panose="020B0603030804020204" charset="0"/>
+              </a:rPr>
+              <a:t>TRAIN</a:t>
+            </a:r>
+            <a:endParaRPr lang="en-US" sz="2000" b="1">
+              <a:latin typeface="DejaVu Sans" panose="020B0603030804020204" charset="0"/>
+              <a:cs typeface="DejaVu Sans" panose="020B0603030804020204" charset="0"/>
+            </a:endParaRPr>
+          </a:p>
+        </p:txBody>
+      </p:sp>
+    </p:spTree>
+  </p:cSld>
+  <p:clrMapOvr>
+    <a:masterClrMapping/>
+  </p:clrMapOvr>
+</p:sld>
+</file>
+
+<file path=ppt/slides/slide11.xml><?xml version="1.0" encoding="utf-8"?>
+<p:sld xmlns:a="http://schemas.openxmlformats.org/drawingml/2006/main" xmlns:r="http://schemas.openxmlformats.org/officeDocument/2006/relationships" xmlns:p="http://schemas.openxmlformats.org/presentationml/2006/main">
+  <p:cSld>
+    <p:spTree>
+      <p:nvGrpSpPr>
+        <p:cNvPr id="1" name=""/>
+        <p:cNvGrpSpPr/>
+        <p:nvPr/>
+      </p:nvGrpSpPr>
+      <p:grpSpPr/>
+      <p:sp>
+        <p:nvSpPr>
+          <p:cNvPr id="2" name="Title 1"/>
+          <p:cNvSpPr>
+            <a:spLocks noGrp="1"/>
+          </p:cNvSpPr>
+          <p:nvPr>
+            <p:ph type="title"/>
+          </p:nvPr>
+        </p:nvSpPr>
+        <p:spPr/>
+        <p:txBody>
+          <a:bodyPr/>
+          <a:p>
+            <a:r>
+              <a:rPr lang="en-US" sz="3600">
+                <a:sym typeface="+mn-ea"/>
+              </a:rPr>
+              <a:t>7.1</a:t>
+            </a:r>
+            <a:r>
+              <a:rPr lang="ja-JP" altLang="en-US" sz="3600">
+                <a:sym typeface="+mn-ea"/>
+              </a:rPr>
+              <a:t>　回帰の決定木</a:t>
+            </a:r>
+            <a:endParaRPr lang="ja-JP" altLang="en-US" sz="3600">
+              <a:sym typeface="+mn-ea"/>
+            </a:endParaRPr>
+          </a:p>
+        </p:txBody>
+      </p:sp>
+      <p:grpSp>
+        <p:nvGrpSpPr>
+          <p:cNvPr id="25" name="Group 24"/>
+          <p:cNvGrpSpPr/>
+          <p:nvPr/>
+        </p:nvGrpSpPr>
+        <p:grpSpPr>
+          <a:xfrm>
+            <a:off x="1371600" y="3402330"/>
+            <a:ext cx="9719310" cy="1962150"/>
+            <a:chOff x="2160" y="5358"/>
+            <a:chExt cx="15306" cy="3090"/>
+          </a:xfrm>
+        </p:grpSpPr>
+        <p:grpSp>
+          <p:nvGrpSpPr>
+            <p:cNvPr id="33" name="Group 32"/>
+            <p:cNvGrpSpPr/>
+            <p:nvPr/>
+          </p:nvGrpSpPr>
+          <p:grpSpPr>
+            <a:xfrm>
+              <a:off x="2160" y="5358"/>
+              <a:ext cx="15307" cy="3091"/>
+              <a:chOff x="2160" y="5358"/>
+              <a:chExt cx="15307" cy="3091"/>
+            </a:xfrm>
+          </p:grpSpPr>
+          <p:sp>
+            <p:nvSpPr>
+              <p:cNvPr id="4" name="Rounded Rectangle 3"/>
+              <p:cNvSpPr/>
+              <p:nvPr/>
+            </p:nvSpPr>
+            <p:spPr>
+              <a:xfrm>
+                <a:off x="2438" y="5358"/>
+                <a:ext cx="14324" cy="1722"/>
+              </a:xfrm>
+              <a:prstGeom prst="roundRect">
+                <a:avLst>
+                  <a:gd name="adj" fmla="val 11033"/>
+                </a:avLst>
+              </a:prstGeom>
+              <a:solidFill>
+                <a:schemeClr val="accent1">
+                  <a:lumMod val="40000"/>
+                  <a:lumOff val="60000"/>
+                </a:schemeClr>
+              </a:solidFill>
+              <a:ln>
+                <a:noFill/>
+              </a:ln>
+            </p:spPr>
+            <p:style>
+              <a:lnRef idx="1">
+                <a:schemeClr val="accent1"/>
+              </a:lnRef>
+              <a:fillRef idx="2">
+                <a:schemeClr val="accent1"/>
+              </a:fillRef>
+              <a:effectRef idx="1">
+                <a:schemeClr val="accent1"/>
+              </a:effectRef>
+              <a:fontRef idx="minor">
+                <a:schemeClr val="dk1"/>
+              </a:fontRef>
+            </p:style>
+            <p:txBody>
+              <a:bodyPr rtlCol="0" anchor="ctr"/>
+              <a:p>
+                <a:pPr algn="ctr"/>
+                <a:endParaRPr lang="en-US"/>
+              </a:p>
+            </p:txBody>
+          </p:sp>
+          <p:cxnSp>
+            <p:nvCxnSpPr>
+              <p:cNvPr id="7" name="Straight Connector 6"/>
+              <p:cNvCxnSpPr/>
+              <p:nvPr/>
+            </p:nvCxnSpPr>
+            <p:spPr>
+              <a:xfrm flipH="1">
+                <a:off x="2422" y="7419"/>
+                <a:ext cx="16" cy="450"/>
+              </a:xfrm>
+              <a:prstGeom prst="line">
+                <a:avLst/>
+              </a:prstGeom>
+            </p:spPr>
+            <p:style>
+              <a:lnRef idx="3">
+                <a:schemeClr val="dk1"/>
+              </a:lnRef>
+              <a:fillRef idx="0">
+                <a:schemeClr val="dk1"/>
+              </a:fillRef>
+              <a:effectRef idx="2">
+                <a:schemeClr val="dk1"/>
+              </a:effectRef>
+              <a:fontRef idx="minor">
+                <a:schemeClr val="tx1"/>
+              </a:fontRef>
+            </p:style>
+          </p:cxnSp>
+          <p:cxnSp>
+            <p:nvCxnSpPr>
+              <p:cNvPr id="8" name="Straight Connector 7"/>
+              <p:cNvCxnSpPr/>
+              <p:nvPr/>
+            </p:nvCxnSpPr>
+            <p:spPr>
+              <a:xfrm flipH="1">
+                <a:off x="16746" y="7419"/>
+                <a:ext cx="16" cy="450"/>
+              </a:xfrm>
+              <a:prstGeom prst="line">
+                <a:avLst/>
+              </a:prstGeom>
+            </p:spPr>
+            <p:style>
+              <a:lnRef idx="3">
+                <a:schemeClr val="dk1"/>
+              </a:lnRef>
+              <a:fillRef idx="0">
+                <a:schemeClr val="dk1"/>
+              </a:fillRef>
+              <a:effectRef idx="2">
+                <a:schemeClr val="dk1"/>
+              </a:effectRef>
+              <a:fontRef idx="minor">
+                <a:schemeClr val="tx1"/>
+              </a:fontRef>
+            </p:style>
+          </p:cxnSp>
+          <p:cxnSp>
+            <p:nvCxnSpPr>
+              <p:cNvPr id="9" name="Straight Connector 8"/>
+              <p:cNvCxnSpPr/>
+              <p:nvPr/>
+            </p:nvCxnSpPr>
+            <p:spPr>
+              <a:xfrm flipH="1">
+                <a:off x="5341" y="7419"/>
+                <a:ext cx="16" cy="450"/>
+              </a:xfrm>
+              <a:prstGeom prst="line">
+                <a:avLst/>
+              </a:prstGeom>
+            </p:spPr>
+            <p:style>
+              <a:lnRef idx="3">
+                <a:schemeClr val="dk1"/>
+              </a:lnRef>
+              <a:fillRef idx="0">
+                <a:schemeClr val="dk1"/>
+              </a:fillRef>
+              <a:effectRef idx="2">
+                <a:schemeClr val="dk1"/>
+              </a:effectRef>
+              <a:fontRef idx="minor">
+                <a:schemeClr val="tx1"/>
+              </a:fontRef>
+            </p:style>
+          </p:cxnSp>
+          <p:cxnSp>
+            <p:nvCxnSpPr>
+              <p:cNvPr id="10" name="Straight Connector 9"/>
+              <p:cNvCxnSpPr/>
+              <p:nvPr/>
+            </p:nvCxnSpPr>
+            <p:spPr>
+              <a:xfrm flipH="1">
+                <a:off x="8252" y="7419"/>
+                <a:ext cx="16" cy="450"/>
+              </a:xfrm>
+              <a:prstGeom prst="line">
+                <a:avLst/>
+              </a:prstGeom>
+            </p:spPr>
+            <p:style>
+              <a:lnRef idx="3">
+                <a:schemeClr val="dk1"/>
+              </a:lnRef>
+              <a:fillRef idx="0">
+                <a:schemeClr val="dk1"/>
+              </a:fillRef>
+              <a:effectRef idx="2">
+                <a:schemeClr val="dk1"/>
+              </a:effectRef>
+              <a:fontRef idx="minor">
+                <a:schemeClr val="tx1"/>
+              </a:fontRef>
+            </p:style>
+          </p:cxnSp>
+          <p:cxnSp>
+            <p:nvCxnSpPr>
+              <p:cNvPr id="11" name="Straight Connector 10"/>
+              <p:cNvCxnSpPr/>
+              <p:nvPr/>
+            </p:nvCxnSpPr>
+            <p:spPr>
+              <a:xfrm flipH="1">
+                <a:off x="11044" y="7419"/>
+                <a:ext cx="16" cy="450"/>
+              </a:xfrm>
+              <a:prstGeom prst="line">
+                <a:avLst/>
+              </a:prstGeom>
+            </p:spPr>
+            <p:style>
+              <a:lnRef idx="3">
+                <a:schemeClr val="dk1"/>
+              </a:lnRef>
+              <a:fillRef idx="0">
+                <a:schemeClr val="dk1"/>
+              </a:fillRef>
+              <a:effectRef idx="2">
+                <a:schemeClr val="dk1"/>
+              </a:effectRef>
+              <a:fontRef idx="minor">
+                <a:schemeClr val="tx1"/>
+              </a:fontRef>
+            </p:style>
+          </p:cxnSp>
+          <p:cxnSp>
+            <p:nvCxnSpPr>
+              <p:cNvPr id="12" name="Straight Connector 11"/>
+              <p:cNvCxnSpPr/>
+              <p:nvPr/>
+            </p:nvCxnSpPr>
+            <p:spPr>
+              <a:xfrm flipH="1">
+                <a:off x="13895" y="7419"/>
+                <a:ext cx="16" cy="450"/>
+              </a:xfrm>
+              <a:prstGeom prst="line">
+                <a:avLst/>
+              </a:prstGeom>
+            </p:spPr>
+            <p:style>
+              <a:lnRef idx="3">
+                <a:schemeClr val="dk1"/>
+              </a:lnRef>
+              <a:fillRef idx="0">
+                <a:schemeClr val="dk1"/>
+              </a:fillRef>
+              <a:effectRef idx="2">
+                <a:schemeClr val="dk1"/>
+              </a:effectRef>
+              <a:fontRef idx="minor">
+                <a:schemeClr val="tx1"/>
+              </a:fontRef>
+            </p:style>
+          </p:cxnSp>
+          <p:sp>
+            <p:nvSpPr>
+              <p:cNvPr id="14" name="Text Box 13"/>
+              <p:cNvSpPr txBox="1"/>
+              <p:nvPr/>
+            </p:nvSpPr>
+            <p:spPr>
+              <a:xfrm>
+                <a:off x="2160" y="7869"/>
+                <a:ext cx="894" cy="580"/>
+              </a:xfrm>
+              <a:prstGeom prst="rect">
+                <a:avLst/>
+              </a:prstGeom>
+              <a:noFill/>
+            </p:spPr>
+            <p:txBody>
+              <a:bodyPr wrap="square" rtlCol="0">
+                <a:spAutoFit/>
+              </a:bodyPr>
+              <a:p>
+                <a:r>
+                  <a:rPr lang="en-US" b="1">
+                    <a:latin typeface="Courier 10 Pitch" charset="0"/>
+                    <a:ea typeface="+mj-lt"/>
+                    <a:cs typeface="Courier 10 Pitch" charset="0"/>
+                  </a:rPr>
+                  <a:t>0%</a:t>
+                </a:r>
+                <a:endParaRPr lang="en-US" b="1">
+                  <a:latin typeface="Courier 10 Pitch" charset="0"/>
+                  <a:ea typeface="+mj-lt"/>
+                  <a:cs typeface="Courier 10 Pitch" charset="0"/>
+                </a:endParaRPr>
+              </a:p>
+            </p:txBody>
+          </p:sp>
+          <p:sp>
+            <p:nvSpPr>
+              <p:cNvPr id="15" name="Text Box 14"/>
+              <p:cNvSpPr txBox="1"/>
+              <p:nvPr/>
+            </p:nvSpPr>
+            <p:spPr>
+              <a:xfrm>
+                <a:off x="4982" y="7869"/>
+                <a:ext cx="1022" cy="580"/>
+              </a:xfrm>
+              <a:prstGeom prst="rect">
+                <a:avLst/>
+              </a:prstGeom>
+              <a:noFill/>
+            </p:spPr>
+            <p:txBody>
+              <a:bodyPr wrap="square" rtlCol="0">
+                <a:spAutoFit/>
+              </a:bodyPr>
+              <a:p>
+                <a:r>
+                  <a:rPr lang="en-US" b="1">
+                    <a:latin typeface="Courier 10 Pitch" charset="0"/>
+                    <a:ea typeface="+mj-lt"/>
+                    <a:cs typeface="Courier 10 Pitch" charset="0"/>
+                  </a:rPr>
+                  <a:t>20%</a:t>
+                </a:r>
+                <a:endParaRPr lang="en-US" b="1">
+                  <a:latin typeface="Courier 10 Pitch" charset="0"/>
+                  <a:ea typeface="+mj-lt"/>
+                  <a:cs typeface="Courier 10 Pitch" charset="0"/>
+                </a:endParaRPr>
+              </a:p>
+            </p:txBody>
+          </p:sp>
+          <p:sp>
+            <p:nvSpPr>
+              <p:cNvPr id="16" name="Text Box 15"/>
+              <p:cNvSpPr txBox="1"/>
+              <p:nvPr/>
+            </p:nvSpPr>
+            <p:spPr>
+              <a:xfrm>
+                <a:off x="7845" y="7869"/>
+                <a:ext cx="1022" cy="580"/>
+              </a:xfrm>
+              <a:prstGeom prst="rect">
+                <a:avLst/>
+              </a:prstGeom>
+              <a:noFill/>
+            </p:spPr>
+            <p:txBody>
+              <a:bodyPr wrap="square" rtlCol="0">
+                <a:spAutoFit/>
+              </a:bodyPr>
+              <a:p>
+                <a:r>
+                  <a:rPr lang="en-US" b="1">
+                    <a:latin typeface="Courier 10 Pitch" charset="0"/>
+                    <a:ea typeface="+mj-lt"/>
+                    <a:cs typeface="Courier 10 Pitch" charset="0"/>
+                  </a:rPr>
+                  <a:t>40%</a:t>
+                </a:r>
+                <a:endParaRPr lang="en-US" b="1">
+                  <a:latin typeface="Courier 10 Pitch" charset="0"/>
+                  <a:ea typeface="+mj-lt"/>
+                  <a:cs typeface="Courier 10 Pitch" charset="0"/>
+                </a:endParaRPr>
+              </a:p>
+            </p:txBody>
+          </p:sp>
+          <p:sp>
+            <p:nvSpPr>
+              <p:cNvPr id="17" name="Text Box 16"/>
+              <p:cNvSpPr txBox="1"/>
+              <p:nvPr/>
+            </p:nvSpPr>
+            <p:spPr>
+              <a:xfrm>
+                <a:off x="10703" y="7869"/>
+                <a:ext cx="1022" cy="580"/>
+              </a:xfrm>
+              <a:prstGeom prst="rect">
+                <a:avLst/>
+              </a:prstGeom>
+              <a:noFill/>
+            </p:spPr>
+            <p:txBody>
+              <a:bodyPr wrap="square" rtlCol="0">
+                <a:spAutoFit/>
+              </a:bodyPr>
+              <a:p>
+                <a:r>
+                  <a:rPr lang="en-US" b="1">
+                    <a:latin typeface="Courier 10 Pitch" charset="0"/>
+                    <a:ea typeface="+mj-lt"/>
+                    <a:cs typeface="Courier 10 Pitch" charset="0"/>
+                  </a:rPr>
+                  <a:t>60%</a:t>
+                </a:r>
+                <a:endParaRPr lang="en-US" b="1">
+                  <a:latin typeface="Courier 10 Pitch" charset="0"/>
+                  <a:ea typeface="+mj-lt"/>
+                  <a:cs typeface="Courier 10 Pitch" charset="0"/>
+                </a:endParaRPr>
+              </a:p>
+            </p:txBody>
+          </p:sp>
+          <p:sp>
+            <p:nvSpPr>
+              <p:cNvPr id="18" name="Text Box 17"/>
+              <p:cNvSpPr txBox="1"/>
+              <p:nvPr/>
+            </p:nvSpPr>
+            <p:spPr>
+              <a:xfrm>
+                <a:off x="13550" y="7869"/>
+                <a:ext cx="1022" cy="580"/>
+              </a:xfrm>
+              <a:prstGeom prst="rect">
+                <a:avLst/>
+              </a:prstGeom>
+              <a:noFill/>
+            </p:spPr>
+            <p:txBody>
+              <a:bodyPr wrap="square" rtlCol="0">
+                <a:spAutoFit/>
+              </a:bodyPr>
+              <a:p>
+                <a:r>
+                  <a:rPr lang="en-US" b="1">
+                    <a:latin typeface="Courier 10 Pitch" charset="0"/>
+                    <a:ea typeface="+mj-lt"/>
+                    <a:cs typeface="Courier 10 Pitch" charset="0"/>
+                  </a:rPr>
+                  <a:t>80%</a:t>
+                </a:r>
+                <a:endParaRPr lang="en-US" b="1">
+                  <a:latin typeface="Courier 10 Pitch" charset="0"/>
+                  <a:ea typeface="+mj-lt"/>
+                  <a:cs typeface="Courier 10 Pitch" charset="0"/>
+                </a:endParaRPr>
+              </a:p>
+            </p:txBody>
+          </p:sp>
+          <p:sp>
+            <p:nvSpPr>
+              <p:cNvPr id="19" name="Text Box 18"/>
+              <p:cNvSpPr txBox="1"/>
+              <p:nvPr/>
+            </p:nvSpPr>
+            <p:spPr>
+              <a:xfrm>
+                <a:off x="16239" y="7869"/>
+                <a:ext cx="1228" cy="580"/>
+              </a:xfrm>
+              <a:prstGeom prst="rect">
+                <a:avLst/>
+              </a:prstGeom>
+              <a:noFill/>
+            </p:spPr>
+            <p:txBody>
+              <a:bodyPr wrap="square" rtlCol="0">
+                <a:spAutoFit/>
+              </a:bodyPr>
+              <a:p>
+                <a:r>
+                  <a:rPr lang="en-US" b="1">
+                    <a:latin typeface="Courier 10 Pitch" charset="0"/>
+                    <a:ea typeface="+mj-lt"/>
+                    <a:cs typeface="Courier 10 Pitch" charset="0"/>
+                  </a:rPr>
+                  <a:t>100%</a:t>
+                </a:r>
+                <a:endParaRPr lang="en-US" b="1">
+                  <a:latin typeface="Courier 10 Pitch" charset="0"/>
+                  <a:ea typeface="+mj-lt"/>
+                  <a:cs typeface="Courier 10 Pitch" charset="0"/>
+                </a:endParaRPr>
+              </a:p>
+            </p:txBody>
+          </p:sp>
+        </p:grpSp>
+        <p:sp>
+          <p:nvSpPr>
+            <p:cNvPr id="6" name="Text Box 5"/>
+            <p:cNvSpPr txBox="1"/>
+            <p:nvPr/>
+          </p:nvSpPr>
+          <p:spPr>
+            <a:xfrm>
+              <a:off x="8422" y="5905"/>
+              <a:ext cx="1756" cy="628"/>
+            </a:xfrm>
+            <a:prstGeom prst="rect">
+              <a:avLst/>
+            </a:prstGeom>
+            <a:noFill/>
+          </p:spPr>
+          <p:txBody>
+            <a:bodyPr wrap="square" rtlCol="0">
+              <a:spAutoFit/>
+            </a:bodyPr>
+            <a:p>
+              <a:r>
+                <a:rPr lang="en-US" sz="2000" b="1">
+                  <a:latin typeface="DejaVu Sans" panose="020B0603030804020204" charset="0"/>
+                  <a:cs typeface="DejaVu Sans" panose="020B0603030804020204" charset="0"/>
+                </a:rPr>
+                <a:t>TRAIN</a:t>
+              </a:r>
+              <a:endParaRPr lang="en-US" sz="2000" b="1">
+                <a:latin typeface="DejaVu Sans" panose="020B0603030804020204" charset="0"/>
+                <a:cs typeface="DejaVu Sans" panose="020B0603030804020204" charset="0"/>
+              </a:endParaRPr>
+            </a:p>
+          </p:txBody>
+        </p:sp>
+        <p:sp>
+          <p:nvSpPr>
+            <p:cNvPr id="20" name="Rounded Rectangle 19"/>
+            <p:cNvSpPr/>
+            <p:nvPr/>
+          </p:nvSpPr>
+          <p:spPr>
+            <a:xfrm>
+              <a:off x="15299" y="5358"/>
+              <a:ext cx="1463" cy="1722"/>
+            </a:xfrm>
+            <a:prstGeom prst="roundRect">
+              <a:avLst>
+                <a:gd name="adj" fmla="val 11033"/>
+              </a:avLst>
+            </a:prstGeom>
+            <a:solidFill>
+              <a:srgbClr val="92D050"/>
+            </a:solidFill>
+            <a:ln>
+              <a:noFill/>
+            </a:ln>
+          </p:spPr>
+          <p:style>
+            <a:lnRef idx="2">
+              <a:schemeClr val="accent6">
+                <a:shade val="50000"/>
+              </a:schemeClr>
+            </a:lnRef>
+            <a:fillRef idx="1">
+              <a:schemeClr val="accent6"/>
+            </a:fillRef>
+            <a:effectRef idx="0">
+              <a:schemeClr val="accent6"/>
+            </a:effectRef>
+            <a:fontRef idx="minor">
+              <a:schemeClr val="lt1"/>
+            </a:fontRef>
+          </p:style>
+          <p:txBody>
+            <a:bodyPr rtlCol="0" anchor="ctr"/>
+            <a:p>
+              <a:pPr algn="ctr"/>
+              <a:endParaRPr lang="en-US"/>
+            </a:p>
+          </p:txBody>
+        </p:sp>
+        <p:sp>
+          <p:nvSpPr>
+            <p:cNvPr id="22" name="Rectangles 21"/>
+            <p:cNvSpPr/>
+            <p:nvPr/>
+          </p:nvSpPr>
+          <p:spPr>
+            <a:xfrm>
+              <a:off x="15299" y="5358"/>
+              <a:ext cx="1230" cy="1722"/>
+            </a:xfrm>
+            <a:prstGeom prst="rect">
+              <a:avLst/>
+            </a:prstGeom>
+            <a:solidFill>
+              <a:srgbClr val="92D050"/>
+            </a:solidFill>
+            <a:ln>
+              <a:noFill/>
+            </a:ln>
+          </p:spPr>
+          <p:style>
+            <a:lnRef idx="2">
+              <a:schemeClr val="accent1">
+                <a:shade val="50000"/>
+              </a:schemeClr>
+            </a:lnRef>
+            <a:fillRef idx="1">
+              <a:schemeClr val="accent1"/>
+            </a:fillRef>
+            <a:effectRef idx="0">
+              <a:schemeClr val="accent1"/>
+            </a:effectRef>
+            <a:fontRef idx="minor">
+              <a:schemeClr val="lt1"/>
+            </a:fontRef>
+          </p:style>
+          <p:txBody>
+            <a:bodyPr rtlCol="0" anchor="ctr"/>
+            <a:p>
+              <a:pPr algn="ctr"/>
+              <a:endParaRPr lang="en-US"/>
+            </a:p>
+          </p:txBody>
+        </p:sp>
+        <p:sp>
+          <p:nvSpPr>
+            <p:cNvPr id="24" name="Text Box 23"/>
+            <p:cNvSpPr txBox="1"/>
+            <p:nvPr/>
+          </p:nvSpPr>
+          <p:spPr>
+            <a:xfrm>
+              <a:off x="15315" y="5905"/>
+              <a:ext cx="1447" cy="628"/>
+            </a:xfrm>
+            <a:prstGeom prst="rect">
+              <a:avLst/>
+            </a:prstGeom>
+            <a:noFill/>
+          </p:spPr>
+          <p:txBody>
+            <a:bodyPr wrap="square" rtlCol="0">
+              <a:spAutoFit/>
+            </a:bodyPr>
+            <a:p>
+              <a:r>
+                <a:rPr lang="en-US" sz="2000" b="1">
+                  <a:latin typeface="DejaVu Sans" panose="020B0603030804020204" charset="0"/>
+                  <a:cs typeface="DejaVu Sans" panose="020B0603030804020204" charset="0"/>
+                </a:rPr>
+                <a:t>TEST</a:t>
+              </a:r>
+              <a:endParaRPr lang="en-US" sz="2000" b="1">
+                <a:latin typeface="DejaVu Sans" panose="020B0603030804020204" charset="0"/>
+                <a:cs typeface="DejaVu Sans" panose="020B0603030804020204" charset="0"/>
+              </a:endParaRPr>
+            </a:p>
+          </p:txBody>
+        </p:sp>
+      </p:grpSp>
+    </p:spTree>
+  </p:cSld>
+  <p:clrMapOvr>
+    <a:masterClrMapping/>
+  </p:clrMapOvr>
+</p:sld>
+</file>
+
+<file path=ppt/slides/slide12.xml><?xml version="1.0" encoding="utf-8"?>
+<p:sld xmlns:a="http://schemas.openxmlformats.org/drawingml/2006/main" xmlns:r="http://schemas.openxmlformats.org/officeDocument/2006/relationships" xmlns:p="http://schemas.openxmlformats.org/presentationml/2006/main">
+  <p:cSld>
+    <p:spTree>
+      <p:nvGrpSpPr>
+        <p:cNvPr id="1" name=""/>
+        <p:cNvGrpSpPr/>
+        <p:nvPr/>
+      </p:nvGrpSpPr>
+      <p:grpSpPr/>
+      <p:sp>
+        <p:nvSpPr>
+          <p:cNvPr id="2" name="Title 1"/>
+          <p:cNvSpPr>
+            <a:spLocks noGrp="1"/>
+          </p:cNvSpPr>
+          <p:nvPr>
+            <p:ph type="title"/>
+          </p:nvPr>
+        </p:nvSpPr>
+        <p:spPr/>
+        <p:txBody>
+          <a:bodyPr/>
+          <a:p>
+            <a:r>
+              <a:rPr lang="en-US" sz="3600">
+                <a:sym typeface="+mn-ea"/>
+              </a:rPr>
+              <a:t>7.1</a:t>
+            </a:r>
+            <a:r>
+              <a:rPr lang="ja-JP" altLang="en-US" sz="3600">
+                <a:sym typeface="+mn-ea"/>
+              </a:rPr>
+              <a:t>　回帰の決定木</a:t>
+            </a:r>
+            <a:endParaRPr lang="ja-JP" altLang="en-US" sz="3600">
+              <a:sym typeface="+mn-ea"/>
+            </a:endParaRPr>
+          </a:p>
+        </p:txBody>
+      </p:sp>
+      <p:grpSp>
+        <p:nvGrpSpPr>
+          <p:cNvPr id="3" name="Group 2"/>
+          <p:cNvGrpSpPr/>
+          <p:nvPr/>
+        </p:nvGrpSpPr>
+        <p:grpSpPr>
+          <a:xfrm>
+            <a:off x="1371600" y="3402330"/>
+            <a:ext cx="9719310" cy="1962150"/>
+            <a:chOff x="2160" y="5358"/>
+            <a:chExt cx="15306" cy="3090"/>
+          </a:xfrm>
+        </p:grpSpPr>
+        <p:grpSp>
+          <p:nvGrpSpPr>
+            <p:cNvPr id="33" name="Group 32"/>
+            <p:cNvGrpSpPr/>
+            <p:nvPr/>
+          </p:nvGrpSpPr>
+          <p:grpSpPr>
+            <a:xfrm>
+              <a:off x="2160" y="5358"/>
+              <a:ext cx="15307" cy="3091"/>
+              <a:chOff x="2160" y="5358"/>
+              <a:chExt cx="15307" cy="3091"/>
+            </a:xfrm>
+          </p:grpSpPr>
+          <p:sp>
+            <p:nvSpPr>
+              <p:cNvPr id="5" name="Rounded Rectangle 4"/>
+              <p:cNvSpPr/>
+              <p:nvPr/>
+            </p:nvSpPr>
+            <p:spPr>
+              <a:xfrm>
+                <a:off x="2438" y="5358"/>
+                <a:ext cx="14324" cy="1722"/>
+              </a:xfrm>
+              <a:prstGeom prst="roundRect">
+                <a:avLst>
+                  <a:gd name="adj" fmla="val 11033"/>
+                </a:avLst>
+              </a:prstGeom>
+              <a:solidFill>
+                <a:schemeClr val="accent1">
+                  <a:lumMod val="40000"/>
+                  <a:lumOff val="60000"/>
+                </a:schemeClr>
+              </a:solidFill>
+              <a:ln>
+                <a:noFill/>
+              </a:ln>
+            </p:spPr>
+            <p:style>
+              <a:lnRef idx="1">
+                <a:schemeClr val="accent1"/>
+              </a:lnRef>
+              <a:fillRef idx="2">
+                <a:schemeClr val="accent1"/>
+              </a:fillRef>
+              <a:effectRef idx="1">
+                <a:schemeClr val="accent1"/>
+              </a:effectRef>
+              <a:fontRef idx="minor">
+                <a:schemeClr val="dk1"/>
+              </a:fontRef>
+            </p:style>
+            <p:txBody>
+              <a:bodyPr rtlCol="0" anchor="ctr"/>
+              <a:p>
+                <a:pPr algn="ctr"/>
+                <a:endParaRPr lang="en-US"/>
+              </a:p>
+            </p:txBody>
+          </p:sp>
+          <p:cxnSp>
+            <p:nvCxnSpPr>
+              <p:cNvPr id="6" name="Straight Connector 5"/>
+              <p:cNvCxnSpPr/>
+              <p:nvPr/>
+            </p:nvCxnSpPr>
+            <p:spPr>
+              <a:xfrm flipH="1">
+                <a:off x="2422" y="7419"/>
+                <a:ext cx="16" cy="450"/>
+              </a:xfrm>
+              <a:prstGeom prst="line">
+                <a:avLst/>
+              </a:prstGeom>
+            </p:spPr>
+            <p:style>
+              <a:lnRef idx="3">
+                <a:schemeClr val="dk1"/>
+              </a:lnRef>
+              <a:fillRef idx="0">
+                <a:schemeClr val="dk1"/>
+              </a:fillRef>
+              <a:effectRef idx="2">
+                <a:schemeClr val="dk1"/>
+              </a:effectRef>
+              <a:fontRef idx="minor">
+                <a:schemeClr val="tx1"/>
+              </a:fontRef>
+            </p:style>
+          </p:cxnSp>
+          <p:cxnSp>
+            <p:nvCxnSpPr>
+              <p:cNvPr id="13" name="Straight Connector 12"/>
+              <p:cNvCxnSpPr/>
+              <p:nvPr/>
+            </p:nvCxnSpPr>
+            <p:spPr>
+              <a:xfrm flipH="1">
+                <a:off x="16746" y="7419"/>
+                <a:ext cx="16" cy="450"/>
+              </a:xfrm>
+              <a:prstGeom prst="line">
+                <a:avLst/>
+              </a:prstGeom>
+            </p:spPr>
+            <p:style>
+              <a:lnRef idx="3">
+                <a:schemeClr val="dk1"/>
+              </a:lnRef>
+              <a:fillRef idx="0">
+                <a:schemeClr val="dk1"/>
+              </a:fillRef>
+              <a:effectRef idx="2">
+                <a:schemeClr val="dk1"/>
+              </a:effectRef>
+              <a:fontRef idx="minor">
+                <a:schemeClr val="tx1"/>
+              </a:fontRef>
+            </p:style>
+          </p:cxnSp>
+          <p:cxnSp>
+            <p:nvCxnSpPr>
+              <p:cNvPr id="24" name="Straight Connector 23"/>
+              <p:cNvCxnSpPr/>
+              <p:nvPr/>
+            </p:nvCxnSpPr>
+            <p:spPr>
+              <a:xfrm flipH="1">
+                <a:off x="5341" y="7419"/>
+                <a:ext cx="16" cy="450"/>
+              </a:xfrm>
+              <a:prstGeom prst="line">
+                <a:avLst/>
+              </a:prstGeom>
+            </p:spPr>
+            <p:style>
+              <a:lnRef idx="3">
+                <a:schemeClr val="dk1"/>
+              </a:lnRef>
+              <a:fillRef idx="0">
+                <a:schemeClr val="dk1"/>
+              </a:fillRef>
+              <a:effectRef idx="2">
+                <a:schemeClr val="dk1"/>
+              </a:effectRef>
+              <a:fontRef idx="minor">
+                <a:schemeClr val="tx1"/>
+              </a:fontRef>
+            </p:style>
+          </p:cxnSp>
+          <p:cxnSp>
+            <p:nvCxnSpPr>
+              <p:cNvPr id="34" name="Straight Connector 33"/>
+              <p:cNvCxnSpPr/>
+              <p:nvPr/>
+            </p:nvCxnSpPr>
+            <p:spPr>
+              <a:xfrm flipH="1">
+                <a:off x="8252" y="7419"/>
+                <a:ext cx="16" cy="450"/>
+              </a:xfrm>
+              <a:prstGeom prst="line">
+                <a:avLst/>
+              </a:prstGeom>
+            </p:spPr>
+            <p:style>
+              <a:lnRef idx="3">
+                <a:schemeClr val="dk1"/>
+              </a:lnRef>
+              <a:fillRef idx="0">
+                <a:schemeClr val="dk1"/>
+              </a:fillRef>
+              <a:effectRef idx="2">
+                <a:schemeClr val="dk1"/>
+              </a:effectRef>
+              <a:fontRef idx="minor">
+                <a:schemeClr val="tx1"/>
+              </a:fontRef>
+            </p:style>
+          </p:cxnSp>
+          <p:cxnSp>
+            <p:nvCxnSpPr>
+              <p:cNvPr id="35" name="Straight Connector 34"/>
+              <p:cNvCxnSpPr/>
+              <p:nvPr/>
+            </p:nvCxnSpPr>
+            <p:spPr>
+              <a:xfrm flipH="1">
+                <a:off x="11044" y="7419"/>
+                <a:ext cx="16" cy="450"/>
+              </a:xfrm>
+              <a:prstGeom prst="line">
+                <a:avLst/>
+              </a:prstGeom>
+            </p:spPr>
+            <p:style>
+              <a:lnRef idx="3">
+                <a:schemeClr val="dk1"/>
+              </a:lnRef>
+              <a:fillRef idx="0">
+                <a:schemeClr val="dk1"/>
+              </a:fillRef>
+              <a:effectRef idx="2">
+                <a:schemeClr val="dk1"/>
+              </a:effectRef>
+              <a:fontRef idx="minor">
+                <a:schemeClr val="tx1"/>
+              </a:fontRef>
+            </p:style>
+          </p:cxnSp>
+          <p:cxnSp>
+            <p:nvCxnSpPr>
+              <p:cNvPr id="36" name="Straight Connector 35"/>
+              <p:cNvCxnSpPr/>
+              <p:nvPr/>
+            </p:nvCxnSpPr>
+            <p:spPr>
+              <a:xfrm flipH="1">
+                <a:off x="13895" y="7419"/>
+                <a:ext cx="16" cy="450"/>
+              </a:xfrm>
+              <a:prstGeom prst="line">
+                <a:avLst/>
+              </a:prstGeom>
+            </p:spPr>
+            <p:style>
+              <a:lnRef idx="3">
+                <a:schemeClr val="dk1"/>
+              </a:lnRef>
+              <a:fillRef idx="0">
+                <a:schemeClr val="dk1"/>
+              </a:fillRef>
+              <a:effectRef idx="2">
+                <a:schemeClr val="dk1"/>
+              </a:effectRef>
+              <a:fontRef idx="minor">
+                <a:schemeClr val="tx1"/>
+              </a:fontRef>
+            </p:style>
+          </p:cxnSp>
+          <p:sp>
+            <p:nvSpPr>
+              <p:cNvPr id="37" name="Text Box 36"/>
+              <p:cNvSpPr txBox="1"/>
+              <p:nvPr/>
+            </p:nvSpPr>
+            <p:spPr>
+              <a:xfrm>
+                <a:off x="2160" y="7869"/>
+                <a:ext cx="894" cy="580"/>
+              </a:xfrm>
+              <a:prstGeom prst="rect">
+                <a:avLst/>
+              </a:prstGeom>
+              <a:noFill/>
+            </p:spPr>
+            <p:txBody>
+              <a:bodyPr wrap="square" rtlCol="0">
+                <a:spAutoFit/>
+              </a:bodyPr>
+              <a:p>
+                <a:r>
+                  <a:rPr lang="en-US" b="1">
+                    <a:latin typeface="Courier 10 Pitch" charset="0"/>
+                    <a:ea typeface="+mj-lt"/>
+                    <a:cs typeface="Courier 10 Pitch" charset="0"/>
+                  </a:rPr>
+                  <a:t>0%</a:t>
+                </a:r>
+                <a:endParaRPr lang="en-US" b="1">
+                  <a:latin typeface="Courier 10 Pitch" charset="0"/>
+                  <a:ea typeface="+mj-lt"/>
+                  <a:cs typeface="Courier 10 Pitch" charset="0"/>
+                </a:endParaRPr>
+              </a:p>
+            </p:txBody>
+          </p:sp>
+          <p:sp>
+            <p:nvSpPr>
+              <p:cNvPr id="38" name="Text Box 37"/>
+              <p:cNvSpPr txBox="1"/>
+              <p:nvPr/>
+            </p:nvSpPr>
+            <p:spPr>
+              <a:xfrm>
+                <a:off x="4982" y="7869"/>
+                <a:ext cx="1022" cy="580"/>
+              </a:xfrm>
+              <a:prstGeom prst="rect">
+                <a:avLst/>
+              </a:prstGeom>
+              <a:noFill/>
+            </p:spPr>
+            <p:txBody>
+              <a:bodyPr wrap="square" rtlCol="0">
+                <a:spAutoFit/>
+              </a:bodyPr>
+              <a:p>
+                <a:r>
+                  <a:rPr lang="en-US" b="1">
+                    <a:latin typeface="Courier 10 Pitch" charset="0"/>
+                    <a:ea typeface="+mj-lt"/>
+                    <a:cs typeface="Courier 10 Pitch" charset="0"/>
+                  </a:rPr>
+                  <a:t>20%</a:t>
+                </a:r>
+                <a:endParaRPr lang="en-US" b="1">
+                  <a:latin typeface="Courier 10 Pitch" charset="0"/>
+                  <a:ea typeface="+mj-lt"/>
+                  <a:cs typeface="Courier 10 Pitch" charset="0"/>
+                </a:endParaRPr>
+              </a:p>
+            </p:txBody>
+          </p:sp>
+          <p:sp>
+            <p:nvSpPr>
+              <p:cNvPr id="39" name="Text Box 38"/>
+              <p:cNvSpPr txBox="1"/>
+              <p:nvPr/>
+            </p:nvSpPr>
+            <p:spPr>
+              <a:xfrm>
+                <a:off x="7845" y="7869"/>
+                <a:ext cx="1022" cy="580"/>
+              </a:xfrm>
+              <a:prstGeom prst="rect">
+                <a:avLst/>
+              </a:prstGeom>
+              <a:noFill/>
+            </p:spPr>
+            <p:txBody>
+              <a:bodyPr wrap="square" rtlCol="0">
+                <a:spAutoFit/>
+              </a:bodyPr>
+              <a:p>
+                <a:r>
+                  <a:rPr lang="en-US" b="1">
+                    <a:latin typeface="Courier 10 Pitch" charset="0"/>
+                    <a:ea typeface="+mj-lt"/>
+                    <a:cs typeface="Courier 10 Pitch" charset="0"/>
+                  </a:rPr>
+                  <a:t>40%</a:t>
+                </a:r>
+                <a:endParaRPr lang="en-US" b="1">
+                  <a:latin typeface="Courier 10 Pitch" charset="0"/>
+                  <a:ea typeface="+mj-lt"/>
+                  <a:cs typeface="Courier 10 Pitch" charset="0"/>
+                </a:endParaRPr>
+              </a:p>
+            </p:txBody>
+          </p:sp>
+          <p:sp>
+            <p:nvSpPr>
+              <p:cNvPr id="40" name="Text Box 39"/>
+              <p:cNvSpPr txBox="1"/>
+              <p:nvPr/>
+            </p:nvSpPr>
+            <p:spPr>
+              <a:xfrm>
+                <a:off x="10703" y="7869"/>
+                <a:ext cx="1022" cy="580"/>
+              </a:xfrm>
+              <a:prstGeom prst="rect">
+                <a:avLst/>
+              </a:prstGeom>
+              <a:noFill/>
+            </p:spPr>
+            <p:txBody>
+              <a:bodyPr wrap="square" rtlCol="0">
+                <a:spAutoFit/>
+              </a:bodyPr>
+              <a:p>
+                <a:r>
+                  <a:rPr lang="en-US" b="1">
+                    <a:latin typeface="Courier 10 Pitch" charset="0"/>
+                    <a:ea typeface="+mj-lt"/>
+                    <a:cs typeface="Courier 10 Pitch" charset="0"/>
+                  </a:rPr>
+                  <a:t>60%</a:t>
+                </a:r>
+                <a:endParaRPr lang="en-US" b="1">
+                  <a:latin typeface="Courier 10 Pitch" charset="0"/>
+                  <a:ea typeface="+mj-lt"/>
+                  <a:cs typeface="Courier 10 Pitch" charset="0"/>
+                </a:endParaRPr>
+              </a:p>
+            </p:txBody>
+          </p:sp>
+          <p:sp>
+            <p:nvSpPr>
+              <p:cNvPr id="41" name="Text Box 40"/>
+              <p:cNvSpPr txBox="1"/>
+              <p:nvPr/>
+            </p:nvSpPr>
+            <p:spPr>
+              <a:xfrm>
+                <a:off x="13550" y="7869"/>
+                <a:ext cx="1022" cy="580"/>
+              </a:xfrm>
+              <a:prstGeom prst="rect">
+                <a:avLst/>
+              </a:prstGeom>
+              <a:noFill/>
+            </p:spPr>
+            <p:txBody>
+              <a:bodyPr wrap="square" rtlCol="0">
+                <a:spAutoFit/>
+              </a:bodyPr>
+              <a:p>
+                <a:r>
+                  <a:rPr lang="en-US" b="1">
+                    <a:latin typeface="Courier 10 Pitch" charset="0"/>
+                    <a:ea typeface="+mj-lt"/>
+                    <a:cs typeface="Courier 10 Pitch" charset="0"/>
+                  </a:rPr>
+                  <a:t>80%</a:t>
+                </a:r>
+                <a:endParaRPr lang="en-US" b="1">
+                  <a:latin typeface="Courier 10 Pitch" charset="0"/>
+                  <a:ea typeface="+mj-lt"/>
+                  <a:cs typeface="Courier 10 Pitch" charset="0"/>
+                </a:endParaRPr>
+              </a:p>
+            </p:txBody>
+          </p:sp>
+          <p:sp>
+            <p:nvSpPr>
+              <p:cNvPr id="42" name="Text Box 41"/>
+              <p:cNvSpPr txBox="1"/>
+              <p:nvPr/>
+            </p:nvSpPr>
+            <p:spPr>
+              <a:xfrm>
+                <a:off x="16239" y="7869"/>
+                <a:ext cx="1228" cy="580"/>
+              </a:xfrm>
+              <a:prstGeom prst="rect">
+                <a:avLst/>
+              </a:prstGeom>
+              <a:noFill/>
+            </p:spPr>
+            <p:txBody>
+              <a:bodyPr wrap="square" rtlCol="0">
+                <a:spAutoFit/>
+              </a:bodyPr>
+              <a:p>
+                <a:r>
+                  <a:rPr lang="en-US" b="1">
+                    <a:latin typeface="Courier 10 Pitch" charset="0"/>
+                    <a:ea typeface="+mj-lt"/>
+                    <a:cs typeface="Courier 10 Pitch" charset="0"/>
+                  </a:rPr>
+                  <a:t>100%</a:t>
+                </a:r>
+                <a:endParaRPr lang="en-US" b="1">
+                  <a:latin typeface="Courier 10 Pitch" charset="0"/>
+                  <a:ea typeface="+mj-lt"/>
+                  <a:cs typeface="Courier 10 Pitch" charset="0"/>
+                </a:endParaRPr>
+              </a:p>
+            </p:txBody>
+          </p:sp>
+        </p:grpSp>
+        <p:sp>
+          <p:nvSpPr>
+            <p:cNvPr id="43" name="Text Box 42"/>
+            <p:cNvSpPr txBox="1"/>
+            <p:nvPr/>
+          </p:nvSpPr>
+          <p:spPr>
+            <a:xfrm>
+              <a:off x="8422" y="5905"/>
+              <a:ext cx="1756" cy="628"/>
+            </a:xfrm>
+            <a:prstGeom prst="rect">
+              <a:avLst/>
+            </a:prstGeom>
+            <a:noFill/>
+          </p:spPr>
+          <p:txBody>
+            <a:bodyPr wrap="square" rtlCol="0">
+              <a:spAutoFit/>
+            </a:bodyPr>
+            <a:p>
+              <a:r>
+                <a:rPr lang="en-US" sz="2000" b="1">
+                  <a:latin typeface="DejaVu Sans" panose="020B0603030804020204" charset="0"/>
+                  <a:cs typeface="DejaVu Sans" panose="020B0603030804020204" charset="0"/>
+                </a:rPr>
+                <a:t>TRAIN</a:t>
+              </a:r>
+              <a:endParaRPr lang="en-US" sz="2000" b="1">
+                <a:latin typeface="DejaVu Sans" panose="020B0603030804020204" charset="0"/>
+                <a:cs typeface="DejaVu Sans" panose="020B0603030804020204" charset="0"/>
+              </a:endParaRPr>
+            </a:p>
+          </p:txBody>
+        </p:sp>
+        <p:sp>
+          <p:nvSpPr>
+            <p:cNvPr id="44" name="Rounded Rectangle 43"/>
+            <p:cNvSpPr/>
+            <p:nvPr/>
+          </p:nvSpPr>
+          <p:spPr>
+            <a:xfrm>
+              <a:off x="15299" y="5358"/>
+              <a:ext cx="1463" cy="1722"/>
+            </a:xfrm>
+            <a:prstGeom prst="roundRect">
+              <a:avLst>
+                <a:gd name="adj" fmla="val 11033"/>
+              </a:avLst>
+            </a:prstGeom>
+            <a:solidFill>
+              <a:srgbClr val="92D050"/>
+            </a:solidFill>
+            <a:ln>
+              <a:noFill/>
+            </a:ln>
+          </p:spPr>
+          <p:style>
+            <a:lnRef idx="2">
+              <a:schemeClr val="accent6">
+                <a:shade val="50000"/>
+              </a:schemeClr>
+            </a:lnRef>
+            <a:fillRef idx="1">
+              <a:schemeClr val="accent6"/>
+            </a:fillRef>
+            <a:effectRef idx="0">
+              <a:schemeClr val="accent6"/>
+            </a:effectRef>
+            <a:fontRef idx="minor">
+              <a:schemeClr val="lt1"/>
+            </a:fontRef>
+          </p:style>
+          <p:txBody>
+            <a:bodyPr rtlCol="0" anchor="ctr"/>
+            <a:p>
+              <a:pPr algn="ctr"/>
+              <a:endParaRPr lang="en-US"/>
+            </a:p>
+          </p:txBody>
+        </p:sp>
+        <p:sp>
+          <p:nvSpPr>
+            <p:cNvPr id="45" name="Rectangles 44"/>
+            <p:cNvSpPr/>
+            <p:nvPr/>
+          </p:nvSpPr>
+          <p:spPr>
+            <a:xfrm>
+              <a:off x="15299" y="5358"/>
+              <a:ext cx="1230" cy="1722"/>
+            </a:xfrm>
+            <a:prstGeom prst="rect">
+              <a:avLst/>
+            </a:prstGeom>
+            <a:solidFill>
+              <a:srgbClr val="92D050"/>
+            </a:solidFill>
+            <a:ln>
+              <a:noFill/>
+            </a:ln>
+          </p:spPr>
+          <p:style>
+            <a:lnRef idx="2">
+              <a:schemeClr val="accent1">
+                <a:shade val="50000"/>
+              </a:schemeClr>
+            </a:lnRef>
+            <a:fillRef idx="1">
+              <a:schemeClr val="accent1"/>
+            </a:fillRef>
+            <a:effectRef idx="0">
+              <a:schemeClr val="accent1"/>
+            </a:effectRef>
+            <a:fontRef idx="minor">
+              <a:schemeClr val="lt1"/>
+            </a:fontRef>
+          </p:style>
+          <p:txBody>
+            <a:bodyPr rtlCol="0" anchor="ctr"/>
+            <a:p>
+              <a:pPr algn="ctr"/>
+              <a:endParaRPr lang="en-US"/>
+            </a:p>
+          </p:txBody>
+        </p:sp>
+        <p:sp>
+          <p:nvSpPr>
+            <p:cNvPr id="46" name="Text Box 45"/>
+            <p:cNvSpPr txBox="1"/>
+            <p:nvPr/>
+          </p:nvSpPr>
+          <p:spPr>
+            <a:xfrm>
+              <a:off x="15315" y="5905"/>
+              <a:ext cx="1447" cy="628"/>
+            </a:xfrm>
+            <a:prstGeom prst="rect">
+              <a:avLst/>
+            </a:prstGeom>
+            <a:noFill/>
+          </p:spPr>
+          <p:txBody>
+            <a:bodyPr wrap="square" rtlCol="0">
+              <a:spAutoFit/>
+            </a:bodyPr>
+            <a:p>
+              <a:r>
+                <a:rPr lang="en-US" sz="2000" b="1">
+                  <a:latin typeface="DejaVu Sans" panose="020B0603030804020204" charset="0"/>
+                  <a:cs typeface="DejaVu Sans" panose="020B0603030804020204" charset="0"/>
+                </a:rPr>
+                <a:t>TEST</a:t>
+              </a:r>
+              <a:endParaRPr lang="en-US" sz="2000" b="1">
+                <a:latin typeface="DejaVu Sans" panose="020B0603030804020204" charset="0"/>
+                <a:cs typeface="DejaVu Sans" panose="020B0603030804020204" charset="0"/>
+              </a:endParaRPr>
+            </a:p>
+          </p:txBody>
+        </p:sp>
+      </p:grpSp>
+    </p:spTree>
+  </p:cSld>
+  <p:clrMapOvr>
+    <a:masterClrMapping/>
+  </p:clrMapOvr>
+</p:sld>
+</file>
+
 <file path=ppt/slides/slide2.xml><?xml version="1.0" encoding="utf-8"?>
 <p:sld xmlns:a="http://schemas.openxmlformats.org/drawingml/2006/main" xmlns:r="http://schemas.openxmlformats.org/officeDocument/2006/relationships" xmlns:p="http://schemas.openxmlformats.org/presentationml/2006/main">
   <p:cSld>
@@ -13120,16 +15161,3218 @@
           </a:p>
         </p:txBody>
       </p:sp>
+      <mc:AlternateContent xmlns:mc="http://schemas.openxmlformats.org/markup-compatibility/2006">
+        <mc:Choice xmlns:a14="http://schemas.microsoft.com/office/drawing/2010/main" Requires="a14">
+          <p:sp>
+            <p:nvSpPr>
+              <p:cNvPr id="19" name="Text Box 18"/>
+              <p:cNvSpPr txBox="1"/>
+              <p:nvPr/>
+            </p:nvSpPr>
+            <p:spPr>
+              <a:xfrm>
+                <a:off x="1064895" y="1878965"/>
+                <a:ext cx="10098405" cy="4769485"/>
+              </a:xfrm>
+              <a:prstGeom prst="rect">
+                <a:avLst/>
+              </a:prstGeom>
+              <a:noFill/>
+            </p:spPr>
+            <p:txBody>
+              <a:bodyPr wrap="square" rtlCol="0">
+                <a:spAutoFit/>
+              </a:bodyPr>
+              <a:p>
+                <a:r>
+                  <a:rPr lang="ja-JP" altLang="en-US" sz="2400" i="1">
+                    <a:latin typeface="DejaVu Math TeX Gyre" panose="02000503000000000000" charset="0"/>
+                    <a:cs typeface="DejaVu Math TeX Gyre" panose="02000503000000000000" charset="0"/>
+                  </a:rPr>
+                  <a:t>同時確率密度関数が</a:t>
+                </a:r>
+                <a:r>
+                  <a:rPr lang="en-US" altLang="ja-JP" sz="2400" i="1">
+                    <a:latin typeface="DejaVu Math TeX Gyre" panose="02000503000000000000" charset="0"/>
+                    <a:cs typeface="DejaVu Math TeX Gyre" panose="02000503000000000000" charset="0"/>
+                  </a:rPr>
+                  <a:t> </a:t>
+                </a:r>
+                <a14:m>
+                  <m:oMath xmlns:m="http://schemas.openxmlformats.org/officeDocument/2006/math">
+                    <m:r>
+                      <a:rPr lang="en-US" altLang="ja-JP" sz="2400" i="1">
+                        <a:latin typeface="DejaVu Math TeX Gyre" panose="02000503000000000000" charset="0"/>
+                        <a:cs typeface="DejaVu Math TeX Gyre" panose="02000503000000000000" charset="0"/>
+                      </a:rPr>
+                      <m:t>𝑓𝑋𝑌</m:t>
+                    </m:r>
+                    <m:r>
+                      <a:rPr lang="en-US" altLang="ja-JP" sz="2400" i="1">
+                        <a:latin typeface="DejaVu Math TeX Gyre" panose="02000503000000000000" charset="0"/>
+                        <a:cs typeface="DejaVu Math TeX Gyre" panose="02000503000000000000" charset="0"/>
+                      </a:rPr>
+                      <m:t>(</m:t>
+                    </m:r>
+                    <m:r>
+                      <a:rPr lang="en-US" altLang="ja-JP" sz="2400" i="1">
+                        <a:latin typeface="DejaVu Math TeX Gyre" panose="02000503000000000000" charset="0"/>
+                        <a:cs typeface="DejaVu Math TeX Gyre" panose="02000503000000000000" charset="0"/>
+                      </a:rPr>
+                      <m:t>𝑥</m:t>
+                    </m:r>
+                    <m:r>
+                      <a:rPr lang="en-US" altLang="ja-JP" sz="2400" i="1">
+                        <a:latin typeface="DejaVu Math TeX Gyre" panose="02000503000000000000" charset="0"/>
+                        <a:cs typeface="DejaVu Math TeX Gyre" panose="02000503000000000000" charset="0"/>
+                      </a:rPr>
+                      <m:t>,</m:t>
+                    </m:r>
+                    <m:r>
+                      <a:rPr lang="en-US" altLang="ja-JP" sz="2400" i="1">
+                        <a:latin typeface="DejaVu Math TeX Gyre" panose="02000503000000000000" charset="0"/>
+                        <a:cs typeface="DejaVu Math TeX Gyre" panose="02000503000000000000" charset="0"/>
+                      </a:rPr>
+                      <m:t>𝑦</m:t>
+                    </m:r>
+                    <m:r>
+                      <a:rPr lang="en-US" altLang="ja-JP" sz="2400" i="1">
+                        <a:latin typeface="DejaVu Math TeX Gyre" panose="02000503000000000000" charset="0"/>
+                        <a:cs typeface="DejaVu Math TeX Gyre" panose="02000503000000000000" charset="0"/>
+                      </a:rPr>
+                      <m:t>)</m:t>
+                    </m:r>
+                  </m:oMath>
+                </a14:m>
+                <a:r>
+                  <a:rPr lang="ja-JP" altLang="en-US" sz="2400">
+                    <a:latin typeface="DejaVu Math TeX Gyre" panose="02000503000000000000" charset="0"/>
+                    <a:cs typeface="DejaVu Math TeX Gyre" panose="02000503000000000000" charset="0"/>
+                  </a:rPr>
+                  <a:t>であるとき、</a:t>
+                </a:r>
+                <a:endParaRPr lang="ja-JP" altLang="en-US" sz="2400">
+                  <a:latin typeface="DejaVu Math TeX Gyre" panose="02000503000000000000" charset="0"/>
+                  <a:cs typeface="DejaVu Math TeX Gyre" panose="02000503000000000000" charset="0"/>
+                </a:endParaRPr>
+              </a:p>
+              <a:p>
+                <a:endParaRPr lang="en-US" altLang="ja-JP" sz="2400" i="1">
+                  <a:latin typeface="DejaVu Math TeX Gyre" panose="02000503000000000000" charset="0"/>
+                  <a:cs typeface="DejaVu Math TeX Gyre" panose="02000503000000000000" charset="0"/>
+                </a:endParaRPr>
+              </a:p>
+              <a:p>
+                <a14:m>
+                  <m:oMathPara xmlns:m="http://schemas.openxmlformats.org/officeDocument/2006/math">
+                    <m:oMathParaPr>
+                      <m:jc m:val="centerGroup"/>
+                    </m:oMathParaPr>
+                    <m:oMath xmlns:m="http://schemas.openxmlformats.org/officeDocument/2006/math">
+                      <m:sSub>
+                        <m:sSubPr>
+                          <m:ctrlPr>
+                            <a:rPr lang="en-US" altLang="ja-JP" sz="2400" i="1">
+                              <a:latin typeface="DejaVu Math TeX Gyre" panose="02000503000000000000" charset="0"/>
+                              <a:cs typeface="DejaVu Math TeX Gyre" panose="02000503000000000000" charset="0"/>
+                            </a:rPr>
+                          </m:ctrlPr>
+                        </m:sSubPr>
+                        <m:e>
+                          <m:acc>
+                            <m:accPr>
+                              <m:chr m:val="̅"/>
+                              <m:ctrlPr>
+                                <a:rPr lang="en-US" altLang="ja-JP" sz="2400" i="1">
+                                  <a:latin typeface="DejaVu Math TeX Gyre" panose="02000503000000000000" charset="0"/>
+                                  <a:cs typeface="DejaVu Math TeX Gyre" panose="02000503000000000000" charset="0"/>
+                                </a:rPr>
+                              </m:ctrlPr>
+                            </m:accPr>
+                            <m:e>
+                              <m:r>
+                                <a:rPr lang="en-US" altLang="ja-JP" sz="2400" i="1">
+                                  <a:latin typeface="DejaVu Math TeX Gyre" panose="02000503000000000000" charset="0"/>
+                                  <a:cs typeface="DejaVu Math TeX Gyre" panose="02000503000000000000" charset="0"/>
+                                </a:rPr>
+                                <m:t>𝑦</m:t>
+                              </m:r>
+                            </m:e>
+                          </m:acc>
+                        </m:e>
+                        <m:sub>
+                          <m:r>
+                            <a:rPr lang="en-US" altLang="ja-JP" sz="2400" i="1">
+                              <a:latin typeface="DejaVu Math TeX Gyre" panose="02000503000000000000" charset="0"/>
+                              <a:cs typeface="DejaVu Math TeX Gyre" panose="02000503000000000000" charset="0"/>
+                            </a:rPr>
+                            <m:t>𝑗</m:t>
+                          </m:r>
+                        </m:sub>
+                      </m:sSub>
+                      <m:r>
+                        <a:rPr lang="en-US" altLang="ja-JP" sz="2400" i="1">
+                          <a:latin typeface="DejaVu Math TeX Gyre" panose="02000503000000000000" charset="0"/>
+                          <a:cs typeface="DejaVu Math TeX Gyre" panose="02000503000000000000" charset="0"/>
+                        </a:rPr>
+                        <m:t> </m:t>
+                      </m:r>
+                      <m:box>
+                        <m:boxPr>
+                          <m:noBreak m:val="on"/>
+                          <m:ctrlPr>
+                            <a:rPr lang="en-US" altLang="ja-JP" sz="2400" i="1">
+                              <a:latin typeface="DejaVu Math TeX Gyre" panose="02000503000000000000" charset="0"/>
+                              <a:cs typeface="DejaVu Math TeX Gyre" panose="02000503000000000000" charset="0"/>
+                            </a:rPr>
+                          </m:ctrlPr>
+                        </m:boxPr>
+                        <m:e>
+                          <m:r>
+                            <a:rPr lang="en-US" altLang="ja-JP" sz="2400" i="1">
+                              <a:latin typeface="DejaVu Math TeX Gyre" panose="02000503000000000000" charset="0"/>
+                              <a:cs typeface="DejaVu Math TeX Gyre" panose="02000503000000000000" charset="0"/>
+                            </a:rPr>
+                            <m:t>∶=</m:t>
+                          </m:r>
+                        </m:e>
+                      </m:box>
+                      <m:r>
+                        <a:rPr lang="en-US" altLang="ja-JP" sz="2400" i="1">
+                          <a:latin typeface="DejaVu Math TeX Gyre" panose="02000503000000000000" charset="0"/>
+                          <a:cs typeface="DejaVu Math TeX Gyre" panose="02000503000000000000" charset="0"/>
+                        </a:rPr>
+                        <m:t>𝐸</m:t>
+                      </m:r>
+                      <m:r>
+                        <a:rPr lang="en-US" altLang="ja-JP" sz="2400" i="1">
+                          <a:latin typeface="DejaVu Math TeX Gyre" panose="02000503000000000000" charset="0"/>
+                          <a:cs typeface="DejaVu Math TeX Gyre" panose="02000503000000000000" charset="0"/>
+                        </a:rPr>
+                        <m:t>[</m:t>
+                      </m:r>
+                      <m:r>
+                        <a:rPr lang="en-US" altLang="ja-JP" sz="2400" i="1">
+                          <a:latin typeface="DejaVu Math TeX Gyre" panose="02000503000000000000" charset="0"/>
+                          <a:cs typeface="DejaVu Math TeX Gyre" panose="02000503000000000000" charset="0"/>
+                        </a:rPr>
+                        <m:t>𝑌</m:t>
+                      </m:r>
+                      <m:r>
+                        <a:rPr lang="en-US" altLang="ja-JP" sz="2400" i="1">
+                          <a:latin typeface="DejaVu Math TeX Gyre" panose="02000503000000000000" charset="0"/>
+                          <a:cs typeface="DejaVu Math TeX Gyre" panose="02000503000000000000" charset="0"/>
+                        </a:rPr>
+                        <m:t>|</m:t>
+                      </m:r>
+                      <m:sSub>
+                        <m:sSubPr>
+                          <m:ctrlPr>
+                            <a:rPr lang="en-US" altLang="ja-JP" sz="2400" i="1">
+                              <a:latin typeface="DejaVu Math TeX Gyre" panose="02000503000000000000" charset="0"/>
+                              <a:cs typeface="DejaVu Math TeX Gyre" panose="02000503000000000000" charset="0"/>
+                            </a:rPr>
+                          </m:ctrlPr>
+                        </m:sSubPr>
+                        <m:e>
+                          <m:r>
+                            <a:rPr lang="en-US" altLang="ja-JP" sz="2400" i="1">
+                              <a:latin typeface="DejaVu Math TeX Gyre" panose="02000503000000000000" charset="0"/>
+                              <a:cs typeface="DejaVu Math TeX Gyre" panose="02000503000000000000" charset="0"/>
+                            </a:rPr>
+                            <m:t>𝑅</m:t>
+                          </m:r>
+                        </m:e>
+                        <m:sub>
+                          <m:r>
+                            <a:rPr lang="en-US" altLang="ja-JP" sz="2400" i="1">
+                              <a:latin typeface="DejaVu Math TeX Gyre" panose="02000503000000000000" charset="0"/>
+                              <a:cs typeface="DejaVu Math TeX Gyre" panose="02000503000000000000" charset="0"/>
+                            </a:rPr>
+                            <m:t>𝑗</m:t>
+                          </m:r>
+                        </m:sub>
+                      </m:sSub>
+                      <m:r>
+                        <a:rPr lang="en-US" altLang="ja-JP" sz="2400" i="1">
+                          <a:latin typeface="DejaVu Math TeX Gyre" panose="02000503000000000000" charset="0"/>
+                          <a:cs typeface="DejaVu Math TeX Gyre" panose="02000503000000000000" charset="0"/>
+                        </a:rPr>
+                        <m:t>]=</m:t>
+                      </m:r>
+                      <m:f>
+                        <m:fPr>
+                          <m:ctrlPr>
+                            <a:rPr lang="en-US" altLang="ja-JP" sz="2400" i="1">
+                              <a:latin typeface="DejaVu Math TeX Gyre" panose="02000503000000000000" charset="0"/>
+                              <a:cs typeface="DejaVu Math TeX Gyre" panose="02000503000000000000" charset="0"/>
+                            </a:rPr>
+                          </m:ctrlPr>
+                        </m:fPr>
+                        <m:num>
+                          <m:nary>
+                            <m:naryPr>
+                              <m:limLoc m:val="subSup"/>
+                              <m:ctrlPr>
+                                <a:rPr lang="en-US" altLang="ja-JP" sz="2400" i="1">
+                                  <a:latin typeface="DejaVu Math TeX Gyre" panose="02000503000000000000" charset="0"/>
+                                  <a:cs typeface="DejaVu Math TeX Gyre" panose="02000503000000000000" charset="0"/>
+                                </a:rPr>
+                              </m:ctrlPr>
+                            </m:naryPr>
+                            <m:sub>
+                              <m:r>
+                                <a:rPr lang="en-US" altLang="ja-JP" sz="2400" i="1">
+                                  <a:latin typeface="DejaVu Math TeX Gyre" panose="02000503000000000000" charset="0"/>
+                                  <a:cs typeface="DejaVu Math TeX Gyre" panose="02000503000000000000" charset="0"/>
+                                </a:rPr>
+                                <m:t>−</m:t>
+                              </m:r>
+                              <m:r>
+                                <a:rPr lang="en-US" altLang="ja-JP" sz="2400" i="1">
+                                  <a:latin typeface="DejaVu Math TeX Gyre" panose="02000503000000000000" charset="0"/>
+                                  <a:cs typeface="DejaVu Math TeX Gyre" panose="02000503000000000000" charset="0"/>
+                                </a:rPr>
+                                <m:t>∞</m:t>
+                              </m:r>
+                            </m:sub>
+                            <m:sup>
+                              <m:r>
+                                <a:rPr lang="en-US" altLang="ja-JP" sz="2400" i="1">
+                                  <a:latin typeface="DejaVu Math TeX Gyre" panose="02000503000000000000" charset="0"/>
+                                  <a:cs typeface="DejaVu Math TeX Gyre" panose="02000503000000000000" charset="0"/>
+                                </a:rPr>
+                                <m:t>∞</m:t>
+                              </m:r>
+                            </m:sup>
+                            <m:e>
+                              <m:nary>
+                                <m:naryPr>
+                                  <m:limLoc m:val="subSup"/>
+                                  <m:ctrlPr>
+                                    <a:rPr lang="en-US" altLang="ja-JP" sz="2400" i="1">
+                                      <a:latin typeface="DejaVu Math TeX Gyre" panose="02000503000000000000" charset="0"/>
+                                      <a:cs typeface="DejaVu Math TeX Gyre" panose="02000503000000000000" charset="0"/>
+                                    </a:rPr>
+                                  </m:ctrlPr>
+                                </m:naryPr>
+                                <m:sub>
+                                  <m:sSub>
+                                    <m:sSubPr>
+                                      <m:ctrlPr>
+                                        <a:rPr lang="en-US" altLang="ja-JP" sz="2400" i="1">
+                                          <a:latin typeface="DejaVu Math TeX Gyre" panose="02000503000000000000" charset="0"/>
+                                          <a:cs typeface="DejaVu Math TeX Gyre" panose="02000503000000000000" charset="0"/>
+                                        </a:rPr>
+                                      </m:ctrlPr>
+                                    </m:sSubPr>
+                                    <m:e>
+                                      <m:r>
+                                        <a:rPr lang="en-US" altLang="ja-JP" sz="2400" i="1">
+                                          <a:latin typeface="DejaVu Math TeX Gyre" panose="02000503000000000000" charset="0"/>
+                                          <a:cs typeface="DejaVu Math TeX Gyre" panose="02000503000000000000" charset="0"/>
+                                        </a:rPr>
+                                        <m:t>𝑅</m:t>
+                                      </m:r>
+                                    </m:e>
+                                    <m:sub>
+                                      <m:r>
+                                        <a:rPr lang="en-US" altLang="ja-JP" sz="2400" i="1">
+                                          <a:latin typeface="DejaVu Math TeX Gyre" panose="02000503000000000000" charset="0"/>
+                                          <a:cs typeface="DejaVu Math TeX Gyre" panose="02000503000000000000" charset="0"/>
+                                        </a:rPr>
+                                        <m:t>𝑗</m:t>
+                                      </m:r>
+                                    </m:sub>
+                                  </m:sSub>
+                                </m:sub>
+                                <m:sup/>
+                                <m:e>
+                                  <m:r>
+                                    <a:rPr lang="en-US" altLang="ja-JP" sz="2400" i="1">
+                                      <a:latin typeface="DejaVu Math TeX Gyre" panose="02000503000000000000" charset="0"/>
+                                      <a:cs typeface="DejaVu Math TeX Gyre" panose="02000503000000000000" charset="0"/>
+                                    </a:rPr>
+                                    <m:t>𝑦𝑓𝑋𝑌</m:t>
+                                  </m:r>
+                                  <m:r>
+                                    <a:rPr lang="en-US" altLang="ja-JP" sz="2400" i="1">
+                                      <a:latin typeface="DejaVu Math TeX Gyre" panose="02000503000000000000" charset="0"/>
+                                      <a:cs typeface="DejaVu Math TeX Gyre" panose="02000503000000000000" charset="0"/>
+                                    </a:rPr>
+                                    <m:t>(</m:t>
+                                  </m:r>
+                                  <m:r>
+                                    <a:rPr lang="en-US" altLang="ja-JP" sz="2400" i="1">
+                                      <a:latin typeface="DejaVu Math TeX Gyre" panose="02000503000000000000" charset="0"/>
+                                      <a:cs typeface="DejaVu Math TeX Gyre" panose="02000503000000000000" charset="0"/>
+                                    </a:rPr>
+                                    <m:t>𝑥</m:t>
+                                  </m:r>
+                                  <m:r>
+                                    <a:rPr lang="en-US" altLang="ja-JP" sz="2400" i="1">
+                                      <a:latin typeface="DejaVu Math TeX Gyre" panose="02000503000000000000" charset="0"/>
+                                      <a:cs typeface="DejaVu Math TeX Gyre" panose="02000503000000000000" charset="0"/>
+                                    </a:rPr>
+                                    <m:t>,</m:t>
+                                  </m:r>
+                                  <m:r>
+                                    <a:rPr lang="en-US" altLang="ja-JP" sz="2400" i="1">
+                                      <a:latin typeface="DejaVu Math TeX Gyre" panose="02000503000000000000" charset="0"/>
+                                      <a:cs typeface="DejaVu Math TeX Gyre" panose="02000503000000000000" charset="0"/>
+                                    </a:rPr>
+                                    <m:t>𝑦</m:t>
+                                  </m:r>
+                                  <m:r>
+                                    <a:rPr lang="en-US" altLang="ja-JP" sz="2400" i="1">
+                                      <a:latin typeface="DejaVu Math TeX Gyre" panose="02000503000000000000" charset="0"/>
+                                      <a:cs typeface="DejaVu Math TeX Gyre" panose="02000503000000000000" charset="0"/>
+                                    </a:rPr>
+                                    <m:t>)</m:t>
+                                  </m:r>
+                                  <m:r>
+                                    <a:rPr lang="en-US" altLang="ja-JP" sz="2400" i="1">
+                                      <a:latin typeface="DejaVu Math TeX Gyre" panose="02000503000000000000" charset="0"/>
+                                      <a:cs typeface="DejaVu Math TeX Gyre" panose="02000503000000000000" charset="0"/>
+                                    </a:rPr>
+                                    <m:t>𝑑𝑥</m:t>
+                                  </m:r>
+                                </m:e>
+                              </m:nary>
+                            </m:e>
+                          </m:nary>
+                          <m:r>
+                            <a:rPr lang="en-US" altLang="ja-JP" sz="2400" i="1">
+                              <a:latin typeface="DejaVu Math TeX Gyre" panose="02000503000000000000" charset="0"/>
+                              <a:cs typeface="DejaVu Math TeX Gyre" panose="02000503000000000000" charset="0"/>
+                            </a:rPr>
+                            <m:t>𝑑𝑦</m:t>
+                          </m:r>
+                        </m:num>
+                        <m:den>
+                          <m:nary>
+                            <m:naryPr>
+                              <m:limLoc m:val="subSup"/>
+                              <m:ctrlPr>
+                                <a:rPr lang="en-US" altLang="ja-JP" sz="2400" i="1">
+                                  <a:latin typeface="DejaVu Math TeX Gyre" panose="02000503000000000000" charset="0"/>
+                                  <a:cs typeface="DejaVu Math TeX Gyre" panose="02000503000000000000" charset="0"/>
+                                </a:rPr>
+                              </m:ctrlPr>
+                            </m:naryPr>
+                            <m:sub>
+                              <m:r>
+                                <a:rPr lang="en-US" altLang="ja-JP" sz="2400" i="1">
+                                  <a:latin typeface="DejaVu Math TeX Gyre" panose="02000503000000000000" charset="0"/>
+                                  <a:cs typeface="DejaVu Math TeX Gyre" panose="02000503000000000000" charset="0"/>
+                                </a:rPr>
+                                <m:t>−∞</m:t>
+                              </m:r>
+                            </m:sub>
+                            <m:sup>
+                              <m:r>
+                                <a:rPr lang="en-US" altLang="ja-JP" sz="2400" i="1">
+                                  <a:latin typeface="DejaVu Math TeX Gyre" panose="02000503000000000000" charset="0"/>
+                                  <a:cs typeface="DejaVu Math TeX Gyre" panose="02000503000000000000" charset="0"/>
+                                </a:rPr>
+                                <m:t>∞</m:t>
+                              </m:r>
+                            </m:sup>
+                            <m:e>
+                              <m:nary>
+                                <m:naryPr>
+                                  <m:limLoc m:val="subSup"/>
+                                  <m:ctrlPr>
+                                    <a:rPr lang="en-US" altLang="ja-JP" sz="2400" i="1">
+                                      <a:latin typeface="DejaVu Math TeX Gyre" panose="02000503000000000000" charset="0"/>
+                                      <a:cs typeface="DejaVu Math TeX Gyre" panose="02000503000000000000" charset="0"/>
+                                    </a:rPr>
+                                  </m:ctrlPr>
+                                </m:naryPr>
+                                <m:sub>
+                                  <m:sSub>
+                                    <m:sSubPr>
+                                      <m:ctrlPr>
+                                        <a:rPr lang="en-US" altLang="ja-JP" sz="2400" i="1">
+                                          <a:latin typeface="DejaVu Math TeX Gyre" panose="02000503000000000000" charset="0"/>
+                                          <a:cs typeface="DejaVu Math TeX Gyre" panose="02000503000000000000" charset="0"/>
+                                        </a:rPr>
+                                      </m:ctrlPr>
+                                    </m:sSubPr>
+                                    <m:e>
+                                      <m:r>
+                                        <a:rPr lang="en-US" altLang="ja-JP" sz="2400" i="1">
+                                          <a:latin typeface="DejaVu Math TeX Gyre" panose="02000503000000000000" charset="0"/>
+                                          <a:cs typeface="DejaVu Math TeX Gyre" panose="02000503000000000000" charset="0"/>
+                                        </a:rPr>
+                                        <m:t>𝑅</m:t>
+                                      </m:r>
+                                    </m:e>
+                                    <m:sub>
+                                      <m:r>
+                                        <a:rPr lang="en-US" altLang="ja-JP" sz="2400" i="1">
+                                          <a:latin typeface="DejaVu Math TeX Gyre" panose="02000503000000000000" charset="0"/>
+                                          <a:cs typeface="DejaVu Math TeX Gyre" panose="02000503000000000000" charset="0"/>
+                                        </a:rPr>
+                                        <m:t>𝑗</m:t>
+                                      </m:r>
+                                    </m:sub>
+                                  </m:sSub>
+                                </m:sub>
+                                <m:sup/>
+                                <m:e>
+                                  <m:r>
+                                    <a:rPr lang="en-US" altLang="ja-JP" sz="2400" i="1">
+                                      <a:latin typeface="DejaVu Math TeX Gyre" panose="02000503000000000000" charset="0"/>
+                                      <a:cs typeface="DejaVu Math TeX Gyre" panose="02000503000000000000" charset="0"/>
+                                    </a:rPr>
+                                    <m:t>𝑓𝑋𝑌</m:t>
+                                  </m:r>
+                                  <m:r>
+                                    <a:rPr lang="en-US" altLang="ja-JP" sz="2400" i="1">
+                                      <a:latin typeface="DejaVu Math TeX Gyre" panose="02000503000000000000" charset="0"/>
+                                      <a:cs typeface="DejaVu Math TeX Gyre" panose="02000503000000000000" charset="0"/>
+                                    </a:rPr>
+                                    <m:t>(</m:t>
+                                  </m:r>
+                                  <m:r>
+                                    <a:rPr lang="en-US" altLang="ja-JP" sz="2400" i="1">
+                                      <a:latin typeface="DejaVu Math TeX Gyre" panose="02000503000000000000" charset="0"/>
+                                      <a:cs typeface="DejaVu Math TeX Gyre" panose="02000503000000000000" charset="0"/>
+                                    </a:rPr>
+                                    <m:t>𝑥</m:t>
+                                  </m:r>
+                                  <m:r>
+                                    <a:rPr lang="en-US" altLang="ja-JP" sz="2400" i="1">
+                                      <a:latin typeface="DejaVu Math TeX Gyre" panose="02000503000000000000" charset="0"/>
+                                      <a:cs typeface="DejaVu Math TeX Gyre" panose="02000503000000000000" charset="0"/>
+                                    </a:rPr>
+                                    <m:t>,</m:t>
+                                  </m:r>
+                                  <m:r>
+                                    <a:rPr lang="en-US" altLang="ja-JP" sz="2400" i="1">
+                                      <a:latin typeface="DejaVu Math TeX Gyre" panose="02000503000000000000" charset="0"/>
+                                      <a:cs typeface="DejaVu Math TeX Gyre" panose="02000503000000000000" charset="0"/>
+                                    </a:rPr>
+                                    <m:t>𝑦</m:t>
+                                  </m:r>
+                                  <m:r>
+                                    <a:rPr lang="en-US" altLang="ja-JP" sz="2400" i="1">
+                                      <a:latin typeface="DejaVu Math TeX Gyre" panose="02000503000000000000" charset="0"/>
+                                      <a:cs typeface="DejaVu Math TeX Gyre" panose="02000503000000000000" charset="0"/>
+                                    </a:rPr>
+                                    <m:t>)</m:t>
+                                  </m:r>
+                                  <m:r>
+                                    <a:rPr lang="en-US" altLang="ja-JP" sz="2400" i="1">
+                                      <a:latin typeface="DejaVu Math TeX Gyre" panose="02000503000000000000" charset="0"/>
+                                      <a:cs typeface="DejaVu Math TeX Gyre" panose="02000503000000000000" charset="0"/>
+                                    </a:rPr>
+                                    <m:t>𝑑𝑥</m:t>
+                                  </m:r>
+                                </m:e>
+                              </m:nary>
+                            </m:e>
+                          </m:nary>
+                          <m:r>
+                            <a:rPr lang="en-US" altLang="ja-JP" sz="2400" i="1">
+                              <a:latin typeface="DejaVu Math TeX Gyre" panose="02000503000000000000" charset="0"/>
+                              <a:cs typeface="DejaVu Math TeX Gyre" panose="02000503000000000000" charset="0"/>
+                            </a:rPr>
+                            <m:t>𝑑𝑥</m:t>
+                          </m:r>
+                        </m:den>
+                      </m:f>
+                    </m:oMath>
+                  </m:oMathPara>
+                </a14:m>
+                <a:endParaRPr lang="en-US" altLang="ja-JP" sz="2400" i="1">
+                  <a:latin typeface="DejaVu Math TeX Gyre" panose="02000503000000000000" charset="0"/>
+                  <a:cs typeface="DejaVu Math TeX Gyre" panose="02000503000000000000" charset="0"/>
+                </a:endParaRPr>
+              </a:p>
+              <a:p>
+                <a:r>
+                  <a:rPr lang="ja-JP" altLang="en-US" sz="2400"/>
+                  <a:t>として、</a:t>
+                </a:r>
+                <a:endParaRPr lang="ja-JP" altLang="en-US" sz="2400"/>
+              </a:p>
+              <a:p>
+                <a14:m>
+                  <m:oMathPara xmlns:m="http://schemas.openxmlformats.org/officeDocument/2006/math">
+                    <m:oMathParaPr>
+                      <m:jc m:val="centerGroup"/>
+                    </m:oMathParaPr>
+                    <m:oMath xmlns:m="http://schemas.openxmlformats.org/officeDocument/2006/math">
+                      <m:sSub>
+                        <m:sSubPr>
+                          <m:ctrlPr>
+                            <a:rPr lang="en-US" altLang="ja-JP" sz="2400" i="1">
+                              <a:latin typeface="DejaVu Math TeX Gyre" panose="02000503000000000000" charset="0"/>
+                              <a:cs typeface="DejaVu Math TeX Gyre" panose="02000503000000000000" charset="0"/>
+                            </a:rPr>
+                          </m:ctrlPr>
+                        </m:sSubPr>
+                        <m:e>
+                          <m:r>
+                            <a:rPr lang="en-US" altLang="ja-JP" sz="2400" i="1">
+                              <a:latin typeface="DejaVu Math TeX Gyre" panose="02000503000000000000" charset="0"/>
+                              <a:cs typeface="DejaVu Math TeX Gyre" panose="02000503000000000000" charset="0"/>
+                            </a:rPr>
+                            <m:t>𝑥</m:t>
+                          </m:r>
+                        </m:e>
+                        <m:sub>
+                          <m:r>
+                            <a:rPr lang="en-US" altLang="ja-JP" sz="2400" i="1">
+                              <a:latin typeface="DejaVu Math TeX Gyre" panose="02000503000000000000" charset="0"/>
+                              <a:cs typeface="DejaVu Math TeX Gyre" panose="02000503000000000000" charset="0"/>
+                            </a:rPr>
+                            <m:t>𝑖</m:t>
+                          </m:r>
+                        </m:sub>
+                      </m:sSub>
+                      <m:r>
+                        <a:rPr lang="en-US" altLang="ja-JP" sz="2400" i="1">
+                          <a:latin typeface="DejaVu Math TeX Gyre" panose="02000503000000000000" charset="0"/>
+                          <a:cs typeface="DejaVu Math TeX Gyre" panose="02000503000000000000" charset="0"/>
+                        </a:rPr>
+                        <m:t>∈</m:t>
+                      </m:r>
+                      <m:sSub>
+                        <m:sSubPr>
+                          <m:ctrlPr>
+                            <a:rPr lang="en-US" altLang="ja-JP" sz="2400" i="1">
+                              <a:latin typeface="DejaVu Math TeX Gyre" panose="02000503000000000000" charset="0"/>
+                              <a:cs typeface="DejaVu Math TeX Gyre" panose="02000503000000000000" charset="0"/>
+                            </a:rPr>
+                          </m:ctrlPr>
+                        </m:sSubPr>
+                        <m:e>
+                          <m:r>
+                            <a:rPr lang="en-US" altLang="ja-JP" sz="2400" i="1">
+                              <a:latin typeface="DejaVu Math TeX Gyre" panose="02000503000000000000" charset="0"/>
+                              <a:cs typeface="DejaVu Math TeX Gyre" panose="02000503000000000000" charset="0"/>
+                            </a:rPr>
+                            <m:t>𝑅</m:t>
+                          </m:r>
+                        </m:e>
+                        <m:sub>
+                          <m:r>
+                            <a:rPr lang="en-US" altLang="ja-JP" sz="2400" i="1">
+                              <a:latin typeface="DejaVu Math TeX Gyre" panose="02000503000000000000" charset="0"/>
+                              <a:cs typeface="DejaVu Math TeX Gyre" panose="02000503000000000000" charset="0"/>
+                            </a:rPr>
+                            <m:t>𝑗</m:t>
+                          </m:r>
+                        </m:sub>
+                      </m:sSub>
+                      <m:box>
+                        <m:boxPr>
+                          <m:noBreak m:val="on"/>
+                          <m:ctrlPr>
+                            <a:rPr lang="en-US" altLang="ja-JP" sz="2400" i="1">
+                              <a:latin typeface="DejaVu Math TeX Gyre" panose="02000503000000000000" charset="0"/>
+                              <a:cs typeface="DejaVu Math TeX Gyre" panose="02000503000000000000" charset="0"/>
+                            </a:rPr>
+                          </m:ctrlPr>
+                        </m:boxPr>
+                        <m:e>
+                          <m:r>
+                            <a:rPr lang="en-US" altLang="ja-JP" sz="2400" i="1">
+                              <a:latin typeface="DejaVu Math TeX Gyre" panose="02000503000000000000" charset="0"/>
+                              <a:cs typeface="DejaVu Math TeX Gyre" panose="02000503000000000000" charset="0"/>
+                            </a:rPr>
+                            <m:t> </m:t>
+                          </m:r>
+                          <m:groupChr>
+                            <m:groupChrPr>
+                              <m:chr m:val="⇒"/>
+                              <m:vertJc m:val="bot"/>
+                              <m:ctrlPr>
+                                <a:rPr lang="en-US" altLang="ja-JP" sz="2400" i="1">
+                                  <a:latin typeface="DejaVu Math TeX Gyre" panose="02000503000000000000" charset="0"/>
+                                  <a:cs typeface="DejaVu Math TeX Gyre" panose="02000503000000000000" charset="0"/>
+                                </a:rPr>
+                              </m:ctrlPr>
+                            </m:groupChrPr>
+                            <m:e/>
+                          </m:groupChr>
+                          <m:r>
+                            <a:rPr lang="en-US" altLang="ja-JP" sz="2400" i="1">
+                              <a:latin typeface="DejaVu Math TeX Gyre" panose="02000503000000000000" charset="0"/>
+                              <a:cs typeface="DejaVu Math TeX Gyre" panose="02000503000000000000" charset="0"/>
+                            </a:rPr>
+                            <m:t> </m:t>
+                          </m:r>
+                          <m:sSub>
+                            <m:sSubPr>
+                              <m:ctrlPr>
+                                <a:rPr lang="en-US" altLang="ja-JP" sz="2400" i="1">
+                                  <a:latin typeface="DejaVu Math TeX Gyre" panose="02000503000000000000" charset="0"/>
+                                  <a:cs typeface="DejaVu Math TeX Gyre" panose="02000503000000000000" charset="0"/>
+                                </a:rPr>
+                              </m:ctrlPr>
+                            </m:sSubPr>
+                            <m:e>
+                              <m:acc>
+                                <m:accPr>
+                                  <m:ctrlPr>
+                                    <a:rPr lang="en-US" altLang="ja-JP" sz="2400" i="1">
+                                      <a:latin typeface="DejaVu Math TeX Gyre" panose="02000503000000000000" charset="0"/>
+                                      <a:cs typeface="DejaVu Math TeX Gyre" panose="02000503000000000000" charset="0"/>
+                                    </a:rPr>
+                                  </m:ctrlPr>
+                                </m:accPr>
+                                <m:e>
+                                  <m:r>
+                                    <a:rPr lang="en-US" altLang="ja-JP" sz="2400" i="1">
+                                      <a:latin typeface="DejaVu Math TeX Gyre" panose="02000503000000000000" charset="0"/>
+                                      <a:cs typeface="DejaVu Math TeX Gyre" panose="02000503000000000000" charset="0"/>
+                                    </a:rPr>
+                                    <m:t>𝑦</m:t>
+                                  </m:r>
+                                </m:e>
+                              </m:acc>
+                            </m:e>
+                            <m:sub>
+                              <m:r>
+                                <a:rPr lang="en-US" altLang="ja-JP" sz="2400" i="1">
+                                  <a:latin typeface="DejaVu Math TeX Gyre" panose="02000503000000000000" charset="0"/>
+                                  <a:cs typeface="DejaVu Math TeX Gyre" panose="02000503000000000000" charset="0"/>
+                                </a:rPr>
+                                <m:t>𝑖</m:t>
+                              </m:r>
+                            </m:sub>
+                          </m:sSub>
+                        </m:e>
+                      </m:box>
+                      <m:r>
+                        <a:rPr lang="en-US" altLang="ja-JP" sz="2400" i="1">
+                          <a:latin typeface="DejaVu Math TeX Gyre" panose="02000503000000000000" charset="0"/>
+                          <a:cs typeface="DejaVu Math TeX Gyre" panose="02000503000000000000" charset="0"/>
+                        </a:rPr>
+                        <m:t>=</m:t>
+                      </m:r>
+                      <m:sSub>
+                        <m:sSubPr>
+                          <m:ctrlPr>
+                            <a:rPr lang="en-US" altLang="ja-JP" sz="2400" i="1">
+                              <a:latin typeface="DejaVu Math TeX Gyre" panose="02000503000000000000" charset="0"/>
+                              <a:cs typeface="DejaVu Math TeX Gyre" panose="02000503000000000000" charset="0"/>
+                            </a:rPr>
+                          </m:ctrlPr>
+                        </m:sSubPr>
+                        <m:e>
+                          <m:acc>
+                            <m:accPr>
+                              <m:chr m:val="̅"/>
+                              <m:ctrlPr>
+                                <a:rPr lang="en-US" altLang="ja-JP" sz="2400" i="1">
+                                  <a:latin typeface="DejaVu Math TeX Gyre" panose="02000503000000000000" charset="0"/>
+                                  <a:cs typeface="DejaVu Math TeX Gyre" panose="02000503000000000000" charset="0"/>
+                                </a:rPr>
+                              </m:ctrlPr>
+                            </m:accPr>
+                            <m:e>
+                              <m:r>
+                                <a:rPr lang="en-US" altLang="ja-JP" sz="2400" i="1">
+                                  <a:latin typeface="DejaVu Math TeX Gyre" panose="02000503000000000000" charset="0"/>
+                                  <a:cs typeface="DejaVu Math TeX Gyre" panose="02000503000000000000" charset="0"/>
+                                </a:rPr>
+                                <m:t>𝑦</m:t>
+                              </m:r>
+                            </m:e>
+                          </m:acc>
+                        </m:e>
+                        <m:sub>
+                          <m:r>
+                            <a:rPr lang="en-US" altLang="ja-JP" sz="2400" i="1">
+                              <a:latin typeface="DejaVu Math TeX Gyre" panose="02000503000000000000" charset="0"/>
+                              <a:cs typeface="DejaVu Math TeX Gyre" panose="02000503000000000000" charset="0"/>
+                            </a:rPr>
+                            <m:t>𝑗</m:t>
+                          </m:r>
+                        </m:sub>
+                      </m:sSub>
+                    </m:oMath>
+                  </m:oMathPara>
+                </a14:m>
+                <a:endParaRPr lang="en-US" altLang="ja-JP" sz="2400" i="1">
+                  <a:latin typeface="DejaVu Math TeX Gyre" panose="02000503000000000000" charset="0"/>
+                  <a:cs typeface="DejaVu Math TeX Gyre" panose="02000503000000000000" charset="0"/>
+                </a:endParaRPr>
+              </a:p>
+              <a:p>
+                <a:r>
+                  <a:rPr lang="ja-JP" altLang="en-US" sz="2400"/>
+                  <a:t>というルールを定め、</a:t>
+                </a:r>
+                <a:endParaRPr lang="ja-JP" altLang="en-US" sz="2400"/>
+              </a:p>
+              <a:p>
+                <a:endParaRPr lang="ja-JP" altLang="en-US" sz="2400"/>
+              </a:p>
+              <a:p>
+                <a14:m>
+                  <m:oMathPara xmlns:m="http://schemas.openxmlformats.org/officeDocument/2006/math">
+                    <m:oMathParaPr>
+                      <m:jc m:val="centerGroup"/>
+                    </m:oMathParaPr>
+                    <m:oMath xmlns:m="http://schemas.openxmlformats.org/officeDocument/2006/math">
+                      <m:nary>
+                        <m:naryPr>
+                          <m:limLoc m:val="subSup"/>
+                          <m:ctrlPr>
+                            <a:rPr lang="en-US" altLang="ja-JP" sz="2400" i="1">
+                              <a:latin typeface="DejaVu Math TeX Gyre" panose="02000503000000000000" charset="0"/>
+                              <a:cs typeface="DejaVu Math TeX Gyre" panose="02000503000000000000" charset="0"/>
+                            </a:rPr>
+                          </m:ctrlPr>
+                        </m:naryPr>
+                        <m:sub>
+                          <m:r>
+                            <a:rPr lang="en-US" altLang="ja-JP" sz="2400" i="1">
+                              <a:latin typeface="DejaVu Math TeX Gyre" panose="02000503000000000000" charset="0"/>
+                              <a:cs typeface="DejaVu Math TeX Gyre" panose="02000503000000000000" charset="0"/>
+                            </a:rPr>
+                            <m:t>−∞</m:t>
+                          </m:r>
+                        </m:sub>
+                        <m:sup>
+                          <m:r>
+                            <a:rPr lang="en-US" altLang="ja-JP" sz="2400" i="1">
+                              <a:latin typeface="DejaVu Math TeX Gyre" panose="02000503000000000000" charset="0"/>
+                              <a:cs typeface="DejaVu Math TeX Gyre" panose="02000503000000000000" charset="0"/>
+                            </a:rPr>
+                            <m:t>∞</m:t>
+                          </m:r>
+                        </m:sup>
+                        <m:e>
+                          <m:nary>
+                            <m:naryPr>
+                              <m:chr m:val="∑"/>
+                              <m:limLoc m:val="undOvr"/>
+                              <m:ctrlPr>
+                                <a:rPr lang="en-US" altLang="ja-JP" sz="2400" i="1">
+                                  <a:latin typeface="DejaVu Math TeX Gyre" panose="02000503000000000000" charset="0"/>
+                                  <a:cs typeface="DejaVu Math TeX Gyre" panose="02000503000000000000" charset="0"/>
+                                </a:rPr>
+                              </m:ctrlPr>
+                            </m:naryPr>
+                            <m:sub>
+                              <m:r>
+                                <a:rPr lang="en-US" altLang="ja-JP" sz="2400" i="1">
+                                  <a:latin typeface="DejaVu Math TeX Gyre" panose="02000503000000000000" charset="0"/>
+                                  <a:cs typeface="DejaVu Math TeX Gyre" panose="02000503000000000000" charset="0"/>
+                                </a:rPr>
+                                <m:t>𝑗</m:t>
+                              </m:r>
+                              <m:r>
+                                <a:rPr lang="en-US" altLang="ja-JP" sz="2400" i="1">
+                                  <a:latin typeface="DejaVu Math TeX Gyre" panose="02000503000000000000" charset="0"/>
+                                  <a:cs typeface="DejaVu Math TeX Gyre" panose="02000503000000000000" charset="0"/>
+                                </a:rPr>
+                                <m:t>=</m:t>
+                              </m:r>
+                              <m:r>
+                                <a:rPr lang="en-US" altLang="ja-JP" sz="2400" i="1">
+                                  <a:latin typeface="DejaVu Math TeX Gyre" panose="02000503000000000000" charset="0"/>
+                                  <a:cs typeface="DejaVu Math TeX Gyre" panose="02000503000000000000" charset="0"/>
+                                </a:rPr>
+                                <m:t>1</m:t>
+                              </m:r>
+                            </m:sub>
+                            <m:sup>
+                              <m:r>
+                                <a:rPr lang="en-US" altLang="ja-JP" sz="2400" i="1">
+                                  <a:latin typeface="DejaVu Math TeX Gyre" panose="02000503000000000000" charset="0"/>
+                                  <a:cs typeface="DejaVu Math TeX Gyre" panose="02000503000000000000" charset="0"/>
+                                </a:rPr>
+                                <m:t>𝑚</m:t>
+                              </m:r>
+                            </m:sup>
+                            <m:e>
+                              <m:nary>
+                                <m:naryPr>
+                                  <m:limLoc m:val="subSup"/>
+                                  <m:ctrlPr>
+                                    <a:rPr lang="en-US" altLang="ja-JP" sz="2400" i="1">
+                                      <a:latin typeface="DejaVu Math TeX Gyre" panose="02000503000000000000" charset="0"/>
+                                      <a:cs typeface="DejaVu Math TeX Gyre" panose="02000503000000000000" charset="0"/>
+                                    </a:rPr>
+                                  </m:ctrlPr>
+                                </m:naryPr>
+                                <m:sub>
+                                  <m:sSub>
+                                    <m:sSubPr>
+                                      <m:ctrlPr>
+                                        <a:rPr lang="en-US" altLang="ja-JP" sz="2400" i="1">
+                                          <a:latin typeface="DejaVu Math TeX Gyre" panose="02000503000000000000" charset="0"/>
+                                          <a:cs typeface="DejaVu Math TeX Gyre" panose="02000503000000000000" charset="0"/>
+                                        </a:rPr>
+                                      </m:ctrlPr>
+                                    </m:sSubPr>
+                                    <m:e>
+                                      <m:r>
+                                        <a:rPr lang="en-US" altLang="ja-JP" sz="2400" i="1">
+                                          <a:latin typeface="DejaVu Math TeX Gyre" panose="02000503000000000000" charset="0"/>
+                                          <a:cs typeface="DejaVu Math TeX Gyre" panose="02000503000000000000" charset="0"/>
+                                        </a:rPr>
+                                        <m:t>𝑅</m:t>
+                                      </m:r>
+                                    </m:e>
+                                    <m:sub>
+                                      <m:r>
+                                        <a:rPr lang="en-US" altLang="ja-JP" sz="2400" i="1">
+                                          <a:latin typeface="DejaVu Math TeX Gyre" panose="02000503000000000000" charset="0"/>
+                                          <a:cs typeface="DejaVu Math TeX Gyre" panose="02000503000000000000" charset="0"/>
+                                        </a:rPr>
+                                        <m:t>𝑗</m:t>
+                                      </m:r>
+                                    </m:sub>
+                                  </m:sSub>
+                                </m:sub>
+                                <m:sup/>
+                                <m:e>
+                                  <m:r>
+                                    <a:rPr lang="en-US" altLang="ja-JP" sz="2400" i="1">
+                                      <a:latin typeface="DejaVu Math TeX Gyre" panose="02000503000000000000" charset="0"/>
+                                      <a:cs typeface="DejaVu Math TeX Gyre" panose="02000503000000000000" charset="0"/>
+                                    </a:rPr>
+                                    <m:t>(</m:t>
+                                  </m:r>
+                                  <m:r>
+                                    <a:rPr lang="en-US" altLang="ja-JP" sz="2400" i="1">
+                                      <a:latin typeface="DejaVu Math TeX Gyre" panose="02000503000000000000" charset="0"/>
+                                      <a:cs typeface="DejaVu Math TeX Gyre" panose="02000503000000000000" charset="0"/>
+                                    </a:rPr>
+                                    <m:t>𝑦−</m:t>
+                                  </m:r>
+                                  <m:sSub>
+                                    <m:sSubPr>
+                                      <m:ctrlPr>
+                                        <a:rPr lang="en-US" altLang="ja-JP" sz="2400" i="1">
+                                          <a:latin typeface="DejaVu Math TeX Gyre" panose="02000503000000000000" charset="0"/>
+                                          <a:cs typeface="DejaVu Math TeX Gyre" panose="02000503000000000000" charset="0"/>
+                                        </a:rPr>
+                                      </m:ctrlPr>
+                                    </m:sSubPr>
+                                    <m:e>
+                                      <m:acc>
+                                        <m:accPr>
+                                          <m:chr m:val="̅"/>
+                                          <m:ctrlPr>
+                                            <a:rPr lang="en-US" altLang="ja-JP" sz="2400" i="1">
+                                              <a:latin typeface="DejaVu Math TeX Gyre" panose="02000503000000000000" charset="0"/>
+                                              <a:cs typeface="DejaVu Math TeX Gyre" panose="02000503000000000000" charset="0"/>
+                                            </a:rPr>
+                                          </m:ctrlPr>
+                                        </m:accPr>
+                                        <m:e>
+                                          <m:r>
+                                            <a:rPr lang="en-US" altLang="ja-JP" sz="2400" i="1">
+                                              <a:latin typeface="DejaVu Math TeX Gyre" panose="02000503000000000000" charset="0"/>
+                                              <a:cs typeface="DejaVu Math TeX Gyre" panose="02000503000000000000" charset="0"/>
+                                            </a:rPr>
+                                            <m:t>𝑦</m:t>
+                                          </m:r>
+                                        </m:e>
+                                      </m:acc>
+                                    </m:e>
+                                    <m:sub>
+                                      <m:r>
+                                        <a:rPr lang="en-US" altLang="ja-JP" sz="2400" i="1">
+                                          <a:latin typeface="DejaVu Math TeX Gyre" panose="02000503000000000000" charset="0"/>
+                                          <a:cs typeface="DejaVu Math TeX Gyre" panose="02000503000000000000" charset="0"/>
+                                        </a:rPr>
+                                        <m:t>𝑗</m:t>
+                                      </m:r>
+                                    </m:sub>
+                                  </m:sSub>
+                                  <m:sSup>
+                                    <m:sSupPr>
+                                      <m:ctrlPr>
+                                        <a:rPr lang="en-US" altLang="ja-JP" sz="2400" i="1">
+                                          <a:latin typeface="DejaVu Math TeX Gyre" panose="02000503000000000000" charset="0"/>
+                                          <a:cs typeface="DejaVu Math TeX Gyre" panose="02000503000000000000" charset="0"/>
+                                        </a:rPr>
+                                      </m:ctrlPr>
+                                    </m:sSupPr>
+                                    <m:e>
+                                      <m:r>
+                                        <a:rPr lang="en-US" altLang="ja-JP" sz="2400" i="1">
+                                          <a:latin typeface="DejaVu Math TeX Gyre" panose="02000503000000000000" charset="0"/>
+                                          <a:cs typeface="DejaVu Math TeX Gyre" panose="02000503000000000000" charset="0"/>
+                                        </a:rPr>
+                                        <m:t>)</m:t>
+                                      </m:r>
+                                    </m:e>
+                                    <m:sup>
+                                      <m:r>
+                                        <a:rPr lang="en-US" altLang="ja-JP" sz="2400" i="1">
+                                          <a:latin typeface="DejaVu Math TeX Gyre" panose="02000503000000000000" charset="0"/>
+                                          <a:cs typeface="DejaVu Math TeX Gyre" panose="02000503000000000000" charset="0"/>
+                                        </a:rPr>
+                                        <m:t>2</m:t>
+                                      </m:r>
+                                    </m:sup>
+                                  </m:sSup>
+                                  <m:r>
+                                    <a:rPr lang="en-US" altLang="ja-JP" sz="2400" i="1">
+                                      <a:latin typeface="DejaVu Math TeX Gyre" panose="02000503000000000000" charset="0"/>
+                                      <a:cs typeface="DejaVu Math TeX Gyre" panose="02000503000000000000" charset="0"/>
+                                    </a:rPr>
+                                    <m:t>𝑓</m:t>
+                                  </m:r>
+                                  <m:r>
+                                    <a:rPr lang="en-US" altLang="ja-JP" sz="2400" i="1">
+                                      <a:latin typeface="DejaVu Math TeX Gyre" panose="02000503000000000000" charset="0"/>
+                                      <a:cs typeface="DejaVu Math TeX Gyre" panose="02000503000000000000" charset="0"/>
+                                    </a:rPr>
+                                    <m:t>(</m:t>
+                                  </m:r>
+                                  <m:r>
+                                    <a:rPr lang="en-US" altLang="ja-JP" sz="2400" i="1">
+                                      <a:latin typeface="DejaVu Math TeX Gyre" panose="02000503000000000000" charset="0"/>
+                                      <a:cs typeface="DejaVu Math TeX Gyre" panose="02000503000000000000" charset="0"/>
+                                    </a:rPr>
+                                    <m:t>𝑥</m:t>
+                                  </m:r>
+                                  <m:r>
+                                    <a:rPr lang="en-US" altLang="ja-JP" sz="2400" i="1">
+                                      <a:latin typeface="DejaVu Math TeX Gyre" panose="02000503000000000000" charset="0"/>
+                                      <a:cs typeface="DejaVu Math TeX Gyre" panose="02000503000000000000" charset="0"/>
+                                    </a:rPr>
+                                    <m:t>,</m:t>
+                                  </m:r>
+                                  <m:r>
+                                    <a:rPr lang="en-US" altLang="ja-JP" sz="2400" i="1">
+                                      <a:latin typeface="DejaVu Math TeX Gyre" panose="02000503000000000000" charset="0"/>
+                                      <a:cs typeface="DejaVu Math TeX Gyre" panose="02000503000000000000" charset="0"/>
+                                    </a:rPr>
+                                    <m:t>𝑦</m:t>
+                                  </m:r>
+                                  <m:r>
+                                    <a:rPr lang="en-US" altLang="ja-JP" sz="2400" i="1">
+                                      <a:latin typeface="DejaVu Math TeX Gyre" panose="02000503000000000000" charset="0"/>
+                                      <a:cs typeface="DejaVu Math TeX Gyre" panose="02000503000000000000" charset="0"/>
+                                    </a:rPr>
+                                    <m:t>)</m:t>
+                                  </m:r>
+                                  <m:r>
+                                    <a:rPr lang="en-US" altLang="ja-JP" sz="2400" i="1">
+                                      <a:latin typeface="DejaVu Math TeX Gyre" panose="02000503000000000000" charset="0"/>
+                                      <a:cs typeface="DejaVu Math TeX Gyre" panose="02000503000000000000" charset="0"/>
+                                    </a:rPr>
+                                    <m:t>𝑑𝑥</m:t>
+                                  </m:r>
+                                </m:e>
+                              </m:nary>
+                            </m:e>
+                          </m:nary>
+                        </m:e>
+                      </m:nary>
+                      <m:r>
+                        <a:rPr lang="en-US" altLang="ja-JP" sz="2400" i="1">
+                          <a:latin typeface="DejaVu Math TeX Gyre" panose="02000503000000000000" charset="0"/>
+                          <a:cs typeface="DejaVu Math TeX Gyre" panose="02000503000000000000" charset="0"/>
+                        </a:rPr>
+                        <m:t>𝑑𝑦</m:t>
+                      </m:r>
+                    </m:oMath>
+                  </m:oMathPara>
+                </a14:m>
+                <a:endParaRPr lang="en-US" altLang="ja-JP" sz="2400"/>
+              </a:p>
+            </p:txBody>
+          </p:sp>
+        </mc:Choice>
+        <mc:Fallback>
+          <p:sp>
+            <p:nvSpPr>
+              <p:cNvPr id="19" name="Text Box 18"/>
+              <p:cNvSpPr txBox="1">
+                <a:spLocks noRot="1" noChangeAspect="1" noMove="1" noResize="1" noEditPoints="1" noAdjustHandles="1" noChangeArrowheads="1" noChangeShapeType="1" noTextEdit="1"/>
+              </p:cNvSpPr>
+              <p:nvPr/>
+            </p:nvSpPr>
+            <p:spPr>
+              <a:xfrm>
+                <a:off x="1064895" y="1878965"/>
+                <a:ext cx="10098405" cy="4769485"/>
+              </a:xfrm>
+              <a:prstGeom prst="rect">
+                <a:avLst/>
+              </a:prstGeom>
+              <a:blipFill rotWithShape="1">
+                <a:blip r:embed="rId1"/>
+                <a:stretch>
+                  <a:fillRect/>
+                </a:stretch>
+              </a:blipFill>
+            </p:spPr>
+            <p:txBody>
+              <a:bodyPr/>
+              <a:lstStyle/>
+              <a:p>
+                <a:r>
+                  <a:rPr lang="en-US" altLang="en-US">
+                    <a:noFill/>
+                  </a:rPr>
+                  <a:t> </a:t>
+                </a:r>
+              </a:p>
+            </p:txBody>
+          </p:sp>
+        </mc:Fallback>
+      </mc:AlternateContent>
+    </p:spTree>
+  </p:cSld>
+  <p:clrMapOvr>
+    <a:masterClrMapping/>
+  </p:clrMapOvr>
+</p:sld>
+</file>
+
+<file path=ppt/slides/slide7.xml><?xml version="1.0" encoding="utf-8"?>
+<p:sld xmlns:a="http://schemas.openxmlformats.org/drawingml/2006/main" xmlns:r="http://schemas.openxmlformats.org/officeDocument/2006/relationships" xmlns:p="http://schemas.openxmlformats.org/presentationml/2006/main">
+  <p:cSld>
+    <p:spTree>
+      <p:nvGrpSpPr>
+        <p:cNvPr id="1" name=""/>
+        <p:cNvGrpSpPr/>
+        <p:nvPr/>
+      </p:nvGrpSpPr>
+      <p:grpSpPr/>
       <p:sp>
         <p:nvSpPr>
-          <p:cNvPr id="19" name="Text Box 18"/>
+          <p:cNvPr id="2" name="Title 1"/>
+          <p:cNvSpPr>
+            <a:spLocks noGrp="1"/>
+          </p:cNvSpPr>
+          <p:nvPr>
+            <p:ph type="title"/>
+          </p:nvPr>
+        </p:nvSpPr>
+        <p:spPr/>
+        <p:txBody>
+          <a:bodyPr/>
+          <a:p>
+            <a:r>
+              <a:rPr lang="en-US" sz="3600">
+                <a:sym typeface="+mn-ea"/>
+              </a:rPr>
+              <a:t>7.1</a:t>
+            </a:r>
+            <a:r>
+              <a:rPr lang="ja-JP" altLang="en-US" sz="3600">
+                <a:sym typeface="+mn-ea"/>
+              </a:rPr>
+              <a:t>　回帰の決定木</a:t>
+            </a:r>
+            <a:endParaRPr lang="ja-JP" altLang="en-US" sz="3600">
+              <a:sym typeface="+mn-ea"/>
+            </a:endParaRPr>
+          </a:p>
+        </p:txBody>
+      </p:sp>
+      <mc:AlternateContent xmlns:mc="http://schemas.openxmlformats.org/markup-compatibility/2006">
+        <mc:Choice xmlns:a14="http://schemas.microsoft.com/office/drawing/2010/main" Requires="a14">
+          <p:sp>
+            <p:nvSpPr>
+              <p:cNvPr id="3" name="Content Placeholder 2"/>
+              <p:cNvSpPr>
+                <a:spLocks noGrp="1"/>
+              </p:cNvSpPr>
+              <p:nvPr>
+                <p:ph idx="1"/>
+              </p:nvPr>
+            </p:nvSpPr>
+            <p:spPr/>
+            <p:txBody>
+              <a:bodyPr/>
+              <a:p>
+                <a:pPr marL="0" indent="0">
+                  <a:buNone/>
+                </a:pPr>
+                <a:r>
+                  <a:rPr lang="ja-JP" altLang="en-US" i="1">
+                    <a:latin typeface="DejaVu Math TeX Gyre" panose="02000503000000000000" charset="0"/>
+                    <a:cs typeface="DejaVu Math TeX Gyre" panose="02000503000000000000" charset="0"/>
+                  </a:rPr>
+                  <a:t>過学習を防ぐために、</a:t>
+                </a:r>
+                <a14:m>
+                  <m:oMath xmlns:m="http://schemas.openxmlformats.org/officeDocument/2006/math">
+                    <m:r>
+                      <a:rPr lang="en-US" altLang="ja-JP" i="1">
+                        <a:latin typeface="DejaVu Math TeX Gyre" panose="02000503000000000000" charset="0"/>
+                        <a:cs typeface="DejaVu Math TeX Gyre" panose="02000503000000000000" charset="0"/>
+                      </a:rPr>
+                      <m:t>𝛼</m:t>
+                    </m:r>
+                    <m:r>
+                      <a:rPr lang="en-US" altLang="ja-JP" i="1">
+                        <a:latin typeface="DejaVu Math TeX Gyre" panose="02000503000000000000" charset="0"/>
+                        <a:cs typeface="DejaVu Math TeX Gyre" panose="02000503000000000000" charset="0"/>
+                      </a:rPr>
+                      <m:t>&gt;</m:t>
+                    </m:r>
+                    <m:r>
+                      <a:rPr lang="en-US" altLang="ja-JP" i="1">
+                        <a:latin typeface="DejaVu Math TeX Gyre" panose="02000503000000000000" charset="0"/>
+                        <a:cs typeface="DejaVu Math TeX Gyre" panose="02000503000000000000" charset="0"/>
+                      </a:rPr>
+                      <m:t>0</m:t>
+                    </m:r>
+                  </m:oMath>
+                </a14:m>
+                <a:r>
+                  <a:rPr lang="ja-JP" altLang="en-US">
+                    <a:latin typeface="DejaVu Math TeX Gyre" panose="02000503000000000000" charset="0"/>
+                    <a:cs typeface="DejaVu Math TeX Gyre" panose="02000503000000000000" charset="0"/>
+                  </a:rPr>
+                  <a:t>として、訓練データから</a:t>
+                </a:r>
+                <a:endParaRPr lang="ja-JP" altLang="en-US">
+                  <a:latin typeface="DejaVu Math TeX Gyre" panose="02000503000000000000" charset="0"/>
+                  <a:cs typeface="DejaVu Math TeX Gyre" panose="02000503000000000000" charset="0"/>
+                </a:endParaRPr>
+              </a:p>
+              <a:p>
+                <a:pPr marL="0" indent="0">
+                  <a:buNone/>
+                </a:pPr>
+                <a:endParaRPr lang="en-US" i="1">
+                  <a:latin typeface="DejaVu Math TeX Gyre" panose="02000503000000000000" charset="0"/>
+                  <a:cs typeface="DejaVu Math TeX Gyre" panose="02000503000000000000" charset="0"/>
+                </a:endParaRPr>
+              </a:p>
+              <a:p>
+                <a:pPr marL="0" indent="0">
+                  <a:buNone/>
+                </a:pPr>
+                <a14:m>
+                  <m:oMathPara xmlns:m="http://schemas.openxmlformats.org/officeDocument/2006/math">
+                    <m:oMathParaPr>
+                      <m:jc m:val="centerGroup"/>
+                    </m:oMathParaPr>
+                    <m:oMath xmlns:m="http://schemas.openxmlformats.org/officeDocument/2006/math">
+                      <m:nary>
+                        <m:naryPr>
+                          <m:chr m:val="∑"/>
+                          <m:limLoc m:val="undOvr"/>
+                          <m:ctrlPr>
+                            <a:rPr lang="en-US" i="1">
+                              <a:latin typeface="DejaVu Math TeX Gyre" panose="02000503000000000000" charset="0"/>
+                              <a:cs typeface="DejaVu Math TeX Gyre" panose="02000503000000000000" charset="0"/>
+                            </a:rPr>
+                          </m:ctrlPr>
+                        </m:naryPr>
+                        <m:sub>
+                          <m:r>
+                            <a:rPr lang="en-US" i="1">
+                              <a:latin typeface="DejaVu Math TeX Gyre" panose="02000503000000000000" charset="0"/>
+                              <a:cs typeface="DejaVu Math TeX Gyre" panose="02000503000000000000" charset="0"/>
+                            </a:rPr>
+                            <m:t>𝑗</m:t>
+                          </m:r>
+                          <m:r>
+                            <a:rPr lang="en-US" i="1">
+                              <a:latin typeface="DejaVu Math TeX Gyre" panose="02000503000000000000" charset="0"/>
+                              <a:cs typeface="DejaVu Math TeX Gyre" panose="02000503000000000000" charset="0"/>
+                            </a:rPr>
+                            <m:t>=</m:t>
+                          </m:r>
+                          <m:r>
+                            <a:rPr lang="en-US" i="1">
+                              <a:latin typeface="DejaVu Math TeX Gyre" panose="02000503000000000000" charset="0"/>
+                              <a:cs typeface="DejaVu Math TeX Gyre" panose="02000503000000000000" charset="0"/>
+                            </a:rPr>
+                            <m:t>1</m:t>
+                          </m:r>
+                        </m:sub>
+                        <m:sup>
+                          <m:r>
+                            <a:rPr lang="en-US" i="1">
+                              <a:latin typeface="DejaVu Math TeX Gyre" panose="02000503000000000000" charset="0"/>
+                              <a:cs typeface="DejaVu Math TeX Gyre" panose="02000503000000000000" charset="0"/>
+                            </a:rPr>
+                            <m:t>𝑚</m:t>
+                          </m:r>
+                        </m:sup>
+                        <m:e>
+                          <m:nary>
+                            <m:naryPr>
+                              <m:chr m:val="∑"/>
+                              <m:limLoc m:val="undOvr"/>
+                              <m:supHide m:val="on"/>
+                              <m:ctrlPr>
+                                <a:rPr lang="en-US" i="1">
+                                  <a:latin typeface="DejaVu Math TeX Gyre" panose="02000503000000000000" charset="0"/>
+                                  <a:cs typeface="DejaVu Math TeX Gyre" panose="02000503000000000000" charset="0"/>
+                                </a:rPr>
+                              </m:ctrlPr>
+                            </m:naryPr>
+                            <m:sub>
+                              <m:r>
+                                <a:rPr lang="en-US" i="1">
+                                  <a:latin typeface="DejaVu Math TeX Gyre" panose="02000503000000000000" charset="0"/>
+                                  <a:cs typeface="DejaVu Math TeX Gyre" panose="02000503000000000000" charset="0"/>
+                                </a:rPr>
+                                <m:t>𝑖</m:t>
+                              </m:r>
+                              <m:r>
+                                <a:rPr lang="en-US" i="1">
+                                  <a:latin typeface="DejaVu Math TeX Gyre" panose="02000503000000000000" charset="0"/>
+                                  <a:cs typeface="DejaVu Math TeX Gyre" panose="02000503000000000000" charset="0"/>
+                                </a:rPr>
+                                <m:t>:</m:t>
+                              </m:r>
+                              <m:sSub>
+                                <m:sSubPr>
+                                  <m:ctrlPr>
+                                    <a:rPr lang="en-US" i="1">
+                                      <a:latin typeface="DejaVu Math TeX Gyre" panose="02000503000000000000" charset="0"/>
+                                      <a:cs typeface="DejaVu Math TeX Gyre" panose="02000503000000000000" charset="0"/>
+                                    </a:rPr>
+                                  </m:ctrlPr>
+                                </m:sSubPr>
+                                <m:e>
+                                  <m:r>
+                                    <a:rPr lang="en-US" i="1">
+                                      <a:latin typeface="DejaVu Math TeX Gyre" panose="02000503000000000000" charset="0"/>
+                                      <a:cs typeface="DejaVu Math TeX Gyre" panose="02000503000000000000" charset="0"/>
+                                    </a:rPr>
+                                    <m:t>𝑥</m:t>
+                                  </m:r>
+                                </m:e>
+                                <m:sub>
+                                  <m:r>
+                                    <a:rPr lang="en-US" i="1">
+                                      <a:latin typeface="DejaVu Math TeX Gyre" panose="02000503000000000000" charset="0"/>
+                                      <a:cs typeface="DejaVu Math TeX Gyre" panose="02000503000000000000" charset="0"/>
+                                    </a:rPr>
+                                    <m:t>𝑖</m:t>
+                                  </m:r>
+                                </m:sub>
+                              </m:sSub>
+                              <m:r>
+                                <a:rPr lang="en-US" i="1">
+                                  <a:latin typeface="DejaVu Math TeX Gyre" panose="02000503000000000000" charset="0"/>
+                                  <a:cs typeface="DejaVu Math TeX Gyre" panose="02000503000000000000" charset="0"/>
+                                </a:rPr>
+                                <m:t>∈</m:t>
+                              </m:r>
+                              <m:sSub>
+                                <m:sSubPr>
+                                  <m:ctrlPr>
+                                    <a:rPr lang="en-US" i="1">
+                                      <a:latin typeface="DejaVu Math TeX Gyre" panose="02000503000000000000" charset="0"/>
+                                      <a:cs typeface="DejaVu Math TeX Gyre" panose="02000503000000000000" charset="0"/>
+                                    </a:rPr>
+                                  </m:ctrlPr>
+                                </m:sSubPr>
+                                <m:e>
+                                  <m:r>
+                                    <a:rPr lang="en-US" i="1">
+                                      <a:latin typeface="DejaVu Math TeX Gyre" panose="02000503000000000000" charset="0"/>
+                                      <a:cs typeface="DejaVu Math TeX Gyre" panose="02000503000000000000" charset="0"/>
+                                    </a:rPr>
+                                    <m:t>𝑅</m:t>
+                                  </m:r>
+                                </m:e>
+                                <m:sub>
+                                  <m:r>
+                                    <a:rPr lang="en-US" i="1">
+                                      <a:latin typeface="DejaVu Math TeX Gyre" panose="02000503000000000000" charset="0"/>
+                                      <a:cs typeface="DejaVu Math TeX Gyre" panose="02000503000000000000" charset="0"/>
+                                    </a:rPr>
+                                    <m:t>𝑖</m:t>
+                                  </m:r>
+                                </m:sub>
+                              </m:sSub>
+                            </m:sub>
+                            <m:sup/>
+                            <m:e>
+                              <m:r>
+                                <a:rPr lang="en-US" i="1">
+                                  <a:latin typeface="DejaVu Math TeX Gyre" panose="02000503000000000000" charset="0"/>
+                                  <a:cs typeface="DejaVu Math TeX Gyre" panose="02000503000000000000" charset="0"/>
+                                </a:rPr>
+                                <m:t>(</m:t>
+                              </m:r>
+                              <m:sSub>
+                                <m:sSubPr>
+                                  <m:ctrlPr>
+                                    <a:rPr lang="en-US" i="1">
+                                      <a:latin typeface="DejaVu Math TeX Gyre" panose="02000503000000000000" charset="0"/>
+                                      <a:cs typeface="DejaVu Math TeX Gyre" panose="02000503000000000000" charset="0"/>
+                                    </a:rPr>
+                                  </m:ctrlPr>
+                                </m:sSubPr>
+                                <m:e>
+                                  <m:r>
+                                    <a:rPr lang="en-US" i="1">
+                                      <a:latin typeface="DejaVu Math TeX Gyre" panose="02000503000000000000" charset="0"/>
+                                      <a:cs typeface="DejaVu Math TeX Gyre" panose="02000503000000000000" charset="0"/>
+                                    </a:rPr>
+                                    <m:t>𝑦</m:t>
+                                  </m:r>
+                                </m:e>
+                                <m:sub>
+                                  <m:r>
+                                    <a:rPr lang="en-US" i="1">
+                                      <a:latin typeface="DejaVu Math TeX Gyre" panose="02000503000000000000" charset="0"/>
+                                      <a:cs typeface="DejaVu Math TeX Gyre" panose="02000503000000000000" charset="0"/>
+                                    </a:rPr>
+                                    <m:t>𝑖</m:t>
+                                  </m:r>
+                                </m:sub>
+                              </m:sSub>
+                              <m:r>
+                                <a:rPr lang="en-US" i="1">
+                                  <a:latin typeface="DejaVu Math TeX Gyre" panose="02000503000000000000" charset="0"/>
+                                  <a:cs typeface="DejaVu Math TeX Gyre" panose="02000503000000000000" charset="0"/>
+                                </a:rPr>
+                                <m:t>−</m:t>
+                              </m:r>
+                              <m:sSub>
+                                <m:sSubPr>
+                                  <m:ctrlPr>
+                                    <a:rPr lang="en-US" i="1">
+                                      <a:latin typeface="DejaVu Math TeX Gyre" panose="02000503000000000000" charset="0"/>
+                                      <a:cs typeface="DejaVu Math TeX Gyre" panose="02000503000000000000" charset="0"/>
+                                    </a:rPr>
+                                  </m:ctrlPr>
+                                </m:sSubPr>
+                                <m:e>
+                                  <m:acc>
+                                    <m:accPr>
+                                      <m:chr m:val="̅"/>
+                                      <m:ctrlPr>
+                                        <a:rPr lang="en-US" i="1">
+                                          <a:latin typeface="DejaVu Math TeX Gyre" panose="02000503000000000000" charset="0"/>
+                                          <a:cs typeface="DejaVu Math TeX Gyre" panose="02000503000000000000" charset="0"/>
+                                        </a:rPr>
+                                      </m:ctrlPr>
+                                    </m:accPr>
+                                    <m:e>
+                                      <m:r>
+                                        <a:rPr lang="en-US" i="1">
+                                          <a:latin typeface="DejaVu Math TeX Gyre" panose="02000503000000000000" charset="0"/>
+                                          <a:cs typeface="DejaVu Math TeX Gyre" panose="02000503000000000000" charset="0"/>
+                                        </a:rPr>
+                                        <m:t>𝑦</m:t>
+                                      </m:r>
+                                    </m:e>
+                                  </m:acc>
+                                </m:e>
+                                <m:sub>
+                                  <m:r>
+                                    <a:rPr lang="en-US" i="1">
+                                      <a:latin typeface="DejaVu Math TeX Gyre" panose="02000503000000000000" charset="0"/>
+                                      <a:cs typeface="DejaVu Math TeX Gyre" panose="02000503000000000000" charset="0"/>
+                                    </a:rPr>
+                                    <m:t>𝑗</m:t>
+                                  </m:r>
+                                </m:sub>
+                              </m:sSub>
+                              <m:sSup>
+                                <m:sSupPr>
+                                  <m:ctrlPr>
+                                    <a:rPr lang="en-US" i="1">
+                                      <a:latin typeface="DejaVu Math TeX Gyre" panose="02000503000000000000" charset="0"/>
+                                      <a:cs typeface="DejaVu Math TeX Gyre" panose="02000503000000000000" charset="0"/>
+                                    </a:rPr>
+                                  </m:ctrlPr>
+                                </m:sSupPr>
+                                <m:e>
+                                  <m:r>
+                                    <a:rPr lang="en-US" i="1">
+                                      <a:latin typeface="DejaVu Math TeX Gyre" panose="02000503000000000000" charset="0"/>
+                                      <a:cs typeface="DejaVu Math TeX Gyre" panose="02000503000000000000" charset="0"/>
+                                    </a:rPr>
+                                    <m:t>)</m:t>
+                                  </m:r>
+                                </m:e>
+                                <m:sup>
+                                  <m:r>
+                                    <a:rPr lang="en-US" i="1">
+                                      <a:latin typeface="DejaVu Math TeX Gyre" panose="02000503000000000000" charset="0"/>
+                                      <a:cs typeface="DejaVu Math TeX Gyre" panose="02000503000000000000" charset="0"/>
+                                    </a:rPr>
+                                    <m:t>2</m:t>
+                                  </m:r>
+                                </m:sup>
+                              </m:sSup>
+                              <m:r>
+                                <a:rPr lang="en-US" i="1">
+                                  <a:latin typeface="DejaVu Math TeX Gyre" panose="02000503000000000000" charset="0"/>
+                                  <a:cs typeface="DejaVu Math TeX Gyre" panose="02000503000000000000" charset="0"/>
+                                </a:rPr>
+                                <m:t>+</m:t>
+                              </m:r>
+                              <m:r>
+                                <a:rPr lang="en-US" i="1">
+                                  <a:latin typeface="DejaVu Math TeX Gyre" panose="02000503000000000000" charset="0"/>
+                                  <a:cs typeface="DejaVu Math TeX Gyre" panose="02000503000000000000" charset="0"/>
+                                </a:rPr>
+                                <m:t>𝛼</m:t>
+                              </m:r>
+                              <m:r>
+                                <a:rPr lang="en-US" i="1">
+                                  <a:latin typeface="DejaVu Math TeX Gyre" panose="02000503000000000000" charset="0"/>
+                                  <a:cs typeface="DejaVu Math TeX Gyre" panose="02000503000000000000" charset="0"/>
+                                </a:rPr>
+                                <m:t>𝑚</m:t>
+                              </m:r>
+                            </m:e>
+                          </m:nary>
+                        </m:e>
+                      </m:nary>
+                    </m:oMath>
+                  </m:oMathPara>
+                </a14:m>
+                <a:endParaRPr lang="en-US" i="1">
+                  <a:latin typeface="DejaVu Math TeX Gyre" panose="02000503000000000000" charset="0"/>
+                  <a:cs typeface="DejaVu Math TeX Gyre" panose="02000503000000000000" charset="0"/>
+                </a:endParaRPr>
+              </a:p>
+              <a:p>
+                <a:pPr marL="0" indent="0">
+                  <a:buNone/>
+                </a:pPr>
+                <a:endParaRPr lang="ja-JP" altLang="en-US"/>
+              </a:p>
+              <a:p>
+                <a:pPr marL="0" indent="0">
+                  <a:buNone/>
+                </a:pPr>
+                <a:r>
+                  <a:rPr lang="ja-JP" altLang="en-US"/>
+                  <a:t>を最小にする</a:t>
+                </a:r>
+                <a14:m>
+                  <m:oMath xmlns:m="http://schemas.openxmlformats.org/officeDocument/2006/math">
+                    <m:sSup>
+                      <m:sSupPr>
+                        <m:ctrlPr>
+                          <a:rPr lang="en-US" altLang="ja-JP" i="1">
+                            <a:latin typeface="DejaVu Math TeX Gyre" panose="02000503000000000000" charset="0"/>
+                            <a:cs typeface="DejaVu Math TeX Gyre" panose="02000503000000000000" charset="0"/>
+                          </a:rPr>
+                        </m:ctrlPr>
+                      </m:sSupPr>
+                      <m:e>
+                        <m:r>
+                          <a:rPr lang="en-US" altLang="ja-JP" i="1">
+                            <a:latin typeface="DejaVu Math TeX Gyre" panose="02000503000000000000" charset="0"/>
+                            <a:cs typeface="DejaVu Math TeX Gyre" panose="02000503000000000000" charset="0"/>
+                          </a:rPr>
+                          <m:t>𝑚</m:t>
+                        </m:r>
+                        <m:r>
+                          <a:rPr lang="en-US" altLang="ja-JP" i="1">
+                            <a:latin typeface="DejaVu Math TeX Gyre" panose="02000503000000000000" charset="0"/>
+                            <a:cs typeface="DejaVu Math TeX Gyre" panose="02000503000000000000" charset="0"/>
+                          </a:rPr>
+                          <m:t>≥</m:t>
+                        </m:r>
+                        <m:r>
+                          <a:rPr lang="en-US" altLang="ja-JP" i="1">
+                            <a:latin typeface="DejaVu Math TeX Gyre" panose="02000503000000000000" charset="0"/>
+                            <a:cs typeface="DejaVu Math TeX Gyre" panose="02000503000000000000" charset="0"/>
+                          </a:rPr>
+                          <m:t>1</m:t>
+                        </m:r>
+                      </m:e>
+                      <m:sup/>
+                    </m:sSup>
+                    <m:r>
+                      <a:rPr lang="en-US" altLang="ja-JP" i="1">
+                        <a:latin typeface="DejaVu Math TeX Gyre" panose="02000503000000000000" charset="0"/>
+                        <a:cs typeface="DejaVu Math TeX Gyre" panose="02000503000000000000" charset="0"/>
+                      </a:rPr>
+                      <m:t>および</m:t>
+                    </m:r>
+                    <m:sSub>
+                      <m:sSubPr>
+                        <m:ctrlPr>
+                          <a:rPr lang="en-US" altLang="ja-JP" i="1">
+                            <a:latin typeface="DejaVu Math TeX Gyre" panose="02000503000000000000" charset="0"/>
+                            <a:cs typeface="DejaVu Math TeX Gyre" panose="02000503000000000000" charset="0"/>
+                          </a:rPr>
+                        </m:ctrlPr>
+                      </m:sSubPr>
+                      <m:e>
+                        <m:r>
+                          <a:rPr lang="en-US" altLang="ja-JP" i="1">
+                            <a:latin typeface="DejaVu Math TeX Gyre" panose="02000503000000000000" charset="0"/>
+                            <a:cs typeface="DejaVu Math TeX Gyre" panose="02000503000000000000" charset="0"/>
+                          </a:rPr>
+                          <m:t>𝑅</m:t>
+                        </m:r>
+                      </m:e>
+                      <m:sub>
+                        <m:r>
+                          <a:rPr lang="en-US" altLang="ja-JP" i="1">
+                            <a:latin typeface="DejaVu Math TeX Gyre" panose="02000503000000000000" charset="0"/>
+                            <a:cs typeface="DejaVu Math TeX Gyre" panose="02000503000000000000" charset="0"/>
+                          </a:rPr>
+                          <m:t>1</m:t>
+                        </m:r>
+                      </m:sub>
+                    </m:sSub>
+                    <m:r>
+                      <a:rPr lang="en-US" altLang="ja-JP" i="1">
+                        <a:latin typeface="DejaVu Math TeX Gyre" panose="02000503000000000000" charset="0"/>
+                        <a:cs typeface="DejaVu Math TeX Gyre" panose="02000503000000000000" charset="0"/>
+                      </a:rPr>
+                      <m:t>,...,</m:t>
+                    </m:r>
+                    <m:sSub>
+                      <m:sSubPr>
+                        <m:ctrlPr>
+                          <a:rPr lang="en-US" altLang="ja-JP" i="1">
+                            <a:latin typeface="DejaVu Math TeX Gyre" panose="02000503000000000000" charset="0"/>
+                            <a:cs typeface="DejaVu Math TeX Gyre" panose="02000503000000000000" charset="0"/>
+                          </a:rPr>
+                        </m:ctrlPr>
+                      </m:sSubPr>
+                      <m:e>
+                        <m:r>
+                          <a:rPr lang="en-US" altLang="ja-JP" i="1">
+                            <a:latin typeface="DejaVu Math TeX Gyre" panose="02000503000000000000" charset="0"/>
+                            <a:cs typeface="DejaVu Math TeX Gyre" panose="02000503000000000000" charset="0"/>
+                          </a:rPr>
+                          <m:t>𝑅</m:t>
+                        </m:r>
+                      </m:e>
+                      <m:sub>
+                        <m:r>
+                          <a:rPr lang="en-US" altLang="ja-JP" i="1">
+                            <a:latin typeface="DejaVu Math TeX Gyre" panose="02000503000000000000" charset="0"/>
+                            <a:cs typeface="DejaVu Math TeX Gyre" panose="02000503000000000000" charset="0"/>
+                          </a:rPr>
+                          <m:t>𝑚</m:t>
+                        </m:r>
+                      </m:sub>
+                    </m:sSub>
+                    <m:r>
+                      <a:rPr lang="en-US" altLang="ja-JP" i="1">
+                        <a:latin typeface="DejaVu Math TeX Gyre" panose="02000503000000000000" charset="0"/>
+                        <a:cs typeface="DejaVu Math TeX Gyre" panose="02000503000000000000" charset="0"/>
+                      </a:rPr>
+                      <m:t>を決める方法がある。</m:t>
+                    </m:r>
+                  </m:oMath>
+                </a14:m>
+                <a:endParaRPr lang="en-US" altLang="ja-JP" i="1">
+                  <a:latin typeface="DejaVu Math TeX Gyre" panose="02000503000000000000" charset="0"/>
+                  <a:cs typeface="DejaVu Math TeX Gyre" panose="02000503000000000000" charset="0"/>
+                </a:endParaRPr>
+              </a:p>
+              <a:p>
+                <a:pPr marL="0" indent="0">
+                  <a:buNone/>
+                </a:pPr>
+                <a14:m>
+                  <m:oMath xmlns:m="http://schemas.openxmlformats.org/officeDocument/2006/math">
+                    <m:r>
+                      <a:rPr lang="en-US" altLang="ja-JP" i="1">
+                        <a:latin typeface="DejaVu Math TeX Gyre" panose="02000503000000000000" charset="0"/>
+                        <a:cs typeface="DejaVu Math TeX Gyre" panose="02000503000000000000" charset="0"/>
+                      </a:rPr>
+                      <m:t>𝛼</m:t>
+                    </m:r>
+                  </m:oMath>
+                </a14:m>
+                <a:r>
+                  <a:rPr lang="ja-JP" altLang="en-US">
+                    <a:latin typeface="DejaVu Math TeX Gyre" panose="02000503000000000000" charset="0"/>
+                    <a:cs typeface="DejaVu Math TeX Gyre" panose="02000503000000000000" charset="0"/>
+                  </a:rPr>
+                  <a:t>の値は、</a:t>
+                </a:r>
+                <a:r>
+                  <a:rPr lang="en-US" altLang="ja-JP">
+                    <a:latin typeface="DejaVu Math TeX Gyre" panose="02000503000000000000" charset="0"/>
+                    <a:cs typeface="DejaVu Math TeX Gyre" panose="02000503000000000000" charset="0"/>
+                  </a:rPr>
+                  <a:t>CV</a:t>
+                </a:r>
+                <a:r>
+                  <a:rPr lang="ja-JP" altLang="en-US">
+                    <a:latin typeface="DejaVu Math TeX Gyre" panose="02000503000000000000" charset="0"/>
+                    <a:cs typeface="DejaVu Math TeX Gyre" panose="02000503000000000000" charset="0"/>
+                  </a:rPr>
+                  <a:t>で決める。</a:t>
+                </a:r>
+                <a:endParaRPr lang="ja-JP" altLang="en-US">
+                  <a:latin typeface="DejaVu Math TeX Gyre" panose="02000503000000000000" charset="0"/>
+                  <a:cs typeface="DejaVu Math TeX Gyre" panose="02000503000000000000" charset="0"/>
+                </a:endParaRPr>
+              </a:p>
+            </p:txBody>
+          </p:sp>
+        </mc:Choice>
+        <mc:Fallback>
+          <p:sp>
+            <p:nvSpPr>
+              <p:cNvPr id="3" name="Content Placeholder 2"/>
+              <p:cNvSpPr>
+                <a:spLocks noRot="1" noChangeAspect="1" noMove="1" noResize="1" noEditPoints="1" noAdjustHandles="1" noChangeArrowheads="1" noChangeShapeType="1" noTextEdit="1"/>
+              </p:cNvSpPr>
+              <p:nvPr>
+                <p:ph idx="1"/>
+              </p:nvPr>
+            </p:nvSpPr>
+            <p:spPr>
+              <a:blipFill rotWithShape="1">
+                <a:blip r:embed="rId1"/>
+                <a:stretch>
+                  <a:fillRect t="-409" b="7"/>
+                </a:stretch>
+              </a:blipFill>
+            </p:spPr>
+            <p:txBody>
+              <a:bodyPr/>
+              <a:lstStyle/>
+              <a:p>
+                <a:r>
+                  <a:rPr lang="en-US" altLang="en-US">
+                    <a:noFill/>
+                  </a:rPr>
+                  <a:t> </a:t>
+                </a:r>
+              </a:p>
+            </p:txBody>
+          </p:sp>
+        </mc:Fallback>
+      </mc:AlternateContent>
+    </p:spTree>
+  </p:cSld>
+  <p:clrMapOvr>
+    <a:masterClrMapping/>
+  </p:clrMapOvr>
+</p:sld>
+</file>
+
+<file path=ppt/slides/slide8.xml><?xml version="1.0" encoding="utf-8"?>
+<p:sld xmlns:a="http://schemas.openxmlformats.org/drawingml/2006/main" xmlns:r="http://schemas.openxmlformats.org/officeDocument/2006/relationships" xmlns:p="http://schemas.openxmlformats.org/presentationml/2006/main">
+  <p:cSld>
+    <p:spTree>
+      <p:nvGrpSpPr>
+        <p:cNvPr id="1" name=""/>
+        <p:cNvGrpSpPr/>
+        <p:nvPr/>
+      </p:nvGrpSpPr>
+      <p:grpSpPr/>
+      <p:sp>
+        <p:nvSpPr>
+          <p:cNvPr id="2" name="Title 1"/>
+          <p:cNvSpPr>
+            <a:spLocks noGrp="1"/>
+          </p:cNvSpPr>
+          <p:nvPr>
+            <p:ph type="title"/>
+          </p:nvPr>
+        </p:nvSpPr>
+        <p:spPr/>
+        <p:txBody>
+          <a:bodyPr/>
+          <a:p>
+            <a:r>
+              <a:rPr lang="en-US" sz="3600">
+                <a:sym typeface="+mn-ea"/>
+              </a:rPr>
+              <a:t>7.1</a:t>
+            </a:r>
+            <a:r>
+              <a:rPr lang="ja-JP" altLang="en-US" sz="3600">
+                <a:sym typeface="+mn-ea"/>
+              </a:rPr>
+              <a:t>　回帰の決定木</a:t>
+            </a:r>
+            <a:endParaRPr lang="ja-JP" altLang="en-US" sz="3600">
+              <a:sym typeface="+mn-ea"/>
+            </a:endParaRPr>
+          </a:p>
+        </p:txBody>
+      </p:sp>
+      <p:grpSp>
+        <p:nvGrpSpPr>
+          <p:cNvPr id="33" name="Group 32"/>
+          <p:cNvGrpSpPr/>
+          <p:nvPr/>
+        </p:nvGrpSpPr>
+        <p:grpSpPr>
+          <a:xfrm>
+            <a:off x="1371600" y="1984375"/>
+            <a:ext cx="9719945" cy="3380740"/>
+            <a:chOff x="2160" y="3125"/>
+            <a:chExt cx="15307" cy="5324"/>
+          </a:xfrm>
+        </p:grpSpPr>
+        <p:sp>
+          <p:nvSpPr>
+            <p:cNvPr id="4" name="Rounded Rectangle 3"/>
+            <p:cNvSpPr/>
+            <p:nvPr/>
+          </p:nvSpPr>
+          <p:spPr>
+            <a:xfrm>
+              <a:off x="2438" y="5358"/>
+              <a:ext cx="14324" cy="1722"/>
+            </a:xfrm>
+            <a:prstGeom prst="roundRect">
+              <a:avLst>
+                <a:gd name="adj" fmla="val 11033"/>
+              </a:avLst>
+            </a:prstGeom>
+            <a:solidFill>
+              <a:schemeClr val="accent1">
+                <a:lumMod val="40000"/>
+                <a:lumOff val="60000"/>
+              </a:schemeClr>
+            </a:solidFill>
+            <a:ln>
+              <a:noFill/>
+            </a:ln>
+          </p:spPr>
+          <p:style>
+            <a:lnRef idx="1">
+              <a:schemeClr val="accent1"/>
+            </a:lnRef>
+            <a:fillRef idx="2">
+              <a:schemeClr val="accent1"/>
+            </a:fillRef>
+            <a:effectRef idx="1">
+              <a:schemeClr val="accent1"/>
+            </a:effectRef>
+            <a:fontRef idx="minor">
+              <a:schemeClr val="dk1"/>
+            </a:fontRef>
+          </p:style>
+          <p:txBody>
+            <a:bodyPr rtlCol="0" anchor="ctr"/>
+            <a:p>
+              <a:pPr algn="ctr"/>
+              <a:endParaRPr lang="en-US"/>
+            </a:p>
+          </p:txBody>
+        </p:sp>
+        <p:cxnSp>
+          <p:nvCxnSpPr>
+            <p:cNvPr id="7" name="Straight Connector 6"/>
+            <p:cNvCxnSpPr/>
+            <p:nvPr/>
+          </p:nvCxnSpPr>
+          <p:spPr>
+            <a:xfrm flipH="1">
+              <a:off x="2422" y="7419"/>
+              <a:ext cx="16" cy="450"/>
+            </a:xfrm>
+            <a:prstGeom prst="line">
+              <a:avLst/>
+            </a:prstGeom>
+          </p:spPr>
+          <p:style>
+            <a:lnRef idx="3">
+              <a:schemeClr val="dk1"/>
+            </a:lnRef>
+            <a:fillRef idx="0">
+              <a:schemeClr val="dk1"/>
+            </a:fillRef>
+            <a:effectRef idx="2">
+              <a:schemeClr val="dk1"/>
+            </a:effectRef>
+            <a:fontRef idx="minor">
+              <a:schemeClr val="tx1"/>
+            </a:fontRef>
+          </p:style>
+        </p:cxnSp>
+        <p:cxnSp>
+          <p:nvCxnSpPr>
+            <p:cNvPr id="8" name="Straight Connector 7"/>
+            <p:cNvCxnSpPr/>
+            <p:nvPr/>
+          </p:nvCxnSpPr>
+          <p:spPr>
+            <a:xfrm flipH="1">
+              <a:off x="16746" y="7419"/>
+              <a:ext cx="16" cy="450"/>
+            </a:xfrm>
+            <a:prstGeom prst="line">
+              <a:avLst/>
+            </a:prstGeom>
+          </p:spPr>
+          <p:style>
+            <a:lnRef idx="3">
+              <a:schemeClr val="dk1"/>
+            </a:lnRef>
+            <a:fillRef idx="0">
+              <a:schemeClr val="dk1"/>
+            </a:fillRef>
+            <a:effectRef idx="2">
+              <a:schemeClr val="dk1"/>
+            </a:effectRef>
+            <a:fontRef idx="minor">
+              <a:schemeClr val="tx1"/>
+            </a:fontRef>
+          </p:style>
+        </p:cxnSp>
+        <p:cxnSp>
+          <p:nvCxnSpPr>
+            <p:cNvPr id="9" name="Straight Connector 8"/>
+            <p:cNvCxnSpPr/>
+            <p:nvPr/>
+          </p:nvCxnSpPr>
+          <p:spPr>
+            <a:xfrm flipH="1">
+              <a:off x="5341" y="7419"/>
+              <a:ext cx="16" cy="450"/>
+            </a:xfrm>
+            <a:prstGeom prst="line">
+              <a:avLst/>
+            </a:prstGeom>
+          </p:spPr>
+          <p:style>
+            <a:lnRef idx="3">
+              <a:schemeClr val="dk1"/>
+            </a:lnRef>
+            <a:fillRef idx="0">
+              <a:schemeClr val="dk1"/>
+            </a:fillRef>
+            <a:effectRef idx="2">
+              <a:schemeClr val="dk1"/>
+            </a:effectRef>
+            <a:fontRef idx="minor">
+              <a:schemeClr val="tx1"/>
+            </a:fontRef>
+          </p:style>
+        </p:cxnSp>
+        <p:cxnSp>
+          <p:nvCxnSpPr>
+            <p:cNvPr id="10" name="Straight Connector 9"/>
+            <p:cNvCxnSpPr/>
+            <p:nvPr/>
+          </p:nvCxnSpPr>
+          <p:spPr>
+            <a:xfrm flipH="1">
+              <a:off x="8252" y="7419"/>
+              <a:ext cx="16" cy="450"/>
+            </a:xfrm>
+            <a:prstGeom prst="line">
+              <a:avLst/>
+            </a:prstGeom>
+          </p:spPr>
+          <p:style>
+            <a:lnRef idx="3">
+              <a:schemeClr val="dk1"/>
+            </a:lnRef>
+            <a:fillRef idx="0">
+              <a:schemeClr val="dk1"/>
+            </a:fillRef>
+            <a:effectRef idx="2">
+              <a:schemeClr val="dk1"/>
+            </a:effectRef>
+            <a:fontRef idx="minor">
+              <a:schemeClr val="tx1"/>
+            </a:fontRef>
+          </p:style>
+        </p:cxnSp>
+        <p:cxnSp>
+          <p:nvCxnSpPr>
+            <p:cNvPr id="11" name="Straight Connector 10"/>
+            <p:cNvCxnSpPr/>
+            <p:nvPr/>
+          </p:nvCxnSpPr>
+          <p:spPr>
+            <a:xfrm flipH="1">
+              <a:off x="11044" y="7419"/>
+              <a:ext cx="16" cy="450"/>
+            </a:xfrm>
+            <a:prstGeom prst="line">
+              <a:avLst/>
+            </a:prstGeom>
+          </p:spPr>
+          <p:style>
+            <a:lnRef idx="3">
+              <a:schemeClr val="dk1"/>
+            </a:lnRef>
+            <a:fillRef idx="0">
+              <a:schemeClr val="dk1"/>
+            </a:fillRef>
+            <a:effectRef idx="2">
+              <a:schemeClr val="dk1"/>
+            </a:effectRef>
+            <a:fontRef idx="minor">
+              <a:schemeClr val="tx1"/>
+            </a:fontRef>
+          </p:style>
+        </p:cxnSp>
+        <p:cxnSp>
+          <p:nvCxnSpPr>
+            <p:cNvPr id="12" name="Straight Connector 11"/>
+            <p:cNvCxnSpPr/>
+            <p:nvPr/>
+          </p:nvCxnSpPr>
+          <p:spPr>
+            <a:xfrm flipH="1">
+              <a:off x="13895" y="7419"/>
+              <a:ext cx="16" cy="450"/>
+            </a:xfrm>
+            <a:prstGeom prst="line">
+              <a:avLst/>
+            </a:prstGeom>
+          </p:spPr>
+          <p:style>
+            <a:lnRef idx="3">
+              <a:schemeClr val="dk1"/>
+            </a:lnRef>
+            <a:fillRef idx="0">
+              <a:schemeClr val="dk1"/>
+            </a:fillRef>
+            <a:effectRef idx="2">
+              <a:schemeClr val="dk1"/>
+            </a:effectRef>
+            <a:fontRef idx="minor">
+              <a:schemeClr val="tx1"/>
+            </a:fontRef>
+          </p:style>
+        </p:cxnSp>
+        <p:sp>
+          <p:nvSpPr>
+            <p:cNvPr id="14" name="Text Box 13"/>
+            <p:cNvSpPr txBox="1"/>
+            <p:nvPr/>
+          </p:nvSpPr>
+          <p:spPr>
+            <a:xfrm>
+              <a:off x="2160" y="7869"/>
+              <a:ext cx="894" cy="580"/>
+            </a:xfrm>
+            <a:prstGeom prst="rect">
+              <a:avLst/>
+            </a:prstGeom>
+            <a:noFill/>
+          </p:spPr>
+          <p:txBody>
+            <a:bodyPr wrap="square" rtlCol="0">
+              <a:spAutoFit/>
+            </a:bodyPr>
+            <a:p>
+              <a:r>
+                <a:rPr lang="en-US" b="1">
+                  <a:latin typeface="Courier 10 Pitch" charset="0"/>
+                  <a:ea typeface="+mj-lt"/>
+                  <a:cs typeface="Courier 10 Pitch" charset="0"/>
+                </a:rPr>
+                <a:t>0%</a:t>
+              </a:r>
+              <a:endParaRPr lang="en-US" b="1">
+                <a:latin typeface="Courier 10 Pitch" charset="0"/>
+                <a:ea typeface="+mj-lt"/>
+                <a:cs typeface="Courier 10 Pitch" charset="0"/>
+              </a:endParaRPr>
+            </a:p>
+          </p:txBody>
+        </p:sp>
+        <p:sp>
+          <p:nvSpPr>
+            <p:cNvPr id="15" name="Text Box 14"/>
+            <p:cNvSpPr txBox="1"/>
+            <p:nvPr/>
+          </p:nvSpPr>
+          <p:spPr>
+            <a:xfrm>
+              <a:off x="4982" y="7869"/>
+              <a:ext cx="1022" cy="580"/>
+            </a:xfrm>
+            <a:prstGeom prst="rect">
+              <a:avLst/>
+            </a:prstGeom>
+            <a:noFill/>
+          </p:spPr>
+          <p:txBody>
+            <a:bodyPr wrap="square" rtlCol="0">
+              <a:spAutoFit/>
+            </a:bodyPr>
+            <a:p>
+              <a:r>
+                <a:rPr lang="en-US" b="1">
+                  <a:latin typeface="Courier 10 Pitch" charset="0"/>
+                  <a:ea typeface="+mj-lt"/>
+                  <a:cs typeface="Courier 10 Pitch" charset="0"/>
+                </a:rPr>
+                <a:t>20%</a:t>
+              </a:r>
+              <a:endParaRPr lang="en-US" b="1">
+                <a:latin typeface="Courier 10 Pitch" charset="0"/>
+                <a:ea typeface="+mj-lt"/>
+                <a:cs typeface="Courier 10 Pitch" charset="0"/>
+              </a:endParaRPr>
+            </a:p>
+          </p:txBody>
+        </p:sp>
+        <p:sp>
+          <p:nvSpPr>
+            <p:cNvPr id="16" name="Text Box 15"/>
+            <p:cNvSpPr txBox="1"/>
+            <p:nvPr/>
+          </p:nvSpPr>
+          <p:spPr>
+            <a:xfrm>
+              <a:off x="7845" y="7869"/>
+              <a:ext cx="1022" cy="580"/>
+            </a:xfrm>
+            <a:prstGeom prst="rect">
+              <a:avLst/>
+            </a:prstGeom>
+            <a:noFill/>
+          </p:spPr>
+          <p:txBody>
+            <a:bodyPr wrap="square" rtlCol="0">
+              <a:spAutoFit/>
+            </a:bodyPr>
+            <a:p>
+              <a:r>
+                <a:rPr lang="en-US" b="1">
+                  <a:latin typeface="Courier 10 Pitch" charset="0"/>
+                  <a:ea typeface="+mj-lt"/>
+                  <a:cs typeface="Courier 10 Pitch" charset="0"/>
+                </a:rPr>
+                <a:t>40%</a:t>
+              </a:r>
+              <a:endParaRPr lang="en-US" b="1">
+                <a:latin typeface="Courier 10 Pitch" charset="0"/>
+                <a:ea typeface="+mj-lt"/>
+                <a:cs typeface="Courier 10 Pitch" charset="0"/>
+              </a:endParaRPr>
+            </a:p>
+          </p:txBody>
+        </p:sp>
+        <p:sp>
+          <p:nvSpPr>
+            <p:cNvPr id="17" name="Text Box 16"/>
+            <p:cNvSpPr txBox="1"/>
+            <p:nvPr/>
+          </p:nvSpPr>
+          <p:spPr>
+            <a:xfrm>
+              <a:off x="10703" y="7869"/>
+              <a:ext cx="1022" cy="580"/>
+            </a:xfrm>
+            <a:prstGeom prst="rect">
+              <a:avLst/>
+            </a:prstGeom>
+            <a:noFill/>
+          </p:spPr>
+          <p:txBody>
+            <a:bodyPr wrap="square" rtlCol="0">
+              <a:spAutoFit/>
+            </a:bodyPr>
+            <a:p>
+              <a:r>
+                <a:rPr lang="en-US" b="1">
+                  <a:latin typeface="Courier 10 Pitch" charset="0"/>
+                  <a:ea typeface="+mj-lt"/>
+                  <a:cs typeface="Courier 10 Pitch" charset="0"/>
+                </a:rPr>
+                <a:t>60%</a:t>
+              </a:r>
+              <a:endParaRPr lang="en-US" b="1">
+                <a:latin typeface="Courier 10 Pitch" charset="0"/>
+                <a:ea typeface="+mj-lt"/>
+                <a:cs typeface="Courier 10 Pitch" charset="0"/>
+              </a:endParaRPr>
+            </a:p>
+          </p:txBody>
+        </p:sp>
+        <p:sp>
+          <p:nvSpPr>
+            <p:cNvPr id="18" name="Text Box 17"/>
+            <p:cNvSpPr txBox="1"/>
+            <p:nvPr/>
+          </p:nvSpPr>
+          <p:spPr>
+            <a:xfrm>
+              <a:off x="13550" y="7869"/>
+              <a:ext cx="1022" cy="580"/>
+            </a:xfrm>
+            <a:prstGeom prst="rect">
+              <a:avLst/>
+            </a:prstGeom>
+            <a:noFill/>
+          </p:spPr>
+          <p:txBody>
+            <a:bodyPr wrap="square" rtlCol="0">
+              <a:spAutoFit/>
+            </a:bodyPr>
+            <a:p>
+              <a:r>
+                <a:rPr lang="en-US" b="1">
+                  <a:latin typeface="Courier 10 Pitch" charset="0"/>
+                  <a:ea typeface="+mj-lt"/>
+                  <a:cs typeface="Courier 10 Pitch" charset="0"/>
+                </a:rPr>
+                <a:t>80%</a:t>
+              </a:r>
+              <a:endParaRPr lang="en-US" b="1">
+                <a:latin typeface="Courier 10 Pitch" charset="0"/>
+                <a:ea typeface="+mj-lt"/>
+                <a:cs typeface="Courier 10 Pitch" charset="0"/>
+              </a:endParaRPr>
+            </a:p>
+          </p:txBody>
+        </p:sp>
+        <p:sp>
+          <p:nvSpPr>
+            <p:cNvPr id="19" name="Text Box 18"/>
+            <p:cNvSpPr txBox="1"/>
+            <p:nvPr/>
+          </p:nvSpPr>
+          <p:spPr>
+            <a:xfrm>
+              <a:off x="16239" y="7869"/>
+              <a:ext cx="1228" cy="580"/>
+            </a:xfrm>
+            <a:prstGeom prst="rect">
+              <a:avLst/>
+            </a:prstGeom>
+            <a:noFill/>
+          </p:spPr>
+          <p:txBody>
+            <a:bodyPr wrap="square" rtlCol="0">
+              <a:spAutoFit/>
+            </a:bodyPr>
+            <a:p>
+              <a:r>
+                <a:rPr lang="en-US" b="1">
+                  <a:latin typeface="Courier 10 Pitch" charset="0"/>
+                  <a:ea typeface="+mj-lt"/>
+                  <a:cs typeface="Courier 10 Pitch" charset="0"/>
+                </a:rPr>
+                <a:t>100%</a:t>
+              </a:r>
+              <a:endParaRPr lang="en-US" b="1">
+                <a:latin typeface="Courier 10 Pitch" charset="0"/>
+                <a:ea typeface="+mj-lt"/>
+                <a:cs typeface="Courier 10 Pitch" charset="0"/>
+              </a:endParaRPr>
+            </a:p>
+          </p:txBody>
+        </p:sp>
+        <p:sp>
+          <p:nvSpPr>
+            <p:cNvPr id="20" name="Rounded Rectangle 19"/>
+            <p:cNvSpPr/>
+            <p:nvPr/>
+          </p:nvSpPr>
+          <p:spPr>
+            <a:xfrm>
+              <a:off x="2438" y="5358"/>
+              <a:ext cx="1463" cy="1722"/>
+            </a:xfrm>
+            <a:prstGeom prst="roundRect">
+              <a:avLst>
+                <a:gd name="adj" fmla="val 11033"/>
+              </a:avLst>
+            </a:prstGeom>
+            <a:solidFill>
+              <a:srgbClr val="92D050"/>
+            </a:solidFill>
+            <a:ln>
+              <a:noFill/>
+            </a:ln>
+          </p:spPr>
+          <p:style>
+            <a:lnRef idx="2">
+              <a:schemeClr val="accent6">
+                <a:shade val="50000"/>
+              </a:schemeClr>
+            </a:lnRef>
+            <a:fillRef idx="1">
+              <a:schemeClr val="accent6"/>
+            </a:fillRef>
+            <a:effectRef idx="0">
+              <a:schemeClr val="accent6"/>
+            </a:effectRef>
+            <a:fontRef idx="minor">
+              <a:schemeClr val="lt1"/>
+            </a:fontRef>
+          </p:style>
+          <p:txBody>
+            <a:bodyPr rtlCol="0" anchor="ctr"/>
+            <a:p>
+              <a:pPr algn="ctr"/>
+              <a:endParaRPr lang="en-US"/>
+            </a:p>
+          </p:txBody>
+        </p:sp>
+        <p:sp>
+          <p:nvSpPr>
+            <p:cNvPr id="21" name="Rectangles 20"/>
+            <p:cNvSpPr/>
+            <p:nvPr/>
+          </p:nvSpPr>
+          <p:spPr>
+            <a:xfrm>
+              <a:off x="3226" y="5358"/>
+              <a:ext cx="675" cy="1722"/>
+            </a:xfrm>
+            <a:prstGeom prst="rect">
+              <a:avLst/>
+            </a:prstGeom>
+            <a:solidFill>
+              <a:srgbClr val="92D050"/>
+            </a:solidFill>
+            <a:ln>
+              <a:noFill/>
+            </a:ln>
+          </p:spPr>
+          <p:style>
+            <a:lnRef idx="2">
+              <a:schemeClr val="accent1">
+                <a:shade val="50000"/>
+              </a:schemeClr>
+            </a:lnRef>
+            <a:fillRef idx="1">
+              <a:schemeClr val="accent1"/>
+            </a:fillRef>
+            <a:effectRef idx="0">
+              <a:schemeClr val="accent1"/>
+            </a:effectRef>
+            <a:fontRef idx="minor">
+              <a:schemeClr val="lt1"/>
+            </a:fontRef>
+          </p:style>
+          <p:txBody>
+            <a:bodyPr rtlCol="0" anchor="ctr"/>
+            <a:p>
+              <a:pPr algn="ctr"/>
+              <a:endParaRPr lang="en-US"/>
+            </a:p>
+          </p:txBody>
+        </p:sp>
+        <p:cxnSp>
+          <p:nvCxnSpPr>
+            <p:cNvPr id="22" name="Straight Connector 21"/>
+            <p:cNvCxnSpPr/>
+            <p:nvPr/>
+          </p:nvCxnSpPr>
+          <p:spPr>
+            <a:xfrm>
+              <a:off x="2438" y="4449"/>
+              <a:ext cx="9" cy="773"/>
+            </a:xfrm>
+            <a:prstGeom prst="line">
+              <a:avLst/>
+            </a:prstGeom>
+          </p:spPr>
+          <p:style>
+            <a:lnRef idx="3">
+              <a:schemeClr val="dk1"/>
+            </a:lnRef>
+            <a:fillRef idx="0">
+              <a:schemeClr val="dk1"/>
+            </a:fillRef>
+            <a:effectRef idx="2">
+              <a:schemeClr val="dk1"/>
+            </a:effectRef>
+            <a:fontRef idx="minor">
+              <a:schemeClr val="tx1"/>
+            </a:fontRef>
+          </p:style>
+        </p:cxnSp>
+        <p:cxnSp>
+          <p:nvCxnSpPr>
+            <p:cNvPr id="23" name="Straight Connector 22"/>
+            <p:cNvCxnSpPr/>
+            <p:nvPr/>
+          </p:nvCxnSpPr>
+          <p:spPr>
+            <a:xfrm>
+              <a:off x="5342" y="4481"/>
+              <a:ext cx="15" cy="741"/>
+            </a:xfrm>
+            <a:prstGeom prst="line">
+              <a:avLst/>
+            </a:prstGeom>
+          </p:spPr>
+          <p:style>
+            <a:lnRef idx="3">
+              <a:schemeClr val="dk1"/>
+            </a:lnRef>
+            <a:fillRef idx="0">
+              <a:schemeClr val="dk1"/>
+            </a:fillRef>
+            <a:effectRef idx="2">
+              <a:schemeClr val="dk1"/>
+            </a:effectRef>
+            <a:fontRef idx="minor">
+              <a:schemeClr val="tx1"/>
+            </a:fontRef>
+          </p:style>
+        </p:cxnSp>
+        <p:sp>
+          <p:nvSpPr>
+            <p:cNvPr id="25" name="Text Box 24"/>
+            <p:cNvSpPr txBox="1"/>
+            <p:nvPr/>
+          </p:nvSpPr>
+          <p:spPr>
+            <a:xfrm>
+              <a:off x="3226" y="4498"/>
+              <a:ext cx="1756" cy="628"/>
+            </a:xfrm>
+            <a:prstGeom prst="rect">
+              <a:avLst/>
+            </a:prstGeom>
+            <a:noFill/>
+          </p:spPr>
+          <p:txBody>
+            <a:bodyPr wrap="square" rtlCol="0">
+              <a:spAutoFit/>
+            </a:bodyPr>
+            <a:p>
+              <a:r>
+                <a:rPr lang="en-US" sz="2000" b="1">
+                  <a:latin typeface="DejaVu Sans" panose="020B0603030804020204" charset="0"/>
+                  <a:cs typeface="DejaVu Sans" panose="020B0603030804020204" charset="0"/>
+                </a:rPr>
+                <a:t>TEST</a:t>
+              </a:r>
+              <a:endParaRPr lang="en-US" sz="2000" b="1">
+                <a:latin typeface="DejaVu Sans" panose="020B0603030804020204" charset="0"/>
+                <a:cs typeface="DejaVu Sans" panose="020B0603030804020204" charset="0"/>
+              </a:endParaRPr>
+            </a:p>
+          </p:txBody>
+        </p:sp>
+        <p:cxnSp>
+          <p:nvCxnSpPr>
+            <p:cNvPr id="26" name="Straight Connector 25"/>
+            <p:cNvCxnSpPr/>
+            <p:nvPr/>
+          </p:nvCxnSpPr>
+          <p:spPr>
+            <a:xfrm>
+              <a:off x="16762" y="4481"/>
+              <a:ext cx="15" cy="741"/>
+            </a:xfrm>
+            <a:prstGeom prst="line">
+              <a:avLst/>
+            </a:prstGeom>
+          </p:spPr>
+          <p:style>
+            <a:lnRef idx="3">
+              <a:schemeClr val="dk1"/>
+            </a:lnRef>
+            <a:fillRef idx="0">
+              <a:schemeClr val="dk1"/>
+            </a:fillRef>
+            <a:effectRef idx="2">
+              <a:schemeClr val="dk1"/>
+            </a:effectRef>
+            <a:fontRef idx="minor">
+              <a:schemeClr val="tx1"/>
+            </a:fontRef>
+          </p:style>
+        </p:cxnSp>
+        <p:sp>
+          <p:nvSpPr>
+            <p:cNvPr id="27" name="Text Box 26"/>
+            <p:cNvSpPr txBox="1"/>
+            <p:nvPr/>
+          </p:nvSpPr>
+          <p:spPr>
+            <a:xfrm>
+              <a:off x="9718" y="4481"/>
+              <a:ext cx="1756" cy="628"/>
+            </a:xfrm>
+            <a:prstGeom prst="rect">
+              <a:avLst/>
+            </a:prstGeom>
+            <a:noFill/>
+          </p:spPr>
+          <p:txBody>
+            <a:bodyPr wrap="square" rtlCol="0">
+              <a:spAutoFit/>
+            </a:bodyPr>
+            <a:p>
+              <a:r>
+                <a:rPr lang="en-US" sz="2000" b="1">
+                  <a:latin typeface="DejaVu Sans" panose="020B0603030804020204" charset="0"/>
+                  <a:cs typeface="DejaVu Sans" panose="020B0603030804020204" charset="0"/>
+                </a:rPr>
+                <a:t>TRAIN</a:t>
+              </a:r>
+              <a:endParaRPr lang="en-US" sz="2000" b="1">
+                <a:latin typeface="DejaVu Sans" panose="020B0603030804020204" charset="0"/>
+                <a:cs typeface="DejaVu Sans" panose="020B0603030804020204" charset="0"/>
+              </a:endParaRPr>
+            </a:p>
+          </p:txBody>
+        </p:sp>
+        <p:cxnSp>
+          <p:nvCxnSpPr>
+            <p:cNvPr id="28" name="Straight Connector 27"/>
+            <p:cNvCxnSpPr/>
+            <p:nvPr/>
+          </p:nvCxnSpPr>
+          <p:spPr>
+            <a:xfrm>
+              <a:off x="5342" y="5570"/>
+              <a:ext cx="16" cy="1297"/>
+            </a:xfrm>
+            <a:prstGeom prst="line">
+              <a:avLst/>
+            </a:prstGeom>
+            <a:ln>
+              <a:solidFill>
+                <a:schemeClr val="bg1">
+                  <a:lumMod val="65000"/>
+                </a:schemeClr>
+              </a:solidFill>
+            </a:ln>
+          </p:spPr>
+          <p:style>
+            <a:lnRef idx="3">
+              <a:schemeClr val="dk1"/>
+            </a:lnRef>
+            <a:fillRef idx="0">
+              <a:schemeClr val="dk1"/>
+            </a:fillRef>
+            <a:effectRef idx="2">
+              <a:schemeClr val="dk1"/>
+            </a:effectRef>
+            <a:fontRef idx="minor">
+              <a:schemeClr val="tx1"/>
+            </a:fontRef>
+          </p:style>
+        </p:cxnSp>
+        <p:cxnSp>
+          <p:nvCxnSpPr>
+            <p:cNvPr id="29" name="Straight Connector 28"/>
+            <p:cNvCxnSpPr/>
+            <p:nvPr/>
+          </p:nvCxnSpPr>
+          <p:spPr>
+            <a:xfrm>
+              <a:off x="8236" y="5570"/>
+              <a:ext cx="16" cy="1297"/>
+            </a:xfrm>
+            <a:prstGeom prst="line">
+              <a:avLst/>
+            </a:prstGeom>
+            <a:ln>
+              <a:solidFill>
+                <a:schemeClr val="bg1">
+                  <a:lumMod val="65000"/>
+                </a:schemeClr>
+              </a:solidFill>
+            </a:ln>
+          </p:spPr>
+          <p:style>
+            <a:lnRef idx="3">
+              <a:schemeClr val="dk1"/>
+            </a:lnRef>
+            <a:fillRef idx="0">
+              <a:schemeClr val="dk1"/>
+            </a:fillRef>
+            <a:effectRef idx="2">
+              <a:schemeClr val="dk1"/>
+            </a:effectRef>
+            <a:fontRef idx="minor">
+              <a:schemeClr val="tx1"/>
+            </a:fontRef>
+          </p:style>
+        </p:cxnSp>
+        <p:cxnSp>
+          <p:nvCxnSpPr>
+            <p:cNvPr id="30" name="Straight Connector 29"/>
+            <p:cNvCxnSpPr/>
+            <p:nvPr/>
+          </p:nvCxnSpPr>
+          <p:spPr>
+            <a:xfrm>
+              <a:off x="11028" y="5571"/>
+              <a:ext cx="16" cy="1297"/>
+            </a:xfrm>
+            <a:prstGeom prst="line">
+              <a:avLst/>
+            </a:prstGeom>
+            <a:ln>
+              <a:solidFill>
+                <a:schemeClr val="bg1">
+                  <a:lumMod val="65000"/>
+                </a:schemeClr>
+              </a:solidFill>
+            </a:ln>
+          </p:spPr>
+          <p:style>
+            <a:lnRef idx="3">
+              <a:schemeClr val="dk1"/>
+            </a:lnRef>
+            <a:fillRef idx="0">
+              <a:schemeClr val="dk1"/>
+            </a:fillRef>
+            <a:effectRef idx="2">
+              <a:schemeClr val="dk1"/>
+            </a:effectRef>
+            <a:fontRef idx="minor">
+              <a:schemeClr val="tx1"/>
+            </a:fontRef>
+          </p:style>
+        </p:cxnSp>
+        <p:cxnSp>
+          <p:nvCxnSpPr>
+            <p:cNvPr id="31" name="Straight Connector 30"/>
+            <p:cNvCxnSpPr/>
+            <p:nvPr/>
+          </p:nvCxnSpPr>
+          <p:spPr>
+            <a:xfrm>
+              <a:off x="13879" y="5571"/>
+              <a:ext cx="16" cy="1297"/>
+            </a:xfrm>
+            <a:prstGeom prst="line">
+              <a:avLst/>
+            </a:prstGeom>
+            <a:ln>
+              <a:solidFill>
+                <a:schemeClr val="bg1">
+                  <a:lumMod val="65000"/>
+                </a:schemeClr>
+              </a:solidFill>
+            </a:ln>
+          </p:spPr>
+          <p:style>
+            <a:lnRef idx="3">
+              <a:schemeClr val="dk1"/>
+            </a:lnRef>
+            <a:fillRef idx="0">
+              <a:schemeClr val="dk1"/>
+            </a:fillRef>
+            <a:effectRef idx="2">
+              <a:schemeClr val="dk1"/>
+            </a:effectRef>
+            <a:fontRef idx="minor">
+              <a:schemeClr val="tx1"/>
+            </a:fontRef>
+          </p:style>
+        </p:cxnSp>
+        <p:sp>
+          <p:nvSpPr>
+            <p:cNvPr id="32" name="Text Box 31"/>
+            <p:cNvSpPr txBox="1"/>
+            <p:nvPr/>
+          </p:nvSpPr>
+          <p:spPr>
+            <a:xfrm>
+              <a:off x="5763" y="3125"/>
+              <a:ext cx="7674" cy="725"/>
+            </a:xfrm>
+            <a:prstGeom prst="rect">
+              <a:avLst/>
+            </a:prstGeom>
+            <a:noFill/>
+          </p:spPr>
+          <p:txBody>
+            <a:bodyPr wrap="none" rtlCol="0">
+              <a:spAutoFit/>
+            </a:bodyPr>
+            <a:p>
+              <a:r>
+                <a:rPr lang="en-US" sz="2400" b="1">
+                  <a:latin typeface="DejaVu Sans" panose="020B0603030804020204" charset="0"/>
+                  <a:cs typeface="DejaVu Sans" panose="020B0603030804020204" charset="0"/>
+                </a:rPr>
+                <a:t>10-Fold CROSS-VALIDATION</a:t>
+              </a:r>
+              <a:endParaRPr lang="en-US" sz="2400" b="1">
+                <a:latin typeface="DejaVu Sans" panose="020B0603030804020204" charset="0"/>
+                <a:cs typeface="DejaVu Sans" panose="020B0603030804020204" charset="0"/>
+              </a:endParaRPr>
+            </a:p>
+          </p:txBody>
+        </p:sp>
+      </p:grpSp>
+    </p:spTree>
+  </p:cSld>
+  <p:clrMapOvr>
+    <a:masterClrMapping/>
+  </p:clrMapOvr>
+</p:sld>
+</file>
+
+<file path=ppt/slides/slide9.xml><?xml version="1.0" encoding="utf-8"?>
+<p:sld xmlns:a="http://schemas.openxmlformats.org/drawingml/2006/main" xmlns:r="http://schemas.openxmlformats.org/officeDocument/2006/relationships" xmlns:p="http://schemas.openxmlformats.org/presentationml/2006/main">
+  <p:cSld>
+    <p:spTree>
+      <p:nvGrpSpPr>
+        <p:cNvPr id="1" name=""/>
+        <p:cNvGrpSpPr/>
+        <p:nvPr/>
+      </p:nvGrpSpPr>
+      <p:grpSpPr/>
+      <p:sp>
+        <p:nvSpPr>
+          <p:cNvPr id="2" name="Title 1"/>
+          <p:cNvSpPr>
+            <a:spLocks noGrp="1"/>
+          </p:cNvSpPr>
+          <p:nvPr>
+            <p:ph type="title"/>
+          </p:nvPr>
+        </p:nvSpPr>
+        <p:spPr/>
+        <p:txBody>
+          <a:bodyPr/>
+          <a:p>
+            <a:r>
+              <a:rPr lang="en-US" sz="3600">
+                <a:sym typeface="+mn-ea"/>
+              </a:rPr>
+              <a:t>7.1</a:t>
+            </a:r>
+            <a:r>
+              <a:rPr lang="ja-JP" altLang="en-US" sz="3600">
+                <a:sym typeface="+mn-ea"/>
+              </a:rPr>
+              <a:t>　回帰の決定木</a:t>
+            </a:r>
+            <a:endParaRPr lang="ja-JP" altLang="en-US" sz="3600">
+              <a:sym typeface="+mn-ea"/>
+            </a:endParaRPr>
+          </a:p>
+        </p:txBody>
+      </p:sp>
+      <p:grpSp>
+        <p:nvGrpSpPr>
+          <p:cNvPr id="33" name="Group 32"/>
+          <p:cNvGrpSpPr/>
+          <p:nvPr/>
+        </p:nvGrpSpPr>
+        <p:grpSpPr>
+          <a:xfrm>
+            <a:off x="1371600" y="3402330"/>
+            <a:ext cx="9719945" cy="1962785"/>
+            <a:chOff x="2160" y="5358"/>
+            <a:chExt cx="15307" cy="3091"/>
+          </a:xfrm>
+        </p:grpSpPr>
+        <p:sp>
+          <p:nvSpPr>
+            <p:cNvPr id="4" name="Rounded Rectangle 3"/>
+            <p:cNvSpPr/>
+            <p:nvPr/>
+          </p:nvSpPr>
+          <p:spPr>
+            <a:xfrm>
+              <a:off x="2438" y="5358"/>
+              <a:ext cx="14324" cy="1722"/>
+            </a:xfrm>
+            <a:prstGeom prst="roundRect">
+              <a:avLst>
+                <a:gd name="adj" fmla="val 11033"/>
+              </a:avLst>
+            </a:prstGeom>
+            <a:solidFill>
+              <a:schemeClr val="accent1">
+                <a:lumMod val="40000"/>
+                <a:lumOff val="60000"/>
+              </a:schemeClr>
+            </a:solidFill>
+            <a:ln>
+              <a:noFill/>
+            </a:ln>
+          </p:spPr>
+          <p:style>
+            <a:lnRef idx="1">
+              <a:schemeClr val="accent1"/>
+            </a:lnRef>
+            <a:fillRef idx="2">
+              <a:schemeClr val="accent1"/>
+            </a:fillRef>
+            <a:effectRef idx="1">
+              <a:schemeClr val="accent1"/>
+            </a:effectRef>
+            <a:fontRef idx="minor">
+              <a:schemeClr val="dk1"/>
+            </a:fontRef>
+          </p:style>
+          <p:txBody>
+            <a:bodyPr rtlCol="0" anchor="ctr"/>
+            <a:p>
+              <a:pPr algn="ctr"/>
+              <a:endParaRPr lang="en-US"/>
+            </a:p>
+          </p:txBody>
+        </p:sp>
+        <p:cxnSp>
+          <p:nvCxnSpPr>
+            <p:cNvPr id="7" name="Straight Connector 6"/>
+            <p:cNvCxnSpPr/>
+            <p:nvPr/>
+          </p:nvCxnSpPr>
+          <p:spPr>
+            <a:xfrm flipH="1">
+              <a:off x="2422" y="7419"/>
+              <a:ext cx="16" cy="450"/>
+            </a:xfrm>
+            <a:prstGeom prst="line">
+              <a:avLst/>
+            </a:prstGeom>
+          </p:spPr>
+          <p:style>
+            <a:lnRef idx="3">
+              <a:schemeClr val="dk1"/>
+            </a:lnRef>
+            <a:fillRef idx="0">
+              <a:schemeClr val="dk1"/>
+            </a:fillRef>
+            <a:effectRef idx="2">
+              <a:schemeClr val="dk1"/>
+            </a:effectRef>
+            <a:fontRef idx="minor">
+              <a:schemeClr val="tx1"/>
+            </a:fontRef>
+          </p:style>
+        </p:cxnSp>
+        <p:cxnSp>
+          <p:nvCxnSpPr>
+            <p:cNvPr id="8" name="Straight Connector 7"/>
+            <p:cNvCxnSpPr/>
+            <p:nvPr/>
+          </p:nvCxnSpPr>
+          <p:spPr>
+            <a:xfrm flipH="1">
+              <a:off x="16746" y="7419"/>
+              <a:ext cx="16" cy="450"/>
+            </a:xfrm>
+            <a:prstGeom prst="line">
+              <a:avLst/>
+            </a:prstGeom>
+          </p:spPr>
+          <p:style>
+            <a:lnRef idx="3">
+              <a:schemeClr val="dk1"/>
+            </a:lnRef>
+            <a:fillRef idx="0">
+              <a:schemeClr val="dk1"/>
+            </a:fillRef>
+            <a:effectRef idx="2">
+              <a:schemeClr val="dk1"/>
+            </a:effectRef>
+            <a:fontRef idx="minor">
+              <a:schemeClr val="tx1"/>
+            </a:fontRef>
+          </p:style>
+        </p:cxnSp>
+        <p:cxnSp>
+          <p:nvCxnSpPr>
+            <p:cNvPr id="9" name="Straight Connector 8"/>
+            <p:cNvCxnSpPr/>
+            <p:nvPr/>
+          </p:nvCxnSpPr>
+          <p:spPr>
+            <a:xfrm flipH="1">
+              <a:off x="5341" y="7419"/>
+              <a:ext cx="16" cy="450"/>
+            </a:xfrm>
+            <a:prstGeom prst="line">
+              <a:avLst/>
+            </a:prstGeom>
+          </p:spPr>
+          <p:style>
+            <a:lnRef idx="3">
+              <a:schemeClr val="dk1"/>
+            </a:lnRef>
+            <a:fillRef idx="0">
+              <a:schemeClr val="dk1"/>
+            </a:fillRef>
+            <a:effectRef idx="2">
+              <a:schemeClr val="dk1"/>
+            </a:effectRef>
+            <a:fontRef idx="minor">
+              <a:schemeClr val="tx1"/>
+            </a:fontRef>
+          </p:style>
+        </p:cxnSp>
+        <p:cxnSp>
+          <p:nvCxnSpPr>
+            <p:cNvPr id="10" name="Straight Connector 9"/>
+            <p:cNvCxnSpPr/>
+            <p:nvPr/>
+          </p:nvCxnSpPr>
+          <p:spPr>
+            <a:xfrm flipH="1">
+              <a:off x="8252" y="7419"/>
+              <a:ext cx="16" cy="450"/>
+            </a:xfrm>
+            <a:prstGeom prst="line">
+              <a:avLst/>
+            </a:prstGeom>
+          </p:spPr>
+          <p:style>
+            <a:lnRef idx="3">
+              <a:schemeClr val="dk1"/>
+            </a:lnRef>
+            <a:fillRef idx="0">
+              <a:schemeClr val="dk1"/>
+            </a:fillRef>
+            <a:effectRef idx="2">
+              <a:schemeClr val="dk1"/>
+            </a:effectRef>
+            <a:fontRef idx="minor">
+              <a:schemeClr val="tx1"/>
+            </a:fontRef>
+          </p:style>
+        </p:cxnSp>
+        <p:cxnSp>
+          <p:nvCxnSpPr>
+            <p:cNvPr id="11" name="Straight Connector 10"/>
+            <p:cNvCxnSpPr/>
+            <p:nvPr/>
+          </p:nvCxnSpPr>
+          <p:spPr>
+            <a:xfrm flipH="1">
+              <a:off x="11044" y="7419"/>
+              <a:ext cx="16" cy="450"/>
+            </a:xfrm>
+            <a:prstGeom prst="line">
+              <a:avLst/>
+            </a:prstGeom>
+          </p:spPr>
+          <p:style>
+            <a:lnRef idx="3">
+              <a:schemeClr val="dk1"/>
+            </a:lnRef>
+            <a:fillRef idx="0">
+              <a:schemeClr val="dk1"/>
+            </a:fillRef>
+            <a:effectRef idx="2">
+              <a:schemeClr val="dk1"/>
+            </a:effectRef>
+            <a:fontRef idx="minor">
+              <a:schemeClr val="tx1"/>
+            </a:fontRef>
+          </p:style>
+        </p:cxnSp>
+        <p:cxnSp>
+          <p:nvCxnSpPr>
+            <p:cNvPr id="12" name="Straight Connector 11"/>
+            <p:cNvCxnSpPr/>
+            <p:nvPr/>
+          </p:nvCxnSpPr>
+          <p:spPr>
+            <a:xfrm flipH="1">
+              <a:off x="13895" y="7419"/>
+              <a:ext cx="16" cy="450"/>
+            </a:xfrm>
+            <a:prstGeom prst="line">
+              <a:avLst/>
+            </a:prstGeom>
+          </p:spPr>
+          <p:style>
+            <a:lnRef idx="3">
+              <a:schemeClr val="dk1"/>
+            </a:lnRef>
+            <a:fillRef idx="0">
+              <a:schemeClr val="dk1"/>
+            </a:fillRef>
+            <a:effectRef idx="2">
+              <a:schemeClr val="dk1"/>
+            </a:effectRef>
+            <a:fontRef idx="minor">
+              <a:schemeClr val="tx1"/>
+            </a:fontRef>
+          </p:style>
+        </p:cxnSp>
+        <p:sp>
+          <p:nvSpPr>
+            <p:cNvPr id="14" name="Text Box 13"/>
+            <p:cNvSpPr txBox="1"/>
+            <p:nvPr/>
+          </p:nvSpPr>
+          <p:spPr>
+            <a:xfrm>
+              <a:off x="2160" y="7869"/>
+              <a:ext cx="894" cy="580"/>
+            </a:xfrm>
+            <a:prstGeom prst="rect">
+              <a:avLst/>
+            </a:prstGeom>
+            <a:noFill/>
+          </p:spPr>
+          <p:txBody>
+            <a:bodyPr wrap="square" rtlCol="0">
+              <a:spAutoFit/>
+            </a:bodyPr>
+            <a:p>
+              <a:r>
+                <a:rPr lang="en-US" b="1">
+                  <a:latin typeface="Courier 10 Pitch" charset="0"/>
+                  <a:ea typeface="+mj-lt"/>
+                  <a:cs typeface="Courier 10 Pitch" charset="0"/>
+                </a:rPr>
+                <a:t>0%</a:t>
+              </a:r>
+              <a:endParaRPr lang="en-US" b="1">
+                <a:latin typeface="Courier 10 Pitch" charset="0"/>
+                <a:ea typeface="+mj-lt"/>
+                <a:cs typeface="Courier 10 Pitch" charset="0"/>
+              </a:endParaRPr>
+            </a:p>
+          </p:txBody>
+        </p:sp>
+        <p:sp>
+          <p:nvSpPr>
+            <p:cNvPr id="15" name="Text Box 14"/>
+            <p:cNvSpPr txBox="1"/>
+            <p:nvPr/>
+          </p:nvSpPr>
+          <p:spPr>
+            <a:xfrm>
+              <a:off x="4982" y="7869"/>
+              <a:ext cx="1022" cy="580"/>
+            </a:xfrm>
+            <a:prstGeom prst="rect">
+              <a:avLst/>
+            </a:prstGeom>
+            <a:noFill/>
+          </p:spPr>
+          <p:txBody>
+            <a:bodyPr wrap="square" rtlCol="0">
+              <a:spAutoFit/>
+            </a:bodyPr>
+            <a:p>
+              <a:r>
+                <a:rPr lang="en-US" b="1">
+                  <a:latin typeface="Courier 10 Pitch" charset="0"/>
+                  <a:ea typeface="+mj-lt"/>
+                  <a:cs typeface="Courier 10 Pitch" charset="0"/>
+                </a:rPr>
+                <a:t>20%</a:t>
+              </a:r>
+              <a:endParaRPr lang="en-US" b="1">
+                <a:latin typeface="Courier 10 Pitch" charset="0"/>
+                <a:ea typeface="+mj-lt"/>
+                <a:cs typeface="Courier 10 Pitch" charset="0"/>
+              </a:endParaRPr>
+            </a:p>
+          </p:txBody>
+        </p:sp>
+        <p:sp>
+          <p:nvSpPr>
+            <p:cNvPr id="16" name="Text Box 15"/>
+            <p:cNvSpPr txBox="1"/>
+            <p:nvPr/>
+          </p:nvSpPr>
+          <p:spPr>
+            <a:xfrm>
+              <a:off x="7845" y="7869"/>
+              <a:ext cx="1022" cy="580"/>
+            </a:xfrm>
+            <a:prstGeom prst="rect">
+              <a:avLst/>
+            </a:prstGeom>
+            <a:noFill/>
+          </p:spPr>
+          <p:txBody>
+            <a:bodyPr wrap="square" rtlCol="0">
+              <a:spAutoFit/>
+            </a:bodyPr>
+            <a:p>
+              <a:r>
+                <a:rPr lang="en-US" b="1">
+                  <a:latin typeface="Courier 10 Pitch" charset="0"/>
+                  <a:ea typeface="+mj-lt"/>
+                  <a:cs typeface="Courier 10 Pitch" charset="0"/>
+                </a:rPr>
+                <a:t>40%</a:t>
+              </a:r>
+              <a:endParaRPr lang="en-US" b="1">
+                <a:latin typeface="Courier 10 Pitch" charset="0"/>
+                <a:ea typeface="+mj-lt"/>
+                <a:cs typeface="Courier 10 Pitch" charset="0"/>
+              </a:endParaRPr>
+            </a:p>
+          </p:txBody>
+        </p:sp>
+        <p:sp>
+          <p:nvSpPr>
+            <p:cNvPr id="17" name="Text Box 16"/>
+            <p:cNvSpPr txBox="1"/>
+            <p:nvPr/>
+          </p:nvSpPr>
+          <p:spPr>
+            <a:xfrm>
+              <a:off x="10703" y="7869"/>
+              <a:ext cx="1022" cy="580"/>
+            </a:xfrm>
+            <a:prstGeom prst="rect">
+              <a:avLst/>
+            </a:prstGeom>
+            <a:noFill/>
+          </p:spPr>
+          <p:txBody>
+            <a:bodyPr wrap="square" rtlCol="0">
+              <a:spAutoFit/>
+            </a:bodyPr>
+            <a:p>
+              <a:r>
+                <a:rPr lang="en-US" b="1">
+                  <a:latin typeface="Courier 10 Pitch" charset="0"/>
+                  <a:ea typeface="+mj-lt"/>
+                  <a:cs typeface="Courier 10 Pitch" charset="0"/>
+                </a:rPr>
+                <a:t>60%</a:t>
+              </a:r>
+              <a:endParaRPr lang="en-US" b="1">
+                <a:latin typeface="Courier 10 Pitch" charset="0"/>
+                <a:ea typeface="+mj-lt"/>
+                <a:cs typeface="Courier 10 Pitch" charset="0"/>
+              </a:endParaRPr>
+            </a:p>
+          </p:txBody>
+        </p:sp>
+        <p:sp>
+          <p:nvSpPr>
+            <p:cNvPr id="18" name="Text Box 17"/>
+            <p:cNvSpPr txBox="1"/>
+            <p:nvPr/>
+          </p:nvSpPr>
+          <p:spPr>
+            <a:xfrm>
+              <a:off x="13550" y="7869"/>
+              <a:ext cx="1022" cy="580"/>
+            </a:xfrm>
+            <a:prstGeom prst="rect">
+              <a:avLst/>
+            </a:prstGeom>
+            <a:noFill/>
+          </p:spPr>
+          <p:txBody>
+            <a:bodyPr wrap="square" rtlCol="0">
+              <a:spAutoFit/>
+            </a:bodyPr>
+            <a:p>
+              <a:r>
+                <a:rPr lang="en-US" b="1">
+                  <a:latin typeface="Courier 10 Pitch" charset="0"/>
+                  <a:ea typeface="+mj-lt"/>
+                  <a:cs typeface="Courier 10 Pitch" charset="0"/>
+                </a:rPr>
+                <a:t>80%</a:t>
+              </a:r>
+              <a:endParaRPr lang="en-US" b="1">
+                <a:latin typeface="Courier 10 Pitch" charset="0"/>
+                <a:ea typeface="+mj-lt"/>
+                <a:cs typeface="Courier 10 Pitch" charset="0"/>
+              </a:endParaRPr>
+            </a:p>
+          </p:txBody>
+        </p:sp>
+        <p:sp>
+          <p:nvSpPr>
+            <p:cNvPr id="19" name="Text Box 18"/>
+            <p:cNvSpPr txBox="1"/>
+            <p:nvPr/>
+          </p:nvSpPr>
+          <p:spPr>
+            <a:xfrm>
+              <a:off x="16239" y="7869"/>
+              <a:ext cx="1228" cy="580"/>
+            </a:xfrm>
+            <a:prstGeom prst="rect">
+              <a:avLst/>
+            </a:prstGeom>
+            <a:noFill/>
+          </p:spPr>
+          <p:txBody>
+            <a:bodyPr wrap="square" rtlCol="0">
+              <a:spAutoFit/>
+            </a:bodyPr>
+            <a:p>
+              <a:r>
+                <a:rPr lang="en-US" b="1">
+                  <a:latin typeface="Courier 10 Pitch" charset="0"/>
+                  <a:ea typeface="+mj-lt"/>
+                  <a:cs typeface="Courier 10 Pitch" charset="0"/>
+                </a:rPr>
+                <a:t>100%</a:t>
+              </a:r>
+              <a:endParaRPr lang="en-US" b="1">
+                <a:latin typeface="Courier 10 Pitch" charset="0"/>
+                <a:ea typeface="+mj-lt"/>
+                <a:cs typeface="Courier 10 Pitch" charset="0"/>
+              </a:endParaRPr>
+            </a:p>
+          </p:txBody>
+        </p:sp>
+      </p:grpSp>
+      <p:sp>
+        <p:nvSpPr>
+          <p:cNvPr id="3" name="Rectangles 2"/>
+          <p:cNvSpPr/>
+          <p:nvPr/>
+        </p:nvSpPr>
+        <p:spPr>
+          <a:xfrm>
+            <a:off x="2477135" y="3402330"/>
+            <a:ext cx="913765" cy="1093470"/>
+          </a:xfrm>
+          <a:prstGeom prst="rect">
+            <a:avLst/>
+          </a:prstGeom>
+          <a:solidFill>
+            <a:srgbClr val="92D050"/>
+          </a:solidFill>
+          <a:ln>
+            <a:noFill/>
+          </a:ln>
+        </p:spPr>
+        <p:style>
+          <a:lnRef idx="2">
+            <a:schemeClr val="accent1">
+              <a:shade val="50000"/>
+            </a:schemeClr>
+          </a:lnRef>
+          <a:fillRef idx="1">
+            <a:schemeClr val="accent1"/>
+          </a:fillRef>
+          <a:effectRef idx="0">
+            <a:schemeClr val="accent1"/>
+          </a:effectRef>
+          <a:fontRef idx="minor">
+            <a:schemeClr val="lt1"/>
+          </a:fontRef>
+        </p:style>
+        <p:txBody>
+          <a:bodyPr rtlCol="0" anchor="ctr"/>
+          <a:p>
+            <a:pPr algn="ctr"/>
+            <a:endParaRPr lang="en-US"/>
+          </a:p>
+        </p:txBody>
+      </p:sp>
+      <p:sp>
+        <p:nvSpPr>
+          <p:cNvPr id="5" name="Text Box 4"/>
           <p:cNvSpPr txBox="1"/>
           <p:nvPr/>
         </p:nvSpPr>
         <p:spPr>
           <a:xfrm>
-            <a:off x="829945" y="2349500"/>
-            <a:ext cx="5664835" cy="2676525"/>
+            <a:off x="2477135" y="3749675"/>
+            <a:ext cx="914400" cy="398780"/>
           </a:xfrm>
           <a:prstGeom prst="rect">
             <a:avLst/>
@@ -13142,112 +18385,51 @@
           </a:bodyPr>
           <a:p>
             <a:r>
-              <a:rPr lang="ja-JP" altLang="en-US" sz="2400"/>
-              <a:t>枝が左右に</a:t>
+              <a:rPr lang="en-US" sz="2000" b="1">
+                <a:latin typeface="DejaVu Sans" panose="020B0603030804020204" charset="0"/>
+                <a:cs typeface="DejaVu Sans" panose="020B0603030804020204" charset="0"/>
+              </a:rPr>
+              <a:t>TEST</a:t>
             </a:r>
-            <a:r>
-              <a:rPr lang="en-US" altLang="ja-JP" sz="2400"/>
-              <a:t>...</a:t>
-            </a:r>
-            <a:endParaRPr lang="ja-JP" altLang="en-US" sz="2400"/>
+            <a:endParaRPr lang="en-US" sz="2000" b="1">
+              <a:latin typeface="DejaVu Sans" panose="020B0603030804020204" charset="0"/>
+              <a:cs typeface="DejaVu Sans" panose="020B0603030804020204" charset="0"/>
+            </a:endParaRPr>
           </a:p>
-          <a:p>
-            <a:pPr marL="342900" indent="-342900">
-              <a:buFont typeface="Arial" panose="02080604020202020204" pitchFamily="34" charset="0"/>
-              <a:buChar char="•"/>
-            </a:pPr>
-            <a:r>
-              <a:rPr lang="ja-JP" altLang="en-US" sz="2400"/>
-              <a:t>分岐する頂点を「</a:t>
-            </a:r>
-            <a:r>
-              <a:rPr lang="ja-JP" altLang="en-US" sz="2400" b="1"/>
-              <a:t>内点（分岐点）</a:t>
-            </a:r>
-            <a:r>
-              <a:rPr lang="ja-JP" altLang="en-US" sz="2400"/>
-              <a:t>」</a:t>
-            </a:r>
-            <a:endParaRPr lang="ja-JP" altLang="en-US" sz="2400"/>
-          </a:p>
-          <a:p>
-            <a:pPr marL="342900" indent="-342900">
-              <a:buFont typeface="Arial" panose="02080604020202020204" pitchFamily="34" charset="0"/>
-              <a:buChar char="•"/>
-            </a:pPr>
-            <a:r>
-              <a:rPr lang="ja-JP" altLang="en-US" sz="2400"/>
-              <a:t>分岐しない点を「</a:t>
-            </a:r>
-            <a:r>
-              <a:rPr lang="ja-JP" altLang="en-US" sz="2400" b="1"/>
-              <a:t>端点</a:t>
-            </a:r>
-            <a:r>
-              <a:rPr lang="ja-JP" altLang="en-US" sz="2400"/>
-              <a:t>」</a:t>
-            </a:r>
-            <a:endParaRPr lang="ja-JP" altLang="en-US" sz="2400"/>
-          </a:p>
-          <a:p>
-            <a:endParaRPr lang="ja-JP" altLang="en-US" sz="2400"/>
-          </a:p>
+        </p:txBody>
+      </p:sp>
+      <p:sp>
+        <p:nvSpPr>
+          <p:cNvPr id="6" name="Text Box 5"/>
+          <p:cNvSpPr txBox="1"/>
+          <p:nvPr/>
+        </p:nvSpPr>
+        <p:spPr>
+          <a:xfrm>
+            <a:off x="6078855" y="3749675"/>
+            <a:ext cx="1115060" cy="398780"/>
+          </a:xfrm>
+          <a:prstGeom prst="rect">
+            <a:avLst/>
+          </a:prstGeom>
+          <a:noFill/>
+        </p:spPr>
+        <p:txBody>
+          <a:bodyPr wrap="square" rtlCol="0">
+            <a:spAutoFit/>
+          </a:bodyPr>
           <a:p>
             <a:r>
-              <a:rPr lang="ja-JP" altLang="en-US" sz="2400"/>
-              <a:t>枝で隣接する</a:t>
+              <a:rPr lang="en-US" sz="2000" b="1">
+                <a:latin typeface="DejaVu Sans" panose="020B0603030804020204" charset="0"/>
+                <a:cs typeface="DejaVu Sans" panose="020B0603030804020204" charset="0"/>
+              </a:rPr>
+              <a:t>TRAIN</a:t>
             </a:r>
-            <a:r>
-              <a:rPr lang="en-US" altLang="ja-JP" sz="2400"/>
-              <a:t>2</a:t>
-            </a:r>
-            <a:r>
-              <a:rPr lang="ja-JP" altLang="en-US" sz="2400"/>
-              <a:t>頂点のうち</a:t>
-            </a:r>
-            <a:r>
-              <a:rPr lang="en-US" altLang="ja-JP" sz="2400"/>
-              <a:t>...</a:t>
-            </a:r>
-            <a:endParaRPr lang="ja-JP" altLang="en-US" sz="2400"/>
-          </a:p>
-          <a:p>
-            <a:pPr marL="285750" indent="-285750">
-              <a:buFont typeface="Arial" panose="02080604020202020204" pitchFamily="34" charset="0"/>
-              <a:buChar char="•"/>
-            </a:pPr>
-            <a:r>
-              <a:rPr lang="ja-JP" altLang="en-US" sz="2400"/>
-              <a:t>端点に近い頂点を「</a:t>
-            </a:r>
-            <a:r>
-              <a:rPr lang="ja-JP" altLang="en-US" sz="2400" b="1"/>
-              <a:t>子</a:t>
-            </a:r>
-            <a:r>
-              <a:rPr lang="ja-JP" altLang="en-US" sz="2400"/>
-              <a:t>」</a:t>
-            </a:r>
-            <a:endParaRPr lang="ja-JP" altLang="en-US" sz="2400"/>
-          </a:p>
-          <a:p>
-            <a:pPr marL="285750" indent="-285750">
-              <a:buFont typeface="Arial" panose="02080604020202020204" pitchFamily="34" charset="0"/>
-              <a:buChar char="•"/>
-            </a:pPr>
-            <a:r>
-              <a:rPr lang="ja-JP" altLang="en-US" sz="2400"/>
-              <a:t>端点から遠い頂点を「</a:t>
-            </a:r>
-            <a:r>
-              <a:rPr lang="ja-JP" altLang="en-US" sz="2400" b="1"/>
-              <a:t>親</a:t>
-            </a:r>
-            <a:r>
-              <a:rPr lang="ja-JP" altLang="en-US" sz="2400"/>
-              <a:t>」</a:t>
-            </a:r>
-            <a:endParaRPr lang="ja-JP" altLang="en-US" sz="2400"/>
+            <a:endParaRPr lang="en-US" sz="2000" b="1">
+              <a:latin typeface="DejaVu Sans" panose="020B0603030804020204" charset="0"/>
+              <a:cs typeface="DejaVu Sans" panose="020B0603030804020204" charset="0"/>
+            </a:endParaRPr>
           </a:p>
         </p:txBody>
       </p:sp>

--- a/第7章決定木.pptx
+++ b/第7章決定木.pptx
@@ -5,10 +5,10 @@
     <p:sldMasterId id="2147483648" r:id="rId1"/>
   </p:sldMasterIdLst>
   <p:notesMasterIdLst>
-    <p:notesMasterId r:id="rId15"/>
+    <p:notesMasterId r:id="rId17"/>
   </p:notesMasterIdLst>
   <p:handoutMasterIdLst>
-    <p:handoutMasterId r:id="rId16"/>
+    <p:handoutMasterId r:id="rId18"/>
   </p:handoutMasterIdLst>
   <p:sldIdLst>
     <p:sldId id="261" r:id="rId3"/>
@@ -19,10 +19,12 @@
     <p:sldId id="262" r:id="rId8"/>
     <p:sldId id="267" r:id="rId9"/>
     <p:sldId id="268" r:id="rId10"/>
-    <p:sldId id="270" r:id="rId11"/>
-    <p:sldId id="271" r:id="rId12"/>
-    <p:sldId id="272" r:id="rId13"/>
-    <p:sldId id="269" r:id="rId14"/>
+    <p:sldId id="275" r:id="rId11"/>
+    <p:sldId id="277" r:id="rId12"/>
+    <p:sldId id="279" r:id="rId13"/>
+    <p:sldId id="278" r:id="rId14"/>
+    <p:sldId id="280" r:id="rId15"/>
+    <p:sldId id="281" r:id="rId16"/>
   </p:sldIdLst>
   <p:sldSz cx="12192000" cy="6858000"/>
   <p:notesSz cx="7103745" cy="10234295"/>
@@ -6340,7 +6342,7 @@
         </p:nvSpPr>
         <p:spPr>
           <a:xfrm>
-            <a:off x="8623935" y="1369695"/>
+            <a:off x="8634095" y="1369695"/>
             <a:ext cx="731520" cy="731520"/>
           </a:xfrm>
           <a:prstGeom prst="ellipse">
@@ -6425,576 +6427,16 @@
           </a:p>
         </p:txBody>
       </p:sp>
-      <p:grpSp>
-        <p:nvGrpSpPr>
-          <p:cNvPr id="33" name="Group 32"/>
-          <p:cNvGrpSpPr/>
-          <p:nvPr/>
-        </p:nvGrpSpPr>
-        <p:grpSpPr>
-          <a:xfrm>
-            <a:off x="1371600" y="3402330"/>
-            <a:ext cx="9719945" cy="1962785"/>
-            <a:chOff x="2160" y="5358"/>
-            <a:chExt cx="15307" cy="3091"/>
-          </a:xfrm>
-        </p:grpSpPr>
-        <p:sp>
-          <p:nvSpPr>
-            <p:cNvPr id="4" name="Rounded Rectangle 3"/>
-            <p:cNvSpPr/>
-            <p:nvPr/>
-          </p:nvSpPr>
-          <p:spPr>
-            <a:xfrm>
-              <a:off x="2438" y="5358"/>
-              <a:ext cx="14324" cy="1722"/>
-            </a:xfrm>
-            <a:prstGeom prst="roundRect">
-              <a:avLst>
-                <a:gd name="adj" fmla="val 11033"/>
-              </a:avLst>
-            </a:prstGeom>
-            <a:solidFill>
-              <a:schemeClr val="accent1">
-                <a:lumMod val="40000"/>
-                <a:lumOff val="60000"/>
-              </a:schemeClr>
-            </a:solidFill>
-            <a:ln>
-              <a:noFill/>
-            </a:ln>
-          </p:spPr>
-          <p:style>
-            <a:lnRef idx="1">
-              <a:schemeClr val="accent1"/>
-            </a:lnRef>
-            <a:fillRef idx="2">
-              <a:schemeClr val="accent1"/>
-            </a:fillRef>
-            <a:effectRef idx="1">
-              <a:schemeClr val="accent1"/>
-            </a:effectRef>
-            <a:fontRef idx="minor">
-              <a:schemeClr val="dk1"/>
-            </a:fontRef>
-          </p:style>
-          <p:txBody>
-            <a:bodyPr rtlCol="0" anchor="ctr"/>
-            <a:p>
-              <a:pPr algn="ctr"/>
-              <a:endParaRPr lang="en-US"/>
-            </a:p>
-          </p:txBody>
-        </p:sp>
-        <p:cxnSp>
-          <p:nvCxnSpPr>
-            <p:cNvPr id="7" name="Straight Connector 6"/>
-            <p:cNvCxnSpPr/>
-            <p:nvPr/>
-          </p:nvCxnSpPr>
-          <p:spPr>
-            <a:xfrm flipH="1">
-              <a:off x="2422" y="7419"/>
-              <a:ext cx="16" cy="450"/>
-            </a:xfrm>
-            <a:prstGeom prst="line">
-              <a:avLst/>
-            </a:prstGeom>
-          </p:spPr>
-          <p:style>
-            <a:lnRef idx="3">
-              <a:schemeClr val="dk1"/>
-            </a:lnRef>
-            <a:fillRef idx="0">
-              <a:schemeClr val="dk1"/>
-            </a:fillRef>
-            <a:effectRef idx="2">
-              <a:schemeClr val="dk1"/>
-            </a:effectRef>
-            <a:fontRef idx="minor">
-              <a:schemeClr val="tx1"/>
-            </a:fontRef>
-          </p:style>
-        </p:cxnSp>
-        <p:cxnSp>
-          <p:nvCxnSpPr>
-            <p:cNvPr id="8" name="Straight Connector 7"/>
-            <p:cNvCxnSpPr/>
-            <p:nvPr/>
-          </p:nvCxnSpPr>
-          <p:spPr>
-            <a:xfrm flipH="1">
-              <a:off x="16746" y="7419"/>
-              <a:ext cx="16" cy="450"/>
-            </a:xfrm>
-            <a:prstGeom prst="line">
-              <a:avLst/>
-            </a:prstGeom>
-          </p:spPr>
-          <p:style>
-            <a:lnRef idx="3">
-              <a:schemeClr val="dk1"/>
-            </a:lnRef>
-            <a:fillRef idx="0">
-              <a:schemeClr val="dk1"/>
-            </a:fillRef>
-            <a:effectRef idx="2">
-              <a:schemeClr val="dk1"/>
-            </a:effectRef>
-            <a:fontRef idx="minor">
-              <a:schemeClr val="tx1"/>
-            </a:fontRef>
-          </p:style>
-        </p:cxnSp>
-        <p:cxnSp>
-          <p:nvCxnSpPr>
-            <p:cNvPr id="9" name="Straight Connector 8"/>
-            <p:cNvCxnSpPr/>
-            <p:nvPr/>
-          </p:nvCxnSpPr>
-          <p:spPr>
-            <a:xfrm flipH="1">
-              <a:off x="5341" y="7419"/>
-              <a:ext cx="16" cy="450"/>
-            </a:xfrm>
-            <a:prstGeom prst="line">
-              <a:avLst/>
-            </a:prstGeom>
-          </p:spPr>
-          <p:style>
-            <a:lnRef idx="3">
-              <a:schemeClr val="dk1"/>
-            </a:lnRef>
-            <a:fillRef idx="0">
-              <a:schemeClr val="dk1"/>
-            </a:fillRef>
-            <a:effectRef idx="2">
-              <a:schemeClr val="dk1"/>
-            </a:effectRef>
-            <a:fontRef idx="minor">
-              <a:schemeClr val="tx1"/>
-            </a:fontRef>
-          </p:style>
-        </p:cxnSp>
-        <p:cxnSp>
-          <p:nvCxnSpPr>
-            <p:cNvPr id="10" name="Straight Connector 9"/>
-            <p:cNvCxnSpPr/>
-            <p:nvPr/>
-          </p:nvCxnSpPr>
-          <p:spPr>
-            <a:xfrm flipH="1">
-              <a:off x="8252" y="7419"/>
-              <a:ext cx="16" cy="450"/>
-            </a:xfrm>
-            <a:prstGeom prst="line">
-              <a:avLst/>
-            </a:prstGeom>
-          </p:spPr>
-          <p:style>
-            <a:lnRef idx="3">
-              <a:schemeClr val="dk1"/>
-            </a:lnRef>
-            <a:fillRef idx="0">
-              <a:schemeClr val="dk1"/>
-            </a:fillRef>
-            <a:effectRef idx="2">
-              <a:schemeClr val="dk1"/>
-            </a:effectRef>
-            <a:fontRef idx="minor">
-              <a:schemeClr val="tx1"/>
-            </a:fontRef>
-          </p:style>
-        </p:cxnSp>
-        <p:cxnSp>
-          <p:nvCxnSpPr>
-            <p:cNvPr id="11" name="Straight Connector 10"/>
-            <p:cNvCxnSpPr/>
-            <p:nvPr/>
-          </p:nvCxnSpPr>
-          <p:spPr>
-            <a:xfrm flipH="1">
-              <a:off x="11044" y="7419"/>
-              <a:ext cx="16" cy="450"/>
-            </a:xfrm>
-            <a:prstGeom prst="line">
-              <a:avLst/>
-            </a:prstGeom>
-          </p:spPr>
-          <p:style>
-            <a:lnRef idx="3">
-              <a:schemeClr val="dk1"/>
-            </a:lnRef>
-            <a:fillRef idx="0">
-              <a:schemeClr val="dk1"/>
-            </a:fillRef>
-            <a:effectRef idx="2">
-              <a:schemeClr val="dk1"/>
-            </a:effectRef>
-            <a:fontRef idx="minor">
-              <a:schemeClr val="tx1"/>
-            </a:fontRef>
-          </p:style>
-        </p:cxnSp>
-        <p:cxnSp>
-          <p:nvCxnSpPr>
-            <p:cNvPr id="12" name="Straight Connector 11"/>
-            <p:cNvCxnSpPr/>
-            <p:nvPr/>
-          </p:nvCxnSpPr>
-          <p:spPr>
-            <a:xfrm flipH="1">
-              <a:off x="13895" y="7419"/>
-              <a:ext cx="16" cy="450"/>
-            </a:xfrm>
-            <a:prstGeom prst="line">
-              <a:avLst/>
-            </a:prstGeom>
-          </p:spPr>
-          <p:style>
-            <a:lnRef idx="3">
-              <a:schemeClr val="dk1"/>
-            </a:lnRef>
-            <a:fillRef idx="0">
-              <a:schemeClr val="dk1"/>
-            </a:fillRef>
-            <a:effectRef idx="2">
-              <a:schemeClr val="dk1"/>
-            </a:effectRef>
-            <a:fontRef idx="minor">
-              <a:schemeClr val="tx1"/>
-            </a:fontRef>
-          </p:style>
-        </p:cxnSp>
-        <p:sp>
-          <p:nvSpPr>
-            <p:cNvPr id="14" name="Text Box 13"/>
-            <p:cNvSpPr txBox="1"/>
-            <p:nvPr/>
-          </p:nvSpPr>
-          <p:spPr>
-            <a:xfrm>
-              <a:off x="2160" y="7869"/>
-              <a:ext cx="894" cy="580"/>
-            </a:xfrm>
-            <a:prstGeom prst="rect">
-              <a:avLst/>
-            </a:prstGeom>
-            <a:noFill/>
-          </p:spPr>
-          <p:txBody>
-            <a:bodyPr wrap="square" rtlCol="0">
-              <a:spAutoFit/>
-            </a:bodyPr>
-            <a:p>
-              <a:r>
-                <a:rPr lang="en-US" b="1">
-                  <a:latin typeface="Courier 10 Pitch" charset="0"/>
-                  <a:ea typeface="+mj-lt"/>
-                  <a:cs typeface="Courier 10 Pitch" charset="0"/>
-                </a:rPr>
-                <a:t>0%</a:t>
-              </a:r>
-              <a:endParaRPr lang="en-US" b="1">
-                <a:latin typeface="Courier 10 Pitch" charset="0"/>
-                <a:ea typeface="+mj-lt"/>
-                <a:cs typeface="Courier 10 Pitch" charset="0"/>
-              </a:endParaRPr>
-            </a:p>
-          </p:txBody>
-        </p:sp>
-        <p:sp>
-          <p:nvSpPr>
-            <p:cNvPr id="15" name="Text Box 14"/>
-            <p:cNvSpPr txBox="1"/>
-            <p:nvPr/>
-          </p:nvSpPr>
-          <p:spPr>
-            <a:xfrm>
-              <a:off x="4982" y="7869"/>
-              <a:ext cx="1022" cy="580"/>
-            </a:xfrm>
-            <a:prstGeom prst="rect">
-              <a:avLst/>
-            </a:prstGeom>
-            <a:noFill/>
-          </p:spPr>
-          <p:txBody>
-            <a:bodyPr wrap="square" rtlCol="0">
-              <a:spAutoFit/>
-            </a:bodyPr>
-            <a:p>
-              <a:r>
-                <a:rPr lang="en-US" b="1">
-                  <a:latin typeface="Courier 10 Pitch" charset="0"/>
-                  <a:ea typeface="+mj-lt"/>
-                  <a:cs typeface="Courier 10 Pitch" charset="0"/>
-                </a:rPr>
-                <a:t>20%</a:t>
-              </a:r>
-              <a:endParaRPr lang="en-US" b="1">
-                <a:latin typeface="Courier 10 Pitch" charset="0"/>
-                <a:ea typeface="+mj-lt"/>
-                <a:cs typeface="Courier 10 Pitch" charset="0"/>
-              </a:endParaRPr>
-            </a:p>
-          </p:txBody>
-        </p:sp>
-        <p:sp>
-          <p:nvSpPr>
-            <p:cNvPr id="16" name="Text Box 15"/>
-            <p:cNvSpPr txBox="1"/>
-            <p:nvPr/>
-          </p:nvSpPr>
-          <p:spPr>
-            <a:xfrm>
-              <a:off x="7845" y="7869"/>
-              <a:ext cx="1022" cy="580"/>
-            </a:xfrm>
-            <a:prstGeom prst="rect">
-              <a:avLst/>
-            </a:prstGeom>
-            <a:noFill/>
-          </p:spPr>
-          <p:txBody>
-            <a:bodyPr wrap="square" rtlCol="0">
-              <a:spAutoFit/>
-            </a:bodyPr>
-            <a:p>
-              <a:r>
-                <a:rPr lang="en-US" b="1">
-                  <a:latin typeface="Courier 10 Pitch" charset="0"/>
-                  <a:ea typeface="+mj-lt"/>
-                  <a:cs typeface="Courier 10 Pitch" charset="0"/>
-                </a:rPr>
-                <a:t>40%</a:t>
-              </a:r>
-              <a:endParaRPr lang="en-US" b="1">
-                <a:latin typeface="Courier 10 Pitch" charset="0"/>
-                <a:ea typeface="+mj-lt"/>
-                <a:cs typeface="Courier 10 Pitch" charset="0"/>
-              </a:endParaRPr>
-            </a:p>
-          </p:txBody>
-        </p:sp>
-        <p:sp>
-          <p:nvSpPr>
-            <p:cNvPr id="17" name="Text Box 16"/>
-            <p:cNvSpPr txBox="1"/>
-            <p:nvPr/>
-          </p:nvSpPr>
-          <p:spPr>
-            <a:xfrm>
-              <a:off x="10703" y="7869"/>
-              <a:ext cx="1022" cy="580"/>
-            </a:xfrm>
-            <a:prstGeom prst="rect">
-              <a:avLst/>
-            </a:prstGeom>
-            <a:noFill/>
-          </p:spPr>
-          <p:txBody>
-            <a:bodyPr wrap="square" rtlCol="0">
-              <a:spAutoFit/>
-            </a:bodyPr>
-            <a:p>
-              <a:r>
-                <a:rPr lang="en-US" b="1">
-                  <a:latin typeface="Courier 10 Pitch" charset="0"/>
-                  <a:ea typeface="+mj-lt"/>
-                  <a:cs typeface="Courier 10 Pitch" charset="0"/>
-                </a:rPr>
-                <a:t>60%</a:t>
-              </a:r>
-              <a:endParaRPr lang="en-US" b="1">
-                <a:latin typeface="Courier 10 Pitch" charset="0"/>
-                <a:ea typeface="+mj-lt"/>
-                <a:cs typeface="Courier 10 Pitch" charset="0"/>
-              </a:endParaRPr>
-            </a:p>
-          </p:txBody>
-        </p:sp>
-        <p:sp>
-          <p:nvSpPr>
-            <p:cNvPr id="18" name="Text Box 17"/>
-            <p:cNvSpPr txBox="1"/>
-            <p:nvPr/>
-          </p:nvSpPr>
-          <p:spPr>
-            <a:xfrm>
-              <a:off x="13550" y="7869"/>
-              <a:ext cx="1022" cy="580"/>
-            </a:xfrm>
-            <a:prstGeom prst="rect">
-              <a:avLst/>
-            </a:prstGeom>
-            <a:noFill/>
-          </p:spPr>
-          <p:txBody>
-            <a:bodyPr wrap="square" rtlCol="0">
-              <a:spAutoFit/>
-            </a:bodyPr>
-            <a:p>
-              <a:r>
-                <a:rPr lang="en-US" b="1">
-                  <a:latin typeface="Courier 10 Pitch" charset="0"/>
-                  <a:ea typeface="+mj-lt"/>
-                  <a:cs typeface="Courier 10 Pitch" charset="0"/>
-                </a:rPr>
-                <a:t>80%</a:t>
-              </a:r>
-              <a:endParaRPr lang="en-US" b="1">
-                <a:latin typeface="Courier 10 Pitch" charset="0"/>
-                <a:ea typeface="+mj-lt"/>
-                <a:cs typeface="Courier 10 Pitch" charset="0"/>
-              </a:endParaRPr>
-            </a:p>
-          </p:txBody>
-        </p:sp>
-        <p:sp>
-          <p:nvSpPr>
-            <p:cNvPr id="19" name="Text Box 18"/>
-            <p:cNvSpPr txBox="1"/>
-            <p:nvPr/>
-          </p:nvSpPr>
-          <p:spPr>
-            <a:xfrm>
-              <a:off x="16239" y="7869"/>
-              <a:ext cx="1228" cy="580"/>
-            </a:xfrm>
-            <a:prstGeom prst="rect">
-              <a:avLst/>
-            </a:prstGeom>
-            <a:noFill/>
-          </p:spPr>
-          <p:txBody>
-            <a:bodyPr wrap="square" rtlCol="0">
-              <a:spAutoFit/>
-            </a:bodyPr>
-            <a:p>
-              <a:r>
-                <a:rPr lang="en-US" b="1">
-                  <a:latin typeface="Courier 10 Pitch" charset="0"/>
-                  <a:ea typeface="+mj-lt"/>
-                  <a:cs typeface="Courier 10 Pitch" charset="0"/>
-                </a:rPr>
-                <a:t>100%</a:t>
-              </a:r>
-              <a:endParaRPr lang="en-US" b="1">
-                <a:latin typeface="Courier 10 Pitch" charset="0"/>
-                <a:ea typeface="+mj-lt"/>
-                <a:cs typeface="Courier 10 Pitch" charset="0"/>
-              </a:endParaRPr>
-            </a:p>
-          </p:txBody>
-        </p:sp>
-      </p:grpSp>
-      <p:grpSp>
-        <p:nvGrpSpPr>
-          <p:cNvPr id="13" name="Group 12"/>
-          <p:cNvGrpSpPr/>
-          <p:nvPr/>
-        </p:nvGrpSpPr>
-        <p:grpSpPr>
-          <a:xfrm>
-            <a:off x="3401695" y="3402330"/>
-            <a:ext cx="914400" cy="1093470"/>
-            <a:chOff x="3901" y="5358"/>
-            <a:chExt cx="1440" cy="1722"/>
-          </a:xfrm>
-        </p:grpSpPr>
-        <p:sp>
-          <p:nvSpPr>
-            <p:cNvPr id="3" name="Rectangles 2"/>
-            <p:cNvSpPr/>
-            <p:nvPr/>
-          </p:nvSpPr>
-          <p:spPr>
-            <a:xfrm>
-              <a:off x="3901" y="5358"/>
-              <a:ext cx="1439" cy="1722"/>
-            </a:xfrm>
-            <a:prstGeom prst="rect">
-              <a:avLst/>
-            </a:prstGeom>
-            <a:solidFill>
-              <a:srgbClr val="92D050"/>
-            </a:solidFill>
-            <a:ln>
-              <a:noFill/>
-            </a:ln>
-          </p:spPr>
-          <p:style>
-            <a:lnRef idx="2">
-              <a:schemeClr val="accent1">
-                <a:shade val="50000"/>
-              </a:schemeClr>
-            </a:lnRef>
-            <a:fillRef idx="1">
-              <a:schemeClr val="accent1"/>
-            </a:fillRef>
-            <a:effectRef idx="0">
-              <a:schemeClr val="accent1"/>
-            </a:effectRef>
-            <a:fontRef idx="minor">
-              <a:schemeClr val="lt1"/>
-            </a:fontRef>
-          </p:style>
-          <p:txBody>
-            <a:bodyPr rtlCol="0" anchor="ctr"/>
-            <a:p>
-              <a:pPr algn="ctr"/>
-              <a:endParaRPr lang="en-US"/>
-            </a:p>
-          </p:txBody>
-        </p:sp>
-        <p:sp>
-          <p:nvSpPr>
-            <p:cNvPr id="5" name="Text Box 4"/>
-            <p:cNvSpPr txBox="1"/>
-            <p:nvPr/>
-          </p:nvSpPr>
-          <p:spPr>
-            <a:xfrm>
-              <a:off x="3901" y="5905"/>
-              <a:ext cx="1440" cy="628"/>
-            </a:xfrm>
-            <a:prstGeom prst="rect">
-              <a:avLst/>
-            </a:prstGeom>
-            <a:noFill/>
-          </p:spPr>
-          <p:txBody>
-            <a:bodyPr wrap="square" rtlCol="0">
-              <a:spAutoFit/>
-            </a:bodyPr>
-            <a:p>
-              <a:r>
-                <a:rPr lang="en-US" sz="2000" b="1">
-                  <a:latin typeface="DejaVu Sans" panose="020B0603030804020204" charset="0"/>
-                  <a:cs typeface="DejaVu Sans" panose="020B0603030804020204" charset="0"/>
-                </a:rPr>
-                <a:t>TEST</a:t>
-              </a:r>
-              <a:endParaRPr lang="en-US" sz="2000" b="1">
-                <a:latin typeface="DejaVu Sans" panose="020B0603030804020204" charset="0"/>
-                <a:cs typeface="DejaVu Sans" panose="020B0603030804020204" charset="0"/>
-              </a:endParaRPr>
-            </a:p>
-          </p:txBody>
-        </p:sp>
-      </p:grpSp>
       <p:sp>
         <p:nvSpPr>
-          <p:cNvPr id="6" name="Text Box 5"/>
+          <p:cNvPr id="4" name="Text Box 3"/>
           <p:cNvSpPr txBox="1"/>
           <p:nvPr/>
         </p:nvSpPr>
         <p:spPr>
           <a:xfrm>
-            <a:off x="6460490" y="3749675"/>
-            <a:ext cx="1115060" cy="398780"/>
+            <a:off x="9564370" y="6376670"/>
+            <a:ext cx="2468880" cy="368300"/>
           </a:xfrm>
           <a:prstGeom prst="rect">
             <a:avLst/>
@@ -7002,24 +6444,621 @@
           <a:noFill/>
         </p:spPr>
         <p:txBody>
-          <a:bodyPr wrap="square" rtlCol="0">
+          <a:bodyPr wrap="none" rtlCol="0">
             <a:spAutoFit/>
           </a:bodyPr>
           <a:p>
+            <a:pPr algn="l"/>
             <a:r>
-              <a:rPr lang="en-US" sz="2000" b="1">
-                <a:latin typeface="DejaVu Sans" panose="020B0603030804020204" charset="0"/>
-                <a:cs typeface="DejaVu Sans" panose="020B0603030804020204" charset="0"/>
-              </a:rPr>
-              <a:t>TRAIN</a:t>
+              <a:rPr lang="en-US"/>
+              <a:t>閾値</a:t>
             </a:r>
-            <a:endParaRPr lang="en-US" sz="2000" b="1">
-              <a:latin typeface="DejaVu Sans" panose="020B0603030804020204" charset="0"/>
-              <a:cs typeface="DejaVu Sans" panose="020B0603030804020204" charset="0"/>
-            </a:endParaRPr>
+            <a:r>
+              <a:rPr lang="ja-JP" altLang="en-US"/>
+              <a:t>：境界、基準など</a:t>
+            </a:r>
+            <a:endParaRPr lang="ja-JP" altLang="en-US"/>
           </a:p>
         </p:txBody>
       </p:sp>
+      <mc:AlternateContent xmlns:mc="http://schemas.openxmlformats.org/markup-compatibility/2006">
+        <mc:Choice xmlns:a14="http://schemas.microsoft.com/office/drawing/2010/main" Requires="a14">
+          <p:sp>
+            <p:nvSpPr>
+              <p:cNvPr id="5" name="Text Box 4"/>
+              <p:cNvSpPr txBox="1"/>
+              <p:nvPr/>
+            </p:nvSpPr>
+            <p:spPr>
+              <a:xfrm>
+                <a:off x="3414967" y="1823021"/>
+                <a:ext cx="5362575" cy="699770"/>
+              </a:xfrm>
+              <a:prstGeom prst="rect">
+                <a:avLst/>
+              </a:prstGeom>
+              <a:noFill/>
+            </p:spPr>
+            <p:txBody>
+              <a:bodyPr wrap="none" rtlCol="0" anchor="t">
+                <a:spAutoFit/>
+              </a:bodyPr>
+              <a:p>
+                <a:pPr algn="l"/>
+                <a14:m>
+                  <m:oMathPara xmlns:m="http://schemas.openxmlformats.org/officeDocument/2006/math">
+                    <m:oMathParaPr>
+                      <m:jc m:val="centerGroup"/>
+                    </m:oMathParaPr>
+                    <m:oMath xmlns:m="http://schemas.openxmlformats.org/officeDocument/2006/math">
+                      <m:nary>
+                        <m:naryPr>
+                          <m:chr m:val="∑"/>
+                          <m:limLoc m:val="undOvr"/>
+                          <m:supHide m:val="on"/>
+                          <m:ctrlPr>
+                            <a:rPr lang="en-US" i="1">
+                              <a:latin typeface="DejaVu Math TeX Gyre" panose="02000503000000000000" charset="0"/>
+                              <a:cs typeface="DejaVu Math TeX Gyre" panose="02000503000000000000" charset="0"/>
+                            </a:rPr>
+                          </m:ctrlPr>
+                        </m:naryPr>
+                        <m:sub>
+                          <m:r>
+                            <a:rPr lang="en-US" i="1">
+                              <a:latin typeface="DejaVu Math TeX Gyre" panose="02000503000000000000" charset="0"/>
+                              <a:cs typeface="DejaVu Math TeX Gyre" panose="02000503000000000000" charset="0"/>
+                            </a:rPr>
+                            <m:t>𝑘</m:t>
+                          </m:r>
+                          <m:r>
+                            <a:rPr lang="en-US" i="1">
+                              <a:latin typeface="DejaVu Math TeX Gyre" panose="02000503000000000000" charset="0"/>
+                              <a:cs typeface="DejaVu Math TeX Gyre" panose="02000503000000000000" charset="0"/>
+                            </a:rPr>
+                            <m:t>:</m:t>
+                          </m:r>
+                          <m:sSub>
+                            <m:sSubPr>
+                              <m:ctrlPr>
+                                <a:rPr lang="en-US" i="1">
+                                  <a:latin typeface="DejaVu Math TeX Gyre" panose="02000503000000000000" charset="0"/>
+                                  <a:cs typeface="DejaVu Math TeX Gyre" panose="02000503000000000000" charset="0"/>
+                                </a:rPr>
+                              </m:ctrlPr>
+                            </m:sSubPr>
+                            <m:e>
+                              <m:r>
+                                <a:rPr lang="en-US" i="1">
+                                  <a:latin typeface="DejaVu Math TeX Gyre" panose="02000503000000000000" charset="0"/>
+                                  <a:cs typeface="DejaVu Math TeX Gyre" panose="02000503000000000000" charset="0"/>
+                                </a:rPr>
+                                <m:t>𝑥</m:t>
+                              </m:r>
+                            </m:e>
+                            <m:sub>
+                              <m:r>
+                                <a:rPr lang="en-US" i="1">
+                                  <a:latin typeface="DejaVu Math TeX Gyre" panose="02000503000000000000" charset="0"/>
+                                  <a:cs typeface="DejaVu Math TeX Gyre" panose="02000503000000000000" charset="0"/>
+                                </a:rPr>
+                                <m:t>𝑘</m:t>
+                              </m:r>
+                              <m:r>
+                                <a:rPr lang="en-US" i="1">
+                                  <a:latin typeface="DejaVu Math TeX Gyre" panose="02000503000000000000" charset="0"/>
+                                  <a:cs typeface="DejaVu Math TeX Gyre" panose="02000503000000000000" charset="0"/>
+                                </a:rPr>
+                                <m:t>,</m:t>
+                              </m:r>
+                              <m:r>
+                                <a:rPr lang="en-US" i="1">
+                                  <a:latin typeface="DejaVu Math TeX Gyre" panose="02000503000000000000" charset="0"/>
+                                  <a:cs typeface="DejaVu Math TeX Gyre" panose="02000503000000000000" charset="0"/>
+                                </a:rPr>
+                                <m:t>𝑗</m:t>
+                              </m:r>
+                            </m:sub>
+                          </m:sSub>
+                          <m:r>
+                            <a:rPr lang="en-US" i="1">
+                              <a:latin typeface="DejaVu Math TeX Gyre" panose="02000503000000000000" charset="0"/>
+                              <a:cs typeface="DejaVu Math TeX Gyre" panose="02000503000000000000" charset="0"/>
+                            </a:rPr>
+                            <m:t>&lt;</m:t>
+                          </m:r>
+                          <m:sSub>
+                            <m:sSubPr>
+                              <m:ctrlPr>
+                                <a:rPr lang="en-US" i="1">
+                                  <a:latin typeface="DejaVu Math TeX Gyre" panose="02000503000000000000" charset="0"/>
+                                  <a:cs typeface="DejaVu Math TeX Gyre" panose="02000503000000000000" charset="0"/>
+                                </a:rPr>
+                              </m:ctrlPr>
+                            </m:sSubPr>
+                            <m:e>
+                              <m:r>
+                                <a:rPr lang="en-US" i="1">
+                                  <a:latin typeface="DejaVu Math TeX Gyre" panose="02000503000000000000" charset="0"/>
+                                  <a:cs typeface="DejaVu Math TeX Gyre" panose="02000503000000000000" charset="0"/>
+                                </a:rPr>
+                                <m:t>𝑥</m:t>
+                              </m:r>
+                            </m:e>
+                            <m:sub>
+                              <m:r>
+                                <a:rPr lang="en-US" i="1">
+                                  <a:latin typeface="DejaVu Math TeX Gyre" panose="02000503000000000000" charset="0"/>
+                                  <a:cs typeface="DejaVu Math TeX Gyre" panose="02000503000000000000" charset="0"/>
+                                </a:rPr>
+                                <m:t>𝑖</m:t>
+                              </m:r>
+                              <m:r>
+                                <a:rPr lang="en-US" i="1">
+                                  <a:latin typeface="DejaVu Math TeX Gyre" panose="02000503000000000000" charset="0"/>
+                                  <a:cs typeface="DejaVu Math TeX Gyre" panose="02000503000000000000" charset="0"/>
+                                </a:rPr>
+                                <m:t>,</m:t>
+                              </m:r>
+                              <m:r>
+                                <a:rPr lang="en-US" i="1">
+                                  <a:latin typeface="DejaVu Math TeX Gyre" panose="02000503000000000000" charset="0"/>
+                                  <a:cs typeface="DejaVu Math TeX Gyre" panose="02000503000000000000" charset="0"/>
+                                </a:rPr>
+                                <m:t>𝑗</m:t>
+                              </m:r>
+                            </m:sub>
+                          </m:sSub>
+                        </m:sub>
+                        <m:sup/>
+                        <m:e>
+                          <m:r>
+                            <a:rPr lang="en-US" i="1">
+                              <a:latin typeface="DejaVu Math TeX Gyre" panose="02000503000000000000" charset="0"/>
+                              <a:cs typeface="DejaVu Math TeX Gyre" panose="02000503000000000000" charset="0"/>
+                            </a:rPr>
+                            <m:t>(</m:t>
+                          </m:r>
+                          <m:sSub>
+                            <m:sSubPr>
+                              <m:ctrlPr>
+                                <a:rPr lang="en-US" i="1">
+                                  <a:latin typeface="DejaVu Math TeX Gyre" panose="02000503000000000000" charset="0"/>
+                                  <a:cs typeface="DejaVu Math TeX Gyre" panose="02000503000000000000" charset="0"/>
+                                </a:rPr>
+                              </m:ctrlPr>
+                            </m:sSubPr>
+                            <m:e>
+                              <m:r>
+                                <a:rPr lang="en-US" i="1">
+                                  <a:latin typeface="DejaVu Math TeX Gyre" panose="02000503000000000000" charset="0"/>
+                                  <a:cs typeface="DejaVu Math TeX Gyre" panose="02000503000000000000" charset="0"/>
+                                </a:rPr>
+                                <m:t>𝑦</m:t>
+                              </m:r>
+                            </m:e>
+                            <m:sub>
+                              <m:r>
+                                <a:rPr lang="en-US" i="1">
+                                  <a:latin typeface="DejaVu Math TeX Gyre" panose="02000503000000000000" charset="0"/>
+                                  <a:cs typeface="DejaVu Math TeX Gyre" panose="02000503000000000000" charset="0"/>
+                                </a:rPr>
+                                <m:t>𝑖</m:t>
+                              </m:r>
+                            </m:sub>
+                          </m:sSub>
+                          <m:r>
+                            <a:rPr lang="en-US" i="1">
+                              <a:latin typeface="DejaVu Math TeX Gyre" panose="02000503000000000000" charset="0"/>
+                              <a:cs typeface="DejaVu Math TeX Gyre" panose="02000503000000000000" charset="0"/>
+                            </a:rPr>
+                            <m:t>−</m:t>
+                          </m:r>
+                          <m:sSubSup>
+                            <m:sSubSupPr>
+                              <m:ctrlPr>
+                                <a:rPr lang="en-US" i="1">
+                                  <a:latin typeface="DejaVu Math TeX Gyre" panose="02000503000000000000" charset="0"/>
+                                  <a:cs typeface="DejaVu Math TeX Gyre" panose="02000503000000000000" charset="0"/>
+                                </a:rPr>
+                              </m:ctrlPr>
+                            </m:sSubSupPr>
+                            <m:e>
+                              <m:acc>
+                                <m:accPr>
+                                  <m:chr m:val="̅"/>
+                                  <m:ctrlPr>
+                                    <a:rPr lang="en-US" i="1">
+                                      <a:latin typeface="DejaVu Math TeX Gyre" panose="02000503000000000000" charset="0"/>
+                                      <a:cs typeface="DejaVu Math TeX Gyre" panose="02000503000000000000" charset="0"/>
+                                    </a:rPr>
+                                  </m:ctrlPr>
+                                </m:accPr>
+                                <m:e>
+                                  <m:r>
+                                    <a:rPr lang="en-US" i="1">
+                                      <a:latin typeface="DejaVu Math TeX Gyre" panose="02000503000000000000" charset="0"/>
+                                      <a:cs typeface="DejaVu Math TeX Gyre" panose="02000503000000000000" charset="0"/>
+                                    </a:rPr>
+                                    <m:t>𝑦</m:t>
+                                  </m:r>
+                                </m:e>
+                              </m:acc>
+                            </m:e>
+                            <m:sub>
+                              <m:r>
+                                <a:rPr lang="en-US" i="1">
+                                  <a:latin typeface="DejaVu Math TeX Gyre" panose="02000503000000000000" charset="0"/>
+                                  <a:cs typeface="DejaVu Math TeX Gyre" panose="02000503000000000000" charset="0"/>
+                                </a:rPr>
+                                <m:t>𝑖</m:t>
+                              </m:r>
+                              <m:r>
+                                <a:rPr lang="en-US" i="1">
+                                  <a:latin typeface="DejaVu Math TeX Gyre" panose="02000503000000000000" charset="0"/>
+                                  <a:cs typeface="DejaVu Math TeX Gyre" panose="02000503000000000000" charset="0"/>
+                                </a:rPr>
+                                <m:t>,</m:t>
+                              </m:r>
+                              <m:r>
+                                <a:rPr lang="en-US" i="1">
+                                  <a:latin typeface="DejaVu Math TeX Gyre" panose="02000503000000000000" charset="0"/>
+                                  <a:cs typeface="DejaVu Math TeX Gyre" panose="02000503000000000000" charset="0"/>
+                                </a:rPr>
+                                <m:t>𝑗</m:t>
+                              </m:r>
+                            </m:sub>
+                            <m:sup>
+                              <m:r>
+                                <a:rPr lang="en-US" i="1">
+                                  <a:latin typeface="DejaVu Math TeX Gyre" panose="02000503000000000000" charset="0"/>
+                                  <a:cs typeface="DejaVu Math TeX Gyre" panose="02000503000000000000" charset="0"/>
+                                </a:rPr>
+                                <m:t>𝐿</m:t>
+                              </m:r>
+                            </m:sup>
+                          </m:sSubSup>
+                        </m:e>
+                      </m:nary>
+                      <m:sSup>
+                        <m:sSupPr>
+                          <m:ctrlPr>
+                            <a:rPr lang="en-US" i="1">
+                              <a:latin typeface="DejaVu Math TeX Gyre" panose="02000503000000000000" charset="0"/>
+                              <a:cs typeface="DejaVu Math TeX Gyre" panose="02000503000000000000" charset="0"/>
+                            </a:rPr>
+                          </m:ctrlPr>
+                        </m:sSupPr>
+                        <m:e>
+                          <m:r>
+                            <a:rPr lang="en-US" i="1">
+                              <a:latin typeface="DejaVu Math TeX Gyre" panose="02000503000000000000" charset="0"/>
+                              <a:cs typeface="DejaVu Math TeX Gyre" panose="02000503000000000000" charset="0"/>
+                            </a:rPr>
+                            <m:t>)</m:t>
+                          </m:r>
+                        </m:e>
+                        <m:sup>
+                          <m:r>
+                            <a:rPr lang="en-US" i="1">
+                              <a:latin typeface="DejaVu Math TeX Gyre" panose="02000503000000000000" charset="0"/>
+                              <a:cs typeface="DejaVu Math TeX Gyre" panose="02000503000000000000" charset="0"/>
+                            </a:rPr>
+                            <m:t>2</m:t>
+                          </m:r>
+                        </m:sup>
+                      </m:sSup>
+                      <m:r>
+                        <a:rPr lang="en-US" i="1">
+                          <a:latin typeface="DejaVu Math TeX Gyre" panose="02000503000000000000" charset="0"/>
+                          <a:cs typeface="DejaVu Math TeX Gyre" panose="02000503000000000000" charset="0"/>
+                        </a:rPr>
+                        <m:t>+</m:t>
+                      </m:r>
+                      <m:nary>
+                        <m:naryPr>
+                          <m:chr m:val="∑"/>
+                          <m:limLoc m:val="undOvr"/>
+                          <m:supHide m:val="on"/>
+                          <m:ctrlPr>
+                            <a:rPr lang="en-US" i="1">
+                              <a:latin typeface="DejaVu Math TeX Gyre" panose="02000503000000000000" charset="0"/>
+                              <a:cs typeface="DejaVu Math TeX Gyre" panose="02000503000000000000" charset="0"/>
+                            </a:rPr>
+                          </m:ctrlPr>
+                        </m:naryPr>
+                        <m:sub>
+                          <m:r>
+                            <a:rPr lang="en-US" i="1">
+                              <a:latin typeface="DejaVu Math TeX Gyre" panose="02000503000000000000" charset="0"/>
+                              <a:cs typeface="DejaVu Math TeX Gyre" panose="02000503000000000000" charset="0"/>
+                            </a:rPr>
+                            <m:t>𝑘</m:t>
+                          </m:r>
+                          <m:r>
+                            <a:rPr lang="en-US" i="1">
+                              <a:latin typeface="DejaVu Math TeX Gyre" panose="02000503000000000000" charset="0"/>
+                              <a:cs typeface="DejaVu Math TeX Gyre" panose="02000503000000000000" charset="0"/>
+                            </a:rPr>
+                            <m:t>:</m:t>
+                          </m:r>
+                          <m:sSub>
+                            <m:sSubPr>
+                              <m:ctrlPr>
+                                <a:rPr lang="en-US" i="1">
+                                  <a:latin typeface="DejaVu Math TeX Gyre" panose="02000503000000000000" charset="0"/>
+                                  <a:cs typeface="DejaVu Math TeX Gyre" panose="02000503000000000000" charset="0"/>
+                                </a:rPr>
+                              </m:ctrlPr>
+                            </m:sSubPr>
+                            <m:e>
+                              <m:r>
+                                <a:rPr lang="en-US" i="1">
+                                  <a:latin typeface="DejaVu Math TeX Gyre" panose="02000503000000000000" charset="0"/>
+                                  <a:cs typeface="DejaVu Math TeX Gyre" panose="02000503000000000000" charset="0"/>
+                                </a:rPr>
+                                <m:t>𝑥</m:t>
+                              </m:r>
+                            </m:e>
+                            <m:sub>
+                              <m:r>
+                                <a:rPr lang="en-US" i="1">
+                                  <a:latin typeface="DejaVu Math TeX Gyre" panose="02000503000000000000" charset="0"/>
+                                  <a:cs typeface="DejaVu Math TeX Gyre" panose="02000503000000000000" charset="0"/>
+                                </a:rPr>
+                                <m:t>𝑘</m:t>
+                              </m:r>
+                              <m:r>
+                                <a:rPr lang="en-US" i="1">
+                                  <a:latin typeface="DejaVu Math TeX Gyre" panose="02000503000000000000" charset="0"/>
+                                  <a:cs typeface="DejaVu Math TeX Gyre" panose="02000503000000000000" charset="0"/>
+                                </a:rPr>
+                                <m:t>,</m:t>
+                              </m:r>
+                              <m:r>
+                                <a:rPr lang="en-US" i="1">
+                                  <a:latin typeface="DejaVu Math TeX Gyre" panose="02000503000000000000" charset="0"/>
+                                  <a:cs typeface="DejaVu Math TeX Gyre" panose="02000503000000000000" charset="0"/>
+                                </a:rPr>
+                                <m:t>𝑗</m:t>
+                              </m:r>
+                            </m:sub>
+                          </m:sSub>
+                          <m:r>
+                            <a:rPr lang="en-US" i="1">
+                              <a:latin typeface="DejaVu Math TeX Gyre" panose="02000503000000000000" charset="0"/>
+                              <a:cs typeface="DejaVu Math TeX Gyre" panose="02000503000000000000" charset="0"/>
+                            </a:rPr>
+                            <m:t>≥</m:t>
+                          </m:r>
+                          <m:sSub>
+                            <m:sSubPr>
+                              <m:ctrlPr>
+                                <a:rPr lang="en-US" i="1">
+                                  <a:latin typeface="DejaVu Math TeX Gyre" panose="02000503000000000000" charset="0"/>
+                                  <a:cs typeface="DejaVu Math TeX Gyre" panose="02000503000000000000" charset="0"/>
+                                </a:rPr>
+                              </m:ctrlPr>
+                            </m:sSubPr>
+                            <m:e>
+                              <m:r>
+                                <a:rPr lang="en-US" i="1">
+                                  <a:latin typeface="DejaVu Math TeX Gyre" panose="02000503000000000000" charset="0"/>
+                                  <a:cs typeface="DejaVu Math TeX Gyre" panose="02000503000000000000" charset="0"/>
+                                </a:rPr>
+                                <m:t>𝑥</m:t>
+                              </m:r>
+                            </m:e>
+                            <m:sub>
+                              <m:r>
+                                <a:rPr lang="en-US" i="1">
+                                  <a:latin typeface="DejaVu Math TeX Gyre" panose="02000503000000000000" charset="0"/>
+                                  <a:cs typeface="DejaVu Math TeX Gyre" panose="02000503000000000000" charset="0"/>
+                                </a:rPr>
+                                <m:t>𝑖</m:t>
+                              </m:r>
+                              <m:r>
+                                <a:rPr lang="en-US" i="1">
+                                  <a:latin typeface="DejaVu Math TeX Gyre" panose="02000503000000000000" charset="0"/>
+                                  <a:cs typeface="DejaVu Math TeX Gyre" panose="02000503000000000000" charset="0"/>
+                                </a:rPr>
+                                <m:t>,</m:t>
+                              </m:r>
+                              <m:r>
+                                <a:rPr lang="en-US" i="1">
+                                  <a:latin typeface="DejaVu Math TeX Gyre" panose="02000503000000000000" charset="0"/>
+                                  <a:cs typeface="DejaVu Math TeX Gyre" panose="02000503000000000000" charset="0"/>
+                                </a:rPr>
+                                <m:t>𝑗</m:t>
+                              </m:r>
+                            </m:sub>
+                          </m:sSub>
+                        </m:sub>
+                        <m:sup/>
+                        <m:e>
+                          <m:r>
+                            <a:rPr lang="en-US" i="1">
+                              <a:latin typeface="DejaVu Math TeX Gyre" panose="02000503000000000000" charset="0"/>
+                              <a:cs typeface="DejaVu Math TeX Gyre" panose="02000503000000000000" charset="0"/>
+                            </a:rPr>
+                            <m:t>(</m:t>
+                          </m:r>
+                          <m:sSub>
+                            <m:sSubPr>
+                              <m:ctrlPr>
+                                <a:rPr lang="en-US" i="1">
+                                  <a:latin typeface="DejaVu Math TeX Gyre" panose="02000503000000000000" charset="0"/>
+                                  <a:cs typeface="DejaVu Math TeX Gyre" panose="02000503000000000000" charset="0"/>
+                                </a:rPr>
+                              </m:ctrlPr>
+                            </m:sSubPr>
+                            <m:e>
+                              <m:r>
+                                <a:rPr lang="en-US" i="1">
+                                  <a:latin typeface="DejaVu Math TeX Gyre" panose="02000503000000000000" charset="0"/>
+                                  <a:cs typeface="DejaVu Math TeX Gyre" panose="02000503000000000000" charset="0"/>
+                                </a:rPr>
+                                <m:t>𝑦</m:t>
+                              </m:r>
+                            </m:e>
+                            <m:sub>
+                              <m:r>
+                                <a:rPr lang="en-US" i="1">
+                                  <a:latin typeface="DejaVu Math TeX Gyre" panose="02000503000000000000" charset="0"/>
+                                  <a:cs typeface="DejaVu Math TeX Gyre" panose="02000503000000000000" charset="0"/>
+                                </a:rPr>
+                                <m:t>𝑖</m:t>
+                              </m:r>
+                            </m:sub>
+                          </m:sSub>
+                          <m:r>
+                            <a:rPr lang="en-US" i="1">
+                              <a:latin typeface="DejaVu Math TeX Gyre" panose="02000503000000000000" charset="0"/>
+                              <a:cs typeface="DejaVu Math TeX Gyre" panose="02000503000000000000" charset="0"/>
+                            </a:rPr>
+                            <m:t>−</m:t>
+                          </m:r>
+                          <m:sSubSup>
+                            <m:sSubSupPr>
+                              <m:ctrlPr>
+                                <a:rPr lang="en-US" i="1">
+                                  <a:latin typeface="DejaVu Math TeX Gyre" panose="02000503000000000000" charset="0"/>
+                                  <a:cs typeface="DejaVu Math TeX Gyre" panose="02000503000000000000" charset="0"/>
+                                </a:rPr>
+                              </m:ctrlPr>
+                            </m:sSubSupPr>
+                            <m:e>
+                              <m:acc>
+                                <m:accPr>
+                                  <m:chr m:val="̅"/>
+                                  <m:ctrlPr>
+                                    <a:rPr lang="en-US" i="1">
+                                      <a:latin typeface="DejaVu Math TeX Gyre" panose="02000503000000000000" charset="0"/>
+                                      <a:cs typeface="DejaVu Math TeX Gyre" panose="02000503000000000000" charset="0"/>
+                                    </a:rPr>
+                                  </m:ctrlPr>
+                                </m:accPr>
+                                <m:e>
+                                  <m:r>
+                                    <a:rPr lang="en-US" i="1">
+                                      <a:latin typeface="DejaVu Math TeX Gyre" panose="02000503000000000000" charset="0"/>
+                                      <a:cs typeface="DejaVu Math TeX Gyre" panose="02000503000000000000" charset="0"/>
+                                    </a:rPr>
+                                    <m:t>𝑦</m:t>
+                                  </m:r>
+                                </m:e>
+                              </m:acc>
+                            </m:e>
+                            <m:sub>
+                              <m:r>
+                                <a:rPr lang="en-US" i="1">
+                                  <a:latin typeface="DejaVu Math TeX Gyre" panose="02000503000000000000" charset="0"/>
+                                  <a:cs typeface="DejaVu Math TeX Gyre" panose="02000503000000000000" charset="0"/>
+                                </a:rPr>
+                                <m:t>𝑖</m:t>
+                              </m:r>
+                              <m:r>
+                                <a:rPr lang="en-US" i="1">
+                                  <a:latin typeface="DejaVu Math TeX Gyre" panose="02000503000000000000" charset="0"/>
+                                  <a:cs typeface="DejaVu Math TeX Gyre" panose="02000503000000000000" charset="0"/>
+                                </a:rPr>
+                                <m:t>,</m:t>
+                              </m:r>
+                              <m:r>
+                                <a:rPr lang="en-US" i="1">
+                                  <a:latin typeface="DejaVu Math TeX Gyre" panose="02000503000000000000" charset="0"/>
+                                  <a:cs typeface="DejaVu Math TeX Gyre" panose="02000503000000000000" charset="0"/>
+                                </a:rPr>
+                                <m:t>𝑗</m:t>
+                              </m:r>
+                            </m:sub>
+                            <m:sup>
+                              <m:r>
+                                <a:rPr lang="en-US" i="1">
+                                  <a:latin typeface="DejaVu Math TeX Gyre" panose="02000503000000000000" charset="0"/>
+                                  <a:cs typeface="DejaVu Math TeX Gyre" panose="02000503000000000000" charset="0"/>
+                                </a:rPr>
+                                <m:t>𝑅</m:t>
+                              </m:r>
+                            </m:sup>
+                          </m:sSubSup>
+                        </m:e>
+                      </m:nary>
+                      <m:sSup>
+                        <m:sSupPr>
+                          <m:ctrlPr>
+                            <a:rPr lang="en-US" i="1">
+                              <a:latin typeface="DejaVu Math TeX Gyre" panose="02000503000000000000" charset="0"/>
+                              <a:cs typeface="DejaVu Math TeX Gyre" panose="02000503000000000000" charset="0"/>
+                            </a:rPr>
+                          </m:ctrlPr>
+                        </m:sSupPr>
+                        <m:e>
+                          <m:r>
+                            <a:rPr lang="en-US" i="1">
+                              <a:latin typeface="DejaVu Math TeX Gyre" panose="02000503000000000000" charset="0"/>
+                              <a:cs typeface="DejaVu Math TeX Gyre" panose="02000503000000000000" charset="0"/>
+                            </a:rPr>
+                            <m:t>)</m:t>
+                          </m:r>
+                        </m:e>
+                        <m:sup>
+                          <m:r>
+                            <a:rPr lang="en-US" i="1">
+                              <a:latin typeface="DejaVu Math TeX Gyre" panose="02000503000000000000" charset="0"/>
+                              <a:cs typeface="DejaVu Math TeX Gyre" panose="02000503000000000000" charset="0"/>
+                            </a:rPr>
+                            <m:t>2</m:t>
+                          </m:r>
+                        </m:sup>
+                      </m:sSup>
+                    </m:oMath>
+                  </m:oMathPara>
+                </a14:m>
+                <a:endParaRPr lang="en-US"/>
+              </a:p>
+            </p:txBody>
+          </p:sp>
+        </mc:Choice>
+        <mc:Fallback>
+          <p:sp>
+            <p:nvSpPr>
+              <p:cNvPr id="5" name="Text Box 4"/>
+              <p:cNvSpPr txBox="1">
+                <a:spLocks noRot="1" noChangeAspect="1" noMove="1" noResize="1" noEditPoints="1" noAdjustHandles="1" noChangeArrowheads="1" noChangeShapeType="1" noTextEdit="1"/>
+              </p:cNvSpPr>
+              <p:nvPr/>
+            </p:nvSpPr>
+            <p:spPr>
+              <a:xfrm>
+                <a:off x="3414967" y="1823021"/>
+                <a:ext cx="5362575" cy="699770"/>
+              </a:xfrm>
+              <a:prstGeom prst="rect">
+                <a:avLst/>
+              </a:prstGeom>
+              <a:blipFill rotWithShape="1">
+                <a:blip r:embed="rId1"/>
+                <a:stretch>
+                  <a:fillRect l="-11" t="-82" r="11" b="82"/>
+                </a:stretch>
+              </a:blipFill>
+            </p:spPr>
+            <p:txBody>
+              <a:bodyPr/>
+              <a:lstStyle/>
+              <a:p>
+                <a:r>
+                  <a:rPr lang="en-US" altLang="en-US">
+                    <a:noFill/>
+                  </a:rPr>
+                  <a:t> </a:t>
+                </a:r>
+              </a:p>
+            </p:txBody>
+          </p:sp>
+        </mc:Fallback>
+      </mc:AlternateContent>
     </p:spTree>
   </p:cSld>
   <p:clrMapOvr>
@@ -7040,6 +7079,53 @@
       <p:grpSpPr/>
       <p:sp>
         <p:nvSpPr>
+          <p:cNvPr id="32" name="Rectangles 31"/>
+          <p:cNvSpPr/>
+          <p:nvPr/>
+        </p:nvSpPr>
+        <p:spPr>
+          <a:xfrm>
+            <a:off x="8604250" y="2799715"/>
+            <a:ext cx="3218815" cy="970915"/>
+          </a:xfrm>
+          <a:prstGeom prst="rect">
+            <a:avLst/>
+          </a:prstGeom>
+          <a:solidFill>
+            <a:schemeClr val="bg1">
+              <a:lumMod val="85000"/>
+            </a:schemeClr>
+          </a:solidFill>
+          <a:ln>
+            <a:noFill/>
+          </a:ln>
+        </p:spPr>
+        <p:style>
+          <a:lnRef idx="2">
+            <a:schemeClr val="accent3">
+              <a:shade val="50000"/>
+            </a:schemeClr>
+          </a:lnRef>
+          <a:fillRef idx="1">
+            <a:schemeClr val="accent3"/>
+          </a:fillRef>
+          <a:effectRef idx="0">
+            <a:schemeClr val="accent3"/>
+          </a:effectRef>
+          <a:fontRef idx="minor">
+            <a:schemeClr val="lt1"/>
+          </a:fontRef>
+        </p:style>
+        <p:txBody>
+          <a:bodyPr rtlCol="0" anchor="ctr"/>
+          <a:p>
+            <a:pPr algn="ctr"/>
+            <a:endParaRPr lang="en-US"/>
+          </a:p>
+        </p:txBody>
+      </p:sp>
+      <p:sp>
+        <p:nvSpPr>
           <p:cNvPr id="2" name="Title 1"/>
           <p:cNvSpPr>
             <a:spLocks noGrp="1"/>
@@ -7053,665 +7139,1116 @@
           <a:bodyPr/>
           <a:p>
             <a:r>
-              <a:rPr lang="en-US" sz="3600">
+              <a:rPr lang="ja-JP" altLang="en-US" sz="3600"/>
+              <a:t>スタック（</a:t>
+            </a:r>
+            <a:r>
+              <a:rPr lang="en-US" altLang="ja-JP" sz="3600"/>
+              <a:t>LIFO</a:t>
+            </a:r>
+            <a:r>
+              <a:rPr lang="ja-JP" altLang="en-US" sz="3600"/>
+              <a:t>）・キュー（</a:t>
+            </a:r>
+            <a:r>
+              <a:rPr lang="en-US" altLang="ja-JP" sz="3600"/>
+              <a:t>FIFO</a:t>
+            </a:r>
+            <a:r>
+              <a:rPr lang="ja-JP" altLang="en-US" sz="3600"/>
+              <a:t>）</a:t>
+            </a:r>
+            <a:endParaRPr lang="ja-JP" altLang="en-US" sz="3600"/>
+          </a:p>
+        </p:txBody>
+      </p:sp>
+      <p:sp>
+        <p:nvSpPr>
+          <p:cNvPr id="4" name="Rounded Rectangle 3"/>
+          <p:cNvSpPr/>
+          <p:nvPr/>
+        </p:nvSpPr>
+        <p:spPr>
+          <a:xfrm>
+            <a:off x="1982470" y="2707640"/>
+            <a:ext cx="2135505" cy="3240405"/>
+          </a:xfrm>
+          <a:prstGeom prst="roundRect">
+            <a:avLst>
+              <a:gd name="adj" fmla="val 7345"/>
+            </a:avLst>
+          </a:prstGeom>
+          <a:ln w="76200"/>
+        </p:spPr>
+        <p:style>
+          <a:lnRef idx="2">
+            <a:schemeClr val="accent1"/>
+          </a:lnRef>
+          <a:fillRef idx="1">
+            <a:schemeClr val="lt1"/>
+          </a:fillRef>
+          <a:effectRef idx="0">
+            <a:schemeClr val="accent1"/>
+          </a:effectRef>
+          <a:fontRef idx="minor">
+            <a:schemeClr val="dk1"/>
+          </a:fontRef>
+        </p:style>
+        <p:txBody>
+          <a:bodyPr rtlCol="0" anchor="ctr"/>
+          <a:p>
+            <a:pPr algn="ctr"/>
+            <a:endParaRPr lang="en-US"/>
+          </a:p>
+        </p:txBody>
+      </p:sp>
+      <p:sp>
+        <p:nvSpPr>
+          <p:cNvPr id="6" name="Rectangles 5"/>
+          <p:cNvSpPr/>
+          <p:nvPr/>
+        </p:nvSpPr>
+        <p:spPr>
+          <a:xfrm>
+            <a:off x="2049145" y="5394960"/>
+            <a:ext cx="1981835" cy="419100"/>
+          </a:xfrm>
+          <a:prstGeom prst="rect">
+            <a:avLst/>
+          </a:prstGeom>
+          <a:solidFill>
+            <a:srgbClr val="92D050"/>
+          </a:solidFill>
+        </p:spPr>
+        <p:style>
+          <a:lnRef idx="3">
+            <a:schemeClr val="lt1"/>
+          </a:lnRef>
+          <a:fillRef idx="1">
+            <a:schemeClr val="accent6"/>
+          </a:fillRef>
+          <a:effectRef idx="1">
+            <a:schemeClr val="accent6"/>
+          </a:effectRef>
+          <a:fontRef idx="minor">
+            <a:schemeClr val="lt1"/>
+          </a:fontRef>
+        </p:style>
+        <p:txBody>
+          <a:bodyPr rtlCol="0" anchor="ctr"/>
+          <a:p>
+            <a:pPr algn="ctr"/>
+            <a:r>
+              <a:rPr lang="en-US" b="1">
+                <a:solidFill>
+                  <a:schemeClr val="tx1"/>
+                </a:solidFill>
+              </a:rPr>
+              <a:t>データ１</a:t>
+            </a:r>
+            <a:endParaRPr lang="en-US" b="1">
+              <a:solidFill>
+                <a:schemeClr val="tx1"/>
+              </a:solidFill>
+            </a:endParaRPr>
+          </a:p>
+        </p:txBody>
+      </p:sp>
+      <p:sp>
+        <p:nvSpPr>
+          <p:cNvPr id="7" name="Text Box 6"/>
+          <p:cNvSpPr txBox="1"/>
+          <p:nvPr/>
+        </p:nvSpPr>
+        <p:spPr>
+          <a:xfrm>
+            <a:off x="8738870" y="2962275"/>
+            <a:ext cx="2948940" cy="645160"/>
+          </a:xfrm>
+          <a:prstGeom prst="rect">
+            <a:avLst/>
+          </a:prstGeom>
+          <a:noFill/>
+        </p:spPr>
+        <p:txBody>
+          <a:bodyPr wrap="none" rtlCol="0">
+            <a:spAutoFit/>
+          </a:bodyPr>
+          <a:p>
+            <a:r>
+              <a:rPr lang="en-US" altLang="ja-JP" b="1">
+                <a:latin typeface="DejaVu Sans" panose="020B0603030804020204" charset="0"/>
+                <a:cs typeface="DejaVu Sans" panose="020B0603030804020204" charset="0"/>
+              </a:rPr>
+              <a:t>PUSH</a:t>
+            </a:r>
+            <a:r>
+              <a:rPr lang="ja-JP" altLang="en-US" b="1">
+                <a:latin typeface="DejaVu Sans" panose="020B0603030804020204" charset="0"/>
+                <a:cs typeface="DejaVu Sans" panose="020B0603030804020204" charset="0"/>
+              </a:rPr>
+              <a:t>：データを追加する</a:t>
+            </a:r>
+            <a:endParaRPr lang="ja-JP" altLang="en-US" b="1">
+              <a:latin typeface="DejaVu Sans" panose="020B0603030804020204" charset="0"/>
+              <a:cs typeface="DejaVu Sans" panose="020B0603030804020204" charset="0"/>
+            </a:endParaRPr>
+          </a:p>
+          <a:p>
+            <a:r>
+              <a:rPr lang="en-US" altLang="ja-JP" b="1">
+                <a:latin typeface="DejaVu Sans" panose="020B0603030804020204" charset="0"/>
+                <a:cs typeface="DejaVu Sans" panose="020B0603030804020204" charset="0"/>
+              </a:rPr>
+              <a:t>POP</a:t>
+            </a:r>
+            <a:r>
+              <a:rPr lang="ja-JP" altLang="en-US" b="1">
+                <a:latin typeface="DejaVu Sans" panose="020B0603030804020204" charset="0"/>
+                <a:cs typeface="DejaVu Sans" panose="020B0603030804020204" charset="0"/>
+              </a:rPr>
+              <a:t>：データを取り出す</a:t>
+            </a:r>
+            <a:endParaRPr lang="ja-JP" altLang="en-US" b="1">
+              <a:latin typeface="DejaVu Sans" panose="020B0603030804020204" charset="0"/>
+              <a:cs typeface="DejaVu Sans" panose="020B0603030804020204" charset="0"/>
+            </a:endParaRPr>
+          </a:p>
+        </p:txBody>
+      </p:sp>
+      <p:sp>
+        <p:nvSpPr>
+          <p:cNvPr id="8" name="Text Box 7"/>
+          <p:cNvSpPr txBox="1"/>
+          <p:nvPr/>
+        </p:nvSpPr>
+        <p:spPr>
+          <a:xfrm>
+            <a:off x="2338705" y="6096000"/>
+            <a:ext cx="1402080" cy="460375"/>
+          </a:xfrm>
+          <a:prstGeom prst="rect">
+            <a:avLst/>
+          </a:prstGeom>
+          <a:noFill/>
+        </p:spPr>
+        <p:txBody>
+          <a:bodyPr wrap="none" rtlCol="0" anchor="t">
+            <a:spAutoFit/>
+          </a:bodyPr>
+          <a:p>
+            <a:r>
+              <a:rPr lang="ja-JP" altLang="en-US" sz="2400" b="1">
                 <a:sym typeface="+mn-ea"/>
               </a:rPr>
-              <a:t>7.1</a:t>
+              <a:t>スタック</a:t>
             </a:r>
-            <a:r>
-              <a:rPr lang="ja-JP" altLang="en-US" sz="3600">
-                <a:sym typeface="+mn-ea"/>
-              </a:rPr>
-              <a:t>　回帰の決定木</a:t>
-            </a:r>
-            <a:endParaRPr lang="ja-JP" altLang="en-US" sz="3600">
+            <a:endParaRPr lang="ja-JP" altLang="en-US" sz="2400" b="1">
               <a:sym typeface="+mn-ea"/>
             </a:endParaRPr>
           </a:p>
         </p:txBody>
       </p:sp>
-      <p:grpSp>
-        <p:nvGrpSpPr>
-          <p:cNvPr id="25" name="Group 24"/>
-          <p:cNvGrpSpPr/>
+      <p:sp>
+        <p:nvSpPr>
+          <p:cNvPr id="10" name="Rectangles 9"/>
+          <p:cNvSpPr/>
           <p:nvPr/>
-        </p:nvGrpSpPr>
-        <p:grpSpPr>
+        </p:nvSpPr>
+        <p:spPr>
           <a:xfrm>
-            <a:off x="1371600" y="3402330"/>
-            <a:ext cx="9719310" cy="1962150"/>
-            <a:chOff x="2160" y="5358"/>
-            <a:chExt cx="15306" cy="3090"/>
+            <a:off x="2049145" y="4937760"/>
+            <a:ext cx="1981835" cy="419100"/>
           </a:xfrm>
-        </p:grpSpPr>
-        <p:grpSp>
-          <p:nvGrpSpPr>
-            <p:cNvPr id="33" name="Group 32"/>
-            <p:cNvGrpSpPr/>
-            <p:nvPr/>
-          </p:nvGrpSpPr>
-          <p:grpSpPr>
-            <a:xfrm>
-              <a:off x="2160" y="5358"/>
-              <a:ext cx="15307" cy="3091"/>
-              <a:chOff x="2160" y="5358"/>
-              <a:chExt cx="15307" cy="3091"/>
-            </a:xfrm>
-          </p:grpSpPr>
-          <p:sp>
-            <p:nvSpPr>
-              <p:cNvPr id="4" name="Rounded Rectangle 3"/>
-              <p:cNvSpPr/>
-              <p:nvPr/>
-            </p:nvSpPr>
-            <p:spPr>
-              <a:xfrm>
-                <a:off x="2438" y="5358"/>
-                <a:ext cx="14324" cy="1722"/>
-              </a:xfrm>
-              <a:prstGeom prst="roundRect">
-                <a:avLst>
-                  <a:gd name="adj" fmla="val 11033"/>
-                </a:avLst>
-              </a:prstGeom>
+          <a:prstGeom prst="rect">
+            <a:avLst/>
+          </a:prstGeom>
+          <a:solidFill>
+            <a:srgbClr val="92D050"/>
+          </a:solidFill>
+        </p:spPr>
+        <p:style>
+          <a:lnRef idx="3">
+            <a:schemeClr val="lt1"/>
+          </a:lnRef>
+          <a:fillRef idx="1">
+            <a:schemeClr val="accent6"/>
+          </a:fillRef>
+          <a:effectRef idx="1">
+            <a:schemeClr val="accent6"/>
+          </a:effectRef>
+          <a:fontRef idx="minor">
+            <a:schemeClr val="lt1"/>
+          </a:fontRef>
+        </p:style>
+        <p:txBody>
+          <a:bodyPr rtlCol="0" anchor="ctr"/>
+          <a:p>
+            <a:pPr algn="ctr"/>
+            <a:r>
+              <a:rPr lang="en-US" b="1">
+                <a:solidFill>
+                  <a:schemeClr val="tx1"/>
+                </a:solidFill>
+              </a:rPr>
+              <a:t>データ</a:t>
+            </a:r>
+            <a:r>
+              <a:rPr lang="ja-JP" altLang="en-US" b="1">
+                <a:solidFill>
+                  <a:schemeClr val="tx1"/>
+                </a:solidFill>
+              </a:rPr>
+              <a:t>２</a:t>
+            </a:r>
+            <a:endParaRPr lang="ja-JP" altLang="en-US" b="1">
               <a:solidFill>
-                <a:schemeClr val="accent1">
-                  <a:lumMod val="40000"/>
-                  <a:lumOff val="60000"/>
-                </a:schemeClr>
+                <a:schemeClr val="tx1"/>
               </a:solidFill>
-              <a:ln>
-                <a:noFill/>
-              </a:ln>
-            </p:spPr>
-            <p:style>
-              <a:lnRef idx="1">
-                <a:schemeClr val="accent1"/>
-              </a:lnRef>
-              <a:fillRef idx="2">
-                <a:schemeClr val="accent1"/>
-              </a:fillRef>
-              <a:effectRef idx="1">
-                <a:schemeClr val="accent1"/>
-              </a:effectRef>
-              <a:fontRef idx="minor">
-                <a:schemeClr val="dk1"/>
-              </a:fontRef>
-            </p:style>
-            <p:txBody>
-              <a:bodyPr rtlCol="0" anchor="ctr"/>
-              <a:p>
-                <a:pPr algn="ctr"/>
-                <a:endParaRPr lang="en-US"/>
-              </a:p>
-            </p:txBody>
-          </p:sp>
-          <p:cxnSp>
-            <p:nvCxnSpPr>
-              <p:cNvPr id="7" name="Straight Connector 6"/>
-              <p:cNvCxnSpPr/>
-              <p:nvPr/>
-            </p:nvCxnSpPr>
-            <p:spPr>
-              <a:xfrm flipH="1">
-                <a:off x="2422" y="7419"/>
-                <a:ext cx="16" cy="450"/>
-              </a:xfrm>
-              <a:prstGeom prst="line">
-                <a:avLst/>
-              </a:prstGeom>
-            </p:spPr>
-            <p:style>
-              <a:lnRef idx="3">
-                <a:schemeClr val="dk1"/>
-              </a:lnRef>
-              <a:fillRef idx="0">
-                <a:schemeClr val="dk1"/>
-              </a:fillRef>
-              <a:effectRef idx="2">
-                <a:schemeClr val="dk1"/>
-              </a:effectRef>
-              <a:fontRef idx="minor">
+            </a:endParaRPr>
+          </a:p>
+        </p:txBody>
+      </p:sp>
+      <p:sp>
+        <p:nvSpPr>
+          <p:cNvPr id="11" name="Rectangles 10"/>
+          <p:cNvSpPr/>
+          <p:nvPr/>
+        </p:nvSpPr>
+        <p:spPr>
+          <a:xfrm>
+            <a:off x="2049145" y="4480560"/>
+            <a:ext cx="1981835" cy="419100"/>
+          </a:xfrm>
+          <a:prstGeom prst="rect">
+            <a:avLst/>
+          </a:prstGeom>
+          <a:solidFill>
+            <a:srgbClr val="92D050"/>
+          </a:solidFill>
+          <a:ln>
+            <a:noFill/>
+          </a:ln>
+        </p:spPr>
+        <p:style>
+          <a:lnRef idx="3">
+            <a:schemeClr val="lt1"/>
+          </a:lnRef>
+          <a:fillRef idx="1">
+            <a:schemeClr val="accent6"/>
+          </a:fillRef>
+          <a:effectRef idx="1">
+            <a:schemeClr val="accent6"/>
+          </a:effectRef>
+          <a:fontRef idx="minor">
+            <a:schemeClr val="lt1"/>
+          </a:fontRef>
+        </p:style>
+        <p:txBody>
+          <a:bodyPr rtlCol="0" anchor="ctr"/>
+          <a:p>
+            <a:pPr algn="ctr"/>
+            <a:r>
+              <a:rPr lang="en-US" b="1">
+                <a:solidFill>
+                  <a:schemeClr val="tx1"/>
+                </a:solidFill>
+              </a:rPr>
+              <a:t>データ</a:t>
+            </a:r>
+            <a:r>
+              <a:rPr lang="ja-JP" altLang="en-US" b="1">
+                <a:solidFill>
+                  <a:schemeClr val="tx1"/>
+                </a:solidFill>
+              </a:rPr>
+              <a:t>３</a:t>
+            </a:r>
+            <a:endParaRPr lang="ja-JP" altLang="en-US" b="1">
+              <a:solidFill>
                 <a:schemeClr val="tx1"/>
-              </a:fontRef>
-            </p:style>
-          </p:cxnSp>
-          <p:cxnSp>
-            <p:nvCxnSpPr>
-              <p:cNvPr id="8" name="Straight Connector 7"/>
-              <p:cNvCxnSpPr/>
-              <p:nvPr/>
-            </p:nvCxnSpPr>
-            <p:spPr>
-              <a:xfrm flipH="1">
-                <a:off x="16746" y="7419"/>
-                <a:ext cx="16" cy="450"/>
-              </a:xfrm>
-              <a:prstGeom prst="line">
-                <a:avLst/>
-              </a:prstGeom>
-            </p:spPr>
-            <p:style>
-              <a:lnRef idx="3">
-                <a:schemeClr val="dk1"/>
-              </a:lnRef>
-              <a:fillRef idx="0">
-                <a:schemeClr val="dk1"/>
-              </a:fillRef>
-              <a:effectRef idx="2">
-                <a:schemeClr val="dk1"/>
-              </a:effectRef>
-              <a:fontRef idx="minor">
-                <a:schemeClr val="tx1"/>
-              </a:fontRef>
-            </p:style>
-          </p:cxnSp>
-          <p:cxnSp>
-            <p:nvCxnSpPr>
-              <p:cNvPr id="9" name="Straight Connector 8"/>
-              <p:cNvCxnSpPr/>
-              <p:nvPr/>
-            </p:nvCxnSpPr>
-            <p:spPr>
-              <a:xfrm flipH="1">
-                <a:off x="5341" y="7419"/>
-                <a:ext cx="16" cy="450"/>
-              </a:xfrm>
-              <a:prstGeom prst="line">
-                <a:avLst/>
-              </a:prstGeom>
-            </p:spPr>
-            <p:style>
-              <a:lnRef idx="3">
-                <a:schemeClr val="dk1"/>
-              </a:lnRef>
-              <a:fillRef idx="0">
-                <a:schemeClr val="dk1"/>
-              </a:fillRef>
-              <a:effectRef idx="2">
-                <a:schemeClr val="dk1"/>
-              </a:effectRef>
-              <a:fontRef idx="minor">
-                <a:schemeClr val="tx1"/>
-              </a:fontRef>
-            </p:style>
-          </p:cxnSp>
-          <p:cxnSp>
-            <p:nvCxnSpPr>
-              <p:cNvPr id="10" name="Straight Connector 9"/>
-              <p:cNvCxnSpPr/>
-              <p:nvPr/>
-            </p:nvCxnSpPr>
-            <p:spPr>
-              <a:xfrm flipH="1">
-                <a:off x="8252" y="7419"/>
-                <a:ext cx="16" cy="450"/>
-              </a:xfrm>
-              <a:prstGeom prst="line">
-                <a:avLst/>
-              </a:prstGeom>
-            </p:spPr>
-            <p:style>
-              <a:lnRef idx="3">
-                <a:schemeClr val="dk1"/>
-              </a:lnRef>
-              <a:fillRef idx="0">
-                <a:schemeClr val="dk1"/>
-              </a:fillRef>
-              <a:effectRef idx="2">
-                <a:schemeClr val="dk1"/>
-              </a:effectRef>
-              <a:fontRef idx="minor">
-                <a:schemeClr val="tx1"/>
-              </a:fontRef>
-            </p:style>
-          </p:cxnSp>
-          <p:cxnSp>
-            <p:nvCxnSpPr>
-              <p:cNvPr id="11" name="Straight Connector 10"/>
-              <p:cNvCxnSpPr/>
-              <p:nvPr/>
-            </p:nvCxnSpPr>
-            <p:spPr>
-              <a:xfrm flipH="1">
-                <a:off x="11044" y="7419"/>
-                <a:ext cx="16" cy="450"/>
-              </a:xfrm>
-              <a:prstGeom prst="line">
-                <a:avLst/>
-              </a:prstGeom>
-            </p:spPr>
-            <p:style>
-              <a:lnRef idx="3">
-                <a:schemeClr val="dk1"/>
-              </a:lnRef>
-              <a:fillRef idx="0">
-                <a:schemeClr val="dk1"/>
-              </a:fillRef>
-              <a:effectRef idx="2">
-                <a:schemeClr val="dk1"/>
-              </a:effectRef>
-              <a:fontRef idx="minor">
-                <a:schemeClr val="tx1"/>
-              </a:fontRef>
-            </p:style>
-          </p:cxnSp>
-          <p:cxnSp>
-            <p:nvCxnSpPr>
-              <p:cNvPr id="12" name="Straight Connector 11"/>
-              <p:cNvCxnSpPr/>
-              <p:nvPr/>
-            </p:nvCxnSpPr>
-            <p:spPr>
-              <a:xfrm flipH="1">
-                <a:off x="13895" y="7419"/>
-                <a:ext cx="16" cy="450"/>
-              </a:xfrm>
-              <a:prstGeom prst="line">
-                <a:avLst/>
-              </a:prstGeom>
-            </p:spPr>
-            <p:style>
-              <a:lnRef idx="3">
-                <a:schemeClr val="dk1"/>
-              </a:lnRef>
-              <a:fillRef idx="0">
-                <a:schemeClr val="dk1"/>
-              </a:fillRef>
-              <a:effectRef idx="2">
-                <a:schemeClr val="dk1"/>
-              </a:effectRef>
-              <a:fontRef idx="minor">
-                <a:schemeClr val="tx1"/>
-              </a:fontRef>
-            </p:style>
-          </p:cxnSp>
-          <p:sp>
-            <p:nvSpPr>
-              <p:cNvPr id="14" name="Text Box 13"/>
-              <p:cNvSpPr txBox="1"/>
-              <p:nvPr/>
-            </p:nvSpPr>
-            <p:spPr>
-              <a:xfrm>
-                <a:off x="2160" y="7869"/>
-                <a:ext cx="894" cy="580"/>
-              </a:xfrm>
-              <a:prstGeom prst="rect">
-                <a:avLst/>
-              </a:prstGeom>
-              <a:noFill/>
-            </p:spPr>
-            <p:txBody>
-              <a:bodyPr wrap="square" rtlCol="0">
-                <a:spAutoFit/>
-              </a:bodyPr>
-              <a:p>
-                <a:r>
-                  <a:rPr lang="en-US" b="1">
-                    <a:latin typeface="Courier 10 Pitch" charset="0"/>
-                    <a:ea typeface="+mj-lt"/>
-                    <a:cs typeface="Courier 10 Pitch" charset="0"/>
-                  </a:rPr>
-                  <a:t>0%</a:t>
-                </a:r>
-                <a:endParaRPr lang="en-US" b="1">
-                  <a:latin typeface="Courier 10 Pitch" charset="0"/>
-                  <a:ea typeface="+mj-lt"/>
-                  <a:cs typeface="Courier 10 Pitch" charset="0"/>
-                </a:endParaRPr>
-              </a:p>
-            </p:txBody>
-          </p:sp>
-          <p:sp>
-            <p:nvSpPr>
-              <p:cNvPr id="15" name="Text Box 14"/>
-              <p:cNvSpPr txBox="1"/>
-              <p:nvPr/>
-            </p:nvSpPr>
-            <p:spPr>
-              <a:xfrm>
-                <a:off x="4982" y="7869"/>
-                <a:ext cx="1022" cy="580"/>
-              </a:xfrm>
-              <a:prstGeom prst="rect">
-                <a:avLst/>
-              </a:prstGeom>
-              <a:noFill/>
-            </p:spPr>
-            <p:txBody>
-              <a:bodyPr wrap="square" rtlCol="0">
-                <a:spAutoFit/>
-              </a:bodyPr>
-              <a:p>
-                <a:r>
-                  <a:rPr lang="en-US" b="1">
-                    <a:latin typeface="Courier 10 Pitch" charset="0"/>
-                    <a:ea typeface="+mj-lt"/>
-                    <a:cs typeface="Courier 10 Pitch" charset="0"/>
-                  </a:rPr>
-                  <a:t>20%</a:t>
-                </a:r>
-                <a:endParaRPr lang="en-US" b="1">
-                  <a:latin typeface="Courier 10 Pitch" charset="0"/>
-                  <a:ea typeface="+mj-lt"/>
-                  <a:cs typeface="Courier 10 Pitch" charset="0"/>
-                </a:endParaRPr>
-              </a:p>
-            </p:txBody>
-          </p:sp>
-          <p:sp>
-            <p:nvSpPr>
-              <p:cNvPr id="16" name="Text Box 15"/>
-              <p:cNvSpPr txBox="1"/>
-              <p:nvPr/>
-            </p:nvSpPr>
-            <p:spPr>
-              <a:xfrm>
-                <a:off x="7845" y="7869"/>
-                <a:ext cx="1022" cy="580"/>
-              </a:xfrm>
-              <a:prstGeom prst="rect">
-                <a:avLst/>
-              </a:prstGeom>
-              <a:noFill/>
-            </p:spPr>
-            <p:txBody>
-              <a:bodyPr wrap="square" rtlCol="0">
-                <a:spAutoFit/>
-              </a:bodyPr>
-              <a:p>
-                <a:r>
-                  <a:rPr lang="en-US" b="1">
-                    <a:latin typeface="Courier 10 Pitch" charset="0"/>
-                    <a:ea typeface="+mj-lt"/>
-                    <a:cs typeface="Courier 10 Pitch" charset="0"/>
-                  </a:rPr>
-                  <a:t>40%</a:t>
-                </a:r>
-                <a:endParaRPr lang="en-US" b="1">
-                  <a:latin typeface="Courier 10 Pitch" charset="0"/>
-                  <a:ea typeface="+mj-lt"/>
-                  <a:cs typeface="Courier 10 Pitch" charset="0"/>
-                </a:endParaRPr>
-              </a:p>
-            </p:txBody>
-          </p:sp>
-          <p:sp>
-            <p:nvSpPr>
-              <p:cNvPr id="17" name="Text Box 16"/>
-              <p:cNvSpPr txBox="1"/>
-              <p:nvPr/>
-            </p:nvSpPr>
-            <p:spPr>
-              <a:xfrm>
-                <a:off x="10703" y="7869"/>
-                <a:ext cx="1022" cy="580"/>
-              </a:xfrm>
-              <a:prstGeom prst="rect">
-                <a:avLst/>
-              </a:prstGeom>
-              <a:noFill/>
-            </p:spPr>
-            <p:txBody>
-              <a:bodyPr wrap="square" rtlCol="0">
-                <a:spAutoFit/>
-              </a:bodyPr>
-              <a:p>
-                <a:r>
-                  <a:rPr lang="en-US" b="1">
-                    <a:latin typeface="Courier 10 Pitch" charset="0"/>
-                    <a:ea typeface="+mj-lt"/>
-                    <a:cs typeface="Courier 10 Pitch" charset="0"/>
-                  </a:rPr>
-                  <a:t>60%</a:t>
-                </a:r>
-                <a:endParaRPr lang="en-US" b="1">
-                  <a:latin typeface="Courier 10 Pitch" charset="0"/>
-                  <a:ea typeface="+mj-lt"/>
-                  <a:cs typeface="Courier 10 Pitch" charset="0"/>
-                </a:endParaRPr>
-              </a:p>
-            </p:txBody>
-          </p:sp>
-          <p:sp>
-            <p:nvSpPr>
-              <p:cNvPr id="18" name="Text Box 17"/>
-              <p:cNvSpPr txBox="1"/>
-              <p:nvPr/>
-            </p:nvSpPr>
-            <p:spPr>
-              <a:xfrm>
-                <a:off x="13550" y="7869"/>
-                <a:ext cx="1022" cy="580"/>
-              </a:xfrm>
-              <a:prstGeom prst="rect">
-                <a:avLst/>
-              </a:prstGeom>
-              <a:noFill/>
-            </p:spPr>
-            <p:txBody>
-              <a:bodyPr wrap="square" rtlCol="0">
-                <a:spAutoFit/>
-              </a:bodyPr>
-              <a:p>
-                <a:r>
-                  <a:rPr lang="en-US" b="1">
-                    <a:latin typeface="Courier 10 Pitch" charset="0"/>
-                    <a:ea typeface="+mj-lt"/>
-                    <a:cs typeface="Courier 10 Pitch" charset="0"/>
-                  </a:rPr>
-                  <a:t>80%</a:t>
-                </a:r>
-                <a:endParaRPr lang="en-US" b="1">
-                  <a:latin typeface="Courier 10 Pitch" charset="0"/>
-                  <a:ea typeface="+mj-lt"/>
-                  <a:cs typeface="Courier 10 Pitch" charset="0"/>
-                </a:endParaRPr>
-              </a:p>
-            </p:txBody>
-          </p:sp>
-          <p:sp>
-            <p:nvSpPr>
-              <p:cNvPr id="19" name="Text Box 18"/>
-              <p:cNvSpPr txBox="1"/>
-              <p:nvPr/>
-            </p:nvSpPr>
-            <p:spPr>
-              <a:xfrm>
-                <a:off x="16239" y="7869"/>
-                <a:ext cx="1228" cy="580"/>
-              </a:xfrm>
-              <a:prstGeom prst="rect">
-                <a:avLst/>
-              </a:prstGeom>
-              <a:noFill/>
-            </p:spPr>
-            <p:txBody>
-              <a:bodyPr wrap="square" rtlCol="0">
-                <a:spAutoFit/>
-              </a:bodyPr>
-              <a:p>
-                <a:r>
-                  <a:rPr lang="en-US" b="1">
-                    <a:latin typeface="Courier 10 Pitch" charset="0"/>
-                    <a:ea typeface="+mj-lt"/>
-                    <a:cs typeface="Courier 10 Pitch" charset="0"/>
-                  </a:rPr>
-                  <a:t>100%</a:t>
-                </a:r>
-                <a:endParaRPr lang="en-US" b="1">
-                  <a:latin typeface="Courier 10 Pitch" charset="0"/>
-                  <a:ea typeface="+mj-lt"/>
-                  <a:cs typeface="Courier 10 Pitch" charset="0"/>
-                </a:endParaRPr>
-              </a:p>
-            </p:txBody>
-          </p:sp>
-        </p:grpSp>
-        <p:sp>
-          <p:nvSpPr>
-            <p:cNvPr id="6" name="Text Box 5"/>
-            <p:cNvSpPr txBox="1"/>
-            <p:nvPr/>
-          </p:nvSpPr>
-          <p:spPr>
-            <a:xfrm>
-              <a:off x="8422" y="5905"/>
-              <a:ext cx="1756" cy="628"/>
-            </a:xfrm>
-            <a:prstGeom prst="rect">
-              <a:avLst/>
-            </a:prstGeom>
-            <a:noFill/>
-          </p:spPr>
-          <p:txBody>
-            <a:bodyPr wrap="square" rtlCol="0">
-              <a:spAutoFit/>
-            </a:bodyPr>
-            <a:p>
-              <a:r>
-                <a:rPr lang="en-US" sz="2000" b="1">
-                  <a:latin typeface="DejaVu Sans" panose="020B0603030804020204" charset="0"/>
-                  <a:cs typeface="DejaVu Sans" panose="020B0603030804020204" charset="0"/>
-                </a:rPr>
-                <a:t>TRAIN</a:t>
-              </a:r>
-              <a:endParaRPr lang="en-US" sz="2000" b="1">
-                <a:latin typeface="DejaVu Sans" panose="020B0603030804020204" charset="0"/>
-                <a:cs typeface="DejaVu Sans" panose="020B0603030804020204" charset="0"/>
-              </a:endParaRPr>
-            </a:p>
-          </p:txBody>
-        </p:sp>
-        <p:sp>
-          <p:nvSpPr>
-            <p:cNvPr id="20" name="Rounded Rectangle 19"/>
-            <p:cNvSpPr/>
-            <p:nvPr/>
-          </p:nvSpPr>
-          <p:spPr>
-            <a:xfrm>
-              <a:off x="15299" y="5358"/>
-              <a:ext cx="1463" cy="1722"/>
-            </a:xfrm>
-            <a:prstGeom prst="roundRect">
-              <a:avLst>
-                <a:gd name="adj" fmla="val 11033"/>
-              </a:avLst>
-            </a:prstGeom>
+              </a:solidFill>
+            </a:endParaRPr>
+          </a:p>
+        </p:txBody>
+      </p:sp>
+      <p:sp>
+        <p:nvSpPr>
+          <p:cNvPr id="15" name="Text Box 14"/>
+          <p:cNvSpPr txBox="1"/>
+          <p:nvPr/>
+        </p:nvSpPr>
+        <p:spPr>
+          <a:xfrm>
+            <a:off x="6508115" y="6096000"/>
+            <a:ext cx="1097280" cy="460375"/>
+          </a:xfrm>
+          <a:prstGeom prst="rect">
+            <a:avLst/>
+          </a:prstGeom>
+          <a:noFill/>
+        </p:spPr>
+        <p:txBody>
+          <a:bodyPr wrap="none" rtlCol="0" anchor="t">
+            <a:spAutoFit/>
+          </a:bodyPr>
+          <a:p>
+            <a:r>
+              <a:rPr lang="ja-JP" altLang="en-US" sz="2400" b="1">
+                <a:sym typeface="+mn-ea"/>
+              </a:rPr>
+              <a:t>キュー</a:t>
+            </a:r>
+            <a:endParaRPr lang="ja-JP" altLang="en-US" sz="2400" b="1">
+              <a:sym typeface="+mn-ea"/>
+            </a:endParaRPr>
+          </a:p>
+        </p:txBody>
+      </p:sp>
+      <p:sp>
+        <p:nvSpPr>
+          <p:cNvPr id="16" name="Rectangles 15"/>
+          <p:cNvSpPr/>
+          <p:nvPr/>
+        </p:nvSpPr>
+        <p:spPr>
+          <a:xfrm>
+            <a:off x="2049145" y="3982085"/>
+            <a:ext cx="1981835" cy="419100"/>
+          </a:xfrm>
+          <a:prstGeom prst="rect">
+            <a:avLst/>
+          </a:prstGeom>
+          <a:noFill/>
+          <a:ln>
             <a:solidFill>
               <a:srgbClr val="92D050"/>
             </a:solidFill>
-            <a:ln>
-              <a:noFill/>
-            </a:ln>
-          </p:spPr>
-          <p:style>
-            <a:lnRef idx="2">
-              <a:schemeClr val="accent6">
-                <a:shade val="50000"/>
-              </a:schemeClr>
-            </a:lnRef>
-            <a:fillRef idx="1">
-              <a:schemeClr val="accent6"/>
-            </a:fillRef>
-            <a:effectRef idx="0">
-              <a:schemeClr val="accent6"/>
-            </a:effectRef>
-            <a:fontRef idx="minor">
-              <a:schemeClr val="lt1"/>
-            </a:fontRef>
-          </p:style>
-          <p:txBody>
-            <a:bodyPr rtlCol="0" anchor="ctr"/>
-            <a:p>
-              <a:pPr algn="ctr"/>
-              <a:endParaRPr lang="en-US"/>
-            </a:p>
-          </p:txBody>
-        </p:sp>
-        <p:sp>
-          <p:nvSpPr>
-            <p:cNvPr id="22" name="Rectangles 21"/>
-            <p:cNvSpPr/>
-            <p:nvPr/>
-          </p:nvSpPr>
-          <p:spPr>
-            <a:xfrm>
-              <a:off x="15299" y="5358"/>
-              <a:ext cx="1230" cy="1722"/>
-            </a:xfrm>
-            <a:prstGeom prst="rect">
-              <a:avLst/>
-            </a:prstGeom>
+            <a:prstDash val="sysDash"/>
+          </a:ln>
+          <a:extLst>
+            <a:ext uri="{909E8E84-426E-40DD-AFC4-6F175D3DCCD1}">
+              <a14:hiddenFill xmlns:a14="http://schemas.microsoft.com/office/drawing/2010/main">
+                <a:solidFill>
+                  <a:schemeClr val="accent6"/>
+                </a:solidFill>
+              </a14:hiddenFill>
+            </a:ext>
+          </a:extLst>
+        </p:spPr>
+        <p:style>
+          <a:lnRef idx="3">
+            <a:schemeClr val="lt1"/>
+          </a:lnRef>
+          <a:fillRef idx="1">
+            <a:schemeClr val="accent6"/>
+          </a:fillRef>
+          <a:effectRef idx="1">
+            <a:schemeClr val="accent6"/>
+          </a:effectRef>
+          <a:fontRef idx="minor">
+            <a:schemeClr val="lt1"/>
+          </a:fontRef>
+        </p:style>
+        <p:txBody>
+          <a:bodyPr rtlCol="0" anchor="ctr"/>
+          <a:p>
+            <a:pPr algn="ctr"/>
+            <a:r>
+              <a:rPr lang="en-US" b="1">
+                <a:solidFill>
+                  <a:schemeClr val="tx1"/>
+                </a:solidFill>
+              </a:rPr>
+              <a:t>データ</a:t>
+            </a:r>
+            <a:r>
+              <a:rPr lang="ja-JP" altLang="en-US" b="1">
+                <a:solidFill>
+                  <a:schemeClr val="tx1"/>
+                </a:solidFill>
+              </a:rPr>
+              <a:t>４</a:t>
+            </a:r>
+            <a:endParaRPr lang="ja-JP" altLang="en-US" b="1">
+              <a:solidFill>
+                <a:schemeClr val="tx1"/>
+              </a:solidFill>
+            </a:endParaRPr>
+          </a:p>
+        </p:txBody>
+      </p:sp>
+      <p:sp>
+        <p:nvSpPr>
+          <p:cNvPr id="18" name="Bent Arrow 17"/>
+          <p:cNvSpPr/>
+          <p:nvPr/>
+        </p:nvSpPr>
+        <p:spPr>
+          <a:xfrm rot="5400000">
+            <a:off x="1682750" y="2512060"/>
+            <a:ext cx="1303655" cy="704850"/>
+          </a:xfrm>
+          <a:prstGeom prst="bentArrow">
+            <a:avLst/>
+          </a:prstGeom>
+          <a:solidFill>
+            <a:srgbClr val="FFC000"/>
+          </a:solidFill>
+          <a:ln>
+            <a:solidFill>
+              <a:srgbClr val="ED7D31"/>
+            </a:solidFill>
+          </a:ln>
+        </p:spPr>
+        <p:style>
+          <a:lnRef idx="3">
+            <a:schemeClr val="lt1"/>
+          </a:lnRef>
+          <a:fillRef idx="1">
+            <a:schemeClr val="accent1"/>
+          </a:fillRef>
+          <a:effectRef idx="1">
+            <a:schemeClr val="accent1"/>
+          </a:effectRef>
+          <a:fontRef idx="minor">
+            <a:schemeClr val="lt1"/>
+          </a:fontRef>
+        </p:style>
+        <p:txBody>
+          <a:bodyPr rtlCol="0" anchor="ctr"/>
+          <a:p>
+            <a:pPr algn="ctr"/>
+            <a:endParaRPr lang="en-US">
+              <a:solidFill>
+                <a:schemeClr val="tx1"/>
+              </a:solidFill>
+            </a:endParaRPr>
+          </a:p>
+        </p:txBody>
+      </p:sp>
+      <p:sp>
+        <p:nvSpPr>
+          <p:cNvPr id="19" name="Rectangles 18"/>
+          <p:cNvSpPr/>
+          <p:nvPr/>
+        </p:nvSpPr>
+        <p:spPr>
+          <a:xfrm>
+            <a:off x="266700" y="2105660"/>
+            <a:ext cx="1637030" cy="419100"/>
+          </a:xfrm>
+          <a:prstGeom prst="rect">
+            <a:avLst/>
+          </a:prstGeom>
+          <a:solidFill>
+            <a:srgbClr val="92D050"/>
+          </a:solidFill>
+          <a:ln>
+            <a:noFill/>
+          </a:ln>
+        </p:spPr>
+        <p:style>
+          <a:lnRef idx="3">
+            <a:schemeClr val="lt1"/>
+          </a:lnRef>
+          <a:fillRef idx="1">
+            <a:schemeClr val="accent6"/>
+          </a:fillRef>
+          <a:effectRef idx="1">
+            <a:schemeClr val="accent6"/>
+          </a:effectRef>
+          <a:fontRef idx="minor">
+            <a:schemeClr val="lt1"/>
+          </a:fontRef>
+        </p:style>
+        <p:txBody>
+          <a:bodyPr rtlCol="0" anchor="ctr"/>
+          <a:p>
+            <a:pPr algn="ctr"/>
+            <a:r>
+              <a:rPr lang="en-US" b="1">
+                <a:solidFill>
+                  <a:schemeClr val="tx1"/>
+                </a:solidFill>
+              </a:rPr>
+              <a:t>データ</a:t>
+            </a:r>
+            <a:r>
+              <a:rPr lang="ja-JP" altLang="en-US" b="1">
+                <a:solidFill>
+                  <a:schemeClr val="tx1"/>
+                </a:solidFill>
+              </a:rPr>
+              <a:t>４</a:t>
+            </a:r>
+            <a:endParaRPr lang="ja-JP" altLang="en-US" b="1">
+              <a:solidFill>
+                <a:schemeClr val="tx1"/>
+              </a:solidFill>
+            </a:endParaRPr>
+          </a:p>
+        </p:txBody>
+      </p:sp>
+      <p:sp>
+        <p:nvSpPr>
+          <p:cNvPr id="20" name="Bent Arrow 19"/>
+          <p:cNvSpPr/>
+          <p:nvPr/>
+        </p:nvSpPr>
+        <p:spPr>
+          <a:xfrm>
+            <a:off x="3395980" y="2105660"/>
+            <a:ext cx="721995" cy="1410970"/>
+          </a:xfrm>
+          <a:prstGeom prst="bentArrow">
+            <a:avLst>
+              <a:gd name="adj1" fmla="val 25000"/>
+              <a:gd name="adj2" fmla="val 26441"/>
+              <a:gd name="adj3" fmla="val 25000"/>
+              <a:gd name="adj4" fmla="val 43750"/>
+            </a:avLst>
+          </a:prstGeom>
+          <a:solidFill>
+            <a:srgbClr val="FFC000"/>
+          </a:solidFill>
+          <a:ln>
+            <a:solidFill>
+              <a:srgbClr val="ED7D31"/>
+            </a:solidFill>
+          </a:ln>
+        </p:spPr>
+        <p:style>
+          <a:lnRef idx="3">
+            <a:schemeClr val="lt1"/>
+          </a:lnRef>
+          <a:fillRef idx="1">
+            <a:schemeClr val="accent1"/>
+          </a:fillRef>
+          <a:effectRef idx="1">
+            <a:schemeClr val="accent1"/>
+          </a:effectRef>
+          <a:fontRef idx="minor">
+            <a:schemeClr val="lt1"/>
+          </a:fontRef>
+        </p:style>
+        <p:txBody>
+          <a:bodyPr rtlCol="0" anchor="ctr"/>
+          <a:p>
+            <a:pPr algn="ctr"/>
+            <a:endParaRPr lang="en-US">
+              <a:solidFill>
+                <a:schemeClr val="tx1"/>
+              </a:solidFill>
+            </a:endParaRPr>
+          </a:p>
+        </p:txBody>
+      </p:sp>
+      <p:sp>
+        <p:nvSpPr>
+          <p:cNvPr id="21" name="Rectangles 20"/>
+          <p:cNvSpPr/>
+          <p:nvPr/>
+        </p:nvSpPr>
+        <p:spPr>
+          <a:xfrm>
+            <a:off x="4185285" y="2105660"/>
+            <a:ext cx="1637030" cy="419100"/>
+          </a:xfrm>
+          <a:prstGeom prst="rect">
+            <a:avLst/>
+          </a:prstGeom>
+          <a:solidFill>
+            <a:srgbClr val="92D050"/>
+          </a:solidFill>
+          <a:ln>
+            <a:noFill/>
+          </a:ln>
+        </p:spPr>
+        <p:style>
+          <a:lnRef idx="3">
+            <a:schemeClr val="lt1"/>
+          </a:lnRef>
+          <a:fillRef idx="1">
+            <a:schemeClr val="accent6"/>
+          </a:fillRef>
+          <a:effectRef idx="1">
+            <a:schemeClr val="accent6"/>
+          </a:effectRef>
+          <a:fontRef idx="minor">
+            <a:schemeClr val="lt1"/>
+          </a:fontRef>
+        </p:style>
+        <p:txBody>
+          <a:bodyPr rtlCol="0" anchor="ctr"/>
+          <a:p>
+            <a:pPr algn="ctr"/>
+            <a:r>
+              <a:rPr lang="en-US" b="1">
+                <a:solidFill>
+                  <a:schemeClr val="tx1"/>
+                </a:solidFill>
+              </a:rPr>
+              <a:t>データ</a:t>
+            </a:r>
+            <a:r>
+              <a:rPr lang="ja-JP" altLang="en-US" b="1">
+                <a:solidFill>
+                  <a:schemeClr val="tx1"/>
+                </a:solidFill>
+              </a:rPr>
+              <a:t>４</a:t>
+            </a:r>
+            <a:endParaRPr lang="ja-JP" altLang="en-US" b="1">
+              <a:solidFill>
+                <a:schemeClr val="tx1"/>
+              </a:solidFill>
+            </a:endParaRPr>
+          </a:p>
+        </p:txBody>
+      </p:sp>
+      <p:sp>
+        <p:nvSpPr>
+          <p:cNvPr id="23" name="Rounded Rectangle 22"/>
+          <p:cNvSpPr/>
+          <p:nvPr/>
+        </p:nvSpPr>
+        <p:spPr>
+          <a:xfrm>
+            <a:off x="5999480" y="2707640"/>
+            <a:ext cx="2135505" cy="3240405"/>
+          </a:xfrm>
+          <a:prstGeom prst="roundRect">
+            <a:avLst>
+              <a:gd name="adj" fmla="val 7345"/>
+            </a:avLst>
+          </a:prstGeom>
+          <a:ln w="76200"/>
+        </p:spPr>
+        <p:style>
+          <a:lnRef idx="2">
+            <a:schemeClr val="accent1"/>
+          </a:lnRef>
+          <a:fillRef idx="1">
+            <a:schemeClr val="lt1"/>
+          </a:fillRef>
+          <a:effectRef idx="0">
+            <a:schemeClr val="accent1"/>
+          </a:effectRef>
+          <a:fontRef idx="minor">
+            <a:schemeClr val="dk1"/>
+          </a:fontRef>
+        </p:style>
+        <p:txBody>
+          <a:bodyPr rtlCol="0" anchor="ctr"/>
+          <a:p>
+            <a:pPr algn="ctr"/>
+            <a:endParaRPr lang="en-US"/>
+          </a:p>
+        </p:txBody>
+      </p:sp>
+      <p:sp>
+        <p:nvSpPr>
+          <p:cNvPr id="24" name="Rectangles 23"/>
+          <p:cNvSpPr/>
+          <p:nvPr/>
+        </p:nvSpPr>
+        <p:spPr>
+          <a:xfrm>
+            <a:off x="6066155" y="5394960"/>
+            <a:ext cx="1981835" cy="419100"/>
+          </a:xfrm>
+          <a:prstGeom prst="rect">
+            <a:avLst/>
+          </a:prstGeom>
+          <a:noFill/>
+          <a:ln w="22225">
             <a:solidFill>
               <a:srgbClr val="92D050"/>
             </a:solidFill>
-            <a:ln>
-              <a:noFill/>
-            </a:ln>
-          </p:spPr>
-          <p:style>
-            <a:lnRef idx="2">
-              <a:schemeClr val="accent1">
-                <a:shade val="50000"/>
-              </a:schemeClr>
-            </a:lnRef>
-            <a:fillRef idx="1">
-              <a:schemeClr val="accent1"/>
-            </a:fillRef>
-            <a:effectRef idx="0">
-              <a:schemeClr val="accent1"/>
-            </a:effectRef>
-            <a:fontRef idx="minor">
-              <a:schemeClr val="lt1"/>
-            </a:fontRef>
-          </p:style>
-          <p:txBody>
-            <a:bodyPr rtlCol="0" anchor="ctr"/>
-            <a:p>
-              <a:pPr algn="ctr"/>
-              <a:endParaRPr lang="en-US"/>
-            </a:p>
-          </p:txBody>
-        </p:sp>
-        <p:sp>
-          <p:nvSpPr>
-            <p:cNvPr id="24" name="Text Box 23"/>
-            <p:cNvSpPr txBox="1"/>
-            <p:nvPr/>
-          </p:nvSpPr>
-          <p:spPr>
-            <a:xfrm>
-              <a:off x="15315" y="5905"/>
-              <a:ext cx="1447" cy="628"/>
-            </a:xfrm>
-            <a:prstGeom prst="rect">
-              <a:avLst/>
-            </a:prstGeom>
+            <a:prstDash val="sysDash"/>
+          </a:ln>
+          <a:extLst>
+            <a:ext uri="{909E8E84-426E-40DD-AFC4-6F175D3DCCD1}">
+              <a14:hiddenFill xmlns:a14="http://schemas.microsoft.com/office/drawing/2010/main">
+                <a:solidFill>
+                  <a:srgbClr val="92D050"/>
+                </a:solidFill>
+              </a14:hiddenFill>
+            </a:ext>
+          </a:extLst>
+        </p:spPr>
+        <p:style>
+          <a:lnRef idx="3">
+            <a:schemeClr val="lt1"/>
+          </a:lnRef>
+          <a:fillRef idx="1">
+            <a:schemeClr val="accent6"/>
+          </a:fillRef>
+          <a:effectRef idx="1">
+            <a:schemeClr val="accent6"/>
+          </a:effectRef>
+          <a:fontRef idx="minor">
+            <a:schemeClr val="lt1"/>
+          </a:fontRef>
+        </p:style>
+        <p:txBody>
+          <a:bodyPr rtlCol="0" anchor="ctr"/>
+          <a:p>
+            <a:pPr algn="ctr"/>
+            <a:r>
+              <a:rPr lang="en-US" b="1">
+                <a:solidFill>
+                  <a:schemeClr val="tx1"/>
+                </a:solidFill>
+              </a:rPr>
+              <a:t>データ１</a:t>
+            </a:r>
+            <a:endParaRPr lang="en-US" b="1">
+              <a:solidFill>
+                <a:schemeClr val="tx1"/>
+              </a:solidFill>
+            </a:endParaRPr>
+          </a:p>
+        </p:txBody>
+      </p:sp>
+      <p:sp>
+        <p:nvSpPr>
+          <p:cNvPr id="25" name="Rectangles 24"/>
+          <p:cNvSpPr/>
+          <p:nvPr/>
+        </p:nvSpPr>
+        <p:spPr>
+          <a:xfrm>
+            <a:off x="6066155" y="4937760"/>
+            <a:ext cx="1981835" cy="419100"/>
+          </a:xfrm>
+          <a:prstGeom prst="rect">
+            <a:avLst/>
+          </a:prstGeom>
+          <a:solidFill>
+            <a:srgbClr val="92D050"/>
+          </a:solidFill>
+        </p:spPr>
+        <p:style>
+          <a:lnRef idx="3">
+            <a:schemeClr val="lt1"/>
+          </a:lnRef>
+          <a:fillRef idx="1">
+            <a:schemeClr val="accent6"/>
+          </a:fillRef>
+          <a:effectRef idx="1">
+            <a:schemeClr val="accent6"/>
+          </a:effectRef>
+          <a:fontRef idx="minor">
+            <a:schemeClr val="lt1"/>
+          </a:fontRef>
+        </p:style>
+        <p:txBody>
+          <a:bodyPr rtlCol="0" anchor="ctr"/>
+          <a:p>
+            <a:pPr algn="ctr"/>
+            <a:r>
+              <a:rPr lang="en-US" b="1">
+                <a:solidFill>
+                  <a:schemeClr val="tx1"/>
+                </a:solidFill>
+              </a:rPr>
+              <a:t>データ</a:t>
+            </a:r>
+            <a:r>
+              <a:rPr lang="ja-JP" altLang="en-US" b="1">
+                <a:solidFill>
+                  <a:schemeClr val="tx1"/>
+                </a:solidFill>
+              </a:rPr>
+              <a:t>２</a:t>
+            </a:r>
+            <a:endParaRPr lang="ja-JP" altLang="en-US" b="1">
+              <a:solidFill>
+                <a:schemeClr val="tx1"/>
+              </a:solidFill>
+            </a:endParaRPr>
+          </a:p>
+        </p:txBody>
+      </p:sp>
+      <p:sp>
+        <p:nvSpPr>
+          <p:cNvPr id="26" name="Rectangles 25"/>
+          <p:cNvSpPr/>
+          <p:nvPr/>
+        </p:nvSpPr>
+        <p:spPr>
+          <a:xfrm>
+            <a:off x="6066155" y="4480560"/>
+            <a:ext cx="1981835" cy="419100"/>
+          </a:xfrm>
+          <a:prstGeom prst="rect">
+            <a:avLst/>
+          </a:prstGeom>
+          <a:solidFill>
+            <a:srgbClr val="92D050"/>
+          </a:solidFill>
+          <a:ln>
             <a:noFill/>
-          </p:spPr>
-          <p:txBody>
-            <a:bodyPr wrap="square" rtlCol="0">
-              <a:spAutoFit/>
-            </a:bodyPr>
-            <a:p>
-              <a:r>
-                <a:rPr lang="en-US" sz="2000" b="1">
-                  <a:latin typeface="DejaVu Sans" panose="020B0603030804020204" charset="0"/>
-                  <a:cs typeface="DejaVu Sans" panose="020B0603030804020204" charset="0"/>
-                </a:rPr>
-                <a:t>TEST</a:t>
-              </a:r>
-              <a:endParaRPr lang="en-US" sz="2000" b="1">
-                <a:latin typeface="DejaVu Sans" panose="020B0603030804020204" charset="0"/>
-                <a:cs typeface="DejaVu Sans" panose="020B0603030804020204" charset="0"/>
-              </a:endParaRPr>
-            </a:p>
-          </p:txBody>
-        </p:sp>
-      </p:grpSp>
+          </a:ln>
+        </p:spPr>
+        <p:style>
+          <a:lnRef idx="3">
+            <a:schemeClr val="lt1"/>
+          </a:lnRef>
+          <a:fillRef idx="1">
+            <a:schemeClr val="accent6"/>
+          </a:fillRef>
+          <a:effectRef idx="1">
+            <a:schemeClr val="accent6"/>
+          </a:effectRef>
+          <a:fontRef idx="minor">
+            <a:schemeClr val="lt1"/>
+          </a:fontRef>
+        </p:style>
+        <p:txBody>
+          <a:bodyPr rtlCol="0" anchor="ctr"/>
+          <a:p>
+            <a:pPr algn="ctr"/>
+            <a:r>
+              <a:rPr lang="en-US" b="1">
+                <a:solidFill>
+                  <a:schemeClr val="tx1"/>
+                </a:solidFill>
+              </a:rPr>
+              <a:t>データ</a:t>
+            </a:r>
+            <a:r>
+              <a:rPr lang="ja-JP" altLang="en-US" b="1">
+                <a:solidFill>
+                  <a:schemeClr val="tx1"/>
+                </a:solidFill>
+              </a:rPr>
+              <a:t>３</a:t>
+            </a:r>
+            <a:endParaRPr lang="ja-JP" altLang="en-US" b="1">
+              <a:solidFill>
+                <a:schemeClr val="tx1"/>
+              </a:solidFill>
+            </a:endParaRPr>
+          </a:p>
+        </p:txBody>
+      </p:sp>
+      <p:sp>
+        <p:nvSpPr>
+          <p:cNvPr id="27" name="Rectangles 26"/>
+          <p:cNvSpPr/>
+          <p:nvPr/>
+        </p:nvSpPr>
+        <p:spPr>
+          <a:xfrm>
+            <a:off x="6066155" y="3982085"/>
+            <a:ext cx="1981835" cy="419100"/>
+          </a:xfrm>
+          <a:prstGeom prst="rect">
+            <a:avLst/>
+          </a:prstGeom>
+          <a:solidFill>
+            <a:srgbClr val="92D050"/>
+          </a:solidFill>
+          <a:ln>
+            <a:noFill/>
+            <a:prstDash val="sysDash"/>
+          </a:ln>
+        </p:spPr>
+        <p:style>
+          <a:lnRef idx="3">
+            <a:schemeClr val="lt1"/>
+          </a:lnRef>
+          <a:fillRef idx="1">
+            <a:schemeClr val="accent6"/>
+          </a:fillRef>
+          <a:effectRef idx="1">
+            <a:schemeClr val="accent6"/>
+          </a:effectRef>
+          <a:fontRef idx="minor">
+            <a:schemeClr val="lt1"/>
+          </a:fontRef>
+        </p:style>
+        <p:txBody>
+          <a:bodyPr rtlCol="0" anchor="ctr"/>
+          <a:p>
+            <a:pPr algn="ctr"/>
+            <a:r>
+              <a:rPr lang="en-US" b="1">
+                <a:solidFill>
+                  <a:schemeClr val="tx1"/>
+                </a:solidFill>
+              </a:rPr>
+              <a:t>データ</a:t>
+            </a:r>
+            <a:r>
+              <a:rPr lang="ja-JP" altLang="en-US" b="1">
+                <a:solidFill>
+                  <a:schemeClr val="tx1"/>
+                </a:solidFill>
+              </a:rPr>
+              <a:t>４</a:t>
+            </a:r>
+            <a:endParaRPr lang="ja-JP" altLang="en-US" b="1">
+              <a:solidFill>
+                <a:schemeClr val="tx1"/>
+              </a:solidFill>
+            </a:endParaRPr>
+          </a:p>
+        </p:txBody>
+      </p:sp>
+      <p:sp>
+        <p:nvSpPr>
+          <p:cNvPr id="28" name="Bent Arrow 27"/>
+          <p:cNvSpPr/>
+          <p:nvPr/>
+        </p:nvSpPr>
+        <p:spPr>
+          <a:xfrm rot="5400000">
+            <a:off x="5603875" y="2512060"/>
+            <a:ext cx="1303655" cy="704850"/>
+          </a:xfrm>
+          <a:prstGeom prst="bentArrow">
+            <a:avLst/>
+          </a:prstGeom>
+          <a:solidFill>
+            <a:srgbClr val="FFC000"/>
+          </a:solidFill>
+          <a:ln>
+            <a:solidFill>
+              <a:srgbClr val="ED7D31"/>
+            </a:solidFill>
+          </a:ln>
+        </p:spPr>
+        <p:style>
+          <a:lnRef idx="3">
+            <a:schemeClr val="lt1"/>
+          </a:lnRef>
+          <a:fillRef idx="1">
+            <a:schemeClr val="accent1"/>
+          </a:fillRef>
+          <a:effectRef idx="1">
+            <a:schemeClr val="accent1"/>
+          </a:effectRef>
+          <a:fontRef idx="minor">
+            <a:schemeClr val="lt1"/>
+          </a:fontRef>
+        </p:style>
+        <p:txBody>
+          <a:bodyPr rtlCol="0" anchor="ctr"/>
+          <a:p>
+            <a:pPr algn="ctr"/>
+            <a:endParaRPr lang="en-US">
+              <a:solidFill>
+                <a:schemeClr val="tx1"/>
+              </a:solidFill>
+            </a:endParaRPr>
+          </a:p>
+        </p:txBody>
+      </p:sp>
+      <p:sp>
+        <p:nvSpPr>
+          <p:cNvPr id="29" name="Bent Arrow 28"/>
+          <p:cNvSpPr/>
+          <p:nvPr/>
+        </p:nvSpPr>
+        <p:spPr>
+          <a:xfrm rot="10800000" flipH="1">
+            <a:off x="7672070" y="5759450"/>
+            <a:ext cx="1036320" cy="704850"/>
+          </a:xfrm>
+          <a:prstGeom prst="bentArrow">
+            <a:avLst/>
+          </a:prstGeom>
+          <a:solidFill>
+            <a:srgbClr val="FFC000"/>
+          </a:solidFill>
+          <a:ln>
+            <a:solidFill>
+              <a:srgbClr val="ED7D31"/>
+            </a:solidFill>
+          </a:ln>
+        </p:spPr>
+        <p:style>
+          <a:lnRef idx="3">
+            <a:schemeClr val="lt1"/>
+          </a:lnRef>
+          <a:fillRef idx="1">
+            <a:schemeClr val="accent1"/>
+          </a:fillRef>
+          <a:effectRef idx="1">
+            <a:schemeClr val="accent1"/>
+          </a:effectRef>
+          <a:fontRef idx="minor">
+            <a:schemeClr val="lt1"/>
+          </a:fontRef>
+        </p:style>
+        <p:txBody>
+          <a:bodyPr rtlCol="0" anchor="ctr"/>
+          <a:p>
+            <a:pPr algn="ctr"/>
+            <a:endParaRPr lang="en-US">
+              <a:solidFill>
+                <a:schemeClr val="tx1"/>
+              </a:solidFill>
+            </a:endParaRPr>
+          </a:p>
+        </p:txBody>
+      </p:sp>
+      <p:sp>
+        <p:nvSpPr>
+          <p:cNvPr id="30" name="Rectangles 29"/>
+          <p:cNvSpPr/>
+          <p:nvPr/>
+        </p:nvSpPr>
+        <p:spPr>
+          <a:xfrm>
+            <a:off x="8769350" y="6096000"/>
+            <a:ext cx="1809115" cy="419100"/>
+          </a:xfrm>
+          <a:prstGeom prst="rect">
+            <a:avLst/>
+          </a:prstGeom>
+          <a:solidFill>
+            <a:srgbClr val="92D050"/>
+          </a:solidFill>
+        </p:spPr>
+        <p:style>
+          <a:lnRef idx="3">
+            <a:schemeClr val="lt1"/>
+          </a:lnRef>
+          <a:fillRef idx="1">
+            <a:schemeClr val="accent6"/>
+          </a:fillRef>
+          <a:effectRef idx="1">
+            <a:schemeClr val="accent6"/>
+          </a:effectRef>
+          <a:fontRef idx="minor">
+            <a:schemeClr val="lt1"/>
+          </a:fontRef>
+        </p:style>
+        <p:txBody>
+          <a:bodyPr rtlCol="0" anchor="ctr"/>
+          <a:p>
+            <a:pPr algn="ctr"/>
+            <a:r>
+              <a:rPr lang="en-US" b="1">
+                <a:solidFill>
+                  <a:schemeClr val="tx1"/>
+                </a:solidFill>
+              </a:rPr>
+              <a:t>データ１</a:t>
+            </a:r>
+            <a:endParaRPr lang="en-US" b="1">
+              <a:solidFill>
+                <a:schemeClr val="tx1"/>
+              </a:solidFill>
+            </a:endParaRPr>
+          </a:p>
+        </p:txBody>
+      </p:sp>
     </p:spTree>
   </p:cSld>
   <p:clrMapOvr>
@@ -7762,648 +8299,3036 @@
           </a:p>
         </p:txBody>
       </p:sp>
-      <p:grpSp>
-        <p:nvGrpSpPr>
-          <p:cNvPr id="3" name="Group 2"/>
-          <p:cNvGrpSpPr/>
+      <p:sp>
+        <p:nvSpPr>
+          <p:cNvPr id="71" name="Oval 70"/>
+          <p:cNvSpPr/>
           <p:nvPr/>
-        </p:nvGrpSpPr>
-        <p:grpSpPr>
+        </p:nvSpPr>
+        <p:spPr>
           <a:xfrm>
-            <a:off x="1371600" y="3402330"/>
-            <a:ext cx="9719310" cy="1962150"/>
-            <a:chOff x="2160" y="5358"/>
-            <a:chExt cx="15306" cy="3090"/>
+            <a:off x="2023110" y="2094865"/>
+            <a:ext cx="365760" cy="365760"/>
           </a:xfrm>
-        </p:grpSpPr>
-        <p:grpSp>
-          <p:nvGrpSpPr>
-            <p:cNvPr id="33" name="Group 32"/>
-            <p:cNvGrpSpPr/>
-            <p:nvPr/>
-          </p:nvGrpSpPr>
-          <p:grpSpPr>
-            <a:xfrm>
-              <a:off x="2160" y="5358"/>
-              <a:ext cx="15307" cy="3091"/>
-              <a:chOff x="2160" y="5358"/>
-              <a:chExt cx="15307" cy="3091"/>
-            </a:xfrm>
-          </p:grpSpPr>
-          <p:sp>
-            <p:nvSpPr>
-              <p:cNvPr id="5" name="Rounded Rectangle 4"/>
-              <p:cNvSpPr/>
-              <p:nvPr/>
-            </p:nvSpPr>
-            <p:spPr>
-              <a:xfrm>
-                <a:off x="2438" y="5358"/>
-                <a:ext cx="14324" cy="1722"/>
-              </a:xfrm>
-              <a:prstGeom prst="roundRect">
-                <a:avLst>
-                  <a:gd name="adj" fmla="val 11033"/>
-                </a:avLst>
-              </a:prstGeom>
+          <a:prstGeom prst="ellipse">
+            <a:avLst/>
+          </a:prstGeom>
+          <a:solidFill>
+            <a:schemeClr val="bg1"/>
+          </a:solidFill>
+          <a:ln>
+            <a:solidFill>
+              <a:schemeClr val="tx1"/>
+            </a:solidFill>
+          </a:ln>
+        </p:spPr>
+        <p:style>
+          <a:lnRef idx="2">
+            <a:schemeClr val="accent1">
+              <a:shade val="50000"/>
+            </a:schemeClr>
+          </a:lnRef>
+          <a:fillRef idx="1">
+            <a:schemeClr val="accent1"/>
+          </a:fillRef>
+          <a:effectRef idx="0">
+            <a:schemeClr val="accent1"/>
+          </a:effectRef>
+          <a:fontRef idx="minor">
+            <a:schemeClr val="lt1"/>
+          </a:fontRef>
+        </p:style>
+        <p:txBody>
+          <a:bodyPr rtlCol="0" anchor="ctr"/>
+          <a:p>
+            <a:pPr algn="ctr"/>
+            <a:r>
+              <a:rPr lang="en-US" sz="2000">
+                <a:solidFill>
+                  <a:schemeClr val="tx1"/>
+                </a:solidFill>
+              </a:rPr>
+              <a:t>1</a:t>
+            </a:r>
+            <a:endParaRPr lang="en-US" sz="2000">
               <a:solidFill>
-                <a:schemeClr val="accent1">
-                  <a:lumMod val="40000"/>
-                  <a:lumOff val="60000"/>
-                </a:schemeClr>
+                <a:schemeClr val="tx1"/>
               </a:solidFill>
-              <a:ln>
-                <a:noFill/>
-              </a:ln>
-            </p:spPr>
-            <p:style>
-              <a:lnRef idx="1">
+            </a:endParaRPr>
+          </a:p>
+        </p:txBody>
+      </p:sp>
+      <p:sp>
+        <p:nvSpPr>
+          <p:cNvPr id="6" name="Rectangles 5"/>
+          <p:cNvSpPr/>
+          <p:nvPr/>
+        </p:nvSpPr>
+        <p:spPr>
+          <a:xfrm>
+            <a:off x="786130" y="5712460"/>
+            <a:ext cx="1236980" cy="357505"/>
+          </a:xfrm>
+          <a:prstGeom prst="rect">
+            <a:avLst/>
+          </a:prstGeom>
+          <a:solidFill>
+            <a:schemeClr val="bg1"/>
+          </a:solidFill>
+          <a:ln>
+            <a:solidFill>
+              <a:schemeClr val="tx1"/>
+            </a:solidFill>
+          </a:ln>
+        </p:spPr>
+        <p:style>
+          <a:lnRef idx="2">
+            <a:schemeClr val="accent1">
+              <a:shade val="50000"/>
+            </a:schemeClr>
+          </a:lnRef>
+          <a:fillRef idx="1">
+            <a:schemeClr val="accent1"/>
+          </a:fillRef>
+          <a:effectRef idx="0">
+            <a:schemeClr val="accent1"/>
+          </a:effectRef>
+          <a:fontRef idx="minor">
+            <a:schemeClr val="lt1"/>
+          </a:fontRef>
+        </p:style>
+        <p:txBody>
+          <a:bodyPr rtlCol="0" anchor="ctr"/>
+          <a:p>
+            <a:pPr algn="ctr"/>
+            <a:r>
+              <a:rPr lang="en-US">
+                <a:solidFill>
+                  <a:srgbClr val="FF0000"/>
+                </a:solidFill>
+              </a:rPr>
+              <a:t>1</a:t>
+            </a:r>
+            <a:endParaRPr lang="en-US">
+              <a:solidFill>
+                <a:srgbClr val="FF0000"/>
+              </a:solidFill>
+            </a:endParaRPr>
+          </a:p>
+        </p:txBody>
+      </p:sp>
+      <p:sp>
+        <p:nvSpPr>
+          <p:cNvPr id="9" name="Oval 8"/>
+          <p:cNvSpPr/>
+          <p:nvPr/>
+        </p:nvSpPr>
+        <p:spPr>
+          <a:xfrm>
+            <a:off x="5327015" y="2094865"/>
+            <a:ext cx="365760" cy="365760"/>
+          </a:xfrm>
+          <a:prstGeom prst="ellipse">
+            <a:avLst/>
+          </a:prstGeom>
+          <a:ln>
+            <a:solidFill>
+              <a:srgbClr val="FF0000"/>
+            </a:solidFill>
+          </a:ln>
+        </p:spPr>
+        <p:style>
+          <a:lnRef idx="2">
+            <a:schemeClr val="accent2"/>
+          </a:lnRef>
+          <a:fillRef idx="1">
+            <a:schemeClr val="lt1"/>
+          </a:fillRef>
+          <a:effectRef idx="0">
+            <a:schemeClr val="accent2"/>
+          </a:effectRef>
+          <a:fontRef idx="minor">
+            <a:schemeClr val="dk1"/>
+          </a:fontRef>
+        </p:style>
+        <p:txBody>
+          <a:bodyPr rtlCol="0" anchor="ctr"/>
+          <a:p>
+            <a:pPr algn="ctr"/>
+            <a:r>
+              <a:rPr lang="en-US" sz="2000">
+                <a:solidFill>
+                  <a:schemeClr val="tx1"/>
+                </a:solidFill>
+              </a:rPr>
+              <a:t>1</a:t>
+            </a:r>
+            <a:endParaRPr lang="en-US" sz="2000">
+              <a:solidFill>
+                <a:schemeClr val="tx1"/>
+              </a:solidFill>
+            </a:endParaRPr>
+          </a:p>
+        </p:txBody>
+      </p:sp>
+      <p:sp>
+        <p:nvSpPr>
+          <p:cNvPr id="10" name="Oval 9"/>
+          <p:cNvSpPr/>
+          <p:nvPr/>
+        </p:nvSpPr>
+        <p:spPr>
+          <a:xfrm>
+            <a:off x="4462780" y="3246120"/>
+            <a:ext cx="365760" cy="365760"/>
+          </a:xfrm>
+          <a:prstGeom prst="ellipse">
+            <a:avLst/>
+          </a:prstGeom>
+          <a:solidFill>
+            <a:schemeClr val="bg1"/>
+          </a:solidFill>
+          <a:ln>
+            <a:solidFill>
+              <a:schemeClr val="tx1"/>
+            </a:solidFill>
+          </a:ln>
+        </p:spPr>
+        <p:style>
+          <a:lnRef idx="2">
+            <a:schemeClr val="accent1">
+              <a:shade val="50000"/>
+            </a:schemeClr>
+          </a:lnRef>
+          <a:fillRef idx="1">
+            <a:schemeClr val="accent1"/>
+          </a:fillRef>
+          <a:effectRef idx="0">
+            <a:schemeClr val="accent1"/>
+          </a:effectRef>
+          <a:fontRef idx="minor">
+            <a:schemeClr val="lt1"/>
+          </a:fontRef>
+        </p:style>
+        <p:txBody>
+          <a:bodyPr rtlCol="0" anchor="ctr"/>
+          <a:p>
+            <a:pPr algn="ctr"/>
+            <a:r>
+              <a:rPr lang="en-US" sz="2000">
+                <a:solidFill>
+                  <a:schemeClr val="tx1"/>
+                </a:solidFill>
+              </a:rPr>
+              <a:t>2</a:t>
+            </a:r>
+            <a:endParaRPr lang="en-US" sz="2000">
+              <a:solidFill>
+                <a:schemeClr val="tx1"/>
+              </a:solidFill>
+            </a:endParaRPr>
+          </a:p>
+        </p:txBody>
+      </p:sp>
+      <p:sp>
+        <p:nvSpPr>
+          <p:cNvPr id="11" name="Oval 10"/>
+          <p:cNvSpPr/>
+          <p:nvPr/>
+        </p:nvSpPr>
+        <p:spPr>
+          <a:xfrm>
+            <a:off x="6179185" y="3246120"/>
+            <a:ext cx="365760" cy="365760"/>
+          </a:xfrm>
+          <a:prstGeom prst="ellipse">
+            <a:avLst/>
+          </a:prstGeom>
+          <a:solidFill>
+            <a:schemeClr val="bg1"/>
+          </a:solidFill>
+          <a:ln>
+            <a:solidFill>
+              <a:schemeClr val="tx1"/>
+            </a:solidFill>
+          </a:ln>
+        </p:spPr>
+        <p:style>
+          <a:lnRef idx="2">
+            <a:schemeClr val="accent1">
+              <a:shade val="50000"/>
+            </a:schemeClr>
+          </a:lnRef>
+          <a:fillRef idx="1">
+            <a:schemeClr val="accent1"/>
+          </a:fillRef>
+          <a:effectRef idx="0">
+            <a:schemeClr val="accent1"/>
+          </a:effectRef>
+          <a:fontRef idx="minor">
+            <a:schemeClr val="lt1"/>
+          </a:fontRef>
+        </p:style>
+        <p:txBody>
+          <a:bodyPr rtlCol="0" anchor="ctr"/>
+          <a:p>
+            <a:pPr algn="ctr"/>
+            <a:r>
+              <a:rPr lang="en-US" sz="2000">
+                <a:solidFill>
+                  <a:schemeClr val="tx1"/>
+                </a:solidFill>
+              </a:rPr>
+              <a:t>3</a:t>
+            </a:r>
+            <a:endParaRPr lang="en-US" sz="2000">
+              <a:solidFill>
+                <a:schemeClr val="tx1"/>
+              </a:solidFill>
+            </a:endParaRPr>
+          </a:p>
+        </p:txBody>
+      </p:sp>
+      <p:cxnSp>
+        <p:nvCxnSpPr>
+          <p:cNvPr id="13" name="Straight Arrow Connector 12"/>
+          <p:cNvCxnSpPr>
+            <a:stCxn id="9" idx="3"/>
+            <a:endCxn id="10" idx="7"/>
+          </p:cNvCxnSpPr>
+          <p:nvPr/>
+        </p:nvCxnSpPr>
+        <p:spPr>
+          <a:xfrm flipH="1">
+            <a:off x="4775200" y="2407285"/>
+            <a:ext cx="605155" cy="892175"/>
+          </a:xfrm>
+          <a:prstGeom prst="straightConnector1">
+            <a:avLst/>
+          </a:prstGeom>
+          <a:ln w="28575">
+            <a:tailEnd type="arrow"/>
+          </a:ln>
+        </p:spPr>
+        <p:style>
+          <a:lnRef idx="1">
+            <a:schemeClr val="accent1"/>
+          </a:lnRef>
+          <a:fillRef idx="0">
+            <a:schemeClr val="accent1"/>
+          </a:fillRef>
+          <a:effectRef idx="0">
+            <a:schemeClr val="accent1"/>
+          </a:effectRef>
+          <a:fontRef idx="minor">
+            <a:schemeClr val="tx1"/>
+          </a:fontRef>
+        </p:style>
+      </p:cxnSp>
+      <p:cxnSp>
+        <p:nvCxnSpPr>
+          <p:cNvPr id="14" name="Straight Arrow Connector 13"/>
+          <p:cNvCxnSpPr>
+            <a:stCxn id="9" idx="5"/>
+            <a:endCxn id="11" idx="1"/>
+          </p:cNvCxnSpPr>
+          <p:nvPr/>
+        </p:nvCxnSpPr>
+        <p:spPr>
+          <a:xfrm>
+            <a:off x="5639435" y="2407285"/>
+            <a:ext cx="593090" cy="892175"/>
+          </a:xfrm>
+          <a:prstGeom prst="straightConnector1">
+            <a:avLst/>
+          </a:prstGeom>
+          <a:ln w="28575">
+            <a:tailEnd type="arrow"/>
+          </a:ln>
+        </p:spPr>
+        <p:style>
+          <a:lnRef idx="1">
+            <a:schemeClr val="accent1"/>
+          </a:lnRef>
+          <a:fillRef idx="0">
+            <a:schemeClr val="accent1"/>
+          </a:fillRef>
+          <a:effectRef idx="0">
+            <a:schemeClr val="accent1"/>
+          </a:effectRef>
+          <a:fontRef idx="minor">
+            <a:schemeClr val="tx1"/>
+          </a:fontRef>
+        </p:style>
+      </p:cxnSp>
+      <p:sp>
+        <p:nvSpPr>
+          <p:cNvPr id="15" name="Rectangles 14"/>
+          <p:cNvSpPr/>
+          <p:nvPr/>
+        </p:nvSpPr>
+        <p:spPr>
+          <a:xfrm>
+            <a:off x="3896995" y="5712460"/>
+            <a:ext cx="1236980" cy="357505"/>
+          </a:xfrm>
+          <a:prstGeom prst="rect">
+            <a:avLst/>
+          </a:prstGeom>
+          <a:solidFill>
+            <a:schemeClr val="bg1"/>
+          </a:solidFill>
+          <a:ln>
+            <a:solidFill>
+              <a:srgbClr val="00B0F0"/>
+            </a:solidFill>
+          </a:ln>
+        </p:spPr>
+        <p:style>
+          <a:lnRef idx="2">
+            <a:schemeClr val="accent1">
+              <a:shade val="50000"/>
+            </a:schemeClr>
+          </a:lnRef>
+          <a:fillRef idx="1">
+            <a:schemeClr val="accent1"/>
+          </a:fillRef>
+          <a:effectRef idx="0">
+            <a:schemeClr val="accent1"/>
+          </a:effectRef>
+          <a:fontRef idx="minor">
+            <a:schemeClr val="lt1"/>
+          </a:fontRef>
+        </p:style>
+        <p:txBody>
+          <a:bodyPr rtlCol="0" anchor="ctr"/>
+          <a:p>
+            <a:pPr algn="ctr"/>
+            <a:r>
+              <a:rPr lang="en-US">
+                <a:solidFill>
+                  <a:schemeClr val="accent1"/>
+                </a:solidFill>
+              </a:rPr>
+              <a:t>2</a:t>
+            </a:r>
+            <a:endParaRPr lang="en-US">
+              <a:solidFill>
                 <a:schemeClr val="accent1"/>
-              </a:lnRef>
-              <a:fillRef idx="2">
+              </a:solidFill>
+            </a:endParaRPr>
+          </a:p>
+        </p:txBody>
+      </p:sp>
+      <p:sp>
+        <p:nvSpPr>
+          <p:cNvPr id="16" name="Rectangles 15"/>
+          <p:cNvSpPr/>
+          <p:nvPr/>
+        </p:nvSpPr>
+        <p:spPr>
+          <a:xfrm>
+            <a:off x="3896995" y="5354955"/>
+            <a:ext cx="1236980" cy="357505"/>
+          </a:xfrm>
+          <a:prstGeom prst="rect">
+            <a:avLst/>
+          </a:prstGeom>
+          <a:solidFill>
+            <a:schemeClr val="bg1"/>
+          </a:solidFill>
+          <a:ln>
+            <a:solidFill>
+              <a:srgbClr val="00B0F0"/>
+            </a:solidFill>
+          </a:ln>
+        </p:spPr>
+        <p:style>
+          <a:lnRef idx="2">
+            <a:schemeClr val="accent1">
+              <a:shade val="50000"/>
+            </a:schemeClr>
+          </a:lnRef>
+          <a:fillRef idx="1">
+            <a:schemeClr val="accent1"/>
+          </a:fillRef>
+          <a:effectRef idx="0">
+            <a:schemeClr val="accent1"/>
+          </a:effectRef>
+          <a:fontRef idx="minor">
+            <a:schemeClr val="lt1"/>
+          </a:fontRef>
+        </p:style>
+        <p:txBody>
+          <a:bodyPr rtlCol="0" anchor="ctr"/>
+          <a:p>
+            <a:pPr algn="ctr"/>
+            <a:r>
+              <a:rPr lang="en-US">
+                <a:solidFill>
+                  <a:srgbClr val="FF0000"/>
+                </a:solidFill>
+              </a:rPr>
+              <a:t>3</a:t>
+            </a:r>
+            <a:endParaRPr lang="en-US">
+              <a:solidFill>
+                <a:srgbClr val="FF0000"/>
+              </a:solidFill>
+            </a:endParaRPr>
+          </a:p>
+        </p:txBody>
+      </p:sp>
+      <p:sp>
+        <p:nvSpPr>
+          <p:cNvPr id="17" name="Oval 16"/>
+          <p:cNvSpPr/>
+          <p:nvPr/>
+        </p:nvSpPr>
+        <p:spPr>
+          <a:xfrm>
+            <a:off x="9204325" y="2094865"/>
+            <a:ext cx="365760" cy="365760"/>
+          </a:xfrm>
+          <a:prstGeom prst="ellipse">
+            <a:avLst/>
+          </a:prstGeom>
+          <a:ln>
+            <a:solidFill>
+              <a:schemeClr val="tx1"/>
+            </a:solidFill>
+          </a:ln>
+        </p:spPr>
+        <p:style>
+          <a:lnRef idx="2">
+            <a:schemeClr val="accent2"/>
+          </a:lnRef>
+          <a:fillRef idx="1">
+            <a:schemeClr val="lt1"/>
+          </a:fillRef>
+          <a:effectRef idx="0">
+            <a:schemeClr val="accent2"/>
+          </a:effectRef>
+          <a:fontRef idx="minor">
+            <a:schemeClr val="dk1"/>
+          </a:fontRef>
+        </p:style>
+        <p:txBody>
+          <a:bodyPr rtlCol="0" anchor="ctr"/>
+          <a:p>
+            <a:pPr algn="ctr"/>
+            <a:r>
+              <a:rPr lang="en-US" sz="2000">
+                <a:solidFill>
+                  <a:schemeClr val="tx1"/>
+                </a:solidFill>
+              </a:rPr>
+              <a:t>1</a:t>
+            </a:r>
+            <a:endParaRPr lang="en-US" sz="2000">
+              <a:solidFill>
+                <a:schemeClr val="tx1"/>
+              </a:solidFill>
+            </a:endParaRPr>
+          </a:p>
+        </p:txBody>
+      </p:sp>
+      <p:sp>
+        <p:nvSpPr>
+          <p:cNvPr id="18" name="Oval 17"/>
+          <p:cNvSpPr/>
+          <p:nvPr/>
+        </p:nvSpPr>
+        <p:spPr>
+          <a:xfrm>
+            <a:off x="8340090" y="3246120"/>
+            <a:ext cx="365760" cy="365760"/>
+          </a:xfrm>
+          <a:prstGeom prst="ellipse">
+            <a:avLst/>
+          </a:prstGeom>
+          <a:solidFill>
+            <a:schemeClr val="bg1"/>
+          </a:solidFill>
+          <a:ln>
+            <a:solidFill>
+              <a:schemeClr val="tx1"/>
+            </a:solidFill>
+          </a:ln>
+        </p:spPr>
+        <p:style>
+          <a:lnRef idx="2">
+            <a:schemeClr val="accent1">
+              <a:shade val="50000"/>
+            </a:schemeClr>
+          </a:lnRef>
+          <a:fillRef idx="1">
+            <a:schemeClr val="accent1"/>
+          </a:fillRef>
+          <a:effectRef idx="0">
+            <a:schemeClr val="accent1"/>
+          </a:effectRef>
+          <a:fontRef idx="minor">
+            <a:schemeClr val="lt1"/>
+          </a:fontRef>
+        </p:style>
+        <p:txBody>
+          <a:bodyPr rtlCol="0" anchor="ctr"/>
+          <a:p>
+            <a:pPr algn="ctr"/>
+            <a:r>
+              <a:rPr lang="en-US" sz="2000">
+                <a:solidFill>
+                  <a:schemeClr val="tx1"/>
+                </a:solidFill>
+              </a:rPr>
+              <a:t>2</a:t>
+            </a:r>
+            <a:endParaRPr lang="en-US" sz="2000">
+              <a:solidFill>
+                <a:schemeClr val="tx1"/>
+              </a:solidFill>
+            </a:endParaRPr>
+          </a:p>
+        </p:txBody>
+      </p:sp>
+      <p:sp>
+        <p:nvSpPr>
+          <p:cNvPr id="19" name="Oval 18"/>
+          <p:cNvSpPr/>
+          <p:nvPr/>
+        </p:nvSpPr>
+        <p:spPr>
+          <a:xfrm>
+            <a:off x="10056495" y="3246120"/>
+            <a:ext cx="365760" cy="365760"/>
+          </a:xfrm>
+          <a:prstGeom prst="ellipse">
+            <a:avLst/>
+          </a:prstGeom>
+          <a:solidFill>
+            <a:schemeClr val="bg1"/>
+          </a:solidFill>
+          <a:ln>
+            <a:solidFill>
+              <a:srgbClr val="FF0000"/>
+            </a:solidFill>
+          </a:ln>
+        </p:spPr>
+        <p:style>
+          <a:lnRef idx="2">
+            <a:schemeClr val="accent1">
+              <a:shade val="50000"/>
+            </a:schemeClr>
+          </a:lnRef>
+          <a:fillRef idx="1">
+            <a:schemeClr val="accent1"/>
+          </a:fillRef>
+          <a:effectRef idx="0">
+            <a:schemeClr val="accent1"/>
+          </a:effectRef>
+          <a:fontRef idx="minor">
+            <a:schemeClr val="lt1"/>
+          </a:fontRef>
+        </p:style>
+        <p:txBody>
+          <a:bodyPr rtlCol="0" anchor="ctr"/>
+          <a:p>
+            <a:pPr algn="ctr"/>
+            <a:r>
+              <a:rPr lang="en-US" sz="2000">
+                <a:solidFill>
+                  <a:schemeClr val="tx1"/>
+                </a:solidFill>
+              </a:rPr>
+              <a:t>3</a:t>
+            </a:r>
+            <a:endParaRPr lang="en-US" sz="2000">
+              <a:solidFill>
+                <a:schemeClr val="tx1"/>
+              </a:solidFill>
+            </a:endParaRPr>
+          </a:p>
+        </p:txBody>
+      </p:sp>
+      <p:cxnSp>
+        <p:nvCxnSpPr>
+          <p:cNvPr id="20" name="Straight Arrow Connector 19"/>
+          <p:cNvCxnSpPr>
+            <a:stCxn id="17" idx="3"/>
+            <a:endCxn id="18" idx="7"/>
+          </p:cNvCxnSpPr>
+          <p:nvPr/>
+        </p:nvCxnSpPr>
+        <p:spPr>
+          <a:xfrm flipH="1">
+            <a:off x="8652510" y="2407285"/>
+            <a:ext cx="605155" cy="892175"/>
+          </a:xfrm>
+          <a:prstGeom prst="straightConnector1">
+            <a:avLst/>
+          </a:prstGeom>
+          <a:ln w="28575">
+            <a:tailEnd type="arrow"/>
+          </a:ln>
+        </p:spPr>
+        <p:style>
+          <a:lnRef idx="1">
+            <a:schemeClr val="accent1"/>
+          </a:lnRef>
+          <a:fillRef idx="0">
+            <a:schemeClr val="accent1"/>
+          </a:fillRef>
+          <a:effectRef idx="0">
+            <a:schemeClr val="accent1"/>
+          </a:effectRef>
+          <a:fontRef idx="minor">
+            <a:schemeClr val="tx1"/>
+          </a:fontRef>
+        </p:style>
+      </p:cxnSp>
+      <p:cxnSp>
+        <p:nvCxnSpPr>
+          <p:cNvPr id="21" name="Straight Arrow Connector 20"/>
+          <p:cNvCxnSpPr>
+            <a:stCxn id="17" idx="5"/>
+            <a:endCxn id="19" idx="1"/>
+          </p:cNvCxnSpPr>
+          <p:nvPr/>
+        </p:nvCxnSpPr>
+        <p:spPr>
+          <a:xfrm>
+            <a:off x="9516745" y="2407285"/>
+            <a:ext cx="593090" cy="892175"/>
+          </a:xfrm>
+          <a:prstGeom prst="straightConnector1">
+            <a:avLst/>
+          </a:prstGeom>
+          <a:ln w="28575">
+            <a:tailEnd type="arrow"/>
+          </a:ln>
+        </p:spPr>
+        <p:style>
+          <a:lnRef idx="1">
+            <a:schemeClr val="accent1"/>
+          </a:lnRef>
+          <a:fillRef idx="0">
+            <a:schemeClr val="accent1"/>
+          </a:fillRef>
+          <a:effectRef idx="0">
+            <a:schemeClr val="accent1"/>
+          </a:effectRef>
+          <a:fontRef idx="minor">
+            <a:schemeClr val="tx1"/>
+          </a:fontRef>
+        </p:style>
+      </p:cxnSp>
+      <p:cxnSp>
+        <p:nvCxnSpPr>
+          <p:cNvPr id="22" name="Straight Arrow Connector 21"/>
+          <p:cNvCxnSpPr>
+            <a:stCxn id="19" idx="3"/>
+          </p:cNvCxnSpPr>
+          <p:nvPr/>
+        </p:nvCxnSpPr>
+        <p:spPr>
+          <a:xfrm flipH="1">
+            <a:off x="9483725" y="3558540"/>
+            <a:ext cx="626110" cy="998855"/>
+          </a:xfrm>
+          <a:prstGeom prst="straightConnector1">
+            <a:avLst/>
+          </a:prstGeom>
+          <a:ln w="28575">
+            <a:tailEnd type="arrow"/>
+          </a:ln>
+        </p:spPr>
+        <p:style>
+          <a:lnRef idx="1">
+            <a:schemeClr val="accent1"/>
+          </a:lnRef>
+          <a:fillRef idx="0">
+            <a:schemeClr val="accent1"/>
+          </a:fillRef>
+          <a:effectRef idx="0">
+            <a:schemeClr val="accent1"/>
+          </a:effectRef>
+          <a:fontRef idx="minor">
+            <a:schemeClr val="tx1"/>
+          </a:fontRef>
+        </p:style>
+      </p:cxnSp>
+      <p:sp>
+        <p:nvSpPr>
+          <p:cNvPr id="23" name="Oval 22"/>
+          <p:cNvSpPr/>
+          <p:nvPr/>
+        </p:nvSpPr>
+        <p:spPr>
+          <a:xfrm>
+            <a:off x="9204325" y="4557395"/>
+            <a:ext cx="365760" cy="365760"/>
+          </a:xfrm>
+          <a:prstGeom prst="ellipse">
+            <a:avLst/>
+          </a:prstGeom>
+          <a:solidFill>
+            <a:schemeClr val="bg1"/>
+          </a:solidFill>
+          <a:ln>
+            <a:solidFill>
+              <a:schemeClr val="tx1"/>
+            </a:solidFill>
+          </a:ln>
+        </p:spPr>
+        <p:style>
+          <a:lnRef idx="2">
+            <a:schemeClr val="accent1">
+              <a:shade val="50000"/>
+            </a:schemeClr>
+          </a:lnRef>
+          <a:fillRef idx="1">
+            <a:schemeClr val="accent1"/>
+          </a:fillRef>
+          <a:effectRef idx="0">
+            <a:schemeClr val="accent1"/>
+          </a:effectRef>
+          <a:fontRef idx="minor">
+            <a:schemeClr val="lt1"/>
+          </a:fontRef>
+        </p:style>
+        <p:txBody>
+          <a:bodyPr rtlCol="0" anchor="ctr"/>
+          <a:p>
+            <a:pPr algn="ctr"/>
+            <a:r>
+              <a:rPr lang="en-US" sz="2000">
+                <a:solidFill>
+                  <a:schemeClr val="tx1"/>
+                </a:solidFill>
+              </a:rPr>
+              <a:t>4</a:t>
+            </a:r>
+            <a:endParaRPr lang="en-US" sz="2000">
+              <a:solidFill>
+                <a:schemeClr val="tx1"/>
+              </a:solidFill>
+            </a:endParaRPr>
+          </a:p>
+        </p:txBody>
+      </p:sp>
+      <p:cxnSp>
+        <p:nvCxnSpPr>
+          <p:cNvPr id="24" name="Straight Arrow Connector 23"/>
+          <p:cNvCxnSpPr>
+            <a:stCxn id="19" idx="5"/>
+            <a:endCxn id="25" idx="1"/>
+          </p:cNvCxnSpPr>
+          <p:nvPr/>
+        </p:nvCxnSpPr>
+        <p:spPr>
+          <a:xfrm>
+            <a:off x="10368915" y="3558540"/>
+            <a:ext cx="699770" cy="1052195"/>
+          </a:xfrm>
+          <a:prstGeom prst="straightConnector1">
+            <a:avLst/>
+          </a:prstGeom>
+          <a:ln w="28575">
+            <a:tailEnd type="arrow"/>
+          </a:ln>
+        </p:spPr>
+        <p:style>
+          <a:lnRef idx="1">
+            <a:schemeClr val="accent1"/>
+          </a:lnRef>
+          <a:fillRef idx="0">
+            <a:schemeClr val="accent1"/>
+          </a:fillRef>
+          <a:effectRef idx="0">
+            <a:schemeClr val="accent1"/>
+          </a:effectRef>
+          <a:fontRef idx="minor">
+            <a:schemeClr val="tx1"/>
+          </a:fontRef>
+        </p:style>
+      </p:cxnSp>
+      <p:sp>
+        <p:nvSpPr>
+          <p:cNvPr id="25" name="Oval 24"/>
+          <p:cNvSpPr/>
+          <p:nvPr/>
+        </p:nvSpPr>
+        <p:spPr>
+          <a:xfrm>
+            <a:off x="11015345" y="4557395"/>
+            <a:ext cx="365760" cy="365760"/>
+          </a:xfrm>
+          <a:prstGeom prst="ellipse">
+            <a:avLst/>
+          </a:prstGeom>
+          <a:solidFill>
+            <a:schemeClr val="bg1"/>
+          </a:solidFill>
+          <a:ln>
+            <a:solidFill>
+              <a:schemeClr val="tx1"/>
+            </a:solidFill>
+          </a:ln>
+        </p:spPr>
+        <p:style>
+          <a:lnRef idx="2">
+            <a:schemeClr val="accent1">
+              <a:shade val="50000"/>
+            </a:schemeClr>
+          </a:lnRef>
+          <a:fillRef idx="1">
+            <a:schemeClr val="accent1"/>
+          </a:fillRef>
+          <a:effectRef idx="0">
+            <a:schemeClr val="accent1"/>
+          </a:effectRef>
+          <a:fontRef idx="minor">
+            <a:schemeClr val="lt1"/>
+          </a:fontRef>
+        </p:style>
+        <p:txBody>
+          <a:bodyPr rtlCol="0" anchor="ctr"/>
+          <a:p>
+            <a:pPr algn="ctr"/>
+            <a:r>
+              <a:rPr lang="en-US" sz="2000">
+                <a:solidFill>
+                  <a:schemeClr val="tx1"/>
+                </a:solidFill>
+              </a:rPr>
+              <a:t>5</a:t>
+            </a:r>
+            <a:endParaRPr lang="en-US" sz="2000">
+              <a:solidFill>
+                <a:schemeClr val="tx1"/>
+              </a:solidFill>
+            </a:endParaRPr>
+          </a:p>
+        </p:txBody>
+      </p:sp>
+      <p:sp>
+        <p:nvSpPr>
+          <p:cNvPr id="26" name="Rectangles 25"/>
+          <p:cNvSpPr/>
+          <p:nvPr/>
+        </p:nvSpPr>
+        <p:spPr>
+          <a:xfrm>
+            <a:off x="7415530" y="5712460"/>
+            <a:ext cx="1236980" cy="357505"/>
+          </a:xfrm>
+          <a:prstGeom prst="rect">
+            <a:avLst/>
+          </a:prstGeom>
+          <a:solidFill>
+            <a:schemeClr val="bg1"/>
+          </a:solidFill>
+          <a:ln>
+            <a:solidFill>
+              <a:schemeClr val="tx1"/>
+            </a:solidFill>
+          </a:ln>
+        </p:spPr>
+        <p:style>
+          <a:lnRef idx="2">
+            <a:schemeClr val="accent1">
+              <a:shade val="50000"/>
+            </a:schemeClr>
+          </a:lnRef>
+          <a:fillRef idx="1">
+            <a:schemeClr val="accent1"/>
+          </a:fillRef>
+          <a:effectRef idx="0">
+            <a:schemeClr val="accent1"/>
+          </a:effectRef>
+          <a:fontRef idx="minor">
+            <a:schemeClr val="lt1"/>
+          </a:fontRef>
+        </p:style>
+        <p:txBody>
+          <a:bodyPr rtlCol="0" anchor="ctr"/>
+          <a:p>
+            <a:pPr algn="ctr"/>
+            <a:r>
+              <a:rPr lang="en-US">
+                <a:solidFill>
+                  <a:schemeClr val="tx1"/>
+                </a:solidFill>
+              </a:rPr>
+              <a:t>2</a:t>
+            </a:r>
+            <a:endParaRPr lang="en-US">
+              <a:solidFill>
+                <a:schemeClr val="tx1"/>
+              </a:solidFill>
+            </a:endParaRPr>
+          </a:p>
+        </p:txBody>
+      </p:sp>
+      <p:sp>
+        <p:nvSpPr>
+          <p:cNvPr id="27" name="Rectangles 26"/>
+          <p:cNvSpPr/>
+          <p:nvPr/>
+        </p:nvSpPr>
+        <p:spPr>
+          <a:xfrm>
+            <a:off x="7415530" y="5354955"/>
+            <a:ext cx="1236980" cy="357505"/>
+          </a:xfrm>
+          <a:prstGeom prst="rect">
+            <a:avLst/>
+          </a:prstGeom>
+          <a:solidFill>
+            <a:schemeClr val="bg1"/>
+          </a:solidFill>
+          <a:ln>
+            <a:solidFill>
+              <a:srgbClr val="00B0F0"/>
+            </a:solidFill>
+          </a:ln>
+        </p:spPr>
+        <p:style>
+          <a:lnRef idx="2">
+            <a:schemeClr val="accent1">
+              <a:shade val="50000"/>
+            </a:schemeClr>
+          </a:lnRef>
+          <a:fillRef idx="1">
+            <a:schemeClr val="accent1"/>
+          </a:fillRef>
+          <a:effectRef idx="0">
+            <a:schemeClr val="accent1"/>
+          </a:effectRef>
+          <a:fontRef idx="minor">
+            <a:schemeClr val="lt1"/>
+          </a:fontRef>
+        </p:style>
+        <p:txBody>
+          <a:bodyPr rtlCol="0" anchor="ctr"/>
+          <a:p>
+            <a:pPr algn="ctr"/>
+            <a:r>
+              <a:rPr lang="en-US">
+                <a:solidFill>
+                  <a:schemeClr val="accent1"/>
+                </a:solidFill>
+              </a:rPr>
+              <a:t>4</a:t>
+            </a:r>
+            <a:endParaRPr lang="en-US">
+              <a:solidFill>
                 <a:schemeClr val="accent1"/>
-              </a:fillRef>
-              <a:effectRef idx="1">
-                <a:schemeClr val="accent1"/>
-              </a:effectRef>
-              <a:fontRef idx="minor">
-                <a:schemeClr val="dk1"/>
-              </a:fontRef>
-            </p:style>
-            <p:txBody>
-              <a:bodyPr rtlCol="0" anchor="ctr"/>
-              <a:p>
-                <a:pPr algn="ctr"/>
-                <a:endParaRPr lang="en-US"/>
-              </a:p>
-            </p:txBody>
-          </p:sp>
-          <p:cxnSp>
-            <p:nvCxnSpPr>
-              <p:cNvPr id="6" name="Straight Connector 5"/>
-              <p:cNvCxnSpPr/>
-              <p:nvPr/>
-            </p:nvCxnSpPr>
-            <p:spPr>
-              <a:xfrm flipH="1">
-                <a:off x="2422" y="7419"/>
-                <a:ext cx="16" cy="450"/>
-              </a:xfrm>
-              <a:prstGeom prst="line">
-                <a:avLst/>
-              </a:prstGeom>
-            </p:spPr>
-            <p:style>
-              <a:lnRef idx="3">
-                <a:schemeClr val="dk1"/>
-              </a:lnRef>
-              <a:fillRef idx="0">
-                <a:schemeClr val="dk1"/>
-              </a:fillRef>
-              <a:effectRef idx="2">
-                <a:schemeClr val="dk1"/>
-              </a:effectRef>
-              <a:fontRef idx="minor">
+              </a:solidFill>
+            </a:endParaRPr>
+          </a:p>
+        </p:txBody>
+      </p:sp>
+      <p:sp>
+        <p:nvSpPr>
+          <p:cNvPr id="28" name="Rectangles 27"/>
+          <p:cNvSpPr/>
+          <p:nvPr/>
+        </p:nvSpPr>
+        <p:spPr>
+          <a:xfrm>
+            <a:off x="7415530" y="4997450"/>
+            <a:ext cx="1236980" cy="357505"/>
+          </a:xfrm>
+          <a:prstGeom prst="rect">
+            <a:avLst/>
+          </a:prstGeom>
+          <a:solidFill>
+            <a:schemeClr val="bg1"/>
+          </a:solidFill>
+          <a:ln>
+            <a:solidFill>
+              <a:srgbClr val="00B0F0"/>
+            </a:solidFill>
+          </a:ln>
+        </p:spPr>
+        <p:style>
+          <a:lnRef idx="2">
+            <a:schemeClr val="accent1">
+              <a:shade val="50000"/>
+            </a:schemeClr>
+          </a:lnRef>
+          <a:fillRef idx="1">
+            <a:schemeClr val="accent1"/>
+          </a:fillRef>
+          <a:effectRef idx="0">
+            <a:schemeClr val="accent1"/>
+          </a:effectRef>
+          <a:fontRef idx="minor">
+            <a:schemeClr val="lt1"/>
+          </a:fontRef>
+        </p:style>
+        <p:txBody>
+          <a:bodyPr rtlCol="0" anchor="ctr"/>
+          <a:p>
+            <a:pPr algn="ctr"/>
+            <a:r>
+              <a:rPr lang="en-US">
+                <a:solidFill>
+                  <a:srgbClr val="FF0000"/>
+                </a:solidFill>
+              </a:rPr>
+              <a:t>5</a:t>
+            </a:r>
+            <a:endParaRPr lang="en-US">
+              <a:solidFill>
+                <a:srgbClr val="FF0000"/>
+              </a:solidFill>
+            </a:endParaRPr>
+          </a:p>
+        </p:txBody>
+      </p:sp>
+      <p:sp>
+        <p:nvSpPr>
+          <p:cNvPr id="29" name="Text Box 28"/>
+          <p:cNvSpPr txBox="1"/>
+          <p:nvPr/>
+        </p:nvSpPr>
+        <p:spPr>
+          <a:xfrm>
+            <a:off x="3846195" y="4557395"/>
+            <a:ext cx="1338580" cy="645160"/>
+          </a:xfrm>
+          <a:prstGeom prst="rect">
+            <a:avLst/>
+          </a:prstGeom>
+          <a:noFill/>
+        </p:spPr>
+        <p:txBody>
+          <a:bodyPr wrap="none" rtlCol="0">
+            <a:spAutoFit/>
+          </a:bodyPr>
+          <a:p>
+            <a:r>
+              <a:rPr lang="en-US"/>
+              <a:t>POP</a:t>
+            </a:r>
+            <a:r>
+              <a:rPr lang="ja-JP" altLang="en-US"/>
+              <a:t>：</a:t>
+            </a:r>
+            <a:r>
+              <a:rPr lang="en-US" altLang="ja-JP"/>
+              <a:t>1</a:t>
+            </a:r>
+            <a:endParaRPr lang="en-US" altLang="ja-JP"/>
+          </a:p>
+          <a:p>
+            <a:r>
+              <a:rPr lang="en-US" altLang="ja-JP"/>
+              <a:t>PUSH</a:t>
+            </a:r>
+            <a:r>
+              <a:rPr lang="ja-JP" altLang="en-US"/>
+              <a:t>：</a:t>
+            </a:r>
+            <a:r>
+              <a:rPr lang="en-US" altLang="ja-JP"/>
+              <a:t>2, 3</a:t>
+            </a:r>
+            <a:endParaRPr lang="en-US" altLang="ja-JP"/>
+          </a:p>
+        </p:txBody>
+      </p:sp>
+      <p:sp>
+        <p:nvSpPr>
+          <p:cNvPr id="30" name="Text Box 29"/>
+          <p:cNvSpPr txBox="1"/>
+          <p:nvPr/>
+        </p:nvSpPr>
+        <p:spPr>
+          <a:xfrm>
+            <a:off x="7367270" y="4277995"/>
+            <a:ext cx="1338580" cy="645160"/>
+          </a:xfrm>
+          <a:prstGeom prst="rect">
+            <a:avLst/>
+          </a:prstGeom>
+          <a:noFill/>
+        </p:spPr>
+        <p:txBody>
+          <a:bodyPr wrap="none" rtlCol="0">
+            <a:spAutoFit/>
+          </a:bodyPr>
+          <a:p>
+            <a:r>
+              <a:rPr lang="en-US"/>
+              <a:t>POP</a:t>
+            </a:r>
+            <a:r>
+              <a:rPr lang="ja-JP" altLang="en-US"/>
+              <a:t>：</a:t>
+            </a:r>
+            <a:r>
+              <a:rPr lang="en-US" altLang="ja-JP"/>
+              <a:t>3</a:t>
+            </a:r>
+            <a:endParaRPr lang="en-US" altLang="ja-JP"/>
+          </a:p>
+          <a:p>
+            <a:r>
+              <a:rPr lang="en-US" altLang="ja-JP"/>
+              <a:t>PUSH</a:t>
+            </a:r>
+            <a:r>
+              <a:rPr lang="ja-JP" altLang="en-US"/>
+              <a:t>：</a:t>
+            </a:r>
+            <a:r>
+              <a:rPr lang="en-US" altLang="ja-JP"/>
+              <a:t>4</a:t>
+            </a:r>
+            <a:r>
+              <a:rPr lang="en-US" altLang="ja-JP"/>
+              <a:t>, 5</a:t>
+            </a:r>
+            <a:endParaRPr lang="en-US" altLang="ja-JP"/>
+          </a:p>
+        </p:txBody>
+      </p:sp>
+      <p:cxnSp>
+        <p:nvCxnSpPr>
+          <p:cNvPr id="31" name="Straight Arrow Connector 30"/>
+          <p:cNvCxnSpPr/>
+          <p:nvPr/>
+        </p:nvCxnSpPr>
+        <p:spPr>
+          <a:xfrm>
+            <a:off x="3249295" y="2983865"/>
+            <a:ext cx="796925" cy="8890"/>
+          </a:xfrm>
+          <a:prstGeom prst="straightConnector1">
+            <a:avLst/>
+          </a:prstGeom>
+          <a:ln>
+            <a:solidFill>
+              <a:schemeClr val="tx1"/>
+            </a:solidFill>
+            <a:tailEnd type="arrow"/>
+          </a:ln>
+        </p:spPr>
+        <p:style>
+          <a:lnRef idx="1">
+            <a:schemeClr val="accent1"/>
+          </a:lnRef>
+          <a:fillRef idx="0">
+            <a:schemeClr val="accent1"/>
+          </a:fillRef>
+          <a:effectRef idx="0">
+            <a:schemeClr val="accent1"/>
+          </a:effectRef>
+          <a:fontRef idx="minor">
+            <a:schemeClr val="tx1"/>
+          </a:fontRef>
+        </p:style>
+      </p:cxnSp>
+      <p:cxnSp>
+        <p:nvCxnSpPr>
+          <p:cNvPr id="32" name="Straight Arrow Connector 31"/>
+          <p:cNvCxnSpPr/>
+          <p:nvPr/>
+        </p:nvCxnSpPr>
+        <p:spPr>
+          <a:xfrm>
+            <a:off x="6973570" y="2974975"/>
+            <a:ext cx="796925" cy="8890"/>
+          </a:xfrm>
+          <a:prstGeom prst="straightConnector1">
+            <a:avLst/>
+          </a:prstGeom>
+          <a:ln>
+            <a:solidFill>
+              <a:schemeClr val="tx1"/>
+            </a:solidFill>
+            <a:tailEnd type="arrow"/>
+          </a:ln>
+        </p:spPr>
+        <p:style>
+          <a:lnRef idx="1">
+            <a:schemeClr val="accent1"/>
+          </a:lnRef>
+          <a:fillRef idx="0">
+            <a:schemeClr val="accent1"/>
+          </a:fillRef>
+          <a:effectRef idx="0">
+            <a:schemeClr val="accent1"/>
+          </a:effectRef>
+          <a:fontRef idx="minor">
+            <a:schemeClr val="tx1"/>
+          </a:fontRef>
+        </p:style>
+      </p:cxnSp>
+    </p:spTree>
+  </p:cSld>
+  <p:clrMapOvr>
+    <a:masterClrMapping/>
+  </p:clrMapOvr>
+</p:sld>
+</file>
+
+<file path=ppt/slides/slide13.xml><?xml version="1.0" encoding="utf-8"?>
+<p:sld xmlns:a="http://schemas.openxmlformats.org/drawingml/2006/main" xmlns:r="http://schemas.openxmlformats.org/officeDocument/2006/relationships" xmlns:p="http://schemas.openxmlformats.org/presentationml/2006/main">
+  <p:cSld>
+    <p:spTree>
+      <p:nvGrpSpPr>
+        <p:cNvPr id="1" name=""/>
+        <p:cNvGrpSpPr/>
+        <p:nvPr/>
+      </p:nvGrpSpPr>
+      <p:grpSpPr/>
+      <p:sp>
+        <p:nvSpPr>
+          <p:cNvPr id="2" name="Title 1"/>
+          <p:cNvSpPr>
+            <a:spLocks noGrp="1"/>
+          </p:cNvSpPr>
+          <p:nvPr>
+            <p:ph type="title"/>
+          </p:nvPr>
+        </p:nvSpPr>
+        <p:spPr/>
+        <p:txBody>
+          <a:bodyPr/>
+          <a:p>
+            <a:r>
+              <a:rPr lang="en-US" sz="3600">
+                <a:sym typeface="+mn-ea"/>
+              </a:rPr>
+              <a:t>7.1</a:t>
+            </a:r>
+            <a:r>
+              <a:rPr lang="ja-JP" altLang="en-US" sz="3600">
+                <a:sym typeface="+mn-ea"/>
+              </a:rPr>
+              <a:t>　回帰の決定木</a:t>
+            </a:r>
+            <a:endParaRPr lang="ja-JP" altLang="en-US" sz="3600">
+              <a:sym typeface="+mn-ea"/>
+            </a:endParaRPr>
+          </a:p>
+        </p:txBody>
+      </p:sp>
+      <p:sp>
+        <p:nvSpPr>
+          <p:cNvPr id="6" name="Rectangles 5"/>
+          <p:cNvSpPr/>
+          <p:nvPr/>
+        </p:nvSpPr>
+        <p:spPr>
+          <a:xfrm>
+            <a:off x="631190" y="5712460"/>
+            <a:ext cx="1236980" cy="357505"/>
+          </a:xfrm>
+          <a:prstGeom prst="rect">
+            <a:avLst/>
+          </a:prstGeom>
+          <a:solidFill>
+            <a:schemeClr val="bg1"/>
+          </a:solidFill>
+          <a:ln>
+            <a:solidFill>
+              <a:schemeClr val="tx1"/>
+            </a:solidFill>
+          </a:ln>
+        </p:spPr>
+        <p:style>
+          <a:lnRef idx="2">
+            <a:schemeClr val="accent1">
+              <a:shade val="50000"/>
+            </a:schemeClr>
+          </a:lnRef>
+          <a:fillRef idx="1">
+            <a:schemeClr val="accent1"/>
+          </a:fillRef>
+          <a:effectRef idx="0">
+            <a:schemeClr val="accent1"/>
+          </a:effectRef>
+          <a:fontRef idx="minor">
+            <a:schemeClr val="lt1"/>
+          </a:fontRef>
+        </p:style>
+        <p:txBody>
+          <a:bodyPr rtlCol="0" anchor="ctr"/>
+          <a:p>
+            <a:pPr algn="ctr"/>
+            <a:r>
+              <a:rPr lang="en-US">
+                <a:solidFill>
+                  <a:schemeClr val="tx1"/>
+                </a:solidFill>
+              </a:rPr>
+              <a:t>2</a:t>
+            </a:r>
+            <a:endParaRPr lang="en-US">
+              <a:solidFill>
                 <a:schemeClr val="tx1"/>
-              </a:fontRef>
-            </p:style>
-          </p:cxnSp>
-          <p:cxnSp>
-            <p:nvCxnSpPr>
-              <p:cNvPr id="13" name="Straight Connector 12"/>
-              <p:cNvCxnSpPr/>
-              <p:nvPr/>
-            </p:nvCxnSpPr>
-            <p:spPr>
-              <a:xfrm flipH="1">
-                <a:off x="16746" y="7419"/>
-                <a:ext cx="16" cy="450"/>
-              </a:xfrm>
-              <a:prstGeom prst="line">
-                <a:avLst/>
-              </a:prstGeom>
-            </p:spPr>
-            <p:style>
-              <a:lnRef idx="3">
-                <a:schemeClr val="dk1"/>
-              </a:lnRef>
-              <a:fillRef idx="0">
-                <a:schemeClr val="dk1"/>
-              </a:fillRef>
-              <a:effectRef idx="2">
-                <a:schemeClr val="dk1"/>
-              </a:effectRef>
-              <a:fontRef idx="minor">
+              </a:solidFill>
+            </a:endParaRPr>
+          </a:p>
+        </p:txBody>
+      </p:sp>
+      <p:sp>
+        <p:nvSpPr>
+          <p:cNvPr id="17" name="Oval 16"/>
+          <p:cNvSpPr/>
+          <p:nvPr/>
+        </p:nvSpPr>
+        <p:spPr>
+          <a:xfrm>
+            <a:off x="9204325" y="2094865"/>
+            <a:ext cx="365760" cy="365760"/>
+          </a:xfrm>
+          <a:prstGeom prst="ellipse">
+            <a:avLst/>
+          </a:prstGeom>
+          <a:ln>
+            <a:solidFill>
+              <a:schemeClr val="tx1"/>
+            </a:solidFill>
+          </a:ln>
+        </p:spPr>
+        <p:style>
+          <a:lnRef idx="2">
+            <a:schemeClr val="accent2"/>
+          </a:lnRef>
+          <a:fillRef idx="1">
+            <a:schemeClr val="lt1"/>
+          </a:fillRef>
+          <a:effectRef idx="0">
+            <a:schemeClr val="accent2"/>
+          </a:effectRef>
+          <a:fontRef idx="minor">
+            <a:schemeClr val="dk1"/>
+          </a:fontRef>
+        </p:style>
+        <p:txBody>
+          <a:bodyPr rtlCol="0" anchor="ctr"/>
+          <a:p>
+            <a:pPr algn="ctr"/>
+            <a:r>
+              <a:rPr lang="en-US" sz="2000">
+                <a:solidFill>
+                  <a:schemeClr val="tx1"/>
+                </a:solidFill>
+              </a:rPr>
+              <a:t>1</a:t>
+            </a:r>
+            <a:endParaRPr lang="en-US" sz="2000">
+              <a:solidFill>
                 <a:schemeClr val="tx1"/>
-              </a:fontRef>
-            </p:style>
-          </p:cxnSp>
-          <p:cxnSp>
-            <p:nvCxnSpPr>
-              <p:cNvPr id="24" name="Straight Connector 23"/>
-              <p:cNvCxnSpPr/>
-              <p:nvPr/>
-            </p:nvCxnSpPr>
-            <p:spPr>
-              <a:xfrm flipH="1">
-                <a:off x="5341" y="7419"/>
-                <a:ext cx="16" cy="450"/>
-              </a:xfrm>
-              <a:prstGeom prst="line">
-                <a:avLst/>
-              </a:prstGeom>
-            </p:spPr>
-            <p:style>
-              <a:lnRef idx="3">
-                <a:schemeClr val="dk1"/>
-              </a:lnRef>
-              <a:fillRef idx="0">
-                <a:schemeClr val="dk1"/>
-              </a:fillRef>
-              <a:effectRef idx="2">
-                <a:schemeClr val="dk1"/>
-              </a:effectRef>
-              <a:fontRef idx="minor">
+              </a:solidFill>
+            </a:endParaRPr>
+          </a:p>
+        </p:txBody>
+      </p:sp>
+      <p:sp>
+        <p:nvSpPr>
+          <p:cNvPr id="18" name="Oval 17"/>
+          <p:cNvSpPr/>
+          <p:nvPr/>
+        </p:nvSpPr>
+        <p:spPr>
+          <a:xfrm>
+            <a:off x="8340090" y="3246120"/>
+            <a:ext cx="365760" cy="365760"/>
+          </a:xfrm>
+          <a:prstGeom prst="ellipse">
+            <a:avLst/>
+          </a:prstGeom>
+          <a:solidFill>
+            <a:schemeClr val="bg1"/>
+          </a:solidFill>
+          <a:ln>
+            <a:solidFill>
+              <a:srgbClr val="FF0000"/>
+            </a:solidFill>
+          </a:ln>
+        </p:spPr>
+        <p:style>
+          <a:lnRef idx="2">
+            <a:schemeClr val="accent1">
+              <a:shade val="50000"/>
+            </a:schemeClr>
+          </a:lnRef>
+          <a:fillRef idx="1">
+            <a:schemeClr val="accent1"/>
+          </a:fillRef>
+          <a:effectRef idx="0">
+            <a:schemeClr val="accent1"/>
+          </a:effectRef>
+          <a:fontRef idx="minor">
+            <a:schemeClr val="lt1"/>
+          </a:fontRef>
+        </p:style>
+        <p:txBody>
+          <a:bodyPr rtlCol="0" anchor="ctr"/>
+          <a:p>
+            <a:pPr algn="ctr"/>
+            <a:r>
+              <a:rPr lang="en-US" sz="2000">
+                <a:solidFill>
+                  <a:schemeClr val="tx1"/>
+                </a:solidFill>
+              </a:rPr>
+              <a:t>2</a:t>
+            </a:r>
+            <a:endParaRPr lang="en-US" sz="2000">
+              <a:solidFill>
                 <a:schemeClr val="tx1"/>
-              </a:fontRef>
-            </p:style>
-          </p:cxnSp>
-          <p:cxnSp>
-            <p:nvCxnSpPr>
-              <p:cNvPr id="34" name="Straight Connector 33"/>
-              <p:cNvCxnSpPr/>
-              <p:nvPr/>
-            </p:nvCxnSpPr>
-            <p:spPr>
-              <a:xfrm flipH="1">
-                <a:off x="8252" y="7419"/>
-                <a:ext cx="16" cy="450"/>
-              </a:xfrm>
-              <a:prstGeom prst="line">
-                <a:avLst/>
-              </a:prstGeom>
-            </p:spPr>
-            <p:style>
-              <a:lnRef idx="3">
-                <a:schemeClr val="dk1"/>
-              </a:lnRef>
-              <a:fillRef idx="0">
-                <a:schemeClr val="dk1"/>
-              </a:fillRef>
-              <a:effectRef idx="2">
-                <a:schemeClr val="dk1"/>
-              </a:effectRef>
-              <a:fontRef idx="minor">
+              </a:solidFill>
+            </a:endParaRPr>
+          </a:p>
+        </p:txBody>
+      </p:sp>
+      <p:sp>
+        <p:nvSpPr>
+          <p:cNvPr id="19" name="Oval 18"/>
+          <p:cNvSpPr/>
+          <p:nvPr/>
+        </p:nvSpPr>
+        <p:spPr>
+          <a:xfrm>
+            <a:off x="10056495" y="3246120"/>
+            <a:ext cx="365760" cy="365760"/>
+          </a:xfrm>
+          <a:prstGeom prst="ellipse">
+            <a:avLst/>
+          </a:prstGeom>
+        </p:spPr>
+        <p:style>
+          <a:lnRef idx="2">
+            <a:schemeClr val="dk1"/>
+          </a:lnRef>
+          <a:fillRef idx="1">
+            <a:schemeClr val="lt1"/>
+          </a:fillRef>
+          <a:effectRef idx="0">
+            <a:schemeClr val="dk1"/>
+          </a:effectRef>
+          <a:fontRef idx="minor">
+            <a:schemeClr val="dk1"/>
+          </a:fontRef>
+        </p:style>
+        <p:txBody>
+          <a:bodyPr rtlCol="0" anchor="ctr"/>
+          <a:p>
+            <a:pPr algn="ctr"/>
+            <a:r>
+              <a:rPr lang="en-US" sz="2000">
+                <a:solidFill>
+                  <a:schemeClr val="tx1"/>
+                </a:solidFill>
+              </a:rPr>
+              <a:t>3</a:t>
+            </a:r>
+            <a:endParaRPr lang="en-US" sz="2000">
+              <a:solidFill>
                 <a:schemeClr val="tx1"/>
-              </a:fontRef>
-            </p:style>
-          </p:cxnSp>
-          <p:cxnSp>
-            <p:nvCxnSpPr>
-              <p:cNvPr id="35" name="Straight Connector 34"/>
-              <p:cNvCxnSpPr/>
-              <p:nvPr/>
-            </p:nvCxnSpPr>
-            <p:spPr>
-              <a:xfrm flipH="1">
-                <a:off x="11044" y="7419"/>
-                <a:ext cx="16" cy="450"/>
-              </a:xfrm>
-              <a:prstGeom prst="line">
-                <a:avLst/>
-              </a:prstGeom>
-            </p:spPr>
-            <p:style>
-              <a:lnRef idx="3">
-                <a:schemeClr val="dk1"/>
-              </a:lnRef>
-              <a:fillRef idx="0">
-                <a:schemeClr val="dk1"/>
-              </a:fillRef>
-              <a:effectRef idx="2">
-                <a:schemeClr val="dk1"/>
-              </a:effectRef>
-              <a:fontRef idx="minor">
+              </a:solidFill>
+            </a:endParaRPr>
+          </a:p>
+        </p:txBody>
+      </p:sp>
+      <p:cxnSp>
+        <p:nvCxnSpPr>
+          <p:cNvPr id="20" name="Straight Arrow Connector 19"/>
+          <p:cNvCxnSpPr>
+            <a:stCxn id="17" idx="3"/>
+            <a:endCxn id="18" idx="7"/>
+          </p:cNvCxnSpPr>
+          <p:nvPr/>
+        </p:nvCxnSpPr>
+        <p:spPr>
+          <a:xfrm flipH="1">
+            <a:off x="8652510" y="2407285"/>
+            <a:ext cx="605155" cy="892175"/>
+          </a:xfrm>
+          <a:prstGeom prst="straightConnector1">
+            <a:avLst/>
+          </a:prstGeom>
+          <a:ln w="28575">
+            <a:tailEnd type="arrow"/>
+          </a:ln>
+        </p:spPr>
+        <p:style>
+          <a:lnRef idx="1">
+            <a:schemeClr val="accent1"/>
+          </a:lnRef>
+          <a:fillRef idx="0">
+            <a:schemeClr val="accent1"/>
+          </a:fillRef>
+          <a:effectRef idx="0">
+            <a:schemeClr val="accent1"/>
+          </a:effectRef>
+          <a:fontRef idx="minor">
+            <a:schemeClr val="tx1"/>
+          </a:fontRef>
+        </p:style>
+      </p:cxnSp>
+      <p:cxnSp>
+        <p:nvCxnSpPr>
+          <p:cNvPr id="21" name="Straight Arrow Connector 20"/>
+          <p:cNvCxnSpPr>
+            <a:stCxn id="17" idx="5"/>
+            <a:endCxn id="19" idx="1"/>
+          </p:cNvCxnSpPr>
+          <p:nvPr/>
+        </p:nvCxnSpPr>
+        <p:spPr>
+          <a:xfrm>
+            <a:off x="9516745" y="2407285"/>
+            <a:ext cx="593090" cy="892175"/>
+          </a:xfrm>
+          <a:prstGeom prst="straightConnector1">
+            <a:avLst/>
+          </a:prstGeom>
+          <a:ln w="28575">
+            <a:tailEnd type="arrow"/>
+          </a:ln>
+        </p:spPr>
+        <p:style>
+          <a:lnRef idx="1">
+            <a:schemeClr val="accent1"/>
+          </a:lnRef>
+          <a:fillRef idx="0">
+            <a:schemeClr val="accent1"/>
+          </a:fillRef>
+          <a:effectRef idx="0">
+            <a:schemeClr val="accent1"/>
+          </a:effectRef>
+          <a:fontRef idx="minor">
+            <a:schemeClr val="tx1"/>
+          </a:fontRef>
+        </p:style>
+      </p:cxnSp>
+      <p:cxnSp>
+        <p:nvCxnSpPr>
+          <p:cNvPr id="22" name="Straight Arrow Connector 21"/>
+          <p:cNvCxnSpPr>
+            <a:stCxn id="19" idx="3"/>
+          </p:cNvCxnSpPr>
+          <p:nvPr/>
+        </p:nvCxnSpPr>
+        <p:spPr>
+          <a:xfrm flipH="1">
+            <a:off x="9483725" y="3558540"/>
+            <a:ext cx="626110" cy="998855"/>
+          </a:xfrm>
+          <a:prstGeom prst="straightConnector1">
+            <a:avLst/>
+          </a:prstGeom>
+          <a:ln w="28575">
+            <a:tailEnd type="arrow"/>
+          </a:ln>
+        </p:spPr>
+        <p:style>
+          <a:lnRef idx="1">
+            <a:schemeClr val="accent1"/>
+          </a:lnRef>
+          <a:fillRef idx="0">
+            <a:schemeClr val="accent1"/>
+          </a:fillRef>
+          <a:effectRef idx="0">
+            <a:schemeClr val="accent1"/>
+          </a:effectRef>
+          <a:fontRef idx="minor">
+            <a:schemeClr val="tx1"/>
+          </a:fontRef>
+        </p:style>
+      </p:cxnSp>
+      <p:sp>
+        <p:nvSpPr>
+          <p:cNvPr id="23" name="Oval 22"/>
+          <p:cNvSpPr/>
+          <p:nvPr/>
+        </p:nvSpPr>
+        <p:spPr>
+          <a:xfrm>
+            <a:off x="9204325" y="4557395"/>
+            <a:ext cx="365760" cy="365760"/>
+          </a:xfrm>
+          <a:prstGeom prst="ellipse">
+            <a:avLst/>
+          </a:prstGeom>
+          <a:solidFill>
+            <a:schemeClr val="bg1"/>
+          </a:solidFill>
+          <a:ln>
+            <a:solidFill>
+              <a:schemeClr val="tx1"/>
+            </a:solidFill>
+          </a:ln>
+        </p:spPr>
+        <p:style>
+          <a:lnRef idx="2">
+            <a:schemeClr val="accent1">
+              <a:shade val="50000"/>
+            </a:schemeClr>
+          </a:lnRef>
+          <a:fillRef idx="1">
+            <a:schemeClr val="accent1"/>
+          </a:fillRef>
+          <a:effectRef idx="0">
+            <a:schemeClr val="accent1"/>
+          </a:effectRef>
+          <a:fontRef idx="minor">
+            <a:schemeClr val="lt1"/>
+          </a:fontRef>
+        </p:style>
+        <p:txBody>
+          <a:bodyPr rtlCol="0" anchor="ctr"/>
+          <a:p>
+            <a:pPr algn="ctr"/>
+            <a:r>
+              <a:rPr lang="en-US" sz="2000">
+                <a:solidFill>
+                  <a:schemeClr val="tx1"/>
+                </a:solidFill>
+              </a:rPr>
+              <a:t>4</a:t>
+            </a:r>
+            <a:endParaRPr lang="en-US" sz="2000">
+              <a:solidFill>
                 <a:schemeClr val="tx1"/>
-              </a:fontRef>
-            </p:style>
-          </p:cxnSp>
-          <p:cxnSp>
-            <p:nvCxnSpPr>
-              <p:cNvPr id="36" name="Straight Connector 35"/>
-              <p:cNvCxnSpPr/>
-              <p:nvPr/>
-            </p:nvCxnSpPr>
-            <p:spPr>
-              <a:xfrm flipH="1">
-                <a:off x="13895" y="7419"/>
-                <a:ext cx="16" cy="450"/>
-              </a:xfrm>
-              <a:prstGeom prst="line">
-                <a:avLst/>
-              </a:prstGeom>
-            </p:spPr>
-            <p:style>
-              <a:lnRef idx="3">
-                <a:schemeClr val="dk1"/>
-              </a:lnRef>
-              <a:fillRef idx="0">
-                <a:schemeClr val="dk1"/>
-              </a:fillRef>
-              <a:effectRef idx="2">
-                <a:schemeClr val="dk1"/>
-              </a:effectRef>
-              <a:fontRef idx="minor">
+              </a:solidFill>
+            </a:endParaRPr>
+          </a:p>
+        </p:txBody>
+      </p:sp>
+      <p:cxnSp>
+        <p:nvCxnSpPr>
+          <p:cNvPr id="24" name="Straight Arrow Connector 23"/>
+          <p:cNvCxnSpPr>
+            <a:stCxn id="19" idx="5"/>
+            <a:endCxn id="25" idx="1"/>
+          </p:cNvCxnSpPr>
+          <p:nvPr/>
+        </p:nvCxnSpPr>
+        <p:spPr>
+          <a:xfrm>
+            <a:off x="10368915" y="3558540"/>
+            <a:ext cx="699770" cy="1052195"/>
+          </a:xfrm>
+          <a:prstGeom prst="straightConnector1">
+            <a:avLst/>
+          </a:prstGeom>
+          <a:ln w="28575">
+            <a:tailEnd type="arrow"/>
+          </a:ln>
+        </p:spPr>
+        <p:style>
+          <a:lnRef idx="1">
+            <a:schemeClr val="accent1"/>
+          </a:lnRef>
+          <a:fillRef idx="0">
+            <a:schemeClr val="accent1"/>
+          </a:fillRef>
+          <a:effectRef idx="0">
+            <a:schemeClr val="accent1"/>
+          </a:effectRef>
+          <a:fontRef idx="minor">
+            <a:schemeClr val="tx1"/>
+          </a:fontRef>
+        </p:style>
+      </p:cxnSp>
+      <p:sp>
+        <p:nvSpPr>
+          <p:cNvPr id="25" name="Oval 24"/>
+          <p:cNvSpPr/>
+          <p:nvPr/>
+        </p:nvSpPr>
+        <p:spPr>
+          <a:xfrm>
+            <a:off x="11015345" y="4557395"/>
+            <a:ext cx="365760" cy="365760"/>
+          </a:xfrm>
+          <a:prstGeom prst="ellipse">
+            <a:avLst/>
+          </a:prstGeom>
+          <a:solidFill>
+            <a:schemeClr val="bg1"/>
+          </a:solidFill>
+          <a:ln>
+            <a:solidFill>
+              <a:schemeClr val="tx1"/>
+            </a:solidFill>
+          </a:ln>
+        </p:spPr>
+        <p:style>
+          <a:lnRef idx="2">
+            <a:schemeClr val="accent1">
+              <a:shade val="50000"/>
+            </a:schemeClr>
+          </a:lnRef>
+          <a:fillRef idx="1">
+            <a:schemeClr val="accent1"/>
+          </a:fillRef>
+          <a:effectRef idx="0">
+            <a:schemeClr val="accent1"/>
+          </a:effectRef>
+          <a:fontRef idx="minor">
+            <a:schemeClr val="lt1"/>
+          </a:fontRef>
+        </p:style>
+        <p:txBody>
+          <a:bodyPr rtlCol="0" anchor="ctr"/>
+          <a:p>
+            <a:pPr algn="ctr"/>
+            <a:r>
+              <a:rPr lang="en-US" sz="2000">
+                <a:solidFill>
+                  <a:schemeClr val="tx1"/>
+                </a:solidFill>
+              </a:rPr>
+              <a:t>5</a:t>
+            </a:r>
+            <a:endParaRPr lang="en-US" sz="2000">
+              <a:solidFill>
                 <a:schemeClr val="tx1"/>
-              </a:fontRef>
-            </p:style>
-          </p:cxnSp>
-          <p:sp>
-            <p:nvSpPr>
-              <p:cNvPr id="37" name="Text Box 36"/>
-              <p:cNvSpPr txBox="1"/>
-              <p:nvPr/>
-            </p:nvSpPr>
-            <p:spPr>
-              <a:xfrm>
-                <a:off x="2160" y="7869"/>
-                <a:ext cx="894" cy="580"/>
-              </a:xfrm>
-              <a:prstGeom prst="rect">
-                <a:avLst/>
-              </a:prstGeom>
-              <a:noFill/>
-            </p:spPr>
-            <p:txBody>
-              <a:bodyPr wrap="square" rtlCol="0">
-                <a:spAutoFit/>
-              </a:bodyPr>
-              <a:p>
-                <a:r>
-                  <a:rPr lang="en-US" b="1">
-                    <a:latin typeface="Courier 10 Pitch" charset="0"/>
-                    <a:ea typeface="+mj-lt"/>
-                    <a:cs typeface="Courier 10 Pitch" charset="0"/>
-                  </a:rPr>
-                  <a:t>0%</a:t>
-                </a:r>
-                <a:endParaRPr lang="en-US" b="1">
-                  <a:latin typeface="Courier 10 Pitch" charset="0"/>
-                  <a:ea typeface="+mj-lt"/>
-                  <a:cs typeface="Courier 10 Pitch" charset="0"/>
-                </a:endParaRPr>
-              </a:p>
-            </p:txBody>
-          </p:sp>
-          <p:sp>
-            <p:nvSpPr>
-              <p:cNvPr id="38" name="Text Box 37"/>
-              <p:cNvSpPr txBox="1"/>
-              <p:nvPr/>
-            </p:nvSpPr>
-            <p:spPr>
-              <a:xfrm>
-                <a:off x="4982" y="7869"/>
-                <a:ext cx="1022" cy="580"/>
-              </a:xfrm>
-              <a:prstGeom prst="rect">
-                <a:avLst/>
-              </a:prstGeom>
-              <a:noFill/>
-            </p:spPr>
-            <p:txBody>
-              <a:bodyPr wrap="square" rtlCol="0">
-                <a:spAutoFit/>
-              </a:bodyPr>
-              <a:p>
-                <a:r>
-                  <a:rPr lang="en-US" b="1">
-                    <a:latin typeface="Courier 10 Pitch" charset="0"/>
-                    <a:ea typeface="+mj-lt"/>
-                    <a:cs typeface="Courier 10 Pitch" charset="0"/>
-                  </a:rPr>
-                  <a:t>20%</a:t>
-                </a:r>
-                <a:endParaRPr lang="en-US" b="1">
-                  <a:latin typeface="Courier 10 Pitch" charset="0"/>
-                  <a:ea typeface="+mj-lt"/>
-                  <a:cs typeface="Courier 10 Pitch" charset="0"/>
-                </a:endParaRPr>
-              </a:p>
-            </p:txBody>
-          </p:sp>
-          <p:sp>
-            <p:nvSpPr>
-              <p:cNvPr id="39" name="Text Box 38"/>
-              <p:cNvSpPr txBox="1"/>
-              <p:nvPr/>
-            </p:nvSpPr>
-            <p:spPr>
-              <a:xfrm>
-                <a:off x="7845" y="7869"/>
-                <a:ext cx="1022" cy="580"/>
-              </a:xfrm>
-              <a:prstGeom prst="rect">
-                <a:avLst/>
-              </a:prstGeom>
-              <a:noFill/>
-            </p:spPr>
-            <p:txBody>
-              <a:bodyPr wrap="square" rtlCol="0">
-                <a:spAutoFit/>
-              </a:bodyPr>
-              <a:p>
-                <a:r>
-                  <a:rPr lang="en-US" b="1">
-                    <a:latin typeface="Courier 10 Pitch" charset="0"/>
-                    <a:ea typeface="+mj-lt"/>
-                    <a:cs typeface="Courier 10 Pitch" charset="0"/>
-                  </a:rPr>
-                  <a:t>40%</a:t>
-                </a:r>
-                <a:endParaRPr lang="en-US" b="1">
-                  <a:latin typeface="Courier 10 Pitch" charset="0"/>
-                  <a:ea typeface="+mj-lt"/>
-                  <a:cs typeface="Courier 10 Pitch" charset="0"/>
-                </a:endParaRPr>
-              </a:p>
-            </p:txBody>
-          </p:sp>
-          <p:sp>
-            <p:nvSpPr>
-              <p:cNvPr id="40" name="Text Box 39"/>
-              <p:cNvSpPr txBox="1"/>
-              <p:nvPr/>
-            </p:nvSpPr>
-            <p:spPr>
-              <a:xfrm>
-                <a:off x="10703" y="7869"/>
-                <a:ext cx="1022" cy="580"/>
-              </a:xfrm>
-              <a:prstGeom prst="rect">
-                <a:avLst/>
-              </a:prstGeom>
-              <a:noFill/>
-            </p:spPr>
-            <p:txBody>
-              <a:bodyPr wrap="square" rtlCol="0">
-                <a:spAutoFit/>
-              </a:bodyPr>
-              <a:p>
-                <a:r>
-                  <a:rPr lang="en-US" b="1">
-                    <a:latin typeface="Courier 10 Pitch" charset="0"/>
-                    <a:ea typeface="+mj-lt"/>
-                    <a:cs typeface="Courier 10 Pitch" charset="0"/>
-                  </a:rPr>
-                  <a:t>60%</a:t>
-                </a:r>
-                <a:endParaRPr lang="en-US" b="1">
-                  <a:latin typeface="Courier 10 Pitch" charset="0"/>
-                  <a:ea typeface="+mj-lt"/>
-                  <a:cs typeface="Courier 10 Pitch" charset="0"/>
-                </a:endParaRPr>
-              </a:p>
-            </p:txBody>
-          </p:sp>
-          <p:sp>
-            <p:nvSpPr>
-              <p:cNvPr id="41" name="Text Box 40"/>
-              <p:cNvSpPr txBox="1"/>
-              <p:nvPr/>
-            </p:nvSpPr>
-            <p:spPr>
-              <a:xfrm>
-                <a:off x="13550" y="7869"/>
-                <a:ext cx="1022" cy="580"/>
-              </a:xfrm>
-              <a:prstGeom prst="rect">
-                <a:avLst/>
-              </a:prstGeom>
-              <a:noFill/>
-            </p:spPr>
-            <p:txBody>
-              <a:bodyPr wrap="square" rtlCol="0">
-                <a:spAutoFit/>
-              </a:bodyPr>
-              <a:p>
-                <a:r>
-                  <a:rPr lang="en-US" b="1">
-                    <a:latin typeface="Courier 10 Pitch" charset="0"/>
-                    <a:ea typeface="+mj-lt"/>
-                    <a:cs typeface="Courier 10 Pitch" charset="0"/>
-                  </a:rPr>
-                  <a:t>80%</a:t>
-                </a:r>
-                <a:endParaRPr lang="en-US" b="1">
-                  <a:latin typeface="Courier 10 Pitch" charset="0"/>
-                  <a:ea typeface="+mj-lt"/>
-                  <a:cs typeface="Courier 10 Pitch" charset="0"/>
-                </a:endParaRPr>
-              </a:p>
-            </p:txBody>
-          </p:sp>
-          <p:sp>
-            <p:nvSpPr>
-              <p:cNvPr id="42" name="Text Box 41"/>
-              <p:cNvSpPr txBox="1"/>
-              <p:nvPr/>
-            </p:nvSpPr>
-            <p:spPr>
-              <a:xfrm>
-                <a:off x="16239" y="7869"/>
-                <a:ext cx="1228" cy="580"/>
-              </a:xfrm>
-              <a:prstGeom prst="rect">
-                <a:avLst/>
-              </a:prstGeom>
-              <a:noFill/>
-            </p:spPr>
-            <p:txBody>
-              <a:bodyPr wrap="square" rtlCol="0">
-                <a:spAutoFit/>
-              </a:bodyPr>
-              <a:p>
-                <a:r>
-                  <a:rPr lang="en-US" b="1">
-                    <a:latin typeface="Courier 10 Pitch" charset="0"/>
-                    <a:ea typeface="+mj-lt"/>
-                    <a:cs typeface="Courier 10 Pitch" charset="0"/>
-                  </a:rPr>
-                  <a:t>100%</a:t>
-                </a:r>
-                <a:endParaRPr lang="en-US" b="1">
-                  <a:latin typeface="Courier 10 Pitch" charset="0"/>
-                  <a:ea typeface="+mj-lt"/>
-                  <a:cs typeface="Courier 10 Pitch" charset="0"/>
-                </a:endParaRPr>
-              </a:p>
-            </p:txBody>
-          </p:sp>
-        </p:grpSp>
-        <p:sp>
-          <p:nvSpPr>
-            <p:cNvPr id="43" name="Text Box 42"/>
-            <p:cNvSpPr txBox="1"/>
-            <p:nvPr/>
-          </p:nvSpPr>
-          <p:spPr>
-            <a:xfrm>
-              <a:off x="8422" y="5905"/>
-              <a:ext cx="1756" cy="628"/>
-            </a:xfrm>
-            <a:prstGeom prst="rect">
-              <a:avLst/>
-            </a:prstGeom>
-            <a:noFill/>
-          </p:spPr>
-          <p:txBody>
-            <a:bodyPr wrap="square" rtlCol="0">
-              <a:spAutoFit/>
-            </a:bodyPr>
-            <a:p>
-              <a:r>
-                <a:rPr lang="en-US" sz="2000" b="1">
-                  <a:latin typeface="DejaVu Sans" panose="020B0603030804020204" charset="0"/>
-                  <a:cs typeface="DejaVu Sans" panose="020B0603030804020204" charset="0"/>
-                </a:rPr>
-                <a:t>TRAIN</a:t>
-              </a:r>
-              <a:endParaRPr lang="en-US" sz="2000" b="1">
-                <a:latin typeface="DejaVu Sans" panose="020B0603030804020204" charset="0"/>
-                <a:cs typeface="DejaVu Sans" panose="020B0603030804020204" charset="0"/>
-              </a:endParaRPr>
-            </a:p>
-          </p:txBody>
-        </p:sp>
-        <p:sp>
-          <p:nvSpPr>
-            <p:cNvPr id="44" name="Rounded Rectangle 43"/>
-            <p:cNvSpPr/>
-            <p:nvPr/>
-          </p:nvSpPr>
-          <p:spPr>
-            <a:xfrm>
-              <a:off x="15299" y="5358"/>
-              <a:ext cx="1463" cy="1722"/>
-            </a:xfrm>
-            <a:prstGeom prst="roundRect">
-              <a:avLst>
-                <a:gd name="adj" fmla="val 11033"/>
-              </a:avLst>
-            </a:prstGeom>
+              </a:solidFill>
+            </a:endParaRPr>
+          </a:p>
+        </p:txBody>
+      </p:sp>
+      <p:cxnSp>
+        <p:nvCxnSpPr>
+          <p:cNvPr id="31" name="Straight Arrow Connector 30"/>
+          <p:cNvCxnSpPr/>
+          <p:nvPr/>
+        </p:nvCxnSpPr>
+        <p:spPr>
+          <a:xfrm>
+            <a:off x="3862070" y="2974975"/>
+            <a:ext cx="796925" cy="8890"/>
+          </a:xfrm>
+          <a:prstGeom prst="straightConnector1">
+            <a:avLst/>
+          </a:prstGeom>
+          <a:ln>
             <a:solidFill>
-              <a:srgbClr val="92D050"/>
+              <a:schemeClr val="tx1"/>
             </a:solidFill>
-            <a:ln>
-              <a:noFill/>
-            </a:ln>
-          </p:spPr>
-          <p:style>
-            <a:lnRef idx="2">
-              <a:schemeClr val="accent6">
-                <a:shade val="50000"/>
-              </a:schemeClr>
-            </a:lnRef>
-            <a:fillRef idx="1">
-              <a:schemeClr val="accent6"/>
-            </a:fillRef>
-            <a:effectRef idx="0">
-              <a:schemeClr val="accent6"/>
-            </a:effectRef>
-            <a:fontRef idx="minor">
-              <a:schemeClr val="lt1"/>
-            </a:fontRef>
-          </p:style>
-          <p:txBody>
-            <a:bodyPr rtlCol="0" anchor="ctr"/>
-            <a:p>
-              <a:pPr algn="ctr"/>
-              <a:endParaRPr lang="en-US"/>
-            </a:p>
-          </p:txBody>
-        </p:sp>
-        <p:sp>
-          <p:nvSpPr>
-            <p:cNvPr id="45" name="Rectangles 44"/>
-            <p:cNvSpPr/>
-            <p:nvPr/>
-          </p:nvSpPr>
-          <p:spPr>
-            <a:xfrm>
-              <a:off x="15299" y="5358"/>
-              <a:ext cx="1230" cy="1722"/>
-            </a:xfrm>
-            <a:prstGeom prst="rect">
-              <a:avLst/>
-            </a:prstGeom>
+            <a:tailEnd type="arrow"/>
+          </a:ln>
+        </p:spPr>
+        <p:style>
+          <a:lnRef idx="1">
+            <a:schemeClr val="accent1"/>
+          </a:lnRef>
+          <a:fillRef idx="0">
+            <a:schemeClr val="accent1"/>
+          </a:fillRef>
+          <a:effectRef idx="0">
+            <a:schemeClr val="accent1"/>
+          </a:effectRef>
+          <a:fontRef idx="minor">
+            <a:schemeClr val="tx1"/>
+          </a:fontRef>
+        </p:style>
+      </p:cxnSp>
+      <p:cxnSp>
+        <p:nvCxnSpPr>
+          <p:cNvPr id="32" name="Straight Arrow Connector 31"/>
+          <p:cNvCxnSpPr/>
+          <p:nvPr/>
+        </p:nvCxnSpPr>
+        <p:spPr>
+          <a:xfrm>
+            <a:off x="7054850" y="2974975"/>
+            <a:ext cx="796925" cy="8890"/>
+          </a:xfrm>
+          <a:prstGeom prst="straightConnector1">
+            <a:avLst/>
+          </a:prstGeom>
+          <a:ln>
             <a:solidFill>
-              <a:srgbClr val="92D050"/>
+              <a:schemeClr val="tx1"/>
             </a:solidFill>
-            <a:ln>
-              <a:noFill/>
-            </a:ln>
-          </p:spPr>
-          <p:style>
-            <a:lnRef idx="2">
-              <a:schemeClr val="accent1">
-                <a:shade val="50000"/>
-              </a:schemeClr>
-            </a:lnRef>
-            <a:fillRef idx="1">
-              <a:schemeClr val="accent1"/>
-            </a:fillRef>
-            <a:effectRef idx="0">
-              <a:schemeClr val="accent1"/>
-            </a:effectRef>
-            <a:fontRef idx="minor">
-              <a:schemeClr val="lt1"/>
-            </a:fontRef>
-          </p:style>
-          <p:txBody>
-            <a:bodyPr rtlCol="0" anchor="ctr"/>
-            <a:p>
-              <a:pPr algn="ctr"/>
-              <a:endParaRPr lang="en-US"/>
-            </a:p>
-          </p:txBody>
-        </p:sp>
-        <p:sp>
-          <p:nvSpPr>
-            <p:cNvPr id="46" name="Text Box 45"/>
-            <p:cNvSpPr txBox="1"/>
-            <p:nvPr/>
-          </p:nvSpPr>
-          <p:spPr>
-            <a:xfrm>
-              <a:off x="15315" y="5905"/>
-              <a:ext cx="1447" cy="628"/>
-            </a:xfrm>
-            <a:prstGeom prst="rect">
-              <a:avLst/>
-            </a:prstGeom>
-            <a:noFill/>
-          </p:spPr>
-          <p:txBody>
-            <a:bodyPr wrap="square" rtlCol="0">
-              <a:spAutoFit/>
-            </a:bodyPr>
-            <a:p>
-              <a:r>
-                <a:rPr lang="en-US" sz="2000" b="1">
-                  <a:latin typeface="DejaVu Sans" panose="020B0603030804020204" charset="0"/>
-                  <a:cs typeface="DejaVu Sans" panose="020B0603030804020204" charset="0"/>
-                </a:rPr>
-                <a:t>TEST</a:t>
-              </a:r>
-              <a:endParaRPr lang="en-US" sz="2000" b="1">
-                <a:latin typeface="DejaVu Sans" panose="020B0603030804020204" charset="0"/>
-                <a:cs typeface="DejaVu Sans" panose="020B0603030804020204" charset="0"/>
-              </a:endParaRPr>
-            </a:p>
-          </p:txBody>
-        </p:sp>
-      </p:grpSp>
+            <a:tailEnd type="arrow"/>
+          </a:ln>
+        </p:spPr>
+        <p:style>
+          <a:lnRef idx="1">
+            <a:schemeClr val="accent1"/>
+          </a:lnRef>
+          <a:fillRef idx="0">
+            <a:schemeClr val="accent1"/>
+          </a:fillRef>
+          <a:effectRef idx="0">
+            <a:schemeClr val="accent1"/>
+          </a:effectRef>
+          <a:fontRef idx="minor">
+            <a:schemeClr val="tx1"/>
+          </a:fontRef>
+        </p:style>
+      </p:cxnSp>
+      <p:sp>
+        <p:nvSpPr>
+          <p:cNvPr id="3" name="Oval 2"/>
+          <p:cNvSpPr/>
+          <p:nvPr/>
+        </p:nvSpPr>
+        <p:spPr>
+          <a:xfrm>
+            <a:off x="1931035" y="2148205"/>
+            <a:ext cx="365760" cy="365760"/>
+          </a:xfrm>
+          <a:prstGeom prst="ellipse">
+            <a:avLst/>
+          </a:prstGeom>
+          <a:ln>
+            <a:solidFill>
+              <a:schemeClr val="tx1"/>
+            </a:solidFill>
+          </a:ln>
+        </p:spPr>
+        <p:style>
+          <a:lnRef idx="2">
+            <a:schemeClr val="accent2"/>
+          </a:lnRef>
+          <a:fillRef idx="1">
+            <a:schemeClr val="lt1"/>
+          </a:fillRef>
+          <a:effectRef idx="0">
+            <a:schemeClr val="accent2"/>
+          </a:effectRef>
+          <a:fontRef idx="minor">
+            <a:schemeClr val="dk1"/>
+          </a:fontRef>
+        </p:style>
+        <p:txBody>
+          <a:bodyPr rtlCol="0" anchor="ctr"/>
+          <a:p>
+            <a:pPr algn="ctr"/>
+            <a:r>
+              <a:rPr lang="en-US" sz="2000">
+                <a:solidFill>
+                  <a:schemeClr val="tx1"/>
+                </a:solidFill>
+              </a:rPr>
+              <a:t>1</a:t>
+            </a:r>
+            <a:endParaRPr lang="en-US" sz="2000">
+              <a:solidFill>
+                <a:schemeClr val="tx1"/>
+              </a:solidFill>
+            </a:endParaRPr>
+          </a:p>
+        </p:txBody>
+      </p:sp>
+      <p:sp>
+        <p:nvSpPr>
+          <p:cNvPr id="4" name="Oval 3"/>
+          <p:cNvSpPr/>
+          <p:nvPr/>
+        </p:nvSpPr>
+        <p:spPr>
+          <a:xfrm>
+            <a:off x="1066800" y="3299460"/>
+            <a:ext cx="365760" cy="365760"/>
+          </a:xfrm>
+          <a:prstGeom prst="ellipse">
+            <a:avLst/>
+          </a:prstGeom>
+          <a:solidFill>
+            <a:schemeClr val="bg1"/>
+          </a:solidFill>
+          <a:ln>
+            <a:solidFill>
+              <a:schemeClr val="tx1"/>
+            </a:solidFill>
+          </a:ln>
+        </p:spPr>
+        <p:style>
+          <a:lnRef idx="2">
+            <a:schemeClr val="accent1">
+              <a:shade val="50000"/>
+            </a:schemeClr>
+          </a:lnRef>
+          <a:fillRef idx="1">
+            <a:schemeClr val="accent1"/>
+          </a:fillRef>
+          <a:effectRef idx="0">
+            <a:schemeClr val="accent1"/>
+          </a:effectRef>
+          <a:fontRef idx="minor">
+            <a:schemeClr val="lt1"/>
+          </a:fontRef>
+        </p:style>
+        <p:txBody>
+          <a:bodyPr rtlCol="0" anchor="ctr"/>
+          <a:p>
+            <a:pPr algn="ctr"/>
+            <a:r>
+              <a:rPr lang="en-US" sz="2000">
+                <a:solidFill>
+                  <a:schemeClr val="tx1"/>
+                </a:solidFill>
+              </a:rPr>
+              <a:t>2</a:t>
+            </a:r>
+            <a:endParaRPr lang="en-US" sz="2000">
+              <a:solidFill>
+                <a:schemeClr val="tx1"/>
+              </a:solidFill>
+            </a:endParaRPr>
+          </a:p>
+        </p:txBody>
+      </p:sp>
+      <p:sp>
+        <p:nvSpPr>
+          <p:cNvPr id="5" name="Oval 4"/>
+          <p:cNvSpPr/>
+          <p:nvPr/>
+        </p:nvSpPr>
+        <p:spPr>
+          <a:xfrm>
+            <a:off x="2783205" y="3299460"/>
+            <a:ext cx="365760" cy="365760"/>
+          </a:xfrm>
+          <a:prstGeom prst="ellipse">
+            <a:avLst/>
+          </a:prstGeom>
+        </p:spPr>
+        <p:style>
+          <a:lnRef idx="2">
+            <a:schemeClr val="dk1"/>
+          </a:lnRef>
+          <a:fillRef idx="1">
+            <a:schemeClr val="lt1"/>
+          </a:fillRef>
+          <a:effectRef idx="0">
+            <a:schemeClr val="dk1"/>
+          </a:effectRef>
+          <a:fontRef idx="minor">
+            <a:schemeClr val="dk1"/>
+          </a:fontRef>
+        </p:style>
+        <p:txBody>
+          <a:bodyPr rtlCol="0" anchor="ctr"/>
+          <a:p>
+            <a:pPr algn="ctr"/>
+            <a:r>
+              <a:rPr lang="en-US" sz="2000">
+                <a:solidFill>
+                  <a:schemeClr val="tx1"/>
+                </a:solidFill>
+              </a:rPr>
+              <a:t>3</a:t>
+            </a:r>
+            <a:endParaRPr lang="en-US" sz="2000">
+              <a:solidFill>
+                <a:schemeClr val="tx1"/>
+              </a:solidFill>
+            </a:endParaRPr>
+          </a:p>
+        </p:txBody>
+      </p:sp>
+      <p:cxnSp>
+        <p:nvCxnSpPr>
+          <p:cNvPr id="7" name="Straight Arrow Connector 6"/>
+          <p:cNvCxnSpPr>
+            <a:stCxn id="3" idx="3"/>
+            <a:endCxn id="4" idx="7"/>
+          </p:cNvCxnSpPr>
+          <p:nvPr/>
+        </p:nvCxnSpPr>
+        <p:spPr>
+          <a:xfrm flipH="1">
+            <a:off x="1379220" y="2460625"/>
+            <a:ext cx="605155" cy="892175"/>
+          </a:xfrm>
+          <a:prstGeom prst="straightConnector1">
+            <a:avLst/>
+          </a:prstGeom>
+          <a:ln w="28575">
+            <a:tailEnd type="arrow"/>
+          </a:ln>
+        </p:spPr>
+        <p:style>
+          <a:lnRef idx="1">
+            <a:schemeClr val="accent1"/>
+          </a:lnRef>
+          <a:fillRef idx="0">
+            <a:schemeClr val="accent1"/>
+          </a:fillRef>
+          <a:effectRef idx="0">
+            <a:schemeClr val="accent1"/>
+          </a:effectRef>
+          <a:fontRef idx="minor">
+            <a:schemeClr val="tx1"/>
+          </a:fontRef>
+        </p:style>
+      </p:cxnSp>
+      <p:cxnSp>
+        <p:nvCxnSpPr>
+          <p:cNvPr id="8" name="Straight Arrow Connector 7"/>
+          <p:cNvCxnSpPr>
+            <a:stCxn id="3" idx="5"/>
+            <a:endCxn id="5" idx="1"/>
+          </p:cNvCxnSpPr>
+          <p:nvPr/>
+        </p:nvCxnSpPr>
+        <p:spPr>
+          <a:xfrm>
+            <a:off x="2243455" y="2460625"/>
+            <a:ext cx="593090" cy="892175"/>
+          </a:xfrm>
+          <a:prstGeom prst="straightConnector1">
+            <a:avLst/>
+          </a:prstGeom>
+          <a:ln w="28575">
+            <a:tailEnd type="arrow"/>
+          </a:ln>
+        </p:spPr>
+        <p:style>
+          <a:lnRef idx="1">
+            <a:schemeClr val="accent1"/>
+          </a:lnRef>
+          <a:fillRef idx="0">
+            <a:schemeClr val="accent1"/>
+          </a:fillRef>
+          <a:effectRef idx="0">
+            <a:schemeClr val="accent1"/>
+          </a:effectRef>
+          <a:fontRef idx="minor">
+            <a:schemeClr val="tx1"/>
+          </a:fontRef>
+        </p:style>
+      </p:cxnSp>
+      <p:cxnSp>
+        <p:nvCxnSpPr>
+          <p:cNvPr id="12" name="Straight Arrow Connector 11"/>
+          <p:cNvCxnSpPr>
+            <a:stCxn id="5" idx="3"/>
+          </p:cNvCxnSpPr>
+          <p:nvPr/>
+        </p:nvCxnSpPr>
+        <p:spPr>
+          <a:xfrm flipH="1">
+            <a:off x="2210435" y="3611880"/>
+            <a:ext cx="626110" cy="998855"/>
+          </a:xfrm>
+          <a:prstGeom prst="straightConnector1">
+            <a:avLst/>
+          </a:prstGeom>
+          <a:ln w="28575">
+            <a:tailEnd type="arrow"/>
+          </a:ln>
+        </p:spPr>
+        <p:style>
+          <a:lnRef idx="1">
+            <a:schemeClr val="accent1"/>
+          </a:lnRef>
+          <a:fillRef idx="0">
+            <a:schemeClr val="accent1"/>
+          </a:fillRef>
+          <a:effectRef idx="0">
+            <a:schemeClr val="accent1"/>
+          </a:effectRef>
+          <a:fontRef idx="minor">
+            <a:schemeClr val="tx1"/>
+          </a:fontRef>
+        </p:style>
+      </p:cxnSp>
+      <p:sp>
+        <p:nvSpPr>
+          <p:cNvPr id="33" name="Oval 32"/>
+          <p:cNvSpPr/>
+          <p:nvPr/>
+        </p:nvSpPr>
+        <p:spPr>
+          <a:xfrm>
+            <a:off x="1931035" y="4610735"/>
+            <a:ext cx="365760" cy="365760"/>
+          </a:xfrm>
+          <a:prstGeom prst="ellipse">
+            <a:avLst/>
+          </a:prstGeom>
+          <a:solidFill>
+            <a:schemeClr val="bg1"/>
+          </a:solidFill>
+          <a:ln>
+            <a:solidFill>
+              <a:schemeClr val="tx1"/>
+            </a:solidFill>
+          </a:ln>
+        </p:spPr>
+        <p:style>
+          <a:lnRef idx="2">
+            <a:schemeClr val="accent1">
+              <a:shade val="50000"/>
+            </a:schemeClr>
+          </a:lnRef>
+          <a:fillRef idx="1">
+            <a:schemeClr val="accent1"/>
+          </a:fillRef>
+          <a:effectRef idx="0">
+            <a:schemeClr val="accent1"/>
+          </a:effectRef>
+          <a:fontRef idx="minor">
+            <a:schemeClr val="lt1"/>
+          </a:fontRef>
+        </p:style>
+        <p:txBody>
+          <a:bodyPr rtlCol="0" anchor="ctr"/>
+          <a:p>
+            <a:pPr algn="ctr"/>
+            <a:r>
+              <a:rPr lang="en-US" sz="2000">
+                <a:solidFill>
+                  <a:schemeClr val="tx1"/>
+                </a:solidFill>
+              </a:rPr>
+              <a:t>4</a:t>
+            </a:r>
+            <a:endParaRPr lang="en-US" sz="2000">
+              <a:solidFill>
+                <a:schemeClr val="tx1"/>
+              </a:solidFill>
+            </a:endParaRPr>
+          </a:p>
+        </p:txBody>
+      </p:sp>
+      <p:cxnSp>
+        <p:nvCxnSpPr>
+          <p:cNvPr id="34" name="Straight Arrow Connector 33"/>
+          <p:cNvCxnSpPr>
+            <a:stCxn id="5" idx="5"/>
+            <a:endCxn id="35" idx="1"/>
+          </p:cNvCxnSpPr>
+          <p:nvPr/>
+        </p:nvCxnSpPr>
+        <p:spPr>
+          <a:xfrm>
+            <a:off x="3095625" y="3611880"/>
+            <a:ext cx="699770" cy="1052195"/>
+          </a:xfrm>
+          <a:prstGeom prst="straightConnector1">
+            <a:avLst/>
+          </a:prstGeom>
+          <a:ln w="28575">
+            <a:tailEnd type="arrow"/>
+          </a:ln>
+        </p:spPr>
+        <p:style>
+          <a:lnRef idx="1">
+            <a:schemeClr val="accent1"/>
+          </a:lnRef>
+          <a:fillRef idx="0">
+            <a:schemeClr val="accent1"/>
+          </a:fillRef>
+          <a:effectRef idx="0">
+            <a:schemeClr val="accent1"/>
+          </a:effectRef>
+          <a:fontRef idx="minor">
+            <a:schemeClr val="tx1"/>
+          </a:fontRef>
+        </p:style>
+      </p:cxnSp>
+      <p:sp>
+        <p:nvSpPr>
+          <p:cNvPr id="35" name="Oval 34"/>
+          <p:cNvSpPr/>
+          <p:nvPr/>
+        </p:nvSpPr>
+        <p:spPr>
+          <a:xfrm>
+            <a:off x="3742055" y="4610735"/>
+            <a:ext cx="365760" cy="365760"/>
+          </a:xfrm>
+          <a:prstGeom prst="ellipse">
+            <a:avLst/>
+          </a:prstGeom>
+          <a:solidFill>
+            <a:schemeClr val="bg1"/>
+          </a:solidFill>
+          <a:ln>
+            <a:solidFill>
+              <a:srgbClr val="FF0000"/>
+            </a:solidFill>
+          </a:ln>
+        </p:spPr>
+        <p:style>
+          <a:lnRef idx="2">
+            <a:schemeClr val="accent1">
+              <a:shade val="50000"/>
+            </a:schemeClr>
+          </a:lnRef>
+          <a:fillRef idx="1">
+            <a:schemeClr val="accent1"/>
+          </a:fillRef>
+          <a:effectRef idx="0">
+            <a:schemeClr val="accent1"/>
+          </a:effectRef>
+          <a:fontRef idx="minor">
+            <a:schemeClr val="lt1"/>
+          </a:fontRef>
+        </p:style>
+        <p:txBody>
+          <a:bodyPr rtlCol="0" anchor="ctr"/>
+          <a:p>
+            <a:pPr algn="ctr"/>
+            <a:r>
+              <a:rPr lang="en-US" sz="2000">
+                <a:solidFill>
+                  <a:schemeClr val="tx1"/>
+                </a:solidFill>
+              </a:rPr>
+              <a:t>5</a:t>
+            </a:r>
+            <a:endParaRPr lang="en-US" sz="2000">
+              <a:solidFill>
+                <a:schemeClr val="tx1"/>
+              </a:solidFill>
+            </a:endParaRPr>
+          </a:p>
+        </p:txBody>
+      </p:sp>
+      <p:sp>
+        <p:nvSpPr>
+          <p:cNvPr id="45" name="Rectangles 44"/>
+          <p:cNvSpPr/>
+          <p:nvPr/>
+        </p:nvSpPr>
+        <p:spPr>
+          <a:xfrm>
+            <a:off x="631190" y="5354955"/>
+            <a:ext cx="1236980" cy="357505"/>
+          </a:xfrm>
+          <a:prstGeom prst="rect">
+            <a:avLst/>
+          </a:prstGeom>
+          <a:solidFill>
+            <a:schemeClr val="bg1"/>
+          </a:solidFill>
+          <a:ln>
+            <a:solidFill>
+              <a:schemeClr val="tx1"/>
+            </a:solidFill>
+          </a:ln>
+        </p:spPr>
+        <p:style>
+          <a:lnRef idx="2">
+            <a:schemeClr val="accent1">
+              <a:shade val="50000"/>
+            </a:schemeClr>
+          </a:lnRef>
+          <a:fillRef idx="1">
+            <a:schemeClr val="accent1"/>
+          </a:fillRef>
+          <a:effectRef idx="0">
+            <a:schemeClr val="accent1"/>
+          </a:effectRef>
+          <a:fontRef idx="minor">
+            <a:schemeClr val="lt1"/>
+          </a:fontRef>
+        </p:style>
+        <p:txBody>
+          <a:bodyPr rtlCol="0" anchor="ctr"/>
+          <a:p>
+            <a:pPr algn="ctr"/>
+            <a:r>
+              <a:rPr lang="en-US">
+                <a:solidFill>
+                  <a:srgbClr val="FF0000"/>
+                </a:solidFill>
+              </a:rPr>
+              <a:t>4</a:t>
+            </a:r>
+            <a:endParaRPr lang="en-US">
+              <a:solidFill>
+                <a:srgbClr val="FF0000"/>
+              </a:solidFill>
+            </a:endParaRPr>
+          </a:p>
+        </p:txBody>
+      </p:sp>
+      <p:sp>
+        <p:nvSpPr>
+          <p:cNvPr id="46" name="Text Box 45"/>
+          <p:cNvSpPr txBox="1"/>
+          <p:nvPr/>
+        </p:nvSpPr>
+        <p:spPr>
+          <a:xfrm>
+            <a:off x="554990" y="4853940"/>
+            <a:ext cx="944880" cy="368300"/>
+          </a:xfrm>
+          <a:prstGeom prst="rect">
+            <a:avLst/>
+          </a:prstGeom>
+          <a:noFill/>
+        </p:spPr>
+        <p:txBody>
+          <a:bodyPr wrap="none" rtlCol="0">
+            <a:spAutoFit/>
+          </a:bodyPr>
+          <a:p>
+            <a:r>
+              <a:rPr lang="en-US"/>
+              <a:t>POP</a:t>
+            </a:r>
+            <a:r>
+              <a:rPr lang="ja-JP" altLang="en-US"/>
+              <a:t>：</a:t>
+            </a:r>
+            <a:r>
+              <a:rPr lang="en-US" altLang="ja-JP"/>
+              <a:t>5</a:t>
+            </a:r>
+            <a:endParaRPr lang="en-US" altLang="ja-JP"/>
+          </a:p>
+        </p:txBody>
+      </p:sp>
+      <p:sp>
+        <p:nvSpPr>
+          <p:cNvPr id="47" name="Oval 46"/>
+          <p:cNvSpPr/>
+          <p:nvPr/>
+        </p:nvSpPr>
+        <p:spPr>
+          <a:xfrm>
+            <a:off x="5722620" y="2148205"/>
+            <a:ext cx="365760" cy="365760"/>
+          </a:xfrm>
+          <a:prstGeom prst="ellipse">
+            <a:avLst/>
+          </a:prstGeom>
+          <a:ln>
+            <a:solidFill>
+              <a:schemeClr val="tx1"/>
+            </a:solidFill>
+          </a:ln>
+        </p:spPr>
+        <p:style>
+          <a:lnRef idx="2">
+            <a:schemeClr val="accent2"/>
+          </a:lnRef>
+          <a:fillRef idx="1">
+            <a:schemeClr val="lt1"/>
+          </a:fillRef>
+          <a:effectRef idx="0">
+            <a:schemeClr val="accent2"/>
+          </a:effectRef>
+          <a:fontRef idx="minor">
+            <a:schemeClr val="dk1"/>
+          </a:fontRef>
+        </p:style>
+        <p:txBody>
+          <a:bodyPr rtlCol="0" anchor="ctr"/>
+          <a:p>
+            <a:pPr algn="ctr"/>
+            <a:r>
+              <a:rPr lang="en-US" sz="2000">
+                <a:solidFill>
+                  <a:schemeClr val="tx1"/>
+                </a:solidFill>
+              </a:rPr>
+              <a:t>1</a:t>
+            </a:r>
+            <a:endParaRPr lang="en-US" sz="2000">
+              <a:solidFill>
+                <a:schemeClr val="tx1"/>
+              </a:solidFill>
+            </a:endParaRPr>
+          </a:p>
+        </p:txBody>
+      </p:sp>
+      <p:sp>
+        <p:nvSpPr>
+          <p:cNvPr id="48" name="Oval 47"/>
+          <p:cNvSpPr/>
+          <p:nvPr/>
+        </p:nvSpPr>
+        <p:spPr>
+          <a:xfrm>
+            <a:off x="4858385" y="3299460"/>
+            <a:ext cx="365760" cy="365760"/>
+          </a:xfrm>
+          <a:prstGeom prst="ellipse">
+            <a:avLst/>
+          </a:prstGeom>
+          <a:solidFill>
+            <a:schemeClr val="bg1"/>
+          </a:solidFill>
+          <a:ln>
+            <a:solidFill>
+              <a:schemeClr val="tx1"/>
+            </a:solidFill>
+          </a:ln>
+        </p:spPr>
+        <p:style>
+          <a:lnRef idx="2">
+            <a:schemeClr val="accent1">
+              <a:shade val="50000"/>
+            </a:schemeClr>
+          </a:lnRef>
+          <a:fillRef idx="1">
+            <a:schemeClr val="accent1"/>
+          </a:fillRef>
+          <a:effectRef idx="0">
+            <a:schemeClr val="accent1"/>
+          </a:effectRef>
+          <a:fontRef idx="minor">
+            <a:schemeClr val="lt1"/>
+          </a:fontRef>
+        </p:style>
+        <p:txBody>
+          <a:bodyPr rtlCol="0" anchor="ctr"/>
+          <a:p>
+            <a:pPr algn="ctr"/>
+            <a:r>
+              <a:rPr lang="en-US" sz="2000">
+                <a:solidFill>
+                  <a:schemeClr val="tx1"/>
+                </a:solidFill>
+              </a:rPr>
+              <a:t>2</a:t>
+            </a:r>
+            <a:endParaRPr lang="en-US" sz="2000">
+              <a:solidFill>
+                <a:schemeClr val="tx1"/>
+              </a:solidFill>
+            </a:endParaRPr>
+          </a:p>
+        </p:txBody>
+      </p:sp>
+      <p:sp>
+        <p:nvSpPr>
+          <p:cNvPr id="49" name="Oval 48"/>
+          <p:cNvSpPr/>
+          <p:nvPr/>
+        </p:nvSpPr>
+        <p:spPr>
+          <a:xfrm>
+            <a:off x="6574790" y="3299460"/>
+            <a:ext cx="365760" cy="365760"/>
+          </a:xfrm>
+          <a:prstGeom prst="ellipse">
+            <a:avLst/>
+          </a:prstGeom>
+        </p:spPr>
+        <p:style>
+          <a:lnRef idx="2">
+            <a:schemeClr val="dk1"/>
+          </a:lnRef>
+          <a:fillRef idx="1">
+            <a:schemeClr val="lt1"/>
+          </a:fillRef>
+          <a:effectRef idx="0">
+            <a:schemeClr val="dk1"/>
+          </a:effectRef>
+          <a:fontRef idx="minor">
+            <a:schemeClr val="dk1"/>
+          </a:fontRef>
+        </p:style>
+        <p:txBody>
+          <a:bodyPr rtlCol="0" anchor="ctr"/>
+          <a:p>
+            <a:pPr algn="ctr"/>
+            <a:r>
+              <a:rPr lang="en-US" sz="2000">
+                <a:solidFill>
+                  <a:schemeClr val="tx1"/>
+                </a:solidFill>
+              </a:rPr>
+              <a:t>3</a:t>
+            </a:r>
+            <a:endParaRPr lang="en-US" sz="2000">
+              <a:solidFill>
+                <a:schemeClr val="tx1"/>
+              </a:solidFill>
+            </a:endParaRPr>
+          </a:p>
+        </p:txBody>
+      </p:sp>
+      <p:cxnSp>
+        <p:nvCxnSpPr>
+          <p:cNvPr id="50" name="Straight Arrow Connector 49"/>
+          <p:cNvCxnSpPr>
+            <a:stCxn id="47" idx="3"/>
+            <a:endCxn id="48" idx="7"/>
+          </p:cNvCxnSpPr>
+          <p:nvPr/>
+        </p:nvCxnSpPr>
+        <p:spPr>
+          <a:xfrm flipH="1">
+            <a:off x="5170805" y="2460625"/>
+            <a:ext cx="605155" cy="892175"/>
+          </a:xfrm>
+          <a:prstGeom prst="straightConnector1">
+            <a:avLst/>
+          </a:prstGeom>
+          <a:ln w="28575">
+            <a:tailEnd type="arrow"/>
+          </a:ln>
+        </p:spPr>
+        <p:style>
+          <a:lnRef idx="1">
+            <a:schemeClr val="accent1"/>
+          </a:lnRef>
+          <a:fillRef idx="0">
+            <a:schemeClr val="accent1"/>
+          </a:fillRef>
+          <a:effectRef idx="0">
+            <a:schemeClr val="accent1"/>
+          </a:effectRef>
+          <a:fontRef idx="minor">
+            <a:schemeClr val="tx1"/>
+          </a:fontRef>
+        </p:style>
+      </p:cxnSp>
+      <p:cxnSp>
+        <p:nvCxnSpPr>
+          <p:cNvPr id="51" name="Straight Arrow Connector 50"/>
+          <p:cNvCxnSpPr>
+            <a:stCxn id="47" idx="5"/>
+            <a:endCxn id="49" idx="1"/>
+          </p:cNvCxnSpPr>
+          <p:nvPr/>
+        </p:nvCxnSpPr>
+        <p:spPr>
+          <a:xfrm>
+            <a:off x="6035040" y="2460625"/>
+            <a:ext cx="593090" cy="892175"/>
+          </a:xfrm>
+          <a:prstGeom prst="straightConnector1">
+            <a:avLst/>
+          </a:prstGeom>
+          <a:ln w="28575">
+            <a:tailEnd type="arrow"/>
+          </a:ln>
+        </p:spPr>
+        <p:style>
+          <a:lnRef idx="1">
+            <a:schemeClr val="accent1"/>
+          </a:lnRef>
+          <a:fillRef idx="0">
+            <a:schemeClr val="accent1"/>
+          </a:fillRef>
+          <a:effectRef idx="0">
+            <a:schemeClr val="accent1"/>
+          </a:effectRef>
+          <a:fontRef idx="minor">
+            <a:schemeClr val="tx1"/>
+          </a:fontRef>
+        </p:style>
+      </p:cxnSp>
+      <p:cxnSp>
+        <p:nvCxnSpPr>
+          <p:cNvPr id="52" name="Straight Arrow Connector 51"/>
+          <p:cNvCxnSpPr>
+            <a:stCxn id="49" idx="3"/>
+          </p:cNvCxnSpPr>
+          <p:nvPr/>
+        </p:nvCxnSpPr>
+        <p:spPr>
+          <a:xfrm flipH="1">
+            <a:off x="6002020" y="3611880"/>
+            <a:ext cx="626110" cy="998855"/>
+          </a:xfrm>
+          <a:prstGeom prst="straightConnector1">
+            <a:avLst/>
+          </a:prstGeom>
+          <a:ln w="28575">
+            <a:tailEnd type="arrow"/>
+          </a:ln>
+        </p:spPr>
+        <p:style>
+          <a:lnRef idx="1">
+            <a:schemeClr val="accent1"/>
+          </a:lnRef>
+          <a:fillRef idx="0">
+            <a:schemeClr val="accent1"/>
+          </a:fillRef>
+          <a:effectRef idx="0">
+            <a:schemeClr val="accent1"/>
+          </a:effectRef>
+          <a:fontRef idx="minor">
+            <a:schemeClr val="tx1"/>
+          </a:fontRef>
+        </p:style>
+      </p:cxnSp>
+      <p:sp>
+        <p:nvSpPr>
+          <p:cNvPr id="53" name="Oval 52"/>
+          <p:cNvSpPr/>
+          <p:nvPr/>
+        </p:nvSpPr>
+        <p:spPr>
+          <a:xfrm>
+            <a:off x="5722620" y="4610735"/>
+            <a:ext cx="365760" cy="365760"/>
+          </a:xfrm>
+          <a:prstGeom prst="ellipse">
+            <a:avLst/>
+          </a:prstGeom>
+          <a:solidFill>
+            <a:schemeClr val="bg1"/>
+          </a:solidFill>
+          <a:ln>
+            <a:solidFill>
+              <a:srgbClr val="FF0000"/>
+            </a:solidFill>
+          </a:ln>
+        </p:spPr>
+        <p:style>
+          <a:lnRef idx="2">
+            <a:schemeClr val="accent1">
+              <a:shade val="50000"/>
+            </a:schemeClr>
+          </a:lnRef>
+          <a:fillRef idx="1">
+            <a:schemeClr val="accent1"/>
+          </a:fillRef>
+          <a:effectRef idx="0">
+            <a:schemeClr val="accent1"/>
+          </a:effectRef>
+          <a:fontRef idx="minor">
+            <a:schemeClr val="lt1"/>
+          </a:fontRef>
+        </p:style>
+        <p:txBody>
+          <a:bodyPr rtlCol="0" anchor="ctr"/>
+          <a:p>
+            <a:pPr algn="ctr"/>
+            <a:r>
+              <a:rPr lang="en-US" sz="2000">
+                <a:solidFill>
+                  <a:schemeClr val="tx1"/>
+                </a:solidFill>
+              </a:rPr>
+              <a:t>4</a:t>
+            </a:r>
+            <a:endParaRPr lang="en-US" sz="2000">
+              <a:solidFill>
+                <a:schemeClr val="tx1"/>
+              </a:solidFill>
+            </a:endParaRPr>
+          </a:p>
+        </p:txBody>
+      </p:sp>
+      <p:cxnSp>
+        <p:nvCxnSpPr>
+          <p:cNvPr id="54" name="Straight Arrow Connector 53"/>
+          <p:cNvCxnSpPr>
+            <a:stCxn id="49" idx="5"/>
+            <a:endCxn id="55" idx="1"/>
+          </p:cNvCxnSpPr>
+          <p:nvPr/>
+        </p:nvCxnSpPr>
+        <p:spPr>
+          <a:xfrm>
+            <a:off x="6887210" y="3611880"/>
+            <a:ext cx="699770" cy="1052195"/>
+          </a:xfrm>
+          <a:prstGeom prst="straightConnector1">
+            <a:avLst/>
+          </a:prstGeom>
+          <a:ln w="28575">
+            <a:tailEnd type="arrow"/>
+          </a:ln>
+        </p:spPr>
+        <p:style>
+          <a:lnRef idx="1">
+            <a:schemeClr val="accent1"/>
+          </a:lnRef>
+          <a:fillRef idx="0">
+            <a:schemeClr val="accent1"/>
+          </a:fillRef>
+          <a:effectRef idx="0">
+            <a:schemeClr val="accent1"/>
+          </a:effectRef>
+          <a:fontRef idx="minor">
+            <a:schemeClr val="tx1"/>
+          </a:fontRef>
+        </p:style>
+      </p:cxnSp>
+      <p:sp>
+        <p:nvSpPr>
+          <p:cNvPr id="55" name="Oval 54"/>
+          <p:cNvSpPr/>
+          <p:nvPr/>
+        </p:nvSpPr>
+        <p:spPr>
+          <a:xfrm>
+            <a:off x="7533640" y="4610735"/>
+            <a:ext cx="365760" cy="365760"/>
+          </a:xfrm>
+          <a:prstGeom prst="ellipse">
+            <a:avLst/>
+          </a:prstGeom>
+          <a:solidFill>
+            <a:schemeClr val="bg1"/>
+          </a:solidFill>
+          <a:ln>
+            <a:solidFill>
+              <a:schemeClr val="tx1"/>
+            </a:solidFill>
+          </a:ln>
+        </p:spPr>
+        <p:style>
+          <a:lnRef idx="2">
+            <a:schemeClr val="accent1">
+              <a:shade val="50000"/>
+            </a:schemeClr>
+          </a:lnRef>
+          <a:fillRef idx="1">
+            <a:schemeClr val="accent1"/>
+          </a:fillRef>
+          <a:effectRef idx="0">
+            <a:schemeClr val="accent1"/>
+          </a:effectRef>
+          <a:fontRef idx="minor">
+            <a:schemeClr val="lt1"/>
+          </a:fontRef>
+        </p:style>
+        <p:txBody>
+          <a:bodyPr rtlCol="0" anchor="ctr"/>
+          <a:p>
+            <a:pPr algn="ctr"/>
+            <a:r>
+              <a:rPr lang="en-US" sz="2000">
+                <a:solidFill>
+                  <a:schemeClr val="tx1"/>
+                </a:solidFill>
+              </a:rPr>
+              <a:t>5</a:t>
+            </a:r>
+            <a:endParaRPr lang="en-US" sz="2000">
+              <a:solidFill>
+                <a:schemeClr val="tx1"/>
+              </a:solidFill>
+            </a:endParaRPr>
+          </a:p>
+        </p:txBody>
+      </p:sp>
+      <p:sp>
+        <p:nvSpPr>
+          <p:cNvPr id="56" name="Rectangles 55"/>
+          <p:cNvSpPr/>
+          <p:nvPr/>
+        </p:nvSpPr>
+        <p:spPr>
+          <a:xfrm>
+            <a:off x="4607560" y="5712460"/>
+            <a:ext cx="1236980" cy="357505"/>
+          </a:xfrm>
+          <a:prstGeom prst="rect">
+            <a:avLst/>
+          </a:prstGeom>
+          <a:solidFill>
+            <a:schemeClr val="bg1"/>
+          </a:solidFill>
+          <a:ln>
+            <a:solidFill>
+              <a:schemeClr val="tx1"/>
+            </a:solidFill>
+          </a:ln>
+        </p:spPr>
+        <p:style>
+          <a:lnRef idx="2">
+            <a:schemeClr val="accent1">
+              <a:shade val="50000"/>
+            </a:schemeClr>
+          </a:lnRef>
+          <a:fillRef idx="1">
+            <a:schemeClr val="accent1"/>
+          </a:fillRef>
+          <a:effectRef idx="0">
+            <a:schemeClr val="accent1"/>
+          </a:effectRef>
+          <a:fontRef idx="minor">
+            <a:schemeClr val="lt1"/>
+          </a:fontRef>
+        </p:style>
+        <p:txBody>
+          <a:bodyPr rtlCol="0" anchor="ctr"/>
+          <a:p>
+            <a:pPr algn="ctr"/>
+            <a:r>
+              <a:rPr lang="en-US">
+                <a:solidFill>
+                  <a:srgbClr val="FF0000"/>
+                </a:solidFill>
+              </a:rPr>
+              <a:t>2</a:t>
+            </a:r>
+            <a:endParaRPr lang="en-US">
+              <a:solidFill>
+                <a:srgbClr val="FF0000"/>
+              </a:solidFill>
+            </a:endParaRPr>
+          </a:p>
+        </p:txBody>
+      </p:sp>
+      <p:sp>
+        <p:nvSpPr>
+          <p:cNvPr id="57" name="Text Box 56"/>
+          <p:cNvSpPr txBox="1"/>
+          <p:nvPr/>
+        </p:nvSpPr>
+        <p:spPr>
+          <a:xfrm>
+            <a:off x="4526280" y="5222240"/>
+            <a:ext cx="944880" cy="368300"/>
+          </a:xfrm>
+          <a:prstGeom prst="rect">
+            <a:avLst/>
+          </a:prstGeom>
+          <a:noFill/>
+        </p:spPr>
+        <p:txBody>
+          <a:bodyPr wrap="none" rtlCol="0">
+            <a:spAutoFit/>
+          </a:bodyPr>
+          <a:p>
+            <a:r>
+              <a:rPr lang="en-US"/>
+              <a:t>POP</a:t>
+            </a:r>
+            <a:r>
+              <a:rPr lang="ja-JP" altLang="en-US"/>
+              <a:t>：</a:t>
+            </a:r>
+            <a:r>
+              <a:rPr lang="en-US" altLang="ja-JP"/>
+              <a:t>4</a:t>
+            </a:r>
+            <a:endParaRPr lang="en-US" altLang="ja-JP"/>
+          </a:p>
+        </p:txBody>
+      </p:sp>
+      <p:cxnSp>
+        <p:nvCxnSpPr>
+          <p:cNvPr id="58" name="Straight Connector 57"/>
+          <p:cNvCxnSpPr/>
+          <p:nvPr/>
+        </p:nvCxnSpPr>
+        <p:spPr>
+          <a:xfrm>
+            <a:off x="8267065" y="6069965"/>
+            <a:ext cx="1216660" cy="0"/>
+          </a:xfrm>
+          <a:prstGeom prst="line">
+            <a:avLst/>
+          </a:prstGeom>
+          <a:ln w="12700"/>
+        </p:spPr>
+        <p:style>
+          <a:lnRef idx="1">
+            <a:schemeClr val="dk1"/>
+          </a:lnRef>
+          <a:fillRef idx="0">
+            <a:schemeClr val="dk1"/>
+          </a:fillRef>
+          <a:effectRef idx="0">
+            <a:schemeClr val="dk1"/>
+          </a:effectRef>
+          <a:fontRef idx="minor">
+            <a:schemeClr val="tx1"/>
+          </a:fontRef>
+        </p:style>
+      </p:cxnSp>
+      <p:sp>
+        <p:nvSpPr>
+          <p:cNvPr id="59" name="Text Box 58"/>
+          <p:cNvSpPr txBox="1"/>
+          <p:nvPr/>
+        </p:nvSpPr>
+        <p:spPr>
+          <a:xfrm>
+            <a:off x="8169275" y="5222240"/>
+            <a:ext cx="944880" cy="368300"/>
+          </a:xfrm>
+          <a:prstGeom prst="rect">
+            <a:avLst/>
+          </a:prstGeom>
+          <a:noFill/>
+        </p:spPr>
+        <p:txBody>
+          <a:bodyPr wrap="none" rtlCol="0">
+            <a:spAutoFit/>
+          </a:bodyPr>
+          <a:p>
+            <a:r>
+              <a:rPr lang="en-US"/>
+              <a:t>POP</a:t>
+            </a:r>
+            <a:r>
+              <a:rPr lang="ja-JP" altLang="en-US"/>
+              <a:t>：</a:t>
+            </a:r>
+            <a:r>
+              <a:rPr lang="en-US" altLang="ja-JP"/>
+              <a:t>2</a:t>
+            </a:r>
+            <a:endParaRPr lang="en-US" altLang="ja-JP"/>
+          </a:p>
+        </p:txBody>
+      </p:sp>
+    </p:spTree>
+  </p:cSld>
+  <p:clrMapOvr>
+    <a:masterClrMapping/>
+  </p:clrMapOvr>
+</p:sld>
+</file>
+
+<file path=ppt/slides/slide14.xml><?xml version="1.0" encoding="utf-8"?>
+<p:sld xmlns:a="http://schemas.openxmlformats.org/drawingml/2006/main" xmlns:r="http://schemas.openxmlformats.org/officeDocument/2006/relationships" xmlns:p="http://schemas.openxmlformats.org/presentationml/2006/main">
+  <p:cSld>
+    <p:spTree>
+      <p:nvGrpSpPr>
+        <p:cNvPr id="1" name=""/>
+        <p:cNvGrpSpPr/>
+        <p:nvPr/>
+      </p:nvGrpSpPr>
+      <p:grpSpPr/>
+      <p:sp>
+        <p:nvSpPr>
+          <p:cNvPr id="2" name="Title 1"/>
+          <p:cNvSpPr>
+            <a:spLocks noGrp="1"/>
+          </p:cNvSpPr>
+          <p:nvPr>
+            <p:ph type="title"/>
+          </p:nvPr>
+        </p:nvSpPr>
+        <p:spPr/>
+        <p:txBody>
+          <a:bodyPr/>
+          <a:p>
+            <a:r>
+              <a:rPr lang="en-US" sz="3600">
+                <a:sym typeface="+mn-ea"/>
+              </a:rPr>
+              <a:t>7.1</a:t>
+            </a:r>
+            <a:r>
+              <a:rPr lang="ja-JP" altLang="en-US" sz="3600">
+                <a:sym typeface="+mn-ea"/>
+              </a:rPr>
+              <a:t>　回帰の決定木</a:t>
+            </a:r>
+            <a:endParaRPr lang="ja-JP" altLang="en-US" sz="3600">
+              <a:sym typeface="+mn-ea"/>
+            </a:endParaRPr>
+          </a:p>
+        </p:txBody>
+      </p:sp>
     </p:spTree>
   </p:cSld>
   <p:clrMapOvr>
@@ -16048,7 +18973,14 @@
                                       <a:latin typeface="DejaVu Math TeX Gyre" panose="02000503000000000000" charset="0"/>
                                       <a:cs typeface="DejaVu Math TeX Gyre" panose="02000503000000000000" charset="0"/>
                                     </a:rPr>
-                                    <m:t>𝑦−</m:t>
+                                    <m:t>𝑦</m:t>
+                                  </m:r>
+                                  <m:r>
+                                    <a:rPr lang="en-US" altLang="ja-JP" sz="2400" i="1">
+                                      <a:latin typeface="DejaVu Math TeX Gyre" panose="02000503000000000000" charset="0"/>
+                                      <a:cs typeface="DejaVu Math TeX Gyre" panose="02000503000000000000" charset="0"/>
+                                    </a:rPr>
+                                    <m:t>−</m:t>
                                   </m:r>
                                   <m:sSub>
                                     <m:sSubPr>
@@ -17497,7 +20429,7 @@
           </p:nvCxnSpPr>
           <p:spPr>
             <a:xfrm>
-              <a:off x="5342" y="4481"/>
+              <a:off x="3885" y="4465"/>
               <a:ext cx="15" cy="741"/>
             </a:xfrm>
             <a:prstGeom prst="line">
@@ -17527,8 +20459,8 @@
           </p:nvSpPr>
           <p:spPr>
             <a:xfrm>
-              <a:off x="3226" y="4498"/>
-              <a:ext cx="1756" cy="628"/>
+              <a:off x="2447" y="4538"/>
+              <a:ext cx="1453" cy="628"/>
             </a:xfrm>
             <a:prstGeom prst="rect">
               <a:avLst/>
@@ -17592,7 +20524,7 @@
           </p:nvSpPr>
           <p:spPr>
             <a:xfrm>
-              <a:off x="9718" y="4481"/>
+              <a:off x="9453" y="4521"/>
               <a:ext cx="1756" cy="628"/>
             </a:xfrm>
             <a:prstGeom prst="rect">
@@ -17855,56 +20787,290 @@
       </p:sp>
       <p:grpSp>
         <p:nvGrpSpPr>
-          <p:cNvPr id="33" name="Group 32"/>
+          <p:cNvPr id="10" name="Group 9"/>
           <p:cNvGrpSpPr/>
           <p:nvPr/>
         </p:nvGrpSpPr>
         <p:grpSpPr>
           <a:xfrm>
-            <a:off x="1371600" y="3402330"/>
-            <a:ext cx="9719945" cy="1962785"/>
-            <a:chOff x="2160" y="5358"/>
-            <a:chExt cx="15307" cy="3091"/>
+            <a:off x="1403350" y="1562735"/>
+            <a:ext cx="4444365" cy="4885055"/>
+            <a:chOff x="842" y="2703"/>
+            <a:chExt cx="6999" cy="7693"/>
+          </a:xfrm>
+        </p:grpSpPr>
+        <p:pic>
+          <p:nvPicPr>
+            <p:cNvPr id="5" name="Picture 4" descr="Screenshot from 2022-06-17 11-52-46"/>
+            <p:cNvPicPr>
+              <a:picLocks noChangeAspect="1"/>
+            </p:cNvPicPr>
+            <p:nvPr/>
+          </p:nvPicPr>
+          <p:blipFill>
+            <a:blip r:embed="rId1"/>
+            <a:stretch>
+              <a:fillRect/>
+            </a:stretch>
+          </p:blipFill>
+          <p:spPr>
+            <a:xfrm>
+              <a:off x="842" y="8762"/>
+              <a:ext cx="6999" cy="1634"/>
+            </a:xfrm>
+            <a:prstGeom prst="rect">
+              <a:avLst/>
+            </a:prstGeom>
+          </p:spPr>
+        </p:pic>
+        <p:pic>
+          <p:nvPicPr>
+            <p:cNvPr id="6" name="Picture 5" descr="Screenshot from 2022-06-17 11-56-21"/>
+            <p:cNvPicPr>
+              <a:picLocks noChangeAspect="1"/>
+            </p:cNvPicPr>
+            <p:nvPr/>
+          </p:nvPicPr>
+          <p:blipFill>
+            <a:blip r:embed="rId2"/>
+            <a:stretch>
+              <a:fillRect/>
+            </a:stretch>
+          </p:blipFill>
+          <p:spPr>
+            <a:xfrm>
+              <a:off x="842" y="7370"/>
+              <a:ext cx="6903" cy="1569"/>
+            </a:xfrm>
+            <a:prstGeom prst="rect">
+              <a:avLst/>
+            </a:prstGeom>
+          </p:spPr>
+        </p:pic>
+        <p:pic>
+          <p:nvPicPr>
+            <p:cNvPr id="7" name="Picture 6" descr="Screenshot from 2022-06-17 11-57-49"/>
+            <p:cNvPicPr>
+              <a:picLocks noChangeAspect="1"/>
+            </p:cNvPicPr>
+            <p:nvPr/>
+          </p:nvPicPr>
+          <p:blipFill>
+            <a:blip r:embed="rId3"/>
+            <a:stretch>
+              <a:fillRect/>
+            </a:stretch>
+          </p:blipFill>
+          <p:spPr>
+            <a:xfrm>
+              <a:off x="1020" y="2703"/>
+              <a:ext cx="6725" cy="1497"/>
+            </a:xfrm>
+            <a:prstGeom prst="rect">
+              <a:avLst/>
+            </a:prstGeom>
+          </p:spPr>
+        </p:pic>
+        <p:pic>
+          <p:nvPicPr>
+            <p:cNvPr id="8" name="Picture 7" descr="Screenshot from 2022-06-17 11-58-25"/>
+            <p:cNvPicPr>
+              <a:picLocks noChangeAspect="1"/>
+            </p:cNvPicPr>
+            <p:nvPr/>
+          </p:nvPicPr>
+          <p:blipFill>
+            <a:blip r:embed="rId4"/>
+            <a:stretch>
+              <a:fillRect/>
+            </a:stretch>
+          </p:blipFill>
+          <p:spPr>
+            <a:xfrm>
+              <a:off x="1020" y="4088"/>
+              <a:ext cx="6725" cy="1448"/>
+            </a:xfrm>
+            <a:prstGeom prst="rect">
+              <a:avLst/>
+            </a:prstGeom>
+          </p:spPr>
+        </p:pic>
+        <p:sp>
+          <p:nvSpPr>
+            <p:cNvPr id="9" name="Text Box 8"/>
+            <p:cNvSpPr txBox="1"/>
+            <p:nvPr/>
+          </p:nvSpPr>
+          <p:spPr>
+            <a:xfrm>
+              <a:off x="4021" y="5536"/>
+              <a:ext cx="724" cy="1673"/>
+            </a:xfrm>
+            <a:prstGeom prst="rect">
+              <a:avLst/>
+            </a:prstGeom>
+            <a:noFill/>
+          </p:spPr>
+          <p:txBody>
+            <a:bodyPr vert="eaVert" wrap="square" rtlCol="0">
+              <a:spAutoFit/>
+            </a:bodyPr>
+            <a:p>
+              <a:r>
+                <a:rPr lang="ja-JP" altLang="en-US" b="1"/>
+                <a:t>・・・・</a:t>
+              </a:r>
+              <a:endParaRPr lang="ja-JP" altLang="en-US" b="1"/>
+            </a:p>
+          </p:txBody>
+        </p:sp>
+      </p:grpSp>
+      <p:grpSp>
+        <p:nvGrpSpPr>
+          <p:cNvPr id="19" name="Group 18"/>
+          <p:cNvGrpSpPr/>
+          <p:nvPr/>
+        </p:nvGrpSpPr>
+        <p:grpSpPr>
+          <a:xfrm>
+            <a:off x="5722620" y="1629410"/>
+            <a:ext cx="1170305" cy="502920"/>
+            <a:chOff x="9012" y="2566"/>
+            <a:chExt cx="1843" cy="792"/>
           </a:xfrm>
         </p:grpSpPr>
         <p:sp>
           <p:nvSpPr>
-            <p:cNvPr id="4" name="Rounded Rectangle 3"/>
+            <p:cNvPr id="11" name="Text Box 10"/>
+            <p:cNvSpPr txBox="1"/>
+            <p:nvPr/>
+          </p:nvSpPr>
+          <p:spPr>
+            <a:xfrm>
+              <a:off x="9012" y="2672"/>
+              <a:ext cx="648" cy="580"/>
+            </a:xfrm>
+            <a:prstGeom prst="rect">
+              <a:avLst/>
+            </a:prstGeom>
+            <a:noFill/>
+          </p:spPr>
+          <p:txBody>
+            <a:bodyPr wrap="none" rtlCol="0">
+              <a:spAutoFit/>
+            </a:bodyPr>
+            <a:p>
+              <a:pPr algn="l"/>
+              <a:r>
+                <a:rPr lang="ja-JP" altLang="en-US" b="1"/>
+                <a:t>・</a:t>
+              </a:r>
+              <a:endParaRPr lang="ja-JP" altLang="en-US" b="1"/>
+            </a:p>
+          </p:txBody>
+        </p:sp>
+        <p:grpSp>
+          <p:nvGrpSpPr>
+            <p:cNvPr id="14" name="Group 13"/>
+            <p:cNvGrpSpPr/>
+            <p:nvPr/>
+          </p:nvGrpSpPr>
+          <p:grpSpPr>
+            <a:xfrm>
+              <a:off x="9209" y="2672"/>
+              <a:ext cx="854" cy="580"/>
+              <a:chOff x="9276" y="2672"/>
+              <a:chExt cx="854" cy="580"/>
+            </a:xfrm>
+          </p:grpSpPr>
+          <p:sp>
+            <p:nvSpPr>
+              <p:cNvPr id="12" name="Text Box 11"/>
+              <p:cNvSpPr txBox="1"/>
+              <p:nvPr/>
+            </p:nvSpPr>
+            <p:spPr>
+              <a:xfrm>
+                <a:off x="9276" y="2672"/>
+                <a:ext cx="648" cy="580"/>
+              </a:xfrm>
+              <a:prstGeom prst="rect">
+                <a:avLst/>
+              </a:prstGeom>
+              <a:noFill/>
+            </p:spPr>
+            <p:txBody>
+              <a:bodyPr wrap="none" rtlCol="0">
+                <a:spAutoFit/>
+              </a:bodyPr>
+              <a:p>
+                <a:pPr algn="l"/>
+                <a:r>
+                  <a:rPr lang="ja-JP" altLang="en-US" b="1"/>
+                  <a:t>・</a:t>
+                </a:r>
+                <a:endParaRPr lang="ja-JP" altLang="en-US" b="1"/>
+              </a:p>
+            </p:txBody>
+          </p:sp>
+          <p:sp>
+            <p:nvSpPr>
+              <p:cNvPr id="13" name="Text Box 12"/>
+              <p:cNvSpPr txBox="1"/>
+              <p:nvPr/>
+            </p:nvSpPr>
+            <p:spPr>
+              <a:xfrm>
+                <a:off x="9482" y="2672"/>
+                <a:ext cx="648" cy="580"/>
+              </a:xfrm>
+              <a:prstGeom prst="rect">
+                <a:avLst/>
+              </a:prstGeom>
+              <a:noFill/>
+            </p:spPr>
+            <p:txBody>
+              <a:bodyPr wrap="none" rtlCol="0">
+                <a:spAutoFit/>
+              </a:bodyPr>
+              <a:p>
+                <a:pPr algn="l"/>
+                <a:r>
+                  <a:rPr lang="ja-JP" altLang="en-US" b="1"/>
+                  <a:t>・</a:t>
+                </a:r>
+                <a:endParaRPr lang="ja-JP" altLang="en-US" b="1"/>
+              </a:p>
+            </p:txBody>
+          </p:sp>
+        </p:grpSp>
+        <p:sp>
+          <p:nvSpPr>
+            <p:cNvPr id="15" name="Rounded Rectangle 14"/>
             <p:cNvSpPr/>
             <p:nvPr/>
           </p:nvSpPr>
           <p:spPr>
             <a:xfrm>
-              <a:off x="2438" y="5358"/>
-              <a:ext cx="14324" cy="1722"/>
+              <a:off x="10063" y="2566"/>
+              <a:ext cx="792" cy="792"/>
             </a:xfrm>
             <a:prstGeom prst="roundRect">
-              <a:avLst>
-                <a:gd name="adj" fmla="val 11033"/>
-              </a:avLst>
+              <a:avLst/>
             </a:prstGeom>
-            <a:solidFill>
-              <a:schemeClr val="accent1">
-                <a:lumMod val="40000"/>
-                <a:lumOff val="60000"/>
-              </a:schemeClr>
-            </a:solidFill>
-            <a:ln>
-              <a:noFill/>
-            </a:ln>
           </p:spPr>
           <p:style>
-            <a:lnRef idx="1">
-              <a:schemeClr val="accent1"/>
+            <a:lnRef idx="3">
+              <a:schemeClr val="lt1"/>
             </a:lnRef>
-            <a:fillRef idx="2">
+            <a:fillRef idx="1">
               <a:schemeClr val="accent1"/>
             </a:fillRef>
             <a:effectRef idx="1">
               <a:schemeClr val="accent1"/>
             </a:effectRef>
             <a:fontRef idx="minor">
-              <a:schemeClr val="dk1"/>
+              <a:schemeClr val="lt1"/>
             </a:fontRef>
           </p:style>
           <p:txBody>
@@ -17915,196 +21081,31 @@
             </a:p>
           </p:txBody>
         </p:sp>
-        <p:cxnSp>
-          <p:nvCxnSpPr>
-            <p:cNvPr id="7" name="Straight Connector 6"/>
-            <p:cNvCxnSpPr/>
-            <p:nvPr/>
-          </p:nvCxnSpPr>
-          <p:spPr>
-            <a:xfrm flipH="1">
-              <a:off x="2422" y="7419"/>
-              <a:ext cx="16" cy="450"/>
-            </a:xfrm>
-            <a:prstGeom prst="line">
-              <a:avLst/>
-            </a:prstGeom>
-          </p:spPr>
-          <p:style>
-            <a:lnRef idx="3">
-              <a:schemeClr val="dk1"/>
-            </a:lnRef>
-            <a:fillRef idx="0">
-              <a:schemeClr val="dk1"/>
-            </a:fillRef>
-            <a:effectRef idx="2">
-              <a:schemeClr val="dk1"/>
-            </a:effectRef>
-            <a:fontRef idx="minor">
-              <a:schemeClr val="tx1"/>
-            </a:fontRef>
-          </p:style>
-        </p:cxnSp>
-        <p:cxnSp>
-          <p:nvCxnSpPr>
-            <p:cNvPr id="8" name="Straight Connector 7"/>
-            <p:cNvCxnSpPr/>
-            <p:nvPr/>
-          </p:nvCxnSpPr>
-          <p:spPr>
-            <a:xfrm flipH="1">
-              <a:off x="16746" y="7419"/>
-              <a:ext cx="16" cy="450"/>
-            </a:xfrm>
-            <a:prstGeom prst="line">
-              <a:avLst/>
-            </a:prstGeom>
-          </p:spPr>
-          <p:style>
-            <a:lnRef idx="3">
-              <a:schemeClr val="dk1"/>
-            </a:lnRef>
-            <a:fillRef idx="0">
-              <a:schemeClr val="dk1"/>
-            </a:fillRef>
-            <a:effectRef idx="2">
-              <a:schemeClr val="dk1"/>
-            </a:effectRef>
-            <a:fontRef idx="minor">
-              <a:schemeClr val="tx1"/>
-            </a:fontRef>
-          </p:style>
-        </p:cxnSp>
-        <p:cxnSp>
-          <p:nvCxnSpPr>
-            <p:cNvPr id="9" name="Straight Connector 8"/>
-            <p:cNvCxnSpPr/>
-            <p:nvPr/>
-          </p:nvCxnSpPr>
-          <p:spPr>
-            <a:xfrm flipH="1">
-              <a:off x="5341" y="7419"/>
-              <a:ext cx="16" cy="450"/>
-            </a:xfrm>
-            <a:prstGeom prst="line">
-              <a:avLst/>
-            </a:prstGeom>
-          </p:spPr>
-          <p:style>
-            <a:lnRef idx="3">
-              <a:schemeClr val="dk1"/>
-            </a:lnRef>
-            <a:fillRef idx="0">
-              <a:schemeClr val="dk1"/>
-            </a:fillRef>
-            <a:effectRef idx="2">
-              <a:schemeClr val="dk1"/>
-            </a:effectRef>
-            <a:fontRef idx="minor">
-              <a:schemeClr val="tx1"/>
-            </a:fontRef>
-          </p:style>
-        </p:cxnSp>
-        <p:cxnSp>
-          <p:nvCxnSpPr>
-            <p:cNvPr id="10" name="Straight Connector 9"/>
-            <p:cNvCxnSpPr/>
-            <p:nvPr/>
-          </p:nvCxnSpPr>
-          <p:spPr>
-            <a:xfrm flipH="1">
-              <a:off x="8252" y="7419"/>
-              <a:ext cx="16" cy="450"/>
-            </a:xfrm>
-            <a:prstGeom prst="line">
-              <a:avLst/>
-            </a:prstGeom>
-          </p:spPr>
-          <p:style>
-            <a:lnRef idx="3">
-              <a:schemeClr val="dk1"/>
-            </a:lnRef>
-            <a:fillRef idx="0">
-              <a:schemeClr val="dk1"/>
-            </a:fillRef>
-            <a:effectRef idx="2">
-              <a:schemeClr val="dk1"/>
-            </a:effectRef>
-            <a:fontRef idx="minor">
-              <a:schemeClr val="tx1"/>
-            </a:fontRef>
-          </p:style>
-        </p:cxnSp>
-        <p:cxnSp>
-          <p:nvCxnSpPr>
-            <p:cNvPr id="11" name="Straight Connector 10"/>
-            <p:cNvCxnSpPr/>
-            <p:nvPr/>
-          </p:nvCxnSpPr>
-          <p:spPr>
-            <a:xfrm flipH="1">
-              <a:off x="11044" y="7419"/>
-              <a:ext cx="16" cy="450"/>
-            </a:xfrm>
-            <a:prstGeom prst="line">
-              <a:avLst/>
-            </a:prstGeom>
-          </p:spPr>
-          <p:style>
-            <a:lnRef idx="3">
-              <a:schemeClr val="dk1"/>
-            </a:lnRef>
-            <a:fillRef idx="0">
-              <a:schemeClr val="dk1"/>
-            </a:fillRef>
-            <a:effectRef idx="2">
-              <a:schemeClr val="dk1"/>
-            </a:effectRef>
-            <a:fontRef idx="minor">
-              <a:schemeClr val="tx1"/>
-            </a:fontRef>
-          </p:style>
-        </p:cxnSp>
-        <p:cxnSp>
-          <p:nvCxnSpPr>
-            <p:cNvPr id="12" name="Straight Connector 11"/>
-            <p:cNvCxnSpPr/>
-            <p:nvPr/>
-          </p:nvCxnSpPr>
-          <p:spPr>
-            <a:xfrm flipH="1">
-              <a:off x="13895" y="7419"/>
-              <a:ext cx="16" cy="450"/>
-            </a:xfrm>
-            <a:prstGeom prst="line">
-              <a:avLst/>
-            </a:prstGeom>
-          </p:spPr>
-          <p:style>
-            <a:lnRef idx="3">
-              <a:schemeClr val="dk1"/>
-            </a:lnRef>
-            <a:fillRef idx="0">
-              <a:schemeClr val="dk1"/>
-            </a:fillRef>
-            <a:effectRef idx="2">
-              <a:schemeClr val="dk1"/>
-            </a:effectRef>
-            <a:fontRef idx="minor">
-              <a:schemeClr val="tx1"/>
-            </a:fontRef>
-          </p:style>
-        </p:cxnSp>
+      </p:grpSp>
+      <p:grpSp>
+        <p:nvGrpSpPr>
+          <p:cNvPr id="20" name="Group 19"/>
+          <p:cNvGrpSpPr/>
+          <p:nvPr/>
+        </p:nvGrpSpPr>
+        <p:grpSpPr>
+          <a:xfrm>
+            <a:off x="5722620" y="2513330"/>
+            <a:ext cx="1170305" cy="502920"/>
+            <a:chOff x="9012" y="2566"/>
+            <a:chExt cx="1843" cy="792"/>
+          </a:xfrm>
+        </p:grpSpPr>
         <p:sp>
           <p:nvSpPr>
-            <p:cNvPr id="14" name="Text Box 13"/>
+            <p:cNvPr id="21" name="Text Box 20"/>
             <p:cNvSpPr txBox="1"/>
             <p:nvPr/>
           </p:nvSpPr>
           <p:spPr>
             <a:xfrm>
-              <a:off x="2160" y="7869"/>
-              <a:ext cx="894" cy="580"/>
+              <a:off x="9012" y="2672"/>
+              <a:ext cx="648" cy="580"/>
             </a:xfrm>
             <a:prstGeom prst="rect">
               <a:avLst/>
@@ -18112,36 +21113,156 @@
             <a:noFill/>
           </p:spPr>
           <p:txBody>
-            <a:bodyPr wrap="square" rtlCol="0">
+            <a:bodyPr wrap="none" rtlCol="0">
               <a:spAutoFit/>
             </a:bodyPr>
             <a:p>
+              <a:pPr algn="l"/>
               <a:r>
-                <a:rPr lang="en-US" b="1">
-                  <a:latin typeface="Courier 10 Pitch" charset="0"/>
-                  <a:ea typeface="+mj-lt"/>
-                  <a:cs typeface="Courier 10 Pitch" charset="0"/>
-                </a:rPr>
-                <a:t>0%</a:t>
+                <a:rPr lang="ja-JP" altLang="en-US" b="1"/>
+                <a:t>・</a:t>
               </a:r>
-              <a:endParaRPr lang="en-US" b="1">
-                <a:latin typeface="Courier 10 Pitch" charset="0"/>
-                <a:ea typeface="+mj-lt"/>
-                <a:cs typeface="Courier 10 Pitch" charset="0"/>
-              </a:endParaRPr>
+              <a:endParaRPr lang="ja-JP" altLang="en-US" b="1"/>
             </a:p>
           </p:txBody>
         </p:sp>
+        <p:grpSp>
+          <p:nvGrpSpPr>
+            <p:cNvPr id="22" name="Group 21"/>
+            <p:cNvGrpSpPr/>
+            <p:nvPr/>
+          </p:nvGrpSpPr>
+          <p:grpSpPr>
+            <a:xfrm>
+              <a:off x="9209" y="2672"/>
+              <a:ext cx="854" cy="580"/>
+              <a:chOff x="9276" y="2672"/>
+              <a:chExt cx="854" cy="580"/>
+            </a:xfrm>
+          </p:grpSpPr>
+          <p:sp>
+            <p:nvSpPr>
+              <p:cNvPr id="23" name="Text Box 22"/>
+              <p:cNvSpPr txBox="1"/>
+              <p:nvPr/>
+            </p:nvSpPr>
+            <p:spPr>
+              <a:xfrm>
+                <a:off x="9276" y="2672"/>
+                <a:ext cx="648" cy="580"/>
+              </a:xfrm>
+              <a:prstGeom prst="rect">
+                <a:avLst/>
+              </a:prstGeom>
+              <a:noFill/>
+            </p:spPr>
+            <p:txBody>
+              <a:bodyPr wrap="none" rtlCol="0">
+                <a:spAutoFit/>
+              </a:bodyPr>
+              <a:p>
+                <a:pPr algn="l"/>
+                <a:r>
+                  <a:rPr lang="ja-JP" altLang="en-US" b="1"/>
+                  <a:t>・</a:t>
+                </a:r>
+                <a:endParaRPr lang="ja-JP" altLang="en-US" b="1"/>
+              </a:p>
+            </p:txBody>
+          </p:sp>
+          <p:sp>
+            <p:nvSpPr>
+              <p:cNvPr id="24" name="Text Box 23"/>
+              <p:cNvSpPr txBox="1"/>
+              <p:nvPr/>
+            </p:nvSpPr>
+            <p:spPr>
+              <a:xfrm>
+                <a:off x="9482" y="2672"/>
+                <a:ext cx="648" cy="580"/>
+              </a:xfrm>
+              <a:prstGeom prst="rect">
+                <a:avLst/>
+              </a:prstGeom>
+              <a:noFill/>
+            </p:spPr>
+            <p:txBody>
+              <a:bodyPr wrap="none" rtlCol="0">
+                <a:spAutoFit/>
+              </a:bodyPr>
+              <a:p>
+                <a:pPr algn="l"/>
+                <a:r>
+                  <a:rPr lang="ja-JP" altLang="en-US" b="1"/>
+                  <a:t>・</a:t>
+                </a:r>
+                <a:endParaRPr lang="ja-JP" altLang="en-US" b="1"/>
+              </a:p>
+            </p:txBody>
+          </p:sp>
+        </p:grpSp>
         <p:sp>
           <p:nvSpPr>
-            <p:cNvPr id="15" name="Text Box 14"/>
+            <p:cNvPr id="25" name="Rounded Rectangle 24"/>
+            <p:cNvSpPr/>
+            <p:nvPr/>
+          </p:nvSpPr>
+          <p:spPr>
+            <a:xfrm>
+              <a:off x="10063" y="2566"/>
+              <a:ext cx="792" cy="792"/>
+            </a:xfrm>
+            <a:prstGeom prst="roundRect">
+              <a:avLst/>
+            </a:prstGeom>
+          </p:spPr>
+          <p:style>
+            <a:lnRef idx="3">
+              <a:schemeClr val="lt1"/>
+            </a:lnRef>
+            <a:fillRef idx="1">
+              <a:schemeClr val="accent2"/>
+            </a:fillRef>
+            <a:effectRef idx="1">
+              <a:schemeClr val="accent2"/>
+            </a:effectRef>
+            <a:fontRef idx="minor">
+              <a:schemeClr val="lt1"/>
+            </a:fontRef>
+          </p:style>
+          <p:txBody>
+            <a:bodyPr rtlCol="0" anchor="ctr"/>
+            <a:p>
+              <a:pPr algn="ctr"/>
+              <a:endParaRPr lang="en-US"/>
+            </a:p>
+          </p:txBody>
+        </p:sp>
+      </p:grpSp>
+      <p:grpSp>
+        <p:nvGrpSpPr>
+          <p:cNvPr id="26" name="Group 25"/>
+          <p:cNvGrpSpPr/>
+          <p:nvPr/>
+        </p:nvGrpSpPr>
+        <p:grpSpPr>
+          <a:xfrm>
+            <a:off x="5722620" y="4597400"/>
+            <a:ext cx="1170305" cy="502920"/>
+            <a:chOff x="9012" y="2566"/>
+            <a:chExt cx="1843" cy="792"/>
+          </a:xfrm>
+        </p:grpSpPr>
+        <p:sp>
+          <p:nvSpPr>
+            <p:cNvPr id="27" name="Text Box 26"/>
             <p:cNvSpPr txBox="1"/>
             <p:nvPr/>
           </p:nvSpPr>
           <p:spPr>
             <a:xfrm>
-              <a:off x="4982" y="7869"/>
-              <a:ext cx="1022" cy="580"/>
+              <a:off x="9012" y="2672"/>
+              <a:ext cx="648" cy="580"/>
             </a:xfrm>
             <a:prstGeom prst="rect">
               <a:avLst/>
@@ -18149,36 +21270,156 @@
             <a:noFill/>
           </p:spPr>
           <p:txBody>
-            <a:bodyPr wrap="square" rtlCol="0">
+            <a:bodyPr wrap="none" rtlCol="0">
               <a:spAutoFit/>
             </a:bodyPr>
             <a:p>
+              <a:pPr algn="l"/>
               <a:r>
-                <a:rPr lang="en-US" b="1">
-                  <a:latin typeface="Courier 10 Pitch" charset="0"/>
-                  <a:ea typeface="+mj-lt"/>
-                  <a:cs typeface="Courier 10 Pitch" charset="0"/>
-                </a:rPr>
-                <a:t>20%</a:t>
+                <a:rPr lang="ja-JP" altLang="en-US" b="1"/>
+                <a:t>・</a:t>
               </a:r>
-              <a:endParaRPr lang="en-US" b="1">
-                <a:latin typeface="Courier 10 Pitch" charset="0"/>
-                <a:ea typeface="+mj-lt"/>
-                <a:cs typeface="Courier 10 Pitch" charset="0"/>
-              </a:endParaRPr>
+              <a:endParaRPr lang="ja-JP" altLang="en-US" b="1"/>
             </a:p>
           </p:txBody>
         </p:sp>
+        <p:grpSp>
+          <p:nvGrpSpPr>
+            <p:cNvPr id="28" name="Group 27"/>
+            <p:cNvGrpSpPr/>
+            <p:nvPr/>
+          </p:nvGrpSpPr>
+          <p:grpSpPr>
+            <a:xfrm>
+              <a:off x="9209" y="2672"/>
+              <a:ext cx="854" cy="580"/>
+              <a:chOff x="9276" y="2672"/>
+              <a:chExt cx="854" cy="580"/>
+            </a:xfrm>
+          </p:grpSpPr>
+          <p:sp>
+            <p:nvSpPr>
+              <p:cNvPr id="29" name="Text Box 28"/>
+              <p:cNvSpPr txBox="1"/>
+              <p:nvPr/>
+            </p:nvSpPr>
+            <p:spPr>
+              <a:xfrm>
+                <a:off x="9276" y="2672"/>
+                <a:ext cx="648" cy="580"/>
+              </a:xfrm>
+              <a:prstGeom prst="rect">
+                <a:avLst/>
+              </a:prstGeom>
+              <a:noFill/>
+            </p:spPr>
+            <p:txBody>
+              <a:bodyPr wrap="none" rtlCol="0">
+                <a:spAutoFit/>
+              </a:bodyPr>
+              <a:p>
+                <a:pPr algn="l"/>
+                <a:r>
+                  <a:rPr lang="ja-JP" altLang="en-US" b="1"/>
+                  <a:t>・</a:t>
+                </a:r>
+                <a:endParaRPr lang="ja-JP" altLang="en-US" b="1"/>
+              </a:p>
+            </p:txBody>
+          </p:sp>
+          <p:sp>
+            <p:nvSpPr>
+              <p:cNvPr id="30" name="Text Box 29"/>
+              <p:cNvSpPr txBox="1"/>
+              <p:nvPr/>
+            </p:nvSpPr>
+            <p:spPr>
+              <a:xfrm>
+                <a:off x="9482" y="2672"/>
+                <a:ext cx="648" cy="580"/>
+              </a:xfrm>
+              <a:prstGeom prst="rect">
+                <a:avLst/>
+              </a:prstGeom>
+              <a:noFill/>
+            </p:spPr>
+            <p:txBody>
+              <a:bodyPr wrap="none" rtlCol="0">
+                <a:spAutoFit/>
+              </a:bodyPr>
+              <a:p>
+                <a:pPr algn="l"/>
+                <a:r>
+                  <a:rPr lang="ja-JP" altLang="en-US" b="1"/>
+                  <a:t>・</a:t>
+                </a:r>
+                <a:endParaRPr lang="ja-JP" altLang="en-US" b="1"/>
+              </a:p>
+            </p:txBody>
+          </p:sp>
+        </p:grpSp>
         <p:sp>
           <p:nvSpPr>
-            <p:cNvPr id="16" name="Text Box 15"/>
+            <p:cNvPr id="31" name="Rounded Rectangle 30"/>
+            <p:cNvSpPr/>
+            <p:nvPr/>
+          </p:nvSpPr>
+          <p:spPr>
+            <a:xfrm>
+              <a:off x="10063" y="2566"/>
+              <a:ext cx="792" cy="792"/>
+            </a:xfrm>
+            <a:prstGeom prst="roundRect">
+              <a:avLst/>
+            </a:prstGeom>
+          </p:spPr>
+          <p:style>
+            <a:lnRef idx="3">
+              <a:schemeClr val="lt1"/>
+            </a:lnRef>
+            <a:fillRef idx="1">
+              <a:schemeClr val="accent4"/>
+            </a:fillRef>
+            <a:effectRef idx="1">
+              <a:schemeClr val="accent4"/>
+            </a:effectRef>
+            <a:fontRef idx="minor">
+              <a:schemeClr val="lt1"/>
+            </a:fontRef>
+          </p:style>
+          <p:txBody>
+            <a:bodyPr rtlCol="0" anchor="ctr"/>
+            <a:p>
+              <a:pPr algn="ctr"/>
+              <a:endParaRPr lang="en-US"/>
+            </a:p>
+          </p:txBody>
+        </p:sp>
+      </p:grpSp>
+      <p:grpSp>
+        <p:nvGrpSpPr>
+          <p:cNvPr id="32" name="Group 31"/>
+          <p:cNvGrpSpPr/>
+          <p:nvPr/>
+        </p:nvGrpSpPr>
+        <p:grpSpPr>
+          <a:xfrm>
+            <a:off x="5722620" y="5522595"/>
+            <a:ext cx="1170305" cy="502920"/>
+            <a:chOff x="9012" y="2566"/>
+            <a:chExt cx="1843" cy="792"/>
+          </a:xfrm>
+        </p:grpSpPr>
+        <p:sp>
+          <p:nvSpPr>
+            <p:cNvPr id="33" name="Text Box 32"/>
             <p:cNvSpPr txBox="1"/>
             <p:nvPr/>
           </p:nvSpPr>
           <p:spPr>
             <a:xfrm>
-              <a:off x="7845" y="7869"/>
-              <a:ext cx="1022" cy="580"/>
+              <a:off x="9012" y="2672"/>
+              <a:ext cx="648" cy="580"/>
             </a:xfrm>
             <a:prstGeom prst="rect">
               <a:avLst/>
@@ -18186,169 +21427,184 @@
             <a:noFill/>
           </p:spPr>
           <p:txBody>
-            <a:bodyPr wrap="square" rtlCol="0">
+            <a:bodyPr wrap="none" rtlCol="0">
               <a:spAutoFit/>
             </a:bodyPr>
             <a:p>
+              <a:pPr algn="l"/>
               <a:r>
-                <a:rPr lang="en-US" b="1">
-                  <a:latin typeface="Courier 10 Pitch" charset="0"/>
-                  <a:ea typeface="+mj-lt"/>
-                  <a:cs typeface="Courier 10 Pitch" charset="0"/>
-                </a:rPr>
-                <a:t>40%</a:t>
+                <a:rPr lang="ja-JP" altLang="en-US" b="1"/>
+                <a:t>・</a:t>
               </a:r>
-              <a:endParaRPr lang="en-US" b="1">
-                <a:latin typeface="Courier 10 Pitch" charset="0"/>
-                <a:ea typeface="+mj-lt"/>
-                <a:cs typeface="Courier 10 Pitch" charset="0"/>
-              </a:endParaRPr>
+              <a:endParaRPr lang="ja-JP" altLang="en-US" b="1"/>
             </a:p>
           </p:txBody>
         </p:sp>
+        <p:grpSp>
+          <p:nvGrpSpPr>
+            <p:cNvPr id="34" name="Group 33"/>
+            <p:cNvGrpSpPr/>
+            <p:nvPr/>
+          </p:nvGrpSpPr>
+          <p:grpSpPr>
+            <a:xfrm>
+              <a:off x="9209" y="2672"/>
+              <a:ext cx="854" cy="580"/>
+              <a:chOff x="9276" y="2672"/>
+              <a:chExt cx="854" cy="580"/>
+            </a:xfrm>
+          </p:grpSpPr>
+          <p:sp>
+            <p:nvSpPr>
+              <p:cNvPr id="35" name="Text Box 34"/>
+              <p:cNvSpPr txBox="1"/>
+              <p:nvPr/>
+            </p:nvSpPr>
+            <p:spPr>
+              <a:xfrm>
+                <a:off x="9276" y="2672"/>
+                <a:ext cx="648" cy="580"/>
+              </a:xfrm>
+              <a:prstGeom prst="rect">
+                <a:avLst/>
+              </a:prstGeom>
+              <a:noFill/>
+            </p:spPr>
+            <p:txBody>
+              <a:bodyPr wrap="none" rtlCol="0">
+                <a:spAutoFit/>
+              </a:bodyPr>
+              <a:p>
+                <a:pPr algn="l"/>
+                <a:r>
+                  <a:rPr lang="ja-JP" altLang="en-US" b="1"/>
+                  <a:t>・</a:t>
+                </a:r>
+                <a:endParaRPr lang="ja-JP" altLang="en-US" b="1"/>
+              </a:p>
+            </p:txBody>
+          </p:sp>
+          <p:sp>
+            <p:nvSpPr>
+              <p:cNvPr id="36" name="Text Box 35"/>
+              <p:cNvSpPr txBox="1"/>
+              <p:nvPr/>
+            </p:nvSpPr>
+            <p:spPr>
+              <a:xfrm>
+                <a:off x="9482" y="2672"/>
+                <a:ext cx="648" cy="580"/>
+              </a:xfrm>
+              <a:prstGeom prst="rect">
+                <a:avLst/>
+              </a:prstGeom>
+              <a:noFill/>
+            </p:spPr>
+            <p:txBody>
+              <a:bodyPr wrap="none" rtlCol="0">
+                <a:spAutoFit/>
+              </a:bodyPr>
+              <a:p>
+                <a:pPr algn="l"/>
+                <a:r>
+                  <a:rPr lang="ja-JP" altLang="en-US" b="1"/>
+                  <a:t>・</a:t>
+                </a:r>
+                <a:endParaRPr lang="ja-JP" altLang="en-US" b="1"/>
+              </a:p>
+            </p:txBody>
+          </p:sp>
+        </p:grpSp>
         <p:sp>
           <p:nvSpPr>
-            <p:cNvPr id="17" name="Text Box 16"/>
-            <p:cNvSpPr txBox="1"/>
+            <p:cNvPr id="37" name="Rounded Rectangle 36"/>
+            <p:cNvSpPr/>
             <p:nvPr/>
           </p:nvSpPr>
           <p:spPr>
             <a:xfrm>
-              <a:off x="10703" y="7869"/>
-              <a:ext cx="1022" cy="580"/>
+              <a:off x="10063" y="2566"/>
+              <a:ext cx="792" cy="792"/>
             </a:xfrm>
-            <a:prstGeom prst="rect">
+            <a:prstGeom prst="roundRect">
               <a:avLst/>
             </a:prstGeom>
-            <a:noFill/>
           </p:spPr>
+          <p:style>
+            <a:lnRef idx="3">
+              <a:schemeClr val="lt1"/>
+            </a:lnRef>
+            <a:fillRef idx="1">
+              <a:schemeClr val="accent3"/>
+            </a:fillRef>
+            <a:effectRef idx="1">
+              <a:schemeClr val="accent3"/>
+            </a:effectRef>
+            <a:fontRef idx="minor">
+              <a:schemeClr val="lt1"/>
+            </a:fontRef>
+          </p:style>
           <p:txBody>
-            <a:bodyPr wrap="square" rtlCol="0">
-              <a:spAutoFit/>
-            </a:bodyPr>
+            <a:bodyPr rtlCol="0" anchor="ctr"/>
             <a:p>
-              <a:r>
-                <a:rPr lang="en-US" b="1">
-                  <a:latin typeface="Courier 10 Pitch" charset="0"/>
-                  <a:ea typeface="+mj-lt"/>
-                  <a:cs typeface="Courier 10 Pitch" charset="0"/>
-                </a:rPr>
-                <a:t>60%</a:t>
-              </a:r>
-              <a:endParaRPr lang="en-US" b="1">
-                <a:latin typeface="Courier 10 Pitch" charset="0"/>
-                <a:ea typeface="+mj-lt"/>
-                <a:cs typeface="Courier 10 Pitch" charset="0"/>
-              </a:endParaRPr>
-            </a:p>
-          </p:txBody>
-        </p:sp>
-        <p:sp>
-          <p:nvSpPr>
-            <p:cNvPr id="18" name="Text Box 17"/>
-            <p:cNvSpPr txBox="1"/>
-            <p:nvPr/>
-          </p:nvSpPr>
-          <p:spPr>
-            <a:xfrm>
-              <a:off x="13550" y="7869"/>
-              <a:ext cx="1022" cy="580"/>
-            </a:xfrm>
-            <a:prstGeom prst="rect">
-              <a:avLst/>
-            </a:prstGeom>
-            <a:noFill/>
-          </p:spPr>
-          <p:txBody>
-            <a:bodyPr wrap="square" rtlCol="0">
-              <a:spAutoFit/>
-            </a:bodyPr>
-            <a:p>
-              <a:r>
-                <a:rPr lang="en-US" b="1">
-                  <a:latin typeface="Courier 10 Pitch" charset="0"/>
-                  <a:ea typeface="+mj-lt"/>
-                  <a:cs typeface="Courier 10 Pitch" charset="0"/>
-                </a:rPr>
-                <a:t>80%</a:t>
-              </a:r>
-              <a:endParaRPr lang="en-US" b="1">
-                <a:latin typeface="Courier 10 Pitch" charset="0"/>
-                <a:ea typeface="+mj-lt"/>
-                <a:cs typeface="Courier 10 Pitch" charset="0"/>
-              </a:endParaRPr>
-            </a:p>
-          </p:txBody>
-        </p:sp>
-        <p:sp>
-          <p:nvSpPr>
-            <p:cNvPr id="19" name="Text Box 18"/>
-            <p:cNvSpPr txBox="1"/>
-            <p:nvPr/>
-          </p:nvSpPr>
-          <p:spPr>
-            <a:xfrm>
-              <a:off x="16239" y="7869"/>
-              <a:ext cx="1228" cy="580"/>
-            </a:xfrm>
-            <a:prstGeom prst="rect">
-              <a:avLst/>
-            </a:prstGeom>
-            <a:noFill/>
-          </p:spPr>
-          <p:txBody>
-            <a:bodyPr wrap="square" rtlCol="0">
-              <a:spAutoFit/>
-            </a:bodyPr>
-            <a:p>
-              <a:r>
-                <a:rPr lang="en-US" b="1">
-                  <a:latin typeface="Courier 10 Pitch" charset="0"/>
-                  <a:ea typeface="+mj-lt"/>
-                  <a:cs typeface="Courier 10 Pitch" charset="0"/>
-                </a:rPr>
-                <a:t>100%</a:t>
-              </a:r>
-              <a:endParaRPr lang="en-US" b="1">
-                <a:latin typeface="Courier 10 Pitch" charset="0"/>
-                <a:ea typeface="+mj-lt"/>
-                <a:cs typeface="Courier 10 Pitch" charset="0"/>
-              </a:endParaRPr>
+              <a:pPr algn="ctr"/>
+              <a:endParaRPr lang="en-US"/>
             </a:p>
           </p:txBody>
         </p:sp>
       </p:grpSp>
       <p:sp>
         <p:nvSpPr>
-          <p:cNvPr id="3" name="Rectangles 2"/>
+          <p:cNvPr id="38" name="Text Box 37"/>
+          <p:cNvSpPr txBox="1"/>
+          <p:nvPr/>
+        </p:nvSpPr>
+        <p:spPr>
+          <a:xfrm>
+            <a:off x="6329045" y="3275965"/>
+            <a:ext cx="459740" cy="1062355"/>
+          </a:xfrm>
+          <a:prstGeom prst="rect">
+            <a:avLst/>
+          </a:prstGeom>
+          <a:noFill/>
+        </p:spPr>
+        <p:txBody>
+          <a:bodyPr vert="eaVert" wrap="square" rtlCol="0">
+            <a:spAutoFit/>
+          </a:bodyPr>
+          <a:p>
+            <a:r>
+              <a:rPr lang="ja-JP" altLang="en-US" b="1"/>
+              <a:t>・・・・</a:t>
+            </a:r>
+            <a:endParaRPr lang="ja-JP" altLang="en-US" b="1"/>
+          </a:p>
+        </p:txBody>
+      </p:sp>
+      <p:sp>
+        <p:nvSpPr>
+          <p:cNvPr id="39" name="Rounded Rectangle 38"/>
           <p:cNvSpPr/>
           <p:nvPr/>
         </p:nvSpPr>
         <p:spPr>
           <a:xfrm>
-            <a:off x="2477135" y="3402330"/>
-            <a:ext cx="913765" cy="1093470"/>
+            <a:off x="9359265" y="3572510"/>
+            <a:ext cx="640080" cy="640080"/>
           </a:xfrm>
-          <a:prstGeom prst="rect">
+          <a:prstGeom prst="roundRect">
             <a:avLst/>
           </a:prstGeom>
-          <a:solidFill>
-            <a:srgbClr val="92D050"/>
-          </a:solidFill>
-          <a:ln>
-            <a:noFill/>
-          </a:ln>
         </p:spPr>
         <p:style>
-          <a:lnRef idx="2">
-            <a:schemeClr val="accent1">
-              <a:shade val="50000"/>
-            </a:schemeClr>
+          <a:lnRef idx="3">
+            <a:schemeClr val="lt1"/>
           </a:lnRef>
           <a:fillRef idx="1">
             <a:schemeClr val="accent1"/>
           </a:fillRef>
-          <a:effectRef idx="0">
+          <a:effectRef idx="1">
             <a:schemeClr val="accent1"/>
           </a:effectRef>
           <a:fontRef idx="minor">
@@ -18365,14 +21621,14 @@
       </p:sp>
       <p:sp>
         <p:nvSpPr>
-          <p:cNvPr id="5" name="Text Box 4"/>
+          <p:cNvPr id="40" name="Text Box 39"/>
           <p:cNvSpPr txBox="1"/>
           <p:nvPr/>
         </p:nvSpPr>
         <p:spPr>
           <a:xfrm>
-            <a:off x="2477135" y="3749675"/>
-            <a:ext cx="914400" cy="398780"/>
+            <a:off x="7019925" y="1696720"/>
+            <a:ext cx="1254760" cy="368300"/>
           </a:xfrm>
           <a:prstGeom prst="rect">
             <a:avLst/>
@@ -18380,18 +21636,19 @@
           <a:noFill/>
         </p:spPr>
         <p:txBody>
-          <a:bodyPr wrap="square" rtlCol="0">
+          <a:bodyPr wrap="none" rtlCol="0">
             <a:spAutoFit/>
           </a:bodyPr>
           <a:p>
+            <a:pPr algn="l"/>
             <a:r>
-              <a:rPr lang="en-US" sz="2000" b="1">
+              <a:rPr lang="en-US" b="1">
                 <a:latin typeface="DejaVu Sans" panose="020B0603030804020204" charset="0"/>
                 <a:cs typeface="DejaVu Sans" panose="020B0603030804020204" charset="0"/>
               </a:rPr>
-              <a:t>TEST</a:t>
+              <a:t>MODEL1</a:t>
             </a:r>
-            <a:endParaRPr lang="en-US" sz="2000" b="1">
+            <a:endParaRPr lang="en-US" b="1">
               <a:latin typeface="DejaVu Sans" panose="020B0603030804020204" charset="0"/>
               <a:cs typeface="DejaVu Sans" panose="020B0603030804020204" charset="0"/>
             </a:endParaRPr>
@@ -18400,14 +21657,14 @@
       </p:sp>
       <p:sp>
         <p:nvSpPr>
-          <p:cNvPr id="6" name="Text Box 5"/>
+          <p:cNvPr id="41" name="Text Box 40"/>
           <p:cNvSpPr txBox="1"/>
           <p:nvPr/>
         </p:nvSpPr>
         <p:spPr>
           <a:xfrm>
-            <a:off x="6078855" y="3749675"/>
-            <a:ext cx="1115060" cy="398780"/>
+            <a:off x="7019925" y="2580640"/>
+            <a:ext cx="1254760" cy="368300"/>
           </a:xfrm>
           <a:prstGeom prst="rect">
             <a:avLst/>
@@ -18415,24 +21672,756 @@
           <a:noFill/>
         </p:spPr>
         <p:txBody>
-          <a:bodyPr wrap="square" rtlCol="0">
+          <a:bodyPr wrap="none" rtlCol="0">
             <a:spAutoFit/>
           </a:bodyPr>
           <a:p>
+            <a:pPr algn="l"/>
             <a:r>
-              <a:rPr lang="en-US" sz="2000" b="1">
+              <a:rPr lang="en-US" b="1">
                 <a:latin typeface="DejaVu Sans" panose="020B0603030804020204" charset="0"/>
                 <a:cs typeface="DejaVu Sans" panose="020B0603030804020204" charset="0"/>
               </a:rPr>
-              <a:t>TRAIN</a:t>
+              <a:t>MODEL2</a:t>
             </a:r>
-            <a:endParaRPr lang="en-US" sz="2000" b="1">
+            <a:endParaRPr lang="en-US" b="1">
               <a:latin typeface="DejaVu Sans" panose="020B0603030804020204" charset="0"/>
               <a:cs typeface="DejaVu Sans" panose="020B0603030804020204" charset="0"/>
             </a:endParaRPr>
           </a:p>
         </p:txBody>
       </p:sp>
+      <p:sp>
+        <p:nvSpPr>
+          <p:cNvPr id="42" name="Text Box 41"/>
+          <p:cNvSpPr txBox="1"/>
+          <p:nvPr/>
+        </p:nvSpPr>
+        <p:spPr>
+          <a:xfrm>
+            <a:off x="7019925" y="4664710"/>
+            <a:ext cx="1254760" cy="368300"/>
+          </a:xfrm>
+          <a:prstGeom prst="rect">
+            <a:avLst/>
+          </a:prstGeom>
+          <a:noFill/>
+        </p:spPr>
+        <p:txBody>
+          <a:bodyPr wrap="none" rtlCol="0">
+            <a:spAutoFit/>
+          </a:bodyPr>
+          <a:p>
+            <a:pPr algn="l"/>
+            <a:r>
+              <a:rPr lang="en-US" b="1">
+                <a:latin typeface="DejaVu Sans" panose="020B0603030804020204" charset="0"/>
+                <a:cs typeface="DejaVu Sans" panose="020B0603030804020204" charset="0"/>
+              </a:rPr>
+              <a:t>MODEL9</a:t>
+            </a:r>
+            <a:endParaRPr lang="en-US" b="1">
+              <a:latin typeface="DejaVu Sans" panose="020B0603030804020204" charset="0"/>
+              <a:cs typeface="DejaVu Sans" panose="020B0603030804020204" charset="0"/>
+            </a:endParaRPr>
+          </a:p>
+        </p:txBody>
+      </p:sp>
+      <p:sp>
+        <p:nvSpPr>
+          <p:cNvPr id="43" name="Text Box 42"/>
+          <p:cNvSpPr txBox="1"/>
+          <p:nvPr/>
+        </p:nvSpPr>
+        <p:spPr>
+          <a:xfrm>
+            <a:off x="7019925" y="5589905"/>
+            <a:ext cx="1413510" cy="368300"/>
+          </a:xfrm>
+          <a:prstGeom prst="rect">
+            <a:avLst/>
+          </a:prstGeom>
+          <a:noFill/>
+        </p:spPr>
+        <p:txBody>
+          <a:bodyPr wrap="none" rtlCol="0">
+            <a:spAutoFit/>
+          </a:bodyPr>
+          <a:p>
+            <a:pPr algn="l"/>
+            <a:r>
+              <a:rPr lang="en-US" b="1">
+                <a:latin typeface="DejaVu Sans" panose="020B0603030804020204" charset="0"/>
+                <a:cs typeface="DejaVu Sans" panose="020B0603030804020204" charset="0"/>
+              </a:rPr>
+              <a:t>MODEL10</a:t>
+            </a:r>
+            <a:endParaRPr lang="en-US" b="1">
+              <a:latin typeface="DejaVu Sans" panose="020B0603030804020204" charset="0"/>
+              <a:cs typeface="DejaVu Sans" panose="020B0603030804020204" charset="0"/>
+            </a:endParaRPr>
+          </a:p>
+        </p:txBody>
+      </p:sp>
+      <p:sp>
+        <p:nvSpPr>
+          <p:cNvPr id="44" name="Text Box 43"/>
+          <p:cNvSpPr txBox="1"/>
+          <p:nvPr/>
+        </p:nvSpPr>
+        <p:spPr>
+          <a:xfrm rot="18300000">
+            <a:off x="8576310" y="2524125"/>
+            <a:ext cx="459740" cy="1318260"/>
+          </a:xfrm>
+          <a:prstGeom prst="rect">
+            <a:avLst/>
+          </a:prstGeom>
+          <a:noFill/>
+        </p:spPr>
+        <p:txBody>
+          <a:bodyPr vert="eaVert" wrap="square" rtlCol="0">
+            <a:spAutoFit/>
+          </a:bodyPr>
+          <a:p>
+            <a:r>
+              <a:rPr lang="ja-JP" altLang="en-US" b="1"/>
+              <a:t>・・・</a:t>
+            </a:r>
+            <a:endParaRPr lang="en-US" altLang="ja-JP" b="1"/>
+          </a:p>
+        </p:txBody>
+      </p:sp>
+      <p:sp>
+        <p:nvSpPr>
+          <p:cNvPr id="45" name="Text Box 44"/>
+          <p:cNvSpPr txBox="1"/>
+          <p:nvPr/>
+        </p:nvSpPr>
+        <p:spPr>
+          <a:xfrm rot="19020000">
+            <a:off x="8355330" y="1741805"/>
+            <a:ext cx="459740" cy="829945"/>
+          </a:xfrm>
+          <a:prstGeom prst="rect">
+            <a:avLst/>
+          </a:prstGeom>
+          <a:noFill/>
+        </p:spPr>
+        <p:txBody>
+          <a:bodyPr vert="eaVert" wrap="square" rtlCol="0">
+            <a:spAutoFit/>
+          </a:bodyPr>
+          <a:p>
+            <a:r>
+              <a:rPr lang="ja-JP" altLang="en-US" b="1"/>
+              <a:t>・・・</a:t>
+            </a:r>
+            <a:endParaRPr lang="en-US" altLang="ja-JP" b="1"/>
+          </a:p>
+        </p:txBody>
+      </p:sp>
+      <p:sp>
+        <p:nvSpPr>
+          <p:cNvPr id="46" name="Text Box 45"/>
+          <p:cNvSpPr txBox="1"/>
+          <p:nvPr/>
+        </p:nvSpPr>
+        <p:spPr>
+          <a:xfrm rot="14400000">
+            <a:off x="8519160" y="4330065"/>
+            <a:ext cx="459740" cy="829945"/>
+          </a:xfrm>
+          <a:prstGeom prst="rect">
+            <a:avLst/>
+          </a:prstGeom>
+          <a:noFill/>
+        </p:spPr>
+        <p:txBody>
+          <a:bodyPr vert="eaVert" wrap="square" rtlCol="0">
+            <a:spAutoFit/>
+          </a:bodyPr>
+          <a:p>
+            <a:r>
+              <a:rPr lang="ja-JP" altLang="en-US" b="1"/>
+              <a:t>・・・</a:t>
+            </a:r>
+            <a:endParaRPr lang="en-US" altLang="ja-JP" b="1"/>
+          </a:p>
+        </p:txBody>
+      </p:sp>
+      <p:sp>
+        <p:nvSpPr>
+          <p:cNvPr id="47" name="Text Box 46"/>
+          <p:cNvSpPr txBox="1"/>
+          <p:nvPr/>
+        </p:nvSpPr>
+        <p:spPr>
+          <a:xfrm rot="13260000">
+            <a:off x="8547735" y="5149215"/>
+            <a:ext cx="459740" cy="829945"/>
+          </a:xfrm>
+          <a:prstGeom prst="rect">
+            <a:avLst/>
+          </a:prstGeom>
+          <a:noFill/>
+        </p:spPr>
+        <p:txBody>
+          <a:bodyPr vert="eaVert" wrap="square" rtlCol="0">
+            <a:spAutoFit/>
+          </a:bodyPr>
+          <a:p>
+            <a:r>
+              <a:rPr lang="ja-JP" altLang="en-US" b="1"/>
+              <a:t>・・・</a:t>
+            </a:r>
+            <a:endParaRPr lang="en-US" altLang="ja-JP" b="1"/>
+          </a:p>
+        </p:txBody>
+      </p:sp>
+      <mc:AlternateContent xmlns:mc="http://schemas.openxmlformats.org/markup-compatibility/2006">
+        <mc:Choice xmlns:a14="http://schemas.microsoft.com/office/drawing/2010/main" Requires="a14">
+          <p:sp>
+            <p:nvSpPr>
+              <p:cNvPr id="48" name="Text Box 47"/>
+              <p:cNvSpPr txBox="1"/>
+              <p:nvPr/>
+            </p:nvSpPr>
+            <p:spPr>
+              <a:xfrm>
+                <a:off x="984250" y="1696720"/>
+                <a:ext cx="419100" cy="368300"/>
+              </a:xfrm>
+              <a:prstGeom prst="rect">
+                <a:avLst/>
+              </a:prstGeom>
+              <a:noFill/>
+            </p:spPr>
+            <p:txBody>
+              <a:bodyPr wrap="square" rtlCol="0">
+                <a:spAutoFit/>
+              </a:bodyPr>
+              <a:p>
+                <a14:m>
+                  <m:oMathPara xmlns:m="http://schemas.openxmlformats.org/officeDocument/2006/math">
+                    <m:oMathParaPr>
+                      <m:jc m:val="centerGroup"/>
+                    </m:oMathParaPr>
+                    <m:oMath xmlns:m="http://schemas.openxmlformats.org/officeDocument/2006/math">
+                      <m:sSub>
+                        <m:sSubPr>
+                          <m:ctrlPr>
+                            <a:rPr lang="en-US" i="1">
+                              <a:latin typeface="DejaVu Math TeX Gyre" panose="02000503000000000000" charset="0"/>
+                              <a:cs typeface="DejaVu Math TeX Gyre" panose="02000503000000000000" charset="0"/>
+                            </a:rPr>
+                          </m:ctrlPr>
+                        </m:sSubPr>
+                        <m:e>
+                          <m:r>
+                            <a:rPr lang="en-US" i="1">
+                              <a:latin typeface="DejaVu Math TeX Gyre" panose="02000503000000000000" charset="0"/>
+                              <a:cs typeface="DejaVu Math TeX Gyre" panose="02000503000000000000" charset="0"/>
+                            </a:rPr>
+                            <m:t>𝛼</m:t>
+                          </m:r>
+                        </m:e>
+                        <m:sub>
+                          <m:r>
+                            <a:rPr lang="en-US" i="1">
+                              <a:latin typeface="DejaVu Math TeX Gyre" panose="02000503000000000000" charset="0"/>
+                              <a:cs typeface="DejaVu Math TeX Gyre" panose="02000503000000000000" charset="0"/>
+                            </a:rPr>
+                            <m:t>1</m:t>
+                          </m:r>
+                        </m:sub>
+                      </m:sSub>
+                    </m:oMath>
+                  </m:oMathPara>
+                </a14:m>
+                <a:endParaRPr lang="en-US"/>
+              </a:p>
+            </p:txBody>
+          </p:sp>
+        </mc:Choice>
+        <mc:Fallback>
+          <p:sp>
+            <p:nvSpPr>
+              <p:cNvPr id="48" name="Text Box 47"/>
+              <p:cNvSpPr txBox="1">
+                <a:spLocks noRot="1" noChangeAspect="1" noMove="1" noResize="1" noEditPoints="1" noAdjustHandles="1" noChangeArrowheads="1" noChangeShapeType="1" noTextEdit="1"/>
+              </p:cNvSpPr>
+              <p:nvPr/>
+            </p:nvSpPr>
+            <p:spPr>
+              <a:xfrm>
+                <a:off x="984250" y="1696720"/>
+                <a:ext cx="419100" cy="368300"/>
+              </a:xfrm>
+              <a:prstGeom prst="rect">
+                <a:avLst/>
+              </a:prstGeom>
+              <a:blipFill rotWithShape="1">
+                <a:blip r:embed="rId5"/>
+                <a:stretch>
+                  <a:fillRect/>
+                </a:stretch>
+              </a:blipFill>
+            </p:spPr>
+            <p:txBody>
+              <a:bodyPr/>
+              <a:lstStyle/>
+              <a:p>
+                <a:r>
+                  <a:rPr lang="en-US" altLang="en-US">
+                    <a:noFill/>
+                  </a:rPr>
+                  <a:t> </a:t>
+                </a:r>
+              </a:p>
+            </p:txBody>
+          </p:sp>
+        </mc:Fallback>
+      </mc:AlternateContent>
+      <mc:AlternateContent xmlns:mc="http://schemas.openxmlformats.org/markup-compatibility/2006">
+        <mc:Choice xmlns:a14="http://schemas.microsoft.com/office/drawing/2010/main" Requires="a14">
+          <p:sp>
+            <p:nvSpPr>
+              <p:cNvPr id="49" name="Text Box 48"/>
+              <p:cNvSpPr txBox="1"/>
+              <p:nvPr/>
+            </p:nvSpPr>
+            <p:spPr>
+              <a:xfrm>
+                <a:off x="984250" y="2580640"/>
+                <a:ext cx="419100" cy="368300"/>
+              </a:xfrm>
+              <a:prstGeom prst="rect">
+                <a:avLst/>
+              </a:prstGeom>
+              <a:noFill/>
+            </p:spPr>
+            <p:txBody>
+              <a:bodyPr wrap="square" rtlCol="0">
+                <a:spAutoFit/>
+              </a:bodyPr>
+              <a:p>
+                <a14:m>
+                  <m:oMathPara xmlns:m="http://schemas.openxmlformats.org/officeDocument/2006/math">
+                    <m:oMathParaPr>
+                      <m:jc m:val="centerGroup"/>
+                    </m:oMathParaPr>
+                    <m:oMath xmlns:m="http://schemas.openxmlformats.org/officeDocument/2006/math">
+                      <m:sSub>
+                        <m:sSubPr>
+                          <m:ctrlPr>
+                            <a:rPr lang="en-US" i="1">
+                              <a:latin typeface="DejaVu Math TeX Gyre" panose="02000503000000000000" charset="0"/>
+                              <a:cs typeface="DejaVu Math TeX Gyre" panose="02000503000000000000" charset="0"/>
+                            </a:rPr>
+                          </m:ctrlPr>
+                        </m:sSubPr>
+                        <m:e>
+                          <m:r>
+                            <a:rPr lang="en-US" i="1">
+                              <a:latin typeface="DejaVu Math TeX Gyre" panose="02000503000000000000" charset="0"/>
+                              <a:cs typeface="DejaVu Math TeX Gyre" panose="02000503000000000000" charset="0"/>
+                            </a:rPr>
+                            <m:t>𝛼</m:t>
+                          </m:r>
+                        </m:e>
+                        <m:sub>
+                          <m:r>
+                            <a:rPr lang="en-US" i="1">
+                              <a:latin typeface="DejaVu Math TeX Gyre" panose="02000503000000000000" charset="0"/>
+                              <a:cs typeface="DejaVu Math TeX Gyre" panose="02000503000000000000" charset="0"/>
+                            </a:rPr>
+                            <m:t>2</m:t>
+                          </m:r>
+                        </m:sub>
+                      </m:sSub>
+                    </m:oMath>
+                  </m:oMathPara>
+                </a14:m>
+                <a:endParaRPr lang="en-US"/>
+              </a:p>
+            </p:txBody>
+          </p:sp>
+        </mc:Choice>
+        <mc:Fallback>
+          <p:sp>
+            <p:nvSpPr>
+              <p:cNvPr id="49" name="Text Box 48"/>
+              <p:cNvSpPr txBox="1">
+                <a:spLocks noRot="1" noChangeAspect="1" noMove="1" noResize="1" noEditPoints="1" noAdjustHandles="1" noChangeArrowheads="1" noChangeShapeType="1" noTextEdit="1"/>
+              </p:cNvSpPr>
+              <p:nvPr/>
+            </p:nvSpPr>
+            <p:spPr>
+              <a:xfrm>
+                <a:off x="984250" y="2580640"/>
+                <a:ext cx="419100" cy="368300"/>
+              </a:xfrm>
+              <a:prstGeom prst="rect">
+                <a:avLst/>
+              </a:prstGeom>
+              <a:blipFill rotWithShape="1">
+                <a:blip r:embed="rId6"/>
+                <a:stretch>
+                  <a:fillRect/>
+                </a:stretch>
+              </a:blipFill>
+            </p:spPr>
+            <p:txBody>
+              <a:bodyPr/>
+              <a:lstStyle/>
+              <a:p>
+                <a:r>
+                  <a:rPr lang="en-US" altLang="en-US">
+                    <a:noFill/>
+                  </a:rPr>
+                  <a:t> </a:t>
+                </a:r>
+              </a:p>
+            </p:txBody>
+          </p:sp>
+        </mc:Fallback>
+      </mc:AlternateContent>
+      <mc:AlternateContent xmlns:mc="http://schemas.openxmlformats.org/markup-compatibility/2006">
+        <mc:Choice xmlns:a14="http://schemas.microsoft.com/office/drawing/2010/main" Requires="a14">
+          <p:sp>
+            <p:nvSpPr>
+              <p:cNvPr id="50" name="Text Box 49"/>
+              <p:cNvSpPr txBox="1"/>
+              <p:nvPr/>
+            </p:nvSpPr>
+            <p:spPr>
+              <a:xfrm>
+                <a:off x="984250" y="4664075"/>
+                <a:ext cx="419100" cy="368935"/>
+              </a:xfrm>
+              <a:prstGeom prst="rect">
+                <a:avLst/>
+              </a:prstGeom>
+              <a:noFill/>
+            </p:spPr>
+            <p:txBody>
+              <a:bodyPr wrap="square" rtlCol="0">
+                <a:spAutoFit/>
+              </a:bodyPr>
+              <a:p>
+                <a14:m>
+                  <m:oMathPara xmlns:m="http://schemas.openxmlformats.org/officeDocument/2006/math">
+                    <m:oMathParaPr>
+                      <m:jc m:val="centerGroup"/>
+                    </m:oMathParaPr>
+                    <m:oMath xmlns:m="http://schemas.openxmlformats.org/officeDocument/2006/math">
+                      <m:sSub>
+                        <m:sSubPr>
+                          <m:ctrlPr>
+                            <a:rPr lang="en-US" i="1">
+                              <a:latin typeface="DejaVu Math TeX Gyre" panose="02000503000000000000" charset="0"/>
+                              <a:cs typeface="DejaVu Math TeX Gyre" panose="02000503000000000000" charset="0"/>
+                            </a:rPr>
+                          </m:ctrlPr>
+                        </m:sSubPr>
+                        <m:e>
+                          <m:r>
+                            <a:rPr lang="en-US" i="1">
+                              <a:latin typeface="DejaVu Math TeX Gyre" panose="02000503000000000000" charset="0"/>
+                              <a:cs typeface="DejaVu Math TeX Gyre" panose="02000503000000000000" charset="0"/>
+                            </a:rPr>
+                            <m:t>𝛼</m:t>
+                          </m:r>
+                        </m:e>
+                        <m:sub>
+                          <m:r>
+                            <a:rPr lang="en-US" i="1">
+                              <a:latin typeface="DejaVu Math TeX Gyre" panose="02000503000000000000" charset="0"/>
+                              <a:cs typeface="DejaVu Math TeX Gyre" panose="02000503000000000000" charset="0"/>
+                            </a:rPr>
+                            <m:t>9</m:t>
+                          </m:r>
+                        </m:sub>
+                      </m:sSub>
+                    </m:oMath>
+                  </m:oMathPara>
+                </a14:m>
+                <a:endParaRPr lang="en-US"/>
+              </a:p>
+            </p:txBody>
+          </p:sp>
+        </mc:Choice>
+        <mc:Fallback>
+          <p:sp>
+            <p:nvSpPr>
+              <p:cNvPr id="50" name="Text Box 49"/>
+              <p:cNvSpPr txBox="1">
+                <a:spLocks noRot="1" noChangeAspect="1" noMove="1" noResize="1" noEditPoints="1" noAdjustHandles="1" noChangeArrowheads="1" noChangeShapeType="1" noTextEdit="1"/>
+              </p:cNvSpPr>
+              <p:nvPr/>
+            </p:nvSpPr>
+            <p:spPr>
+              <a:xfrm>
+                <a:off x="984250" y="4664075"/>
+                <a:ext cx="419100" cy="368935"/>
+              </a:xfrm>
+              <a:prstGeom prst="rect">
+                <a:avLst/>
+              </a:prstGeom>
+              <a:blipFill rotWithShape="1">
+                <a:blip r:embed="rId7"/>
+                <a:stretch>
+                  <a:fillRect/>
+                </a:stretch>
+              </a:blipFill>
+            </p:spPr>
+            <p:txBody>
+              <a:bodyPr/>
+              <a:lstStyle/>
+              <a:p>
+                <a:r>
+                  <a:rPr lang="en-US" altLang="en-US">
+                    <a:noFill/>
+                  </a:rPr>
+                  <a:t> </a:t>
+                </a:r>
+              </a:p>
+            </p:txBody>
+          </p:sp>
+        </mc:Fallback>
+      </mc:AlternateContent>
+      <mc:AlternateContent xmlns:mc="http://schemas.openxmlformats.org/markup-compatibility/2006">
+        <mc:Choice xmlns:a14="http://schemas.microsoft.com/office/drawing/2010/main" Requires="a14">
+          <p:sp>
+            <p:nvSpPr>
+              <p:cNvPr id="51" name="Text Box 50"/>
+              <p:cNvSpPr txBox="1"/>
+              <p:nvPr/>
+            </p:nvSpPr>
+            <p:spPr>
+              <a:xfrm>
+                <a:off x="984250" y="5589905"/>
+                <a:ext cx="419100" cy="368935"/>
+              </a:xfrm>
+              <a:prstGeom prst="rect">
+                <a:avLst/>
+              </a:prstGeom>
+              <a:noFill/>
+            </p:spPr>
+            <p:txBody>
+              <a:bodyPr wrap="square" rtlCol="0">
+                <a:spAutoFit/>
+              </a:bodyPr>
+              <a:p>
+                <a14:m>
+                  <m:oMathPara xmlns:m="http://schemas.openxmlformats.org/officeDocument/2006/math">
+                    <m:oMathParaPr>
+                      <m:jc m:val="centerGroup"/>
+                    </m:oMathParaPr>
+                    <m:oMath xmlns:m="http://schemas.openxmlformats.org/officeDocument/2006/math">
+                      <m:sSub>
+                        <m:sSubPr>
+                          <m:ctrlPr>
+                            <a:rPr lang="en-US" i="1">
+                              <a:latin typeface="DejaVu Math TeX Gyre" panose="02000503000000000000" charset="0"/>
+                              <a:cs typeface="DejaVu Math TeX Gyre" panose="02000503000000000000" charset="0"/>
+                            </a:rPr>
+                          </m:ctrlPr>
+                        </m:sSubPr>
+                        <m:e>
+                          <m:r>
+                            <a:rPr lang="en-US" i="1">
+                              <a:latin typeface="DejaVu Math TeX Gyre" panose="02000503000000000000" charset="0"/>
+                              <a:cs typeface="DejaVu Math TeX Gyre" panose="02000503000000000000" charset="0"/>
+                            </a:rPr>
+                            <m:t>𝛼</m:t>
+                          </m:r>
+                        </m:e>
+                        <m:sub>
+                          <m:r>
+                            <a:rPr lang="en-US" i="1">
+                              <a:latin typeface="DejaVu Math TeX Gyre" panose="02000503000000000000" charset="0"/>
+                              <a:cs typeface="DejaVu Math TeX Gyre" panose="02000503000000000000" charset="0"/>
+                            </a:rPr>
+                            <m:t>10</m:t>
+                          </m:r>
+                        </m:sub>
+                      </m:sSub>
+                    </m:oMath>
+                  </m:oMathPara>
+                </a14:m>
+                <a:endParaRPr lang="en-US"/>
+              </a:p>
+            </p:txBody>
+          </p:sp>
+        </mc:Choice>
+        <mc:Fallback>
+          <p:sp>
+            <p:nvSpPr>
+              <p:cNvPr id="51" name="Text Box 50"/>
+              <p:cNvSpPr txBox="1">
+                <a:spLocks noRot="1" noChangeAspect="1" noMove="1" noResize="1" noEditPoints="1" noAdjustHandles="1" noChangeArrowheads="1" noChangeShapeType="1" noTextEdit="1"/>
+              </p:cNvSpPr>
+              <p:nvPr/>
+            </p:nvSpPr>
+            <p:spPr>
+              <a:xfrm>
+                <a:off x="984250" y="5589905"/>
+                <a:ext cx="419100" cy="368935"/>
+              </a:xfrm>
+              <a:prstGeom prst="rect">
+                <a:avLst/>
+              </a:prstGeom>
+              <a:blipFill rotWithShape="1">
+                <a:blip r:embed="rId8"/>
+                <a:stretch>
+                  <a:fillRect r="-22727"/>
+                </a:stretch>
+              </a:blipFill>
+            </p:spPr>
+            <p:txBody>
+              <a:bodyPr/>
+              <a:lstStyle/>
+              <a:p>
+                <a:r>
+                  <a:rPr lang="en-US" altLang="en-US">
+                    <a:noFill/>
+                  </a:rPr>
+                  <a:t> </a:t>
+                </a:r>
+              </a:p>
+            </p:txBody>
+          </p:sp>
+        </mc:Fallback>
+      </mc:AlternateContent>
+      <mc:AlternateContent xmlns:mc="http://schemas.openxmlformats.org/markup-compatibility/2006">
+        <mc:Choice xmlns:a14="http://schemas.microsoft.com/office/drawing/2010/main" Requires="a14">
+          <p:sp>
+            <p:nvSpPr>
+              <p:cNvPr id="52" name="Text Box 51"/>
+              <p:cNvSpPr txBox="1"/>
+              <p:nvPr/>
+            </p:nvSpPr>
+            <p:spPr>
+              <a:xfrm>
+                <a:off x="9999345" y="3572510"/>
+                <a:ext cx="1880235" cy="645160"/>
+              </a:xfrm>
+              <a:prstGeom prst="rect">
+                <a:avLst/>
+              </a:prstGeom>
+              <a:noFill/>
+            </p:spPr>
+            <p:txBody>
+              <a:bodyPr wrap="square" rtlCol="0">
+                <a:spAutoFit/>
+              </a:bodyPr>
+              <a:p>
+                <a:r>
+                  <a:rPr lang="en-US" b="1">
+                    <a:latin typeface="DejaVu Sans" panose="020B0603030804020204" charset="0"/>
+                    <a:cs typeface="DejaVu Sans" panose="020B0603030804020204" charset="0"/>
+                  </a:rPr>
+                  <a:t>Performance</a:t>
+                </a:r>
+                <a:endParaRPr lang="en-US" b="1">
+                  <a:latin typeface="DejaVu Sans" panose="020B0603030804020204" charset="0"/>
+                  <a:cs typeface="DejaVu Sans" panose="020B0603030804020204" charset="0"/>
+                </a:endParaRPr>
+              </a:p>
+              <a:p>
+                <a14:m>
+                  <m:oMathPara xmlns:m="http://schemas.openxmlformats.org/officeDocument/2006/math">
+                    <m:oMathParaPr>
+                      <m:jc m:val="centerGroup"/>
+                    </m:oMathParaPr>
+                    <m:oMath xmlns:m="http://schemas.openxmlformats.org/officeDocument/2006/math">
+                      <m:r>
+                        <a:rPr lang="en-US" i="1">
+                          <a:latin typeface="DejaVu Math TeX Gyre" panose="02000503000000000000" charset="0"/>
+                          <a:cs typeface="DejaVu Math TeX Gyre" panose="02000503000000000000" charset="0"/>
+                        </a:rPr>
+                        <m:t>(</m:t>
+                      </m:r>
+                      <m:r>
+                        <a:rPr lang="en-US" i="1">
+                          <a:latin typeface="DejaVu Math TeX Gyre" panose="02000503000000000000" charset="0"/>
+                          <a:cs typeface="DejaVu Math TeX Gyre" panose="02000503000000000000" charset="0"/>
+                        </a:rPr>
+                        <m:t>𝛼</m:t>
+                      </m:r>
+                      <m:r>
+                        <a:rPr lang="en-US" i="1">
+                          <a:latin typeface="DejaVu Math TeX Gyre" panose="02000503000000000000" charset="0"/>
+                          <a:cs typeface="DejaVu Math TeX Gyre" panose="02000503000000000000" charset="0"/>
+                        </a:rPr>
+                        <m:t>&gt;</m:t>
+                      </m:r>
+                      <m:r>
+                        <a:rPr lang="en-US" i="1">
+                          <a:latin typeface="DejaVu Math TeX Gyre" panose="02000503000000000000" charset="0"/>
+                          <a:cs typeface="DejaVu Math TeX Gyre" panose="02000503000000000000" charset="0"/>
+                        </a:rPr>
+                        <m:t>0</m:t>
+                      </m:r>
+                      <m:r>
+                        <a:rPr lang="en-US" i="1">
+                          <a:latin typeface="DejaVu Math TeX Gyre" panose="02000503000000000000" charset="0"/>
+                          <a:cs typeface="DejaVu Math TeX Gyre" panose="02000503000000000000" charset="0"/>
+                        </a:rPr>
+                        <m:t>)</m:t>
+                      </m:r>
+                    </m:oMath>
+                  </m:oMathPara>
+                </a14:m>
+                <a:endParaRPr lang="en-US" b="1">
+                  <a:latin typeface="DejaVu Sans" panose="020B0603030804020204" charset="0"/>
+                  <a:cs typeface="DejaVu Sans" panose="020B0603030804020204" charset="0"/>
+                </a:endParaRPr>
+              </a:p>
+            </p:txBody>
+          </p:sp>
+        </mc:Choice>
+        <mc:Fallback>
+          <p:sp>
+            <p:nvSpPr>
+              <p:cNvPr id="52" name="Text Box 51"/>
+              <p:cNvSpPr txBox="1">
+                <a:spLocks noRot="1" noChangeAspect="1" noMove="1" noResize="1" noEditPoints="1" noAdjustHandles="1" noChangeArrowheads="1" noChangeShapeType="1" noTextEdit="1"/>
+              </p:cNvSpPr>
+              <p:nvPr/>
+            </p:nvSpPr>
+            <p:spPr>
+              <a:xfrm>
+                <a:off x="9999345" y="3572510"/>
+                <a:ext cx="1880235" cy="645160"/>
+              </a:xfrm>
+              <a:prstGeom prst="rect">
+                <a:avLst/>
+              </a:prstGeom>
+              <a:blipFill rotWithShape="1">
+                <a:blip r:embed="rId9"/>
+                <a:stretch>
+                  <a:fillRect/>
+                </a:stretch>
+              </a:blipFill>
+            </p:spPr>
+            <p:txBody>
+              <a:bodyPr/>
+              <a:lstStyle/>
+              <a:p>
+                <a:r>
+                  <a:rPr lang="en-US" altLang="en-US">
+                    <a:noFill/>
+                  </a:rPr>
+                  <a:t> </a:t>
+                </a:r>
+              </a:p>
+            </p:txBody>
+          </p:sp>
+        </mc:Fallback>
+      </mc:AlternateContent>
     </p:spTree>
   </p:cSld>
   <p:clrMapOvr>
